--- a/Report.pptx
+++ b/Report.pptx
@@ -2,7 +2,7 @@
 <file path=ppt/presentation.xml><?xml version="1.0" encoding="utf-8"?>
 <p:presentation xmlns:a="http://schemas.openxmlformats.org/drawingml/2006/main" xmlns:r="http://schemas.openxmlformats.org/officeDocument/2006/relationships" xmlns:p="http://schemas.openxmlformats.org/presentationml/2006/main" saveSubsetFonts="1">
   <p:sldMasterIdLst>
-    <p:sldMasterId id="2147483648" r:id="rId1"/>
+    <p:sldMasterId id="2147483959" r:id="rId1"/>
   </p:sldMasterIdLst>
   <p:notesMasterIdLst>
     <p:notesMasterId r:id="rId26"/>
@@ -14,14 +14,14 @@
     <p:sldId id="259" r:id="rId5"/>
     <p:sldId id="260" r:id="rId6"/>
     <p:sldId id="297" r:id="rId7"/>
-    <p:sldId id="262" r:id="rId8"/>
+    <p:sldId id="298" r:id="rId8"/>
     <p:sldId id="263" r:id="rId9"/>
     <p:sldId id="269" r:id="rId10"/>
     <p:sldId id="270" r:id="rId11"/>
     <p:sldId id="271" r:id="rId12"/>
     <p:sldId id="267" r:id="rId13"/>
     <p:sldId id="268" r:id="rId14"/>
-    <p:sldId id="272" r:id="rId15"/>
+    <p:sldId id="299" r:id="rId15"/>
     <p:sldId id="275" r:id="rId16"/>
     <p:sldId id="276" r:id="rId17"/>
     <p:sldId id="296" r:id="rId18"/>
@@ -39,7 +39,7 @@
     <a:defPPr>
       <a:defRPr lang="en-US"/>
     </a:defPPr>
-    <a:lvl1pPr marL="0" algn="l" defTabSz="914400" rtl="0" eaLnBrk="1" latinLnBrk="0" hangingPunct="1">
+    <a:lvl1pPr marL="0" algn="l" defTabSz="457200" rtl="0" eaLnBrk="1" latinLnBrk="0" hangingPunct="1">
       <a:defRPr sz="1800" kern="1200">
         <a:solidFill>
           <a:schemeClr val="tx1"/>
@@ -49,7 +49,7 @@
         <a:cs typeface="+mn-cs"/>
       </a:defRPr>
     </a:lvl1pPr>
-    <a:lvl2pPr marL="457200" algn="l" defTabSz="914400" rtl="0" eaLnBrk="1" latinLnBrk="0" hangingPunct="1">
+    <a:lvl2pPr marL="457200" algn="l" defTabSz="457200" rtl="0" eaLnBrk="1" latinLnBrk="0" hangingPunct="1">
       <a:defRPr sz="1800" kern="1200">
         <a:solidFill>
           <a:schemeClr val="tx1"/>
@@ -59,7 +59,7 @@
         <a:cs typeface="+mn-cs"/>
       </a:defRPr>
     </a:lvl2pPr>
-    <a:lvl3pPr marL="914400" algn="l" defTabSz="914400" rtl="0" eaLnBrk="1" latinLnBrk="0" hangingPunct="1">
+    <a:lvl3pPr marL="914400" algn="l" defTabSz="457200" rtl="0" eaLnBrk="1" latinLnBrk="0" hangingPunct="1">
       <a:defRPr sz="1800" kern="1200">
         <a:solidFill>
           <a:schemeClr val="tx1"/>
@@ -69,7 +69,7 @@
         <a:cs typeface="+mn-cs"/>
       </a:defRPr>
     </a:lvl3pPr>
-    <a:lvl4pPr marL="1371600" algn="l" defTabSz="914400" rtl="0" eaLnBrk="1" latinLnBrk="0" hangingPunct="1">
+    <a:lvl4pPr marL="1371600" algn="l" defTabSz="457200" rtl="0" eaLnBrk="1" latinLnBrk="0" hangingPunct="1">
       <a:defRPr sz="1800" kern="1200">
         <a:solidFill>
           <a:schemeClr val="tx1"/>
@@ -79,7 +79,7 @@
         <a:cs typeface="+mn-cs"/>
       </a:defRPr>
     </a:lvl4pPr>
-    <a:lvl5pPr marL="1828800" algn="l" defTabSz="914400" rtl="0" eaLnBrk="1" latinLnBrk="0" hangingPunct="1">
+    <a:lvl5pPr marL="1828800" algn="l" defTabSz="457200" rtl="0" eaLnBrk="1" latinLnBrk="0" hangingPunct="1">
       <a:defRPr sz="1800" kern="1200">
         <a:solidFill>
           <a:schemeClr val="tx1"/>
@@ -89,7 +89,7 @@
         <a:cs typeface="+mn-cs"/>
       </a:defRPr>
     </a:lvl5pPr>
-    <a:lvl6pPr marL="2286000" algn="l" defTabSz="914400" rtl="0" eaLnBrk="1" latinLnBrk="0" hangingPunct="1">
+    <a:lvl6pPr marL="2286000" algn="l" defTabSz="457200" rtl="0" eaLnBrk="1" latinLnBrk="0" hangingPunct="1">
       <a:defRPr sz="1800" kern="1200">
         <a:solidFill>
           <a:schemeClr val="tx1"/>
@@ -99,7 +99,7 @@
         <a:cs typeface="+mn-cs"/>
       </a:defRPr>
     </a:lvl6pPr>
-    <a:lvl7pPr marL="2743200" algn="l" defTabSz="914400" rtl="0" eaLnBrk="1" latinLnBrk="0" hangingPunct="1">
+    <a:lvl7pPr marL="2743200" algn="l" defTabSz="457200" rtl="0" eaLnBrk="1" latinLnBrk="0" hangingPunct="1">
       <a:defRPr sz="1800" kern="1200">
         <a:solidFill>
           <a:schemeClr val="tx1"/>
@@ -109,7 +109,7 @@
         <a:cs typeface="+mn-cs"/>
       </a:defRPr>
     </a:lvl7pPr>
-    <a:lvl8pPr marL="3200400" algn="l" defTabSz="914400" rtl="0" eaLnBrk="1" latinLnBrk="0" hangingPunct="1">
+    <a:lvl8pPr marL="3200400" algn="l" defTabSz="457200" rtl="0" eaLnBrk="1" latinLnBrk="0" hangingPunct="1">
       <a:defRPr sz="1800" kern="1200">
         <a:solidFill>
           <a:schemeClr val="tx1"/>
@@ -119,7 +119,7 @@
         <a:cs typeface="+mn-cs"/>
       </a:defRPr>
     </a:lvl8pPr>
-    <a:lvl9pPr marL="3657600" algn="l" defTabSz="914400" rtl="0" eaLnBrk="1" latinLnBrk="0" hangingPunct="1">
+    <a:lvl9pPr marL="3657600" algn="l" defTabSz="457200" rtl="0" eaLnBrk="1" latinLnBrk="0" hangingPunct="1">
       <a:defRPr sz="1800" kern="1200">
         <a:solidFill>
           <a:schemeClr val="tx1"/>
@@ -612,18 +612,23 @@
         </p:nvSpPr>
         <p:spPr>
           <a:xfrm>
-            <a:off x="685800" y="2130425"/>
-            <a:ext cx="7772400" cy="1470025"/>
+            <a:off x="866442" y="1447801"/>
+            <a:ext cx="6620968" cy="3329581"/>
           </a:xfrm>
         </p:spPr>
         <p:txBody>
-          <a:bodyPr/>
-          <a:lstStyle/>
+          <a:bodyPr anchor="b"/>
+          <a:lstStyle>
+            <a:lvl1pPr>
+              <a:defRPr sz="7200"/>
+            </a:lvl1pPr>
+          </a:lstStyle>
           <a:p>
             <a:r>
               <a:rPr lang="en-US"/>
               <a:t>Click to edit Master title style</a:t>
             </a:r>
+            <a:endParaRPr lang="en-US" dirty="0"/>
           </a:p>
         </p:txBody>
       </p:sp>
@@ -639,19 +644,20 @@
         </p:nvSpPr>
         <p:spPr>
           <a:xfrm>
-            <a:off x="1371600" y="3886200"/>
-            <a:ext cx="6400800" cy="1752600"/>
+            <a:off x="866442" y="4777380"/>
+            <a:ext cx="6620968" cy="861420"/>
           </a:xfrm>
         </p:spPr>
         <p:txBody>
-          <a:bodyPr/>
+          <a:bodyPr anchor="t"/>
           <a:lstStyle>
-            <a:lvl1pPr marL="0" indent="0" algn="ctr">
-              <a:buNone/>
-              <a:defRPr>
+            <a:lvl1pPr marL="0" indent="0" algn="l">
+              <a:buNone/>
+              <a:defRPr cap="all">
                 <a:solidFill>
-                  <a:schemeClr val="tx1">
-                    <a:tint val="75000"/>
+                  <a:schemeClr val="bg2">
+                    <a:lumMod val="40000"/>
+                    <a:lumOff val="60000"/>
                   </a:schemeClr>
                 </a:solidFill>
               </a:defRPr>
@@ -742,6 +748,7 @@
               <a:rPr lang="en-US"/>
               <a:t>Click to edit Master subtitle style</a:t>
             </a:r>
+            <a:endParaRPr lang="en-US" dirty="0"/>
           </a:p>
         </p:txBody>
       </p:sp>
@@ -813,6 +820,11 @@
         </p:txBody>
       </p:sp>
     </p:spTree>
+    <p:extLst>
+      <p:ext uri="{BB962C8B-B14F-4D97-AF65-F5344CB8AC3E}">
+        <p14:creationId xmlns:p14="http://schemas.microsoft.com/office/powerpoint/2010/main" val="1335480159"/>
+      </p:ext>
+    </p:extLst>
   </p:cSld>
   <p:clrMapOvr>
     <a:masterClrMapping/>
@@ -821,6 +833,2584 @@
 </file>
 
 <file path=ppt/slideLayouts/slideLayout10.xml><?xml version="1.0" encoding="utf-8"?>
+<p:sldLayout xmlns:a="http://schemas.openxmlformats.org/drawingml/2006/main" xmlns:r="http://schemas.openxmlformats.org/officeDocument/2006/relationships" xmlns:p="http://schemas.openxmlformats.org/presentationml/2006/main" preserve="1">
+  <p:cSld name="Panoramic Picture with Caption">
+    <p:spTree>
+      <p:nvGrpSpPr>
+        <p:cNvPr id="1" name=""/>
+        <p:cNvGrpSpPr/>
+        <p:nvPr/>
+      </p:nvGrpSpPr>
+      <p:grpSpPr>
+        <a:xfrm>
+          <a:off x="0" y="0"/>
+          <a:ext cx="0" cy="0"/>
+          <a:chOff x="0" y="0"/>
+          <a:chExt cx="0" cy="0"/>
+        </a:xfrm>
+      </p:grpSpPr>
+      <p:sp>
+        <p:nvSpPr>
+          <p:cNvPr id="2" name="Title 1"/>
+          <p:cNvSpPr>
+            <a:spLocks noGrp="1"/>
+          </p:cNvSpPr>
+          <p:nvPr>
+            <p:ph type="title"/>
+          </p:nvPr>
+        </p:nvSpPr>
+        <p:spPr>
+          <a:xfrm>
+            <a:off x="866443" y="4800587"/>
+            <a:ext cx="6620967" cy="566738"/>
+          </a:xfrm>
+        </p:spPr>
+        <p:txBody>
+          <a:bodyPr anchor="b">
+            <a:normAutofit/>
+          </a:bodyPr>
+          <a:lstStyle>
+            <a:lvl1pPr algn="l">
+              <a:defRPr sz="2400" b="0"/>
+            </a:lvl1pPr>
+          </a:lstStyle>
+          <a:p>
+            <a:r>
+              <a:rPr lang="en-US"/>
+              <a:t>Click to edit Master title style</a:t>
+            </a:r>
+            <a:endParaRPr lang="en-US" dirty="0"/>
+          </a:p>
+        </p:txBody>
+      </p:sp>
+      <p:sp>
+        <p:nvSpPr>
+          <p:cNvPr id="3" name="Picture Placeholder 2"/>
+          <p:cNvSpPr>
+            <a:spLocks noGrp="1" noChangeAspect="1"/>
+          </p:cNvSpPr>
+          <p:nvPr>
+            <p:ph type="pic" idx="1"/>
+          </p:nvPr>
+        </p:nvSpPr>
+        <p:spPr>
+          <a:xfrm>
+            <a:off x="866442" y="685800"/>
+            <a:ext cx="6620968" cy="3640666"/>
+          </a:xfrm>
+          <a:prstGeom prst="roundRect">
+            <a:avLst>
+              <a:gd name="adj" fmla="val 1858"/>
+            </a:avLst>
+          </a:prstGeom>
+          <a:effectLst>
+            <a:outerShdw blurRad="50800" dist="50800" dir="5400000" algn="tl" rotWithShape="0">
+              <a:srgbClr val="000000">
+                <a:alpha val="43000"/>
+              </a:srgbClr>
+            </a:outerShdw>
+          </a:effectLst>
+        </p:spPr>
+        <p:txBody>
+          <a:bodyPr anchor="t">
+            <a:normAutofit/>
+          </a:bodyPr>
+          <a:lstStyle>
+            <a:lvl1pPr marL="0" indent="0" algn="ctr">
+              <a:buNone/>
+              <a:defRPr sz="1600"/>
+            </a:lvl1pPr>
+            <a:lvl2pPr marL="457200" indent="0">
+              <a:buNone/>
+              <a:defRPr sz="1600"/>
+            </a:lvl2pPr>
+            <a:lvl3pPr marL="914400" indent="0">
+              <a:buNone/>
+              <a:defRPr sz="1600"/>
+            </a:lvl3pPr>
+            <a:lvl4pPr marL="1371600" indent="0">
+              <a:buNone/>
+              <a:defRPr sz="1600"/>
+            </a:lvl4pPr>
+            <a:lvl5pPr marL="1828800" indent="0">
+              <a:buNone/>
+              <a:defRPr sz="1600"/>
+            </a:lvl5pPr>
+            <a:lvl6pPr marL="2286000" indent="0">
+              <a:buNone/>
+              <a:defRPr sz="1600"/>
+            </a:lvl6pPr>
+            <a:lvl7pPr marL="2743200" indent="0">
+              <a:buNone/>
+              <a:defRPr sz="1600"/>
+            </a:lvl7pPr>
+            <a:lvl8pPr marL="3200400" indent="0">
+              <a:buNone/>
+              <a:defRPr sz="1600"/>
+            </a:lvl8pPr>
+            <a:lvl9pPr marL="3657600" indent="0">
+              <a:buNone/>
+              <a:defRPr sz="1600"/>
+            </a:lvl9pPr>
+          </a:lstStyle>
+          <a:p>
+            <a:r>
+              <a:rPr lang="en-US"/>
+              <a:t>Click icon to add picture</a:t>
+            </a:r>
+            <a:endParaRPr lang="en-US" dirty="0"/>
+          </a:p>
+        </p:txBody>
+      </p:sp>
+      <p:sp>
+        <p:nvSpPr>
+          <p:cNvPr id="4" name="Text Placeholder 3"/>
+          <p:cNvSpPr>
+            <a:spLocks noGrp="1"/>
+          </p:cNvSpPr>
+          <p:nvPr>
+            <p:ph type="body" sz="half" idx="2"/>
+          </p:nvPr>
+        </p:nvSpPr>
+        <p:spPr>
+          <a:xfrm>
+            <a:off x="866443" y="5367325"/>
+            <a:ext cx="6620966" cy="493712"/>
+          </a:xfrm>
+        </p:spPr>
+        <p:txBody>
+          <a:bodyPr>
+            <a:normAutofit/>
+          </a:bodyPr>
+          <a:lstStyle>
+            <a:lvl1pPr marL="0" indent="0">
+              <a:buNone/>
+              <a:defRPr sz="1200"/>
+            </a:lvl1pPr>
+            <a:lvl2pPr marL="457200" indent="0">
+              <a:buNone/>
+              <a:defRPr sz="1200"/>
+            </a:lvl2pPr>
+            <a:lvl3pPr marL="914400" indent="0">
+              <a:buNone/>
+              <a:defRPr sz="1000"/>
+            </a:lvl3pPr>
+            <a:lvl4pPr marL="1371600" indent="0">
+              <a:buNone/>
+              <a:defRPr sz="900"/>
+            </a:lvl4pPr>
+            <a:lvl5pPr marL="1828800" indent="0">
+              <a:buNone/>
+              <a:defRPr sz="900"/>
+            </a:lvl5pPr>
+            <a:lvl6pPr marL="2286000" indent="0">
+              <a:buNone/>
+              <a:defRPr sz="900"/>
+            </a:lvl6pPr>
+            <a:lvl7pPr marL="2743200" indent="0">
+              <a:buNone/>
+              <a:defRPr sz="900"/>
+            </a:lvl7pPr>
+            <a:lvl8pPr marL="3200400" indent="0">
+              <a:buNone/>
+              <a:defRPr sz="900"/>
+            </a:lvl8pPr>
+            <a:lvl9pPr marL="3657600" indent="0">
+              <a:buNone/>
+              <a:defRPr sz="900"/>
+            </a:lvl9pPr>
+          </a:lstStyle>
+          <a:p>
+            <a:pPr lvl="0"/>
+            <a:r>
+              <a:rPr lang="en-US"/>
+              <a:t>Click to edit Master text styles</a:t>
+            </a:r>
+          </a:p>
+        </p:txBody>
+      </p:sp>
+      <p:sp>
+        <p:nvSpPr>
+          <p:cNvPr id="5" name="Date Placeholder 4"/>
+          <p:cNvSpPr>
+            <a:spLocks noGrp="1"/>
+          </p:cNvSpPr>
+          <p:nvPr>
+            <p:ph type="dt" sz="half" idx="10"/>
+          </p:nvPr>
+        </p:nvSpPr>
+        <p:spPr/>
+        <p:txBody>
+          <a:bodyPr/>
+          <a:lstStyle/>
+          <a:p>
+            <a:fld id="{1D8BD707-D9CF-40AE-B4C6-C98DA3205C09}" type="datetimeFigureOut">
+              <a:rPr lang="en-US" smtClean="0"/>
+              <a:pPr/>
+              <a:t>2/6/2024</a:t>
+            </a:fld>
+            <a:endParaRPr lang="en-US"/>
+          </a:p>
+        </p:txBody>
+      </p:sp>
+      <p:sp>
+        <p:nvSpPr>
+          <p:cNvPr id="6" name="Footer Placeholder 5"/>
+          <p:cNvSpPr>
+            <a:spLocks noGrp="1"/>
+          </p:cNvSpPr>
+          <p:nvPr>
+            <p:ph type="ftr" sz="quarter" idx="11"/>
+          </p:nvPr>
+        </p:nvSpPr>
+        <p:spPr/>
+        <p:txBody>
+          <a:bodyPr/>
+          <a:lstStyle/>
+          <a:p>
+            <a:endParaRPr lang="en-US"/>
+          </a:p>
+        </p:txBody>
+      </p:sp>
+      <p:sp>
+        <p:nvSpPr>
+          <p:cNvPr id="7" name="Slide Number Placeholder 6"/>
+          <p:cNvSpPr>
+            <a:spLocks noGrp="1"/>
+          </p:cNvSpPr>
+          <p:nvPr>
+            <p:ph type="sldNum" sz="quarter" idx="12"/>
+          </p:nvPr>
+        </p:nvSpPr>
+        <p:spPr/>
+        <p:txBody>
+          <a:bodyPr/>
+          <a:lstStyle/>
+          <a:p>
+            <a:fld id="{B6F15528-21DE-4FAA-801E-634DDDAF4B2B}" type="slidenum">
+              <a:rPr lang="en-US" smtClean="0"/>
+              <a:pPr/>
+              <a:t>‹#›</a:t>
+            </a:fld>
+            <a:endParaRPr lang="en-US"/>
+          </a:p>
+        </p:txBody>
+      </p:sp>
+    </p:spTree>
+    <p:extLst>
+      <p:ext uri="{BB962C8B-B14F-4D97-AF65-F5344CB8AC3E}">
+        <p14:creationId xmlns:p14="http://schemas.microsoft.com/office/powerpoint/2010/main" val="659536817"/>
+      </p:ext>
+    </p:extLst>
+  </p:cSld>
+  <p:clrMapOvr>
+    <a:masterClrMapping/>
+  </p:clrMapOvr>
+</p:sldLayout>
+</file>
+
+<file path=ppt/slideLayouts/slideLayout11.xml><?xml version="1.0" encoding="utf-8"?>
+<p:sldLayout xmlns:a="http://schemas.openxmlformats.org/drawingml/2006/main" xmlns:r="http://schemas.openxmlformats.org/officeDocument/2006/relationships" xmlns:p="http://schemas.openxmlformats.org/presentationml/2006/main" preserve="1">
+  <p:cSld name="Title and Caption">
+    <p:spTree>
+      <p:nvGrpSpPr>
+        <p:cNvPr id="1" name=""/>
+        <p:cNvGrpSpPr/>
+        <p:nvPr/>
+      </p:nvGrpSpPr>
+      <p:grpSpPr>
+        <a:xfrm>
+          <a:off x="0" y="0"/>
+          <a:ext cx="0" cy="0"/>
+          <a:chOff x="0" y="0"/>
+          <a:chExt cx="0" cy="0"/>
+        </a:xfrm>
+      </p:grpSpPr>
+      <p:sp>
+        <p:nvSpPr>
+          <p:cNvPr id="2" name="Title 1"/>
+          <p:cNvSpPr>
+            <a:spLocks noGrp="1"/>
+          </p:cNvSpPr>
+          <p:nvPr>
+            <p:ph type="title"/>
+          </p:nvPr>
+        </p:nvSpPr>
+        <p:spPr>
+          <a:xfrm>
+            <a:off x="866442" y="1447800"/>
+            <a:ext cx="6620968" cy="1981200"/>
+          </a:xfrm>
+        </p:spPr>
+        <p:txBody>
+          <a:bodyPr/>
+          <a:lstStyle>
+            <a:lvl1pPr>
+              <a:defRPr sz="4800"/>
+            </a:lvl1pPr>
+          </a:lstStyle>
+          <a:p>
+            <a:r>
+              <a:rPr lang="en-US"/>
+              <a:t>Click to edit Master title style</a:t>
+            </a:r>
+            <a:endParaRPr lang="en-US" dirty="0"/>
+          </a:p>
+        </p:txBody>
+      </p:sp>
+      <p:sp>
+        <p:nvSpPr>
+          <p:cNvPr id="8" name="Text Placeholder 3"/>
+          <p:cNvSpPr>
+            <a:spLocks noGrp="1"/>
+          </p:cNvSpPr>
+          <p:nvPr>
+            <p:ph type="body" sz="half" idx="2"/>
+          </p:nvPr>
+        </p:nvSpPr>
+        <p:spPr>
+          <a:xfrm>
+            <a:off x="866442" y="3657600"/>
+            <a:ext cx="6620968" cy="2362200"/>
+          </a:xfrm>
+        </p:spPr>
+        <p:txBody>
+          <a:bodyPr anchor="ctr">
+            <a:normAutofit/>
+          </a:bodyPr>
+          <a:lstStyle>
+            <a:lvl1pPr marL="0" indent="0">
+              <a:buNone/>
+              <a:defRPr sz="1800"/>
+            </a:lvl1pPr>
+            <a:lvl2pPr marL="457200" indent="0">
+              <a:buNone/>
+              <a:defRPr sz="1200"/>
+            </a:lvl2pPr>
+            <a:lvl3pPr marL="914400" indent="0">
+              <a:buNone/>
+              <a:defRPr sz="1000"/>
+            </a:lvl3pPr>
+            <a:lvl4pPr marL="1371600" indent="0">
+              <a:buNone/>
+              <a:defRPr sz="900"/>
+            </a:lvl4pPr>
+            <a:lvl5pPr marL="1828800" indent="0">
+              <a:buNone/>
+              <a:defRPr sz="900"/>
+            </a:lvl5pPr>
+            <a:lvl6pPr marL="2286000" indent="0">
+              <a:buNone/>
+              <a:defRPr sz="900"/>
+            </a:lvl6pPr>
+            <a:lvl7pPr marL="2743200" indent="0">
+              <a:buNone/>
+              <a:defRPr sz="900"/>
+            </a:lvl7pPr>
+            <a:lvl8pPr marL="3200400" indent="0">
+              <a:buNone/>
+              <a:defRPr sz="900"/>
+            </a:lvl8pPr>
+            <a:lvl9pPr marL="3657600" indent="0">
+              <a:buNone/>
+              <a:defRPr sz="900"/>
+            </a:lvl9pPr>
+          </a:lstStyle>
+          <a:p>
+            <a:pPr lvl="0"/>
+            <a:r>
+              <a:rPr lang="en-US"/>
+              <a:t>Click to edit Master text styles</a:t>
+            </a:r>
+          </a:p>
+        </p:txBody>
+      </p:sp>
+      <p:sp>
+        <p:nvSpPr>
+          <p:cNvPr id="4" name="Date Placeholder 3"/>
+          <p:cNvSpPr>
+            <a:spLocks noGrp="1"/>
+          </p:cNvSpPr>
+          <p:nvPr>
+            <p:ph type="dt" sz="half" idx="10"/>
+          </p:nvPr>
+        </p:nvSpPr>
+        <p:spPr/>
+        <p:txBody>
+          <a:bodyPr/>
+          <a:lstStyle/>
+          <a:p>
+            <a:fld id="{1D8BD707-D9CF-40AE-B4C6-C98DA3205C09}" type="datetimeFigureOut">
+              <a:rPr lang="en-US" smtClean="0"/>
+              <a:pPr/>
+              <a:t>2/6/2024</a:t>
+            </a:fld>
+            <a:endParaRPr lang="en-US"/>
+          </a:p>
+        </p:txBody>
+      </p:sp>
+      <p:sp>
+        <p:nvSpPr>
+          <p:cNvPr id="5" name="Footer Placeholder 4"/>
+          <p:cNvSpPr>
+            <a:spLocks noGrp="1"/>
+          </p:cNvSpPr>
+          <p:nvPr>
+            <p:ph type="ftr" sz="quarter" idx="11"/>
+          </p:nvPr>
+        </p:nvSpPr>
+        <p:spPr/>
+        <p:txBody>
+          <a:bodyPr/>
+          <a:lstStyle/>
+          <a:p>
+            <a:endParaRPr lang="en-US"/>
+          </a:p>
+        </p:txBody>
+      </p:sp>
+      <p:sp>
+        <p:nvSpPr>
+          <p:cNvPr id="6" name="Slide Number Placeholder 5"/>
+          <p:cNvSpPr>
+            <a:spLocks noGrp="1"/>
+          </p:cNvSpPr>
+          <p:nvPr>
+            <p:ph type="sldNum" sz="quarter" idx="12"/>
+          </p:nvPr>
+        </p:nvSpPr>
+        <p:spPr/>
+        <p:txBody>
+          <a:bodyPr/>
+          <a:lstStyle/>
+          <a:p>
+            <a:fld id="{B6F15528-21DE-4FAA-801E-634DDDAF4B2B}" type="slidenum">
+              <a:rPr lang="en-US" smtClean="0"/>
+              <a:pPr/>
+              <a:t>‹#›</a:t>
+            </a:fld>
+            <a:endParaRPr lang="en-US"/>
+          </a:p>
+        </p:txBody>
+      </p:sp>
+    </p:spTree>
+    <p:extLst>
+      <p:ext uri="{BB962C8B-B14F-4D97-AF65-F5344CB8AC3E}">
+        <p14:creationId xmlns:p14="http://schemas.microsoft.com/office/powerpoint/2010/main" val="3794738411"/>
+      </p:ext>
+    </p:extLst>
+  </p:cSld>
+  <p:clrMapOvr>
+    <a:masterClrMapping/>
+  </p:clrMapOvr>
+</p:sldLayout>
+</file>
+
+<file path=ppt/slideLayouts/slideLayout12.xml><?xml version="1.0" encoding="utf-8"?>
+<p:sldLayout xmlns:a="http://schemas.openxmlformats.org/drawingml/2006/main" xmlns:r="http://schemas.openxmlformats.org/officeDocument/2006/relationships" xmlns:p="http://schemas.openxmlformats.org/presentationml/2006/main" preserve="1">
+  <p:cSld name="Quote with Caption">
+    <p:spTree>
+      <p:nvGrpSpPr>
+        <p:cNvPr id="1" name=""/>
+        <p:cNvGrpSpPr/>
+        <p:nvPr/>
+      </p:nvGrpSpPr>
+      <p:grpSpPr>
+        <a:xfrm>
+          <a:off x="0" y="0"/>
+          <a:ext cx="0" cy="0"/>
+          <a:chOff x="0" y="0"/>
+          <a:chExt cx="0" cy="0"/>
+        </a:xfrm>
+      </p:grpSpPr>
+      <p:sp>
+        <p:nvSpPr>
+          <p:cNvPr id="2" name="Title 1"/>
+          <p:cNvSpPr>
+            <a:spLocks noGrp="1"/>
+          </p:cNvSpPr>
+          <p:nvPr>
+            <p:ph type="title"/>
+          </p:nvPr>
+        </p:nvSpPr>
+        <p:spPr>
+          <a:xfrm>
+            <a:off x="1181409" y="1447800"/>
+            <a:ext cx="6001049" cy="2323374"/>
+          </a:xfrm>
+        </p:spPr>
+        <p:txBody>
+          <a:bodyPr/>
+          <a:lstStyle>
+            <a:lvl1pPr>
+              <a:defRPr sz="4800"/>
+            </a:lvl1pPr>
+          </a:lstStyle>
+          <a:p>
+            <a:r>
+              <a:rPr lang="en-US"/>
+              <a:t>Click to edit Master title style</a:t>
+            </a:r>
+            <a:endParaRPr lang="en-US" dirty="0"/>
+          </a:p>
+        </p:txBody>
+      </p:sp>
+      <p:sp>
+        <p:nvSpPr>
+          <p:cNvPr id="11" name="Text Placeholder 3"/>
+          <p:cNvSpPr>
+            <a:spLocks noGrp="1"/>
+          </p:cNvSpPr>
+          <p:nvPr>
+            <p:ph type="body" sz="half" idx="14"/>
+          </p:nvPr>
+        </p:nvSpPr>
+        <p:spPr>
+          <a:xfrm>
+            <a:off x="1448177" y="3771174"/>
+            <a:ext cx="5461159" cy="342174"/>
+          </a:xfrm>
+        </p:spPr>
+        <p:txBody>
+          <a:bodyPr vert="horz" lIns="91440" tIns="45720" rIns="91440" bIns="45720" rtlCol="0" anchor="t">
+            <a:normAutofit/>
+          </a:bodyPr>
+          <a:lstStyle>
+            <a:lvl1pPr marL="0" indent="0">
+              <a:buNone/>
+              <a:defRPr lang="en-US" sz="1400" b="0" i="0" kern="1200" cap="small" dirty="0">
+                <a:solidFill>
+                  <a:schemeClr val="bg2">
+                    <a:lumMod val="40000"/>
+                    <a:lumOff val="60000"/>
+                  </a:schemeClr>
+                </a:solidFill>
+                <a:latin typeface="+mj-lt"/>
+                <a:ea typeface="+mj-ea"/>
+                <a:cs typeface="+mj-cs"/>
+              </a:defRPr>
+            </a:lvl1pPr>
+            <a:lvl2pPr marL="457200" indent="0">
+              <a:buNone/>
+              <a:defRPr sz="1200"/>
+            </a:lvl2pPr>
+            <a:lvl3pPr marL="914400" indent="0">
+              <a:buNone/>
+              <a:defRPr sz="1000"/>
+            </a:lvl3pPr>
+            <a:lvl4pPr marL="1371600" indent="0">
+              <a:buNone/>
+              <a:defRPr sz="900"/>
+            </a:lvl4pPr>
+            <a:lvl5pPr marL="1828800" indent="0">
+              <a:buNone/>
+              <a:defRPr sz="900"/>
+            </a:lvl5pPr>
+            <a:lvl6pPr marL="2286000" indent="0">
+              <a:buNone/>
+              <a:defRPr sz="900"/>
+            </a:lvl6pPr>
+            <a:lvl7pPr marL="2743200" indent="0">
+              <a:buNone/>
+              <a:defRPr sz="900"/>
+            </a:lvl7pPr>
+            <a:lvl8pPr marL="3200400" indent="0">
+              <a:buNone/>
+              <a:defRPr sz="900"/>
+            </a:lvl8pPr>
+            <a:lvl9pPr marL="3657600" indent="0">
+              <a:buNone/>
+              <a:defRPr sz="900"/>
+            </a:lvl9pPr>
+          </a:lstStyle>
+          <a:p>
+            <a:pPr marL="0" lvl="0" indent="0">
+              <a:buNone/>
+            </a:pPr>
+            <a:r>
+              <a:rPr lang="en-US"/>
+              <a:t>Click to edit Master text styles</a:t>
+            </a:r>
+          </a:p>
+        </p:txBody>
+      </p:sp>
+      <p:sp>
+        <p:nvSpPr>
+          <p:cNvPr id="10" name="Text Placeholder 3"/>
+          <p:cNvSpPr>
+            <a:spLocks noGrp="1"/>
+          </p:cNvSpPr>
+          <p:nvPr>
+            <p:ph type="body" sz="half" idx="2"/>
+          </p:nvPr>
+        </p:nvSpPr>
+        <p:spPr>
+          <a:xfrm>
+            <a:off x="866442" y="4350657"/>
+            <a:ext cx="6620968" cy="1676400"/>
+          </a:xfrm>
+        </p:spPr>
+        <p:txBody>
+          <a:bodyPr anchor="ctr">
+            <a:normAutofit/>
+          </a:bodyPr>
+          <a:lstStyle>
+            <a:lvl1pPr marL="0" indent="0">
+              <a:buNone/>
+              <a:defRPr sz="1800"/>
+            </a:lvl1pPr>
+            <a:lvl2pPr marL="457200" indent="0">
+              <a:buNone/>
+              <a:defRPr sz="1200"/>
+            </a:lvl2pPr>
+            <a:lvl3pPr marL="914400" indent="0">
+              <a:buNone/>
+              <a:defRPr sz="1000"/>
+            </a:lvl3pPr>
+            <a:lvl4pPr marL="1371600" indent="0">
+              <a:buNone/>
+              <a:defRPr sz="900"/>
+            </a:lvl4pPr>
+            <a:lvl5pPr marL="1828800" indent="0">
+              <a:buNone/>
+              <a:defRPr sz="900"/>
+            </a:lvl5pPr>
+            <a:lvl6pPr marL="2286000" indent="0">
+              <a:buNone/>
+              <a:defRPr sz="900"/>
+            </a:lvl6pPr>
+            <a:lvl7pPr marL="2743200" indent="0">
+              <a:buNone/>
+              <a:defRPr sz="900"/>
+            </a:lvl7pPr>
+            <a:lvl8pPr marL="3200400" indent="0">
+              <a:buNone/>
+              <a:defRPr sz="900"/>
+            </a:lvl8pPr>
+            <a:lvl9pPr marL="3657600" indent="0">
+              <a:buNone/>
+              <a:defRPr sz="900"/>
+            </a:lvl9pPr>
+          </a:lstStyle>
+          <a:p>
+            <a:pPr lvl="0"/>
+            <a:r>
+              <a:rPr lang="en-US"/>
+              <a:t>Click to edit Master text styles</a:t>
+            </a:r>
+          </a:p>
+        </p:txBody>
+      </p:sp>
+      <p:sp>
+        <p:nvSpPr>
+          <p:cNvPr id="4" name="Date Placeholder 3"/>
+          <p:cNvSpPr>
+            <a:spLocks noGrp="1"/>
+          </p:cNvSpPr>
+          <p:nvPr>
+            <p:ph type="dt" sz="half" idx="10"/>
+          </p:nvPr>
+        </p:nvSpPr>
+        <p:spPr/>
+        <p:txBody>
+          <a:bodyPr/>
+          <a:lstStyle/>
+          <a:p>
+            <a:fld id="{1D8BD707-D9CF-40AE-B4C6-C98DA3205C09}" type="datetimeFigureOut">
+              <a:rPr lang="en-US" smtClean="0"/>
+              <a:pPr/>
+              <a:t>2/6/2024</a:t>
+            </a:fld>
+            <a:endParaRPr lang="en-US"/>
+          </a:p>
+        </p:txBody>
+      </p:sp>
+      <p:sp>
+        <p:nvSpPr>
+          <p:cNvPr id="5" name="Footer Placeholder 4"/>
+          <p:cNvSpPr>
+            <a:spLocks noGrp="1"/>
+          </p:cNvSpPr>
+          <p:nvPr>
+            <p:ph type="ftr" sz="quarter" idx="11"/>
+          </p:nvPr>
+        </p:nvSpPr>
+        <p:spPr/>
+        <p:txBody>
+          <a:bodyPr/>
+          <a:lstStyle/>
+          <a:p>
+            <a:endParaRPr lang="en-US"/>
+          </a:p>
+        </p:txBody>
+      </p:sp>
+      <p:sp>
+        <p:nvSpPr>
+          <p:cNvPr id="6" name="Slide Number Placeholder 5"/>
+          <p:cNvSpPr>
+            <a:spLocks noGrp="1"/>
+          </p:cNvSpPr>
+          <p:nvPr>
+            <p:ph type="sldNum" sz="quarter" idx="12"/>
+          </p:nvPr>
+        </p:nvSpPr>
+        <p:spPr/>
+        <p:txBody>
+          <a:bodyPr/>
+          <a:lstStyle/>
+          <a:p>
+            <a:fld id="{B6F15528-21DE-4FAA-801E-634DDDAF4B2B}" type="slidenum">
+              <a:rPr lang="en-US" smtClean="0"/>
+              <a:pPr/>
+              <a:t>‹#›</a:t>
+            </a:fld>
+            <a:endParaRPr lang="en-US"/>
+          </a:p>
+        </p:txBody>
+      </p:sp>
+      <p:sp>
+        <p:nvSpPr>
+          <p:cNvPr id="12" name="TextBox 11"/>
+          <p:cNvSpPr txBox="1"/>
+          <p:nvPr/>
+        </p:nvSpPr>
+        <p:spPr>
+          <a:xfrm>
+            <a:off x="673897" y="971253"/>
+            <a:ext cx="601591" cy="1969770"/>
+          </a:xfrm>
+          <a:prstGeom prst="rect">
+            <a:avLst/>
+          </a:prstGeom>
+          <a:noFill/>
+        </p:spPr>
+        <p:txBody>
+          <a:bodyPr wrap="square" rtlCol="0">
+            <a:spAutoFit/>
+          </a:bodyPr>
+          <a:lstStyle>
+            <a:defPPr>
+              <a:defRPr lang="en-US"/>
+            </a:defPPr>
+            <a:lvl1pPr algn="r">
+              <a:defRPr sz="12200" b="0" i="0">
+                <a:solidFill>
+                  <a:schemeClr val="bg2">
+                    <a:lumMod val="40000"/>
+                    <a:lumOff val="60000"/>
+                  </a:schemeClr>
+                </a:solidFill>
+                <a:latin typeface="Arial"/>
+                <a:ea typeface="+mj-ea"/>
+                <a:cs typeface="+mj-cs"/>
+              </a:defRPr>
+            </a:lvl1pPr>
+          </a:lstStyle>
+          <a:p>
+            <a:pPr lvl="0"/>
+            <a:r>
+              <a:rPr lang="en-US" sz="12200" dirty="0"/>
+              <a:t>“</a:t>
+            </a:r>
+          </a:p>
+        </p:txBody>
+      </p:sp>
+      <p:sp>
+        <p:nvSpPr>
+          <p:cNvPr id="15" name="TextBox 14"/>
+          <p:cNvSpPr txBox="1"/>
+          <p:nvPr/>
+        </p:nvSpPr>
+        <p:spPr>
+          <a:xfrm>
+            <a:off x="6999690" y="2613787"/>
+            <a:ext cx="601591" cy="1969770"/>
+          </a:xfrm>
+          <a:prstGeom prst="rect">
+            <a:avLst/>
+          </a:prstGeom>
+          <a:noFill/>
+        </p:spPr>
+        <p:txBody>
+          <a:bodyPr wrap="square" rtlCol="0">
+            <a:spAutoFit/>
+          </a:bodyPr>
+          <a:lstStyle>
+            <a:defPPr>
+              <a:defRPr lang="en-US"/>
+            </a:defPPr>
+            <a:lvl1pPr algn="r">
+              <a:defRPr sz="12200" b="0" i="0">
+                <a:solidFill>
+                  <a:schemeClr val="bg2">
+                    <a:lumMod val="40000"/>
+                    <a:lumOff val="60000"/>
+                  </a:schemeClr>
+                </a:solidFill>
+                <a:latin typeface="Arial"/>
+                <a:ea typeface="+mj-ea"/>
+                <a:cs typeface="+mj-cs"/>
+              </a:defRPr>
+            </a:lvl1pPr>
+          </a:lstStyle>
+          <a:p>
+            <a:pPr lvl="0"/>
+            <a:r>
+              <a:rPr lang="en-US" sz="12200" dirty="0"/>
+              <a:t>”</a:t>
+            </a:r>
+          </a:p>
+        </p:txBody>
+      </p:sp>
+    </p:spTree>
+    <p:extLst>
+      <p:ext uri="{BB962C8B-B14F-4D97-AF65-F5344CB8AC3E}">
+        <p14:creationId xmlns:p14="http://schemas.microsoft.com/office/powerpoint/2010/main" val="1762138277"/>
+      </p:ext>
+    </p:extLst>
+  </p:cSld>
+  <p:clrMapOvr>
+    <a:masterClrMapping/>
+  </p:clrMapOvr>
+</p:sldLayout>
+</file>
+
+<file path=ppt/slideLayouts/slideLayout13.xml><?xml version="1.0" encoding="utf-8"?>
+<p:sldLayout xmlns:a="http://schemas.openxmlformats.org/drawingml/2006/main" xmlns:r="http://schemas.openxmlformats.org/officeDocument/2006/relationships" xmlns:p="http://schemas.openxmlformats.org/presentationml/2006/main" preserve="1">
+  <p:cSld name="Name Card">
+    <p:spTree>
+      <p:nvGrpSpPr>
+        <p:cNvPr id="1" name=""/>
+        <p:cNvGrpSpPr/>
+        <p:nvPr/>
+      </p:nvGrpSpPr>
+      <p:grpSpPr>
+        <a:xfrm>
+          <a:off x="0" y="0"/>
+          <a:ext cx="0" cy="0"/>
+          <a:chOff x="0" y="0"/>
+          <a:chExt cx="0" cy="0"/>
+        </a:xfrm>
+      </p:grpSpPr>
+      <p:sp>
+        <p:nvSpPr>
+          <p:cNvPr id="2" name="Title 1"/>
+          <p:cNvSpPr>
+            <a:spLocks noGrp="1"/>
+          </p:cNvSpPr>
+          <p:nvPr>
+            <p:ph type="title"/>
+          </p:nvPr>
+        </p:nvSpPr>
+        <p:spPr>
+          <a:xfrm>
+            <a:off x="866441" y="3124201"/>
+            <a:ext cx="6620969" cy="1653180"/>
+          </a:xfrm>
+        </p:spPr>
+        <p:txBody>
+          <a:bodyPr anchor="b"/>
+          <a:lstStyle>
+            <a:lvl1pPr algn="l">
+              <a:defRPr sz="4000" b="0" cap="none"/>
+            </a:lvl1pPr>
+          </a:lstStyle>
+          <a:p>
+            <a:r>
+              <a:rPr lang="en-US"/>
+              <a:t>Click to edit Master title style</a:t>
+            </a:r>
+            <a:endParaRPr lang="en-US" dirty="0"/>
+          </a:p>
+        </p:txBody>
+      </p:sp>
+      <p:sp>
+        <p:nvSpPr>
+          <p:cNvPr id="3" name="Text Placeholder 2"/>
+          <p:cNvSpPr>
+            <a:spLocks noGrp="1"/>
+          </p:cNvSpPr>
+          <p:nvPr>
+            <p:ph type="body" idx="1"/>
+          </p:nvPr>
+        </p:nvSpPr>
+        <p:spPr>
+          <a:xfrm>
+            <a:off x="866442" y="4777381"/>
+            <a:ext cx="6620968" cy="860400"/>
+          </a:xfrm>
+        </p:spPr>
+        <p:txBody>
+          <a:bodyPr anchor="t"/>
+          <a:lstStyle>
+            <a:lvl1pPr marL="0" indent="0" algn="l">
+              <a:buNone/>
+              <a:defRPr sz="2000" cap="none">
+                <a:solidFill>
+                  <a:schemeClr val="bg2">
+                    <a:lumMod val="40000"/>
+                    <a:lumOff val="60000"/>
+                  </a:schemeClr>
+                </a:solidFill>
+              </a:defRPr>
+            </a:lvl1pPr>
+            <a:lvl2pPr marL="457200" indent="0">
+              <a:buNone/>
+              <a:defRPr sz="1800">
+                <a:solidFill>
+                  <a:schemeClr val="tx1">
+                    <a:tint val="75000"/>
+                  </a:schemeClr>
+                </a:solidFill>
+              </a:defRPr>
+            </a:lvl2pPr>
+            <a:lvl3pPr marL="914400" indent="0">
+              <a:buNone/>
+              <a:defRPr sz="1600">
+                <a:solidFill>
+                  <a:schemeClr val="tx1">
+                    <a:tint val="75000"/>
+                  </a:schemeClr>
+                </a:solidFill>
+              </a:defRPr>
+            </a:lvl3pPr>
+            <a:lvl4pPr marL="1371600" indent="0">
+              <a:buNone/>
+              <a:defRPr sz="1400">
+                <a:solidFill>
+                  <a:schemeClr val="tx1">
+                    <a:tint val="75000"/>
+                  </a:schemeClr>
+                </a:solidFill>
+              </a:defRPr>
+            </a:lvl4pPr>
+            <a:lvl5pPr marL="1828800" indent="0">
+              <a:buNone/>
+              <a:defRPr sz="1400">
+                <a:solidFill>
+                  <a:schemeClr val="tx1">
+                    <a:tint val="75000"/>
+                  </a:schemeClr>
+                </a:solidFill>
+              </a:defRPr>
+            </a:lvl5pPr>
+            <a:lvl6pPr marL="2286000" indent="0">
+              <a:buNone/>
+              <a:defRPr sz="1400">
+                <a:solidFill>
+                  <a:schemeClr val="tx1">
+                    <a:tint val="75000"/>
+                  </a:schemeClr>
+                </a:solidFill>
+              </a:defRPr>
+            </a:lvl6pPr>
+            <a:lvl7pPr marL="2743200" indent="0">
+              <a:buNone/>
+              <a:defRPr sz="1400">
+                <a:solidFill>
+                  <a:schemeClr val="tx1">
+                    <a:tint val="75000"/>
+                  </a:schemeClr>
+                </a:solidFill>
+              </a:defRPr>
+            </a:lvl7pPr>
+            <a:lvl8pPr marL="3200400" indent="0">
+              <a:buNone/>
+              <a:defRPr sz="1400">
+                <a:solidFill>
+                  <a:schemeClr val="tx1">
+                    <a:tint val="75000"/>
+                  </a:schemeClr>
+                </a:solidFill>
+              </a:defRPr>
+            </a:lvl8pPr>
+            <a:lvl9pPr marL="3657600" indent="0">
+              <a:buNone/>
+              <a:defRPr sz="1400">
+                <a:solidFill>
+                  <a:schemeClr val="tx1">
+                    <a:tint val="75000"/>
+                  </a:schemeClr>
+                </a:solidFill>
+              </a:defRPr>
+            </a:lvl9pPr>
+          </a:lstStyle>
+          <a:p>
+            <a:pPr lvl="0"/>
+            <a:r>
+              <a:rPr lang="en-US"/>
+              <a:t>Click to edit Master text styles</a:t>
+            </a:r>
+          </a:p>
+        </p:txBody>
+      </p:sp>
+      <p:sp>
+        <p:nvSpPr>
+          <p:cNvPr id="4" name="Date Placeholder 3"/>
+          <p:cNvSpPr>
+            <a:spLocks noGrp="1"/>
+          </p:cNvSpPr>
+          <p:nvPr>
+            <p:ph type="dt" sz="half" idx="10"/>
+          </p:nvPr>
+        </p:nvSpPr>
+        <p:spPr/>
+        <p:txBody>
+          <a:bodyPr/>
+          <a:lstStyle/>
+          <a:p>
+            <a:fld id="{1D8BD707-D9CF-40AE-B4C6-C98DA3205C09}" type="datetimeFigureOut">
+              <a:rPr lang="en-US" smtClean="0"/>
+              <a:pPr/>
+              <a:t>2/6/2024</a:t>
+            </a:fld>
+            <a:endParaRPr lang="en-US"/>
+          </a:p>
+        </p:txBody>
+      </p:sp>
+      <p:sp>
+        <p:nvSpPr>
+          <p:cNvPr id="5" name="Footer Placeholder 4"/>
+          <p:cNvSpPr>
+            <a:spLocks noGrp="1"/>
+          </p:cNvSpPr>
+          <p:nvPr>
+            <p:ph type="ftr" sz="quarter" idx="11"/>
+          </p:nvPr>
+        </p:nvSpPr>
+        <p:spPr/>
+        <p:txBody>
+          <a:bodyPr/>
+          <a:lstStyle/>
+          <a:p>
+            <a:endParaRPr lang="en-US"/>
+          </a:p>
+        </p:txBody>
+      </p:sp>
+      <p:sp>
+        <p:nvSpPr>
+          <p:cNvPr id="6" name="Slide Number Placeholder 5"/>
+          <p:cNvSpPr>
+            <a:spLocks noGrp="1"/>
+          </p:cNvSpPr>
+          <p:nvPr>
+            <p:ph type="sldNum" sz="quarter" idx="12"/>
+          </p:nvPr>
+        </p:nvSpPr>
+        <p:spPr/>
+        <p:txBody>
+          <a:bodyPr/>
+          <a:lstStyle/>
+          <a:p>
+            <a:fld id="{B6F15528-21DE-4FAA-801E-634DDDAF4B2B}" type="slidenum">
+              <a:rPr lang="en-US" smtClean="0"/>
+              <a:pPr/>
+              <a:t>‹#›</a:t>
+            </a:fld>
+            <a:endParaRPr lang="en-US"/>
+          </a:p>
+        </p:txBody>
+      </p:sp>
+    </p:spTree>
+    <p:extLst>
+      <p:ext uri="{BB962C8B-B14F-4D97-AF65-F5344CB8AC3E}">
+        <p14:creationId xmlns:p14="http://schemas.microsoft.com/office/powerpoint/2010/main" val="1843396846"/>
+      </p:ext>
+    </p:extLst>
+  </p:cSld>
+  <p:clrMapOvr>
+    <a:masterClrMapping/>
+  </p:clrMapOvr>
+</p:sldLayout>
+</file>
+
+<file path=ppt/slideLayouts/slideLayout14.xml><?xml version="1.0" encoding="utf-8"?>
+<p:sldLayout xmlns:a="http://schemas.openxmlformats.org/drawingml/2006/main" xmlns:r="http://schemas.openxmlformats.org/officeDocument/2006/relationships" xmlns:p="http://schemas.openxmlformats.org/presentationml/2006/main" preserve="1">
+  <p:cSld name="3 Column">
+    <p:spTree>
+      <p:nvGrpSpPr>
+        <p:cNvPr id="1" name=""/>
+        <p:cNvGrpSpPr/>
+        <p:nvPr/>
+      </p:nvGrpSpPr>
+      <p:grpSpPr>
+        <a:xfrm>
+          <a:off x="0" y="0"/>
+          <a:ext cx="0" cy="0"/>
+          <a:chOff x="0" y="0"/>
+          <a:chExt cx="0" cy="0"/>
+        </a:xfrm>
+      </p:grpSpPr>
+      <p:sp>
+        <p:nvSpPr>
+          <p:cNvPr id="2" name="Title 1"/>
+          <p:cNvSpPr>
+            <a:spLocks noGrp="1"/>
+          </p:cNvSpPr>
+          <p:nvPr>
+            <p:ph type="title"/>
+          </p:nvPr>
+        </p:nvSpPr>
+        <p:spPr/>
+        <p:txBody>
+          <a:bodyPr/>
+          <a:lstStyle>
+            <a:lvl1pPr>
+              <a:defRPr sz="4200"/>
+            </a:lvl1pPr>
+          </a:lstStyle>
+          <a:p>
+            <a:r>
+              <a:rPr lang="en-US"/>
+              <a:t>Click to edit Master title style</a:t>
+            </a:r>
+            <a:endParaRPr lang="en-US" dirty="0"/>
+          </a:p>
+        </p:txBody>
+      </p:sp>
+      <p:sp>
+        <p:nvSpPr>
+          <p:cNvPr id="3" name="Text Placeholder 2"/>
+          <p:cNvSpPr>
+            <a:spLocks noGrp="1"/>
+          </p:cNvSpPr>
+          <p:nvPr>
+            <p:ph type="body" idx="1"/>
+          </p:nvPr>
+        </p:nvSpPr>
+        <p:spPr>
+          <a:xfrm>
+            <a:off x="474834" y="1981200"/>
+            <a:ext cx="2210725" cy="576262"/>
+          </a:xfrm>
+        </p:spPr>
+        <p:txBody>
+          <a:bodyPr anchor="b">
+            <a:noAutofit/>
+          </a:bodyPr>
+          <a:lstStyle>
+            <a:lvl1pPr marL="0" indent="0">
+              <a:buNone/>
+              <a:defRPr sz="2400" b="0">
+                <a:solidFill>
+                  <a:schemeClr val="bg2">
+                    <a:lumMod val="40000"/>
+                    <a:lumOff val="60000"/>
+                  </a:schemeClr>
+                </a:solidFill>
+              </a:defRPr>
+            </a:lvl1pPr>
+            <a:lvl2pPr marL="457200" indent="0">
+              <a:buNone/>
+              <a:defRPr sz="2000" b="1"/>
+            </a:lvl2pPr>
+            <a:lvl3pPr marL="914400" indent="0">
+              <a:buNone/>
+              <a:defRPr sz="1800" b="1"/>
+            </a:lvl3pPr>
+            <a:lvl4pPr marL="1371600" indent="0">
+              <a:buNone/>
+              <a:defRPr sz="1600" b="1"/>
+            </a:lvl4pPr>
+            <a:lvl5pPr marL="1828800" indent="0">
+              <a:buNone/>
+              <a:defRPr sz="1600" b="1"/>
+            </a:lvl5pPr>
+            <a:lvl6pPr marL="2286000" indent="0">
+              <a:buNone/>
+              <a:defRPr sz="1600" b="1"/>
+            </a:lvl6pPr>
+            <a:lvl7pPr marL="2743200" indent="0">
+              <a:buNone/>
+              <a:defRPr sz="1600" b="1"/>
+            </a:lvl7pPr>
+            <a:lvl8pPr marL="3200400" indent="0">
+              <a:buNone/>
+              <a:defRPr sz="1600" b="1"/>
+            </a:lvl8pPr>
+            <a:lvl9pPr marL="3657600" indent="0">
+              <a:buNone/>
+              <a:defRPr sz="1600" b="1"/>
+            </a:lvl9pPr>
+          </a:lstStyle>
+          <a:p>
+            <a:pPr lvl="0"/>
+            <a:r>
+              <a:rPr lang="en-US"/>
+              <a:t>Click to edit Master text styles</a:t>
+            </a:r>
+          </a:p>
+        </p:txBody>
+      </p:sp>
+      <p:sp>
+        <p:nvSpPr>
+          <p:cNvPr id="16" name="Text Placeholder 3"/>
+          <p:cNvSpPr>
+            <a:spLocks noGrp="1"/>
+          </p:cNvSpPr>
+          <p:nvPr>
+            <p:ph type="body" sz="half" idx="15"/>
+          </p:nvPr>
+        </p:nvSpPr>
+        <p:spPr>
+          <a:xfrm>
+            <a:off x="489475" y="2667000"/>
+            <a:ext cx="2196084" cy="3589338"/>
+          </a:xfrm>
+        </p:spPr>
+        <p:txBody>
+          <a:bodyPr anchor="t">
+            <a:normAutofit/>
+          </a:bodyPr>
+          <a:lstStyle>
+            <a:lvl1pPr marL="0" indent="0">
+              <a:buNone/>
+              <a:defRPr sz="1400"/>
+            </a:lvl1pPr>
+            <a:lvl2pPr marL="457200" indent="0">
+              <a:buNone/>
+              <a:defRPr sz="1200"/>
+            </a:lvl2pPr>
+            <a:lvl3pPr marL="914400" indent="0">
+              <a:buNone/>
+              <a:defRPr sz="1000"/>
+            </a:lvl3pPr>
+            <a:lvl4pPr marL="1371600" indent="0">
+              <a:buNone/>
+              <a:defRPr sz="900"/>
+            </a:lvl4pPr>
+            <a:lvl5pPr marL="1828800" indent="0">
+              <a:buNone/>
+              <a:defRPr sz="900"/>
+            </a:lvl5pPr>
+            <a:lvl6pPr marL="2286000" indent="0">
+              <a:buNone/>
+              <a:defRPr sz="900"/>
+            </a:lvl6pPr>
+            <a:lvl7pPr marL="2743200" indent="0">
+              <a:buNone/>
+              <a:defRPr sz="900"/>
+            </a:lvl7pPr>
+            <a:lvl8pPr marL="3200400" indent="0">
+              <a:buNone/>
+              <a:defRPr sz="900"/>
+            </a:lvl8pPr>
+            <a:lvl9pPr marL="3657600" indent="0">
+              <a:buNone/>
+              <a:defRPr sz="900"/>
+            </a:lvl9pPr>
+          </a:lstStyle>
+          <a:p>
+            <a:pPr lvl="0"/>
+            <a:r>
+              <a:rPr lang="en-US"/>
+              <a:t>Click to edit Master text styles</a:t>
+            </a:r>
+          </a:p>
+        </p:txBody>
+      </p:sp>
+      <p:sp>
+        <p:nvSpPr>
+          <p:cNvPr id="5" name="Text Placeholder 4"/>
+          <p:cNvSpPr>
+            <a:spLocks noGrp="1"/>
+          </p:cNvSpPr>
+          <p:nvPr>
+            <p:ph type="body" sz="quarter" idx="3"/>
+          </p:nvPr>
+        </p:nvSpPr>
+        <p:spPr>
+          <a:xfrm>
+            <a:off x="2913504" y="1981200"/>
+            <a:ext cx="2202754" cy="576262"/>
+          </a:xfrm>
+        </p:spPr>
+        <p:txBody>
+          <a:bodyPr anchor="b">
+            <a:noAutofit/>
+          </a:bodyPr>
+          <a:lstStyle>
+            <a:lvl1pPr marL="0" indent="0">
+              <a:buNone/>
+              <a:defRPr sz="2400" b="0">
+                <a:solidFill>
+                  <a:schemeClr val="bg2">
+                    <a:lumMod val="40000"/>
+                    <a:lumOff val="60000"/>
+                  </a:schemeClr>
+                </a:solidFill>
+              </a:defRPr>
+            </a:lvl1pPr>
+            <a:lvl2pPr marL="457200" indent="0">
+              <a:buNone/>
+              <a:defRPr sz="2000" b="1"/>
+            </a:lvl2pPr>
+            <a:lvl3pPr marL="914400" indent="0">
+              <a:buNone/>
+              <a:defRPr sz="1800" b="1"/>
+            </a:lvl3pPr>
+            <a:lvl4pPr marL="1371600" indent="0">
+              <a:buNone/>
+              <a:defRPr sz="1600" b="1"/>
+            </a:lvl4pPr>
+            <a:lvl5pPr marL="1828800" indent="0">
+              <a:buNone/>
+              <a:defRPr sz="1600" b="1"/>
+            </a:lvl5pPr>
+            <a:lvl6pPr marL="2286000" indent="0">
+              <a:buNone/>
+              <a:defRPr sz="1600" b="1"/>
+            </a:lvl6pPr>
+            <a:lvl7pPr marL="2743200" indent="0">
+              <a:buNone/>
+              <a:defRPr sz="1600" b="1"/>
+            </a:lvl7pPr>
+            <a:lvl8pPr marL="3200400" indent="0">
+              <a:buNone/>
+              <a:defRPr sz="1600" b="1"/>
+            </a:lvl8pPr>
+            <a:lvl9pPr marL="3657600" indent="0">
+              <a:buNone/>
+              <a:defRPr sz="1600" b="1"/>
+            </a:lvl9pPr>
+          </a:lstStyle>
+          <a:p>
+            <a:pPr lvl="0"/>
+            <a:r>
+              <a:rPr lang="en-US"/>
+              <a:t>Click to edit Master text styles</a:t>
+            </a:r>
+          </a:p>
+        </p:txBody>
+      </p:sp>
+      <p:sp>
+        <p:nvSpPr>
+          <p:cNvPr id="19" name="Text Placeholder 3"/>
+          <p:cNvSpPr>
+            <a:spLocks noGrp="1"/>
+          </p:cNvSpPr>
+          <p:nvPr>
+            <p:ph type="body" sz="half" idx="16"/>
+          </p:nvPr>
+        </p:nvSpPr>
+        <p:spPr>
+          <a:xfrm>
+            <a:off x="2905586" y="2667000"/>
+            <a:ext cx="2210671" cy="3589338"/>
+          </a:xfrm>
+        </p:spPr>
+        <p:txBody>
+          <a:bodyPr anchor="t">
+            <a:normAutofit/>
+          </a:bodyPr>
+          <a:lstStyle>
+            <a:lvl1pPr marL="0" indent="0">
+              <a:buNone/>
+              <a:defRPr sz="1400"/>
+            </a:lvl1pPr>
+            <a:lvl2pPr marL="457200" indent="0">
+              <a:buNone/>
+              <a:defRPr sz="1200"/>
+            </a:lvl2pPr>
+            <a:lvl3pPr marL="914400" indent="0">
+              <a:buNone/>
+              <a:defRPr sz="1000"/>
+            </a:lvl3pPr>
+            <a:lvl4pPr marL="1371600" indent="0">
+              <a:buNone/>
+              <a:defRPr sz="900"/>
+            </a:lvl4pPr>
+            <a:lvl5pPr marL="1828800" indent="0">
+              <a:buNone/>
+              <a:defRPr sz="900"/>
+            </a:lvl5pPr>
+            <a:lvl6pPr marL="2286000" indent="0">
+              <a:buNone/>
+              <a:defRPr sz="900"/>
+            </a:lvl6pPr>
+            <a:lvl7pPr marL="2743200" indent="0">
+              <a:buNone/>
+              <a:defRPr sz="900"/>
+            </a:lvl7pPr>
+            <a:lvl8pPr marL="3200400" indent="0">
+              <a:buNone/>
+              <a:defRPr sz="900"/>
+            </a:lvl8pPr>
+            <a:lvl9pPr marL="3657600" indent="0">
+              <a:buNone/>
+              <a:defRPr sz="900"/>
+            </a:lvl9pPr>
+          </a:lstStyle>
+          <a:p>
+            <a:pPr lvl="0"/>
+            <a:r>
+              <a:rPr lang="en-US"/>
+              <a:t>Click to edit Master text styles</a:t>
+            </a:r>
+          </a:p>
+        </p:txBody>
+      </p:sp>
+      <p:sp>
+        <p:nvSpPr>
+          <p:cNvPr id="14" name="Text Placeholder 4"/>
+          <p:cNvSpPr>
+            <a:spLocks noGrp="1"/>
+          </p:cNvSpPr>
+          <p:nvPr>
+            <p:ph type="body" sz="quarter" idx="13"/>
+          </p:nvPr>
+        </p:nvSpPr>
+        <p:spPr>
+          <a:xfrm>
+            <a:off x="5344917" y="1981200"/>
+            <a:ext cx="2199658" cy="576262"/>
+          </a:xfrm>
+        </p:spPr>
+        <p:txBody>
+          <a:bodyPr anchor="b">
+            <a:noAutofit/>
+          </a:bodyPr>
+          <a:lstStyle>
+            <a:lvl1pPr marL="0" indent="0">
+              <a:buNone/>
+              <a:defRPr sz="2400" b="0">
+                <a:solidFill>
+                  <a:schemeClr val="bg2">
+                    <a:lumMod val="40000"/>
+                    <a:lumOff val="60000"/>
+                  </a:schemeClr>
+                </a:solidFill>
+              </a:defRPr>
+            </a:lvl1pPr>
+            <a:lvl2pPr marL="457200" indent="0">
+              <a:buNone/>
+              <a:defRPr sz="2000" b="1"/>
+            </a:lvl2pPr>
+            <a:lvl3pPr marL="914400" indent="0">
+              <a:buNone/>
+              <a:defRPr sz="1800" b="1"/>
+            </a:lvl3pPr>
+            <a:lvl4pPr marL="1371600" indent="0">
+              <a:buNone/>
+              <a:defRPr sz="1600" b="1"/>
+            </a:lvl4pPr>
+            <a:lvl5pPr marL="1828800" indent="0">
+              <a:buNone/>
+              <a:defRPr sz="1600" b="1"/>
+            </a:lvl5pPr>
+            <a:lvl6pPr marL="2286000" indent="0">
+              <a:buNone/>
+              <a:defRPr sz="1600" b="1"/>
+            </a:lvl6pPr>
+            <a:lvl7pPr marL="2743200" indent="0">
+              <a:buNone/>
+              <a:defRPr sz="1600" b="1"/>
+            </a:lvl7pPr>
+            <a:lvl8pPr marL="3200400" indent="0">
+              <a:buNone/>
+              <a:defRPr sz="1600" b="1"/>
+            </a:lvl8pPr>
+            <a:lvl9pPr marL="3657600" indent="0">
+              <a:buNone/>
+              <a:defRPr sz="1600" b="1"/>
+            </a:lvl9pPr>
+          </a:lstStyle>
+          <a:p>
+            <a:pPr lvl="0"/>
+            <a:r>
+              <a:rPr lang="en-US"/>
+              <a:t>Click to edit Master text styles</a:t>
+            </a:r>
+          </a:p>
+        </p:txBody>
+      </p:sp>
+      <p:sp>
+        <p:nvSpPr>
+          <p:cNvPr id="20" name="Text Placeholder 3"/>
+          <p:cNvSpPr>
+            <a:spLocks noGrp="1"/>
+          </p:cNvSpPr>
+          <p:nvPr>
+            <p:ph type="body" sz="half" idx="17"/>
+          </p:nvPr>
+        </p:nvSpPr>
+        <p:spPr>
+          <a:xfrm>
+            <a:off x="5344917" y="2667000"/>
+            <a:ext cx="2199658" cy="3589338"/>
+          </a:xfrm>
+        </p:spPr>
+        <p:txBody>
+          <a:bodyPr anchor="t">
+            <a:normAutofit/>
+          </a:bodyPr>
+          <a:lstStyle>
+            <a:lvl1pPr marL="0" indent="0">
+              <a:buNone/>
+              <a:defRPr sz="1400"/>
+            </a:lvl1pPr>
+            <a:lvl2pPr marL="457200" indent="0">
+              <a:buNone/>
+              <a:defRPr sz="1200"/>
+            </a:lvl2pPr>
+            <a:lvl3pPr marL="914400" indent="0">
+              <a:buNone/>
+              <a:defRPr sz="1000"/>
+            </a:lvl3pPr>
+            <a:lvl4pPr marL="1371600" indent="0">
+              <a:buNone/>
+              <a:defRPr sz="900"/>
+            </a:lvl4pPr>
+            <a:lvl5pPr marL="1828800" indent="0">
+              <a:buNone/>
+              <a:defRPr sz="900"/>
+            </a:lvl5pPr>
+            <a:lvl6pPr marL="2286000" indent="0">
+              <a:buNone/>
+              <a:defRPr sz="900"/>
+            </a:lvl6pPr>
+            <a:lvl7pPr marL="2743200" indent="0">
+              <a:buNone/>
+              <a:defRPr sz="900"/>
+            </a:lvl7pPr>
+            <a:lvl8pPr marL="3200400" indent="0">
+              <a:buNone/>
+              <a:defRPr sz="900"/>
+            </a:lvl8pPr>
+            <a:lvl9pPr marL="3657600" indent="0">
+              <a:buNone/>
+              <a:defRPr sz="900"/>
+            </a:lvl9pPr>
+          </a:lstStyle>
+          <a:p>
+            <a:pPr lvl="0"/>
+            <a:r>
+              <a:rPr lang="en-US"/>
+              <a:t>Click to edit Master text styles</a:t>
+            </a:r>
+          </a:p>
+        </p:txBody>
+      </p:sp>
+      <p:cxnSp>
+        <p:nvCxnSpPr>
+          <p:cNvPr id="17" name="Straight Connector 16"/>
+          <p:cNvCxnSpPr/>
+          <p:nvPr/>
+        </p:nvCxnSpPr>
+        <p:spPr>
+          <a:xfrm>
+            <a:off x="2795334" y="2133600"/>
+            <a:ext cx="0" cy="3962400"/>
+          </a:xfrm>
+          <a:prstGeom prst="line">
+            <a:avLst/>
+          </a:prstGeom>
+          <a:ln w="12700" cmpd="sng">
+            <a:solidFill>
+              <a:schemeClr val="bg2">
+                <a:lumMod val="40000"/>
+                <a:lumOff val="60000"/>
+                <a:alpha val="40000"/>
+              </a:schemeClr>
+            </a:solidFill>
+          </a:ln>
+        </p:spPr>
+        <p:style>
+          <a:lnRef idx="2">
+            <a:schemeClr val="accent1"/>
+          </a:lnRef>
+          <a:fillRef idx="0">
+            <a:schemeClr val="accent1"/>
+          </a:fillRef>
+          <a:effectRef idx="1">
+            <a:schemeClr val="accent1"/>
+          </a:effectRef>
+          <a:fontRef idx="minor">
+            <a:schemeClr val="tx1"/>
+          </a:fontRef>
+        </p:style>
+      </p:cxnSp>
+      <p:cxnSp>
+        <p:nvCxnSpPr>
+          <p:cNvPr id="18" name="Straight Connector 17"/>
+          <p:cNvCxnSpPr/>
+          <p:nvPr/>
+        </p:nvCxnSpPr>
+        <p:spPr>
+          <a:xfrm>
+            <a:off x="5223030" y="2133600"/>
+            <a:ext cx="0" cy="3966882"/>
+          </a:xfrm>
+          <a:prstGeom prst="line">
+            <a:avLst/>
+          </a:prstGeom>
+          <a:ln w="12700" cmpd="sng">
+            <a:solidFill>
+              <a:schemeClr val="bg2">
+                <a:lumMod val="40000"/>
+                <a:lumOff val="60000"/>
+                <a:alpha val="40000"/>
+              </a:schemeClr>
+            </a:solidFill>
+          </a:ln>
+        </p:spPr>
+        <p:style>
+          <a:lnRef idx="2">
+            <a:schemeClr val="accent1"/>
+          </a:lnRef>
+          <a:fillRef idx="0">
+            <a:schemeClr val="accent1"/>
+          </a:fillRef>
+          <a:effectRef idx="1">
+            <a:schemeClr val="accent1"/>
+          </a:effectRef>
+          <a:fontRef idx="minor">
+            <a:schemeClr val="tx1"/>
+          </a:fontRef>
+        </p:style>
+      </p:cxnSp>
+      <p:sp>
+        <p:nvSpPr>
+          <p:cNvPr id="7" name="Date Placeholder 3"/>
+          <p:cNvSpPr>
+            <a:spLocks noGrp="1"/>
+          </p:cNvSpPr>
+          <p:nvPr>
+            <p:ph type="dt" sz="half" idx="10"/>
+          </p:nvPr>
+        </p:nvSpPr>
+        <p:spPr/>
+        <p:txBody>
+          <a:bodyPr/>
+          <a:lstStyle/>
+          <a:p>
+            <a:fld id="{1D8BD707-D9CF-40AE-B4C6-C98DA3205C09}" type="datetimeFigureOut">
+              <a:rPr lang="en-US" smtClean="0"/>
+              <a:pPr/>
+              <a:t>2/6/2024</a:t>
+            </a:fld>
+            <a:endParaRPr lang="en-US"/>
+          </a:p>
+        </p:txBody>
+      </p:sp>
+      <p:sp>
+        <p:nvSpPr>
+          <p:cNvPr id="4" name="Footer Placeholder 4"/>
+          <p:cNvSpPr>
+            <a:spLocks noGrp="1"/>
+          </p:cNvSpPr>
+          <p:nvPr>
+            <p:ph type="ftr" sz="quarter" idx="11"/>
+          </p:nvPr>
+        </p:nvSpPr>
+        <p:spPr/>
+        <p:txBody>
+          <a:bodyPr/>
+          <a:lstStyle/>
+          <a:p>
+            <a:endParaRPr lang="en-US"/>
+          </a:p>
+        </p:txBody>
+      </p:sp>
+      <p:sp>
+        <p:nvSpPr>
+          <p:cNvPr id="6" name="Slide Number Placeholder 5"/>
+          <p:cNvSpPr>
+            <a:spLocks noGrp="1"/>
+          </p:cNvSpPr>
+          <p:nvPr>
+            <p:ph type="sldNum" sz="quarter" idx="12"/>
+          </p:nvPr>
+        </p:nvSpPr>
+        <p:spPr/>
+        <p:txBody>
+          <a:bodyPr/>
+          <a:lstStyle/>
+          <a:p>
+            <a:fld id="{B6F15528-21DE-4FAA-801E-634DDDAF4B2B}" type="slidenum">
+              <a:rPr lang="en-US" smtClean="0"/>
+              <a:pPr/>
+              <a:t>‹#›</a:t>
+            </a:fld>
+            <a:endParaRPr lang="en-US"/>
+          </a:p>
+        </p:txBody>
+      </p:sp>
+    </p:spTree>
+    <p:extLst>
+      <p:ext uri="{BB962C8B-B14F-4D97-AF65-F5344CB8AC3E}">
+        <p14:creationId xmlns:p14="http://schemas.microsoft.com/office/powerpoint/2010/main" val="3955224979"/>
+      </p:ext>
+    </p:extLst>
+  </p:cSld>
+  <p:clrMapOvr>
+    <a:masterClrMapping/>
+  </p:clrMapOvr>
+</p:sldLayout>
+</file>
+
+<file path=ppt/slideLayouts/slideLayout15.xml><?xml version="1.0" encoding="utf-8"?>
+<p:sldLayout xmlns:a="http://schemas.openxmlformats.org/drawingml/2006/main" xmlns:r="http://schemas.openxmlformats.org/officeDocument/2006/relationships" xmlns:p="http://schemas.openxmlformats.org/presentationml/2006/main" preserve="1">
+  <p:cSld name="3 Picture Column">
+    <p:spTree>
+      <p:nvGrpSpPr>
+        <p:cNvPr id="1" name=""/>
+        <p:cNvGrpSpPr/>
+        <p:nvPr/>
+      </p:nvGrpSpPr>
+      <p:grpSpPr>
+        <a:xfrm>
+          <a:off x="0" y="0"/>
+          <a:ext cx="0" cy="0"/>
+          <a:chOff x="0" y="0"/>
+          <a:chExt cx="0" cy="0"/>
+        </a:xfrm>
+      </p:grpSpPr>
+      <p:sp>
+        <p:nvSpPr>
+          <p:cNvPr id="2" name="Title 1"/>
+          <p:cNvSpPr>
+            <a:spLocks noGrp="1"/>
+          </p:cNvSpPr>
+          <p:nvPr>
+            <p:ph type="title"/>
+          </p:nvPr>
+        </p:nvSpPr>
+        <p:spPr/>
+        <p:txBody>
+          <a:bodyPr/>
+          <a:lstStyle>
+            <a:lvl1pPr>
+              <a:defRPr sz="4200"/>
+            </a:lvl1pPr>
+          </a:lstStyle>
+          <a:p>
+            <a:r>
+              <a:rPr lang="en-US"/>
+              <a:t>Click to edit Master title style</a:t>
+            </a:r>
+            <a:endParaRPr lang="en-US" dirty="0"/>
+          </a:p>
+        </p:txBody>
+      </p:sp>
+      <p:sp>
+        <p:nvSpPr>
+          <p:cNvPr id="3" name="Text Placeholder 2"/>
+          <p:cNvSpPr>
+            <a:spLocks noGrp="1"/>
+          </p:cNvSpPr>
+          <p:nvPr>
+            <p:ph type="body" idx="1"/>
+          </p:nvPr>
+        </p:nvSpPr>
+        <p:spPr>
+          <a:xfrm>
+            <a:off x="489475" y="4250949"/>
+            <a:ext cx="2205612" cy="576262"/>
+          </a:xfrm>
+        </p:spPr>
+        <p:txBody>
+          <a:bodyPr anchor="b">
+            <a:noAutofit/>
+          </a:bodyPr>
+          <a:lstStyle>
+            <a:lvl1pPr marL="0" indent="0">
+              <a:buNone/>
+              <a:defRPr sz="2400" b="0">
+                <a:solidFill>
+                  <a:schemeClr val="bg2">
+                    <a:lumMod val="40000"/>
+                    <a:lumOff val="60000"/>
+                  </a:schemeClr>
+                </a:solidFill>
+              </a:defRPr>
+            </a:lvl1pPr>
+            <a:lvl2pPr marL="457200" indent="0">
+              <a:buNone/>
+              <a:defRPr sz="2000" b="1"/>
+            </a:lvl2pPr>
+            <a:lvl3pPr marL="914400" indent="0">
+              <a:buNone/>
+              <a:defRPr sz="1800" b="1"/>
+            </a:lvl3pPr>
+            <a:lvl4pPr marL="1371600" indent="0">
+              <a:buNone/>
+              <a:defRPr sz="1600" b="1"/>
+            </a:lvl4pPr>
+            <a:lvl5pPr marL="1828800" indent="0">
+              <a:buNone/>
+              <a:defRPr sz="1600" b="1"/>
+            </a:lvl5pPr>
+            <a:lvl6pPr marL="2286000" indent="0">
+              <a:buNone/>
+              <a:defRPr sz="1600" b="1"/>
+            </a:lvl6pPr>
+            <a:lvl7pPr marL="2743200" indent="0">
+              <a:buNone/>
+              <a:defRPr sz="1600" b="1"/>
+            </a:lvl7pPr>
+            <a:lvl8pPr marL="3200400" indent="0">
+              <a:buNone/>
+              <a:defRPr sz="1600" b="1"/>
+            </a:lvl8pPr>
+            <a:lvl9pPr marL="3657600" indent="0">
+              <a:buNone/>
+              <a:defRPr sz="1600" b="1"/>
+            </a:lvl9pPr>
+          </a:lstStyle>
+          <a:p>
+            <a:pPr lvl="0"/>
+            <a:r>
+              <a:rPr lang="en-US"/>
+              <a:t>Click to edit Master text styles</a:t>
+            </a:r>
+          </a:p>
+        </p:txBody>
+      </p:sp>
+      <p:sp>
+        <p:nvSpPr>
+          <p:cNvPr id="29" name="Picture Placeholder 2"/>
+          <p:cNvSpPr>
+            <a:spLocks noGrp="1" noChangeAspect="1"/>
+          </p:cNvSpPr>
+          <p:nvPr>
+            <p:ph type="pic" idx="15"/>
+          </p:nvPr>
+        </p:nvSpPr>
+        <p:spPr>
+          <a:xfrm>
+            <a:off x="489475" y="2209800"/>
+            <a:ext cx="2205612" cy="1524000"/>
+          </a:xfrm>
+          <a:prstGeom prst="roundRect">
+            <a:avLst>
+              <a:gd name="adj" fmla="val 1858"/>
+            </a:avLst>
+          </a:prstGeom>
+          <a:effectLst>
+            <a:outerShdw blurRad="50800" dist="50800" dir="5400000" algn="tl" rotWithShape="0">
+              <a:srgbClr val="000000">
+                <a:alpha val="43000"/>
+              </a:srgbClr>
+            </a:outerShdw>
+          </a:effectLst>
+        </p:spPr>
+        <p:txBody>
+          <a:bodyPr anchor="t">
+            <a:normAutofit/>
+          </a:bodyPr>
+          <a:lstStyle>
+            <a:lvl1pPr marL="0" indent="0" algn="ctr">
+              <a:buNone/>
+              <a:defRPr sz="1600"/>
+            </a:lvl1pPr>
+            <a:lvl2pPr marL="457200" indent="0">
+              <a:buNone/>
+              <a:defRPr sz="1600"/>
+            </a:lvl2pPr>
+            <a:lvl3pPr marL="914400" indent="0">
+              <a:buNone/>
+              <a:defRPr sz="1600"/>
+            </a:lvl3pPr>
+            <a:lvl4pPr marL="1371600" indent="0">
+              <a:buNone/>
+              <a:defRPr sz="1600"/>
+            </a:lvl4pPr>
+            <a:lvl5pPr marL="1828800" indent="0">
+              <a:buNone/>
+              <a:defRPr sz="1600"/>
+            </a:lvl5pPr>
+            <a:lvl6pPr marL="2286000" indent="0">
+              <a:buNone/>
+              <a:defRPr sz="1600"/>
+            </a:lvl6pPr>
+            <a:lvl7pPr marL="2743200" indent="0">
+              <a:buNone/>
+              <a:defRPr sz="1600"/>
+            </a:lvl7pPr>
+            <a:lvl8pPr marL="3200400" indent="0">
+              <a:buNone/>
+              <a:defRPr sz="1600"/>
+            </a:lvl8pPr>
+            <a:lvl9pPr marL="3657600" indent="0">
+              <a:buNone/>
+              <a:defRPr sz="1600"/>
+            </a:lvl9pPr>
+          </a:lstStyle>
+          <a:p>
+            <a:r>
+              <a:rPr lang="en-US"/>
+              <a:t>Click icon to add picture</a:t>
+            </a:r>
+            <a:endParaRPr lang="en-US" dirty="0"/>
+          </a:p>
+        </p:txBody>
+      </p:sp>
+      <p:sp>
+        <p:nvSpPr>
+          <p:cNvPr id="22" name="Text Placeholder 3"/>
+          <p:cNvSpPr>
+            <a:spLocks noGrp="1"/>
+          </p:cNvSpPr>
+          <p:nvPr>
+            <p:ph type="body" sz="half" idx="18"/>
+          </p:nvPr>
+        </p:nvSpPr>
+        <p:spPr>
+          <a:xfrm>
+            <a:off x="489475" y="4827212"/>
+            <a:ext cx="2205612" cy="659189"/>
+          </a:xfrm>
+        </p:spPr>
+        <p:txBody>
+          <a:bodyPr anchor="t">
+            <a:normAutofit/>
+          </a:bodyPr>
+          <a:lstStyle>
+            <a:lvl1pPr marL="0" indent="0">
+              <a:buNone/>
+              <a:defRPr sz="1400"/>
+            </a:lvl1pPr>
+            <a:lvl2pPr marL="457200" indent="0">
+              <a:buNone/>
+              <a:defRPr sz="1200"/>
+            </a:lvl2pPr>
+            <a:lvl3pPr marL="914400" indent="0">
+              <a:buNone/>
+              <a:defRPr sz="1000"/>
+            </a:lvl3pPr>
+            <a:lvl4pPr marL="1371600" indent="0">
+              <a:buNone/>
+              <a:defRPr sz="900"/>
+            </a:lvl4pPr>
+            <a:lvl5pPr marL="1828800" indent="0">
+              <a:buNone/>
+              <a:defRPr sz="900"/>
+            </a:lvl5pPr>
+            <a:lvl6pPr marL="2286000" indent="0">
+              <a:buNone/>
+              <a:defRPr sz="900"/>
+            </a:lvl6pPr>
+            <a:lvl7pPr marL="2743200" indent="0">
+              <a:buNone/>
+              <a:defRPr sz="900"/>
+            </a:lvl7pPr>
+            <a:lvl8pPr marL="3200400" indent="0">
+              <a:buNone/>
+              <a:defRPr sz="900"/>
+            </a:lvl8pPr>
+            <a:lvl9pPr marL="3657600" indent="0">
+              <a:buNone/>
+              <a:defRPr sz="900"/>
+            </a:lvl9pPr>
+          </a:lstStyle>
+          <a:p>
+            <a:pPr lvl="0"/>
+            <a:r>
+              <a:rPr lang="en-US"/>
+              <a:t>Click to edit Master text styles</a:t>
+            </a:r>
+          </a:p>
+        </p:txBody>
+      </p:sp>
+      <p:sp>
+        <p:nvSpPr>
+          <p:cNvPr id="5" name="Text Placeholder 4"/>
+          <p:cNvSpPr>
+            <a:spLocks noGrp="1"/>
+          </p:cNvSpPr>
+          <p:nvPr>
+            <p:ph type="body" sz="quarter" idx="3"/>
+          </p:nvPr>
+        </p:nvSpPr>
+        <p:spPr>
+          <a:xfrm>
+            <a:off x="2917792" y="4250949"/>
+            <a:ext cx="2198466" cy="576262"/>
+          </a:xfrm>
+        </p:spPr>
+        <p:txBody>
+          <a:bodyPr anchor="b">
+            <a:noAutofit/>
+          </a:bodyPr>
+          <a:lstStyle>
+            <a:lvl1pPr marL="0" indent="0">
+              <a:buNone/>
+              <a:defRPr sz="2400" b="0">
+                <a:solidFill>
+                  <a:schemeClr val="bg2">
+                    <a:lumMod val="40000"/>
+                    <a:lumOff val="60000"/>
+                  </a:schemeClr>
+                </a:solidFill>
+              </a:defRPr>
+            </a:lvl1pPr>
+            <a:lvl2pPr marL="457200" indent="0">
+              <a:buNone/>
+              <a:defRPr sz="2000" b="1"/>
+            </a:lvl2pPr>
+            <a:lvl3pPr marL="914400" indent="0">
+              <a:buNone/>
+              <a:defRPr sz="1800" b="1"/>
+            </a:lvl3pPr>
+            <a:lvl4pPr marL="1371600" indent="0">
+              <a:buNone/>
+              <a:defRPr sz="1600" b="1"/>
+            </a:lvl4pPr>
+            <a:lvl5pPr marL="1828800" indent="0">
+              <a:buNone/>
+              <a:defRPr sz="1600" b="1"/>
+            </a:lvl5pPr>
+            <a:lvl6pPr marL="2286000" indent="0">
+              <a:buNone/>
+              <a:defRPr sz="1600" b="1"/>
+            </a:lvl6pPr>
+            <a:lvl7pPr marL="2743200" indent="0">
+              <a:buNone/>
+              <a:defRPr sz="1600" b="1"/>
+            </a:lvl7pPr>
+            <a:lvl8pPr marL="3200400" indent="0">
+              <a:buNone/>
+              <a:defRPr sz="1600" b="1"/>
+            </a:lvl8pPr>
+            <a:lvl9pPr marL="3657600" indent="0">
+              <a:buNone/>
+              <a:defRPr sz="1600" b="1"/>
+            </a:lvl9pPr>
+          </a:lstStyle>
+          <a:p>
+            <a:pPr lvl="0"/>
+            <a:r>
+              <a:rPr lang="en-US"/>
+              <a:t>Click to edit Master text styles</a:t>
+            </a:r>
+          </a:p>
+        </p:txBody>
+      </p:sp>
+      <p:sp>
+        <p:nvSpPr>
+          <p:cNvPr id="30" name="Picture Placeholder 2"/>
+          <p:cNvSpPr>
+            <a:spLocks noGrp="1" noChangeAspect="1"/>
+          </p:cNvSpPr>
+          <p:nvPr>
+            <p:ph type="pic" idx="21"/>
+          </p:nvPr>
+        </p:nvSpPr>
+        <p:spPr>
+          <a:xfrm>
+            <a:off x="2917791" y="2209800"/>
+            <a:ext cx="2198466" cy="1524000"/>
+          </a:xfrm>
+          <a:prstGeom prst="roundRect">
+            <a:avLst>
+              <a:gd name="adj" fmla="val 1858"/>
+            </a:avLst>
+          </a:prstGeom>
+          <a:effectLst>
+            <a:outerShdw blurRad="50800" dist="50800" dir="5400000" algn="tl" rotWithShape="0">
+              <a:srgbClr val="000000">
+                <a:alpha val="43000"/>
+              </a:srgbClr>
+            </a:outerShdw>
+          </a:effectLst>
+        </p:spPr>
+        <p:txBody>
+          <a:bodyPr anchor="t">
+            <a:normAutofit/>
+          </a:bodyPr>
+          <a:lstStyle>
+            <a:lvl1pPr marL="0" indent="0" algn="ctr">
+              <a:buNone/>
+              <a:defRPr sz="1600"/>
+            </a:lvl1pPr>
+            <a:lvl2pPr marL="457200" indent="0">
+              <a:buNone/>
+              <a:defRPr sz="1600"/>
+            </a:lvl2pPr>
+            <a:lvl3pPr marL="914400" indent="0">
+              <a:buNone/>
+              <a:defRPr sz="1600"/>
+            </a:lvl3pPr>
+            <a:lvl4pPr marL="1371600" indent="0">
+              <a:buNone/>
+              <a:defRPr sz="1600"/>
+            </a:lvl4pPr>
+            <a:lvl5pPr marL="1828800" indent="0">
+              <a:buNone/>
+              <a:defRPr sz="1600"/>
+            </a:lvl5pPr>
+            <a:lvl6pPr marL="2286000" indent="0">
+              <a:buNone/>
+              <a:defRPr sz="1600"/>
+            </a:lvl6pPr>
+            <a:lvl7pPr marL="2743200" indent="0">
+              <a:buNone/>
+              <a:defRPr sz="1600"/>
+            </a:lvl7pPr>
+            <a:lvl8pPr marL="3200400" indent="0">
+              <a:buNone/>
+              <a:defRPr sz="1600"/>
+            </a:lvl8pPr>
+            <a:lvl9pPr marL="3657600" indent="0">
+              <a:buNone/>
+              <a:defRPr sz="1600"/>
+            </a:lvl9pPr>
+          </a:lstStyle>
+          <a:p>
+            <a:r>
+              <a:rPr lang="en-US"/>
+              <a:t>Click icon to add picture</a:t>
+            </a:r>
+            <a:endParaRPr lang="en-US" dirty="0"/>
+          </a:p>
+        </p:txBody>
+      </p:sp>
+      <p:sp>
+        <p:nvSpPr>
+          <p:cNvPr id="23" name="Text Placeholder 3"/>
+          <p:cNvSpPr>
+            <a:spLocks noGrp="1"/>
+          </p:cNvSpPr>
+          <p:nvPr>
+            <p:ph type="body" sz="half" idx="19"/>
+          </p:nvPr>
+        </p:nvSpPr>
+        <p:spPr>
+          <a:xfrm>
+            <a:off x="2916776" y="4827211"/>
+            <a:ext cx="2201378" cy="659189"/>
+          </a:xfrm>
+        </p:spPr>
+        <p:txBody>
+          <a:bodyPr anchor="t">
+            <a:normAutofit/>
+          </a:bodyPr>
+          <a:lstStyle>
+            <a:lvl1pPr marL="0" indent="0">
+              <a:buNone/>
+              <a:defRPr sz="1400"/>
+            </a:lvl1pPr>
+            <a:lvl2pPr marL="457200" indent="0">
+              <a:buNone/>
+              <a:defRPr sz="1200"/>
+            </a:lvl2pPr>
+            <a:lvl3pPr marL="914400" indent="0">
+              <a:buNone/>
+              <a:defRPr sz="1000"/>
+            </a:lvl3pPr>
+            <a:lvl4pPr marL="1371600" indent="0">
+              <a:buNone/>
+              <a:defRPr sz="900"/>
+            </a:lvl4pPr>
+            <a:lvl5pPr marL="1828800" indent="0">
+              <a:buNone/>
+              <a:defRPr sz="900"/>
+            </a:lvl5pPr>
+            <a:lvl6pPr marL="2286000" indent="0">
+              <a:buNone/>
+              <a:defRPr sz="900"/>
+            </a:lvl6pPr>
+            <a:lvl7pPr marL="2743200" indent="0">
+              <a:buNone/>
+              <a:defRPr sz="900"/>
+            </a:lvl7pPr>
+            <a:lvl8pPr marL="3200400" indent="0">
+              <a:buNone/>
+              <a:defRPr sz="900"/>
+            </a:lvl8pPr>
+            <a:lvl9pPr marL="3657600" indent="0">
+              <a:buNone/>
+              <a:defRPr sz="900"/>
+            </a:lvl9pPr>
+          </a:lstStyle>
+          <a:p>
+            <a:pPr lvl="0"/>
+            <a:r>
+              <a:rPr lang="en-US"/>
+              <a:t>Click to edit Master text styles</a:t>
+            </a:r>
+          </a:p>
+        </p:txBody>
+      </p:sp>
+      <p:sp>
+        <p:nvSpPr>
+          <p:cNvPr id="14" name="Text Placeholder 4"/>
+          <p:cNvSpPr>
+            <a:spLocks noGrp="1"/>
+          </p:cNvSpPr>
+          <p:nvPr>
+            <p:ph type="body" sz="quarter" idx="13"/>
+          </p:nvPr>
+        </p:nvSpPr>
+        <p:spPr>
+          <a:xfrm>
+            <a:off x="5344917" y="4250949"/>
+            <a:ext cx="2199658" cy="576262"/>
+          </a:xfrm>
+        </p:spPr>
+        <p:txBody>
+          <a:bodyPr anchor="b">
+            <a:noAutofit/>
+          </a:bodyPr>
+          <a:lstStyle>
+            <a:lvl1pPr marL="0" indent="0">
+              <a:buNone/>
+              <a:defRPr sz="2400" b="0">
+                <a:solidFill>
+                  <a:schemeClr val="bg2">
+                    <a:lumMod val="40000"/>
+                    <a:lumOff val="60000"/>
+                  </a:schemeClr>
+                </a:solidFill>
+              </a:defRPr>
+            </a:lvl1pPr>
+            <a:lvl2pPr marL="457200" indent="0">
+              <a:buNone/>
+              <a:defRPr sz="2000" b="1"/>
+            </a:lvl2pPr>
+            <a:lvl3pPr marL="914400" indent="0">
+              <a:buNone/>
+              <a:defRPr sz="1800" b="1"/>
+            </a:lvl3pPr>
+            <a:lvl4pPr marL="1371600" indent="0">
+              <a:buNone/>
+              <a:defRPr sz="1600" b="1"/>
+            </a:lvl4pPr>
+            <a:lvl5pPr marL="1828800" indent="0">
+              <a:buNone/>
+              <a:defRPr sz="1600" b="1"/>
+            </a:lvl5pPr>
+            <a:lvl6pPr marL="2286000" indent="0">
+              <a:buNone/>
+              <a:defRPr sz="1600" b="1"/>
+            </a:lvl6pPr>
+            <a:lvl7pPr marL="2743200" indent="0">
+              <a:buNone/>
+              <a:defRPr sz="1600" b="1"/>
+            </a:lvl7pPr>
+            <a:lvl8pPr marL="3200400" indent="0">
+              <a:buNone/>
+              <a:defRPr sz="1600" b="1"/>
+            </a:lvl8pPr>
+            <a:lvl9pPr marL="3657600" indent="0">
+              <a:buNone/>
+              <a:defRPr sz="1600" b="1"/>
+            </a:lvl9pPr>
+          </a:lstStyle>
+          <a:p>
+            <a:pPr lvl="0"/>
+            <a:r>
+              <a:rPr lang="en-US"/>
+              <a:t>Click to edit Master text styles</a:t>
+            </a:r>
+          </a:p>
+        </p:txBody>
+      </p:sp>
+      <p:sp>
+        <p:nvSpPr>
+          <p:cNvPr id="31" name="Picture Placeholder 2"/>
+          <p:cNvSpPr>
+            <a:spLocks noGrp="1" noChangeAspect="1"/>
+          </p:cNvSpPr>
+          <p:nvPr>
+            <p:ph type="pic" idx="22"/>
+          </p:nvPr>
+        </p:nvSpPr>
+        <p:spPr>
+          <a:xfrm>
+            <a:off x="5344916" y="2209800"/>
+            <a:ext cx="2199658" cy="1524000"/>
+          </a:xfrm>
+          <a:prstGeom prst="roundRect">
+            <a:avLst>
+              <a:gd name="adj" fmla="val 1858"/>
+            </a:avLst>
+          </a:prstGeom>
+          <a:effectLst>
+            <a:outerShdw blurRad="50800" dist="50800" dir="5400000" algn="tl" rotWithShape="0">
+              <a:srgbClr val="000000">
+                <a:alpha val="43000"/>
+              </a:srgbClr>
+            </a:outerShdw>
+          </a:effectLst>
+        </p:spPr>
+        <p:txBody>
+          <a:bodyPr anchor="t">
+            <a:normAutofit/>
+          </a:bodyPr>
+          <a:lstStyle>
+            <a:lvl1pPr marL="0" indent="0" algn="ctr">
+              <a:buNone/>
+              <a:defRPr sz="1600"/>
+            </a:lvl1pPr>
+            <a:lvl2pPr marL="457200" indent="0">
+              <a:buNone/>
+              <a:defRPr sz="1600"/>
+            </a:lvl2pPr>
+            <a:lvl3pPr marL="914400" indent="0">
+              <a:buNone/>
+              <a:defRPr sz="1600"/>
+            </a:lvl3pPr>
+            <a:lvl4pPr marL="1371600" indent="0">
+              <a:buNone/>
+              <a:defRPr sz="1600"/>
+            </a:lvl4pPr>
+            <a:lvl5pPr marL="1828800" indent="0">
+              <a:buNone/>
+              <a:defRPr sz="1600"/>
+            </a:lvl5pPr>
+            <a:lvl6pPr marL="2286000" indent="0">
+              <a:buNone/>
+              <a:defRPr sz="1600"/>
+            </a:lvl6pPr>
+            <a:lvl7pPr marL="2743200" indent="0">
+              <a:buNone/>
+              <a:defRPr sz="1600"/>
+            </a:lvl7pPr>
+            <a:lvl8pPr marL="3200400" indent="0">
+              <a:buNone/>
+              <a:defRPr sz="1600"/>
+            </a:lvl8pPr>
+            <a:lvl9pPr marL="3657600" indent="0">
+              <a:buNone/>
+              <a:defRPr sz="1600"/>
+            </a:lvl9pPr>
+          </a:lstStyle>
+          <a:p>
+            <a:r>
+              <a:rPr lang="en-US"/>
+              <a:t>Click icon to add picture</a:t>
+            </a:r>
+            <a:endParaRPr lang="en-US" dirty="0"/>
+          </a:p>
+        </p:txBody>
+      </p:sp>
+      <p:sp>
+        <p:nvSpPr>
+          <p:cNvPr id="24" name="Text Placeholder 3"/>
+          <p:cNvSpPr>
+            <a:spLocks noGrp="1"/>
+          </p:cNvSpPr>
+          <p:nvPr>
+            <p:ph type="body" sz="half" idx="20"/>
+          </p:nvPr>
+        </p:nvSpPr>
+        <p:spPr>
+          <a:xfrm>
+            <a:off x="5344824" y="4827209"/>
+            <a:ext cx="2202571" cy="659189"/>
+          </a:xfrm>
+        </p:spPr>
+        <p:txBody>
+          <a:bodyPr anchor="t">
+            <a:normAutofit/>
+          </a:bodyPr>
+          <a:lstStyle>
+            <a:lvl1pPr marL="0" indent="0">
+              <a:buNone/>
+              <a:defRPr sz="1400"/>
+            </a:lvl1pPr>
+            <a:lvl2pPr marL="457200" indent="0">
+              <a:buNone/>
+              <a:defRPr sz="1200"/>
+            </a:lvl2pPr>
+            <a:lvl3pPr marL="914400" indent="0">
+              <a:buNone/>
+              <a:defRPr sz="1000"/>
+            </a:lvl3pPr>
+            <a:lvl4pPr marL="1371600" indent="0">
+              <a:buNone/>
+              <a:defRPr sz="900"/>
+            </a:lvl4pPr>
+            <a:lvl5pPr marL="1828800" indent="0">
+              <a:buNone/>
+              <a:defRPr sz="900"/>
+            </a:lvl5pPr>
+            <a:lvl6pPr marL="2286000" indent="0">
+              <a:buNone/>
+              <a:defRPr sz="900"/>
+            </a:lvl6pPr>
+            <a:lvl7pPr marL="2743200" indent="0">
+              <a:buNone/>
+              <a:defRPr sz="900"/>
+            </a:lvl7pPr>
+            <a:lvl8pPr marL="3200400" indent="0">
+              <a:buNone/>
+              <a:defRPr sz="900"/>
+            </a:lvl8pPr>
+            <a:lvl9pPr marL="3657600" indent="0">
+              <a:buNone/>
+              <a:defRPr sz="900"/>
+            </a:lvl9pPr>
+          </a:lstStyle>
+          <a:p>
+            <a:pPr lvl="0"/>
+            <a:r>
+              <a:rPr lang="en-US"/>
+              <a:t>Click to edit Master text styles</a:t>
+            </a:r>
+          </a:p>
+        </p:txBody>
+      </p:sp>
+      <p:cxnSp>
+        <p:nvCxnSpPr>
+          <p:cNvPr id="19" name="Straight Connector 18"/>
+          <p:cNvCxnSpPr/>
+          <p:nvPr/>
+        </p:nvCxnSpPr>
+        <p:spPr>
+          <a:xfrm>
+            <a:off x="2795334" y="2133600"/>
+            <a:ext cx="0" cy="3962400"/>
+          </a:xfrm>
+          <a:prstGeom prst="line">
+            <a:avLst/>
+          </a:prstGeom>
+          <a:ln w="12700" cmpd="sng">
+            <a:solidFill>
+              <a:schemeClr val="bg2">
+                <a:lumMod val="40000"/>
+                <a:lumOff val="60000"/>
+                <a:alpha val="40000"/>
+              </a:schemeClr>
+            </a:solidFill>
+          </a:ln>
+        </p:spPr>
+        <p:style>
+          <a:lnRef idx="2">
+            <a:schemeClr val="accent1"/>
+          </a:lnRef>
+          <a:fillRef idx="0">
+            <a:schemeClr val="accent1"/>
+          </a:fillRef>
+          <a:effectRef idx="1">
+            <a:schemeClr val="accent1"/>
+          </a:effectRef>
+          <a:fontRef idx="minor">
+            <a:schemeClr val="tx1"/>
+          </a:fontRef>
+        </p:style>
+      </p:cxnSp>
+      <p:cxnSp>
+        <p:nvCxnSpPr>
+          <p:cNvPr id="20" name="Straight Connector 19"/>
+          <p:cNvCxnSpPr/>
+          <p:nvPr/>
+        </p:nvCxnSpPr>
+        <p:spPr>
+          <a:xfrm>
+            <a:off x="5223030" y="2133600"/>
+            <a:ext cx="0" cy="3966882"/>
+          </a:xfrm>
+          <a:prstGeom prst="line">
+            <a:avLst/>
+          </a:prstGeom>
+          <a:ln w="12700" cmpd="sng">
+            <a:solidFill>
+              <a:schemeClr val="bg2">
+                <a:lumMod val="40000"/>
+                <a:lumOff val="60000"/>
+                <a:alpha val="40000"/>
+              </a:schemeClr>
+            </a:solidFill>
+          </a:ln>
+        </p:spPr>
+        <p:style>
+          <a:lnRef idx="2">
+            <a:schemeClr val="accent1"/>
+          </a:lnRef>
+          <a:fillRef idx="0">
+            <a:schemeClr val="accent1"/>
+          </a:fillRef>
+          <a:effectRef idx="1">
+            <a:schemeClr val="accent1"/>
+          </a:effectRef>
+          <a:fontRef idx="minor">
+            <a:schemeClr val="tx1"/>
+          </a:fontRef>
+        </p:style>
+      </p:cxnSp>
+      <p:sp>
+        <p:nvSpPr>
+          <p:cNvPr id="7" name="Date Placeholder 3"/>
+          <p:cNvSpPr>
+            <a:spLocks noGrp="1"/>
+          </p:cNvSpPr>
+          <p:nvPr>
+            <p:ph type="dt" sz="half" idx="10"/>
+          </p:nvPr>
+        </p:nvSpPr>
+        <p:spPr/>
+        <p:txBody>
+          <a:bodyPr/>
+          <a:lstStyle/>
+          <a:p>
+            <a:fld id="{1D8BD707-D9CF-40AE-B4C6-C98DA3205C09}" type="datetimeFigureOut">
+              <a:rPr lang="en-US" smtClean="0"/>
+              <a:pPr/>
+              <a:t>2/6/2024</a:t>
+            </a:fld>
+            <a:endParaRPr lang="en-US"/>
+          </a:p>
+        </p:txBody>
+      </p:sp>
+      <p:sp>
+        <p:nvSpPr>
+          <p:cNvPr id="4" name="Footer Placeholder 4"/>
+          <p:cNvSpPr>
+            <a:spLocks noGrp="1"/>
+          </p:cNvSpPr>
+          <p:nvPr>
+            <p:ph type="ftr" sz="quarter" idx="11"/>
+          </p:nvPr>
+        </p:nvSpPr>
+        <p:spPr/>
+        <p:txBody>
+          <a:bodyPr/>
+          <a:lstStyle/>
+          <a:p>
+            <a:endParaRPr lang="en-US"/>
+          </a:p>
+        </p:txBody>
+      </p:sp>
+      <p:sp>
+        <p:nvSpPr>
+          <p:cNvPr id="6" name="Slide Number Placeholder 5"/>
+          <p:cNvSpPr>
+            <a:spLocks noGrp="1"/>
+          </p:cNvSpPr>
+          <p:nvPr>
+            <p:ph type="sldNum" sz="quarter" idx="12"/>
+          </p:nvPr>
+        </p:nvSpPr>
+        <p:spPr/>
+        <p:txBody>
+          <a:bodyPr/>
+          <a:lstStyle/>
+          <a:p>
+            <a:fld id="{B6F15528-21DE-4FAA-801E-634DDDAF4B2B}" type="slidenum">
+              <a:rPr lang="en-US" smtClean="0"/>
+              <a:pPr/>
+              <a:t>‹#›</a:t>
+            </a:fld>
+            <a:endParaRPr lang="en-US"/>
+          </a:p>
+        </p:txBody>
+      </p:sp>
+    </p:spTree>
+    <p:extLst>
+      <p:ext uri="{BB962C8B-B14F-4D97-AF65-F5344CB8AC3E}">
+        <p14:creationId xmlns:p14="http://schemas.microsoft.com/office/powerpoint/2010/main" val="4170459240"/>
+      </p:ext>
+    </p:extLst>
+  </p:cSld>
+  <p:clrMapOvr>
+    <a:masterClrMapping/>
+  </p:clrMapOvr>
+</p:sldLayout>
+</file>
+
+<file path=ppt/slideLayouts/slideLayout16.xml><?xml version="1.0" encoding="utf-8"?>
 <p:sldLayout xmlns:a="http://schemas.openxmlformats.org/drawingml/2006/main" xmlns:r="http://schemas.openxmlformats.org/officeDocument/2006/relationships" xmlns:p="http://schemas.openxmlformats.org/presentationml/2006/main" type="vertTx" preserve="1">
   <p:cSld name="Title and Vertical Text">
     <p:spTree>
@@ -856,6 +3446,7 @@
               <a:rPr lang="en-US"/>
               <a:t>Click to edit Master title style</a:t>
             </a:r>
+            <a:endParaRPr lang="en-US" dirty="0"/>
           </a:p>
         </p:txBody>
       </p:sp>
@@ -871,7 +3462,7 @@
         </p:nvSpPr>
         <p:spPr/>
         <p:txBody>
-          <a:bodyPr vert="eaVert"/>
+          <a:bodyPr vert="eaVert" anchor="t" anchorCtr="0"/>
           <a:lstStyle/>
           <a:p>
             <a:pPr lvl="0"/>
@@ -907,6 +3498,7 @@
               <a:rPr lang="en-US"/>
               <a:t>Fifth level</a:t>
             </a:r>
+            <a:endParaRPr lang="en-US" dirty="0"/>
           </a:p>
         </p:txBody>
       </p:sp>
@@ -978,6 +3570,11 @@
         </p:txBody>
       </p:sp>
     </p:spTree>
+    <p:extLst>
+      <p:ext uri="{BB962C8B-B14F-4D97-AF65-F5344CB8AC3E}">
+        <p14:creationId xmlns:p14="http://schemas.microsoft.com/office/powerpoint/2010/main" val="1386844775"/>
+      </p:ext>
+    </p:extLst>
   </p:cSld>
   <p:clrMapOvr>
     <a:masterClrMapping/>
@@ -985,7 +3582,7 @@
 </p:sldLayout>
 </file>
 
-<file path=ppt/slideLayouts/slideLayout11.xml><?xml version="1.0" encoding="utf-8"?>
+<file path=ppt/slideLayouts/slideLayout17.xml><?xml version="1.0" encoding="utf-8"?>
 <p:sldLayout xmlns:a="http://schemas.openxmlformats.org/drawingml/2006/main" xmlns:r="http://schemas.openxmlformats.org/officeDocument/2006/relationships" xmlns:p="http://schemas.openxmlformats.org/presentationml/2006/main" type="vertTitleAndTx" preserve="1">
   <p:cSld name="Vertical Title and Text">
     <p:spTree>
@@ -1014,41 +3611,42 @@
         </p:nvSpPr>
         <p:spPr>
           <a:xfrm>
-            <a:off x="6629400" y="274638"/>
-            <a:ext cx="2057400" cy="5851525"/>
+            <a:off x="6229782" y="430214"/>
+            <a:ext cx="1314793" cy="5826125"/>
           </a:xfrm>
         </p:spPr>
         <p:txBody>
+          <a:bodyPr vert="eaVert" anchor="b" anchorCtr="0"/>
+          <a:lstStyle/>
+          <a:p>
+            <a:r>
+              <a:rPr lang="en-US"/>
+              <a:t>Click to edit Master title style</a:t>
+            </a:r>
+            <a:endParaRPr lang="en-US" dirty="0"/>
+          </a:p>
+        </p:txBody>
+      </p:sp>
+      <p:sp>
+        <p:nvSpPr>
+          <p:cNvPr id="3" name="Vertical Text Placeholder 2"/>
+          <p:cNvSpPr>
+            <a:spLocks noGrp="1"/>
+          </p:cNvSpPr>
+          <p:nvPr>
+            <p:ph type="body" orient="vert" idx="1"/>
+          </p:nvPr>
+        </p:nvSpPr>
+        <p:spPr>
+          <a:xfrm>
+            <a:off x="489475" y="773205"/>
+            <a:ext cx="5568812" cy="5483134"/>
+          </a:xfrm>
+        </p:spPr>
+        <p:txBody>
           <a:bodyPr vert="eaVert"/>
           <a:lstStyle/>
           <a:p>
-            <a:r>
-              <a:rPr lang="en-US"/>
-              <a:t>Click to edit Master title style</a:t>
-            </a:r>
-          </a:p>
-        </p:txBody>
-      </p:sp>
-      <p:sp>
-        <p:nvSpPr>
-          <p:cNvPr id="3" name="Vertical Text Placeholder 2"/>
-          <p:cNvSpPr>
-            <a:spLocks noGrp="1"/>
-          </p:cNvSpPr>
-          <p:nvPr>
-            <p:ph type="body" orient="vert" idx="1"/>
-          </p:nvPr>
-        </p:nvSpPr>
-        <p:spPr>
-          <a:xfrm>
-            <a:off x="457200" y="274638"/>
-            <a:ext cx="6019800" cy="5851525"/>
-          </a:xfrm>
-        </p:spPr>
-        <p:txBody>
-          <a:bodyPr vert="eaVert"/>
-          <a:lstStyle/>
-          <a:p>
             <a:pPr lvl="0"/>
             <a:r>
               <a:rPr lang="en-US"/>
@@ -1082,6 +3680,7 @@
               <a:rPr lang="en-US"/>
               <a:t>Fifth level</a:t>
             </a:r>
+            <a:endParaRPr lang="en-US" dirty="0"/>
           </a:p>
         </p:txBody>
       </p:sp>
@@ -1153,6 +3752,11 @@
         </p:txBody>
       </p:sp>
     </p:spTree>
+    <p:extLst>
+      <p:ext uri="{BB962C8B-B14F-4D97-AF65-F5344CB8AC3E}">
+        <p14:creationId xmlns:p14="http://schemas.microsoft.com/office/powerpoint/2010/main" val="1392338380"/>
+      </p:ext>
+    </p:extLst>
   </p:cSld>
   <p:clrMapOvr>
     <a:masterClrMapping/>
@@ -1196,6 +3800,7 @@
               <a:rPr lang="en-US"/>
               <a:t>Click to edit Master title style</a:t>
             </a:r>
+            <a:endParaRPr lang="en-US" dirty="0"/>
           </a:p>
         </p:txBody>
       </p:sp>
@@ -1247,12 +3852,13 @@
               <a:rPr lang="en-US"/>
               <a:t>Fifth level</a:t>
             </a:r>
-          </a:p>
-        </p:txBody>
-      </p:sp>
-      <p:sp>
-        <p:nvSpPr>
-          <p:cNvPr id="4" name="Date Placeholder 3"/>
+            <a:endParaRPr lang="en-US" dirty="0"/>
+          </a:p>
+        </p:txBody>
+      </p:sp>
+      <p:sp>
+        <p:nvSpPr>
+          <p:cNvPr id="7" name="Date Placeholder 3"/>
           <p:cNvSpPr>
             <a:spLocks noGrp="1"/>
           </p:cNvSpPr>
@@ -1318,6 +3924,11 @@
         </p:txBody>
       </p:sp>
     </p:spTree>
+    <p:extLst>
+      <p:ext uri="{BB962C8B-B14F-4D97-AF65-F5344CB8AC3E}">
+        <p14:creationId xmlns:p14="http://schemas.microsoft.com/office/powerpoint/2010/main" val="272910965"/>
+      </p:ext>
+    </p:extLst>
   </p:cSld>
   <p:clrMapOvr>
     <a:masterClrMapping/>
@@ -1354,50 +3965,52 @@
         </p:nvSpPr>
         <p:spPr>
           <a:xfrm>
-            <a:off x="722313" y="4406900"/>
-            <a:ext cx="7772400" cy="1362075"/>
+            <a:off x="866443" y="2861734"/>
+            <a:ext cx="6620967" cy="1915647"/>
           </a:xfrm>
         </p:spPr>
         <p:txBody>
+          <a:bodyPr anchor="b"/>
+          <a:lstStyle>
+            <a:lvl1pPr algn="l">
+              <a:defRPr sz="4000" b="0" cap="none"/>
+            </a:lvl1pPr>
+          </a:lstStyle>
+          <a:p>
+            <a:r>
+              <a:rPr lang="en-US"/>
+              <a:t>Click to edit Master title style</a:t>
+            </a:r>
+            <a:endParaRPr lang="en-US" dirty="0"/>
+          </a:p>
+        </p:txBody>
+      </p:sp>
+      <p:sp>
+        <p:nvSpPr>
+          <p:cNvPr id="3" name="Text Placeholder 2"/>
+          <p:cNvSpPr>
+            <a:spLocks noGrp="1"/>
+          </p:cNvSpPr>
+          <p:nvPr>
+            <p:ph type="body" idx="1"/>
+          </p:nvPr>
+        </p:nvSpPr>
+        <p:spPr>
+          <a:xfrm>
+            <a:off x="866442" y="4777381"/>
+            <a:ext cx="6620968" cy="860400"/>
+          </a:xfrm>
+        </p:spPr>
+        <p:txBody>
           <a:bodyPr anchor="t"/>
           <a:lstStyle>
-            <a:lvl1pPr algn="l">
-              <a:defRPr sz="4000" b="1" cap="all"/>
-            </a:lvl1pPr>
-          </a:lstStyle>
-          <a:p>
-            <a:r>
-              <a:rPr lang="en-US"/>
-              <a:t>Click to edit Master title style</a:t>
-            </a:r>
-          </a:p>
-        </p:txBody>
-      </p:sp>
-      <p:sp>
-        <p:nvSpPr>
-          <p:cNvPr id="3" name="Text Placeholder 2"/>
-          <p:cNvSpPr>
-            <a:spLocks noGrp="1"/>
-          </p:cNvSpPr>
-          <p:nvPr>
-            <p:ph type="body" idx="1"/>
-          </p:nvPr>
-        </p:nvSpPr>
-        <p:spPr>
-          <a:xfrm>
-            <a:off x="722313" y="2906713"/>
-            <a:ext cx="7772400" cy="1500187"/>
-          </a:xfrm>
-        </p:spPr>
-        <p:txBody>
-          <a:bodyPr anchor="b"/>
-          <a:lstStyle>
-            <a:lvl1pPr marL="0" indent="0">
-              <a:buNone/>
-              <a:defRPr sz="2000">
+            <a:lvl1pPr marL="0" indent="0" algn="l">
+              <a:buNone/>
+              <a:defRPr sz="2000" cap="all">
                 <a:solidFill>
-                  <a:schemeClr val="tx1">
-                    <a:tint val="75000"/>
+                  <a:schemeClr val="bg2">
+                    <a:lumMod val="40000"/>
+                    <a:lumOff val="60000"/>
                   </a:schemeClr>
                 </a:solidFill>
               </a:defRPr>
@@ -1560,6 +4173,11 @@
         </p:txBody>
       </p:sp>
     </p:spTree>
+    <p:extLst>
+      <p:ext uri="{BB962C8B-B14F-4D97-AF65-F5344CB8AC3E}">
+        <p14:creationId xmlns:p14="http://schemas.microsoft.com/office/powerpoint/2010/main" val="571831414"/>
+      </p:ext>
+    </p:extLst>
   </p:cSld>
   <p:clrMapOvr>
     <a:masterClrMapping/>
@@ -1603,6 +4221,7 @@
               <a:rPr lang="en-US"/>
               <a:t>Click to edit Master title style</a:t>
             </a:r>
+            <a:endParaRPr lang="en-US" dirty="0"/>
           </a:p>
         </p:txBody>
       </p:sp>
@@ -1618,39 +4237,41 @@
         </p:nvSpPr>
         <p:spPr>
           <a:xfrm>
-            <a:off x="457200" y="1600200"/>
-            <a:ext cx="4038600" cy="4525963"/>
+            <a:off x="827700" y="2060576"/>
+            <a:ext cx="3298113" cy="4195763"/>
           </a:xfrm>
         </p:spPr>
         <p:txBody>
-          <a:bodyPr/>
+          <a:bodyPr>
+            <a:normAutofit/>
+          </a:bodyPr>
           <a:lstStyle>
             <a:lvl1pPr>
-              <a:defRPr sz="2800"/>
+              <a:defRPr sz="1800"/>
             </a:lvl1pPr>
             <a:lvl2pPr>
-              <a:defRPr sz="2400"/>
+              <a:defRPr sz="1600"/>
             </a:lvl2pPr>
             <a:lvl3pPr>
-              <a:defRPr sz="2000"/>
+              <a:defRPr sz="1400"/>
             </a:lvl3pPr>
             <a:lvl4pPr>
-              <a:defRPr sz="1800"/>
+              <a:defRPr sz="1200"/>
             </a:lvl4pPr>
             <a:lvl5pPr>
-              <a:defRPr sz="1800"/>
+              <a:defRPr sz="1200"/>
             </a:lvl5pPr>
             <a:lvl6pPr>
-              <a:defRPr sz="1800"/>
+              <a:defRPr sz="1200"/>
             </a:lvl6pPr>
             <a:lvl7pPr>
-              <a:defRPr sz="1800"/>
+              <a:defRPr sz="1200"/>
             </a:lvl7pPr>
             <a:lvl8pPr>
-              <a:defRPr sz="1800"/>
+              <a:defRPr sz="1200"/>
             </a:lvl8pPr>
             <a:lvl9pPr>
-              <a:defRPr sz="1800"/>
+              <a:defRPr sz="1200"/>
             </a:lvl9pPr>
           </a:lstStyle>
           <a:p>
@@ -1687,6 +4308,7 @@
               <a:rPr lang="en-US"/>
               <a:t>Fifth level</a:t>
             </a:r>
+            <a:endParaRPr lang="en-US" dirty="0"/>
           </a:p>
         </p:txBody>
       </p:sp>
@@ -1702,39 +4324,41 @@
         </p:nvSpPr>
         <p:spPr>
           <a:xfrm>
-            <a:off x="4648200" y="1600200"/>
-            <a:ext cx="4038600" cy="4525963"/>
+            <a:off x="4241975" y="2056093"/>
+            <a:ext cx="3298115" cy="4200245"/>
           </a:xfrm>
         </p:spPr>
         <p:txBody>
-          <a:bodyPr/>
+          <a:bodyPr>
+            <a:normAutofit/>
+          </a:bodyPr>
           <a:lstStyle>
             <a:lvl1pPr>
-              <a:defRPr sz="2800"/>
+              <a:defRPr sz="1800"/>
             </a:lvl1pPr>
             <a:lvl2pPr>
-              <a:defRPr sz="2400"/>
+              <a:defRPr sz="1600"/>
             </a:lvl2pPr>
             <a:lvl3pPr>
-              <a:defRPr sz="2000"/>
+              <a:defRPr sz="1400"/>
             </a:lvl3pPr>
             <a:lvl4pPr>
-              <a:defRPr sz="1800"/>
+              <a:defRPr sz="1200"/>
             </a:lvl4pPr>
             <a:lvl5pPr>
-              <a:defRPr sz="1800"/>
+              <a:defRPr sz="1200"/>
             </a:lvl5pPr>
             <a:lvl6pPr>
-              <a:defRPr sz="1800"/>
+              <a:defRPr sz="1200"/>
             </a:lvl6pPr>
             <a:lvl7pPr>
-              <a:defRPr sz="1800"/>
+              <a:defRPr sz="1200"/>
             </a:lvl7pPr>
             <a:lvl8pPr>
-              <a:defRPr sz="1800"/>
+              <a:defRPr sz="1200"/>
             </a:lvl8pPr>
             <a:lvl9pPr>
-              <a:defRPr sz="1800"/>
+              <a:defRPr sz="1200"/>
             </a:lvl9pPr>
           </a:lstStyle>
           <a:p>
@@ -1771,6 +4395,7 @@
               <a:rPr lang="en-US"/>
               <a:t>Fifth level</a:t>
             </a:r>
+            <a:endParaRPr lang="en-US" dirty="0"/>
           </a:p>
         </p:txBody>
       </p:sp>
@@ -1842,6 +4467,11 @@
         </p:txBody>
       </p:sp>
     </p:spTree>
+    <p:extLst>
+      <p:ext uri="{BB962C8B-B14F-4D97-AF65-F5344CB8AC3E}">
+        <p14:creationId xmlns:p14="http://schemas.microsoft.com/office/powerpoint/2010/main" val="1541931768"/>
+      </p:ext>
+    </p:extLst>
   </p:cSld>
   <p:clrMapOvr>
     <a:masterClrMapping/>
@@ -1889,6 +4519,7 @@
               <a:rPr lang="en-US"/>
               <a:t>Click to edit Master title style</a:t>
             </a:r>
+            <a:endParaRPr lang="en-US" dirty="0"/>
           </a:p>
         </p:txBody>
       </p:sp>
@@ -1904,16 +4535,25 @@
         </p:nvSpPr>
         <p:spPr>
           <a:xfrm>
-            <a:off x="457200" y="1535113"/>
-            <a:ext cx="4040188" cy="639762"/>
+            <a:off x="827700" y="1905000"/>
+            <a:ext cx="3298112" cy="576262"/>
           </a:xfrm>
         </p:spPr>
         <p:txBody>
-          <a:bodyPr anchor="b"/>
+          <a:bodyPr anchor="b">
+            <a:noAutofit/>
+          </a:bodyPr>
           <a:lstStyle>
             <a:lvl1pPr marL="0" indent="0">
               <a:buNone/>
-              <a:defRPr sz="2400" b="1"/>
+              <a:defRPr sz="2400" b="0">
+                <a:solidFill>
+                  <a:schemeClr val="bg2">
+                    <a:lumMod val="40000"/>
+                    <a:lumOff val="60000"/>
+                  </a:schemeClr>
+                </a:solidFill>
+              </a:defRPr>
             </a:lvl1pPr>
             <a:lvl2pPr marL="457200" indent="0">
               <a:buNone/>
@@ -1969,39 +4609,41 @@
         </p:nvSpPr>
         <p:spPr>
           <a:xfrm>
-            <a:off x="457200" y="2174875"/>
-            <a:ext cx="4040188" cy="3951288"/>
+            <a:off x="827700" y="2514600"/>
+            <a:ext cx="3298113" cy="3741738"/>
           </a:xfrm>
         </p:spPr>
         <p:txBody>
-          <a:bodyPr/>
+          <a:bodyPr>
+            <a:normAutofit/>
+          </a:bodyPr>
           <a:lstStyle>
             <a:lvl1pPr>
-              <a:defRPr sz="2400"/>
+              <a:defRPr sz="1800"/>
             </a:lvl1pPr>
             <a:lvl2pPr>
-              <a:defRPr sz="2000"/>
+              <a:defRPr sz="1600"/>
             </a:lvl2pPr>
             <a:lvl3pPr>
-              <a:defRPr sz="1800"/>
+              <a:defRPr sz="1400"/>
             </a:lvl3pPr>
             <a:lvl4pPr>
-              <a:defRPr sz="1600"/>
+              <a:defRPr sz="1200"/>
             </a:lvl4pPr>
             <a:lvl5pPr>
-              <a:defRPr sz="1600"/>
+              <a:defRPr sz="1200"/>
             </a:lvl5pPr>
             <a:lvl6pPr>
-              <a:defRPr sz="1600"/>
+              <a:defRPr sz="1200"/>
             </a:lvl6pPr>
             <a:lvl7pPr>
-              <a:defRPr sz="1600"/>
+              <a:defRPr sz="1200"/>
             </a:lvl7pPr>
             <a:lvl8pPr>
-              <a:defRPr sz="1600"/>
+              <a:defRPr sz="1200"/>
             </a:lvl8pPr>
             <a:lvl9pPr>
-              <a:defRPr sz="1600"/>
+              <a:defRPr sz="1200"/>
             </a:lvl9pPr>
           </a:lstStyle>
           <a:p>
@@ -2038,6 +4680,7 @@
               <a:rPr lang="en-US"/>
               <a:t>Fifth level</a:t>
             </a:r>
+            <a:endParaRPr lang="en-US" dirty="0"/>
           </a:p>
         </p:txBody>
       </p:sp>
@@ -2053,16 +4696,25 @@
         </p:nvSpPr>
         <p:spPr>
           <a:xfrm>
-            <a:off x="4645025" y="1535113"/>
-            <a:ext cx="4041775" cy="639762"/>
+            <a:off x="4241976" y="1905000"/>
+            <a:ext cx="3298113" cy="576262"/>
           </a:xfrm>
         </p:spPr>
         <p:txBody>
-          <a:bodyPr anchor="b"/>
+          <a:bodyPr anchor="b">
+            <a:noAutofit/>
+          </a:bodyPr>
           <a:lstStyle>
             <a:lvl1pPr marL="0" indent="0">
               <a:buNone/>
-              <a:defRPr sz="2400" b="1"/>
+              <a:defRPr sz="2400" b="0">
+                <a:solidFill>
+                  <a:schemeClr val="bg2">
+                    <a:lumMod val="40000"/>
+                    <a:lumOff val="60000"/>
+                  </a:schemeClr>
+                </a:solidFill>
+              </a:defRPr>
             </a:lvl1pPr>
             <a:lvl2pPr marL="457200" indent="0">
               <a:buNone/>
@@ -2118,39 +4770,41 @@
         </p:nvSpPr>
         <p:spPr>
           <a:xfrm>
-            <a:off x="4645025" y="2174875"/>
-            <a:ext cx="4041775" cy="3951288"/>
+            <a:off x="4241976" y="2514600"/>
+            <a:ext cx="3298113" cy="3741738"/>
           </a:xfrm>
         </p:spPr>
         <p:txBody>
-          <a:bodyPr/>
+          <a:bodyPr>
+            <a:normAutofit/>
+          </a:bodyPr>
           <a:lstStyle>
             <a:lvl1pPr>
-              <a:defRPr sz="2400"/>
+              <a:defRPr sz="1800"/>
             </a:lvl1pPr>
             <a:lvl2pPr>
-              <a:defRPr sz="2000"/>
+              <a:defRPr sz="1600"/>
             </a:lvl2pPr>
             <a:lvl3pPr>
-              <a:defRPr sz="1800"/>
+              <a:defRPr sz="1400"/>
             </a:lvl3pPr>
             <a:lvl4pPr>
-              <a:defRPr sz="1600"/>
+              <a:defRPr sz="1200"/>
             </a:lvl4pPr>
             <a:lvl5pPr>
-              <a:defRPr sz="1600"/>
+              <a:defRPr sz="1200"/>
             </a:lvl5pPr>
             <a:lvl6pPr>
-              <a:defRPr sz="1600"/>
+              <a:defRPr sz="1200"/>
             </a:lvl6pPr>
             <a:lvl7pPr>
-              <a:defRPr sz="1600"/>
+              <a:defRPr sz="1200"/>
             </a:lvl7pPr>
             <a:lvl8pPr>
-              <a:defRPr sz="1600"/>
+              <a:defRPr sz="1200"/>
             </a:lvl8pPr>
             <a:lvl9pPr>
-              <a:defRPr sz="1600"/>
+              <a:defRPr sz="1200"/>
             </a:lvl9pPr>
           </a:lstStyle>
           <a:p>
@@ -2187,6 +4841,7 @@
               <a:rPr lang="en-US"/>
               <a:t>Fifth level</a:t>
             </a:r>
+            <a:endParaRPr lang="en-US" dirty="0"/>
           </a:p>
         </p:txBody>
       </p:sp>
@@ -2258,6 +4913,11 @@
         </p:txBody>
       </p:sp>
     </p:spTree>
+    <p:extLst>
+      <p:ext uri="{BB962C8B-B14F-4D97-AF65-F5344CB8AC3E}">
+        <p14:creationId xmlns:p14="http://schemas.microsoft.com/office/powerpoint/2010/main" val="1623017315"/>
+      </p:ext>
+    </p:extLst>
   </p:cSld>
   <p:clrMapOvr>
     <a:masterClrMapping/>
@@ -2301,12 +4961,13 @@
               <a:rPr lang="en-US"/>
               <a:t>Click to edit Master title style</a:t>
             </a:r>
-          </a:p>
-        </p:txBody>
-      </p:sp>
-      <p:sp>
-        <p:nvSpPr>
-          <p:cNvPr id="3" name="Date Placeholder 2"/>
+            <a:endParaRPr lang="en-US" dirty="0"/>
+          </a:p>
+        </p:txBody>
+      </p:sp>
+      <p:sp>
+        <p:nvSpPr>
+          <p:cNvPr id="7" name="Date Placeholder 2"/>
           <p:cNvSpPr>
             <a:spLocks noGrp="1"/>
           </p:cNvSpPr>
@@ -2330,7 +4991,7 @@
       </p:sp>
       <p:sp>
         <p:nvSpPr>
-          <p:cNvPr id="4" name="Footer Placeholder 3"/>
+          <p:cNvPr id="5" name="Footer Placeholder 3"/>
           <p:cNvSpPr>
             <a:spLocks noGrp="1"/>
           </p:cNvSpPr>
@@ -2349,7 +5010,7 @@
       </p:sp>
       <p:sp>
         <p:nvSpPr>
-          <p:cNvPr id="5" name="Slide Number Placeholder 4"/>
+          <p:cNvPr id="6" name="Slide Number Placeholder 4"/>
           <p:cNvSpPr>
             <a:spLocks noGrp="1"/>
           </p:cNvSpPr>
@@ -2372,6 +5033,11 @@
         </p:txBody>
       </p:sp>
     </p:spTree>
+    <p:extLst>
+      <p:ext uri="{BB962C8B-B14F-4D97-AF65-F5344CB8AC3E}">
+        <p14:creationId xmlns:p14="http://schemas.microsoft.com/office/powerpoint/2010/main" val="3937585691"/>
+      </p:ext>
+    </p:extLst>
   </p:cSld>
   <p:clrMapOvr>
     <a:masterClrMapping/>
@@ -2398,7 +5064,7 @@
       </p:grpSpPr>
       <p:sp>
         <p:nvSpPr>
-          <p:cNvPr id="2" name="Date Placeholder 1"/>
+          <p:cNvPr id="7" name="Date Placeholder 1"/>
           <p:cNvSpPr>
             <a:spLocks noGrp="1"/>
           </p:cNvSpPr>
@@ -2422,7 +5088,7 @@
       </p:sp>
       <p:sp>
         <p:nvSpPr>
-          <p:cNvPr id="3" name="Footer Placeholder 2"/>
+          <p:cNvPr id="5" name="Footer Placeholder 2"/>
           <p:cNvSpPr>
             <a:spLocks noGrp="1"/>
           </p:cNvSpPr>
@@ -2441,7 +5107,7 @@
       </p:sp>
       <p:sp>
         <p:nvSpPr>
-          <p:cNvPr id="4" name="Slide Number Placeholder 3"/>
+          <p:cNvPr id="6" name="Slide Number Placeholder 3"/>
           <p:cNvSpPr>
             <a:spLocks noGrp="1"/>
           </p:cNvSpPr>
@@ -2464,6 +5130,11 @@
         </p:txBody>
       </p:sp>
     </p:spTree>
+    <p:extLst>
+      <p:ext uri="{BB962C8B-B14F-4D97-AF65-F5344CB8AC3E}">
+        <p14:creationId xmlns:p14="http://schemas.microsoft.com/office/powerpoint/2010/main" val="1825517470"/>
+      </p:ext>
+    </p:extLst>
   </p:cSld>
   <p:clrMapOvr>
     <a:masterClrMapping/>
@@ -2500,15 +5171,15 @@
         </p:nvSpPr>
         <p:spPr>
           <a:xfrm>
-            <a:off x="457200" y="273050"/>
-            <a:ext cx="3008313" cy="1162050"/>
+            <a:off x="866441" y="1447800"/>
+            <a:ext cx="2551462" cy="1447800"/>
           </a:xfrm>
         </p:spPr>
         <p:txBody>
           <a:bodyPr anchor="b"/>
           <a:lstStyle>
             <a:lvl1pPr algn="l">
-              <a:defRPr sz="2000" b="1"/>
+              <a:defRPr sz="2400" b="0"/>
             </a:lvl1pPr>
           </a:lstStyle>
           <a:p>
@@ -2516,6 +5187,7 @@
               <a:rPr lang="en-US"/>
               <a:t>Click to edit Master title style</a:t>
             </a:r>
+            <a:endParaRPr lang="en-US" dirty="0"/>
           </a:p>
         </p:txBody>
       </p:sp>
@@ -2531,39 +5203,41 @@
         </p:nvSpPr>
         <p:spPr>
           <a:xfrm>
-            <a:off x="3575050" y="273050"/>
-            <a:ext cx="5111750" cy="5853113"/>
+            <a:off x="3589397" y="1447800"/>
+            <a:ext cx="3898013" cy="4572000"/>
           </a:xfrm>
         </p:spPr>
         <p:txBody>
-          <a:bodyPr/>
+          <a:bodyPr anchor="ctr">
+            <a:normAutofit/>
+          </a:bodyPr>
           <a:lstStyle>
             <a:lvl1pPr>
-              <a:defRPr sz="3200"/>
+              <a:defRPr sz="2000"/>
             </a:lvl1pPr>
             <a:lvl2pPr>
-              <a:defRPr sz="2800"/>
+              <a:defRPr sz="1800"/>
             </a:lvl2pPr>
             <a:lvl3pPr>
-              <a:defRPr sz="2400"/>
+              <a:defRPr sz="1600"/>
             </a:lvl3pPr>
             <a:lvl4pPr>
-              <a:defRPr sz="2000"/>
+              <a:defRPr sz="1400"/>
             </a:lvl4pPr>
             <a:lvl5pPr>
-              <a:defRPr sz="2000"/>
+              <a:defRPr sz="1400"/>
             </a:lvl5pPr>
             <a:lvl6pPr>
-              <a:defRPr sz="2000"/>
+              <a:defRPr sz="1400"/>
             </a:lvl6pPr>
             <a:lvl7pPr>
-              <a:defRPr sz="2000"/>
+              <a:defRPr sz="1400"/>
             </a:lvl7pPr>
             <a:lvl8pPr>
-              <a:defRPr sz="2000"/>
+              <a:defRPr sz="1400"/>
             </a:lvl8pPr>
             <a:lvl9pPr>
-              <a:defRPr sz="2000"/>
+              <a:defRPr sz="1400"/>
             </a:lvl9pPr>
           </a:lstStyle>
           <a:p>
@@ -2600,6 +5274,7 @@
               <a:rPr lang="en-US"/>
               <a:t>Fifth level</a:t>
             </a:r>
+            <a:endParaRPr lang="en-US" dirty="0"/>
           </a:p>
         </p:txBody>
       </p:sp>
@@ -2615,8 +5290,8 @@
         </p:nvSpPr>
         <p:spPr>
           <a:xfrm>
-            <a:off x="457200" y="1435100"/>
-            <a:ext cx="3008313" cy="4691063"/>
+            <a:off x="866441" y="3129281"/>
+            <a:ext cx="2551462" cy="2895599"/>
           </a:xfrm>
         </p:spPr>
         <p:txBody>
@@ -2670,7 +5345,7 @@
       </p:sp>
       <p:sp>
         <p:nvSpPr>
-          <p:cNvPr id="5" name="Date Placeholder 4"/>
+          <p:cNvPr id="7" name="Date Placeholder 4"/>
           <p:cNvSpPr>
             <a:spLocks noGrp="1"/>
           </p:cNvSpPr>
@@ -2694,7 +5369,7 @@
       </p:sp>
       <p:sp>
         <p:nvSpPr>
-          <p:cNvPr id="6" name="Footer Placeholder 5"/>
+          <p:cNvPr id="5" name="Footer Placeholder 5"/>
           <p:cNvSpPr>
             <a:spLocks noGrp="1"/>
           </p:cNvSpPr>
@@ -2713,7 +5388,7 @@
       </p:sp>
       <p:sp>
         <p:nvSpPr>
-          <p:cNvPr id="7" name="Slide Number Placeholder 6"/>
+          <p:cNvPr id="6" name="Slide Number Placeholder 6"/>
           <p:cNvSpPr>
             <a:spLocks noGrp="1"/>
           </p:cNvSpPr>
@@ -2736,6 +5411,11 @@
         </p:txBody>
       </p:sp>
     </p:spTree>
+    <p:extLst>
+      <p:ext uri="{BB962C8B-B14F-4D97-AF65-F5344CB8AC3E}">
+        <p14:creationId xmlns:p14="http://schemas.microsoft.com/office/powerpoint/2010/main" val="385793241"/>
+      </p:ext>
+    </p:extLst>
   </p:cSld>
   <p:clrMapOvr>
     <a:masterClrMapping/>
@@ -2772,15 +5452,17 @@
         </p:nvSpPr>
         <p:spPr>
           <a:xfrm>
-            <a:off x="1792288" y="4800600"/>
-            <a:ext cx="5486400" cy="566738"/>
+            <a:off x="865656" y="1854192"/>
+            <a:ext cx="3820674" cy="1574808"/>
           </a:xfrm>
         </p:spPr>
         <p:txBody>
-          <a:bodyPr anchor="b"/>
+          <a:bodyPr anchor="b">
+            <a:normAutofit/>
+          </a:bodyPr>
           <a:lstStyle>
             <a:lvl1pPr algn="l">
-              <a:defRPr sz="2000" b="1"/>
+              <a:defRPr sz="3600" b="0"/>
             </a:lvl1pPr>
           </a:lstStyle>
           <a:p>
@@ -2788,6 +5470,7 @@
               <a:rPr lang="en-US"/>
               <a:t>Click to edit Master title style</a:t>
             </a:r>
+            <a:endParaRPr lang="en-US" dirty="0"/>
           </a:p>
         </p:txBody>
       </p:sp>
@@ -2795,7 +5478,7 @@
         <p:nvSpPr>
           <p:cNvPr id="3" name="Picture Placeholder 2"/>
           <p:cNvSpPr>
-            <a:spLocks noGrp="1"/>
+            <a:spLocks noGrp="1" noChangeAspect="1"/>
           </p:cNvSpPr>
           <p:nvPr>
             <p:ph type="pic" idx="1"/>
@@ -2803,73 +5486,93 @@
         </p:nvSpPr>
         <p:spPr>
           <a:xfrm>
-            <a:off x="1792288" y="612775"/>
-            <a:ext cx="5486400" cy="4114800"/>
+            <a:off x="5213517" y="1143000"/>
+            <a:ext cx="2400925" cy="4572000"/>
+          </a:xfrm>
+          <a:prstGeom prst="roundRect">
+            <a:avLst>
+              <a:gd name="adj" fmla="val 1858"/>
+            </a:avLst>
+          </a:prstGeom>
+          <a:effectLst>
+            <a:outerShdw blurRad="50800" dist="50800" dir="5400000" algn="tl" rotWithShape="0">
+              <a:srgbClr val="000000">
+                <a:alpha val="43000"/>
+              </a:srgbClr>
+            </a:outerShdw>
+          </a:effectLst>
+        </p:spPr>
+        <p:txBody>
+          <a:bodyPr anchor="t">
+            <a:normAutofit/>
+          </a:bodyPr>
+          <a:lstStyle>
+            <a:lvl1pPr marL="0" indent="0" algn="ctr">
+              <a:buNone/>
+              <a:defRPr sz="1600"/>
+            </a:lvl1pPr>
+            <a:lvl2pPr marL="457200" indent="0">
+              <a:buNone/>
+              <a:defRPr sz="1600"/>
+            </a:lvl2pPr>
+            <a:lvl3pPr marL="914400" indent="0">
+              <a:buNone/>
+              <a:defRPr sz="1600"/>
+            </a:lvl3pPr>
+            <a:lvl4pPr marL="1371600" indent="0">
+              <a:buNone/>
+              <a:defRPr sz="1600"/>
+            </a:lvl4pPr>
+            <a:lvl5pPr marL="1828800" indent="0">
+              <a:buNone/>
+              <a:defRPr sz="1600"/>
+            </a:lvl5pPr>
+            <a:lvl6pPr marL="2286000" indent="0">
+              <a:buNone/>
+              <a:defRPr sz="1600"/>
+            </a:lvl6pPr>
+            <a:lvl7pPr marL="2743200" indent="0">
+              <a:buNone/>
+              <a:defRPr sz="1600"/>
+            </a:lvl7pPr>
+            <a:lvl8pPr marL="3200400" indent="0">
+              <a:buNone/>
+              <a:defRPr sz="1600"/>
+            </a:lvl8pPr>
+            <a:lvl9pPr marL="3657600" indent="0">
+              <a:buNone/>
+              <a:defRPr sz="1600"/>
+            </a:lvl9pPr>
+          </a:lstStyle>
+          <a:p>
+            <a:r>
+              <a:rPr lang="en-US"/>
+              <a:t>Click icon to add picture</a:t>
+            </a:r>
+            <a:endParaRPr lang="en-US" dirty="0"/>
+          </a:p>
+        </p:txBody>
+      </p:sp>
+      <p:sp>
+        <p:nvSpPr>
+          <p:cNvPr id="4" name="Text Placeholder 3"/>
+          <p:cNvSpPr>
+            <a:spLocks noGrp="1"/>
+          </p:cNvSpPr>
+          <p:nvPr>
+            <p:ph type="body" sz="half" idx="2"/>
+          </p:nvPr>
+        </p:nvSpPr>
+        <p:spPr>
+          <a:xfrm>
+            <a:off x="866441" y="3657600"/>
+            <a:ext cx="3814728" cy="1371600"/>
           </a:xfrm>
         </p:spPr>
         <p:txBody>
-          <a:bodyPr/>
-          <a:lstStyle>
-            <a:lvl1pPr marL="0" indent="0">
-              <a:buNone/>
-              <a:defRPr sz="3200"/>
-            </a:lvl1pPr>
-            <a:lvl2pPr marL="457200" indent="0">
-              <a:buNone/>
-              <a:defRPr sz="2800"/>
-            </a:lvl2pPr>
-            <a:lvl3pPr marL="914400" indent="0">
-              <a:buNone/>
-              <a:defRPr sz="2400"/>
-            </a:lvl3pPr>
-            <a:lvl4pPr marL="1371600" indent="0">
-              <a:buNone/>
-              <a:defRPr sz="2000"/>
-            </a:lvl4pPr>
-            <a:lvl5pPr marL="1828800" indent="0">
-              <a:buNone/>
-              <a:defRPr sz="2000"/>
-            </a:lvl5pPr>
-            <a:lvl6pPr marL="2286000" indent="0">
-              <a:buNone/>
-              <a:defRPr sz="2000"/>
-            </a:lvl6pPr>
-            <a:lvl7pPr marL="2743200" indent="0">
-              <a:buNone/>
-              <a:defRPr sz="2000"/>
-            </a:lvl7pPr>
-            <a:lvl8pPr marL="3200400" indent="0">
-              <a:buNone/>
-              <a:defRPr sz="2000"/>
-            </a:lvl8pPr>
-            <a:lvl9pPr marL="3657600" indent="0">
-              <a:buNone/>
-              <a:defRPr sz="2000"/>
-            </a:lvl9pPr>
-          </a:lstStyle>
-          <a:p>
-            <a:endParaRPr lang="en-US"/>
-          </a:p>
-        </p:txBody>
-      </p:sp>
-      <p:sp>
-        <p:nvSpPr>
-          <p:cNvPr id="4" name="Text Placeholder 3"/>
-          <p:cNvSpPr>
-            <a:spLocks noGrp="1"/>
-          </p:cNvSpPr>
-          <p:nvPr>
-            <p:ph type="body" sz="half" idx="2"/>
-          </p:nvPr>
-        </p:nvSpPr>
-        <p:spPr>
-          <a:xfrm>
-            <a:off x="1792288" y="5367338"/>
-            <a:ext cx="5486400" cy="804862"/>
-          </a:xfrm>
-        </p:spPr>
-        <p:txBody>
-          <a:bodyPr/>
+          <a:bodyPr>
+            <a:normAutofit/>
+          </a:bodyPr>
           <a:lstStyle>
             <a:lvl1pPr marL="0" indent="0">
               <a:buNone/>
@@ -2985,6 +5688,11 @@
         </p:txBody>
       </p:sp>
     </p:spTree>
+    <p:extLst>
+      <p:ext uri="{BB962C8B-B14F-4D97-AF65-F5344CB8AC3E}">
+        <p14:creationId xmlns:p14="http://schemas.microsoft.com/office/powerpoint/2010/main" val="297218253"/>
+      </p:ext>
+    </p:extLst>
   </p:cSld>
   <p:clrMapOvr>
     <a:masterClrMapping/>
@@ -2996,42 +5704,9 @@
 <p:sldMaster xmlns:a="http://schemas.openxmlformats.org/drawingml/2006/main" xmlns:r="http://schemas.openxmlformats.org/officeDocument/2006/relationships" xmlns:p="http://schemas.openxmlformats.org/presentationml/2006/main">
   <p:cSld>
     <p:bg>
-      <p:bgPr>
-        <a:gradFill flip="none" rotWithShape="1">
-          <a:gsLst>
-            <a:gs pos="99933">
-              <a:srgbClr val="FFC101"/>
-            </a:gs>
-            <a:gs pos="99867">
-              <a:schemeClr val="accent6">
-                <a:lumMod val="40000"/>
-                <a:lumOff val="60000"/>
-              </a:schemeClr>
-            </a:gs>
-            <a:gs pos="72000">
-              <a:schemeClr val="accent6">
-                <a:lumMod val="40000"/>
-                <a:lumOff val="60000"/>
-              </a:schemeClr>
-            </a:gs>
-            <a:gs pos="5000">
-              <a:schemeClr val="accent6">
-                <a:lumMod val="20000"/>
-                <a:lumOff val="80000"/>
-              </a:schemeClr>
-            </a:gs>
-            <a:gs pos="39000">
-              <a:schemeClr val="accent6">
-                <a:lumMod val="20000"/>
-                <a:lumOff val="80000"/>
-              </a:schemeClr>
-            </a:gs>
-          </a:gsLst>
-          <a:lin ang="2700000" scaled="1"/>
-          <a:tileRect/>
-        </a:gradFill>
-        <a:effectLst/>
-      </p:bgPr>
+      <p:bgRef idx="1003">
+        <a:schemeClr val="bg2"/>
+      </p:bgRef>
     </p:bg>
     <p:spTree>
       <p:nvGrpSpPr>
@@ -3049,26 +5724,377 @@
       </p:grpSpPr>
       <p:sp>
         <p:nvSpPr>
-          <p:cNvPr id="2" name="Title Placeholder 1"/>
-          <p:cNvSpPr>
-            <a:spLocks noGrp="1"/>
-          </p:cNvSpPr>
-          <p:nvPr>
-            <p:ph type="title"/>
-          </p:nvPr>
+          <p:cNvPr id="22" name="Oval 21"/>
+          <p:cNvSpPr/>
+          <p:nvPr/>
         </p:nvSpPr>
         <p:spPr>
           <a:xfrm>
-            <a:off x="457200" y="274638"/>
-            <a:ext cx="8229600" cy="1143000"/>
+            <a:off x="6299432" y="1676400"/>
+            <a:ext cx="2819400" cy="2819400"/>
+          </a:xfrm>
+          <a:prstGeom prst="ellipse">
+            <a:avLst/>
+          </a:prstGeom>
+          <a:gradFill flip="none" rotWithShape="1">
+            <a:gsLst>
+              <a:gs pos="0">
+                <a:schemeClr val="bg2">
+                  <a:lumMod val="60000"/>
+                  <a:lumOff val="40000"/>
+                  <a:alpha val="7000"/>
+                </a:schemeClr>
+              </a:gs>
+              <a:gs pos="69000">
+                <a:schemeClr val="bg2">
+                  <a:lumMod val="60000"/>
+                  <a:lumOff val="40000"/>
+                  <a:alpha val="0"/>
+                </a:schemeClr>
+              </a:gs>
+              <a:gs pos="36000">
+                <a:schemeClr val="bg2">
+                  <a:lumMod val="60000"/>
+                  <a:lumOff val="40000"/>
+                  <a:alpha val="6000"/>
+                </a:schemeClr>
+              </a:gs>
+            </a:gsLst>
+            <a:path path="circle">
+              <a:fillToRect l="50000" t="50000" r="50000" b="50000"/>
+            </a:path>
+            <a:tileRect/>
+          </a:gradFill>
+          <a:ln>
+            <a:noFill/>
+          </a:ln>
+          <a:effectLst/>
+        </p:spPr>
+        <p:style>
+          <a:lnRef idx="1">
+            <a:schemeClr val="accent1"/>
+          </a:lnRef>
+          <a:fillRef idx="3">
+            <a:schemeClr val="accent1"/>
+          </a:fillRef>
+          <a:effectRef idx="2">
+            <a:schemeClr val="accent1"/>
+          </a:effectRef>
+          <a:fontRef idx="minor">
+            <a:schemeClr val="lt1"/>
+          </a:fontRef>
+        </p:style>
+      </p:sp>
+      <p:sp>
+        <p:nvSpPr>
+          <p:cNvPr id="23" name="Oval 22"/>
+          <p:cNvSpPr/>
+          <p:nvPr/>
+        </p:nvSpPr>
+        <p:spPr>
+          <a:xfrm>
+            <a:off x="5689832" y="-457200"/>
+            <a:ext cx="1600200" cy="1600200"/>
+          </a:xfrm>
+          <a:prstGeom prst="ellipse">
+            <a:avLst/>
+          </a:prstGeom>
+          <a:gradFill flip="none" rotWithShape="1">
+            <a:gsLst>
+              <a:gs pos="0">
+                <a:schemeClr val="bg2">
+                  <a:lumMod val="60000"/>
+                  <a:lumOff val="40000"/>
+                  <a:alpha val="14000"/>
+                </a:schemeClr>
+              </a:gs>
+              <a:gs pos="73000">
+                <a:schemeClr val="bg2">
+                  <a:lumMod val="60000"/>
+                  <a:lumOff val="40000"/>
+                  <a:alpha val="0"/>
+                </a:schemeClr>
+              </a:gs>
+              <a:gs pos="36000">
+                <a:schemeClr val="bg2">
+                  <a:lumMod val="60000"/>
+                  <a:lumOff val="40000"/>
+                  <a:alpha val="7000"/>
+                </a:schemeClr>
+              </a:gs>
+            </a:gsLst>
+            <a:path path="circle">
+              <a:fillToRect l="50000" t="50000" r="50000" b="50000"/>
+            </a:path>
+            <a:tileRect/>
+          </a:gradFill>
+          <a:ln>
+            <a:noFill/>
+          </a:ln>
+          <a:effectLst/>
+        </p:spPr>
+        <p:style>
+          <a:lnRef idx="1">
+            <a:schemeClr val="accent1"/>
+          </a:lnRef>
+          <a:fillRef idx="3">
+            <a:schemeClr val="accent1"/>
+          </a:fillRef>
+          <a:effectRef idx="2">
+            <a:schemeClr val="accent1"/>
+          </a:effectRef>
+          <a:fontRef idx="minor">
+            <a:schemeClr val="lt1"/>
+          </a:fontRef>
+        </p:style>
+      </p:sp>
+      <p:sp>
+        <p:nvSpPr>
+          <p:cNvPr id="24" name="Oval 23"/>
+          <p:cNvSpPr/>
+          <p:nvPr/>
+        </p:nvSpPr>
+        <p:spPr>
+          <a:xfrm>
+            <a:off x="6299432" y="6096000"/>
+            <a:ext cx="990600" cy="990600"/>
+          </a:xfrm>
+          <a:prstGeom prst="ellipse">
+            <a:avLst/>
+          </a:prstGeom>
+          <a:gradFill flip="none" rotWithShape="1">
+            <a:gsLst>
+              <a:gs pos="0">
+                <a:schemeClr val="bg2">
+                  <a:lumMod val="60000"/>
+                  <a:lumOff val="40000"/>
+                  <a:alpha val="9000"/>
+                </a:schemeClr>
+              </a:gs>
+              <a:gs pos="66000">
+                <a:schemeClr val="bg2">
+                  <a:lumMod val="60000"/>
+                  <a:lumOff val="40000"/>
+                  <a:alpha val="0"/>
+                </a:schemeClr>
+              </a:gs>
+              <a:gs pos="36000">
+                <a:schemeClr val="bg2">
+                  <a:lumMod val="60000"/>
+                  <a:lumOff val="40000"/>
+                  <a:alpha val="5000"/>
+                </a:schemeClr>
+              </a:gs>
+            </a:gsLst>
+            <a:path path="circle">
+              <a:fillToRect l="50000" t="50000" r="50000" b="50000"/>
+            </a:path>
+            <a:tileRect/>
+          </a:gradFill>
+          <a:ln>
+            <a:noFill/>
+          </a:ln>
+          <a:effectLst/>
+        </p:spPr>
+        <p:style>
+          <a:lnRef idx="1">
+            <a:schemeClr val="accent1"/>
+          </a:lnRef>
+          <a:fillRef idx="3">
+            <a:schemeClr val="accent1"/>
+          </a:fillRef>
+          <a:effectRef idx="2">
+            <a:schemeClr val="accent1"/>
+          </a:effectRef>
+          <a:fontRef idx="minor">
+            <a:schemeClr val="lt1"/>
+          </a:fontRef>
+        </p:style>
+      </p:sp>
+      <p:sp>
+        <p:nvSpPr>
+          <p:cNvPr id="20" name="Oval 19"/>
+          <p:cNvSpPr/>
+          <p:nvPr/>
+        </p:nvSpPr>
+        <p:spPr>
+          <a:xfrm>
+            <a:off x="-153988" y="2667000"/>
+            <a:ext cx="4191000" cy="4191000"/>
+          </a:xfrm>
+          <a:prstGeom prst="ellipse">
+            <a:avLst/>
+          </a:prstGeom>
+          <a:gradFill flip="none" rotWithShape="1">
+            <a:gsLst>
+              <a:gs pos="0">
+                <a:schemeClr val="bg2">
+                  <a:lumMod val="60000"/>
+                  <a:lumOff val="40000"/>
+                  <a:alpha val="11000"/>
+                </a:schemeClr>
+              </a:gs>
+              <a:gs pos="75000">
+                <a:schemeClr val="bg2">
+                  <a:lumMod val="60000"/>
+                  <a:lumOff val="40000"/>
+                  <a:alpha val="0"/>
+                </a:schemeClr>
+              </a:gs>
+              <a:gs pos="36000">
+                <a:schemeClr val="bg2">
+                  <a:lumMod val="60000"/>
+                  <a:lumOff val="40000"/>
+                  <a:alpha val="10000"/>
+                </a:schemeClr>
+              </a:gs>
+            </a:gsLst>
+            <a:path path="circle">
+              <a:fillToRect l="50000" t="50000" r="50000" b="50000"/>
+            </a:path>
+            <a:tileRect/>
+          </a:gradFill>
+          <a:ln>
+            <a:noFill/>
+          </a:ln>
+          <a:effectLst/>
+        </p:spPr>
+        <p:style>
+          <a:lnRef idx="1">
+            <a:schemeClr val="accent1"/>
+          </a:lnRef>
+          <a:fillRef idx="3">
+            <a:schemeClr val="accent1"/>
+          </a:fillRef>
+          <a:effectRef idx="2">
+            <a:schemeClr val="accent1"/>
+          </a:effectRef>
+          <a:fontRef idx="minor">
+            <a:schemeClr val="lt1"/>
+          </a:fontRef>
+        </p:style>
+      </p:sp>
+      <p:sp>
+        <p:nvSpPr>
+          <p:cNvPr id="21" name="Oval 20"/>
+          <p:cNvSpPr/>
+          <p:nvPr/>
+        </p:nvSpPr>
+        <p:spPr>
+          <a:xfrm>
+            <a:off x="-839788" y="2895600"/>
+            <a:ext cx="2362200" cy="2362200"/>
+          </a:xfrm>
+          <a:prstGeom prst="ellipse">
+            <a:avLst/>
+          </a:prstGeom>
+          <a:gradFill flip="none" rotWithShape="1">
+            <a:gsLst>
+              <a:gs pos="0">
+                <a:schemeClr val="bg2">
+                  <a:lumMod val="60000"/>
+                  <a:lumOff val="40000"/>
+                  <a:alpha val="8000"/>
+                </a:schemeClr>
+              </a:gs>
+              <a:gs pos="72000">
+                <a:schemeClr val="bg2">
+                  <a:lumMod val="60000"/>
+                  <a:lumOff val="40000"/>
+                  <a:alpha val="0"/>
+                </a:schemeClr>
+              </a:gs>
+              <a:gs pos="36000">
+                <a:schemeClr val="bg2">
+                  <a:lumMod val="60000"/>
+                  <a:lumOff val="40000"/>
+                  <a:alpha val="8000"/>
+                </a:schemeClr>
+              </a:gs>
+            </a:gsLst>
+            <a:path path="circle">
+              <a:fillToRect l="50000" t="50000" r="50000" b="50000"/>
+            </a:path>
+            <a:tileRect/>
+          </a:gradFill>
+          <a:ln>
+            <a:noFill/>
+          </a:ln>
+          <a:effectLst/>
+        </p:spPr>
+        <p:style>
+          <a:lnRef idx="1">
+            <a:schemeClr val="accent1"/>
+          </a:lnRef>
+          <a:fillRef idx="3">
+            <a:schemeClr val="accent1"/>
+          </a:fillRef>
+          <a:effectRef idx="2">
+            <a:schemeClr val="accent1"/>
+          </a:effectRef>
+          <a:fontRef idx="minor">
+            <a:schemeClr val="lt1"/>
+          </a:fontRef>
+        </p:style>
+      </p:sp>
+      <p:sp>
+        <p:nvSpPr>
+          <p:cNvPr id="19" name="Rectangle 18"/>
+          <p:cNvSpPr/>
+          <p:nvPr/>
+        </p:nvSpPr>
+        <p:spPr>
+          <a:xfrm>
+            <a:off x="7745644" y="0"/>
+            <a:ext cx="685800" cy="1099458"/>
+          </a:xfrm>
+          <a:prstGeom prst="rect">
+            <a:avLst/>
+          </a:prstGeom>
+          <a:solidFill>
+            <a:schemeClr val="accent1"/>
+          </a:solidFill>
+          <a:ln>
+            <a:noFill/>
+          </a:ln>
+        </p:spPr>
+        <p:style>
+          <a:lnRef idx="1">
+            <a:schemeClr val="accent1"/>
+          </a:lnRef>
+          <a:fillRef idx="3">
+            <a:schemeClr val="accent1"/>
+          </a:fillRef>
+          <a:effectRef idx="2">
+            <a:schemeClr val="accent1"/>
+          </a:effectRef>
+          <a:fontRef idx="minor">
+            <a:schemeClr val="lt1"/>
+          </a:fontRef>
+        </p:style>
+      </p:sp>
+      <p:sp>
+        <p:nvSpPr>
+          <p:cNvPr id="2" name="Title Placeholder 1"/>
+          <p:cNvSpPr>
+            <a:spLocks noGrp="1"/>
+          </p:cNvSpPr>
+          <p:nvPr>
+            <p:ph type="title"/>
+          </p:nvPr>
+        </p:nvSpPr>
+        <p:spPr>
+          <a:xfrm>
+            <a:off x="484710" y="452718"/>
+            <a:ext cx="7055380" cy="1400530"/>
           </a:xfrm>
           <a:prstGeom prst="rect">
             <a:avLst/>
           </a:prstGeom>
         </p:spPr>
         <p:txBody>
-          <a:bodyPr vert="horz" lIns="91440" tIns="45720" rIns="91440" bIns="45720" rtlCol="0" anchor="ctr">
-            <a:normAutofit/>
+          <a:bodyPr vert="horz" lIns="91440" tIns="45720" rIns="91440" bIns="45720" rtlCol="0" anchor="t">
+            <a:noAutofit/>
           </a:bodyPr>
           <a:lstStyle/>
           <a:p>
@@ -3076,6 +6102,7 @@
               <a:rPr lang="en-US"/>
               <a:t>Click to edit Master title style</a:t>
             </a:r>
+            <a:endParaRPr lang="en-US" dirty="0"/>
           </a:p>
         </p:txBody>
       </p:sp>
@@ -3091,8 +6118,8 @@
         </p:nvSpPr>
         <p:spPr>
           <a:xfrm>
-            <a:off x="457200" y="1600200"/>
-            <a:ext cx="8229600" cy="4525963"/>
+            <a:off x="827700" y="2052925"/>
+            <a:ext cx="6711654" cy="4195481"/>
           </a:xfrm>
           <a:prstGeom prst="rect">
             <a:avLst/>
@@ -3137,6 +6164,7 @@
               <a:rPr lang="en-US"/>
               <a:t>Fifth level</a:t>
             </a:r>
+            <a:endParaRPr lang="en-US" dirty="0"/>
           </a:p>
         </p:txBody>
       </p:sp>
@@ -3151,19 +6179,100 @@
           </p:nvPr>
         </p:nvSpPr>
         <p:spPr>
-          <a:xfrm>
-            <a:off x="457200" y="6356350"/>
-            <a:ext cx="2133600" cy="365125"/>
+          <a:xfrm rot="5400000">
+            <a:off x="7494989" y="1828771"/>
+            <a:ext cx="990599" cy="228659"/>
           </a:xfrm>
           <a:prstGeom prst="rect">
             <a:avLst/>
           </a:prstGeom>
         </p:spPr>
         <p:txBody>
-          <a:bodyPr vert="horz" lIns="91440" tIns="45720" rIns="91440" bIns="45720" rtlCol="0" anchor="ctr"/>
+          <a:bodyPr vert="horz" lIns="91440" tIns="45720" rIns="91440" bIns="45720" rtlCol="0" anchor="t"/>
           <a:lstStyle>
             <a:lvl1pPr algn="l">
-              <a:defRPr sz="1200">
+              <a:defRPr sz="1100" b="0" i="0">
+                <a:solidFill>
+                  <a:schemeClr val="tx1">
+                    <a:tint val="75000"/>
+                    <a:alpha val="60000"/>
+                  </a:schemeClr>
+                </a:solidFill>
+              </a:defRPr>
+            </a:lvl1pPr>
+          </a:lstStyle>
+          <a:p>
+            <a:fld id="{1D8BD707-D9CF-40AE-B4C6-C98DA3205C09}" type="datetimeFigureOut">
+              <a:rPr lang="en-US" smtClean="0"/>
+              <a:pPr/>
+              <a:t>2/6/2024</a:t>
+            </a:fld>
+            <a:endParaRPr lang="en-US"/>
+          </a:p>
+        </p:txBody>
+      </p:sp>
+      <p:sp>
+        <p:nvSpPr>
+          <p:cNvPr id="5" name="Footer Placeholder 4"/>
+          <p:cNvSpPr>
+            <a:spLocks noGrp="1"/>
+          </p:cNvSpPr>
+          <p:nvPr>
+            <p:ph type="ftr" sz="quarter" idx="3"/>
+          </p:nvPr>
+        </p:nvSpPr>
+        <p:spPr>
+          <a:xfrm rot="5400000">
+            <a:off x="6233335" y="3263371"/>
+            <a:ext cx="3859795" cy="228660"/>
+          </a:xfrm>
+          <a:prstGeom prst="rect">
+            <a:avLst/>
+          </a:prstGeom>
+        </p:spPr>
+        <p:txBody>
+          <a:bodyPr vert="horz" lIns="91440" tIns="45720" rIns="91440" bIns="45720" rtlCol="0" anchor="b"/>
+          <a:lstStyle>
+            <a:lvl1pPr algn="l">
+              <a:defRPr sz="1100" b="0" i="0">
+                <a:solidFill>
+                  <a:schemeClr val="tx1">
+                    <a:tint val="75000"/>
+                    <a:alpha val="60000"/>
+                  </a:schemeClr>
+                </a:solidFill>
+              </a:defRPr>
+            </a:lvl1pPr>
+          </a:lstStyle>
+          <a:p>
+            <a:endParaRPr lang="en-US"/>
+          </a:p>
+        </p:txBody>
+      </p:sp>
+      <p:sp>
+        <p:nvSpPr>
+          <p:cNvPr id="6" name="Slide Number Placeholder 5"/>
+          <p:cNvSpPr>
+            <a:spLocks noGrp="1"/>
+          </p:cNvSpPr>
+          <p:nvPr>
+            <p:ph type="sldNum" sz="quarter" idx="4"/>
+          </p:nvPr>
+        </p:nvSpPr>
+        <p:spPr bwMode="gray">
+          <a:xfrm>
+            <a:off x="7766431" y="295736"/>
+            <a:ext cx="628813" cy="767687"/>
+          </a:xfrm>
+          <a:prstGeom prst="rect">
+            <a:avLst/>
+          </a:prstGeom>
+        </p:spPr>
+        <p:txBody>
+          <a:bodyPr vert="horz" lIns="91440" tIns="45720" rIns="91440" bIns="45720" rtlCol="0" anchor="b"/>
+          <a:lstStyle>
+            <a:lvl1pPr algn="ctr">
+              <a:defRPr sz="2801" b="0" i="0">
                 <a:solidFill>
                   <a:schemeClr val="tx1">
                     <a:tint val="75000"/>
@@ -3173,85 +6282,6 @@
             </a:lvl1pPr>
           </a:lstStyle>
           <a:p>
-            <a:fld id="{1D8BD707-D9CF-40AE-B4C6-C98DA3205C09}" type="datetimeFigureOut">
-              <a:rPr lang="en-US" smtClean="0"/>
-              <a:pPr/>
-              <a:t>2/6/2024</a:t>
-            </a:fld>
-            <a:endParaRPr lang="en-US"/>
-          </a:p>
-        </p:txBody>
-      </p:sp>
-      <p:sp>
-        <p:nvSpPr>
-          <p:cNvPr id="5" name="Footer Placeholder 4"/>
-          <p:cNvSpPr>
-            <a:spLocks noGrp="1"/>
-          </p:cNvSpPr>
-          <p:nvPr>
-            <p:ph type="ftr" sz="quarter" idx="3"/>
-          </p:nvPr>
-        </p:nvSpPr>
-        <p:spPr>
-          <a:xfrm>
-            <a:off x="3124200" y="6356350"/>
-            <a:ext cx="2895600" cy="365125"/>
-          </a:xfrm>
-          <a:prstGeom prst="rect">
-            <a:avLst/>
-          </a:prstGeom>
-        </p:spPr>
-        <p:txBody>
-          <a:bodyPr vert="horz" lIns="91440" tIns="45720" rIns="91440" bIns="45720" rtlCol="0" anchor="ctr"/>
-          <a:lstStyle>
-            <a:lvl1pPr algn="ctr">
-              <a:defRPr sz="1200">
-                <a:solidFill>
-                  <a:schemeClr val="tx1">
-                    <a:tint val="75000"/>
-                  </a:schemeClr>
-                </a:solidFill>
-              </a:defRPr>
-            </a:lvl1pPr>
-          </a:lstStyle>
-          <a:p>
-            <a:endParaRPr lang="en-US"/>
-          </a:p>
-        </p:txBody>
-      </p:sp>
-      <p:sp>
-        <p:nvSpPr>
-          <p:cNvPr id="6" name="Slide Number Placeholder 5"/>
-          <p:cNvSpPr>
-            <a:spLocks noGrp="1"/>
-          </p:cNvSpPr>
-          <p:nvPr>
-            <p:ph type="sldNum" sz="quarter" idx="4"/>
-          </p:nvPr>
-        </p:nvSpPr>
-        <p:spPr>
-          <a:xfrm>
-            <a:off x="6553200" y="6356350"/>
-            <a:ext cx="2133600" cy="365125"/>
-          </a:xfrm>
-          <a:prstGeom prst="rect">
-            <a:avLst/>
-          </a:prstGeom>
-        </p:spPr>
-        <p:txBody>
-          <a:bodyPr vert="horz" lIns="91440" tIns="45720" rIns="91440" bIns="45720" rtlCol="0" anchor="ctr"/>
-          <a:lstStyle>
-            <a:lvl1pPr algn="r">
-              <a:defRPr sz="1200">
-                <a:solidFill>
-                  <a:schemeClr val="tx1">
-                    <a:tint val="75000"/>
-                  </a:schemeClr>
-                </a:solidFill>
-              </a:defRPr>
-            </a:lvl1pPr>
-          </a:lstStyle>
-          <a:p>
             <a:fld id="{B6F15528-21DE-4FAA-801E-634DDDAF4B2B}" type="slidenum">
               <a:rPr lang="en-US" smtClean="0"/>
               <a:pPr/>
@@ -3262,29 +6292,123 @@
         </p:txBody>
       </p:sp>
     </p:spTree>
+    <p:extLst>
+      <p:ext uri="{BB962C8B-B14F-4D97-AF65-F5344CB8AC3E}">
+        <p14:creationId xmlns:p14="http://schemas.microsoft.com/office/powerpoint/2010/main" val="4059986342"/>
+      </p:ext>
+    </p:extLst>
   </p:cSld>
-  <p:clrMap bg1="lt1" tx1="dk1" bg2="lt2" tx2="dk2" accent1="accent1" accent2="accent2" accent3="accent3" accent4="accent4" accent5="accent5" accent6="accent6" hlink="hlink" folHlink="folHlink"/>
+  <p:clrMap bg1="dk1" tx1="lt1" bg2="dk2" tx2="lt2" accent1="accent1" accent2="accent2" accent3="accent3" accent4="accent4" accent5="accent5" accent6="accent6" hlink="hlink" folHlink="folHlink"/>
   <p:sldLayoutIdLst>
-    <p:sldLayoutId id="2147483649" r:id="rId1"/>
-    <p:sldLayoutId id="2147483650" r:id="rId2"/>
-    <p:sldLayoutId id="2147483651" r:id="rId3"/>
-    <p:sldLayoutId id="2147483652" r:id="rId4"/>
-    <p:sldLayoutId id="2147483653" r:id="rId5"/>
-    <p:sldLayoutId id="2147483654" r:id="rId6"/>
-    <p:sldLayoutId id="2147483655" r:id="rId7"/>
-    <p:sldLayoutId id="2147483656" r:id="rId8"/>
-    <p:sldLayoutId id="2147483657" r:id="rId9"/>
-    <p:sldLayoutId id="2147483658" r:id="rId10"/>
-    <p:sldLayoutId id="2147483659" r:id="rId11"/>
+    <p:sldLayoutId id="2147483960" r:id="rId1"/>
+    <p:sldLayoutId id="2147483961" r:id="rId2"/>
+    <p:sldLayoutId id="2147483962" r:id="rId3"/>
+    <p:sldLayoutId id="2147483963" r:id="rId4"/>
+    <p:sldLayoutId id="2147483964" r:id="rId5"/>
+    <p:sldLayoutId id="2147483965" r:id="rId6"/>
+    <p:sldLayoutId id="2147483966" r:id="rId7"/>
+    <p:sldLayoutId id="2147483967" r:id="rId8"/>
+    <p:sldLayoutId id="2147483968" r:id="rId9"/>
+    <p:sldLayoutId id="2147483969" r:id="rId10"/>
+    <p:sldLayoutId id="2147483970" r:id="rId11"/>
+    <p:sldLayoutId id="2147483971" r:id="rId12"/>
+    <p:sldLayoutId id="2147483972" r:id="rId13"/>
+    <p:sldLayoutId id="2147483973" r:id="rId14"/>
+    <p:sldLayoutId id="2147483974" r:id="rId15"/>
+    <p:sldLayoutId id="2147483975" r:id="rId16"/>
+    <p:sldLayoutId id="2147483976" r:id="rId17"/>
   </p:sldLayoutIdLst>
   <p:txStyles>
     <p:titleStyle>
-      <a:lvl1pPr algn="ctr" defTabSz="914400" rtl="0" eaLnBrk="1" latinLnBrk="0" hangingPunct="1">
+      <a:lvl1pPr algn="l" defTabSz="457207" rtl="0" eaLnBrk="1" latinLnBrk="0" hangingPunct="1">
         <a:spcBef>
           <a:spcPct val="0"/>
         </a:spcBef>
         <a:buNone/>
-        <a:defRPr sz="4400" kern="1200">
+        <a:defRPr sz="4200" b="0" i="0" kern="1200">
+          <a:solidFill>
+            <a:schemeClr val="tx2"/>
+          </a:solidFill>
+          <a:latin typeface="+mj-lt"/>
+          <a:ea typeface="+mj-ea"/>
+          <a:cs typeface="+mj-cs"/>
+        </a:defRPr>
+      </a:lvl1pPr>
+      <a:lvl2pPr eaLnBrk="1" hangingPunct="1">
+        <a:defRPr>
+          <a:solidFill>
+            <a:schemeClr val="tx2"/>
+          </a:solidFill>
+        </a:defRPr>
+      </a:lvl2pPr>
+      <a:lvl3pPr eaLnBrk="1" hangingPunct="1">
+        <a:defRPr>
+          <a:solidFill>
+            <a:schemeClr val="tx2"/>
+          </a:solidFill>
+        </a:defRPr>
+      </a:lvl3pPr>
+      <a:lvl4pPr eaLnBrk="1" hangingPunct="1">
+        <a:defRPr>
+          <a:solidFill>
+            <a:schemeClr val="tx2"/>
+          </a:solidFill>
+        </a:defRPr>
+      </a:lvl4pPr>
+      <a:lvl5pPr eaLnBrk="1" hangingPunct="1">
+        <a:defRPr>
+          <a:solidFill>
+            <a:schemeClr val="tx2"/>
+          </a:solidFill>
+        </a:defRPr>
+      </a:lvl5pPr>
+      <a:lvl6pPr eaLnBrk="1" hangingPunct="1">
+        <a:defRPr>
+          <a:solidFill>
+            <a:schemeClr val="tx2"/>
+          </a:solidFill>
+        </a:defRPr>
+      </a:lvl6pPr>
+      <a:lvl7pPr eaLnBrk="1" hangingPunct="1">
+        <a:defRPr>
+          <a:solidFill>
+            <a:schemeClr val="tx2"/>
+          </a:solidFill>
+        </a:defRPr>
+      </a:lvl7pPr>
+      <a:lvl8pPr eaLnBrk="1" hangingPunct="1">
+        <a:defRPr>
+          <a:solidFill>
+            <a:schemeClr val="tx2"/>
+          </a:solidFill>
+        </a:defRPr>
+      </a:lvl8pPr>
+      <a:lvl9pPr eaLnBrk="1" hangingPunct="1">
+        <a:defRPr>
+          <a:solidFill>
+            <a:schemeClr val="tx2"/>
+          </a:solidFill>
+        </a:defRPr>
+      </a:lvl9pPr>
+    </p:titleStyle>
+    <p:bodyStyle>
+      <a:lvl1pPr marL="342906" indent="-342906" algn="l" defTabSz="457207" rtl="0" eaLnBrk="1" latinLnBrk="0" hangingPunct="1">
+        <a:spcBef>
+          <a:spcPts val="1000"/>
+        </a:spcBef>
+        <a:spcAft>
+          <a:spcPts val="0"/>
+        </a:spcAft>
+        <a:buClr>
+          <a:schemeClr val="bg2">
+            <a:lumMod val="40000"/>
+            <a:lumOff val="60000"/>
+          </a:schemeClr>
+        </a:buClr>
+        <a:buSzPct val="80000"/>
+        <a:buFont typeface="Wingdings 3" charset="2"/>
+        <a:buChar char=""/>
+        <a:defRPr sz="2000" b="0" i="0" kern="1200">
           <a:solidFill>
             <a:schemeClr val="tx1"/>
           </a:solidFill>
@@ -3293,141 +6417,204 @@
           <a:cs typeface="+mj-cs"/>
         </a:defRPr>
       </a:lvl1pPr>
-    </p:titleStyle>
-    <p:bodyStyle>
-      <a:lvl1pPr marL="342900" indent="-342900" algn="l" defTabSz="914400" rtl="0" eaLnBrk="1" latinLnBrk="0" hangingPunct="1">
+      <a:lvl2pPr marL="742962" indent="-285755" algn="l" defTabSz="457207" rtl="0" eaLnBrk="1" latinLnBrk="0" hangingPunct="1">
         <a:spcBef>
-          <a:spcPct val="20000"/>
+          <a:spcPts val="1000"/>
         </a:spcBef>
-        <a:buFont typeface="Arial" pitchFamily="34" charset="0"/>
-        <a:buChar char="•"/>
-        <a:defRPr sz="3200" kern="1200">
+        <a:spcAft>
+          <a:spcPts val="0"/>
+        </a:spcAft>
+        <a:buClr>
+          <a:schemeClr val="bg2">
+            <a:lumMod val="40000"/>
+            <a:lumOff val="60000"/>
+          </a:schemeClr>
+        </a:buClr>
+        <a:buSzPct val="80000"/>
+        <a:buFont typeface="Wingdings 3" charset="2"/>
+        <a:buChar char=""/>
+        <a:defRPr sz="1800" b="0" i="0" kern="1200">
           <a:solidFill>
             <a:schemeClr val="tx1"/>
           </a:solidFill>
-          <a:latin typeface="+mn-lt"/>
-          <a:ea typeface="+mn-ea"/>
-          <a:cs typeface="+mn-cs"/>
+          <a:latin typeface="+mj-lt"/>
+          <a:ea typeface="+mj-ea"/>
+          <a:cs typeface="+mj-cs"/>
         </a:defRPr>
-      </a:lvl1pPr>
-      <a:lvl2pPr marL="742950" indent="-285750" algn="l" defTabSz="914400" rtl="0" eaLnBrk="1" latinLnBrk="0" hangingPunct="1">
+      </a:lvl2pPr>
+      <a:lvl3pPr marL="1143020" indent="-228604" algn="l" defTabSz="457207" rtl="0" eaLnBrk="1" latinLnBrk="0" hangingPunct="1">
         <a:spcBef>
-          <a:spcPct val="20000"/>
+          <a:spcPts val="1000"/>
         </a:spcBef>
-        <a:buFont typeface="Arial" pitchFamily="34" charset="0"/>
-        <a:buChar char="–"/>
-        <a:defRPr sz="2800" kern="1200">
+        <a:spcAft>
+          <a:spcPts val="0"/>
+        </a:spcAft>
+        <a:buClr>
+          <a:schemeClr val="bg2">
+            <a:lumMod val="40000"/>
+            <a:lumOff val="60000"/>
+          </a:schemeClr>
+        </a:buClr>
+        <a:buSzPct val="80000"/>
+        <a:buFont typeface="Wingdings 3" charset="2"/>
+        <a:buChar char=""/>
+        <a:defRPr sz="1600" b="0" i="0" kern="1200">
           <a:solidFill>
             <a:schemeClr val="tx1"/>
           </a:solidFill>
-          <a:latin typeface="+mn-lt"/>
-          <a:ea typeface="+mn-ea"/>
-          <a:cs typeface="+mn-cs"/>
+          <a:latin typeface="+mj-lt"/>
+          <a:ea typeface="+mj-ea"/>
+          <a:cs typeface="+mj-cs"/>
         </a:defRPr>
-      </a:lvl2pPr>
-      <a:lvl3pPr marL="1143000" indent="-228600" algn="l" defTabSz="914400" rtl="0" eaLnBrk="1" latinLnBrk="0" hangingPunct="1">
+      </a:lvl3pPr>
+      <a:lvl4pPr marL="1600227" indent="-228604" algn="l" defTabSz="457207" rtl="0" eaLnBrk="1" latinLnBrk="0" hangingPunct="1">
         <a:spcBef>
-          <a:spcPct val="20000"/>
+          <a:spcPts val="1000"/>
         </a:spcBef>
-        <a:buFont typeface="Arial" pitchFamily="34" charset="0"/>
-        <a:buChar char="•"/>
-        <a:defRPr sz="2400" kern="1200">
+        <a:spcAft>
+          <a:spcPts val="0"/>
+        </a:spcAft>
+        <a:buClr>
+          <a:schemeClr val="bg2">
+            <a:lumMod val="40000"/>
+            <a:lumOff val="60000"/>
+          </a:schemeClr>
+        </a:buClr>
+        <a:buSzPct val="80000"/>
+        <a:buFont typeface="Wingdings 3" charset="2"/>
+        <a:buChar char=""/>
+        <a:defRPr sz="1400" b="0" i="0" kern="1200">
           <a:solidFill>
             <a:schemeClr val="tx1"/>
           </a:solidFill>
-          <a:latin typeface="+mn-lt"/>
-          <a:ea typeface="+mn-ea"/>
-          <a:cs typeface="+mn-cs"/>
+          <a:latin typeface="+mj-lt"/>
+          <a:ea typeface="+mj-ea"/>
+          <a:cs typeface="+mj-cs"/>
         </a:defRPr>
-      </a:lvl3pPr>
-      <a:lvl4pPr marL="1600200" indent="-228600" algn="l" defTabSz="914400" rtl="0" eaLnBrk="1" latinLnBrk="0" hangingPunct="1">
+      </a:lvl4pPr>
+      <a:lvl5pPr marL="2057434" indent="-228604" algn="l" defTabSz="457207" rtl="0" eaLnBrk="1" latinLnBrk="0" hangingPunct="1">
         <a:spcBef>
-          <a:spcPct val="20000"/>
+          <a:spcPts val="1000"/>
         </a:spcBef>
-        <a:buFont typeface="Arial" pitchFamily="34" charset="0"/>
-        <a:buChar char="–"/>
-        <a:defRPr sz="2000" kern="1200">
+        <a:spcAft>
+          <a:spcPts val="0"/>
+        </a:spcAft>
+        <a:buClr>
+          <a:schemeClr val="bg2">
+            <a:lumMod val="40000"/>
+            <a:lumOff val="60000"/>
+          </a:schemeClr>
+        </a:buClr>
+        <a:buSzPct val="80000"/>
+        <a:buFont typeface="Wingdings 3" charset="2"/>
+        <a:buChar char=""/>
+        <a:defRPr sz="1400" b="0" i="0" kern="1200">
           <a:solidFill>
             <a:schemeClr val="tx1"/>
           </a:solidFill>
-          <a:latin typeface="+mn-lt"/>
-          <a:ea typeface="+mn-ea"/>
-          <a:cs typeface="+mn-cs"/>
+          <a:latin typeface="+mj-lt"/>
+          <a:ea typeface="+mj-ea"/>
+          <a:cs typeface="+mj-cs"/>
         </a:defRPr>
-      </a:lvl4pPr>
-      <a:lvl5pPr marL="2057400" indent="-228600" algn="l" defTabSz="914400" rtl="0" eaLnBrk="1" latinLnBrk="0" hangingPunct="1">
+      </a:lvl5pPr>
+      <a:lvl6pPr marL="2514642" indent="-228604" algn="l" defTabSz="457207" rtl="0" eaLnBrk="1" latinLnBrk="0" hangingPunct="1">
         <a:spcBef>
-          <a:spcPct val="20000"/>
+          <a:spcPts val="1000"/>
         </a:spcBef>
-        <a:buFont typeface="Arial" pitchFamily="34" charset="0"/>
-        <a:buChar char="»"/>
-        <a:defRPr sz="2000" kern="1200">
+        <a:spcAft>
+          <a:spcPts val="0"/>
+        </a:spcAft>
+        <a:buClr>
+          <a:schemeClr val="bg2">
+            <a:lumMod val="40000"/>
+            <a:lumOff val="60000"/>
+          </a:schemeClr>
+        </a:buClr>
+        <a:buSzPct val="80000"/>
+        <a:buFont typeface="Wingdings 3" charset="2"/>
+        <a:buChar char=""/>
+        <a:defRPr sz="1400" b="0" i="0" kern="1200">
           <a:solidFill>
             <a:schemeClr val="tx1"/>
           </a:solidFill>
-          <a:latin typeface="+mn-lt"/>
-          <a:ea typeface="+mn-ea"/>
-          <a:cs typeface="+mn-cs"/>
+          <a:latin typeface="+mj-lt"/>
+          <a:ea typeface="+mj-ea"/>
+          <a:cs typeface="+mj-cs"/>
         </a:defRPr>
-      </a:lvl5pPr>
-      <a:lvl6pPr marL="2514600" indent="-228600" algn="l" defTabSz="914400" rtl="0" eaLnBrk="1" latinLnBrk="0" hangingPunct="1">
+      </a:lvl6pPr>
+      <a:lvl7pPr marL="2971849" indent="-228604" algn="l" defTabSz="457207" rtl="0" eaLnBrk="1" latinLnBrk="0" hangingPunct="1">
         <a:spcBef>
-          <a:spcPct val="20000"/>
+          <a:spcPts val="1000"/>
         </a:spcBef>
-        <a:buFont typeface="Arial" pitchFamily="34" charset="0"/>
-        <a:buChar char="•"/>
-        <a:defRPr sz="2000" kern="1200">
+        <a:spcAft>
+          <a:spcPts val="0"/>
+        </a:spcAft>
+        <a:buClr>
+          <a:schemeClr val="bg2">
+            <a:lumMod val="40000"/>
+            <a:lumOff val="60000"/>
+          </a:schemeClr>
+        </a:buClr>
+        <a:buSzPct val="80000"/>
+        <a:buFont typeface="Wingdings 3" charset="2"/>
+        <a:buChar char=""/>
+        <a:defRPr sz="1400" b="0" i="0" kern="1200">
           <a:solidFill>
             <a:schemeClr val="tx1"/>
           </a:solidFill>
-          <a:latin typeface="+mn-lt"/>
-          <a:ea typeface="+mn-ea"/>
-          <a:cs typeface="+mn-cs"/>
+          <a:latin typeface="+mj-lt"/>
+          <a:ea typeface="+mj-ea"/>
+          <a:cs typeface="+mj-cs"/>
         </a:defRPr>
-      </a:lvl6pPr>
-      <a:lvl7pPr marL="2971800" indent="-228600" algn="l" defTabSz="914400" rtl="0" eaLnBrk="1" latinLnBrk="0" hangingPunct="1">
+      </a:lvl7pPr>
+      <a:lvl8pPr marL="3429057" indent="-228604" algn="l" defTabSz="457207" rtl="0" eaLnBrk="1" latinLnBrk="0" hangingPunct="1">
         <a:spcBef>
-          <a:spcPct val="20000"/>
+          <a:spcPts val="1000"/>
         </a:spcBef>
-        <a:buFont typeface="Arial" pitchFamily="34" charset="0"/>
-        <a:buChar char="•"/>
-        <a:defRPr sz="2000" kern="1200">
+        <a:spcAft>
+          <a:spcPts val="0"/>
+        </a:spcAft>
+        <a:buClr>
+          <a:schemeClr val="bg2">
+            <a:lumMod val="40000"/>
+            <a:lumOff val="60000"/>
+          </a:schemeClr>
+        </a:buClr>
+        <a:buSzPct val="80000"/>
+        <a:buFont typeface="Wingdings 3" charset="2"/>
+        <a:buChar char=""/>
+        <a:defRPr sz="1400" b="0" i="0" kern="1200">
           <a:solidFill>
             <a:schemeClr val="tx1"/>
           </a:solidFill>
-          <a:latin typeface="+mn-lt"/>
-          <a:ea typeface="+mn-ea"/>
-          <a:cs typeface="+mn-cs"/>
+          <a:latin typeface="+mj-lt"/>
+          <a:ea typeface="+mj-ea"/>
+          <a:cs typeface="+mj-cs"/>
         </a:defRPr>
-      </a:lvl7pPr>
-      <a:lvl8pPr marL="3429000" indent="-228600" algn="l" defTabSz="914400" rtl="0" eaLnBrk="1" latinLnBrk="0" hangingPunct="1">
+      </a:lvl8pPr>
+      <a:lvl9pPr marL="3886264" indent="-228604" algn="l" defTabSz="457207" rtl="0" eaLnBrk="1" latinLnBrk="0" hangingPunct="1">
         <a:spcBef>
-          <a:spcPct val="20000"/>
+          <a:spcPts val="1000"/>
         </a:spcBef>
-        <a:buFont typeface="Arial" pitchFamily="34" charset="0"/>
-        <a:buChar char="•"/>
-        <a:defRPr sz="2000" kern="1200">
+        <a:spcAft>
+          <a:spcPts val="0"/>
+        </a:spcAft>
+        <a:buClr>
+          <a:schemeClr val="bg2">
+            <a:lumMod val="40000"/>
+            <a:lumOff val="60000"/>
+          </a:schemeClr>
+        </a:buClr>
+        <a:buSzPct val="80000"/>
+        <a:buFont typeface="Wingdings 3" charset="2"/>
+        <a:buChar char=""/>
+        <a:defRPr sz="1400" b="0" i="0" kern="1200">
           <a:solidFill>
             <a:schemeClr val="tx1"/>
           </a:solidFill>
-          <a:latin typeface="+mn-lt"/>
-          <a:ea typeface="+mn-ea"/>
-          <a:cs typeface="+mn-cs"/>
-        </a:defRPr>
-      </a:lvl8pPr>
-      <a:lvl9pPr marL="3886200" indent="-228600" algn="l" defTabSz="914400" rtl="0" eaLnBrk="1" latinLnBrk="0" hangingPunct="1">
-        <a:spcBef>
-          <a:spcPct val="20000"/>
-        </a:spcBef>
-        <a:buFont typeface="Arial" pitchFamily="34" charset="0"/>
-        <a:buChar char="•"/>
-        <a:defRPr sz="2000" kern="1200">
-          <a:solidFill>
-            <a:schemeClr val="tx1"/>
-          </a:solidFill>
-          <a:latin typeface="+mn-lt"/>
-          <a:ea typeface="+mn-ea"/>
-          <a:cs typeface="+mn-cs"/>
+          <a:latin typeface="+mj-lt"/>
+          <a:ea typeface="+mj-ea"/>
+          <a:cs typeface="+mj-cs"/>
         </a:defRPr>
       </a:lvl9pPr>
     </p:bodyStyle>
@@ -3435,7 +6622,7 @@
       <a:defPPr>
         <a:defRPr lang="en-US"/>
       </a:defPPr>
-      <a:lvl1pPr marL="0" algn="l" defTabSz="914400" rtl="0" eaLnBrk="1" latinLnBrk="0" hangingPunct="1">
+      <a:lvl1pPr marL="0" algn="l" defTabSz="457207" rtl="0" eaLnBrk="1" latinLnBrk="0" hangingPunct="1">
         <a:defRPr sz="1800" kern="1200">
           <a:solidFill>
             <a:schemeClr val="tx1"/>
@@ -3445,7 +6632,7 @@
           <a:cs typeface="+mn-cs"/>
         </a:defRPr>
       </a:lvl1pPr>
-      <a:lvl2pPr marL="457200" algn="l" defTabSz="914400" rtl="0" eaLnBrk="1" latinLnBrk="0" hangingPunct="1">
+      <a:lvl2pPr marL="457207" algn="l" defTabSz="457207" rtl="0" eaLnBrk="1" latinLnBrk="0" hangingPunct="1">
         <a:defRPr sz="1800" kern="1200">
           <a:solidFill>
             <a:schemeClr val="tx1"/>
@@ -3455,7 +6642,7 @@
           <a:cs typeface="+mn-cs"/>
         </a:defRPr>
       </a:lvl2pPr>
-      <a:lvl3pPr marL="914400" algn="l" defTabSz="914400" rtl="0" eaLnBrk="1" latinLnBrk="0" hangingPunct="1">
+      <a:lvl3pPr marL="914415" algn="l" defTabSz="457207" rtl="0" eaLnBrk="1" latinLnBrk="0" hangingPunct="1">
         <a:defRPr sz="1800" kern="1200">
           <a:solidFill>
             <a:schemeClr val="tx1"/>
@@ -3465,7 +6652,7 @@
           <a:cs typeface="+mn-cs"/>
         </a:defRPr>
       </a:lvl3pPr>
-      <a:lvl4pPr marL="1371600" algn="l" defTabSz="914400" rtl="0" eaLnBrk="1" latinLnBrk="0" hangingPunct="1">
+      <a:lvl4pPr marL="1371622" algn="l" defTabSz="457207" rtl="0" eaLnBrk="1" latinLnBrk="0" hangingPunct="1">
         <a:defRPr sz="1800" kern="1200">
           <a:solidFill>
             <a:schemeClr val="tx1"/>
@@ -3475,7 +6662,7 @@
           <a:cs typeface="+mn-cs"/>
         </a:defRPr>
       </a:lvl4pPr>
-      <a:lvl5pPr marL="1828800" algn="l" defTabSz="914400" rtl="0" eaLnBrk="1" latinLnBrk="0" hangingPunct="1">
+      <a:lvl5pPr marL="1828831" algn="l" defTabSz="457207" rtl="0" eaLnBrk="1" latinLnBrk="0" hangingPunct="1">
         <a:defRPr sz="1800" kern="1200">
           <a:solidFill>
             <a:schemeClr val="tx1"/>
@@ -3485,7 +6672,7 @@
           <a:cs typeface="+mn-cs"/>
         </a:defRPr>
       </a:lvl5pPr>
-      <a:lvl6pPr marL="2286000" algn="l" defTabSz="914400" rtl="0" eaLnBrk="1" latinLnBrk="0" hangingPunct="1">
+      <a:lvl6pPr marL="2286038" algn="l" defTabSz="457207" rtl="0" eaLnBrk="1" latinLnBrk="0" hangingPunct="1">
         <a:defRPr sz="1800" kern="1200">
           <a:solidFill>
             <a:schemeClr val="tx1"/>
@@ -3495,7 +6682,7 @@
           <a:cs typeface="+mn-cs"/>
         </a:defRPr>
       </a:lvl6pPr>
-      <a:lvl7pPr marL="2743200" algn="l" defTabSz="914400" rtl="0" eaLnBrk="1" latinLnBrk="0" hangingPunct="1">
+      <a:lvl7pPr marL="2743246" algn="l" defTabSz="457207" rtl="0" eaLnBrk="1" latinLnBrk="0" hangingPunct="1">
         <a:defRPr sz="1800" kern="1200">
           <a:solidFill>
             <a:schemeClr val="tx1"/>
@@ -3505,7 +6692,7 @@
           <a:cs typeface="+mn-cs"/>
         </a:defRPr>
       </a:lvl7pPr>
-      <a:lvl8pPr marL="3200400" algn="l" defTabSz="914400" rtl="0" eaLnBrk="1" latinLnBrk="0" hangingPunct="1">
+      <a:lvl8pPr marL="3200453" algn="l" defTabSz="457207" rtl="0" eaLnBrk="1" latinLnBrk="0" hangingPunct="1">
         <a:defRPr sz="1800" kern="1200">
           <a:solidFill>
             <a:schemeClr val="tx1"/>
@@ -3515,7 +6702,7 @@
           <a:cs typeface="+mn-cs"/>
         </a:defRPr>
       </a:lvl8pPr>
-      <a:lvl9pPr marL="3657600" algn="l" defTabSz="914400" rtl="0" eaLnBrk="1" latinLnBrk="0" hangingPunct="1">
+      <a:lvl9pPr marL="3657661" algn="l" defTabSz="457207" rtl="0" eaLnBrk="1" latinLnBrk="0" hangingPunct="1">
         <a:defRPr sz="1800" kern="1200">
           <a:solidFill>
             <a:schemeClr val="tx1"/>
@@ -3565,7 +6752,7 @@
         </p:spPr>
         <p:txBody>
           <a:bodyPr>
-            <a:normAutofit fontScale="77500" lnSpcReduction="20000"/>
+            <a:normAutofit fontScale="55000" lnSpcReduction="20000"/>
           </a:bodyPr>
           <a:lstStyle/>
           <a:p>
@@ -3823,12 +7010,14 @@
         </p:nvSpPr>
         <p:spPr>
           <a:xfrm>
-            <a:off x="0" y="0"/>
-            <a:ext cx="9144000" cy="6858000"/>
+            <a:off x="0" y="1219200"/>
+            <a:ext cx="9144000" cy="5638800"/>
           </a:xfrm>
         </p:spPr>
         <p:txBody>
-          <a:bodyPr/>
+          <a:bodyPr>
+            <a:normAutofit/>
+          </a:bodyPr>
           <a:lstStyle/>
           <a:p>
             <a:pPr>
@@ -3836,7 +7025,7 @@
               <a:buChar char="v"/>
             </a:pPr>
             <a:r>
-              <a:rPr lang="en-US" b="1" u="sng" dirty="0">
+              <a:rPr lang="en-US" sz="2400" b="1" u="sng" dirty="0">
                 <a:latin typeface="Microsoft Sans Serif" panose="020B0604020202020204" pitchFamily="34" charset="0"/>
                 <a:ea typeface="Microsoft Sans Serif" panose="020B0604020202020204" pitchFamily="34" charset="0"/>
                 <a:cs typeface="Microsoft Sans Serif" panose="020B0604020202020204" pitchFamily="34" charset="0"/>
@@ -3849,21 +7038,21 @@
               <a:buNone/>
             </a:pPr>
             <a:r>
-              <a:rPr lang="en-US" dirty="0">
+              <a:rPr lang="en-US" sz="2000" dirty="0">
                 <a:latin typeface="HP Simplified Hans Light" panose="020B0300000000000000" pitchFamily="34" charset="-122"/>
                 <a:ea typeface="HP Simplified Hans Light" panose="020B0300000000000000" pitchFamily="34" charset="-122"/>
               </a:rPr>
               <a:t>This has been supported by checking the </a:t>
             </a:r>
             <a:r>
-              <a:rPr lang="en-US" dirty="0" err="1">
+              <a:rPr lang="en-US" sz="2000" dirty="0" err="1">
                 <a:latin typeface="HP Simplified Hans Light" panose="020B0300000000000000" pitchFamily="34" charset="-122"/>
                 <a:ea typeface="HP Simplified Hans Light" panose="020B0300000000000000" pitchFamily="34" charset="-122"/>
               </a:rPr>
               <a:t>occurence</a:t>
             </a:r>
             <a:r>
-              <a:rPr lang="en-US" dirty="0">
+              <a:rPr lang="en-US" sz="2000" dirty="0">
                 <a:latin typeface="HP Simplified Hans Light" panose="020B0300000000000000" pitchFamily="34" charset="-122"/>
                 <a:ea typeface="HP Simplified Hans Light" panose="020B0300000000000000" pitchFamily="34" charset="-122"/>
               </a:rPr>
@@ -3876,7 +7065,7 @@
               <a:buChar char="v"/>
             </a:pPr>
             <a:r>
-              <a:rPr lang="en-US" b="1" u="sng" dirty="0">
+              <a:rPr lang="en-US" sz="2400" b="1" u="sng" dirty="0">
                 <a:latin typeface="Microsoft Sans Serif" panose="020B0604020202020204" pitchFamily="34" charset="0"/>
                 <a:ea typeface="Microsoft Sans Serif" panose="020B0604020202020204" pitchFamily="34" charset="0"/>
                 <a:cs typeface="Microsoft Sans Serif" panose="020B0604020202020204" pitchFamily="34" charset="0"/>
@@ -3889,21 +7078,21 @@
               <a:buNone/>
             </a:pPr>
             <a:r>
-              <a:rPr lang="en-US" dirty="0">
+              <a:rPr lang="en-US" sz="2000" dirty="0">
                 <a:latin typeface="HP Simplified Hans Light" panose="020B0300000000000000" pitchFamily="34" charset="-122"/>
                 <a:ea typeface="HP Simplified Hans Light" panose="020B0300000000000000" pitchFamily="34" charset="-122"/>
               </a:rPr>
               <a:t>Different regular expressions have been implemented in the code to support all kinds of literals, </a:t>
             </a:r>
             <a:r>
-              <a:rPr lang="en-US" dirty="0" err="1">
+              <a:rPr lang="en-US" sz="2000" dirty="0" err="1">
                 <a:latin typeface="HP Simplified Hans Light" panose="020B0300000000000000" pitchFamily="34" charset="-122"/>
                 <a:ea typeface="HP Simplified Hans Light" panose="020B0300000000000000" pitchFamily="34" charset="-122"/>
               </a:rPr>
               <a:t>i.e</a:t>
             </a:r>
             <a:r>
-              <a:rPr lang="en-US" dirty="0">
+              <a:rPr lang="en-US" sz="2000" dirty="0">
                 <a:latin typeface="HP Simplified Hans Light" panose="020B0300000000000000" pitchFamily="34" charset="-122"/>
                 <a:ea typeface="HP Simplified Hans Light" panose="020B0300000000000000" pitchFamily="34" charset="-122"/>
               </a:rPr>
@@ -3916,7 +7105,7 @@
               <a:buChar char="v"/>
             </a:pPr>
             <a:r>
-              <a:rPr lang="en-US" b="1" u="sng" dirty="0">
+              <a:rPr lang="en-US" sz="2400" b="1" u="sng" dirty="0">
                 <a:latin typeface="Microsoft Sans Serif" panose="020B0604020202020204" pitchFamily="34" charset="0"/>
                 <a:ea typeface="Microsoft Sans Serif" panose="020B0604020202020204" pitchFamily="34" charset="0"/>
                 <a:cs typeface="Microsoft Sans Serif" panose="020B0604020202020204" pitchFamily="34" charset="0"/>
@@ -3929,7 +7118,7 @@
               <a:buNone/>
             </a:pPr>
             <a:r>
-              <a:rPr lang="en-US" dirty="0">
+              <a:rPr lang="en-US" sz="2000" dirty="0">
                 <a:latin typeface="HP Simplified Hans Light" panose="020B0300000000000000" pitchFamily="34" charset="-122"/>
                 <a:ea typeface="HP Simplified Hans Light" panose="020B0300000000000000" pitchFamily="34" charset="-122"/>
               </a:rPr>
@@ -3975,13 +7164,13 @@
         </p:nvSpPr>
         <p:spPr>
           <a:xfrm>
-            <a:off x="0" y="0"/>
-            <a:ext cx="9144000" cy="6858000"/>
+            <a:off x="9525" y="9525"/>
+            <a:ext cx="9134475" cy="6858000"/>
           </a:xfrm>
         </p:spPr>
         <p:txBody>
           <a:bodyPr>
-            <a:normAutofit lnSpcReduction="10000"/>
+            <a:normAutofit fontScale="92500"/>
           </a:bodyPr>
           <a:lstStyle/>
           <a:p>
@@ -4003,7 +7192,7 @@
               <a:buNone/>
             </a:pPr>
             <a:r>
-              <a:rPr lang="en-US" sz="2500" dirty="0">
+              <a:rPr lang="en-US" sz="2400" dirty="0">
                 <a:latin typeface="HP Simplified Hans Light" panose="020B0300000000000000" pitchFamily="34" charset="-122"/>
                 <a:ea typeface="HP Simplified Hans Light" panose="020B0300000000000000" pitchFamily="34" charset="-122"/>
               </a:rPr>
@@ -4038,7 +7227,7 @@
               <a:buNone/>
             </a:pPr>
             <a:r>
-              <a:rPr lang="en-US" sz="2500" dirty="0">
+              <a:rPr lang="en-US" sz="2400" dirty="0">
                 <a:latin typeface="HP Simplified Hans Light" panose="020B0300000000000000" pitchFamily="34" charset="-122"/>
                 <a:ea typeface="HP Simplified Hans Light" panose="020B0300000000000000" pitchFamily="34" charset="-122"/>
               </a:rPr>
@@ -4078,7 +7267,7 @@
               <a:buNone/>
             </a:pPr>
             <a:r>
-              <a:rPr lang="en-US" sz="2500" dirty="0">
+              <a:rPr lang="en-US" sz="2400" dirty="0">
                 <a:latin typeface="HP Simplified Hans Light" panose="020B0300000000000000" pitchFamily="34" charset="-122"/>
                 <a:ea typeface="HP Simplified Hans Light" panose="020B0300000000000000" pitchFamily="34" charset="-122"/>
               </a:rPr>
@@ -4124,13 +7313,13 @@
         </p:nvSpPr>
         <p:spPr>
           <a:xfrm>
-            <a:off x="228600" y="152400"/>
-            <a:ext cx="8229600" cy="457200"/>
+            <a:off x="0" y="-19050"/>
+            <a:ext cx="8458200" cy="609600"/>
           </a:xfrm>
         </p:spPr>
         <p:txBody>
           <a:bodyPr>
-            <a:normAutofit fontScale="90000"/>
+            <a:normAutofit/>
           </a:bodyPr>
           <a:lstStyle/>
           <a:p>
@@ -4160,7 +7349,7 @@
         </p:blipFill>
         <p:spPr>
           <a:xfrm>
-            <a:off x="981056" y="543978"/>
+            <a:off x="981056" y="505878"/>
             <a:ext cx="7181888" cy="6314022"/>
           </a:xfrm>
         </p:spPr>
@@ -4206,8 +7395,8 @@
         </p:blipFill>
         <p:spPr>
           <a:xfrm>
-            <a:off x="2133600" y="86032"/>
-            <a:ext cx="5181599" cy="6685936"/>
+            <a:off x="2209800" y="157316"/>
+            <a:ext cx="5181599" cy="6543368"/>
           </a:xfrm>
           <a:prstGeom prst="rect">
             <a:avLst/>
@@ -4241,7 +7430,13 @@
       </p:grpSpPr>
       <p:sp>
         <p:nvSpPr>
-          <p:cNvPr id="2" name="Title 1"/>
+          <p:cNvPr id="2" name="Title 1">
+            <a:extLst>
+              <a:ext uri="{FF2B5EF4-FFF2-40B4-BE49-F238E27FC236}">
+                <a16:creationId xmlns:a16="http://schemas.microsoft.com/office/drawing/2014/main" id="{35B92C80-6972-5E79-37F1-FC270316044A}"/>
+              </a:ext>
+            </a:extLst>
+          </p:cNvPr>
           <p:cNvSpPr>
             <a:spLocks noGrp="1"/>
           </p:cNvSpPr>
@@ -4249,20 +7444,13 @@
             <p:ph type="title"/>
           </p:nvPr>
         </p:nvSpPr>
-        <p:spPr>
-          <a:xfrm>
-            <a:off x="304800" y="0"/>
-            <a:ext cx="8229600" cy="1143000"/>
-          </a:xfrm>
-        </p:spPr>
-        <p:txBody>
-          <a:bodyPr>
-            <a:normAutofit/>
-          </a:bodyPr>
+        <p:spPr/>
+        <p:txBody>
+          <a:bodyPr/>
           <a:lstStyle/>
           <a:p>
             <a:r>
-              <a:rPr lang="en-US" sz="4000" b="1" dirty="0">
+              <a:rPr lang="en-US" sz="4400" b="1" dirty="0">
                 <a:solidFill>
                   <a:srgbClr val="FF0000"/>
                 </a:solidFill>
@@ -4272,12 +7460,19 @@
               </a:rPr>
               <a:t>Syntax Analysis</a:t>
             </a:r>
-          </a:p>
-        </p:txBody>
-      </p:sp>
-      <p:sp>
-        <p:nvSpPr>
-          <p:cNvPr id="3" name="Content Placeholder 2"/>
+            <a:endParaRPr lang="en-IN" dirty="0"/>
+          </a:p>
+        </p:txBody>
+      </p:sp>
+      <p:sp>
+        <p:nvSpPr>
+          <p:cNvPr id="3" name="Content Placeholder 2">
+            <a:extLst>
+              <a:ext uri="{FF2B5EF4-FFF2-40B4-BE49-F238E27FC236}">
+                <a16:creationId xmlns:a16="http://schemas.microsoft.com/office/drawing/2014/main" id="{83681D05-9748-D486-D79C-9A24073707CA}"/>
+              </a:ext>
+            </a:extLst>
+          </p:cNvPr>
           <p:cNvSpPr>
             <a:spLocks noGrp="1"/>
           </p:cNvSpPr>
@@ -4287,13 +7482,13 @@
         </p:nvSpPr>
         <p:spPr>
           <a:xfrm>
-            <a:off x="304800" y="1143000"/>
-            <a:ext cx="8229600" cy="5715000"/>
+            <a:off x="381000" y="1447801"/>
+            <a:ext cx="7620000" cy="4571999"/>
           </a:xfrm>
         </p:spPr>
         <p:txBody>
           <a:bodyPr>
-            <a:normAutofit/>
+            <a:normAutofit lnSpcReduction="10000"/>
           </a:bodyPr>
           <a:lstStyle/>
           <a:p>
@@ -4325,7 +7520,21 @@
                 <a:latin typeface="HP Simplified Hans Light" panose="020B0300000000000000" pitchFamily="34" charset="-122"/>
                 <a:ea typeface="HP Simplified Hans Light" panose="020B0300000000000000" pitchFamily="34" charset="-122"/>
               </a:rPr>
-              <a:t>This phase involved the development of a Parser for C language which makes use of the C lexer to parse the given C input file.</a:t>
+              <a:t>This phase involved the development of a Parser for C language which makes use of the C </a:t>
+            </a:r>
+            <a:r>
+              <a:rPr lang="en-US" sz="2800" dirty="0" err="1">
+                <a:latin typeface="HP Simplified Hans Light" panose="020B0300000000000000" pitchFamily="34" charset="-122"/>
+                <a:ea typeface="HP Simplified Hans Light" panose="020B0300000000000000" pitchFamily="34" charset="-122"/>
+              </a:rPr>
+              <a:t>lexer</a:t>
+            </a:r>
+            <a:r>
+              <a:rPr lang="en-US" sz="2800" dirty="0">
+                <a:latin typeface="HP Simplified Hans Light" panose="020B0300000000000000" pitchFamily="34" charset="-122"/>
+                <a:ea typeface="HP Simplified Hans Light" panose="020B0300000000000000" pitchFamily="34" charset="-122"/>
+              </a:rPr>
+              <a:t> to parse the given C input file.</a:t>
             </a:r>
           </a:p>
           <a:p>
@@ -4349,27 +7558,19 @@
             </a:endParaRPr>
           </a:p>
           <a:p>
-            <a:pPr>
-              <a:spcBef>
-                <a:spcPct val="0"/>
-              </a:spcBef>
-              <a:buNone/>
-            </a:pPr>
-            <a:endParaRPr lang="en-US" sz="4000" b="1" dirty="0">
-              <a:solidFill>
-                <a:srgbClr val="FF0000"/>
-              </a:solidFill>
-              <a:latin typeface="+mj-lt"/>
-              <a:ea typeface="+mj-ea"/>
-              <a:cs typeface="+mj-cs"/>
-            </a:endParaRPr>
+            <a:endParaRPr lang="en-IN" dirty="0"/>
           </a:p>
         </p:txBody>
       </p:sp>
     </p:spTree>
+    <p:extLst>
+      <p:ext uri="{BB962C8B-B14F-4D97-AF65-F5344CB8AC3E}">
+        <p14:creationId xmlns:p14="http://schemas.microsoft.com/office/powerpoint/2010/main" val="458889082"/>
+      </p:ext>
+    </p:extLst>
   </p:cSld>
   <p:clrMapOvr>
-    <a:overrideClrMapping bg1="lt1" tx1="dk1" bg2="lt2" tx2="dk2" accent1="accent1" accent2="accent2" accent3="accent3" accent4="accent4" accent5="accent5" accent6="accent6" hlink="hlink" folHlink="folHlink"/>
+    <a:masterClrMapping/>
   </p:clrMapOvr>
 </p:sld>
 </file>
@@ -4446,7 +7647,7 @@
         </p:spPr>
         <p:txBody>
           <a:bodyPr>
-            <a:normAutofit/>
+            <a:normAutofit lnSpcReduction="10000"/>
           </a:bodyPr>
           <a:lstStyle/>
           <a:p>
@@ -4769,17 +7970,17 @@
         <p:spPr>
           <a:xfrm>
             <a:off x="0" y="0"/>
-            <a:ext cx="9144000" cy="6858000"/>
+            <a:ext cx="8610600" cy="6858000"/>
           </a:xfrm>
         </p:spPr>
         <p:txBody>
           <a:bodyPr>
-            <a:normAutofit fontScale="92500" lnSpcReduction="10000"/>
+            <a:normAutofit/>
           </a:bodyPr>
           <a:lstStyle/>
           <a:p>
             <a:r>
-              <a:rPr lang="en-US" dirty="0">
+              <a:rPr lang="en-US" sz="2400" dirty="0">
                 <a:latin typeface="HP Simplified Hans" panose="020B0500000000000000" pitchFamily="34" charset="-122"/>
                 <a:ea typeface="HP Simplified Hans" panose="020B0500000000000000" pitchFamily="34" charset="-122"/>
               </a:rPr>
@@ -4791,7 +7992,7 @@
               <a:buNone/>
             </a:pPr>
             <a:r>
-              <a:rPr lang="en-US" sz="2600" dirty="0">
+              <a:rPr lang="en-US" sz="2400" dirty="0">
                 <a:latin typeface="HP Simplified Hans Light" panose="020B0300000000000000" pitchFamily="34" charset="-122"/>
                 <a:ea typeface="HP Simplified Hans Light" panose="020B0300000000000000" pitchFamily="34" charset="-122"/>
               </a:rPr>
@@ -4803,7 +8004,7 @@
               <a:buNone/>
             </a:pPr>
             <a:r>
-              <a:rPr lang="en-US" sz="2600" dirty="0">
+              <a:rPr lang="en-US" sz="2400" dirty="0">
                 <a:latin typeface="HP Simplified Hans Light" panose="020B0300000000000000" pitchFamily="34" charset="-122"/>
                 <a:ea typeface="HP Simplified Hans Light" panose="020B0300000000000000" pitchFamily="34" charset="-122"/>
               </a:rPr>
@@ -4821,7 +8022,7 @@
               <a:buNone/>
             </a:pPr>
             <a:r>
-              <a:rPr lang="en-US" b="1" dirty="0">
+              <a:rPr lang="en-US" sz="2600" b="1" dirty="0">
                 <a:latin typeface="Microsoft Sans Serif" panose="020B0604020202020204" pitchFamily="34" charset="0"/>
                 <a:ea typeface="Microsoft Sans Serif" panose="020B0604020202020204" pitchFamily="34" charset="0"/>
                 <a:cs typeface="Microsoft Sans Serif" panose="020B0604020202020204" pitchFamily="34" charset="0"/>
@@ -4831,23 +8032,29 @@
           </a:p>
           <a:p>
             <a:r>
-              <a:rPr lang="en-US" sz="3000" dirty="0">
+              <a:rPr lang="en-US" sz="2100" dirty="0">
                 <a:latin typeface="HP Simplified Hans Light" panose="020B0300000000000000" pitchFamily="34" charset="-122"/>
                 <a:ea typeface="HP Simplified Hans Light" panose="020B0300000000000000" pitchFamily="34" charset="-122"/>
               </a:rPr>
               <a:t>Top-down Parser is the Parser, which generates parse for the given input string with the help of grammar productions by expanding the non-terminals i.e., it starts from the start symbol and ends on the terminals.</a:t>
             </a:r>
             <a:r>
-              <a:rPr lang="en-US" dirty="0"/>
+              <a:rPr lang="en-US" sz="2100" dirty="0"/>
               <a:t> </a:t>
             </a:r>
           </a:p>
           <a:p>
+            <a:pPr marL="0" indent="0">
+              <a:buNone/>
+            </a:pPr>
+            <a:endParaRPr lang="en-US" sz="2100" dirty="0"/>
+          </a:p>
+          <a:p>
             <a:pPr>
               <a:buNone/>
             </a:pPr>
             <a:r>
-              <a:rPr lang="en-US" b="1" dirty="0">
+              <a:rPr lang="en-US" sz="2600" b="1" dirty="0">
                 <a:latin typeface="Microsoft Sans Serif" panose="020B0604020202020204" pitchFamily="34" charset="0"/>
                 <a:ea typeface="Microsoft Sans Serif" panose="020B0604020202020204" pitchFamily="34" charset="0"/>
                 <a:cs typeface="Microsoft Sans Serif" panose="020B0604020202020204" pitchFamily="34" charset="0"/>
@@ -4857,15 +8064,12 @@
           </a:p>
           <a:p>
             <a:r>
-              <a:rPr lang="en-US" sz="3000" dirty="0">
+              <a:rPr lang="en-US" sz="2100" dirty="0">
                 <a:latin typeface="HP Simplified Hans Light" panose="020B0300000000000000" pitchFamily="34" charset="-122"/>
                 <a:ea typeface="HP Simplified Hans Light" panose="020B0300000000000000" pitchFamily="34" charset="-122"/>
               </a:rPr>
               <a:t>Bottom-up Parser is the Parser that generates the parse tree for the given input string with the help of grammar productions by compressing the non-terminals i.e., it starts from non-terminals and ends on the stat symbol. It uses the reverse of the rightmost derivation.</a:t>
             </a:r>
-          </a:p>
-          <a:p>
-            <a:endParaRPr lang="en-US" dirty="0"/>
           </a:p>
         </p:txBody>
       </p:sp>
@@ -4906,8 +8110,8 @@
         </p:nvSpPr>
         <p:spPr>
           <a:xfrm>
-            <a:off x="0" y="0"/>
-            <a:ext cx="8229600" cy="990600"/>
+            <a:off x="76200" y="228600"/>
+            <a:ext cx="8153400" cy="762000"/>
           </a:xfrm>
         </p:spPr>
         <p:txBody>
@@ -4940,8 +8144,8 @@
         </p:nvSpPr>
         <p:spPr>
           <a:xfrm>
-            <a:off x="0" y="1066800"/>
-            <a:ext cx="9144000" cy="5791200"/>
+            <a:off x="0" y="1219200"/>
+            <a:ext cx="8686800" cy="5638800"/>
           </a:xfrm>
         </p:spPr>
         <p:txBody>
@@ -4951,7 +8155,7 @@
           <a:lstStyle/>
           <a:p>
             <a:r>
-              <a:rPr lang="en-US" sz="2800" dirty="0">
+              <a:rPr lang="en-US" sz="2600" dirty="0">
                 <a:latin typeface="HP Simplified Hans Light" panose="020B0300000000000000" pitchFamily="34" charset="-122"/>
                 <a:ea typeface="HP Simplified Hans Light" panose="020B0300000000000000" pitchFamily="34" charset="-122"/>
               </a:rPr>
@@ -4960,7 +8164,7 @@
           </a:p>
           <a:p>
             <a:r>
-              <a:rPr lang="en-US" sz="2800" dirty="0">
+              <a:rPr lang="en-US" sz="2600" dirty="0">
                 <a:latin typeface="HP Simplified Hans Light" panose="020B0300000000000000" pitchFamily="34" charset="-122"/>
                 <a:ea typeface="HP Simplified Hans Light" panose="020B0300000000000000" pitchFamily="34" charset="-122"/>
               </a:rPr>
@@ -5075,7 +8279,7 @@
         </p:blipFill>
         <p:spPr>
           <a:xfrm>
-            <a:off x="2667000" y="1958181"/>
+            <a:off x="2278063" y="2245519"/>
             <a:ext cx="3810000" cy="3810000"/>
           </a:xfrm>
         </p:spPr>
@@ -5128,7 +8332,7 @@
         </p:spPr>
         <p:txBody>
           <a:bodyPr>
-            <a:normAutofit fontScale="90000"/>
+            <a:noAutofit/>
           </a:bodyPr>
           <a:lstStyle/>
           <a:p>
@@ -5156,32 +8360,32 @@
         </p:nvSpPr>
         <p:spPr>
           <a:xfrm>
-            <a:off x="0" y="533400"/>
-            <a:ext cx="9144000" cy="6324600"/>
+            <a:off x="0" y="685800"/>
+            <a:ext cx="9144000" cy="6172200"/>
           </a:xfrm>
         </p:spPr>
         <p:txBody>
           <a:bodyPr>
-            <a:normAutofit lnSpcReduction="10000"/>
+            <a:normAutofit fontScale="92500" lnSpcReduction="10000"/>
           </a:bodyPr>
           <a:lstStyle/>
           <a:p>
             <a:r>
-              <a:rPr lang="en-US" sz="2400" dirty="0">
+              <a:rPr lang="en-US" sz="2200" dirty="0">
                 <a:latin typeface="HP Simplified Hans Light" panose="020B0300000000000000" pitchFamily="34" charset="-122"/>
                 <a:ea typeface="HP Simplified Hans Light" panose="020B0300000000000000" pitchFamily="34" charset="-122"/>
               </a:rPr>
               <a:t>This section describes the input C program which is fed to the </a:t>
             </a:r>
             <a:r>
-              <a:rPr lang="en-US" sz="2400" dirty="0" err="1">
+              <a:rPr lang="en-US" sz="2200" dirty="0" err="1">
                 <a:latin typeface="HP Simplified Hans Light" panose="020B0300000000000000" pitchFamily="34" charset="-122"/>
                 <a:ea typeface="HP Simplified Hans Light" panose="020B0300000000000000" pitchFamily="34" charset="-122"/>
               </a:rPr>
               <a:t>yacc</a:t>
             </a:r>
             <a:r>
-              <a:rPr lang="en-US" sz="2400" dirty="0">
+              <a:rPr lang="en-US" sz="2200" dirty="0">
                 <a:latin typeface="HP Simplified Hans Light" panose="020B0300000000000000" pitchFamily="34" charset="-122"/>
                 <a:ea typeface="HP Simplified Hans Light" panose="020B0300000000000000" pitchFamily="34" charset="-122"/>
               </a:rPr>
@@ -5194,7 +8398,7 @@
               <a:buAutoNum type="arabicPeriod"/>
             </a:pPr>
             <a:r>
-              <a:rPr lang="en-US" sz="2400" dirty="0">
+              <a:rPr lang="en-US" sz="2200" dirty="0">
                 <a:latin typeface="HP Simplified Hans Light" panose="020B0300000000000000" pitchFamily="34" charset="-122"/>
                 <a:ea typeface="HP Simplified Hans Light" panose="020B0300000000000000" pitchFamily="34" charset="-122"/>
               </a:rPr>
@@ -5206,19 +8410,19 @@
               <a:buNone/>
             </a:pPr>
             <a:r>
-              <a:rPr lang="en-US" sz="2400" dirty="0"/>
+              <a:rPr lang="en-US" sz="2200" dirty="0"/>
               <a:t>		</a:t>
             </a:r>
             <a:r>
-              <a:rPr lang="en-US" sz="2200" b="1" i="1" dirty="0"/>
+              <a:rPr lang="en-US" sz="1900" b="1" i="1" dirty="0"/>
               <a:t>$ </a:t>
             </a:r>
             <a:r>
-              <a:rPr lang="en-US" sz="2200" b="1" i="1" dirty="0" err="1"/>
+              <a:rPr lang="en-US" sz="1900" b="1" i="1" dirty="0" err="1"/>
               <a:t>yacc</a:t>
             </a:r>
             <a:r>
-              <a:rPr lang="en-US" sz="2200" b="1" i="1" dirty="0"/>
+              <a:rPr lang="en-US" sz="1900" b="1" i="1" dirty="0"/>
               <a:t> -d c_parser.y54 </a:t>
             </a:r>
           </a:p>
@@ -5227,7 +8431,7 @@
               <a:buNone/>
             </a:pPr>
             <a:r>
-              <a:rPr lang="en-US" sz="2400" dirty="0">
+              <a:rPr lang="en-US" sz="2200" dirty="0">
                 <a:latin typeface="HP Simplified Hans Light" panose="020B0300000000000000" pitchFamily="34" charset="-122"/>
                 <a:ea typeface="HP Simplified Hans Light" panose="020B0300000000000000" pitchFamily="34" charset="-122"/>
               </a:rPr>
@@ -5239,19 +8443,19 @@
               <a:buNone/>
             </a:pPr>
             <a:r>
-              <a:rPr lang="en-US" sz="2400" dirty="0"/>
+              <a:rPr lang="en-US" sz="2200" dirty="0"/>
               <a:t>		</a:t>
             </a:r>
             <a:r>
-              <a:rPr lang="en-US" sz="2200" b="1" i="1" dirty="0"/>
+              <a:rPr lang="en-US" sz="1900" b="1" i="1" dirty="0"/>
               <a:t>$ flex </a:t>
             </a:r>
             <a:r>
-              <a:rPr lang="en-US" sz="2200" b="1" i="1" dirty="0" err="1"/>
+              <a:rPr lang="en-US" sz="1900" b="1" i="1" dirty="0" err="1"/>
               <a:t>c_lexer.l</a:t>
             </a:r>
             <a:r>
-              <a:rPr lang="en-US" sz="2200" b="1" i="1" dirty="0"/>
+              <a:rPr lang="en-US" sz="1900" b="1" i="1" dirty="0"/>
               <a:t> </a:t>
             </a:r>
           </a:p>
@@ -5260,63 +8464,63 @@
               <a:buNone/>
             </a:pPr>
             <a:r>
-              <a:rPr lang="en-US" sz="2400" dirty="0">
+              <a:rPr lang="en-US" sz="2200" dirty="0">
                 <a:latin typeface="HP Simplified Hans Light" panose="020B0300000000000000" pitchFamily="34" charset="-122"/>
                 <a:ea typeface="HP Simplified Hans Light" panose="020B0300000000000000" pitchFamily="34" charset="-122"/>
               </a:rPr>
               <a:t>3. After compiling the </a:t>
             </a:r>
             <a:r>
-              <a:rPr lang="en-US" sz="2400" dirty="0" err="1">
+              <a:rPr lang="en-US" sz="2200" dirty="0" err="1">
                 <a:latin typeface="HP Simplified Hans Light" panose="020B0300000000000000" pitchFamily="34" charset="-122"/>
                 <a:ea typeface="HP Simplified Hans Light" panose="020B0300000000000000" pitchFamily="34" charset="-122"/>
               </a:rPr>
               <a:t>lex</a:t>
             </a:r>
             <a:r>
-              <a:rPr lang="en-US" sz="2400" dirty="0">
+              <a:rPr lang="en-US" sz="2200" dirty="0">
                 <a:latin typeface="HP Simplified Hans Light" panose="020B0300000000000000" pitchFamily="34" charset="-122"/>
                 <a:ea typeface="HP Simplified Hans Light" panose="020B0300000000000000" pitchFamily="34" charset="-122"/>
               </a:rPr>
               <a:t> file, a lex.yy.c file is generated. Also, </a:t>
             </a:r>
             <a:r>
-              <a:rPr lang="en-US" sz="2400" dirty="0" err="1">
+              <a:rPr lang="en-US" sz="2200" dirty="0" err="1">
                 <a:latin typeface="HP Simplified Hans Light" panose="020B0300000000000000" pitchFamily="34" charset="-122"/>
                 <a:ea typeface="HP Simplified Hans Light" panose="020B0300000000000000" pitchFamily="34" charset="-122"/>
               </a:rPr>
               <a:t>y.tab.c</a:t>
             </a:r>
             <a:r>
-              <a:rPr lang="en-US" sz="2400" dirty="0">
+              <a:rPr lang="en-US" sz="2200" dirty="0">
                 <a:latin typeface="HP Simplified Hans Light" panose="020B0300000000000000" pitchFamily="34" charset="-122"/>
                 <a:ea typeface="HP Simplified Hans Light" panose="020B0300000000000000" pitchFamily="34" charset="-122"/>
               </a:rPr>
               <a:t> and </a:t>
             </a:r>
             <a:r>
-              <a:rPr lang="en-US" sz="2400" dirty="0" err="1">
+              <a:rPr lang="en-US" sz="2200" dirty="0" err="1">
                 <a:latin typeface="HP Simplified Hans Light" panose="020B0300000000000000" pitchFamily="34" charset="-122"/>
                 <a:ea typeface="HP Simplified Hans Light" panose="020B0300000000000000" pitchFamily="34" charset="-122"/>
               </a:rPr>
               <a:t>y.tab.h</a:t>
             </a:r>
             <a:r>
-              <a:rPr lang="en-US" sz="2400" dirty="0">
+              <a:rPr lang="en-US" sz="2200" dirty="0">
                 <a:latin typeface="HP Simplified Hans Light" panose="020B0300000000000000" pitchFamily="34" charset="-122"/>
                 <a:ea typeface="HP Simplified Hans Light" panose="020B0300000000000000" pitchFamily="34" charset="-122"/>
               </a:rPr>
               <a:t> files are generated after compiling the </a:t>
             </a:r>
             <a:r>
-              <a:rPr lang="en-US" sz="2400" dirty="0" err="1">
+              <a:rPr lang="en-US" sz="2200" dirty="0" err="1">
                 <a:latin typeface="HP Simplified Hans Light" panose="020B0300000000000000" pitchFamily="34" charset="-122"/>
                 <a:ea typeface="HP Simplified Hans Light" panose="020B0300000000000000" pitchFamily="34" charset="-122"/>
               </a:rPr>
               <a:t>yacc</a:t>
             </a:r>
             <a:r>
-              <a:rPr lang="en-US" sz="2400" dirty="0">
+              <a:rPr lang="en-US" sz="2200" dirty="0">
                 <a:latin typeface="HP Simplified Hans Light" panose="020B0300000000000000" pitchFamily="34" charset="-122"/>
                 <a:ea typeface="HP Simplified Hans Light" panose="020B0300000000000000" pitchFamily="34" charset="-122"/>
               </a:rPr>
@@ -5328,76 +8532,76 @@
               <a:buNone/>
             </a:pPr>
             <a:r>
-              <a:rPr lang="en-US" sz="2400" dirty="0">
+              <a:rPr lang="en-US" sz="2200" dirty="0">
                 <a:latin typeface="HP Simplified Hans Light" panose="020B0300000000000000" pitchFamily="34" charset="-122"/>
                 <a:ea typeface="HP Simplified Hans Light" panose="020B0300000000000000" pitchFamily="34" charset="-122"/>
               </a:rPr>
               <a:t>4. The three files, </a:t>
             </a:r>
             <a:r>
-              <a:rPr lang="en-US" sz="2400" dirty="0" err="1">
+              <a:rPr lang="en-US" sz="2200" dirty="0" err="1">
                 <a:latin typeface="HP Simplified Hans Light" panose="020B0300000000000000" pitchFamily="34" charset="-122"/>
                 <a:ea typeface="HP Simplified Hans Light" panose="020B0300000000000000" pitchFamily="34" charset="-122"/>
               </a:rPr>
               <a:t>lex.yy.c</a:t>
             </a:r>
             <a:r>
-              <a:rPr lang="en-US" sz="2400" dirty="0">
+              <a:rPr lang="en-US" sz="2200" dirty="0">
                 <a:latin typeface="HP Simplified Hans Light" panose="020B0300000000000000" pitchFamily="34" charset="-122"/>
                 <a:ea typeface="HP Simplified Hans Light" panose="020B0300000000000000" pitchFamily="34" charset="-122"/>
               </a:rPr>
               <a:t>, </a:t>
             </a:r>
             <a:r>
-              <a:rPr lang="en-US" sz="2400" dirty="0" err="1">
+              <a:rPr lang="en-US" sz="2200" dirty="0" err="1">
                 <a:latin typeface="HP Simplified Hans Light" panose="020B0300000000000000" pitchFamily="34" charset="-122"/>
                 <a:ea typeface="HP Simplified Hans Light" panose="020B0300000000000000" pitchFamily="34" charset="-122"/>
               </a:rPr>
               <a:t>y.tab.c</a:t>
             </a:r>
             <a:r>
-              <a:rPr lang="en-US" sz="2400" dirty="0">
+              <a:rPr lang="en-US" sz="2200" dirty="0">
                 <a:latin typeface="HP Simplified Hans Light" panose="020B0300000000000000" pitchFamily="34" charset="-122"/>
                 <a:ea typeface="HP Simplified Hans Light" panose="020B0300000000000000" pitchFamily="34" charset="-122"/>
               </a:rPr>
               <a:t> and </a:t>
             </a:r>
             <a:r>
-              <a:rPr lang="en-US" sz="2400" dirty="0" err="1">
+              <a:rPr lang="en-US" sz="2200" dirty="0" err="1">
                 <a:latin typeface="HP Simplified Hans Light" panose="020B0300000000000000" pitchFamily="34" charset="-122"/>
                 <a:ea typeface="HP Simplified Hans Light" panose="020B0300000000000000" pitchFamily="34" charset="-122"/>
               </a:rPr>
               <a:t>y.tab.h</a:t>
             </a:r>
             <a:r>
-              <a:rPr lang="en-US" sz="2400" dirty="0">
+              <a:rPr lang="en-US" sz="2200" dirty="0">
                 <a:latin typeface="HP Simplified Hans Light" panose="020B0300000000000000" pitchFamily="34" charset="-122"/>
                 <a:ea typeface="HP Simplified Hans Light" panose="020B0300000000000000" pitchFamily="34" charset="-122"/>
               </a:rPr>
               <a:t> are compiled together with the options –</a:t>
             </a:r>
             <a:r>
-              <a:rPr lang="en-US" sz="2400" dirty="0" err="1">
+              <a:rPr lang="en-US" sz="2200" dirty="0" err="1">
                 <a:latin typeface="HP Simplified Hans Light" panose="020B0300000000000000" pitchFamily="34" charset="-122"/>
                 <a:ea typeface="HP Simplified Hans Light" panose="020B0300000000000000" pitchFamily="34" charset="-122"/>
               </a:rPr>
               <a:t>ll</a:t>
             </a:r>
             <a:r>
-              <a:rPr lang="en-US" sz="2400" dirty="0">
+              <a:rPr lang="en-US" sz="2200" dirty="0">
                 <a:latin typeface="HP Simplified Hans Light" panose="020B0300000000000000" pitchFamily="34" charset="-122"/>
                 <a:ea typeface="HP Simplified Hans Light" panose="020B0300000000000000" pitchFamily="34" charset="-122"/>
               </a:rPr>
               <a:t> and –</a:t>
             </a:r>
             <a:r>
-              <a:rPr lang="en-US" sz="2400" dirty="0" err="1">
+              <a:rPr lang="en-US" sz="2200" dirty="0" err="1">
                 <a:latin typeface="HP Simplified Hans Light" panose="020B0300000000000000" pitchFamily="34" charset="-122"/>
                 <a:ea typeface="HP Simplified Hans Light" panose="020B0300000000000000" pitchFamily="34" charset="-122"/>
               </a:rPr>
               <a:t>ly</a:t>
             </a:r>
-            <a:endParaRPr lang="en-US" sz="2400" dirty="0">
+            <a:endParaRPr lang="en-US" sz="2200" dirty="0">
               <a:latin typeface="HP Simplified Hans Light" panose="020B0300000000000000" pitchFamily="34" charset="-122"/>
               <a:ea typeface="HP Simplified Hans Light" panose="020B0300000000000000" pitchFamily="34" charset="-122"/>
             </a:endParaRPr>
@@ -5407,73 +8611,73 @@
               <a:buNone/>
             </a:pPr>
             <a:r>
-              <a:rPr lang="en-US" sz="2800" dirty="0"/>
+              <a:rPr lang="en-US" sz="2600" dirty="0"/>
               <a:t>	</a:t>
             </a:r>
             <a:r>
-              <a:rPr lang="en-US" sz="2800" b="1" dirty="0"/>
+              <a:rPr lang="en-US" sz="2600" b="1" dirty="0"/>
               <a:t>      </a:t>
             </a:r>
             <a:r>
-              <a:rPr lang="en-US" sz="2000" b="1" i="1" dirty="0"/>
+              <a:rPr lang="en-US" sz="1900" b="1" i="1" dirty="0"/>
               <a:t>$ </a:t>
             </a:r>
             <a:r>
-              <a:rPr lang="en-US" sz="2000" b="1" i="1" dirty="0" err="1"/>
+              <a:rPr lang="en-US" sz="1900" b="1" i="1" dirty="0" err="1"/>
               <a:t>gcc</a:t>
             </a:r>
             <a:r>
-              <a:rPr lang="en-US" sz="2000" b="1" i="1" dirty="0"/>
+              <a:rPr lang="en-US" sz="1900" b="1" i="1" dirty="0"/>
               <a:t> -o compiler </a:t>
             </a:r>
             <a:r>
-              <a:rPr lang="en-US" sz="2000" b="1" i="1" dirty="0" err="1"/>
+              <a:rPr lang="en-US" sz="1900" b="1" i="1" dirty="0" err="1"/>
               <a:t>lex.yy.c</a:t>
             </a:r>
             <a:r>
-              <a:rPr lang="en-US" sz="2000" b="1" i="1" dirty="0"/>
+              <a:rPr lang="en-US" sz="1900" b="1" i="1" dirty="0"/>
               <a:t> </a:t>
             </a:r>
             <a:r>
-              <a:rPr lang="en-US" sz="2000" b="1" i="1" dirty="0" err="1"/>
+              <a:rPr lang="en-US" sz="1900" b="1" i="1" dirty="0" err="1"/>
               <a:t>y.tab.h</a:t>
             </a:r>
             <a:r>
-              <a:rPr lang="en-US" sz="2000" b="1" i="1" dirty="0"/>
+              <a:rPr lang="en-US" sz="1900" b="1" i="1" dirty="0"/>
               <a:t> </a:t>
             </a:r>
             <a:r>
-              <a:rPr lang="en-US" sz="2000" b="1" i="1" dirty="0" err="1"/>
+              <a:rPr lang="en-US" sz="1900" b="1" i="1" dirty="0" err="1"/>
               <a:t>y.tab.c</a:t>
             </a:r>
             <a:r>
-              <a:rPr lang="en-US" sz="2000" b="1" i="1" dirty="0"/>
+              <a:rPr lang="en-US" sz="1900" b="1" i="1" dirty="0"/>
               <a:t> -</a:t>
             </a:r>
             <a:r>
-              <a:rPr lang="en-US" sz="2000" b="1" i="1" dirty="0" err="1"/>
+              <a:rPr lang="en-US" sz="1900" b="1" i="1" dirty="0" err="1"/>
               <a:t>ll</a:t>
             </a:r>
             <a:r>
-              <a:rPr lang="en-US" sz="2000" b="1" i="1" dirty="0"/>
+              <a:rPr lang="en-US" sz="1900" b="1" i="1" dirty="0"/>
               <a:t> -</a:t>
             </a:r>
             <a:r>
-              <a:rPr lang="en-US" sz="2000" b="1" i="1" dirty="0" err="1"/>
+              <a:rPr lang="en-US" sz="1900" b="1" i="1" dirty="0" err="1"/>
               <a:t>ly</a:t>
             </a:r>
             <a:r>
-              <a:rPr lang="en-US" sz="2000" b="1" i="1" dirty="0"/>
+              <a:rPr lang="en-US" sz="1900" b="1" i="1" dirty="0"/>
               <a:t> </a:t>
             </a:r>
-            <a:endParaRPr lang="en-US" sz="2800" b="1" i="1" dirty="0"/>
+            <a:endParaRPr lang="en-US" sz="2600" b="1" i="1" dirty="0"/>
           </a:p>
           <a:p>
             <a:pPr>
               <a:buNone/>
             </a:pPr>
             <a:r>
-              <a:rPr lang="en-US" sz="2400" dirty="0">
+              <a:rPr lang="en-US" sz="2200" dirty="0">
                 <a:latin typeface="HP Simplified Hans Light" panose="020B0300000000000000" pitchFamily="34" charset="-122"/>
                 <a:ea typeface="HP Simplified Hans Light" panose="020B0300000000000000" pitchFamily="34" charset="-122"/>
               </a:rPr>
@@ -5485,25 +8689,25 @@
               <a:buNone/>
             </a:pPr>
             <a:r>
-              <a:rPr lang="en-US" sz="2800" dirty="0"/>
+              <a:rPr lang="en-US" sz="2600" dirty="0"/>
               <a:t>	     </a:t>
             </a:r>
             <a:r>
-              <a:rPr lang="en-US" sz="2000" b="1" i="1" dirty="0"/>
+              <a:rPr lang="en-US" sz="1900" b="1" i="1" dirty="0"/>
               <a:t>$ ./compiler </a:t>
             </a:r>
             <a:r>
-              <a:rPr lang="en-US" sz="2000" b="1" i="1" dirty="0" err="1"/>
+              <a:rPr lang="en-US" sz="1900" b="1" i="1" dirty="0" err="1"/>
               <a:t>test.c</a:t>
             </a:r>
-            <a:endParaRPr lang="en-US" sz="2800" b="1" i="1" dirty="0"/>
+            <a:endParaRPr lang="en-US" sz="2600" b="1" i="1" dirty="0"/>
           </a:p>
           <a:p>
             <a:pPr>
               <a:buNone/>
             </a:pPr>
             <a:r>
-              <a:rPr lang="en-US" sz="2400" dirty="0">
+              <a:rPr lang="en-US" sz="2200" dirty="0">
                 <a:latin typeface="HP Simplified Hans Light" panose="020B0300000000000000" pitchFamily="34" charset="-122"/>
                 <a:ea typeface="HP Simplified Hans Light" panose="020B0300000000000000" pitchFamily="34" charset="-122"/>
               </a:rPr>
@@ -5570,7 +8774,7 @@
           <a:p>
             <a:pPr algn="l"/>
             <a:r>
-              <a:rPr lang="en-US" sz="3000" b="1" dirty="0">
+              <a:rPr lang="en-US" sz="3600" b="1" dirty="0">
                 <a:solidFill>
                   <a:srgbClr val="FF0000"/>
                 </a:solidFill>
@@ -5596,7 +8800,7 @@
         <p:spPr>
           <a:xfrm>
             <a:off x="0" y="762000"/>
-            <a:ext cx="9144000" cy="6096000"/>
+            <a:ext cx="8915400" cy="6096000"/>
           </a:xfrm>
         </p:spPr>
         <p:txBody>
@@ -5606,7 +8810,7 @@
           <a:lstStyle/>
           <a:p>
             <a:r>
-              <a:rPr lang="en-US" sz="2800" dirty="0">
+              <a:rPr lang="en-US" sz="2600" dirty="0">
                 <a:latin typeface="HP Simplified Hans Light" panose="020B0300000000000000" pitchFamily="34" charset="-122"/>
                 <a:ea typeface="HP Simplified Hans Light" panose="020B0300000000000000" pitchFamily="34" charset="-122"/>
               </a:rPr>
@@ -5615,7 +8819,7 @@
           </a:p>
           <a:p>
             <a:r>
-              <a:rPr lang="en-US" sz="2800" dirty="0">
+              <a:rPr lang="en-US" sz="2600" dirty="0">
                 <a:latin typeface="HP Simplified Hans Light" panose="020B0300000000000000" pitchFamily="34" charset="-122"/>
                 <a:ea typeface="HP Simplified Hans Light" panose="020B0300000000000000" pitchFamily="34" charset="-122"/>
               </a:rPr>
@@ -5624,7 +8828,7 @@
           </a:p>
           <a:p>
             <a:r>
-              <a:rPr lang="en-US" sz="2800" dirty="0">
+              <a:rPr lang="en-US" sz="2600" dirty="0">
                 <a:latin typeface="HP Simplified Hans Light" panose="020B0300000000000000" pitchFamily="34" charset="-122"/>
                 <a:ea typeface="HP Simplified Hans Light" panose="020B0300000000000000" pitchFamily="34" charset="-122"/>
               </a:rPr>
@@ -5633,7 +8837,7 @@
           </a:p>
           <a:p>
             <a:r>
-              <a:rPr lang="en-US" sz="2800" dirty="0">
+              <a:rPr lang="en-US" sz="2600" dirty="0">
                 <a:latin typeface="HP Simplified Hans Light" panose="020B0300000000000000" pitchFamily="34" charset="-122"/>
                 <a:ea typeface="HP Simplified Hans Light" panose="020B0300000000000000" pitchFamily="34" charset="-122"/>
               </a:rPr>
@@ -5642,7 +8846,7 @@
           </a:p>
           <a:p>
             <a:r>
-              <a:rPr lang="en-US" sz="2800" dirty="0">
+              <a:rPr lang="en-US" sz="2600" dirty="0">
                 <a:latin typeface="HP Simplified Hans Light" panose="020B0300000000000000" pitchFamily="34" charset="-122"/>
                 <a:ea typeface="HP Simplified Hans Light" panose="020B0300000000000000" pitchFamily="34" charset="-122"/>
               </a:rPr>
@@ -5700,7 +8904,7 @@
           <a:p>
             <a:pPr algn="l"/>
             <a:r>
-              <a:rPr lang="en-US" sz="3600" b="1" dirty="0">
+              <a:rPr lang="en-US" sz="4000" b="1" dirty="0">
                 <a:solidFill>
                   <a:srgbClr val="FF0000"/>
                 </a:solidFill>
@@ -5710,6 +8914,14 @@
               </a:rPr>
               <a:t>Result</a:t>
             </a:r>
+            <a:endParaRPr lang="en-US" sz="3600" b="1" dirty="0">
+              <a:solidFill>
+                <a:srgbClr val="FF0000"/>
+              </a:solidFill>
+              <a:latin typeface="Microsoft Sans Serif" panose="020B0604020202020204" pitchFamily="34" charset="0"/>
+              <a:ea typeface="Microsoft Sans Serif" panose="020B0604020202020204" pitchFamily="34" charset="0"/>
+              <a:cs typeface="Microsoft Sans Serif" panose="020B0604020202020204" pitchFamily="34" charset="0"/>
+            </a:endParaRPr>
           </a:p>
         </p:txBody>
       </p:sp>
@@ -5736,7 +8948,7 @@
           <a:lstStyle/>
           <a:p>
             <a:r>
-              <a:rPr lang="en-US" sz="2800" dirty="0">
+              <a:rPr lang="en-US" sz="2600" dirty="0">
                 <a:latin typeface="HP Simplified Hans Light" panose="020B0300000000000000" pitchFamily="34" charset="-122"/>
                 <a:ea typeface="HP Simplified Hans Light" panose="020B0300000000000000" pitchFamily="34" charset="-122"/>
               </a:rPr>
@@ -5745,7 +8957,7 @@
           </a:p>
           <a:p>
             <a:r>
-              <a:rPr lang="en-US" sz="2800" dirty="0">
+              <a:rPr lang="en-US" sz="2600" dirty="0">
                 <a:latin typeface="HP Simplified Hans Light" panose="020B0300000000000000" pitchFamily="34" charset="-122"/>
                 <a:ea typeface="HP Simplified Hans Light" panose="020B0300000000000000" pitchFamily="34" charset="-122"/>
               </a:rPr>
@@ -5754,7 +8966,7 @@
           </a:p>
           <a:p>
             <a:r>
-              <a:rPr lang="en-US" sz="2800" dirty="0">
+              <a:rPr lang="en-US" sz="2600" dirty="0">
                 <a:latin typeface="HP Simplified Hans Light" panose="020B0300000000000000" pitchFamily="34" charset="-122"/>
                 <a:ea typeface="HP Simplified Hans Light" panose="020B0300000000000000" pitchFamily="34" charset="-122"/>
               </a:rPr>
@@ -5763,7 +8975,7 @@
           </a:p>
           <a:p>
             <a:r>
-              <a:rPr lang="en-US" sz="2800" dirty="0">
+              <a:rPr lang="en-US" sz="2600" dirty="0">
                 <a:latin typeface="HP Simplified Hans Light" panose="020B0300000000000000" pitchFamily="34" charset="-122"/>
                 <a:ea typeface="HP Simplified Hans Light" panose="020B0300000000000000" pitchFamily="34" charset="-122"/>
               </a:rPr>
@@ -5950,8 +9162,8 @@
         </p:nvSpPr>
         <p:spPr>
           <a:xfrm>
-            <a:off x="228600" y="152400"/>
-            <a:ext cx="8686800" cy="990600"/>
+            <a:off x="228600" y="228600"/>
+            <a:ext cx="8686800" cy="762000"/>
           </a:xfrm>
         </p:spPr>
         <p:txBody>
@@ -5984,13 +9196,13 @@
         </p:nvSpPr>
         <p:spPr>
           <a:xfrm>
-            <a:off x="228600" y="1143000"/>
-            <a:ext cx="8915400" cy="5562600"/>
+            <a:off x="228600" y="1066800"/>
+            <a:ext cx="8915400" cy="5791200"/>
           </a:xfrm>
         </p:spPr>
         <p:txBody>
           <a:bodyPr>
-            <a:normAutofit fontScale="92500"/>
+            <a:normAutofit fontScale="92500" lnSpcReduction="20000"/>
           </a:bodyPr>
           <a:lstStyle/>
           <a:p>
@@ -6318,7 +9530,7 @@
         <p:spPr>
           <a:xfrm>
             <a:off x="0" y="0"/>
-            <a:ext cx="8382000" cy="1066800"/>
+            <a:ext cx="7696200" cy="685800"/>
           </a:xfrm>
         </p:spPr>
         <p:txBody>
@@ -6329,7 +9541,7 @@
           <a:p>
             <a:pPr algn="l"/>
             <a:r>
-              <a:rPr lang="en-US" sz="3000" b="1" u="sng" dirty="0">
+              <a:rPr lang="en-US" sz="3200" b="1" u="sng" dirty="0">
                 <a:latin typeface="Microsoft Sans Serif" panose="020B0604020202020204" pitchFamily="34" charset="0"/>
                 <a:ea typeface="Microsoft Sans Serif" panose="020B0604020202020204" pitchFamily="34" charset="0"/>
                 <a:cs typeface="Microsoft Sans Serif" panose="020B0604020202020204" pitchFamily="34" charset="0"/>
@@ -6351,8 +9563,8 @@
         </p:nvSpPr>
         <p:spPr>
           <a:xfrm>
-            <a:off x="0" y="1066800"/>
-            <a:ext cx="9144000" cy="5638800"/>
+            <a:off x="0" y="914400"/>
+            <a:ext cx="8839200" cy="5791200"/>
           </a:xfrm>
         </p:spPr>
         <p:txBody>
@@ -6365,7 +9577,7 @@
               <a:buNone/>
             </a:pPr>
             <a:r>
-              <a:rPr lang="en-US" sz="2600" dirty="0">
+              <a:rPr lang="en-US" sz="2500" dirty="0">
                 <a:latin typeface="HP Simplified Hans Light" panose="020B0300000000000000" pitchFamily="34" charset="-122"/>
                 <a:ea typeface="HP Simplified Hans Light" panose="020B0300000000000000" pitchFamily="34" charset="-122"/>
               </a:rPr>
@@ -6377,14 +9589,14 @@
               <a:buAutoNum type="arabicPeriod"/>
             </a:pPr>
             <a:r>
-              <a:rPr lang="en-US" sz="2600" b="1" dirty="0">
+              <a:rPr lang="en-US" sz="2500" b="1" dirty="0">
                 <a:latin typeface="HP Simplified Hans Light" panose="020B0300000000000000" pitchFamily="34" charset="-122"/>
                 <a:ea typeface="HP Simplified Hans Light" panose="020B0300000000000000" pitchFamily="34" charset="-122"/>
               </a:rPr>
               <a:t>Data Types</a:t>
             </a:r>
             <a:r>
-              <a:rPr lang="en-US" sz="2600" dirty="0">
+              <a:rPr lang="en-US" sz="2500" dirty="0">
                 <a:latin typeface="HP Simplified Hans Light" panose="020B0300000000000000" pitchFamily="34" charset="-122"/>
                 <a:ea typeface="HP Simplified Hans Light" panose="020B0300000000000000" pitchFamily="34" charset="-122"/>
               </a:rPr>
@@ -6396,14 +9608,14 @@
               <a:buAutoNum type="arabicPeriod"/>
             </a:pPr>
             <a:r>
-              <a:rPr lang="en-US" sz="2600" b="1" dirty="0">
+              <a:rPr lang="en-US" sz="2500" b="1" dirty="0">
                 <a:latin typeface="HP Simplified Hans Light" panose="020B0300000000000000" pitchFamily="34" charset="-122"/>
                 <a:ea typeface="HP Simplified Hans Light" panose="020B0300000000000000" pitchFamily="34" charset="-122"/>
               </a:rPr>
               <a:t>Comments</a:t>
             </a:r>
             <a:r>
-              <a:rPr lang="en-US" sz="2600" dirty="0">
+              <a:rPr lang="en-US" sz="2500" dirty="0">
                 <a:latin typeface="HP Simplified Hans Light" panose="020B0300000000000000" pitchFamily="34" charset="-122"/>
                 <a:ea typeface="HP Simplified Hans Light" panose="020B0300000000000000" pitchFamily="34" charset="-122"/>
               </a:rPr>
@@ -6415,14 +9627,14 @@
               <a:buAutoNum type="arabicPeriod"/>
             </a:pPr>
             <a:r>
-              <a:rPr lang="en-US" sz="2600" b="1" dirty="0">
+              <a:rPr lang="en-US" sz="2500" b="1" dirty="0">
                 <a:latin typeface="HP Simplified Hans Light" panose="020B0300000000000000" pitchFamily="34" charset="-122"/>
                 <a:ea typeface="HP Simplified Hans Light" panose="020B0300000000000000" pitchFamily="34" charset="-122"/>
               </a:rPr>
               <a:t>Keywords</a:t>
             </a:r>
             <a:r>
-              <a:rPr lang="en-US" sz="2600" dirty="0">
+              <a:rPr lang="en-US" sz="2500" dirty="0">
                 <a:latin typeface="HP Simplified Hans Light" panose="020B0300000000000000" pitchFamily="34" charset="-122"/>
                 <a:ea typeface="HP Simplified Hans Light" panose="020B0300000000000000" pitchFamily="34" charset="-122"/>
               </a:rPr>
@@ -6434,14 +9646,14 @@
               <a:buAutoNum type="arabicPeriod"/>
             </a:pPr>
             <a:r>
-              <a:rPr lang="en-US" sz="2600" b="1" dirty="0">
+              <a:rPr lang="en-US" sz="2500" b="1" dirty="0">
                 <a:latin typeface="HP Simplified Hans Light" panose="020B0300000000000000" pitchFamily="34" charset="-122"/>
                 <a:ea typeface="HP Simplified Hans Light" panose="020B0300000000000000" pitchFamily="34" charset="-122"/>
               </a:rPr>
               <a:t>Identification of valid identifiers </a:t>
             </a:r>
             <a:r>
-              <a:rPr lang="en-US" sz="2600" dirty="0">
+              <a:rPr lang="en-US" sz="2500" dirty="0">
                 <a:latin typeface="HP Simplified Hans Light" panose="020B0300000000000000" pitchFamily="34" charset="-122"/>
                 <a:ea typeface="HP Simplified Hans Light" panose="020B0300000000000000" pitchFamily="34" charset="-122"/>
               </a:rPr>
@@ -6453,14 +9665,14 @@
               <a:buAutoNum type="arabicPeriod"/>
             </a:pPr>
             <a:r>
-              <a:rPr lang="en-US" sz="2600" b="1" dirty="0">
+              <a:rPr lang="en-US" sz="2500" b="1" dirty="0">
                 <a:latin typeface="HP Simplified Hans Light" panose="020B0300000000000000" pitchFamily="34" charset="-122"/>
                 <a:ea typeface="HP Simplified Hans Light" panose="020B0300000000000000" pitchFamily="34" charset="-122"/>
               </a:rPr>
               <a:t>Looping Constructs</a:t>
             </a:r>
             <a:r>
-              <a:rPr lang="en-US" sz="2600" dirty="0">
+              <a:rPr lang="en-US" sz="2500" dirty="0">
                 <a:latin typeface="HP Simplified Hans Light" panose="020B0300000000000000" pitchFamily="34" charset="-122"/>
                 <a:ea typeface="HP Simplified Hans Light" panose="020B0300000000000000" pitchFamily="34" charset="-122"/>
               </a:rPr>
@@ -6562,7 +9774,13 @@
       </p:grpSpPr>
       <p:sp>
         <p:nvSpPr>
-          <p:cNvPr id="2" name="Title 1"/>
+          <p:cNvPr id="2" name="Title 1">
+            <a:extLst>
+              <a:ext uri="{FF2B5EF4-FFF2-40B4-BE49-F238E27FC236}">
+                <a16:creationId xmlns:a16="http://schemas.microsoft.com/office/drawing/2014/main" id="{D78CFF30-24FA-568E-FA67-E9A3C31B22CB}"/>
+              </a:ext>
+            </a:extLst>
+          </p:cNvPr>
           <p:cNvSpPr>
             <a:spLocks noGrp="1"/>
           </p:cNvSpPr>
@@ -6572,35 +9790,35 @@
         </p:nvSpPr>
         <p:spPr>
           <a:xfrm>
-            <a:off x="0" y="304800"/>
-            <a:ext cx="8229600" cy="563562"/>
+            <a:off x="304800" y="452718"/>
+            <a:ext cx="7235290" cy="842682"/>
           </a:xfrm>
         </p:spPr>
         <p:txBody>
-          <a:bodyPr>
-            <a:normAutofit fontScale="90000"/>
-          </a:bodyPr>
+          <a:bodyPr/>
           <a:lstStyle/>
           <a:p>
-            <a:pPr algn="l"/>
-            <a:r>
-              <a:rPr lang="en-US" sz="4900" b="1" dirty="0">
+            <a:r>
+              <a:rPr lang="en-US" sz="4400" b="1" dirty="0">
                 <a:solidFill>
                   <a:srgbClr val="FF0000"/>
                 </a:solidFill>
               </a:rPr>
               <a:t>Introduction</a:t>
             </a:r>
-            <a:br>
-              <a:rPr lang="en-US" dirty="0"/>
-            </a:br>
-            <a:endParaRPr lang="en-US" dirty="0"/>
-          </a:p>
-        </p:txBody>
-      </p:sp>
-      <p:sp>
-        <p:nvSpPr>
-          <p:cNvPr id="3" name="Content Placeholder 2"/>
+            <a:endParaRPr lang="en-IN" dirty="0"/>
+          </a:p>
+        </p:txBody>
+      </p:sp>
+      <p:sp>
+        <p:nvSpPr>
+          <p:cNvPr id="3" name="Content Placeholder 2">
+            <a:extLst>
+              <a:ext uri="{FF2B5EF4-FFF2-40B4-BE49-F238E27FC236}">
+                <a16:creationId xmlns:a16="http://schemas.microsoft.com/office/drawing/2014/main" id="{90C8AC47-3165-EAE6-664D-EDA5FFC0E079}"/>
+              </a:ext>
+            </a:extLst>
+          </p:cNvPr>
           <p:cNvSpPr>
             <a:spLocks noGrp="1"/>
           </p:cNvSpPr>
@@ -6610,8 +9828,8 @@
         </p:nvSpPr>
         <p:spPr>
           <a:xfrm>
-            <a:off x="0" y="868362"/>
-            <a:ext cx="9144000" cy="5989638"/>
+            <a:off x="304800" y="1295400"/>
+            <a:ext cx="8305800" cy="5257799"/>
           </a:xfrm>
         </p:spPr>
         <p:txBody>
@@ -6635,7 +9853,7 @@
             <a:pPr>
               <a:buNone/>
             </a:pPr>
-            <a:endParaRPr lang="en-US" sz="1000" b="1" u="sng" dirty="0">
+            <a:endParaRPr lang="en-US" sz="800" b="1" u="sng" dirty="0">
               <a:latin typeface="HP Simplified Hans Light" panose="020B0300000000000000" pitchFamily="34" charset="-122"/>
               <a:ea typeface="HP Simplified Hans Light" panose="020B0300000000000000" pitchFamily="34" charset="-122"/>
             </a:endParaRPr>
@@ -6646,7 +9864,7 @@
               <a:buChar char="v"/>
             </a:pPr>
             <a:r>
-              <a:rPr lang="en-US" sz="2600" dirty="0">
+              <a:rPr lang="en-US" sz="2000" dirty="0">
                 <a:latin typeface="HP Simplified Hans Light" panose="020B0300000000000000" pitchFamily="34" charset="-122"/>
                 <a:ea typeface="HP Simplified Hans Light" panose="020B0300000000000000" pitchFamily="34" charset="-122"/>
               </a:rPr>
@@ -6659,7 +9877,7 @@
               <a:buChar char="v"/>
             </a:pPr>
             <a:r>
-              <a:rPr lang="en-US" sz="2600" dirty="0">
+              <a:rPr lang="en-US" sz="2000" dirty="0">
                 <a:latin typeface="HP Simplified Hans Light" panose="020B0300000000000000" pitchFamily="34" charset="-122"/>
                 <a:ea typeface="HP Simplified Hans Light" panose="020B0300000000000000" pitchFamily="34" charset="-122"/>
               </a:rPr>
@@ -6672,7 +9890,7 @@
               <a:buChar char="v"/>
             </a:pPr>
             <a:r>
-              <a:rPr lang="en-US" sz="2600" dirty="0">
+              <a:rPr lang="en-US" sz="2000" dirty="0">
                 <a:latin typeface="HP Simplified Hans Light" panose="020B0300000000000000" pitchFamily="34" charset="-122"/>
                 <a:ea typeface="HP Simplified Hans Light" panose="020B0300000000000000" pitchFamily="34" charset="-122"/>
               </a:rPr>
@@ -6685,7 +9903,7 @@
               <a:buChar char="v"/>
             </a:pPr>
             <a:r>
-              <a:rPr lang="en-US" sz="2600" dirty="0">
+              <a:rPr lang="en-US" sz="2000" dirty="0">
                 <a:latin typeface="HP Simplified Hans Light" panose="020B0300000000000000" pitchFamily="34" charset="-122"/>
                 <a:ea typeface="HP Simplified Hans Light" panose="020B0300000000000000" pitchFamily="34" charset="-122"/>
               </a:rPr>
@@ -6698,19 +9916,27 @@
               <a:buChar char="v"/>
             </a:pPr>
             <a:r>
-              <a:rPr lang="en-US" sz="2600" dirty="0">
+              <a:rPr lang="en-US" sz="2000" dirty="0">
                 <a:latin typeface="HP Simplified Hans Light" panose="020B0300000000000000" pitchFamily="34" charset="-122"/>
                 <a:ea typeface="HP Simplified Hans Light" panose="020B0300000000000000" pitchFamily="34" charset="-122"/>
               </a:rPr>
               <a:t>It keeps track of line numbers and associates error messages from various parts of a compiler with line numbers.</a:t>
             </a:r>
           </a:p>
+          <a:p>
+            <a:endParaRPr lang="en-IN" dirty="0"/>
+          </a:p>
         </p:txBody>
       </p:sp>
     </p:spTree>
+    <p:extLst>
+      <p:ext uri="{BB962C8B-B14F-4D97-AF65-F5344CB8AC3E}">
+        <p14:creationId xmlns:p14="http://schemas.microsoft.com/office/powerpoint/2010/main" val="54673487"/>
+      </p:ext>
+    </p:extLst>
   </p:cSld>
   <p:clrMapOvr>
-    <a:overrideClrMapping bg1="lt1" tx1="dk1" bg2="lt2" tx2="dk2" accent1="accent1" accent2="accent2" accent3="accent3" accent4="accent4" accent5="accent5" accent6="accent6" hlink="hlink" folHlink="folHlink"/>
+    <a:masterClrMapping/>
   </p:clrMapOvr>
 </p:sld>
 </file>
@@ -6758,7 +9984,7 @@
               <a:buNone/>
             </a:pPr>
             <a:r>
-              <a:rPr lang="en-US" sz="3000" b="1" u="sng" dirty="0">
+              <a:rPr lang="en-US" sz="3200" b="1" u="sng" dirty="0">
                 <a:latin typeface="Microsoft Sans Serif" panose="020B0604020202020204" pitchFamily="34" charset="0"/>
                 <a:ea typeface="Microsoft Sans Serif" panose="020B0604020202020204" pitchFamily="34" charset="0"/>
                 <a:cs typeface="Microsoft Sans Serif" panose="020B0604020202020204" pitchFamily="34" charset="0"/>
@@ -6778,21 +10004,21 @@
               <a:buChar char="v"/>
             </a:pPr>
             <a:r>
-              <a:rPr lang="en-US" sz="2600" dirty="0">
+              <a:rPr lang="en-US" sz="2500" dirty="0">
                 <a:latin typeface="HP Simplified Hans Light" panose="020B0300000000000000" pitchFamily="34" charset="-122"/>
                 <a:ea typeface="HP Simplified Hans Light" panose="020B0300000000000000" pitchFamily="34" charset="-122"/>
               </a:rPr>
               <a:t>FLEX (Fast </a:t>
             </a:r>
             <a:r>
-              <a:rPr lang="en-US" sz="2600" dirty="0" err="1">
+              <a:rPr lang="en-US" sz="2500" dirty="0" err="1">
                 <a:latin typeface="HP Simplified Hans Light" panose="020B0300000000000000" pitchFamily="34" charset="-122"/>
                 <a:ea typeface="HP Simplified Hans Light" panose="020B0300000000000000" pitchFamily="34" charset="-122"/>
               </a:rPr>
               <a:t>LEXical</a:t>
             </a:r>
             <a:r>
-              <a:rPr lang="en-US" sz="2600" dirty="0">
+              <a:rPr lang="en-US" sz="2500" dirty="0">
                 <a:latin typeface="HP Simplified Hans Light" panose="020B0300000000000000" pitchFamily="34" charset="-122"/>
                 <a:ea typeface="HP Simplified Hans Light" panose="020B0300000000000000" pitchFamily="34" charset="-122"/>
               </a:rPr>
@@ -6868,8 +10094,8 @@
         </p:nvSpPr>
         <p:spPr>
           <a:xfrm>
-            <a:off x="0" y="0"/>
-            <a:ext cx="8229600" cy="914400"/>
+            <a:off x="247650" y="76200"/>
+            <a:ext cx="7981950" cy="762000"/>
           </a:xfrm>
         </p:spPr>
         <p:txBody>
@@ -6880,7 +10106,7 @@
           <a:p>
             <a:pPr algn="l"/>
             <a:r>
-              <a:rPr lang="en-US" sz="3000" b="1" dirty="0">
+              <a:rPr lang="en-US" sz="3600" b="1" dirty="0">
                 <a:solidFill>
                   <a:srgbClr val="FF0000"/>
                 </a:solidFill>
@@ -6890,6 +10116,14 @@
               </a:rPr>
               <a:t>Implementation</a:t>
             </a:r>
+            <a:endParaRPr lang="en-US" sz="3000" b="1" dirty="0">
+              <a:solidFill>
+                <a:srgbClr val="FF0000"/>
+              </a:solidFill>
+              <a:latin typeface="Microsoft Sans Serif" panose="020B0604020202020204" pitchFamily="34" charset="0"/>
+              <a:ea typeface="Microsoft Sans Serif" panose="020B0604020202020204" pitchFamily="34" charset="0"/>
+              <a:cs typeface="Microsoft Sans Serif" panose="020B0604020202020204" pitchFamily="34" charset="0"/>
+            </a:endParaRPr>
           </a:p>
         </p:txBody>
       </p:sp>
@@ -6905,13 +10139,13 @@
         </p:nvSpPr>
         <p:spPr>
           <a:xfrm>
-            <a:off x="0" y="762000"/>
-            <a:ext cx="9144000" cy="6055824"/>
+            <a:off x="247650" y="914400"/>
+            <a:ext cx="8001000" cy="5943600"/>
           </a:xfrm>
         </p:spPr>
         <p:txBody>
           <a:bodyPr>
-            <a:normAutofit/>
+            <a:normAutofit lnSpcReduction="10000"/>
           </a:bodyPr>
           <a:lstStyle/>
           <a:p>
@@ -6920,7 +10154,7 @@
               <a:buChar char="v"/>
             </a:pPr>
             <a:r>
-              <a:rPr lang="en-US" sz="2600" dirty="0">
+              <a:rPr lang="en-US" sz="2500" dirty="0">
                 <a:latin typeface="HP Simplified Hans Light" panose="020B0300000000000000" pitchFamily="34" charset="-122"/>
                 <a:ea typeface="HP Simplified Hans Light" panose="020B0300000000000000" pitchFamily="34" charset="-122"/>
               </a:rPr>
@@ -6933,28 +10167,28 @@
               <a:buChar char="v"/>
             </a:pPr>
             <a:r>
-              <a:rPr lang="en-US" sz="2600" b="1" dirty="0">
+              <a:rPr lang="en-US" sz="2500" b="1" dirty="0">
                 <a:latin typeface="HP Simplified Hans Light" panose="020B0300000000000000" pitchFamily="34" charset="-122"/>
                 <a:ea typeface="HP Simplified Hans Light" panose="020B0300000000000000" pitchFamily="34" charset="-122"/>
               </a:rPr>
               <a:t>The </a:t>
             </a:r>
             <a:r>
-              <a:rPr lang="en-US" sz="2600" b="1" dirty="0" err="1">
+              <a:rPr lang="en-US" sz="2500" b="1" dirty="0" err="1">
                 <a:latin typeface="HP Simplified Hans Light" panose="020B0300000000000000" pitchFamily="34" charset="-122"/>
                 <a:ea typeface="HP Simplified Hans Light" panose="020B0300000000000000" pitchFamily="34" charset="-122"/>
               </a:rPr>
               <a:t>Regex</a:t>
             </a:r>
             <a:r>
-              <a:rPr lang="en-US" sz="2600" b="1" dirty="0">
+              <a:rPr lang="en-US" sz="2500" b="1" dirty="0">
                 <a:latin typeface="HP Simplified Hans Light" panose="020B0300000000000000" pitchFamily="34" charset="-122"/>
                 <a:ea typeface="HP Simplified Hans Light" panose="020B0300000000000000" pitchFamily="34" charset="-122"/>
               </a:rPr>
               <a:t> for Identifiers: </a:t>
             </a:r>
             <a:r>
-              <a:rPr lang="en-US" sz="2600" dirty="0">
+              <a:rPr lang="en-US" sz="2500" dirty="0">
                 <a:latin typeface="HP Simplified Hans Light" panose="020B0300000000000000" pitchFamily="34" charset="-122"/>
                 <a:ea typeface="HP Simplified Hans Light" panose="020B0300000000000000" pitchFamily="34" charset="-122"/>
               </a:rPr>
@@ -6966,7 +10200,7 @@
               <a:buNone/>
             </a:pPr>
             <a:r>
-              <a:rPr lang="en-US" sz="2600" dirty="0">
+              <a:rPr lang="en-US" sz="2500" dirty="0">
                 <a:latin typeface="HP Simplified Hans Light" panose="020B0300000000000000" pitchFamily="34" charset="-122"/>
                 <a:ea typeface="HP Simplified Hans Light" panose="020B0300000000000000" pitchFamily="34" charset="-122"/>
               </a:rPr>
@@ -6978,7 +10212,7 @@
               <a:buNone/>
             </a:pPr>
             <a:r>
-              <a:rPr lang="en-US" sz="2600" u="sng" dirty="0">
+              <a:rPr lang="en-US" sz="2500" u="sng" dirty="0">
                 <a:latin typeface="HP Simplified Hans Light" panose="020B0300000000000000" pitchFamily="34" charset="-122"/>
                 <a:ea typeface="HP Simplified Hans Light" panose="020B0300000000000000" pitchFamily="34" charset="-122"/>
               </a:rPr>
@@ -6990,7 +10224,7 @@
               <a:buNone/>
             </a:pPr>
             <a:r>
-              <a:rPr lang="en-US" sz="2600" dirty="0">
+              <a:rPr lang="en-US" sz="2500" dirty="0">
                 <a:latin typeface="HP Simplified Hans Light" panose="020B0300000000000000" pitchFamily="34" charset="-122"/>
                 <a:ea typeface="HP Simplified Hans Light" panose="020B0300000000000000" pitchFamily="34" charset="-122"/>
               </a:rPr>
@@ -7002,7 +10236,7 @@
               <a:buNone/>
             </a:pPr>
             <a:r>
-              <a:rPr lang="en-US" sz="2600" dirty="0">
+              <a:rPr lang="en-US" sz="2500" dirty="0">
                 <a:latin typeface="HP Simplified Hans Light" panose="020B0300000000000000" pitchFamily="34" charset="-122"/>
                 <a:ea typeface="HP Simplified Hans Light" panose="020B0300000000000000" pitchFamily="34" charset="-122"/>
               </a:rPr>
@@ -7014,7 +10248,7 @@
               <a:buNone/>
             </a:pPr>
             <a:r>
-              <a:rPr lang="en-US" sz="2600" dirty="0">
+              <a:rPr lang="en-US" sz="2500" dirty="0">
                 <a:latin typeface="HP Simplified Hans Light" panose="020B0300000000000000" pitchFamily="34" charset="-122"/>
                 <a:ea typeface="HP Simplified Hans Light" panose="020B0300000000000000" pitchFamily="34" charset="-122"/>
               </a:rPr>
@@ -7026,7 +10260,7 @@
               <a:buNone/>
             </a:pPr>
             <a:r>
-              <a:rPr lang="en-US" sz="2600" dirty="0">
+              <a:rPr lang="en-US" sz="2500" dirty="0">
                 <a:latin typeface="HP Simplified Hans Light" panose="020B0300000000000000" pitchFamily="34" charset="-122"/>
                 <a:ea typeface="HP Simplified Hans Light" panose="020B0300000000000000" pitchFamily="34" charset="-122"/>
               </a:rPr>
@@ -7044,9 +10278,9 @@
 </file>
 
 <file path=ppt/theme/theme1.xml><?xml version="1.0" encoding="utf-8"?>
-<a:theme xmlns:a="http://schemas.openxmlformats.org/drawingml/2006/main" name="Office Theme">
+<a:theme xmlns:a="http://schemas.openxmlformats.org/drawingml/2006/main" name="Ion">
   <a:themeElements>
-    <a:clrScheme name="Office">
+    <a:clrScheme name="Ion">
       <a:dk1>
         <a:sysClr val="windowText" lastClr="000000"/>
       </a:dk1>
@@ -7054,42 +10288,42 @@
         <a:sysClr val="window" lastClr="FFFFFF"/>
       </a:lt1>
       <a:dk2>
-        <a:srgbClr val="1F497D"/>
+        <a:srgbClr val="1E5155"/>
       </a:dk2>
       <a:lt2>
-        <a:srgbClr val="EEECE1"/>
+        <a:srgbClr val="EBEBEB"/>
       </a:lt2>
       <a:accent1>
-        <a:srgbClr val="4F81BD"/>
+        <a:srgbClr val="B01513"/>
       </a:accent1>
       <a:accent2>
-        <a:srgbClr val="C0504D"/>
+        <a:srgbClr val="EA6312"/>
       </a:accent2>
       <a:accent3>
-        <a:srgbClr val="9BBB59"/>
+        <a:srgbClr val="E6B729"/>
       </a:accent3>
       <a:accent4>
-        <a:srgbClr val="8064A2"/>
+        <a:srgbClr val="6AAC90"/>
       </a:accent4>
       <a:accent5>
-        <a:srgbClr val="4BACC6"/>
+        <a:srgbClr val="5F9C9D"/>
       </a:accent5>
       <a:accent6>
-        <a:srgbClr val="F79646"/>
+        <a:srgbClr val="9E5E9B"/>
       </a:accent6>
       <a:hlink>
-        <a:srgbClr val="0000FF"/>
+        <a:srgbClr val="58C1BA"/>
       </a:hlink>
       <a:folHlink>
-        <a:srgbClr val="800080"/>
+        <a:srgbClr val="9DD0CB"/>
       </a:folHlink>
     </a:clrScheme>
-    <a:fontScheme name="Office">
+    <a:fontScheme name="Ion">
       <a:majorFont>
-        <a:latin typeface="Calibri"/>
+        <a:latin typeface="Century Gothic" panose="020B0502020202020204"/>
         <a:ea typeface=""/>
         <a:cs typeface=""/>
-        <a:font script="Jpan" typeface="ＭＳ Ｐゴシック"/>
+        <a:font script="Jpan" typeface="メイリオ"/>
         <a:font script="Hang" typeface="맑은 고딕"/>
         <a:font script="Hans" typeface="宋体"/>
         <a:font script="Hant" typeface="新細明體"/>
@@ -7118,12 +10352,13 @@
         <a:font script="Mong" typeface="Mongolian Baiti"/>
         <a:font script="Viet" typeface="Times New Roman"/>
         <a:font script="Uigh" typeface="Microsoft Uighur"/>
+        <a:font script="Geor" typeface="Sylfaen"/>
       </a:majorFont>
       <a:minorFont>
-        <a:latin typeface="Calibri"/>
+        <a:latin typeface="Century Gothic" panose="020B0502020202020204"/>
         <a:ea typeface=""/>
         <a:cs typeface=""/>
-        <a:font script="Jpan" typeface="ＭＳ Ｐゴシック"/>
+        <a:font script="Jpan" typeface="メイリオ"/>
         <a:font script="Hang" typeface="맑은 고딕"/>
         <a:font script="Hans" typeface="宋体"/>
         <a:font script="Hant" typeface="新細明體"/>
@@ -7152,9 +10387,10 @@
         <a:font script="Mong" typeface="Mongolian Baiti"/>
         <a:font script="Viet" typeface="Arial"/>
         <a:font script="Uigh" typeface="Microsoft Uighur"/>
+        <a:font script="Geor" typeface="Sylfaen"/>
       </a:minorFont>
     </a:fontScheme>
-    <a:fmtScheme name="Office">
+    <a:fmtScheme name="Ion">
       <a:fillStyleLst>
         <a:solidFill>
           <a:schemeClr val="phClr"/>
@@ -7163,66 +10399,52 @@
           <a:gsLst>
             <a:gs pos="0">
               <a:schemeClr val="phClr">
-                <a:tint val="50000"/>
-                <a:satMod val="300000"/>
-              </a:schemeClr>
-            </a:gs>
-            <a:gs pos="35000">
-              <a:schemeClr val="phClr">
-                <a:tint val="37000"/>
-                <a:satMod val="300000"/>
+                <a:tint val="64000"/>
+                <a:lumMod val="118000"/>
               </a:schemeClr>
             </a:gs>
             <a:gs pos="100000">
               <a:schemeClr val="phClr">
-                <a:tint val="15000"/>
-                <a:satMod val="350000"/>
+                <a:tint val="92000"/>
+                <a:alpha val="100000"/>
+                <a:lumMod val="110000"/>
               </a:schemeClr>
             </a:gs>
           </a:gsLst>
-          <a:lin ang="16200000" scaled="1"/>
+          <a:lin ang="5400000" scaled="0"/>
         </a:gradFill>
         <a:gradFill rotWithShape="1">
           <a:gsLst>
             <a:gs pos="0">
               <a:schemeClr val="phClr">
-                <a:shade val="51000"/>
-                <a:satMod val="130000"/>
-              </a:schemeClr>
-            </a:gs>
-            <a:gs pos="80000">
-              <a:schemeClr val="phClr">
-                <a:shade val="93000"/>
-                <a:satMod val="130000"/>
+                <a:tint val="98000"/>
+                <a:lumMod val="114000"/>
               </a:schemeClr>
             </a:gs>
             <a:gs pos="100000">
               <a:schemeClr val="phClr">
-                <a:shade val="94000"/>
-                <a:satMod val="135000"/>
+                <a:shade val="90000"/>
+                <a:lumMod val="84000"/>
               </a:schemeClr>
             </a:gs>
           </a:gsLst>
-          <a:lin ang="16200000" scaled="0"/>
+          <a:lin ang="5400000" scaled="0"/>
         </a:gradFill>
       </a:fillStyleLst>
       <a:lnStyleLst>
-        <a:ln w="9525" cap="flat" cmpd="sng" algn="ctr">
-          <a:solidFill>
-            <a:schemeClr val="phClr">
-              <a:shade val="95000"/>
-              <a:satMod val="105000"/>
-            </a:schemeClr>
-          </a:solidFill>
-          <a:prstDash val="solid"/>
-        </a:ln>
-        <a:ln w="25400" cap="flat" cmpd="sng" algn="ctr">
+        <a:ln w="9525" cap="rnd" cmpd="sng" algn="ctr">
           <a:solidFill>
             <a:schemeClr val="phClr"/>
           </a:solidFill>
           <a:prstDash val="solid"/>
         </a:ln>
-        <a:ln w="38100" cap="flat" cmpd="sng" algn="ctr">
+        <a:ln w="19050" cap="rnd" cmpd="sng" algn="ctr">
+          <a:solidFill>
+            <a:schemeClr val="phClr"/>
+          </a:solidFill>
+          <a:prstDash val="solid"/>
+        </a:ln>
+        <a:ln w="28575" cap="rnd" cmpd="sng" algn="ctr">
           <a:solidFill>
             <a:schemeClr val="phClr"/>
           </a:solidFill>
@@ -7231,28 +10453,22 @@
       </a:lnStyleLst>
       <a:effectStyleLst>
         <a:effectStyle>
+          <a:effectLst/>
+        </a:effectStyle>
+        <a:effectStyle>
           <a:effectLst>
-            <a:outerShdw blurRad="40000" dist="20000" dir="5400000" rotWithShape="0">
+            <a:outerShdw blurRad="38100" dist="25400" dir="5400000" rotWithShape="0">
               <a:srgbClr val="000000">
-                <a:alpha val="38000"/>
+                <a:alpha val="45000"/>
               </a:srgbClr>
             </a:outerShdw>
           </a:effectLst>
         </a:effectStyle>
         <a:effectStyle>
           <a:effectLst>
-            <a:outerShdw blurRad="40000" dist="23000" dir="5400000" rotWithShape="0">
+            <a:outerShdw blurRad="63500" dist="38100" dir="5400000" rotWithShape="0">
               <a:srgbClr val="000000">
-                <a:alpha val="35000"/>
-              </a:srgbClr>
-            </a:outerShdw>
-          </a:effectLst>
-        </a:effectStyle>
-        <a:effectStyle>
-          <a:effectLst>
-            <a:outerShdw blurRad="40000" dist="23000" dir="5400000" rotWithShape="0">
-              <a:srgbClr val="000000">
-                <a:alpha val="35000"/>
+                <a:alpha val="60000"/>
               </a:srgbClr>
             </a:outerShdw>
           </a:effectLst>
@@ -7260,12 +10476,10 @@
             <a:camera prst="orthographicFront">
               <a:rot lat="0" lon="0" rev="0"/>
             </a:camera>
-            <a:lightRig rig="threePt" dir="t">
-              <a:rot lat="0" lon="0" rev="1200000"/>
-            </a:lightRig>
+            <a:lightRig rig="threePt" dir="tl"/>
           </a:scene3d>
-          <a:sp3d>
-            <a:bevelT w="63500" h="25400"/>
+          <a:sp3d prstMaterial="plastic">
+            <a:bevelT w="0" h="0"/>
           </a:sp3d>
         </a:effectStyle>
       </a:effectStyleLst>
@@ -7277,52 +10491,55 @@
           <a:gsLst>
             <a:gs pos="0">
               <a:schemeClr val="phClr">
-                <a:tint val="40000"/>
-                <a:satMod val="350000"/>
-              </a:schemeClr>
-            </a:gs>
-            <a:gs pos="40000">
-              <a:schemeClr val="phClr">
-                <a:tint val="45000"/>
-                <a:shade val="99000"/>
-                <a:satMod val="350000"/>
+                <a:tint val="97000"/>
+                <a:hueMod val="88000"/>
+                <a:satMod val="130000"/>
+                <a:lumMod val="124000"/>
               </a:schemeClr>
             </a:gs>
             <a:gs pos="100000">
               <a:schemeClr val="phClr">
-                <a:shade val="20000"/>
-                <a:satMod val="255000"/>
+                <a:tint val="96000"/>
+                <a:shade val="88000"/>
+                <a:hueMod val="108000"/>
+                <a:satMod val="164000"/>
+                <a:lumMod val="76000"/>
               </a:schemeClr>
             </a:gs>
           </a:gsLst>
           <a:path path="circle">
-            <a:fillToRect l="50000" t="-80000" r="50000" b="180000"/>
+            <a:fillToRect l="45000" t="65000" r="125000" b="100000"/>
           </a:path>
         </a:gradFill>
-        <a:gradFill rotWithShape="1">
-          <a:gsLst>
-            <a:gs pos="0">
+        <a:blipFill rotWithShape="1">
+          <a:blip xmlns:r="http://schemas.openxmlformats.org/officeDocument/2006/relationships" r:embed="rId1">
+            <a:duotone>
               <a:schemeClr val="phClr">
-                <a:tint val="80000"/>
-                <a:satMod val="300000"/>
+                <a:shade val="69000"/>
+                <a:hueMod val="108000"/>
+                <a:satMod val="164000"/>
+                <a:lumMod val="74000"/>
               </a:schemeClr>
-            </a:gs>
-            <a:gs pos="100000">
               <a:schemeClr val="phClr">
-                <a:shade val="30000"/>
-                <a:satMod val="200000"/>
+                <a:tint val="96000"/>
+                <a:hueMod val="88000"/>
+                <a:satMod val="140000"/>
+                <a:lumMod val="132000"/>
               </a:schemeClr>
-            </a:gs>
-          </a:gsLst>
-          <a:path path="circle">
-            <a:fillToRect l="50000" t="50000" r="50000" b="50000"/>
-          </a:path>
-        </a:gradFill>
+            </a:duotone>
+          </a:blip>
+          <a:stretch/>
+        </a:blipFill>
       </a:bgFillStyleLst>
     </a:fmtScheme>
   </a:themeElements>
   <a:objectDefaults/>
   <a:extraClrSchemeLst/>
+  <a:extLst>
+    <a:ext uri="{05A4C25C-085E-4340-85A3-A5531E510DB2}">
+      <thm15:themeFamily xmlns:thm15="http://schemas.microsoft.com/office/thememl/2012/main" name="Ion" id="{B8441ADB-2E43-4AF7-B97A-BD870242C6A8}" vid="{292E63A9-BB86-4E3D-B92A-7223C6510D2E}"/>
+    </a:ext>
+  </a:extLst>
 </a:theme>
 </file>
 
@@ -7619,90 +10836,4 @@
     </a:ext>
   </a:extLst>
 </a:theme>
-</file>
-
-<file path=ppt/theme/themeOverride1.xml><?xml version="1.0" encoding="utf-8"?>
-<a:themeOverride xmlns:a="http://schemas.openxmlformats.org/drawingml/2006/main">
-  <a:clrScheme name="Office">
-    <a:dk1>
-      <a:sysClr val="windowText" lastClr="000000"/>
-    </a:dk1>
-    <a:lt1>
-      <a:sysClr val="window" lastClr="FFFFFF"/>
-    </a:lt1>
-    <a:dk2>
-      <a:srgbClr val="1F497D"/>
-    </a:dk2>
-    <a:lt2>
-      <a:srgbClr val="EEECE1"/>
-    </a:lt2>
-    <a:accent1>
-      <a:srgbClr val="4F81BD"/>
-    </a:accent1>
-    <a:accent2>
-      <a:srgbClr val="C0504D"/>
-    </a:accent2>
-    <a:accent3>
-      <a:srgbClr val="9BBB59"/>
-    </a:accent3>
-    <a:accent4>
-      <a:srgbClr val="8064A2"/>
-    </a:accent4>
-    <a:accent5>
-      <a:srgbClr val="4BACC6"/>
-    </a:accent5>
-    <a:accent6>
-      <a:srgbClr val="F79646"/>
-    </a:accent6>
-    <a:hlink>
-      <a:srgbClr val="0000FF"/>
-    </a:hlink>
-    <a:folHlink>
-      <a:srgbClr val="800080"/>
-    </a:folHlink>
-  </a:clrScheme>
-</a:themeOverride>
-</file>
-
-<file path=ppt/theme/themeOverride2.xml><?xml version="1.0" encoding="utf-8"?>
-<a:themeOverride xmlns:a="http://schemas.openxmlformats.org/drawingml/2006/main">
-  <a:clrScheme name="Office">
-    <a:dk1>
-      <a:sysClr val="windowText" lastClr="000000"/>
-    </a:dk1>
-    <a:lt1>
-      <a:sysClr val="window" lastClr="FFFFFF"/>
-    </a:lt1>
-    <a:dk2>
-      <a:srgbClr val="1F497D"/>
-    </a:dk2>
-    <a:lt2>
-      <a:srgbClr val="EEECE1"/>
-    </a:lt2>
-    <a:accent1>
-      <a:srgbClr val="4F81BD"/>
-    </a:accent1>
-    <a:accent2>
-      <a:srgbClr val="C0504D"/>
-    </a:accent2>
-    <a:accent3>
-      <a:srgbClr val="9BBB59"/>
-    </a:accent3>
-    <a:accent4>
-      <a:srgbClr val="8064A2"/>
-    </a:accent4>
-    <a:accent5>
-      <a:srgbClr val="4BACC6"/>
-    </a:accent5>
-    <a:accent6>
-      <a:srgbClr val="F79646"/>
-    </a:accent6>
-    <a:hlink>
-      <a:srgbClr val="0000FF"/>
-    </a:hlink>
-    <a:folHlink>
-      <a:srgbClr val="800080"/>
-    </a:folHlink>
-  </a:clrScheme>
-</a:themeOverride>
 </file>
--- a/Report.pptx
+++ b/Report.pptx
@@ -9337,8 +9337,8 @@
         </p:nvSpPr>
         <p:spPr>
           <a:xfrm>
-            <a:off x="152400" y="0"/>
-            <a:ext cx="8077200" cy="914400"/>
+            <a:off x="152400" y="152400"/>
+            <a:ext cx="8077200" cy="762000"/>
           </a:xfrm>
         </p:spPr>
         <p:txBody>
@@ -9353,7 +9353,7 @@
               </a:spcBef>
             </a:pPr>
             <a:r>
-              <a:rPr lang="en-US" sz="3200" b="1" u="sng" dirty="0">
+              <a:rPr lang="en-US" sz="3500" b="1" u="sng" dirty="0">
                 <a:latin typeface="Microsoft Sans Serif" panose="020B0604020202020204" pitchFamily="34" charset="0"/>
                 <a:ea typeface="Microsoft Sans Serif" panose="020B0604020202020204" pitchFamily="34" charset="0"/>
                 <a:cs typeface="Microsoft Sans Serif" panose="020B0604020202020204" pitchFamily="34" charset="0"/>
@@ -9393,7 +9393,7 @@
               <a:buChar char="v"/>
             </a:pPr>
             <a:r>
-              <a:rPr lang="en-US" sz="2800" dirty="0">
+              <a:rPr lang="en-US" sz="2500" dirty="0">
                 <a:latin typeface="HP Simplified Hans Light" panose="020B0300000000000000" pitchFamily="34" charset="-122"/>
                 <a:ea typeface="HP Simplified Hans Light" panose="020B0300000000000000" pitchFamily="34" charset="-122"/>
               </a:rPr>
@@ -9408,7 +9408,7 @@
               <a:buAutoNum type="arabicPeriod"/>
             </a:pPr>
             <a:r>
-              <a:rPr lang="en-US" sz="2800" b="1" dirty="0">
+              <a:rPr lang="en-US" sz="2500" b="1" dirty="0">
                 <a:latin typeface="HP Simplified Hans Light" panose="020B0300000000000000" pitchFamily="34" charset="-122"/>
                 <a:ea typeface="HP Simplified Hans Light" panose="020B0300000000000000" pitchFamily="34" charset="-122"/>
               </a:rPr>
@@ -9423,7 +9423,7 @@
               <a:buAutoNum type="arabicPeriod"/>
             </a:pPr>
             <a:r>
-              <a:rPr lang="en-US" sz="2800" b="1" dirty="0">
+              <a:rPr lang="en-US" sz="2500" b="1" dirty="0">
                 <a:latin typeface="HP Simplified Hans Light" panose="020B0300000000000000" pitchFamily="34" charset="-122"/>
                 <a:ea typeface="HP Simplified Hans Light" panose="020B0300000000000000" pitchFamily="34" charset="-122"/>
               </a:rPr>
@@ -9438,7 +9438,7 @@
               <a:buAutoNum type="arabicPeriod"/>
             </a:pPr>
             <a:r>
-              <a:rPr lang="en-US" sz="2800" b="1" dirty="0">
+              <a:rPr lang="en-US" sz="2500" b="1" dirty="0">
                 <a:latin typeface="HP Simplified Hans Light" panose="020B0300000000000000" pitchFamily="34" charset="-122"/>
                 <a:ea typeface="HP Simplified Hans Light" panose="020B0300000000000000" pitchFamily="34" charset="-122"/>
               </a:rPr>
@@ -9453,7 +9453,7 @@
               <a:buAutoNum type="arabicPeriod"/>
             </a:pPr>
             <a:r>
-              <a:rPr lang="en-US" sz="2800" b="1" dirty="0">
+              <a:rPr lang="en-US" sz="2500" b="1" dirty="0">
                 <a:latin typeface="HP Simplified Hans Light" panose="020B0300000000000000" pitchFamily="34" charset="-122"/>
                 <a:ea typeface="HP Simplified Hans Light" panose="020B0300000000000000" pitchFamily="34" charset="-122"/>
               </a:rPr>
@@ -9468,7 +9468,7 @@
               <a:buAutoNum type="arabicPeriod"/>
             </a:pPr>
             <a:r>
-              <a:rPr lang="en-US" sz="2800" b="1" dirty="0">
+              <a:rPr lang="en-US" sz="2500" b="1" dirty="0">
                 <a:latin typeface="HP Simplified Hans Light" panose="020B0300000000000000" pitchFamily="34" charset="-122"/>
                 <a:ea typeface="HP Simplified Hans Light" panose="020B0300000000000000" pitchFamily="34" charset="-122"/>
               </a:rPr>
@@ -9483,7 +9483,7 @@
               <a:buAutoNum type="arabicPeriod"/>
             </a:pPr>
             <a:r>
-              <a:rPr lang="en-US" sz="2800" b="1" dirty="0">
+              <a:rPr lang="en-US" sz="2500" b="1" dirty="0">
                 <a:latin typeface="HP Simplified Hans Light" panose="020B0300000000000000" pitchFamily="34" charset="-122"/>
                 <a:ea typeface="HP Simplified Hans Light" panose="020B0300000000000000" pitchFamily="34" charset="-122"/>
               </a:rPr>
@@ -9529,8 +9529,8 @@
         </p:nvSpPr>
         <p:spPr>
           <a:xfrm>
-            <a:off x="0" y="0"/>
-            <a:ext cx="7696200" cy="685800"/>
+            <a:off x="-14654" y="266700"/>
+            <a:ext cx="7543800" cy="685800"/>
           </a:xfrm>
         </p:spPr>
         <p:txBody>
@@ -9563,8 +9563,8 @@
         </p:nvSpPr>
         <p:spPr>
           <a:xfrm>
-            <a:off x="0" y="914400"/>
-            <a:ext cx="8839200" cy="5791200"/>
+            <a:off x="0" y="1219200"/>
+            <a:ext cx="8839200" cy="5029200"/>
           </a:xfrm>
         </p:spPr>
         <p:txBody>
@@ -9581,7 +9581,14 @@
                 <a:latin typeface="HP Simplified Hans Light" panose="020B0300000000000000" pitchFamily="34" charset="-122"/>
                 <a:ea typeface="HP Simplified Hans Light" panose="020B0300000000000000" pitchFamily="34" charset="-122"/>
               </a:rPr>
-              <a:t>	This project contains the implementation of the lexical analyzer phase of the C compiler. In our lexical analyzer we have implemented the following functionalities:-</a:t>
+              <a:t>	</a:t>
+            </a:r>
+            <a:r>
+              <a:rPr lang="en-US" sz="2400" dirty="0">
+                <a:latin typeface="HP Simplified Hans Light" panose="020B0300000000000000" pitchFamily="34" charset="-122"/>
+                <a:ea typeface="HP Simplified Hans Light" panose="020B0300000000000000" pitchFamily="34" charset="-122"/>
+              </a:rPr>
+              <a:t>This project contains the implementation of the lexical analyzer phase of the C compiler. In our lexical analyzer we have implemented the following functionalities:-</a:t>
             </a:r>
           </a:p>
           <a:p>
@@ -9589,14 +9596,14 @@
               <a:buAutoNum type="arabicPeriod"/>
             </a:pPr>
             <a:r>
-              <a:rPr lang="en-US" sz="2500" b="1" dirty="0">
+              <a:rPr lang="en-US" sz="2400" b="1" dirty="0">
                 <a:latin typeface="HP Simplified Hans Light" panose="020B0300000000000000" pitchFamily="34" charset="-122"/>
                 <a:ea typeface="HP Simplified Hans Light" panose="020B0300000000000000" pitchFamily="34" charset="-122"/>
               </a:rPr>
               <a:t>Data Types</a:t>
             </a:r>
             <a:r>
-              <a:rPr lang="en-US" sz="2500" dirty="0">
+              <a:rPr lang="en-US" sz="2400" dirty="0">
                 <a:latin typeface="HP Simplified Hans Light" panose="020B0300000000000000" pitchFamily="34" charset="-122"/>
                 <a:ea typeface="HP Simplified Hans Light" panose="020B0300000000000000" pitchFamily="34" charset="-122"/>
               </a:rPr>
@@ -9608,14 +9615,14 @@
               <a:buAutoNum type="arabicPeriod"/>
             </a:pPr>
             <a:r>
-              <a:rPr lang="en-US" sz="2500" b="1" dirty="0">
+              <a:rPr lang="en-US" sz="2400" b="1" dirty="0">
                 <a:latin typeface="HP Simplified Hans Light" panose="020B0300000000000000" pitchFamily="34" charset="-122"/>
                 <a:ea typeface="HP Simplified Hans Light" panose="020B0300000000000000" pitchFamily="34" charset="-122"/>
               </a:rPr>
               <a:t>Comments</a:t>
             </a:r>
             <a:r>
-              <a:rPr lang="en-US" sz="2500" dirty="0">
+              <a:rPr lang="en-US" sz="2400" dirty="0">
                 <a:latin typeface="HP Simplified Hans Light" panose="020B0300000000000000" pitchFamily="34" charset="-122"/>
                 <a:ea typeface="HP Simplified Hans Light" panose="020B0300000000000000" pitchFamily="34" charset="-122"/>
               </a:rPr>
@@ -9627,14 +9634,14 @@
               <a:buAutoNum type="arabicPeriod"/>
             </a:pPr>
             <a:r>
-              <a:rPr lang="en-US" sz="2500" b="1" dirty="0">
+              <a:rPr lang="en-US" sz="2400" b="1" dirty="0">
                 <a:latin typeface="HP Simplified Hans Light" panose="020B0300000000000000" pitchFamily="34" charset="-122"/>
                 <a:ea typeface="HP Simplified Hans Light" panose="020B0300000000000000" pitchFamily="34" charset="-122"/>
               </a:rPr>
               <a:t>Keywords</a:t>
             </a:r>
             <a:r>
-              <a:rPr lang="en-US" sz="2500" dirty="0">
+              <a:rPr lang="en-US" sz="2400" dirty="0">
                 <a:latin typeface="HP Simplified Hans Light" panose="020B0300000000000000" pitchFamily="34" charset="-122"/>
                 <a:ea typeface="HP Simplified Hans Light" panose="020B0300000000000000" pitchFamily="34" charset="-122"/>
               </a:rPr>
@@ -9646,14 +9653,14 @@
               <a:buAutoNum type="arabicPeriod"/>
             </a:pPr>
             <a:r>
-              <a:rPr lang="en-US" sz="2500" b="1" dirty="0">
+              <a:rPr lang="en-US" sz="2400" b="1" dirty="0">
                 <a:latin typeface="HP Simplified Hans Light" panose="020B0300000000000000" pitchFamily="34" charset="-122"/>
                 <a:ea typeface="HP Simplified Hans Light" panose="020B0300000000000000" pitchFamily="34" charset="-122"/>
               </a:rPr>
               <a:t>Identification of valid identifiers </a:t>
             </a:r>
             <a:r>
-              <a:rPr lang="en-US" sz="2500" dirty="0">
+              <a:rPr lang="en-US" sz="2400" dirty="0">
                 <a:latin typeface="HP Simplified Hans Light" panose="020B0300000000000000" pitchFamily="34" charset="-122"/>
                 <a:ea typeface="HP Simplified Hans Light" panose="020B0300000000000000" pitchFamily="34" charset="-122"/>
               </a:rPr>
@@ -9665,14 +9672,14 @@
               <a:buAutoNum type="arabicPeriod"/>
             </a:pPr>
             <a:r>
-              <a:rPr lang="en-US" sz="2500" b="1" dirty="0">
+              <a:rPr lang="en-US" sz="2400" b="1" dirty="0">
                 <a:latin typeface="HP Simplified Hans Light" panose="020B0300000000000000" pitchFamily="34" charset="-122"/>
                 <a:ea typeface="HP Simplified Hans Light" panose="020B0300000000000000" pitchFamily="34" charset="-122"/>
               </a:rPr>
               <a:t>Looping Constructs</a:t>
             </a:r>
             <a:r>
-              <a:rPr lang="en-US" sz="2500" dirty="0">
+              <a:rPr lang="en-US" sz="2400" dirty="0">
                 <a:latin typeface="HP Simplified Hans Light" panose="020B0300000000000000" pitchFamily="34" charset="-122"/>
                 <a:ea typeface="HP Simplified Hans Light" panose="020B0300000000000000" pitchFamily="34" charset="-122"/>
               </a:rPr>

--- a/Report.pptx
+++ b/Report.pptx
@@ -7764,8 +7764,8 @@
         </p:nvSpPr>
         <p:spPr>
           <a:xfrm>
-            <a:off x="-6927" y="0"/>
-            <a:ext cx="9144000" cy="6858000"/>
+            <a:off x="-6927" y="762000"/>
+            <a:ext cx="9144000" cy="6096000"/>
           </a:xfrm>
         </p:spPr>
         <p:txBody>
@@ -7785,7 +7785,7 @@
               <a:buNone/>
             </a:pPr>
             <a:r>
-              <a:rPr lang="en-US" sz="3000" dirty="0">
+              <a:rPr lang="en-US" sz="2700" dirty="0">
                 <a:latin typeface="HP Simplified Hans Light" panose="020B0300000000000000" pitchFamily="34" charset="-122"/>
                 <a:ea typeface="HP Simplified Hans Light" panose="020B0300000000000000" pitchFamily="34" charset="-122"/>
               </a:rPr>
@@ -7798,7 +7798,7 @@
               <a:buAutoNum type="arabicPeriod"/>
             </a:pPr>
             <a:r>
-              <a:rPr lang="en-US" sz="3000" dirty="0">
+              <a:rPr lang="en-US" sz="2700" dirty="0">
                 <a:latin typeface="HP Simplified Hans Light" panose="020B0300000000000000" pitchFamily="34" charset="-122"/>
                 <a:ea typeface="HP Simplified Hans Light" panose="020B0300000000000000" pitchFamily="34" charset="-122"/>
               </a:rPr>
@@ -7811,7 +7811,7 @@
               <a:buAutoNum type="arabicPeriod"/>
             </a:pPr>
             <a:r>
-              <a:rPr lang="en-US" sz="3000" dirty="0">
+              <a:rPr lang="en-US" sz="2700" dirty="0">
                 <a:latin typeface="HP Simplified Hans Light" panose="020B0300000000000000" pitchFamily="34" charset="-122"/>
                 <a:ea typeface="HP Simplified Hans Light" panose="020B0300000000000000" pitchFamily="34" charset="-122"/>
               </a:rPr>
@@ -7824,7 +7824,7 @@
               <a:buAutoNum type="arabicPeriod"/>
             </a:pPr>
             <a:r>
-              <a:rPr lang="en-US" sz="3000" dirty="0">
+              <a:rPr lang="en-US" sz="2700" dirty="0">
                 <a:latin typeface="HP Simplified Hans Light" panose="020B0300000000000000" pitchFamily="34" charset="-122"/>
                 <a:ea typeface="HP Simplified Hans Light" panose="020B0300000000000000" pitchFamily="34" charset="-122"/>
               </a:rPr>
@@ -7837,7 +7837,7 @@
               <a:buAutoNum type="arabicPeriod"/>
             </a:pPr>
             <a:r>
-              <a:rPr lang="en-US" sz="3000" dirty="0">
+              <a:rPr lang="en-US" sz="2700" dirty="0">
                 <a:latin typeface="HP Simplified Hans Light" panose="020B0300000000000000" pitchFamily="34" charset="-122"/>
                 <a:ea typeface="HP Simplified Hans Light" panose="020B0300000000000000" pitchFamily="34" charset="-122"/>
               </a:rPr>
@@ -7847,7 +7847,7 @@
           <a:p>
             <a:pPr marL="514350" indent="-514350"/>
             <a:r>
-              <a:rPr lang="en-US" sz="3000" dirty="0">
+              <a:rPr lang="en-US" sz="2700" dirty="0">
                 <a:latin typeface="HP Simplified Hans Light" panose="020B0300000000000000" pitchFamily="34" charset="-122"/>
                 <a:ea typeface="HP Simplified Hans Light" panose="020B0300000000000000" pitchFamily="34" charset="-122"/>
               </a:rPr>
@@ -7857,7 +7857,7 @@
           <a:p>
             <a:pPr marL="514350" indent="-514350"/>
             <a:r>
-              <a:rPr lang="en-US" sz="3000" dirty="0">
+              <a:rPr lang="en-US" sz="2700" dirty="0">
                 <a:latin typeface="HP Simplified Hans Light" panose="020B0300000000000000" pitchFamily="34" charset="-122"/>
                 <a:ea typeface="HP Simplified Hans Light" panose="020B0300000000000000" pitchFamily="34" charset="-122"/>
               </a:rPr>
@@ -7969,8 +7969,8 @@
         </p:nvSpPr>
         <p:spPr>
           <a:xfrm>
-            <a:off x="0" y="0"/>
-            <a:ext cx="8610600" cy="6858000"/>
+            <a:off x="0" y="228600"/>
+            <a:ext cx="8610600" cy="6553200"/>
           </a:xfrm>
         </p:spPr>
         <p:txBody>
@@ -8022,7 +8022,7 @@
               <a:buNone/>
             </a:pPr>
             <a:r>
-              <a:rPr lang="en-US" sz="2600" b="1" dirty="0">
+              <a:rPr lang="en-US" sz="2800" b="1" dirty="0">
                 <a:latin typeface="Microsoft Sans Serif" panose="020B0604020202020204" pitchFamily="34" charset="0"/>
                 <a:ea typeface="Microsoft Sans Serif" panose="020B0604020202020204" pitchFamily="34" charset="0"/>
                 <a:cs typeface="Microsoft Sans Serif" panose="020B0604020202020204" pitchFamily="34" charset="0"/>
@@ -8047,14 +8047,14 @@
             <a:pPr marL="0" indent="0">
               <a:buNone/>
             </a:pPr>
-            <a:endParaRPr lang="en-US" sz="2100" dirty="0"/>
+            <a:endParaRPr lang="en-US" sz="1000" dirty="0"/>
           </a:p>
           <a:p>
             <a:pPr>
               <a:buNone/>
             </a:pPr>
             <a:r>
-              <a:rPr lang="en-US" sz="2600" b="1" dirty="0">
+              <a:rPr lang="en-US" sz="2800" b="1" dirty="0">
                 <a:latin typeface="Microsoft Sans Serif" panose="020B0604020202020204" pitchFamily="34" charset="0"/>
                 <a:ea typeface="Microsoft Sans Serif" panose="020B0604020202020204" pitchFamily="34" charset="0"/>
                 <a:cs typeface="Microsoft Sans Serif" panose="020B0604020202020204" pitchFamily="34" charset="0"/>
@@ -9202,7 +9202,7 @@
         </p:spPr>
         <p:txBody>
           <a:bodyPr>
-            <a:normAutofit fontScale="92500" lnSpcReduction="20000"/>
+            <a:normAutofit fontScale="92500"/>
           </a:bodyPr>
           <a:lstStyle/>
           <a:p>
@@ -9214,7 +9214,7 @@
               <a:buChar char="v"/>
             </a:pPr>
             <a:r>
-              <a:rPr lang="en-US" sz="2600" dirty="0">
+              <a:rPr lang="en-US" sz="2400" dirty="0">
                 <a:latin typeface="HP Simplified Hans Light" panose="020B0300000000000000" pitchFamily="34" charset="-122"/>
                 <a:ea typeface="HP Simplified Hans Light" panose="020B0300000000000000" pitchFamily="34" charset="-122"/>
               </a:rPr>
@@ -9230,7 +9230,7 @@
               <a:buChar char="v"/>
             </a:pPr>
             <a:r>
-              <a:rPr lang="en-US" sz="2600" dirty="0">
+              <a:rPr lang="en-US" sz="2400" dirty="0">
                 <a:latin typeface="HP Simplified Hans Light" panose="020B0300000000000000" pitchFamily="34" charset="-122"/>
                 <a:ea typeface="HP Simplified Hans Light" panose="020B0300000000000000" pitchFamily="34" charset="-122"/>
               </a:rPr>
@@ -9246,7 +9246,7 @@
               <a:buChar char="v"/>
             </a:pPr>
             <a:r>
-              <a:rPr lang="en-US" sz="2600" dirty="0">
+              <a:rPr lang="en-US" sz="2400" dirty="0">
                 <a:latin typeface="HP Simplified Hans Light" panose="020B0300000000000000" pitchFamily="34" charset="-122"/>
                 <a:ea typeface="HP Simplified Hans Light" panose="020B0300000000000000" pitchFamily="34" charset="-122"/>
               </a:rPr>
@@ -9262,7 +9262,7 @@
               <a:buChar char="v"/>
             </a:pPr>
             <a:r>
-              <a:rPr lang="en-US" sz="2600" dirty="0">
+              <a:rPr lang="en-US" sz="2400" dirty="0">
                 <a:latin typeface="HP Simplified Hans Light" panose="020B0300000000000000" pitchFamily="34" charset="-122"/>
                 <a:ea typeface="HP Simplified Hans Light" panose="020B0300000000000000" pitchFamily="34" charset="-122"/>
               </a:rPr>
@@ -9278,7 +9278,7 @@
               <a:buChar char="v"/>
             </a:pPr>
             <a:r>
-              <a:rPr lang="en-US" sz="2600" dirty="0">
+              <a:rPr lang="en-US" sz="2400" dirty="0">
                 <a:latin typeface="HP Simplified Hans Light" panose="020B0300000000000000" pitchFamily="34" charset="-122"/>
                 <a:ea typeface="HP Simplified Hans Light" panose="020B0300000000000000" pitchFamily="34" charset="-122"/>
               </a:rPr>
@@ -10152,7 +10152,7 @@
         </p:spPr>
         <p:txBody>
           <a:bodyPr>
-            <a:normAutofit lnSpcReduction="10000"/>
+            <a:normAutofit/>
           </a:bodyPr>
           <a:lstStyle/>
           <a:p>
@@ -10161,7 +10161,7 @@
               <a:buChar char="v"/>
             </a:pPr>
             <a:r>
-              <a:rPr lang="en-US" sz="2500" dirty="0">
+              <a:rPr lang="en-US" sz="2400" dirty="0">
                 <a:latin typeface="HP Simplified Hans Light" panose="020B0300000000000000" pitchFamily="34" charset="-122"/>
                 <a:ea typeface="HP Simplified Hans Light" panose="020B0300000000000000" pitchFamily="34" charset="-122"/>
               </a:rPr>
@@ -10174,28 +10174,28 @@
               <a:buChar char="v"/>
             </a:pPr>
             <a:r>
-              <a:rPr lang="en-US" sz="2500" b="1" dirty="0">
+              <a:rPr lang="en-US" sz="2400" b="1" dirty="0">
                 <a:latin typeface="HP Simplified Hans Light" panose="020B0300000000000000" pitchFamily="34" charset="-122"/>
                 <a:ea typeface="HP Simplified Hans Light" panose="020B0300000000000000" pitchFamily="34" charset="-122"/>
               </a:rPr>
               <a:t>The </a:t>
             </a:r>
             <a:r>
-              <a:rPr lang="en-US" sz="2500" b="1" dirty="0" err="1">
+              <a:rPr lang="en-US" sz="2400" b="1" dirty="0" err="1">
                 <a:latin typeface="HP Simplified Hans Light" panose="020B0300000000000000" pitchFamily="34" charset="-122"/>
                 <a:ea typeface="HP Simplified Hans Light" panose="020B0300000000000000" pitchFamily="34" charset="-122"/>
               </a:rPr>
               <a:t>Regex</a:t>
             </a:r>
             <a:r>
-              <a:rPr lang="en-US" sz="2500" b="1" dirty="0">
+              <a:rPr lang="en-US" sz="2400" b="1" dirty="0">
                 <a:latin typeface="HP Simplified Hans Light" panose="020B0300000000000000" pitchFamily="34" charset="-122"/>
                 <a:ea typeface="HP Simplified Hans Light" panose="020B0300000000000000" pitchFamily="34" charset="-122"/>
               </a:rPr>
               <a:t> for Identifiers: </a:t>
             </a:r>
             <a:r>
-              <a:rPr lang="en-US" sz="2500" dirty="0">
+              <a:rPr lang="en-US" sz="2400" dirty="0">
                 <a:latin typeface="HP Simplified Hans Light" panose="020B0300000000000000" pitchFamily="34" charset="-122"/>
                 <a:ea typeface="HP Simplified Hans Light" panose="020B0300000000000000" pitchFamily="34" charset="-122"/>
               </a:rPr>
@@ -10207,7 +10207,7 @@
               <a:buNone/>
             </a:pPr>
             <a:r>
-              <a:rPr lang="en-US" sz="2500" dirty="0">
+              <a:rPr lang="en-US" sz="2400" dirty="0">
                 <a:latin typeface="HP Simplified Hans Light" panose="020B0300000000000000" pitchFamily="34" charset="-122"/>
                 <a:ea typeface="HP Simplified Hans Light" panose="020B0300000000000000" pitchFamily="34" charset="-122"/>
               </a:rPr>
@@ -10219,7 +10219,7 @@
               <a:buNone/>
             </a:pPr>
             <a:r>
-              <a:rPr lang="en-US" sz="2500" u="sng" dirty="0">
+              <a:rPr lang="en-US" sz="2400" u="sng" dirty="0">
                 <a:latin typeface="HP Simplified Hans Light" panose="020B0300000000000000" pitchFamily="34" charset="-122"/>
                 <a:ea typeface="HP Simplified Hans Light" panose="020B0300000000000000" pitchFamily="34" charset="-122"/>
               </a:rPr>
@@ -10231,7 +10231,7 @@
               <a:buNone/>
             </a:pPr>
             <a:r>
-              <a:rPr lang="en-US" sz="2500" dirty="0">
+              <a:rPr lang="en-US" sz="2400" dirty="0">
                 <a:latin typeface="HP Simplified Hans Light" panose="020B0300000000000000" pitchFamily="34" charset="-122"/>
                 <a:ea typeface="HP Simplified Hans Light" panose="020B0300000000000000" pitchFamily="34" charset="-122"/>
               </a:rPr>
@@ -10243,7 +10243,7 @@
               <a:buNone/>
             </a:pPr>
             <a:r>
-              <a:rPr lang="en-US" sz="2500" dirty="0">
+              <a:rPr lang="en-US" sz="2400" dirty="0">
                 <a:latin typeface="HP Simplified Hans Light" panose="020B0300000000000000" pitchFamily="34" charset="-122"/>
                 <a:ea typeface="HP Simplified Hans Light" panose="020B0300000000000000" pitchFamily="34" charset="-122"/>
               </a:rPr>
@@ -10255,7 +10255,7 @@
               <a:buNone/>
             </a:pPr>
             <a:r>
-              <a:rPr lang="en-US" sz="2500" dirty="0">
+              <a:rPr lang="en-US" sz="2400" dirty="0">
                 <a:latin typeface="HP Simplified Hans Light" panose="020B0300000000000000" pitchFamily="34" charset="-122"/>
                 <a:ea typeface="HP Simplified Hans Light" panose="020B0300000000000000" pitchFamily="34" charset="-122"/>
               </a:rPr>
@@ -10267,7 +10267,7 @@
               <a:buNone/>
             </a:pPr>
             <a:r>
-              <a:rPr lang="en-US" sz="2500" dirty="0">
+              <a:rPr lang="en-US" sz="2400" dirty="0">
                 <a:latin typeface="HP Simplified Hans Light" panose="020B0300000000000000" pitchFamily="34" charset="-122"/>
                 <a:ea typeface="HP Simplified Hans Light" panose="020B0300000000000000" pitchFamily="34" charset="-122"/>
               </a:rPr>

--- a/Report.pptx
+++ b/Report.pptx
@@ -5,7 +5,7 @@
     <p:sldMasterId id="2147483959" r:id="rId1"/>
   </p:sldMasterIdLst>
   <p:notesMasterIdLst>
-    <p:notesMasterId r:id="rId26"/>
+    <p:notesMasterId r:id="rId30"/>
   </p:notesMasterIdLst>
   <p:sldIdLst>
     <p:sldId id="256" r:id="rId2"/>
@@ -31,7 +31,11 @@
     <p:sldId id="286" r:id="rId22"/>
     <p:sldId id="292" r:id="rId23"/>
     <p:sldId id="293" r:id="rId24"/>
-    <p:sldId id="294" r:id="rId25"/>
+    <p:sldId id="301" r:id="rId25"/>
+    <p:sldId id="303" r:id="rId26"/>
+    <p:sldId id="302" r:id="rId27"/>
+    <p:sldId id="304" r:id="rId28"/>
+    <p:sldId id="294" r:id="rId29"/>
   </p:sldIdLst>
   <p:sldSz cx="9144000" cy="6858000" type="screen4x3"/>
   <p:notesSz cx="6858000" cy="9144000"/>
@@ -132,7 +136,7 @@
   </p:defaultTextStyle>
   <p:extLst>
     <p:ext uri="{EFAFB233-063F-42B5-8137-9DF3F51BA10A}">
-      <p15:sldGuideLst xmlns:p15="http://schemas.microsoft.com/office/powerpoint/2012/main">
+      <p15:sldGuideLst xmlns:p15="http://schemas.microsoft.com/office/powerpoint/2012/main" xmlns="">
         <p15:guide id="1" orient="horz" pos="2160">
           <p15:clr>
             <a:srgbClr val="A4A3A4"/>
@@ -231,7 +235,7 @@
           <a:p>
             <a:fld id="{1CFE2F17-E694-47AC-9302-44A4B0B363D1}" type="datetimeFigureOut">
               <a:rPr lang="en-IN" smtClean="0"/>
-              <a:t>06-02-2024</a:t>
+              <a:t>13-02-2024</a:t>
             </a:fld>
             <a:endParaRPr lang="en-IN"/>
           </a:p>
@@ -770,7 +774,7 @@
             <a:fld id="{1D8BD707-D9CF-40AE-B4C6-C98DA3205C09}" type="datetimeFigureOut">
               <a:rPr lang="en-US" smtClean="0"/>
               <a:pPr/>
-              <a:t>2/6/2024</a:t>
+              <a:t>2/13/2024</a:t>
             </a:fld>
             <a:endParaRPr lang="en-US"/>
           </a:p>
@@ -1047,7 +1051,7 @@
             <a:fld id="{1D8BD707-D9CF-40AE-B4C6-C98DA3205C09}" type="datetimeFigureOut">
               <a:rPr lang="en-US" smtClean="0"/>
               <a:pPr/>
-              <a:t>2/6/2024</a:t>
+              <a:t>2/13/2024</a:t>
             </a:fld>
             <a:endParaRPr lang="en-US"/>
           </a:p>
@@ -1243,7 +1247,7 @@
             <a:fld id="{1D8BD707-D9CF-40AE-B4C6-C98DA3205C09}" type="datetimeFigureOut">
               <a:rPr lang="en-US" smtClean="0"/>
               <a:pPr/>
-              <a:t>2/6/2024</a:t>
+              <a:t>2/13/2024</a:t>
             </a:fld>
             <a:endParaRPr lang="en-US"/>
           </a:p>
@@ -1518,7 +1522,7 @@
             <a:fld id="{1D8BD707-D9CF-40AE-B4C6-C98DA3205C09}" type="datetimeFigureOut">
               <a:rPr lang="en-US" smtClean="0"/>
               <a:pPr/>
-              <a:t>2/6/2024</a:t>
+              <a:t>2/13/2024</a:t>
             </a:fld>
             <a:endParaRPr lang="en-US"/>
           </a:p>
@@ -1861,7 +1865,7 @@
             <a:fld id="{1D8BD707-D9CF-40AE-B4C6-C98DA3205C09}" type="datetimeFigureOut">
               <a:rPr lang="en-US" smtClean="0"/>
               <a:pPr/>
-              <a:t>2/6/2024</a:t>
+              <a:t>2/13/2024</a:t>
             </a:fld>
             <a:endParaRPr lang="en-US"/>
           </a:p>
@@ -2486,7 +2490,7 @@
             <a:fld id="{1D8BD707-D9CF-40AE-B4C6-C98DA3205C09}" type="datetimeFigureOut">
               <a:rPr lang="en-US" smtClean="0"/>
               <a:pPr/>
-              <a:t>2/6/2024</a:t>
+              <a:t>2/13/2024</a:t>
             </a:fld>
             <a:endParaRPr lang="en-US"/>
           </a:p>
@@ -3348,7 +3352,7 @@
             <a:fld id="{1D8BD707-D9CF-40AE-B4C6-C98DA3205C09}" type="datetimeFigureOut">
               <a:rPr lang="en-US" smtClean="0"/>
               <a:pPr/>
-              <a:t>2/6/2024</a:t>
+              <a:t>2/13/2024</a:t>
             </a:fld>
             <a:endParaRPr lang="en-US"/>
           </a:p>
@@ -3520,7 +3524,7 @@
             <a:fld id="{1D8BD707-D9CF-40AE-B4C6-C98DA3205C09}" type="datetimeFigureOut">
               <a:rPr lang="en-US" smtClean="0"/>
               <a:pPr/>
-              <a:t>2/6/2024</a:t>
+              <a:t>2/13/2024</a:t>
             </a:fld>
             <a:endParaRPr lang="en-US"/>
           </a:p>
@@ -3702,7 +3706,7 @@
             <a:fld id="{1D8BD707-D9CF-40AE-B4C6-C98DA3205C09}" type="datetimeFigureOut">
               <a:rPr lang="en-US" smtClean="0"/>
               <a:pPr/>
-              <a:t>2/6/2024</a:t>
+              <a:t>2/13/2024</a:t>
             </a:fld>
             <a:endParaRPr lang="en-US"/>
           </a:p>
@@ -3874,7 +3878,7 @@
             <a:fld id="{1D8BD707-D9CF-40AE-B4C6-C98DA3205C09}" type="datetimeFigureOut">
               <a:rPr lang="en-US" smtClean="0"/>
               <a:pPr/>
-              <a:t>2/6/2024</a:t>
+              <a:t>2/13/2024</a:t>
             </a:fld>
             <a:endParaRPr lang="en-US"/>
           </a:p>
@@ -4123,7 +4127,7 @@
             <a:fld id="{1D8BD707-D9CF-40AE-B4C6-C98DA3205C09}" type="datetimeFigureOut">
               <a:rPr lang="en-US" smtClean="0"/>
               <a:pPr/>
-              <a:t>2/6/2024</a:t>
+              <a:t>2/13/2024</a:t>
             </a:fld>
             <a:endParaRPr lang="en-US"/>
           </a:p>
@@ -4417,7 +4421,7 @@
             <a:fld id="{1D8BD707-D9CF-40AE-B4C6-C98DA3205C09}" type="datetimeFigureOut">
               <a:rPr lang="en-US" smtClean="0"/>
               <a:pPr/>
-              <a:t>2/6/2024</a:t>
+              <a:t>2/13/2024</a:t>
             </a:fld>
             <a:endParaRPr lang="en-US"/>
           </a:p>
@@ -4863,7 +4867,7 @@
             <a:fld id="{1D8BD707-D9CF-40AE-B4C6-C98DA3205C09}" type="datetimeFigureOut">
               <a:rPr lang="en-US" smtClean="0"/>
               <a:pPr/>
-              <a:t>2/6/2024</a:t>
+              <a:t>2/13/2024</a:t>
             </a:fld>
             <a:endParaRPr lang="en-US"/>
           </a:p>
@@ -4983,7 +4987,7 @@
             <a:fld id="{1D8BD707-D9CF-40AE-B4C6-C98DA3205C09}" type="datetimeFigureOut">
               <a:rPr lang="en-US" smtClean="0"/>
               <a:pPr/>
-              <a:t>2/6/2024</a:t>
+              <a:t>2/13/2024</a:t>
             </a:fld>
             <a:endParaRPr lang="en-US"/>
           </a:p>
@@ -5080,7 +5084,7 @@
             <a:fld id="{1D8BD707-D9CF-40AE-B4C6-C98DA3205C09}" type="datetimeFigureOut">
               <a:rPr lang="en-US" smtClean="0"/>
               <a:pPr/>
-              <a:t>2/6/2024</a:t>
+              <a:t>2/13/2024</a:t>
             </a:fld>
             <a:endParaRPr lang="en-US"/>
           </a:p>
@@ -5361,7 +5365,7 @@
             <a:fld id="{1D8BD707-D9CF-40AE-B4C6-C98DA3205C09}" type="datetimeFigureOut">
               <a:rPr lang="en-US" smtClean="0"/>
               <a:pPr/>
-              <a:t>2/6/2024</a:t>
+              <a:t>2/13/2024</a:t>
             </a:fld>
             <a:endParaRPr lang="en-US"/>
           </a:p>
@@ -5638,7 +5642,7 @@
             <a:fld id="{1D8BD707-D9CF-40AE-B4C6-C98DA3205C09}" type="datetimeFigureOut">
               <a:rPr lang="en-US" smtClean="0"/>
               <a:pPr/>
-              <a:t>2/6/2024</a:t>
+              <a:t>2/13/2024</a:t>
             </a:fld>
             <a:endParaRPr lang="en-US"/>
           </a:p>
@@ -6205,7 +6209,7 @@
             <a:fld id="{1D8BD707-D9CF-40AE-B4C6-C98DA3205C09}" type="datetimeFigureOut">
               <a:rPr lang="en-US" smtClean="0"/>
               <a:pPr/>
-              <a:t>2/6/2024</a:t>
+              <a:t>2/13/2024</a:t>
             </a:fld>
             <a:endParaRPr lang="en-US"/>
           </a:p>
@@ -6978,6 +6982,13 @@
   <p:clrMapOvr>
     <a:masterClrMapping/>
   </p:clrMapOvr>
+  <p:timing>
+    <p:tnLst>
+      <p:par>
+        <p:cTn id="1" dur="indefinite" restart="never" nodeType="tmRoot"/>
+      </p:par>
+    </p:tnLst>
+  </p:timing>
 </p:sld>
 </file>
 
@@ -7132,6 +7143,13 @@
   <p:clrMapOvr>
     <a:masterClrMapping/>
   </p:clrMapOvr>
+  <p:timing>
+    <p:tnLst>
+      <p:par>
+        <p:cTn id="1" dur="indefinite" restart="never" nodeType="tmRoot"/>
+      </p:par>
+    </p:tnLst>
+  </p:timing>
 </p:sld>
 </file>
 
@@ -7170,7 +7188,7 @@
         </p:spPr>
         <p:txBody>
           <a:bodyPr>
-            <a:normAutofit fontScale="92500"/>
+            <a:normAutofit lnSpcReduction="10000"/>
           </a:bodyPr>
           <a:lstStyle/>
           <a:p>
@@ -7281,6 +7299,13 @@
   <p:clrMapOvr>
     <a:masterClrMapping/>
   </p:clrMapOvr>
+  <p:timing>
+    <p:tnLst>
+      <p:par>
+        <p:cTn id="1" dur="indefinite" restart="never" nodeType="tmRoot"/>
+      </p:par>
+    </p:tnLst>
+  </p:timing>
 </p:sld>
 </file>
 
@@ -7359,6 +7384,13 @@
   <p:clrMapOvr>
     <a:masterClrMapping/>
   </p:clrMapOvr>
+  <p:timing>
+    <p:tnLst>
+      <p:par>
+        <p:cTn id="1" dur="indefinite" restart="never" nodeType="tmRoot"/>
+      </p:par>
+    </p:tnLst>
+  </p:timing>
 </p:sld>
 </file>
 
@@ -7408,6 +7440,13 @@
   <p:clrMapOvr>
     <a:masterClrMapping/>
   </p:clrMapOvr>
+  <p:timing>
+    <p:tnLst>
+      <p:par>
+        <p:cTn id="1" dur="indefinite" restart="never" nodeType="tmRoot"/>
+      </p:par>
+    </p:tnLst>
+  </p:timing>
 </p:sld>
 </file>
 
@@ -7433,7 +7472,7 @@
           <p:cNvPr id="2" name="Title 1">
             <a:extLst>
               <a:ext uri="{FF2B5EF4-FFF2-40B4-BE49-F238E27FC236}">
-                <a16:creationId xmlns:a16="http://schemas.microsoft.com/office/drawing/2014/main" id="{35B92C80-6972-5E79-37F1-FC270316044A}"/>
+                <a16:creationId xmlns:a16="http://schemas.microsoft.com/office/drawing/2014/main" xmlns="" id="{35B92C80-6972-5E79-37F1-FC270316044A}"/>
               </a:ext>
             </a:extLst>
           </p:cNvPr>
@@ -7469,7 +7508,7 @@
           <p:cNvPr id="3" name="Content Placeholder 2">
             <a:extLst>
               <a:ext uri="{FF2B5EF4-FFF2-40B4-BE49-F238E27FC236}">
-                <a16:creationId xmlns:a16="http://schemas.microsoft.com/office/drawing/2014/main" id="{83681D05-9748-D486-D79C-9A24073707CA}"/>
+                <a16:creationId xmlns:a16="http://schemas.microsoft.com/office/drawing/2014/main" xmlns="" id="{83681D05-9748-D486-D79C-9A24073707CA}"/>
               </a:ext>
             </a:extLst>
           </p:cNvPr>
@@ -7488,7 +7527,7 @@
         </p:spPr>
         <p:txBody>
           <a:bodyPr>
-            <a:normAutofit lnSpcReduction="10000"/>
+            <a:normAutofit/>
           </a:bodyPr>
           <a:lstStyle/>
           <a:p>
@@ -7572,6 +7611,13 @@
   <p:clrMapOvr>
     <a:masterClrMapping/>
   </p:clrMapOvr>
+  <p:timing>
+    <p:tnLst>
+      <p:par>
+        <p:cTn id="1" dur="indefinite" restart="never" nodeType="tmRoot"/>
+      </p:par>
+    </p:tnLst>
+  </p:timing>
 </p:sld>
 </file>
 
@@ -7647,7 +7693,7 @@
         </p:spPr>
         <p:txBody>
           <a:bodyPr>
-            <a:normAutofit lnSpcReduction="10000"/>
+            <a:normAutofit/>
           </a:bodyPr>
           <a:lstStyle/>
           <a:p>
@@ -7732,6 +7778,13 @@
   <p:clrMapOvr>
     <a:masterClrMapping/>
   </p:clrMapOvr>
+  <p:timing>
+    <p:tnLst>
+      <p:par>
+        <p:cTn id="1" dur="indefinite" restart="never" nodeType="tmRoot"/>
+      </p:par>
+    </p:tnLst>
+  </p:timing>
 </p:sld>
 </file>
 
@@ -7871,6 +7924,13 @@
   <p:clrMapOvr>
     <a:masterClrMapping/>
   </p:clrMapOvr>
+  <p:timing>
+    <p:tnLst>
+      <p:par>
+        <p:cTn id="1" dur="indefinite" restart="never" nodeType="tmRoot"/>
+      </p:par>
+    </p:tnLst>
+  </p:timing>
 </p:sld>
 </file>
 
@@ -7896,7 +7956,7 @@
           <p:cNvPr id="3" name="Picture 2">
             <a:extLst>
               <a:ext uri="{FF2B5EF4-FFF2-40B4-BE49-F238E27FC236}">
-                <a16:creationId xmlns:a16="http://schemas.microsoft.com/office/drawing/2014/main" id="{1B54EDC5-5BB8-49F4-9941-5D7284242BD0}"/>
+                <a16:creationId xmlns:a16="http://schemas.microsoft.com/office/drawing/2014/main" xmlns="" id="{1B54EDC5-5BB8-49F4-9941-5D7284242BD0}"/>
               </a:ext>
             </a:extLst>
           </p:cNvPr>
@@ -7937,6 +7997,13 @@
   <p:clrMapOvr>
     <a:masterClrMapping/>
   </p:clrMapOvr>
+  <p:timing>
+    <p:tnLst>
+      <p:par>
+        <p:cTn id="1" dur="indefinite" restart="never" nodeType="tmRoot"/>
+      </p:par>
+    </p:tnLst>
+  </p:timing>
 </p:sld>
 </file>
 
@@ -8078,6 +8145,13 @@
   <p:clrMapOvr>
     <a:masterClrMapping/>
   </p:clrMapOvr>
+  <p:timing>
+    <p:tnLst>
+      <p:par>
+        <p:cTn id="1" dur="indefinite" restart="never" nodeType="tmRoot"/>
+      </p:par>
+    </p:tnLst>
+  </p:timing>
 </p:sld>
 </file>
 
@@ -8178,6 +8252,13 @@
   <p:clrMapOvr>
     <a:masterClrMapping/>
   </p:clrMapOvr>
+  <p:timing>
+    <p:tnLst>
+      <p:par>
+        <p:cTn id="1" dur="indefinite" restart="never" nodeType="tmRoot"/>
+      </p:par>
+    </p:tnLst>
+  </p:timing>
 </p:sld>
 </file>
 
@@ -8203,7 +8284,7 @@
           <p:cNvPr id="2" name="Title 1">
             <a:extLst>
               <a:ext uri="{FF2B5EF4-FFF2-40B4-BE49-F238E27FC236}">
-                <a16:creationId xmlns:a16="http://schemas.microsoft.com/office/drawing/2014/main" id="{345C4AFF-606F-020A-13BF-05F9C0473A5A}"/>
+                <a16:creationId xmlns:a16="http://schemas.microsoft.com/office/drawing/2014/main" xmlns="" id="{345C4AFF-606F-020A-13BF-05F9C0473A5A}"/>
               </a:ext>
             </a:extLst>
           </p:cNvPr>
@@ -8254,7 +8335,7 @@
           <p:cNvPr id="5" name="Content Placeholder 4">
             <a:extLst>
               <a:ext uri="{FF2B5EF4-FFF2-40B4-BE49-F238E27FC236}">
-                <a16:creationId xmlns:a16="http://schemas.microsoft.com/office/drawing/2014/main" id="{B564DDB4-9FE4-BB85-E708-88421A5F85AB}"/>
+                <a16:creationId xmlns:a16="http://schemas.microsoft.com/office/drawing/2014/main" xmlns="" id="{B564DDB4-9FE4-BB85-E708-88421A5F85AB}"/>
               </a:ext>
             </a:extLst>
           </p:cNvPr>
@@ -8294,6 +8375,13 @@
   <p:clrMapOvr>
     <a:masterClrMapping/>
   </p:clrMapOvr>
+  <p:timing>
+    <p:tnLst>
+      <p:par>
+        <p:cTn id="1" dur="indefinite" restart="never" nodeType="tmRoot"/>
+      </p:par>
+    </p:tnLst>
+  </p:timing>
 </p:sld>
 </file>
 
@@ -8730,6 +8818,13 @@
   <p:clrMapOvr>
     <a:masterClrMapping/>
   </p:clrMapOvr>
+  <p:timing>
+    <p:tnLst>
+      <p:par>
+        <p:cTn id="1" dur="indefinite" restart="never" nodeType="tmRoot"/>
+      </p:par>
+    </p:tnLst>
+  </p:timing>
 </p:sld>
 </file>
 
@@ -8860,6 +8955,13 @@
   <p:clrMapOvr>
     <a:masterClrMapping/>
   </p:clrMapOvr>
+  <p:timing>
+    <p:tnLst>
+      <p:par>
+        <p:cTn id="1" dur="indefinite" restart="never" nodeType="tmRoot"/>
+      </p:par>
+    </p:tnLst>
+  </p:timing>
 </p:sld>
 </file>
 
@@ -8989,6 +9091,13 @@
   <p:clrMapOvr>
     <a:masterClrMapping/>
   </p:clrMapOvr>
+  <p:timing>
+    <p:tnLst>
+      <p:par>
+        <p:cTn id="1" dur="indefinite" restart="never" nodeType="tmRoot"/>
+      </p:par>
+    </p:tnLst>
+  </p:timing>
 </p:sld>
 </file>
 
@@ -9071,6 +9180,13 @@
   <p:clrMapOvr>
     <a:masterClrMapping/>
   </p:clrMapOvr>
+  <p:timing>
+    <p:tnLst>
+      <p:par>
+        <p:cTn id="1" dur="indefinite" restart="never" nodeType="tmRoot"/>
+      </p:par>
+    </p:tnLst>
+  </p:timing>
 </p:sld>
 </file>
 
@@ -9093,6 +9209,502 @@
       </p:grpSpPr>
       <p:sp>
         <p:nvSpPr>
+          <p:cNvPr id="2" name="Title 1"/>
+          <p:cNvSpPr>
+            <a:spLocks noGrp="1"/>
+          </p:cNvSpPr>
+          <p:nvPr>
+            <p:ph type="title"/>
+          </p:nvPr>
+        </p:nvSpPr>
+        <p:spPr>
+          <a:xfrm>
+            <a:off x="152400" y="152400"/>
+            <a:ext cx="5687490" cy="537882"/>
+          </a:xfrm>
+        </p:spPr>
+        <p:txBody>
+          <a:bodyPr/>
+          <a:lstStyle/>
+          <a:p>
+            <a:r>
+              <a:rPr lang="en-US" sz="4400" dirty="0">
+                <a:solidFill>
+                  <a:srgbClr val="FF0000"/>
+                </a:solidFill>
+              </a:rPr>
+              <a:t>Semantic</a:t>
+            </a:r>
+            <a:r>
+              <a:rPr lang="en-US" dirty="0">
+                <a:solidFill>
+                  <a:srgbClr val="FF0000"/>
+                </a:solidFill>
+              </a:rPr>
+              <a:t> </a:t>
+            </a:r>
+            <a:r>
+              <a:rPr lang="en-US" sz="4400" dirty="0">
+                <a:solidFill>
+                  <a:srgbClr val="FF0000"/>
+                </a:solidFill>
+              </a:rPr>
+              <a:t>Analysis</a:t>
+            </a:r>
+            <a:endParaRPr lang="en-US" dirty="0"/>
+          </a:p>
+        </p:txBody>
+      </p:sp>
+      <p:sp>
+        <p:nvSpPr>
+          <p:cNvPr id="3" name="Content Placeholder 2"/>
+          <p:cNvSpPr>
+            <a:spLocks noGrp="1"/>
+          </p:cNvSpPr>
+          <p:nvPr>
+            <p:ph idx="1"/>
+          </p:nvPr>
+        </p:nvSpPr>
+        <p:spPr>
+          <a:xfrm>
+            <a:off x="0" y="914400"/>
+            <a:ext cx="9144000" cy="5867399"/>
+          </a:xfrm>
+        </p:spPr>
+        <p:txBody>
+          <a:bodyPr>
+            <a:normAutofit/>
+          </a:bodyPr>
+          <a:lstStyle/>
+          <a:p>
+            <a:r>
+              <a:rPr lang="en-US" sz="2800" dirty="0"/>
+              <a:t>Ensures program meaning and correctness beyond syntax</a:t>
+            </a:r>
+            <a:r>
+              <a:rPr lang="en-US" sz="2800" dirty="0" smtClean="0"/>
+              <a:t>.</a:t>
+            </a:r>
+          </a:p>
+          <a:p>
+            <a:r>
+              <a:rPr lang="en-US" sz="2800" dirty="0"/>
+              <a:t>Crucial for detecting and resolving semantic </a:t>
+            </a:r>
+            <a:r>
+              <a:rPr lang="en-US" sz="2800" dirty="0" smtClean="0"/>
+              <a:t>errors.</a:t>
+            </a:r>
+          </a:p>
+          <a:p>
+            <a:r>
+              <a:rPr lang="en-US" sz="2800" dirty="0" smtClean="0"/>
+              <a:t>Type checking</a:t>
+            </a:r>
+            <a:r>
+              <a:rPr lang="en-US" sz="2800" dirty="0"/>
+              <a:t>, scope resolution, semantic verification</a:t>
+            </a:r>
+            <a:r>
+              <a:rPr lang="en-US" sz="2800" dirty="0" smtClean="0"/>
+              <a:t>.</a:t>
+            </a:r>
+          </a:p>
+          <a:p>
+            <a:r>
+              <a:rPr lang="en-US" sz="2800" dirty="0" smtClean="0"/>
+              <a:t>Integrated </a:t>
+            </a:r>
+            <a:r>
+              <a:rPr lang="en-US" sz="2800" dirty="0"/>
+              <a:t>with syntactic analysis, symbol table management. </a:t>
+            </a:r>
+            <a:endParaRPr lang="en-US" sz="2800" dirty="0" smtClean="0"/>
+          </a:p>
+          <a:p>
+            <a:r>
+              <a:rPr lang="en-US" sz="2800" dirty="0"/>
+              <a:t>Identifies and reports semantic errors. </a:t>
+            </a:r>
+            <a:endParaRPr lang="en-US" sz="2800" dirty="0" smtClean="0"/>
+          </a:p>
+          <a:p>
+            <a:r>
+              <a:rPr lang="en-US" sz="2800" dirty="0" smtClean="0"/>
+              <a:t>Handling </a:t>
+            </a:r>
+            <a:r>
+              <a:rPr lang="en-US" sz="2800" dirty="0"/>
+              <a:t>complex constructs, ensuring compliance with language standards.</a:t>
+            </a:r>
+          </a:p>
+        </p:txBody>
+      </p:sp>
+    </p:spTree>
+    <p:extLst>
+      <p:ext uri="{BB962C8B-B14F-4D97-AF65-F5344CB8AC3E}">
+        <p14:creationId xmlns:p14="http://schemas.microsoft.com/office/powerpoint/2010/main" val="1350308750"/>
+      </p:ext>
+    </p:extLst>
+  </p:cSld>
+  <p:clrMapOvr>
+    <a:masterClrMapping/>
+  </p:clrMapOvr>
+  <p:timing>
+    <p:tnLst>
+      <p:par>
+        <p:cTn id="1" dur="indefinite" restart="never" nodeType="tmRoot"/>
+      </p:par>
+    </p:tnLst>
+  </p:timing>
+</p:sld>
+</file>
+
+<file path=ppt/slides/slide25.xml><?xml version="1.0" encoding="utf-8"?>
+<p:sld xmlns:a="http://schemas.openxmlformats.org/drawingml/2006/main" xmlns:r="http://schemas.openxmlformats.org/officeDocument/2006/relationships" xmlns:p="http://schemas.openxmlformats.org/presentationml/2006/main">
+  <p:cSld>
+    <p:spTree>
+      <p:nvGrpSpPr>
+        <p:cNvPr id="1" name=""/>
+        <p:cNvGrpSpPr/>
+        <p:nvPr/>
+      </p:nvGrpSpPr>
+      <p:grpSpPr>
+        <a:xfrm>
+          <a:off x="0" y="0"/>
+          <a:ext cx="0" cy="0"/>
+          <a:chOff x="0" y="0"/>
+          <a:chExt cx="0" cy="0"/>
+        </a:xfrm>
+      </p:grpSpPr>
+      <p:sp>
+        <p:nvSpPr>
+          <p:cNvPr id="2" name="Title 1"/>
+          <p:cNvSpPr>
+            <a:spLocks noGrp="1"/>
+          </p:cNvSpPr>
+          <p:nvPr>
+            <p:ph type="title"/>
+          </p:nvPr>
+        </p:nvSpPr>
+        <p:spPr/>
+        <p:txBody>
+          <a:bodyPr/>
+          <a:lstStyle/>
+          <a:p>
+            <a:r>
+              <a:rPr lang="en-US" dirty="0" smtClean="0">
+                <a:solidFill>
+                  <a:srgbClr val="FF0000"/>
+                </a:solidFill>
+              </a:rPr>
+              <a:t>Example:</a:t>
+            </a:r>
+            <a:endParaRPr lang="en-US" dirty="0">
+              <a:solidFill>
+                <a:srgbClr val="FF0000"/>
+              </a:solidFill>
+            </a:endParaRPr>
+          </a:p>
+        </p:txBody>
+      </p:sp>
+      <p:pic>
+        <p:nvPicPr>
+          <p:cNvPr id="1026" name="Picture 2" descr="C:\Users\HP\Desktop\inherited_attributes.jpg"/>
+          <p:cNvPicPr>
+            <a:picLocks noGrp="1" noChangeAspect="1" noChangeArrowheads="1"/>
+          </p:cNvPicPr>
+          <p:nvPr>
+            <p:ph idx="1"/>
+          </p:nvPr>
+        </p:nvPicPr>
+        <p:blipFill>
+          <a:blip r:embed="rId2">
+            <a:extLst>
+              <a:ext uri="{28A0092B-C50C-407E-A947-70E740481C1C}">
+                <a14:useLocalDpi xmlns:a14="http://schemas.microsoft.com/office/drawing/2010/main" val="0"/>
+              </a:ext>
+            </a:extLst>
+          </a:blip>
+          <a:srcRect/>
+          <a:stretch>
+            <a:fillRect/>
+          </a:stretch>
+        </p:blipFill>
+        <p:spPr bwMode="auto">
+          <a:xfrm>
+            <a:off x="762000" y="1371600"/>
+            <a:ext cx="6400800" cy="4738255"/>
+          </a:xfrm>
+          <a:prstGeom prst="rect">
+            <a:avLst/>
+          </a:prstGeom>
+          <a:noFill/>
+          <a:extLst>
+            <a:ext uri="{909E8E84-426E-40DD-AFC4-6F175D3DCCD1}">
+              <a14:hiddenFill xmlns:a14="http://schemas.microsoft.com/office/drawing/2010/main">
+                <a:solidFill>
+                  <a:srgbClr val="FFFFFF"/>
+                </a:solidFill>
+              </a14:hiddenFill>
+            </a:ext>
+          </a:extLst>
+        </p:spPr>
+      </p:pic>
+    </p:spTree>
+    <p:extLst>
+      <p:ext uri="{BB962C8B-B14F-4D97-AF65-F5344CB8AC3E}">
+        <p14:creationId xmlns:p14="http://schemas.microsoft.com/office/powerpoint/2010/main" val="2597933529"/>
+      </p:ext>
+    </p:extLst>
+  </p:cSld>
+  <p:clrMapOvr>
+    <a:masterClrMapping/>
+  </p:clrMapOvr>
+  <p:timing>
+    <p:tnLst>
+      <p:par>
+        <p:cTn id="1" dur="indefinite" restart="never" nodeType="tmRoot"/>
+      </p:par>
+    </p:tnLst>
+  </p:timing>
+</p:sld>
+</file>
+
+<file path=ppt/slides/slide26.xml><?xml version="1.0" encoding="utf-8"?>
+<p:sld xmlns:a="http://schemas.openxmlformats.org/drawingml/2006/main" xmlns:r="http://schemas.openxmlformats.org/officeDocument/2006/relationships" xmlns:p="http://schemas.openxmlformats.org/presentationml/2006/main">
+  <p:cSld>
+    <p:spTree>
+      <p:nvGrpSpPr>
+        <p:cNvPr id="1" name=""/>
+        <p:cNvGrpSpPr/>
+        <p:nvPr/>
+      </p:nvGrpSpPr>
+      <p:grpSpPr>
+        <a:xfrm>
+          <a:off x="0" y="0"/>
+          <a:ext cx="0" cy="0"/>
+          <a:chOff x="0" y="0"/>
+          <a:chExt cx="0" cy="0"/>
+        </a:xfrm>
+      </p:grpSpPr>
+      <p:sp>
+        <p:nvSpPr>
+          <p:cNvPr id="2" name="Title 1"/>
+          <p:cNvSpPr>
+            <a:spLocks noGrp="1"/>
+          </p:cNvSpPr>
+          <p:nvPr>
+            <p:ph type="title"/>
+          </p:nvPr>
+        </p:nvSpPr>
+        <p:spPr>
+          <a:xfrm>
+            <a:off x="13531" y="152400"/>
+            <a:ext cx="5077890" cy="461682"/>
+          </a:xfrm>
+        </p:spPr>
+        <p:txBody>
+          <a:bodyPr/>
+          <a:lstStyle/>
+          <a:p>
+            <a:r>
+              <a:rPr lang="en-US" b="1" dirty="0" smtClean="0">
+                <a:solidFill>
+                  <a:srgbClr val="FF0000"/>
+                </a:solidFill>
+              </a:rPr>
+              <a:t>Output:</a:t>
+            </a:r>
+            <a:endParaRPr lang="en-US" b="1" dirty="0">
+              <a:solidFill>
+                <a:srgbClr val="FF0000"/>
+              </a:solidFill>
+            </a:endParaRPr>
+          </a:p>
+        </p:txBody>
+      </p:sp>
+      <p:pic>
+        <p:nvPicPr>
+          <p:cNvPr id="4" name="Content Placeholder 3"/>
+          <p:cNvPicPr>
+            <a:picLocks noGrp="1" noChangeAspect="1"/>
+          </p:cNvPicPr>
+          <p:nvPr>
+            <p:ph idx="1"/>
+          </p:nvPr>
+        </p:nvPicPr>
+        <p:blipFill>
+          <a:blip r:embed="rId2">
+            <a:extLst>
+              <a:ext uri="{28A0092B-C50C-407E-A947-70E740481C1C}">
+                <a14:useLocalDpi xmlns:a14="http://schemas.microsoft.com/office/drawing/2010/main" val="0"/>
+              </a:ext>
+            </a:extLst>
+          </a:blip>
+          <a:stretch>
+            <a:fillRect/>
+          </a:stretch>
+        </p:blipFill>
+        <p:spPr>
+          <a:xfrm>
+            <a:off x="209618" y="1295400"/>
+            <a:ext cx="8781982" cy="5142183"/>
+          </a:xfrm>
+        </p:spPr>
+      </p:pic>
+    </p:spTree>
+    <p:extLst>
+      <p:ext uri="{BB962C8B-B14F-4D97-AF65-F5344CB8AC3E}">
+        <p14:creationId xmlns:p14="http://schemas.microsoft.com/office/powerpoint/2010/main" val="2121056334"/>
+      </p:ext>
+    </p:extLst>
+  </p:cSld>
+  <p:clrMapOvr>
+    <a:masterClrMapping/>
+  </p:clrMapOvr>
+  <p:timing>
+    <p:tnLst>
+      <p:par>
+        <p:cTn id="1" dur="indefinite" restart="never" nodeType="tmRoot"/>
+      </p:par>
+    </p:tnLst>
+  </p:timing>
+</p:sld>
+</file>
+
+<file path=ppt/slides/slide27.xml><?xml version="1.0" encoding="utf-8"?>
+<p:sld xmlns:a="http://schemas.openxmlformats.org/drawingml/2006/main" xmlns:r="http://schemas.openxmlformats.org/officeDocument/2006/relationships" xmlns:p="http://schemas.openxmlformats.org/presentationml/2006/main">
+  <p:cSld>
+    <p:spTree>
+      <p:nvGrpSpPr>
+        <p:cNvPr id="1" name=""/>
+        <p:cNvGrpSpPr/>
+        <p:nvPr/>
+      </p:nvGrpSpPr>
+      <p:grpSpPr>
+        <a:xfrm>
+          <a:off x="0" y="0"/>
+          <a:ext cx="0" cy="0"/>
+          <a:chOff x="0" y="0"/>
+          <a:chExt cx="0" cy="0"/>
+        </a:xfrm>
+      </p:grpSpPr>
+      <p:sp>
+        <p:nvSpPr>
+          <p:cNvPr id="3" name="Content Placeholder 2"/>
+          <p:cNvSpPr>
+            <a:spLocks noGrp="1"/>
+          </p:cNvSpPr>
+          <p:nvPr>
+            <p:ph idx="1"/>
+          </p:nvPr>
+        </p:nvSpPr>
+        <p:spPr>
+          <a:xfrm>
+            <a:off x="152400" y="228600"/>
+            <a:ext cx="8839200" cy="6476999"/>
+          </a:xfrm>
+        </p:spPr>
+        <p:txBody>
+          <a:bodyPr/>
+          <a:lstStyle/>
+          <a:p>
+            <a:pPr marL="0" indent="0">
+              <a:buNone/>
+            </a:pPr>
+            <a:r>
+              <a:rPr lang="en-US" sz="2800" b="1" u="sng" dirty="0">
+                <a:solidFill>
+                  <a:srgbClr val="FF0000"/>
+                </a:solidFill>
+              </a:rPr>
+              <a:t>Future </a:t>
+            </a:r>
+            <a:r>
+              <a:rPr lang="en-US" sz="2800" b="1" u="sng" dirty="0" smtClean="0">
+                <a:solidFill>
+                  <a:srgbClr val="FF0000"/>
+                </a:solidFill>
+              </a:rPr>
+              <a:t>Directions and Conclusion:</a:t>
+            </a:r>
+          </a:p>
+          <a:p>
+            <a:pPr marL="0" indent="0">
+              <a:buNone/>
+            </a:pPr>
+            <a:endParaRPr lang="en-US" sz="2800" b="1" u="sng" dirty="0">
+              <a:solidFill>
+                <a:srgbClr val="FF0000"/>
+              </a:solidFill>
+            </a:endParaRPr>
+          </a:p>
+          <a:p>
+            <a:r>
+              <a:rPr lang="en-US" sz="2400" dirty="0" smtClean="0"/>
+              <a:t>Optimization</a:t>
+            </a:r>
+            <a:r>
+              <a:rPr lang="en-US" sz="2400" dirty="0"/>
+              <a:t>, efficiency improvements, exploring emerging trends.   </a:t>
+            </a:r>
+            <a:endParaRPr lang="en-US" sz="2400" dirty="0" smtClean="0"/>
+          </a:p>
+          <a:p>
+            <a:endParaRPr lang="en-US" sz="2400" dirty="0" smtClean="0"/>
+          </a:p>
+          <a:p>
+            <a:r>
+              <a:rPr lang="en-US" sz="2400" dirty="0" smtClean="0"/>
+              <a:t>Semantic </a:t>
+            </a:r>
+            <a:r>
+              <a:rPr lang="en-US" sz="2400" dirty="0"/>
+              <a:t>analysis vital for program correctness and compiler functionality.</a:t>
+            </a:r>
+          </a:p>
+        </p:txBody>
+      </p:sp>
+    </p:spTree>
+    <p:extLst>
+      <p:ext uri="{BB962C8B-B14F-4D97-AF65-F5344CB8AC3E}">
+        <p14:creationId xmlns:p14="http://schemas.microsoft.com/office/powerpoint/2010/main" val="2717039901"/>
+      </p:ext>
+    </p:extLst>
+  </p:cSld>
+  <p:clrMapOvr>
+    <a:masterClrMapping/>
+  </p:clrMapOvr>
+  <p:timing>
+    <p:tnLst>
+      <p:par>
+        <p:cTn id="1" dur="indefinite" restart="never" nodeType="tmRoot"/>
+      </p:par>
+    </p:tnLst>
+  </p:timing>
+</p:sld>
+</file>
+
+<file path=ppt/slides/slide28.xml><?xml version="1.0" encoding="utf-8"?>
+<p:sld xmlns:a="http://schemas.openxmlformats.org/drawingml/2006/main" xmlns:r="http://schemas.openxmlformats.org/officeDocument/2006/relationships" xmlns:p="http://schemas.openxmlformats.org/presentationml/2006/main">
+  <p:cSld>
+    <p:spTree>
+      <p:nvGrpSpPr>
+        <p:cNvPr id="1" name=""/>
+        <p:cNvGrpSpPr/>
+        <p:nvPr/>
+      </p:nvGrpSpPr>
+      <p:grpSpPr>
+        <a:xfrm>
+          <a:off x="0" y="0"/>
+          <a:ext cx="0" cy="0"/>
+          <a:chOff x="0" y="0"/>
+          <a:chExt cx="0" cy="0"/>
+        </a:xfrm>
+      </p:grpSpPr>
+      <p:sp>
+        <p:nvSpPr>
           <p:cNvPr id="3" name="Content Placeholder 2"/>
           <p:cNvSpPr>
             <a:spLocks noGrp="1"/>
@@ -9130,6 +9742,13 @@
   <p:clrMapOvr>
     <a:masterClrMapping/>
   </p:clrMapOvr>
+  <p:timing>
+    <p:tnLst>
+      <p:par>
+        <p:cTn id="1" dur="indefinite" restart="never" nodeType="tmRoot"/>
+      </p:par>
+    </p:tnLst>
+  </p:timing>
 </p:sld>
 </file>
 
@@ -9202,7 +9821,7 @@
         </p:spPr>
         <p:txBody>
           <a:bodyPr>
-            <a:normAutofit fontScale="92500"/>
+            <a:normAutofit lnSpcReduction="10000"/>
           </a:bodyPr>
           <a:lstStyle/>
           <a:p>
@@ -9305,6 +9924,13 @@
   <p:clrMapOvr>
     <a:masterClrMapping/>
   </p:clrMapOvr>
+  <p:timing>
+    <p:tnLst>
+      <p:par>
+        <p:cTn id="1" dur="indefinite" restart="never" nodeType="tmRoot"/>
+      </p:par>
+    </p:tnLst>
+  </p:timing>
 </p:sld>
 </file>
 
@@ -9497,6 +10123,13 @@
   <p:clrMapOvr>
     <a:masterClrMapping/>
   </p:clrMapOvr>
+  <p:timing>
+    <p:tnLst>
+      <p:par>
+        <p:cTn id="1" dur="indefinite" restart="never" nodeType="tmRoot"/>
+      </p:par>
+    </p:tnLst>
+  </p:timing>
 </p:sld>
 </file>
 
@@ -9693,6 +10326,13 @@
   <p:clrMapOvr>
     <a:masterClrMapping/>
   </p:clrMapOvr>
+  <p:timing>
+    <p:tnLst>
+      <p:par>
+        <p:cTn id="1" dur="indefinite" restart="never" nodeType="tmRoot"/>
+      </p:par>
+    </p:tnLst>
+  </p:timing>
 </p:sld>
 </file>
 
@@ -9718,7 +10358,7 @@
           <p:cNvPr id="3" name="Picture 2">
             <a:extLst>
               <a:ext uri="{FF2B5EF4-FFF2-40B4-BE49-F238E27FC236}">
-                <a16:creationId xmlns:a16="http://schemas.microsoft.com/office/drawing/2014/main" id="{874CE023-AA74-B1ED-FDE3-A5EF66525CE9}"/>
+                <a16:creationId xmlns:a16="http://schemas.microsoft.com/office/drawing/2014/main" xmlns="" id="{874CE023-AA74-B1ED-FDE3-A5EF66525CE9}"/>
               </a:ext>
             </a:extLst>
           </p:cNvPr>
@@ -9759,6 +10399,13 @@
   <p:clrMapOvr>
     <a:masterClrMapping/>
   </p:clrMapOvr>
+  <p:timing>
+    <p:tnLst>
+      <p:par>
+        <p:cTn id="1" dur="indefinite" restart="never" nodeType="tmRoot"/>
+      </p:par>
+    </p:tnLst>
+  </p:timing>
 </p:sld>
 </file>
 
@@ -9784,7 +10431,7 @@
           <p:cNvPr id="2" name="Title 1">
             <a:extLst>
               <a:ext uri="{FF2B5EF4-FFF2-40B4-BE49-F238E27FC236}">
-                <a16:creationId xmlns:a16="http://schemas.microsoft.com/office/drawing/2014/main" id="{D78CFF30-24FA-568E-FA67-E9A3C31B22CB}"/>
+                <a16:creationId xmlns:a16="http://schemas.microsoft.com/office/drawing/2014/main" xmlns="" id="{D78CFF30-24FA-568E-FA67-E9A3C31B22CB}"/>
               </a:ext>
             </a:extLst>
           </p:cNvPr>
@@ -9822,7 +10469,7 @@
           <p:cNvPr id="3" name="Content Placeholder 2">
             <a:extLst>
               <a:ext uri="{FF2B5EF4-FFF2-40B4-BE49-F238E27FC236}">
-                <a16:creationId xmlns:a16="http://schemas.microsoft.com/office/drawing/2014/main" id="{90C8AC47-3165-EAE6-664D-EDA5FFC0E079}"/>
+                <a16:creationId xmlns:a16="http://schemas.microsoft.com/office/drawing/2014/main" xmlns="" id="{90C8AC47-3165-EAE6-664D-EDA5FFC0E079}"/>
               </a:ext>
             </a:extLst>
           </p:cNvPr>
@@ -9945,6 +10592,13 @@
   <p:clrMapOvr>
     <a:masterClrMapping/>
   </p:clrMapOvr>
+  <p:timing>
+    <p:tnLst>
+      <p:par>
+        <p:cTn id="1" dur="indefinite" restart="never" nodeType="tmRoot"/>
+      </p:par>
+    </p:tnLst>
+  </p:timing>
 </p:sld>
 </file>
 
@@ -10069,6 +10723,13 @@
   <p:clrMapOvr>
     <a:masterClrMapping/>
   </p:clrMapOvr>
+  <p:timing>
+    <p:tnLst>
+      <p:par>
+        <p:cTn id="1" dur="indefinite" restart="never" nodeType="tmRoot"/>
+      </p:par>
+    </p:tnLst>
+  </p:timing>
 </p:sld>
 </file>
 
@@ -10281,6 +10942,13 @@
   <p:clrMapOvr>
     <a:masterClrMapping/>
   </p:clrMapOvr>
+  <p:timing>
+    <p:tnLst>
+      <p:par>
+        <p:cTn id="1" dur="indefinite" restart="never" nodeType="tmRoot"/>
+      </p:par>
+    </p:tnLst>
+  </p:timing>
 </p:sld>
 </file>
 
@@ -10327,7 +10995,7 @@
     </a:clrScheme>
     <a:fontScheme name="Ion">
       <a:majorFont>
-        <a:latin typeface="Century Gothic" panose="020B0502020202020204"/>
+        <a:latin typeface="Century Gothic"/>
         <a:ea typeface=""/>
         <a:cs typeface=""/>
         <a:font script="Jpan" typeface="メイリオ"/>
@@ -10362,7 +11030,7 @@
         <a:font script="Geor" typeface="Sylfaen"/>
       </a:majorFont>
       <a:minorFont>
-        <a:latin typeface="Century Gothic" panose="020B0502020202020204"/>
+        <a:latin typeface="Century Gothic"/>
         <a:ea typeface=""/>
         <a:cs typeface=""/>
         <a:font script="Jpan" typeface="メイリオ"/>
@@ -10544,7 +11212,7 @@
   <a:extraClrSchemeLst/>
   <a:extLst>
     <a:ext uri="{05A4C25C-085E-4340-85A3-A5531E510DB2}">
-      <thm15:themeFamily xmlns:thm15="http://schemas.microsoft.com/office/thememl/2012/main" name="Ion" id="{B8441ADB-2E43-4AF7-B97A-BD870242C6A8}" vid="{292E63A9-BB86-4E3D-B92A-7223C6510D2E}"/>
+      <thm15:themeFamily xmlns:thm15="http://schemas.microsoft.com/office/thememl/2012/main" xmlns="" name="Ion" id="{B8441ADB-2E43-4AF7-B97A-BD870242C6A8}" vid="{292E63A9-BB86-4E3D-B92A-7223C6510D2E}"/>
     </a:ext>
   </a:extLst>
 </a:theme>
@@ -10593,7 +11261,7 @@
     </a:clrScheme>
     <a:fontScheme name="Office">
       <a:majorFont>
-        <a:latin typeface="Calibri Light" panose="020F0302020204030204"/>
+        <a:latin typeface="Calibri Light"/>
         <a:ea typeface=""/>
         <a:cs typeface=""/>
         <a:font script="Jpan" typeface="游ゴシック Light"/>
@@ -10645,7 +11313,7 @@
         <a:font script="Tfng" typeface="Ebrima"/>
       </a:majorFont>
       <a:minorFont>
-        <a:latin typeface="Calibri" panose="020F0502020204030204"/>
+        <a:latin typeface="Calibri"/>
         <a:ea typeface=""/>
         <a:cs typeface=""/>
         <a:font script="Jpan" typeface="游ゴシック"/>
@@ -10839,7 +11507,7 @@
   <a:extraClrSchemeLst/>
   <a:extLst>
     <a:ext uri="{05A4C25C-085E-4340-85A3-A5531E510DB2}">
-      <thm15:themeFamily xmlns:thm15="http://schemas.microsoft.com/office/thememl/2012/main" name="Office Theme" id="{62F939B6-93AF-4DB8-9C6B-D6C7DFDC589F}" vid="{4A3C46E8-61CC-4603-A589-7422A47A8E4A}"/>
+      <thm15:themeFamily xmlns:thm15="http://schemas.microsoft.com/office/thememl/2012/main" xmlns="" name="Office Theme" id="{62F939B6-93AF-4DB8-9C6B-D6C7DFDC589F}" vid="{4A3C46E8-61CC-4603-A589-7422A47A8E4A}"/>
     </a:ext>
   </a:extLst>
 </a:theme>

--- a/Report.pptx
+++ b/Report.pptx
@@ -136,7 +136,7 @@
   </p:defaultTextStyle>
   <p:extLst>
     <p:ext uri="{EFAFB233-063F-42B5-8137-9DF3F51BA10A}">
-      <p15:sldGuideLst xmlns:p15="http://schemas.microsoft.com/office/powerpoint/2012/main" xmlns="">
+      <p15:sldGuideLst xmlns:p15="http://schemas.microsoft.com/office/powerpoint/2012/main">
         <p15:guide id="1" orient="horz" pos="2160">
           <p15:clr>
             <a:srgbClr val="A4A3A4"/>
@@ -6756,7 +6756,7 @@
         </p:spPr>
         <p:txBody>
           <a:bodyPr>
-            <a:normAutofit fontScale="55000" lnSpcReduction="20000"/>
+            <a:normAutofit fontScale="47500" lnSpcReduction="20000"/>
           </a:bodyPr>
           <a:lstStyle/>
           <a:p>
@@ -6815,7 +6815,7 @@
           <a:p>
             <a:pPr algn="l"/>
             <a:r>
-              <a:rPr lang="en-US" sz="2800" b="1" u="sng" dirty="0">
+              <a:rPr lang="en-US" sz="2900" b="1" u="sng" dirty="0">
                 <a:solidFill>
                   <a:schemeClr val="tx1"/>
                 </a:solidFill>
@@ -6838,7 +6838,7 @@
               <a:buAutoNum type="arabicPeriod"/>
             </a:pPr>
             <a:r>
-              <a:rPr lang="en-US" sz="2600" dirty="0">
+              <a:rPr lang="en-US" sz="2700" dirty="0">
                 <a:solidFill>
                   <a:schemeClr val="tx1"/>
                 </a:solidFill>
@@ -6857,7 +6857,7 @@
               <a:buAutoNum type="arabicPeriod"/>
             </a:pPr>
             <a:r>
-              <a:rPr lang="en-US" sz="2600" dirty="0">
+              <a:rPr lang="en-US" sz="2700" dirty="0">
                 <a:solidFill>
                   <a:schemeClr val="tx1"/>
                 </a:solidFill>
@@ -6876,7 +6876,7 @@
               <a:buAutoNum type="arabicPeriod"/>
             </a:pPr>
             <a:r>
-              <a:rPr lang="en-US" sz="2600" dirty="0">
+              <a:rPr lang="en-US" sz="2700" dirty="0">
                 <a:solidFill>
                   <a:schemeClr val="tx1"/>
                 </a:solidFill>
@@ -6895,7 +6895,7 @@
               <a:buAutoNum type="arabicPeriod"/>
             </a:pPr>
             <a:r>
-              <a:rPr lang="en-US" sz="2600" dirty="0">
+              <a:rPr lang="en-US" sz="2700" dirty="0">
                 <a:solidFill>
                   <a:schemeClr val="tx1"/>
                 </a:solidFill>
@@ -6914,7 +6914,7 @@
               <a:buAutoNum type="arabicPeriod"/>
             </a:pPr>
             <a:r>
-              <a:rPr lang="en-US" sz="2600" dirty="0">
+              <a:rPr lang="en-US" sz="2700" dirty="0">
                 <a:solidFill>
                   <a:schemeClr val="tx1"/>
                 </a:solidFill>
@@ -6923,6 +6923,58 @@
                 <a:cs typeface="Tahoma" panose="020B0604030504040204" pitchFamily="34" charset="0"/>
               </a:rPr>
               <a:t>RAMESH CH. MALLIK :    2203081002</a:t>
+            </a:r>
+          </a:p>
+          <a:p>
+            <a:pPr marL="514350" indent="-514350" algn="l">
+              <a:lnSpc>
+                <a:spcPct val="120000"/>
+              </a:lnSpc>
+              <a:buAutoNum type="arabicPeriod"/>
+            </a:pPr>
+            <a:r>
+              <a:rPr lang="en-US" sz="2700" dirty="0" err="1">
+                <a:solidFill>
+                  <a:schemeClr val="tx1"/>
+                </a:solidFill>
+                <a:latin typeface="HP Simplified Hans Light" panose="020B0300000000000000" pitchFamily="34" charset="-122"/>
+                <a:ea typeface="HP Simplified Hans Light" panose="020B0300000000000000" pitchFamily="34" charset="-122"/>
+                <a:cs typeface="Tahoma" panose="020B0604030504040204" pitchFamily="34" charset="0"/>
+              </a:rPr>
+              <a:t>SHailesh</a:t>
+            </a:r>
+            <a:r>
+              <a:rPr lang="en-US" sz="2700" dirty="0">
+                <a:solidFill>
+                  <a:schemeClr val="tx1"/>
+                </a:solidFill>
+                <a:latin typeface="HP Simplified Hans Light" panose="020B0300000000000000" pitchFamily="34" charset="-122"/>
+                <a:ea typeface="HP Simplified Hans Light" panose="020B0300000000000000" pitchFamily="34" charset="-122"/>
+                <a:cs typeface="Tahoma" panose="020B0604030504040204" pitchFamily="34" charset="0"/>
+              </a:rPr>
+              <a:t> </a:t>
+            </a:r>
+            <a:r>
+              <a:rPr lang="en-US" sz="2700" dirty="0" err="1">
+                <a:solidFill>
+                  <a:schemeClr val="tx1"/>
+                </a:solidFill>
+                <a:latin typeface="HP Simplified Hans Light" panose="020B0300000000000000" pitchFamily="34" charset="-122"/>
+                <a:ea typeface="HP Simplified Hans Light" panose="020B0300000000000000" pitchFamily="34" charset="-122"/>
+                <a:cs typeface="Tahoma" panose="020B0604030504040204" pitchFamily="34" charset="0"/>
+              </a:rPr>
+              <a:t>MisHra</a:t>
+            </a:r>
+            <a:r>
+              <a:rPr lang="en-US" sz="2700" dirty="0">
+                <a:solidFill>
+                  <a:schemeClr val="tx1"/>
+                </a:solidFill>
+                <a:latin typeface="HP Simplified Hans Light" panose="020B0300000000000000" pitchFamily="34" charset="-122"/>
+                <a:ea typeface="HP Simplified Hans Light" panose="020B0300000000000000" pitchFamily="34" charset="-122"/>
+                <a:cs typeface="Tahoma" panose="020B0604030504040204" pitchFamily="34" charset="0"/>
+              </a:rPr>
+              <a:t> :       2102081004</a:t>
             </a:r>
           </a:p>
           <a:p>
@@ -6982,13 +7034,6 @@
   <p:clrMapOvr>
     <a:masterClrMapping/>
   </p:clrMapOvr>
-  <p:timing>
-    <p:tnLst>
-      <p:par>
-        <p:cTn id="1" dur="indefinite" restart="never" nodeType="tmRoot"/>
-      </p:par>
-    </p:tnLst>
-  </p:timing>
 </p:sld>
 </file>
 
@@ -7143,13 +7188,6 @@
   <p:clrMapOvr>
     <a:masterClrMapping/>
   </p:clrMapOvr>
-  <p:timing>
-    <p:tnLst>
-      <p:par>
-        <p:cTn id="1" dur="indefinite" restart="never" nodeType="tmRoot"/>
-      </p:par>
-    </p:tnLst>
-  </p:timing>
 </p:sld>
 </file>
 
@@ -7299,13 +7337,6 @@
   <p:clrMapOvr>
     <a:masterClrMapping/>
   </p:clrMapOvr>
-  <p:timing>
-    <p:tnLst>
-      <p:par>
-        <p:cTn id="1" dur="indefinite" restart="never" nodeType="tmRoot"/>
-      </p:par>
-    </p:tnLst>
-  </p:timing>
 </p:sld>
 </file>
 
@@ -7384,13 +7415,6 @@
   <p:clrMapOvr>
     <a:masterClrMapping/>
   </p:clrMapOvr>
-  <p:timing>
-    <p:tnLst>
-      <p:par>
-        <p:cTn id="1" dur="indefinite" restart="never" nodeType="tmRoot"/>
-      </p:par>
-    </p:tnLst>
-  </p:timing>
 </p:sld>
 </file>
 
@@ -7440,13 +7464,6 @@
   <p:clrMapOvr>
     <a:masterClrMapping/>
   </p:clrMapOvr>
-  <p:timing>
-    <p:tnLst>
-      <p:par>
-        <p:cTn id="1" dur="indefinite" restart="never" nodeType="tmRoot"/>
-      </p:par>
-    </p:tnLst>
-  </p:timing>
 </p:sld>
 </file>
 
@@ -7472,7 +7489,7 @@
           <p:cNvPr id="2" name="Title 1">
             <a:extLst>
               <a:ext uri="{FF2B5EF4-FFF2-40B4-BE49-F238E27FC236}">
-                <a16:creationId xmlns:a16="http://schemas.microsoft.com/office/drawing/2014/main" xmlns="" id="{35B92C80-6972-5E79-37F1-FC270316044A}"/>
+                <a16:creationId xmlns:a16="http://schemas.microsoft.com/office/drawing/2014/main" id="{35B92C80-6972-5E79-37F1-FC270316044A}"/>
               </a:ext>
             </a:extLst>
           </p:cNvPr>
@@ -7508,7 +7525,7 @@
           <p:cNvPr id="3" name="Content Placeholder 2">
             <a:extLst>
               <a:ext uri="{FF2B5EF4-FFF2-40B4-BE49-F238E27FC236}">
-                <a16:creationId xmlns:a16="http://schemas.microsoft.com/office/drawing/2014/main" xmlns="" id="{83681D05-9748-D486-D79C-9A24073707CA}"/>
+                <a16:creationId xmlns:a16="http://schemas.microsoft.com/office/drawing/2014/main" id="{83681D05-9748-D486-D79C-9A24073707CA}"/>
               </a:ext>
             </a:extLst>
           </p:cNvPr>
@@ -7611,13 +7628,6 @@
   <p:clrMapOvr>
     <a:masterClrMapping/>
   </p:clrMapOvr>
-  <p:timing>
-    <p:tnLst>
-      <p:par>
-        <p:cTn id="1" dur="indefinite" restart="never" nodeType="tmRoot"/>
-      </p:par>
-    </p:tnLst>
-  </p:timing>
 </p:sld>
 </file>
 
@@ -7778,13 +7788,6 @@
   <p:clrMapOvr>
     <a:masterClrMapping/>
   </p:clrMapOvr>
-  <p:timing>
-    <p:tnLst>
-      <p:par>
-        <p:cTn id="1" dur="indefinite" restart="never" nodeType="tmRoot"/>
-      </p:par>
-    </p:tnLst>
-  </p:timing>
 </p:sld>
 </file>
 
@@ -7924,13 +7927,6 @@
   <p:clrMapOvr>
     <a:masterClrMapping/>
   </p:clrMapOvr>
-  <p:timing>
-    <p:tnLst>
-      <p:par>
-        <p:cTn id="1" dur="indefinite" restart="never" nodeType="tmRoot"/>
-      </p:par>
-    </p:tnLst>
-  </p:timing>
 </p:sld>
 </file>
 
@@ -7956,7 +7952,7 @@
           <p:cNvPr id="3" name="Picture 2">
             <a:extLst>
               <a:ext uri="{FF2B5EF4-FFF2-40B4-BE49-F238E27FC236}">
-                <a16:creationId xmlns:a16="http://schemas.microsoft.com/office/drawing/2014/main" xmlns="" id="{1B54EDC5-5BB8-49F4-9941-5D7284242BD0}"/>
+                <a16:creationId xmlns:a16="http://schemas.microsoft.com/office/drawing/2014/main" id="{1B54EDC5-5BB8-49F4-9941-5D7284242BD0}"/>
               </a:ext>
             </a:extLst>
           </p:cNvPr>
@@ -7997,13 +7993,6 @@
   <p:clrMapOvr>
     <a:masterClrMapping/>
   </p:clrMapOvr>
-  <p:timing>
-    <p:tnLst>
-      <p:par>
-        <p:cTn id="1" dur="indefinite" restart="never" nodeType="tmRoot"/>
-      </p:par>
-    </p:tnLst>
-  </p:timing>
 </p:sld>
 </file>
 
@@ -8145,13 +8134,6 @@
   <p:clrMapOvr>
     <a:masterClrMapping/>
   </p:clrMapOvr>
-  <p:timing>
-    <p:tnLst>
-      <p:par>
-        <p:cTn id="1" dur="indefinite" restart="never" nodeType="tmRoot"/>
-      </p:par>
-    </p:tnLst>
-  </p:timing>
 </p:sld>
 </file>
 
@@ -8252,13 +8234,6 @@
   <p:clrMapOvr>
     <a:masterClrMapping/>
   </p:clrMapOvr>
-  <p:timing>
-    <p:tnLst>
-      <p:par>
-        <p:cTn id="1" dur="indefinite" restart="never" nodeType="tmRoot"/>
-      </p:par>
-    </p:tnLst>
-  </p:timing>
 </p:sld>
 </file>
 
@@ -8284,7 +8259,7 @@
           <p:cNvPr id="2" name="Title 1">
             <a:extLst>
               <a:ext uri="{FF2B5EF4-FFF2-40B4-BE49-F238E27FC236}">
-                <a16:creationId xmlns:a16="http://schemas.microsoft.com/office/drawing/2014/main" xmlns="" id="{345C4AFF-606F-020A-13BF-05F9C0473A5A}"/>
+                <a16:creationId xmlns:a16="http://schemas.microsoft.com/office/drawing/2014/main" id="{345C4AFF-606F-020A-13BF-05F9C0473A5A}"/>
               </a:ext>
             </a:extLst>
           </p:cNvPr>
@@ -8335,7 +8310,7 @@
           <p:cNvPr id="5" name="Content Placeholder 4">
             <a:extLst>
               <a:ext uri="{FF2B5EF4-FFF2-40B4-BE49-F238E27FC236}">
-                <a16:creationId xmlns:a16="http://schemas.microsoft.com/office/drawing/2014/main" xmlns="" id="{B564DDB4-9FE4-BB85-E708-88421A5F85AB}"/>
+                <a16:creationId xmlns:a16="http://schemas.microsoft.com/office/drawing/2014/main" id="{B564DDB4-9FE4-BB85-E708-88421A5F85AB}"/>
               </a:ext>
             </a:extLst>
           </p:cNvPr>
@@ -8375,13 +8350,6 @@
   <p:clrMapOvr>
     <a:masterClrMapping/>
   </p:clrMapOvr>
-  <p:timing>
-    <p:tnLst>
-      <p:par>
-        <p:cTn id="1" dur="indefinite" restart="never" nodeType="tmRoot"/>
-      </p:par>
-    </p:tnLst>
-  </p:timing>
 </p:sld>
 </file>
 
@@ -8818,13 +8786,6 @@
   <p:clrMapOvr>
     <a:masterClrMapping/>
   </p:clrMapOvr>
-  <p:timing>
-    <p:tnLst>
-      <p:par>
-        <p:cTn id="1" dur="indefinite" restart="never" nodeType="tmRoot"/>
-      </p:par>
-    </p:tnLst>
-  </p:timing>
 </p:sld>
 </file>
 
@@ -8955,13 +8916,6 @@
   <p:clrMapOvr>
     <a:masterClrMapping/>
   </p:clrMapOvr>
-  <p:timing>
-    <p:tnLst>
-      <p:par>
-        <p:cTn id="1" dur="indefinite" restart="never" nodeType="tmRoot"/>
-      </p:par>
-    </p:tnLst>
-  </p:timing>
 </p:sld>
 </file>
 
@@ -9091,13 +9045,6 @@
   <p:clrMapOvr>
     <a:masterClrMapping/>
   </p:clrMapOvr>
-  <p:timing>
-    <p:tnLst>
-      <p:par>
-        <p:cTn id="1" dur="indefinite" restart="never" nodeType="tmRoot"/>
-      </p:par>
-    </p:tnLst>
-  </p:timing>
 </p:sld>
 </file>
 
@@ -9180,13 +9127,6 @@
   <p:clrMapOvr>
     <a:masterClrMapping/>
   </p:clrMapOvr>
-  <p:timing>
-    <p:tnLst>
-      <p:par>
-        <p:cTn id="1" dur="indefinite" restart="never" nodeType="tmRoot"/>
-      </p:par>
-    </p:tnLst>
-  </p:timing>
 </p:sld>
 </file>
 
@@ -9219,39 +9159,30 @@
         </p:nvSpPr>
         <p:spPr>
           <a:xfrm>
-            <a:off x="152400" y="152400"/>
-            <a:ext cx="5687490" cy="537882"/>
+            <a:off x="228600" y="152400"/>
+            <a:ext cx="5611290" cy="685800"/>
           </a:xfrm>
         </p:spPr>
         <p:txBody>
           <a:bodyPr/>
           <a:lstStyle/>
           <a:p>
-            <a:r>
-              <a:rPr lang="en-US" sz="4400" dirty="0">
-                <a:solidFill>
-                  <a:srgbClr val="FF0000"/>
-                </a:solidFill>
-              </a:rPr>
-              <a:t>Semantic</a:t>
-            </a:r>
             <a:r>
               <a:rPr lang="en-US" dirty="0">
                 <a:solidFill>
                   <a:srgbClr val="FF0000"/>
                 </a:solidFill>
-              </a:rPr>
-              <a:t> </a:t>
-            </a:r>
-            <a:r>
-              <a:rPr lang="en-US" sz="4400" dirty="0">
-                <a:solidFill>
-                  <a:srgbClr val="FF0000"/>
-                </a:solidFill>
-              </a:rPr>
-              <a:t>Analysis</a:t>
-            </a:r>
-            <a:endParaRPr lang="en-US" dirty="0"/>
+                <a:latin typeface="Microsoft Sans Serif" panose="020B0604020202020204" pitchFamily="34" charset="0"/>
+                <a:ea typeface="Microsoft Sans Serif" panose="020B0604020202020204" pitchFamily="34" charset="0"/>
+                <a:cs typeface="Microsoft Sans Serif" panose="020B0604020202020204" pitchFamily="34" charset="0"/>
+              </a:rPr>
+              <a:t>Semantic Analysis</a:t>
+            </a:r>
+            <a:endParaRPr lang="en-US" dirty="0">
+              <a:latin typeface="Microsoft Sans Serif" panose="020B0604020202020204" pitchFamily="34" charset="0"/>
+              <a:ea typeface="Microsoft Sans Serif" panose="020B0604020202020204" pitchFamily="34" charset="0"/>
+              <a:cs typeface="Microsoft Sans Serif" panose="020B0604020202020204" pitchFamily="34" charset="0"/>
+            </a:endParaRPr>
           </a:p>
         </p:txBody>
       </p:sp>
@@ -9278,64 +9209,50 @@
           <a:lstStyle/>
           <a:p>
             <a:r>
-              <a:rPr lang="en-US" sz="2800" dirty="0"/>
-              <a:t>Ensures program meaning and correctness beyond syntax</a:t>
-            </a:r>
-            <a:r>
-              <a:rPr lang="en-US" sz="2800" dirty="0" smtClean="0"/>
-              <a:t>.</a:t>
-            </a:r>
-          </a:p>
-          <a:p>
-            <a:r>
-              <a:rPr lang="en-US" sz="2800" dirty="0"/>
-              <a:t>Crucial for detecting and resolving semantic </a:t>
-            </a:r>
-            <a:r>
-              <a:rPr lang="en-US" sz="2800" dirty="0" smtClean="0"/>
-              <a:t>errors.</a:t>
-            </a:r>
-          </a:p>
-          <a:p>
-            <a:r>
-              <a:rPr lang="en-US" sz="2800" dirty="0" smtClean="0"/>
-              <a:t>Type checking</a:t>
-            </a:r>
-            <a:r>
-              <a:rPr lang="en-US" sz="2800" dirty="0"/>
-              <a:t>, scope resolution, semantic verification</a:t>
-            </a:r>
-            <a:r>
-              <a:rPr lang="en-US" sz="2800" dirty="0" smtClean="0"/>
-              <a:t>.</a:t>
-            </a:r>
-          </a:p>
-          <a:p>
-            <a:r>
-              <a:rPr lang="en-US" sz="2800" dirty="0" smtClean="0"/>
-              <a:t>Integrated </a:t>
-            </a:r>
-            <a:r>
-              <a:rPr lang="en-US" sz="2800" dirty="0"/>
-              <a:t>with syntactic analysis, symbol table management. </a:t>
-            </a:r>
-            <a:endParaRPr lang="en-US" sz="2800" dirty="0" smtClean="0"/>
-          </a:p>
-          <a:p>
-            <a:r>
-              <a:rPr lang="en-US" sz="2800" dirty="0"/>
+              <a:rPr lang="en-US" sz="2800" dirty="0">
+                <a:ea typeface="HP Simplified Hans Light" panose="020B0300000000000000"/>
+              </a:rPr>
+              <a:t>Ensures program meaning and correctness beyond syntax.</a:t>
+            </a:r>
+          </a:p>
+          <a:p>
+            <a:r>
+              <a:rPr lang="en-US" sz="2800" dirty="0">
+                <a:ea typeface="HP Simplified Hans Light" panose="020B0300000000000000"/>
+              </a:rPr>
+              <a:t>Crucial for detecting and resolving semantic errors.</a:t>
+            </a:r>
+          </a:p>
+          <a:p>
+            <a:r>
+              <a:rPr lang="en-US" sz="2800" dirty="0">
+                <a:ea typeface="HP Simplified Hans Light" panose="020B0300000000000000"/>
+              </a:rPr>
+              <a:t>Type checking, scope resolution, semantic verification.</a:t>
+            </a:r>
+          </a:p>
+          <a:p>
+            <a:r>
+              <a:rPr lang="en-US" sz="2800" dirty="0">
+                <a:ea typeface="HP Simplified Hans Light" panose="020B0300000000000000"/>
+              </a:rPr>
+              <a:t>Integrated with syntactic analysis, symbol table management. </a:t>
+            </a:r>
+          </a:p>
+          <a:p>
+            <a:r>
+              <a:rPr lang="en-US" sz="2800" dirty="0">
+                <a:ea typeface="HP Simplified Hans Light" panose="020B0300000000000000"/>
+              </a:rPr>
               <a:t>Identifies and reports semantic errors. </a:t>
             </a:r>
-            <a:endParaRPr lang="en-US" sz="2800" dirty="0" smtClean="0"/>
-          </a:p>
-          <a:p>
-            <a:r>
-              <a:rPr lang="en-US" sz="2800" dirty="0" smtClean="0"/>
-              <a:t>Handling </a:t>
-            </a:r>
-            <a:r>
-              <a:rPr lang="en-US" sz="2800" dirty="0"/>
-              <a:t>complex constructs, ensuring compliance with language standards.</a:t>
+          </a:p>
+          <a:p>
+            <a:r>
+              <a:rPr lang="en-US" sz="2800" dirty="0">
+                <a:ea typeface="HP Simplified Hans Light" panose="020B0300000000000000"/>
+              </a:rPr>
+              <a:t>Handling complex constructs, ensuring compliance with language standards.</a:t>
             </a:r>
           </a:p>
         </p:txBody>
@@ -9350,13 +9267,6 @@
   <p:clrMapOvr>
     <a:masterClrMapping/>
   </p:clrMapOvr>
-  <p:timing>
-    <p:tnLst>
-      <p:par>
-        <p:cTn id="1" dur="indefinite" restart="never" nodeType="tmRoot"/>
-      </p:par>
-    </p:tnLst>
-  </p:timing>
 </p:sld>
 </file>
 
@@ -9393,18 +9303,13 @@
           <a:lstStyle/>
           <a:p>
             <a:r>
-              <a:rPr lang="en-US" dirty="0" smtClean="0">
+              <a:rPr lang="en-US" dirty="0">
                 <a:solidFill>
                   <a:srgbClr val="FF0000"/>
                 </a:solidFill>
               </a:rPr>
               <a:t>Example:</a:t>
             </a:r>
-            <a:endParaRPr lang="en-US" dirty="0">
-              <a:solidFill>
-                <a:srgbClr val="FF0000"/>
-              </a:solidFill>
-            </a:endParaRPr>
           </a:p>
         </p:txBody>
       </p:sp>
@@ -9461,13 +9366,6 @@
   <p:clrMapOvr>
     <a:masterClrMapping/>
   </p:clrMapOvr>
-  <p:timing>
-    <p:tnLst>
-      <p:par>
-        <p:cTn id="1" dur="indefinite" restart="never" nodeType="tmRoot"/>
-      </p:par>
-    </p:tnLst>
-  </p:timing>
 </p:sld>
 </file>
 
@@ -9509,18 +9407,13 @@
           <a:lstStyle/>
           <a:p>
             <a:r>
-              <a:rPr lang="en-US" b="1" dirty="0" smtClean="0">
+              <a:rPr lang="en-US" b="1" dirty="0">
                 <a:solidFill>
                   <a:srgbClr val="FF0000"/>
                 </a:solidFill>
               </a:rPr>
               <a:t>Output:</a:t>
             </a:r>
-            <a:endParaRPr lang="en-US" b="1" dirty="0">
-              <a:solidFill>
-                <a:srgbClr val="FF0000"/>
-              </a:solidFill>
-            </a:endParaRPr>
           </a:p>
         </p:txBody>
       </p:sp>
@@ -9563,13 +9456,6 @@
   <p:clrMapOvr>
     <a:masterClrMapping/>
   </p:clrMapOvr>
-  <p:timing>
-    <p:tnLst>
-      <p:par>
-        <p:cTn id="1" dur="indefinite" restart="never" nodeType="tmRoot"/>
-      </p:par>
-    </p:tnLst>
-  </p:timing>
 </p:sld>
 </file>
 
@@ -9619,15 +9505,7 @@
                   <a:srgbClr val="FF0000"/>
                 </a:solidFill>
               </a:rPr>
-              <a:t>Future </a:t>
-            </a:r>
-            <a:r>
-              <a:rPr lang="en-US" sz="2800" b="1" u="sng" dirty="0" smtClean="0">
-                <a:solidFill>
-                  <a:srgbClr val="FF0000"/>
-                </a:solidFill>
-              </a:rPr>
-              <a:t>Directions and Conclusion:</a:t>
+              <a:t>Future Directions and Conclusion:</a:t>
             </a:r>
           </a:p>
           <a:p>
@@ -9642,26 +9520,17 @@
           </a:p>
           <a:p>
             <a:r>
-              <a:rPr lang="en-US" sz="2400" dirty="0" smtClean="0"/>
-              <a:t>Optimization</a:t>
-            </a:r>
-            <a:r>
               <a:rPr lang="en-US" sz="2400" dirty="0"/>
-              <a:t>, efficiency improvements, exploring emerging trends.   </a:t>
-            </a:r>
-            <a:endParaRPr lang="en-US" sz="2400" dirty="0" smtClean="0"/>
-          </a:p>
-          <a:p>
-            <a:endParaRPr lang="en-US" sz="2400" dirty="0" smtClean="0"/>
-          </a:p>
-          <a:p>
-            <a:r>
-              <a:rPr lang="en-US" sz="2400" dirty="0" smtClean="0"/>
-              <a:t>Semantic </a:t>
-            </a:r>
+              <a:t>Optimization, efficiency improvements, exploring emerging trends.   </a:t>
+            </a:r>
+          </a:p>
+          <a:p>
+            <a:endParaRPr lang="en-US" sz="2400" dirty="0"/>
+          </a:p>
+          <a:p>
             <a:r>
               <a:rPr lang="en-US" sz="2400" dirty="0"/>
-              <a:t>analysis vital for program correctness and compiler functionality.</a:t>
+              <a:t>Semantic analysis vital for program correctness and compiler functionality.</a:t>
             </a:r>
           </a:p>
         </p:txBody>
@@ -9676,13 +9545,6 @@
   <p:clrMapOvr>
     <a:masterClrMapping/>
   </p:clrMapOvr>
-  <p:timing>
-    <p:tnLst>
-      <p:par>
-        <p:cTn id="1" dur="indefinite" restart="never" nodeType="tmRoot"/>
-      </p:par>
-    </p:tnLst>
-  </p:timing>
 </p:sld>
 </file>
 
@@ -9742,13 +9604,6 @@
   <p:clrMapOvr>
     <a:masterClrMapping/>
   </p:clrMapOvr>
-  <p:timing>
-    <p:tnLst>
-      <p:par>
-        <p:cTn id="1" dur="indefinite" restart="never" nodeType="tmRoot"/>
-      </p:par>
-    </p:tnLst>
-  </p:timing>
 </p:sld>
 </file>
 
@@ -9924,13 +9779,6 @@
   <p:clrMapOvr>
     <a:masterClrMapping/>
   </p:clrMapOvr>
-  <p:timing>
-    <p:tnLst>
-      <p:par>
-        <p:cTn id="1" dur="indefinite" restart="never" nodeType="tmRoot"/>
-      </p:par>
-    </p:tnLst>
-  </p:timing>
 </p:sld>
 </file>
 
@@ -10123,13 +9971,6 @@
   <p:clrMapOvr>
     <a:masterClrMapping/>
   </p:clrMapOvr>
-  <p:timing>
-    <p:tnLst>
-      <p:par>
-        <p:cTn id="1" dur="indefinite" restart="never" nodeType="tmRoot"/>
-      </p:par>
-    </p:tnLst>
-  </p:timing>
 </p:sld>
 </file>
 
@@ -10326,13 +10167,6 @@
   <p:clrMapOvr>
     <a:masterClrMapping/>
   </p:clrMapOvr>
-  <p:timing>
-    <p:tnLst>
-      <p:par>
-        <p:cTn id="1" dur="indefinite" restart="never" nodeType="tmRoot"/>
-      </p:par>
-    </p:tnLst>
-  </p:timing>
 </p:sld>
 </file>
 
@@ -10358,7 +10192,7 @@
           <p:cNvPr id="3" name="Picture 2">
             <a:extLst>
               <a:ext uri="{FF2B5EF4-FFF2-40B4-BE49-F238E27FC236}">
-                <a16:creationId xmlns:a16="http://schemas.microsoft.com/office/drawing/2014/main" xmlns="" id="{874CE023-AA74-B1ED-FDE3-A5EF66525CE9}"/>
+                <a16:creationId xmlns:a16="http://schemas.microsoft.com/office/drawing/2014/main" id="{874CE023-AA74-B1ED-FDE3-A5EF66525CE9}"/>
               </a:ext>
             </a:extLst>
           </p:cNvPr>
@@ -10399,13 +10233,6 @@
   <p:clrMapOvr>
     <a:masterClrMapping/>
   </p:clrMapOvr>
-  <p:timing>
-    <p:tnLst>
-      <p:par>
-        <p:cTn id="1" dur="indefinite" restart="never" nodeType="tmRoot"/>
-      </p:par>
-    </p:tnLst>
-  </p:timing>
 </p:sld>
 </file>
 
@@ -10431,7 +10258,7 @@
           <p:cNvPr id="2" name="Title 1">
             <a:extLst>
               <a:ext uri="{FF2B5EF4-FFF2-40B4-BE49-F238E27FC236}">
-                <a16:creationId xmlns:a16="http://schemas.microsoft.com/office/drawing/2014/main" xmlns="" id="{D78CFF30-24FA-568E-FA67-E9A3C31B22CB}"/>
+                <a16:creationId xmlns:a16="http://schemas.microsoft.com/office/drawing/2014/main" id="{D78CFF30-24FA-568E-FA67-E9A3C31B22CB}"/>
               </a:ext>
             </a:extLst>
           </p:cNvPr>
@@ -10469,7 +10296,7 @@
           <p:cNvPr id="3" name="Content Placeholder 2">
             <a:extLst>
               <a:ext uri="{FF2B5EF4-FFF2-40B4-BE49-F238E27FC236}">
-                <a16:creationId xmlns:a16="http://schemas.microsoft.com/office/drawing/2014/main" xmlns="" id="{90C8AC47-3165-EAE6-664D-EDA5FFC0E079}"/>
+                <a16:creationId xmlns:a16="http://schemas.microsoft.com/office/drawing/2014/main" id="{90C8AC47-3165-EAE6-664D-EDA5FFC0E079}"/>
               </a:ext>
             </a:extLst>
           </p:cNvPr>
@@ -10592,13 +10419,6 @@
   <p:clrMapOvr>
     <a:masterClrMapping/>
   </p:clrMapOvr>
-  <p:timing>
-    <p:tnLst>
-      <p:par>
-        <p:cTn id="1" dur="indefinite" restart="never" nodeType="tmRoot"/>
-      </p:par>
-    </p:tnLst>
-  </p:timing>
 </p:sld>
 </file>
 
@@ -10723,13 +10543,6 @@
   <p:clrMapOvr>
     <a:masterClrMapping/>
   </p:clrMapOvr>
-  <p:timing>
-    <p:tnLst>
-      <p:par>
-        <p:cTn id="1" dur="indefinite" restart="never" nodeType="tmRoot"/>
-      </p:par>
-    </p:tnLst>
-  </p:timing>
 </p:sld>
 </file>
 
@@ -10942,13 +10755,6 @@
   <p:clrMapOvr>
     <a:masterClrMapping/>
   </p:clrMapOvr>
-  <p:timing>
-    <p:tnLst>
-      <p:par>
-        <p:cTn id="1" dur="indefinite" restart="never" nodeType="tmRoot"/>
-      </p:par>
-    </p:tnLst>
-  </p:timing>
 </p:sld>
 </file>
 
@@ -11212,7 +11018,7 @@
   <a:extraClrSchemeLst/>
   <a:extLst>
     <a:ext uri="{05A4C25C-085E-4340-85A3-A5531E510DB2}">
-      <thm15:themeFamily xmlns:thm15="http://schemas.microsoft.com/office/thememl/2012/main" xmlns="" name="Ion" id="{B8441ADB-2E43-4AF7-B97A-BD870242C6A8}" vid="{292E63A9-BB86-4E3D-B92A-7223C6510D2E}"/>
+      <thm15:themeFamily xmlns:thm15="http://schemas.microsoft.com/office/thememl/2012/main" name="Ion" id="{B8441ADB-2E43-4AF7-B97A-BD870242C6A8}" vid="{292E63A9-BB86-4E3D-B92A-7223C6510D2E}"/>
     </a:ext>
   </a:extLst>
 </a:theme>
@@ -11507,7 +11313,7 @@
   <a:extraClrSchemeLst/>
   <a:extLst>
     <a:ext uri="{05A4C25C-085E-4340-85A3-A5531E510DB2}">
-      <thm15:themeFamily xmlns:thm15="http://schemas.microsoft.com/office/thememl/2012/main" xmlns="" name="Office Theme" id="{62F939B6-93AF-4DB8-9C6B-D6C7DFDC589F}" vid="{4A3C46E8-61CC-4603-A589-7422A47A8E4A}"/>
+      <thm15:themeFamily xmlns:thm15="http://schemas.microsoft.com/office/thememl/2012/main" name="Office Theme" id="{62F939B6-93AF-4DB8-9C6B-D6C7DFDC589F}" vid="{4A3C46E8-61CC-4603-A589-7422A47A8E4A}"/>
     </a:ext>
   </a:extLst>
 </a:theme>

--- a/Report.pptx
+++ b/Report.pptx
@@ -5,7 +5,7 @@
     <p:sldMasterId id="2147483959" r:id="rId1"/>
   </p:sldMasterIdLst>
   <p:notesMasterIdLst>
-    <p:notesMasterId r:id="rId30"/>
+    <p:notesMasterId r:id="rId26"/>
   </p:notesMasterIdLst>
   <p:sldIdLst>
     <p:sldId id="256" r:id="rId2"/>
@@ -18,24 +18,20 @@
     <p:sldId id="263" r:id="rId9"/>
     <p:sldId id="269" r:id="rId10"/>
     <p:sldId id="270" r:id="rId11"/>
-    <p:sldId id="271" r:id="rId12"/>
-    <p:sldId id="267" r:id="rId13"/>
-    <p:sldId id="268" r:id="rId14"/>
-    <p:sldId id="299" r:id="rId15"/>
-    <p:sldId id="275" r:id="rId16"/>
-    <p:sldId id="276" r:id="rId17"/>
-    <p:sldId id="296" r:id="rId18"/>
-    <p:sldId id="277" r:id="rId19"/>
-    <p:sldId id="278" r:id="rId20"/>
-    <p:sldId id="282" r:id="rId21"/>
-    <p:sldId id="286" r:id="rId22"/>
-    <p:sldId id="292" r:id="rId23"/>
-    <p:sldId id="293" r:id="rId24"/>
-    <p:sldId id="301" r:id="rId25"/>
-    <p:sldId id="303" r:id="rId26"/>
-    <p:sldId id="302" r:id="rId27"/>
-    <p:sldId id="304" r:id="rId28"/>
-    <p:sldId id="294" r:id="rId29"/>
+    <p:sldId id="267" r:id="rId12"/>
+    <p:sldId id="268" r:id="rId13"/>
+    <p:sldId id="299" r:id="rId14"/>
+    <p:sldId id="275" r:id="rId15"/>
+    <p:sldId id="276" r:id="rId16"/>
+    <p:sldId id="296" r:id="rId17"/>
+    <p:sldId id="278" r:id="rId18"/>
+    <p:sldId id="282" r:id="rId19"/>
+    <p:sldId id="293" r:id="rId20"/>
+    <p:sldId id="301" r:id="rId21"/>
+    <p:sldId id="303" r:id="rId22"/>
+    <p:sldId id="302" r:id="rId23"/>
+    <p:sldId id="304" r:id="rId24"/>
+    <p:sldId id="294" r:id="rId25"/>
   </p:sldIdLst>
   <p:sldSz cx="9144000" cy="6858000" type="screen4x3"/>
   <p:notesSz cx="6858000" cy="9144000"/>
@@ -235,7 +231,7 @@
           <a:p>
             <a:fld id="{1CFE2F17-E694-47AC-9302-44A4B0B363D1}" type="datetimeFigureOut">
               <a:rPr lang="en-IN" smtClean="0"/>
-              <a:t>13-02-2024</a:t>
+              <a:t>20-02-2024</a:t>
             </a:fld>
             <a:endParaRPr lang="en-IN"/>
           </a:p>
@@ -774,7 +770,7 @@
             <a:fld id="{1D8BD707-D9CF-40AE-B4C6-C98DA3205C09}" type="datetimeFigureOut">
               <a:rPr lang="en-US" smtClean="0"/>
               <a:pPr/>
-              <a:t>2/13/2024</a:t>
+              <a:t>2/20/2024</a:t>
             </a:fld>
             <a:endParaRPr lang="en-US"/>
           </a:p>
@@ -1051,7 +1047,7 @@
             <a:fld id="{1D8BD707-D9CF-40AE-B4C6-C98DA3205C09}" type="datetimeFigureOut">
               <a:rPr lang="en-US" smtClean="0"/>
               <a:pPr/>
-              <a:t>2/13/2024</a:t>
+              <a:t>2/20/2024</a:t>
             </a:fld>
             <a:endParaRPr lang="en-US"/>
           </a:p>
@@ -1247,7 +1243,7 @@
             <a:fld id="{1D8BD707-D9CF-40AE-B4C6-C98DA3205C09}" type="datetimeFigureOut">
               <a:rPr lang="en-US" smtClean="0"/>
               <a:pPr/>
-              <a:t>2/13/2024</a:t>
+              <a:t>2/20/2024</a:t>
             </a:fld>
             <a:endParaRPr lang="en-US"/>
           </a:p>
@@ -1522,7 +1518,7 @@
             <a:fld id="{1D8BD707-D9CF-40AE-B4C6-C98DA3205C09}" type="datetimeFigureOut">
               <a:rPr lang="en-US" smtClean="0"/>
               <a:pPr/>
-              <a:t>2/13/2024</a:t>
+              <a:t>2/20/2024</a:t>
             </a:fld>
             <a:endParaRPr lang="en-US"/>
           </a:p>
@@ -1865,7 +1861,7 @@
             <a:fld id="{1D8BD707-D9CF-40AE-B4C6-C98DA3205C09}" type="datetimeFigureOut">
               <a:rPr lang="en-US" smtClean="0"/>
               <a:pPr/>
-              <a:t>2/13/2024</a:t>
+              <a:t>2/20/2024</a:t>
             </a:fld>
             <a:endParaRPr lang="en-US"/>
           </a:p>
@@ -2490,7 +2486,7 @@
             <a:fld id="{1D8BD707-D9CF-40AE-B4C6-C98DA3205C09}" type="datetimeFigureOut">
               <a:rPr lang="en-US" smtClean="0"/>
               <a:pPr/>
-              <a:t>2/13/2024</a:t>
+              <a:t>2/20/2024</a:t>
             </a:fld>
             <a:endParaRPr lang="en-US"/>
           </a:p>
@@ -3352,7 +3348,7 @@
             <a:fld id="{1D8BD707-D9CF-40AE-B4C6-C98DA3205C09}" type="datetimeFigureOut">
               <a:rPr lang="en-US" smtClean="0"/>
               <a:pPr/>
-              <a:t>2/13/2024</a:t>
+              <a:t>2/20/2024</a:t>
             </a:fld>
             <a:endParaRPr lang="en-US"/>
           </a:p>
@@ -3524,7 +3520,7 @@
             <a:fld id="{1D8BD707-D9CF-40AE-B4C6-C98DA3205C09}" type="datetimeFigureOut">
               <a:rPr lang="en-US" smtClean="0"/>
               <a:pPr/>
-              <a:t>2/13/2024</a:t>
+              <a:t>2/20/2024</a:t>
             </a:fld>
             <a:endParaRPr lang="en-US"/>
           </a:p>
@@ -3706,7 +3702,7 @@
             <a:fld id="{1D8BD707-D9CF-40AE-B4C6-C98DA3205C09}" type="datetimeFigureOut">
               <a:rPr lang="en-US" smtClean="0"/>
               <a:pPr/>
-              <a:t>2/13/2024</a:t>
+              <a:t>2/20/2024</a:t>
             </a:fld>
             <a:endParaRPr lang="en-US"/>
           </a:p>
@@ -3878,7 +3874,7 @@
             <a:fld id="{1D8BD707-D9CF-40AE-B4C6-C98DA3205C09}" type="datetimeFigureOut">
               <a:rPr lang="en-US" smtClean="0"/>
               <a:pPr/>
-              <a:t>2/13/2024</a:t>
+              <a:t>2/20/2024</a:t>
             </a:fld>
             <a:endParaRPr lang="en-US"/>
           </a:p>
@@ -4127,7 +4123,7 @@
             <a:fld id="{1D8BD707-D9CF-40AE-B4C6-C98DA3205C09}" type="datetimeFigureOut">
               <a:rPr lang="en-US" smtClean="0"/>
               <a:pPr/>
-              <a:t>2/13/2024</a:t>
+              <a:t>2/20/2024</a:t>
             </a:fld>
             <a:endParaRPr lang="en-US"/>
           </a:p>
@@ -4421,7 +4417,7 @@
             <a:fld id="{1D8BD707-D9CF-40AE-B4C6-C98DA3205C09}" type="datetimeFigureOut">
               <a:rPr lang="en-US" smtClean="0"/>
               <a:pPr/>
-              <a:t>2/13/2024</a:t>
+              <a:t>2/20/2024</a:t>
             </a:fld>
             <a:endParaRPr lang="en-US"/>
           </a:p>
@@ -4867,7 +4863,7 @@
             <a:fld id="{1D8BD707-D9CF-40AE-B4C6-C98DA3205C09}" type="datetimeFigureOut">
               <a:rPr lang="en-US" smtClean="0"/>
               <a:pPr/>
-              <a:t>2/13/2024</a:t>
+              <a:t>2/20/2024</a:t>
             </a:fld>
             <a:endParaRPr lang="en-US"/>
           </a:p>
@@ -4987,7 +4983,7 @@
             <a:fld id="{1D8BD707-D9CF-40AE-B4C6-C98DA3205C09}" type="datetimeFigureOut">
               <a:rPr lang="en-US" smtClean="0"/>
               <a:pPr/>
-              <a:t>2/13/2024</a:t>
+              <a:t>2/20/2024</a:t>
             </a:fld>
             <a:endParaRPr lang="en-US"/>
           </a:p>
@@ -5084,7 +5080,7 @@
             <a:fld id="{1D8BD707-D9CF-40AE-B4C6-C98DA3205C09}" type="datetimeFigureOut">
               <a:rPr lang="en-US" smtClean="0"/>
               <a:pPr/>
-              <a:t>2/13/2024</a:t>
+              <a:t>2/20/2024</a:t>
             </a:fld>
             <a:endParaRPr lang="en-US"/>
           </a:p>
@@ -5365,7 +5361,7 @@
             <a:fld id="{1D8BD707-D9CF-40AE-B4C6-C98DA3205C09}" type="datetimeFigureOut">
               <a:rPr lang="en-US" smtClean="0"/>
               <a:pPr/>
-              <a:t>2/13/2024</a:t>
+              <a:t>2/20/2024</a:t>
             </a:fld>
             <a:endParaRPr lang="en-US"/>
           </a:p>
@@ -5642,7 +5638,7 @@
             <a:fld id="{1D8BD707-D9CF-40AE-B4C6-C98DA3205C09}" type="datetimeFigureOut">
               <a:rPr lang="en-US" smtClean="0"/>
               <a:pPr/>
-              <a:t>2/13/2024</a:t>
+              <a:t>2/20/2024</a:t>
             </a:fld>
             <a:endParaRPr lang="en-US"/>
           </a:p>
@@ -6209,7 +6205,7 @@
             <a:fld id="{1D8BD707-D9CF-40AE-B4C6-C98DA3205C09}" type="datetimeFigureOut">
               <a:rPr lang="en-US" smtClean="0"/>
               <a:pPr/>
-              <a:t>2/13/2024</a:t>
+              <a:t>2/20/2024</a:t>
             </a:fld>
             <a:endParaRPr lang="en-US"/>
           </a:p>
@@ -7210,155 +7206,6 @@
       </p:grpSpPr>
       <p:sp>
         <p:nvSpPr>
-          <p:cNvPr id="3" name="Content Placeholder 2"/>
-          <p:cNvSpPr>
-            <a:spLocks noGrp="1"/>
-          </p:cNvSpPr>
-          <p:nvPr>
-            <p:ph idx="1"/>
-          </p:nvPr>
-        </p:nvSpPr>
-        <p:spPr>
-          <a:xfrm>
-            <a:off x="9525" y="9525"/>
-            <a:ext cx="9134475" cy="6858000"/>
-          </a:xfrm>
-        </p:spPr>
-        <p:txBody>
-          <a:bodyPr>
-            <a:normAutofit lnSpcReduction="10000"/>
-          </a:bodyPr>
-          <a:lstStyle/>
-          <a:p>
-            <a:pPr>
-              <a:buFont typeface="Wingdings" pitchFamily="2" charset="2"/>
-              <a:buChar char="v"/>
-            </a:pPr>
-            <a:r>
-              <a:rPr lang="en-US" sz="3000" b="1" u="sng" dirty="0">
-                <a:latin typeface="Microsoft Sans Serif" panose="020B0604020202020204" pitchFamily="34" charset="0"/>
-                <a:ea typeface="Microsoft Sans Serif" panose="020B0604020202020204" pitchFamily="34" charset="0"/>
-                <a:cs typeface="Microsoft Sans Serif" panose="020B0604020202020204" pitchFamily="34" charset="0"/>
-              </a:rPr>
-              <a:t>Error Handling for Unmatched Comments</a:t>
-            </a:r>
-          </a:p>
-          <a:p>
-            <a:pPr marL="400050" lvl="1" indent="0">
-              <a:buNone/>
-            </a:pPr>
-            <a:r>
-              <a:rPr lang="en-US" sz="2400" dirty="0">
-                <a:latin typeface="HP Simplified Hans Light" panose="020B0300000000000000" pitchFamily="34" charset="-122"/>
-                <a:ea typeface="HP Simplified Hans Light" panose="020B0300000000000000" pitchFamily="34" charset="-122"/>
-              </a:rPr>
-              <a:t>This has been handled by adding lookahead characters to operator regular expression. If there is an unmatched comment then it does not match with any of the patterns in the rule. Hence it goes to default state which in turn throws an error.</a:t>
-            </a:r>
-          </a:p>
-          <a:p>
-            <a:pPr marL="400050" lvl="1" indent="0">
-              <a:buNone/>
-            </a:pPr>
-            <a:endParaRPr lang="en-US" sz="2500" dirty="0">
-              <a:latin typeface="HP Simplified Hans Light" panose="020B0300000000000000" pitchFamily="34" charset="-122"/>
-              <a:ea typeface="HP Simplified Hans Light" panose="020B0300000000000000" pitchFamily="34" charset="-122"/>
-            </a:endParaRPr>
-          </a:p>
-          <a:p>
-            <a:pPr>
-              <a:buFont typeface="Wingdings" pitchFamily="2" charset="2"/>
-              <a:buChar char="v"/>
-            </a:pPr>
-            <a:r>
-              <a:rPr lang="en-US" sz="2800" b="1" u="sng" dirty="0">
-                <a:latin typeface="Microsoft Sans Serif" panose="020B0604020202020204" pitchFamily="34" charset="0"/>
-                <a:ea typeface="Microsoft Sans Serif" panose="020B0604020202020204" pitchFamily="34" charset="0"/>
-                <a:cs typeface="Microsoft Sans Serif" panose="020B0604020202020204" pitchFamily="34" charset="0"/>
-              </a:rPr>
-              <a:t>Error Handling for unclean integer constant</a:t>
-            </a:r>
-          </a:p>
-          <a:p>
-            <a:pPr marL="400050" lvl="1" indent="0">
-              <a:buNone/>
-            </a:pPr>
-            <a:r>
-              <a:rPr lang="en-US" sz="2400" dirty="0">
-                <a:latin typeface="HP Simplified Hans Light" panose="020B0300000000000000" pitchFamily="34" charset="-122"/>
-                <a:ea typeface="HP Simplified Hans Light" panose="020B0300000000000000" pitchFamily="34" charset="-122"/>
-              </a:rPr>
-              <a:t>This has been handled by adding appropriate lookahead characters for integer constant. E.g. int a = 786rt, is rejected as the integer constant should never follow an alphabet.</a:t>
-            </a:r>
-          </a:p>
-          <a:p>
-            <a:pPr marL="400050" lvl="1" indent="0">
-              <a:buNone/>
-            </a:pPr>
-            <a:endParaRPr lang="en-US" sz="2500" dirty="0">
-              <a:latin typeface="HP Simplified Hans Light" panose="020B0300000000000000" pitchFamily="34" charset="-122"/>
-              <a:ea typeface="HP Simplified Hans Light" panose="020B0300000000000000" pitchFamily="34" charset="-122"/>
-            </a:endParaRPr>
-          </a:p>
-          <a:p>
-            <a:pPr>
-              <a:buFont typeface="Wingdings" pitchFamily="2" charset="2"/>
-              <a:buChar char="v"/>
-            </a:pPr>
-            <a:r>
-              <a:rPr lang="en-US" sz="2800" b="1" u="sng" dirty="0">
-                <a:latin typeface="Microsoft Sans Serif" panose="020B0604020202020204" pitchFamily="34" charset="0"/>
-                <a:ea typeface="Microsoft Sans Serif" panose="020B0604020202020204" pitchFamily="34" charset="0"/>
-                <a:cs typeface="Microsoft Sans Serif" panose="020B0604020202020204" pitchFamily="34" charset="0"/>
-              </a:rPr>
-              <a:t>User Defined Functions</a:t>
-            </a:r>
-            <a:endParaRPr lang="en-US" sz="2800" b="1" dirty="0">
-              <a:latin typeface="Microsoft Sans Serif" panose="020B0604020202020204" pitchFamily="34" charset="0"/>
-              <a:ea typeface="Microsoft Sans Serif" panose="020B0604020202020204" pitchFamily="34" charset="0"/>
-              <a:cs typeface="Microsoft Sans Serif" panose="020B0604020202020204" pitchFamily="34" charset="0"/>
-            </a:endParaRPr>
-          </a:p>
-          <a:p>
-            <a:pPr marL="400050" lvl="1" indent="0">
-              <a:buNone/>
-            </a:pPr>
-            <a:r>
-              <a:rPr lang="en-US" sz="2400" dirty="0">
-                <a:latin typeface="HP Simplified Hans Light" panose="020B0300000000000000" pitchFamily="34" charset="-122"/>
-                <a:ea typeface="HP Simplified Hans Light" panose="020B0300000000000000" pitchFamily="34" charset="-122"/>
-              </a:rPr>
-              <a:t>User-defined functions are also supported. Parsing is done for return type, function name, parameters as well as opening and closing braces. {alpha}({alpha}|{digit}|{und})*\(({alpha}|{digit}|{und}|{space})*\)</a:t>
-            </a:r>
-          </a:p>
-        </p:txBody>
-      </p:sp>
-    </p:spTree>
-  </p:cSld>
-  <p:clrMapOvr>
-    <a:masterClrMapping/>
-  </p:clrMapOvr>
-</p:sld>
-</file>
-
-<file path=ppt/slides/slide12.xml><?xml version="1.0" encoding="utf-8"?>
-<p:sld xmlns:a="http://schemas.openxmlformats.org/drawingml/2006/main" xmlns:r="http://schemas.openxmlformats.org/officeDocument/2006/relationships" xmlns:p="http://schemas.openxmlformats.org/presentationml/2006/main">
-  <p:cSld>
-    <p:spTree>
-      <p:nvGrpSpPr>
-        <p:cNvPr id="1" name=""/>
-        <p:cNvGrpSpPr/>
-        <p:nvPr/>
-      </p:nvGrpSpPr>
-      <p:grpSpPr>
-        <a:xfrm>
-          <a:off x="0" y="0"/>
-          <a:ext cx="0" cy="0"/>
-          <a:chOff x="0" y="0"/>
-          <a:chExt cx="0" cy="0"/>
-        </a:xfrm>
-      </p:grpSpPr>
-      <p:sp>
-        <p:nvSpPr>
           <p:cNvPr id="5" name="Title 4"/>
           <p:cNvSpPr>
             <a:spLocks noGrp="1"/>
@@ -7418,7 +7265,7 @@
 </p:sld>
 </file>
 
-<file path=ppt/slides/slide13.xml><?xml version="1.0" encoding="utf-8"?>
+<file path=ppt/slides/slide12.xml><?xml version="1.0" encoding="utf-8"?>
 <p:sld xmlns:a="http://schemas.openxmlformats.org/drawingml/2006/main" xmlns:r="http://schemas.openxmlformats.org/officeDocument/2006/relationships" xmlns:p="http://schemas.openxmlformats.org/presentationml/2006/main">
   <p:cSld>
     <p:spTree>
@@ -7467,6 +7314,170 @@
 </p:sld>
 </file>
 
+<file path=ppt/slides/slide13.xml><?xml version="1.0" encoding="utf-8"?>
+<p:sld xmlns:a="http://schemas.openxmlformats.org/drawingml/2006/main" xmlns:r="http://schemas.openxmlformats.org/officeDocument/2006/relationships" xmlns:p="http://schemas.openxmlformats.org/presentationml/2006/main">
+  <p:cSld>
+    <p:spTree>
+      <p:nvGrpSpPr>
+        <p:cNvPr id="1" name=""/>
+        <p:cNvGrpSpPr/>
+        <p:nvPr/>
+      </p:nvGrpSpPr>
+      <p:grpSpPr>
+        <a:xfrm>
+          <a:off x="0" y="0"/>
+          <a:ext cx="0" cy="0"/>
+          <a:chOff x="0" y="0"/>
+          <a:chExt cx="0" cy="0"/>
+        </a:xfrm>
+      </p:grpSpPr>
+      <p:sp>
+        <p:nvSpPr>
+          <p:cNvPr id="2" name="Title 1">
+            <a:extLst>
+              <a:ext uri="{FF2B5EF4-FFF2-40B4-BE49-F238E27FC236}">
+                <a16:creationId xmlns:a16="http://schemas.microsoft.com/office/drawing/2014/main" id="{35B92C80-6972-5E79-37F1-FC270316044A}"/>
+              </a:ext>
+            </a:extLst>
+          </p:cNvPr>
+          <p:cNvSpPr>
+            <a:spLocks noGrp="1"/>
+          </p:cNvSpPr>
+          <p:nvPr>
+            <p:ph type="title"/>
+          </p:nvPr>
+        </p:nvSpPr>
+        <p:spPr/>
+        <p:txBody>
+          <a:bodyPr/>
+          <a:lstStyle/>
+          <a:p>
+            <a:r>
+              <a:rPr lang="en-US" sz="4400" b="1" dirty="0">
+                <a:solidFill>
+                  <a:srgbClr val="FF0000"/>
+                </a:solidFill>
+                <a:latin typeface="Microsoft Sans Serif" panose="020B0604020202020204" pitchFamily="34" charset="0"/>
+                <a:ea typeface="Microsoft Sans Serif" panose="020B0604020202020204" pitchFamily="34" charset="0"/>
+                <a:cs typeface="Microsoft Sans Serif" panose="020B0604020202020204" pitchFamily="34" charset="0"/>
+              </a:rPr>
+              <a:t>Syntax Analysis</a:t>
+            </a:r>
+            <a:endParaRPr lang="en-IN" dirty="0"/>
+          </a:p>
+        </p:txBody>
+      </p:sp>
+      <p:sp>
+        <p:nvSpPr>
+          <p:cNvPr id="3" name="Content Placeholder 2">
+            <a:extLst>
+              <a:ext uri="{FF2B5EF4-FFF2-40B4-BE49-F238E27FC236}">
+                <a16:creationId xmlns:a16="http://schemas.microsoft.com/office/drawing/2014/main" id="{83681D05-9748-D486-D79C-9A24073707CA}"/>
+              </a:ext>
+            </a:extLst>
+          </p:cNvPr>
+          <p:cNvSpPr>
+            <a:spLocks noGrp="1"/>
+          </p:cNvSpPr>
+          <p:nvPr>
+            <p:ph idx="1"/>
+          </p:nvPr>
+        </p:nvSpPr>
+        <p:spPr>
+          <a:xfrm>
+            <a:off x="381000" y="1447801"/>
+            <a:ext cx="7620000" cy="4571999"/>
+          </a:xfrm>
+        </p:spPr>
+        <p:txBody>
+          <a:bodyPr>
+            <a:normAutofit/>
+          </a:bodyPr>
+          <a:lstStyle/>
+          <a:p>
+            <a:pPr>
+              <a:spcBef>
+                <a:spcPct val="0"/>
+              </a:spcBef>
+              <a:buFont typeface="Wingdings" pitchFamily="2" charset="2"/>
+              <a:buChar char="v"/>
+            </a:pPr>
+            <a:r>
+              <a:rPr lang="en-US" sz="3000" dirty="0">
+                <a:latin typeface="HP Simplified Hans Light" panose="020B0300000000000000" pitchFamily="34" charset="-122"/>
+                <a:ea typeface="HP Simplified Hans Light" panose="020B0300000000000000" pitchFamily="34" charset="-122"/>
+              </a:rPr>
+              <a:t>This is Phase Two of the Compiler Designing Process</a:t>
+            </a:r>
+          </a:p>
+          <a:p>
+            <a:pPr>
+              <a:spcBef>
+                <a:spcPct val="0"/>
+              </a:spcBef>
+              <a:buFont typeface="Wingdings" pitchFamily="2" charset="2"/>
+              <a:buChar char="v"/>
+            </a:pPr>
+            <a:r>
+              <a:rPr lang="en-US" sz="2800" dirty="0">
+                <a:latin typeface="HP Simplified Hans Light" panose="020B0300000000000000" pitchFamily="34" charset="-122"/>
+                <a:ea typeface="HP Simplified Hans Light" panose="020B0300000000000000" pitchFamily="34" charset="-122"/>
+              </a:rPr>
+              <a:t>This phase involved the development of a Parser for C language which makes use of the C </a:t>
+            </a:r>
+            <a:r>
+              <a:rPr lang="en-US" sz="2800" dirty="0" err="1">
+                <a:latin typeface="HP Simplified Hans Light" panose="020B0300000000000000" pitchFamily="34" charset="-122"/>
+                <a:ea typeface="HP Simplified Hans Light" panose="020B0300000000000000" pitchFamily="34" charset="-122"/>
+              </a:rPr>
+              <a:t>lexer</a:t>
+            </a:r>
+            <a:r>
+              <a:rPr lang="en-US" sz="2800" dirty="0">
+                <a:latin typeface="HP Simplified Hans Light" panose="020B0300000000000000" pitchFamily="34" charset="-122"/>
+                <a:ea typeface="HP Simplified Hans Light" panose="020B0300000000000000" pitchFamily="34" charset="-122"/>
+              </a:rPr>
+              <a:t> to parse the given C input file.</a:t>
+            </a:r>
+          </a:p>
+          <a:p>
+            <a:pPr>
+              <a:spcBef>
+                <a:spcPct val="0"/>
+              </a:spcBef>
+              <a:buFont typeface="Wingdings" pitchFamily="2" charset="2"/>
+              <a:buChar char="v"/>
+            </a:pPr>
+            <a:r>
+              <a:rPr lang="en-US" sz="2800" dirty="0">
+                <a:latin typeface="HP Simplified Hans Light" panose="020B0300000000000000" pitchFamily="34" charset="-122"/>
+                <a:ea typeface="HP Simplified Hans Light" panose="020B0300000000000000" pitchFamily="34" charset="-122"/>
+              </a:rPr>
+              <a:t>The previous work was concentrated at developing a lexical analyzer(flex script) to generate a stream of tokens from the source code and populate the symbol table.</a:t>
+            </a:r>
+            <a:endParaRPr lang="en-US" sz="3000" dirty="0">
+              <a:latin typeface="HP Simplified Hans Light" panose="020B0300000000000000" pitchFamily="34" charset="-122"/>
+              <a:ea typeface="HP Simplified Hans Light" panose="020B0300000000000000" pitchFamily="34" charset="-122"/>
+            </a:endParaRPr>
+          </a:p>
+          <a:p>
+            <a:endParaRPr lang="en-IN" dirty="0"/>
+          </a:p>
+        </p:txBody>
+      </p:sp>
+    </p:spTree>
+    <p:extLst>
+      <p:ext uri="{BB962C8B-B14F-4D97-AF65-F5344CB8AC3E}">
+        <p14:creationId xmlns:p14="http://schemas.microsoft.com/office/powerpoint/2010/main" val="458889082"/>
+      </p:ext>
+    </p:extLst>
+  </p:cSld>
+  <p:clrMapOvr>
+    <a:masterClrMapping/>
+  </p:clrMapOvr>
+</p:sld>
+</file>
+
 <file path=ppt/slides/slide14.xml><?xml version="1.0" encoding="utf-8"?>
 <p:sld xmlns:a="http://schemas.openxmlformats.org/drawingml/2006/main" xmlns:r="http://schemas.openxmlformats.org/officeDocument/2006/relationships" xmlns:p="http://schemas.openxmlformats.org/presentationml/2006/main">
   <p:cSld>
@@ -7486,13 +7497,7 @@
       </p:grpSpPr>
       <p:sp>
         <p:nvSpPr>
-          <p:cNvPr id="2" name="Title 1">
-            <a:extLst>
-              <a:ext uri="{FF2B5EF4-FFF2-40B4-BE49-F238E27FC236}">
-                <a16:creationId xmlns:a16="http://schemas.microsoft.com/office/drawing/2014/main" id="{35B92C80-6972-5E79-37F1-FC270316044A}"/>
-              </a:ext>
-            </a:extLst>
-          </p:cNvPr>
+          <p:cNvPr id="2" name="Title 1"/>
           <p:cNvSpPr>
             <a:spLocks noGrp="1"/>
           </p:cNvSpPr>
@@ -7500,13 +7505,21 @@
             <p:ph type="title"/>
           </p:nvPr>
         </p:nvSpPr>
-        <p:spPr/>
-        <p:txBody>
-          <a:bodyPr/>
+        <p:spPr>
+          <a:xfrm>
+            <a:off x="152400" y="274638"/>
+            <a:ext cx="8534400" cy="411162"/>
+          </a:xfrm>
+        </p:spPr>
+        <p:txBody>
+          <a:bodyPr>
+            <a:noAutofit/>
+          </a:bodyPr>
           <a:lstStyle/>
           <a:p>
-            <a:r>
-              <a:rPr lang="en-US" sz="4400" b="1" dirty="0">
+            <a:pPr algn="l"/>
+            <a:r>
+              <a:rPr lang="en-US" sz="4000" b="1" dirty="0">
                 <a:solidFill>
                   <a:srgbClr val="FF0000"/>
                 </a:solidFill>
@@ -7514,21 +7527,14 @@
                 <a:ea typeface="Microsoft Sans Serif" panose="020B0604020202020204" pitchFamily="34" charset="0"/>
                 <a:cs typeface="Microsoft Sans Serif" panose="020B0604020202020204" pitchFamily="34" charset="0"/>
               </a:rPr>
-              <a:t>Syntax Analysis</a:t>
-            </a:r>
-            <a:endParaRPr lang="en-IN" dirty="0"/>
-          </a:p>
-        </p:txBody>
-      </p:sp>
-      <p:sp>
-        <p:nvSpPr>
-          <p:cNvPr id="3" name="Content Placeholder 2">
-            <a:extLst>
-              <a:ext uri="{FF2B5EF4-FFF2-40B4-BE49-F238E27FC236}">
-                <a16:creationId xmlns:a16="http://schemas.microsoft.com/office/drawing/2014/main" id="{83681D05-9748-D486-D79C-9A24073707CA}"/>
-              </a:ext>
-            </a:extLst>
-          </p:cNvPr>
+              <a:t>Introduction</a:t>
+            </a:r>
+          </a:p>
+        </p:txBody>
+      </p:sp>
+      <p:sp>
+        <p:nvSpPr>
+          <p:cNvPr id="3" name="Content Placeholder 2"/>
           <p:cNvSpPr>
             <a:spLocks noGrp="1"/>
           </p:cNvSpPr>
@@ -7538,8 +7544,8 @@
         </p:nvSpPr>
         <p:spPr>
           <a:xfrm>
-            <a:off x="381000" y="1447801"/>
-            <a:ext cx="7620000" cy="4571999"/>
+            <a:off x="152400" y="990600"/>
+            <a:ext cx="8991600" cy="5867400"/>
           </a:xfrm>
         </p:spPr>
         <p:txBody>
@@ -7549,81 +7555,82 @@
           <a:lstStyle/>
           <a:p>
             <a:pPr>
-              <a:spcBef>
-                <a:spcPct val="0"/>
-              </a:spcBef>
+              <a:buNone/>
+            </a:pPr>
+            <a:r>
+              <a:rPr lang="en-US" sz="3000" b="1" u="sng" dirty="0">
+                <a:latin typeface="Microsoft Sans Serif" panose="020B0604020202020204" pitchFamily="34" charset="0"/>
+                <a:ea typeface="Microsoft Sans Serif" panose="020B0604020202020204" pitchFamily="34" charset="0"/>
+                <a:cs typeface="Microsoft Sans Serif" panose="020B0604020202020204" pitchFamily="34" charset="0"/>
+              </a:rPr>
+              <a:t>Syntactic Analysis and Parser</a:t>
+            </a:r>
+          </a:p>
+          <a:p>
+            <a:pPr>
+              <a:buNone/>
+            </a:pPr>
+            <a:endParaRPr lang="en-US" sz="1600" b="1" u="sng" dirty="0">
+              <a:latin typeface="Microsoft Sans Serif" panose="020B0604020202020204" pitchFamily="34" charset="0"/>
+              <a:ea typeface="Microsoft Sans Serif" panose="020B0604020202020204" pitchFamily="34" charset="0"/>
+              <a:cs typeface="Microsoft Sans Serif" panose="020B0604020202020204" pitchFamily="34" charset="0"/>
+            </a:endParaRPr>
+          </a:p>
+          <a:p>
+            <a:pPr>
               <a:buFont typeface="Wingdings" pitchFamily="2" charset="2"/>
               <a:buChar char="v"/>
             </a:pPr>
             <a:r>
-              <a:rPr lang="en-US" sz="3000" dirty="0">
+              <a:rPr lang="en-US" sz="2600" dirty="0">
                 <a:latin typeface="HP Simplified Hans Light" panose="020B0300000000000000" pitchFamily="34" charset="-122"/>
                 <a:ea typeface="HP Simplified Hans Light" panose="020B0300000000000000" pitchFamily="34" charset="-122"/>
               </a:rPr>
-              <a:t>This is Phase Two of the Compiler Designing Process</a:t>
+              <a:t>The lexical analyzer (flex scripts) returns a stream of tokens, which populates the symbol table. </a:t>
             </a:r>
           </a:p>
           <a:p>
             <a:pPr>
-              <a:spcBef>
-                <a:spcPct val="0"/>
-              </a:spcBef>
               <a:buFont typeface="Wingdings" pitchFamily="2" charset="2"/>
               <a:buChar char="v"/>
             </a:pPr>
             <a:r>
-              <a:rPr lang="en-US" sz="2800" dirty="0">
+              <a:rPr lang="en-US" sz="2600" dirty="0">
                 <a:latin typeface="HP Simplified Hans Light" panose="020B0300000000000000" pitchFamily="34" charset="-122"/>
                 <a:ea typeface="HP Simplified Hans Light" panose="020B0300000000000000" pitchFamily="34" charset="-122"/>
               </a:rPr>
-              <a:t>This phase involved the development of a Parser for C language which makes use of the C </a:t>
-            </a:r>
-            <a:r>
-              <a:rPr lang="en-US" sz="2800" dirty="0" err="1">
-                <a:latin typeface="HP Simplified Hans Light" panose="020B0300000000000000" pitchFamily="34" charset="-122"/>
-                <a:ea typeface="HP Simplified Hans Light" panose="020B0300000000000000" pitchFamily="34" charset="-122"/>
-              </a:rPr>
-              <a:t>lexer</a:t>
-            </a:r>
-            <a:r>
-              <a:rPr lang="en-US" sz="2800" dirty="0">
-                <a:latin typeface="HP Simplified Hans Light" panose="020B0300000000000000" pitchFamily="34" charset="-122"/>
-                <a:ea typeface="HP Simplified Hans Light" panose="020B0300000000000000" pitchFamily="34" charset="-122"/>
-              </a:rPr>
-              <a:t> to parse the given C input file.</a:t>
+              <a:t>These tokens are then taken as input by the Parser. </a:t>
             </a:r>
           </a:p>
           <a:p>
             <a:pPr>
-              <a:spcBef>
-                <a:spcPct val="0"/>
-              </a:spcBef>
               <a:buFont typeface="Wingdings" pitchFamily="2" charset="2"/>
               <a:buChar char="v"/>
             </a:pPr>
             <a:r>
-              <a:rPr lang="en-US" sz="2800" dirty="0">
+              <a:rPr lang="en-US" sz="2600" dirty="0">
                 <a:latin typeface="HP Simplified Hans Light" panose="020B0300000000000000" pitchFamily="34" charset="-122"/>
                 <a:ea typeface="HP Simplified Hans Light" panose="020B0300000000000000" pitchFamily="34" charset="-122"/>
               </a:rPr>
-              <a:t>The previous work was concentrated at developing a lexical analyzer(flex script) to generate a stream of tokens from the source code and populate the symbol table.</a:t>
-            </a:r>
-            <a:endParaRPr lang="en-US" sz="3000" dirty="0">
-              <a:latin typeface="HP Simplified Hans Light" panose="020B0300000000000000" pitchFamily="34" charset="-122"/>
-              <a:ea typeface="HP Simplified Hans Light" panose="020B0300000000000000" pitchFamily="34" charset="-122"/>
-            </a:endParaRPr>
-          </a:p>
-          <a:p>
-            <a:endParaRPr lang="en-IN" dirty="0"/>
+              <a:t>Parser verifies that a string of token names can be generated by the grammar of the source language. </a:t>
+            </a:r>
+          </a:p>
+          <a:p>
+            <a:pPr>
+              <a:buFont typeface="Wingdings" pitchFamily="2" charset="2"/>
+              <a:buChar char="v"/>
+            </a:pPr>
+            <a:r>
+              <a:rPr lang="en-US" sz="2600" dirty="0">
+                <a:latin typeface="HP Simplified Hans Light" panose="020B0300000000000000" pitchFamily="34" charset="-122"/>
+                <a:ea typeface="HP Simplified Hans Light" panose="020B0300000000000000" pitchFamily="34" charset="-122"/>
+              </a:rPr>
+              <a:t>The Parser then reports any syntax errors in an intelligible manner and recovers from the commonly occurring errors to continue processing the remainder of the program. </a:t>
+            </a:r>
           </a:p>
         </p:txBody>
       </p:sp>
     </p:spTree>
-    <p:extLst>
-      <p:ext uri="{BB962C8B-B14F-4D97-AF65-F5344CB8AC3E}">
-        <p14:creationId xmlns:p14="http://schemas.microsoft.com/office/powerpoint/2010/main" val="458889082"/>
-      </p:ext>
-    </p:extLst>
   </p:cSld>
   <p:clrMapOvr>
     <a:masterClrMapping/>
@@ -7650,55 +7657,18 @@
       </p:grpSpPr>
       <p:sp>
         <p:nvSpPr>
-          <p:cNvPr id="2" name="Title 1"/>
-          <p:cNvSpPr>
-            <a:spLocks noGrp="1"/>
-          </p:cNvSpPr>
-          <p:nvPr>
-            <p:ph type="title"/>
+          <p:cNvPr id="3" name="Content Placeholder 2"/>
+          <p:cNvSpPr>
+            <a:spLocks noGrp="1"/>
+          </p:cNvSpPr>
+          <p:nvPr>
+            <p:ph idx="1"/>
           </p:nvPr>
         </p:nvSpPr>
         <p:spPr>
           <a:xfrm>
-            <a:off x="152400" y="274638"/>
-            <a:ext cx="8534400" cy="411162"/>
-          </a:xfrm>
-        </p:spPr>
-        <p:txBody>
-          <a:bodyPr>
-            <a:noAutofit/>
-          </a:bodyPr>
-          <a:lstStyle/>
-          <a:p>
-            <a:pPr algn="l"/>
-            <a:r>
-              <a:rPr lang="en-US" sz="4000" b="1" dirty="0">
-                <a:solidFill>
-                  <a:srgbClr val="FF0000"/>
-                </a:solidFill>
-                <a:latin typeface="Microsoft Sans Serif" panose="020B0604020202020204" pitchFamily="34" charset="0"/>
-                <a:ea typeface="Microsoft Sans Serif" panose="020B0604020202020204" pitchFamily="34" charset="0"/>
-                <a:cs typeface="Microsoft Sans Serif" panose="020B0604020202020204" pitchFamily="34" charset="0"/>
-              </a:rPr>
-              <a:t>Introduction</a:t>
-            </a:r>
-          </a:p>
-        </p:txBody>
-      </p:sp>
-      <p:sp>
-        <p:nvSpPr>
-          <p:cNvPr id="3" name="Content Placeholder 2"/>
-          <p:cNvSpPr>
-            <a:spLocks noGrp="1"/>
-          </p:cNvSpPr>
-          <p:nvPr>
-            <p:ph idx="1"/>
-          </p:nvPr>
-        </p:nvSpPr>
-        <p:spPr>
-          <a:xfrm>
-            <a:off x="152400" y="990600"/>
-            <a:ext cx="8991600" cy="5867400"/>
+            <a:off x="-6927" y="762000"/>
+            <a:ext cx="9144000" cy="6096000"/>
           </a:xfrm>
         </p:spPr>
         <p:txBody>
@@ -7707,78 +7677,94 @@
           </a:bodyPr>
           <a:lstStyle/>
           <a:p>
-            <a:pPr>
-              <a:buNone/>
+            <a:pPr marL="514350" indent="-514350">
+              <a:buFont typeface="+mj-lt"/>
+              <a:buAutoNum type="arabicPeriod"/>
             </a:pPr>
-            <a:r>
-              <a:rPr lang="en-US" sz="3000" b="1" u="sng" dirty="0">
-                <a:latin typeface="Microsoft Sans Serif" panose="020B0604020202020204" pitchFamily="34" charset="0"/>
-                <a:ea typeface="Microsoft Sans Serif" panose="020B0604020202020204" pitchFamily="34" charset="0"/>
-                <a:cs typeface="Microsoft Sans Serif" panose="020B0604020202020204" pitchFamily="34" charset="0"/>
-              </a:rPr>
-              <a:t>Syntactic Analysis and Parser</a:t>
-            </a:r>
-          </a:p>
-          <a:p>
-            <a:pPr>
+            <a:endParaRPr lang="en-US" dirty="0"/>
+          </a:p>
+          <a:p>
+            <a:pPr marL="0" indent="0">
               <a:buNone/>
             </a:pPr>
-            <a:endParaRPr lang="en-US" sz="1600" b="1" u="sng" dirty="0">
-              <a:latin typeface="Microsoft Sans Serif" panose="020B0604020202020204" pitchFamily="34" charset="0"/>
-              <a:ea typeface="Microsoft Sans Serif" panose="020B0604020202020204" pitchFamily="34" charset="0"/>
-              <a:cs typeface="Microsoft Sans Serif" panose="020B0604020202020204" pitchFamily="34" charset="0"/>
-            </a:endParaRPr>
-          </a:p>
-          <a:p>
-            <a:pPr>
-              <a:buFont typeface="Wingdings" pitchFamily="2" charset="2"/>
-              <a:buChar char="v"/>
-            </a:pPr>
-            <a:r>
-              <a:rPr lang="en-US" sz="2800" dirty="0">
+            <a:r>
+              <a:rPr lang="en-US" sz="2700" dirty="0">
                 <a:latin typeface="HP Simplified Hans Light" panose="020B0300000000000000" pitchFamily="34" charset="-122"/>
                 <a:ea typeface="HP Simplified Hans Light" panose="020B0300000000000000" pitchFamily="34" charset="-122"/>
               </a:rPr>
-              <a:t>The lexical analyzer (flex scripts) returns a stream of tokens, which populates the symbol table. </a:t>
-            </a:r>
-          </a:p>
-          <a:p>
-            <a:pPr>
-              <a:buFont typeface="Wingdings" pitchFamily="2" charset="2"/>
-              <a:buChar char="v"/>
+              <a:t>The Parser recognizes the following types of errors:</a:t>
+            </a:r>
+          </a:p>
+          <a:p>
+            <a:pPr marL="514350" indent="-514350">
+              <a:buFont typeface="+mj-lt"/>
+              <a:buAutoNum type="arabicPeriod"/>
             </a:pPr>
             <a:r>
-              <a:rPr lang="en-US" sz="2800" dirty="0">
+              <a:rPr lang="en-US" sz="2700" dirty="0">
                 <a:latin typeface="HP Simplified Hans Light" panose="020B0300000000000000" pitchFamily="34" charset="-122"/>
                 <a:ea typeface="HP Simplified Hans Light" panose="020B0300000000000000" pitchFamily="34" charset="-122"/>
               </a:rPr>
-              <a:t>These tokens are then taken as input by the Parser. </a:t>
-            </a:r>
-          </a:p>
-          <a:p>
-            <a:pPr>
-              <a:buFont typeface="Wingdings" pitchFamily="2" charset="2"/>
-              <a:buChar char="v"/>
+              <a:t>Structural errors</a:t>
+            </a:r>
+          </a:p>
+          <a:p>
+            <a:pPr marL="514350" indent="-514350">
+              <a:buFont typeface="+mj-lt"/>
+              <a:buAutoNum type="arabicPeriod"/>
             </a:pPr>
             <a:r>
-              <a:rPr lang="en-US" sz="2800" dirty="0">
+              <a:rPr lang="en-US" sz="2700" dirty="0">
                 <a:latin typeface="HP Simplified Hans Light" panose="020B0300000000000000" pitchFamily="34" charset="-122"/>
                 <a:ea typeface="HP Simplified Hans Light" panose="020B0300000000000000" pitchFamily="34" charset="-122"/>
               </a:rPr>
-              <a:t>Parser verifies that a string of token names can be generated by the grammar of the source language. </a:t>
-            </a:r>
-          </a:p>
-          <a:p>
-            <a:pPr>
-              <a:buFont typeface="Wingdings" pitchFamily="2" charset="2"/>
-              <a:buChar char="v"/>
+              <a:t>Missing identifiers</a:t>
+            </a:r>
+          </a:p>
+          <a:p>
+            <a:pPr marL="514350" indent="-514350">
+              <a:buFont typeface="+mj-lt"/>
+              <a:buAutoNum type="arabicPeriod"/>
             </a:pPr>
             <a:r>
-              <a:rPr lang="en-US" sz="2800" dirty="0">
+              <a:rPr lang="en-US" sz="2700" dirty="0">
                 <a:latin typeface="HP Simplified Hans Light" panose="020B0300000000000000" pitchFamily="34" charset="-122"/>
                 <a:ea typeface="HP Simplified Hans Light" panose="020B0300000000000000" pitchFamily="34" charset="-122"/>
               </a:rPr>
-              <a:t>The Parser then reports any syntax errors in an intelligible manner and recovers from the commonly occurring errors to continue processing the remainder of the program. </a:t>
+              <a:t>Wrong keywords</a:t>
+            </a:r>
+          </a:p>
+          <a:p>
+            <a:pPr marL="514350" indent="-514350">
+              <a:buFont typeface="+mj-lt"/>
+              <a:buAutoNum type="arabicPeriod"/>
+            </a:pPr>
+            <a:r>
+              <a:rPr lang="en-US" sz="2700" dirty="0">
+                <a:latin typeface="HP Simplified Hans Light" panose="020B0300000000000000" pitchFamily="34" charset="-122"/>
+                <a:ea typeface="HP Simplified Hans Light" panose="020B0300000000000000" pitchFamily="34" charset="-122"/>
+              </a:rPr>
+              <a:t>Unbalanced parenthesis</a:t>
+            </a:r>
+          </a:p>
+          <a:p>
+            <a:pPr marL="514350" indent="-514350"/>
+            <a:r>
+              <a:rPr lang="en-US" sz="2700" dirty="0">
+                <a:latin typeface="HP Simplified Hans Light" panose="020B0300000000000000" pitchFamily="34" charset="-122"/>
+                <a:ea typeface="HP Simplified Hans Light" panose="020B0300000000000000" pitchFamily="34" charset="-122"/>
+              </a:rPr>
+              <a:t>Parser is that phase of compiler which takes token string as input and with the help of existing grammar, converts it into the corresponding parse tree. </a:t>
+            </a:r>
+          </a:p>
+          <a:p>
+            <a:pPr marL="514350" indent="-514350"/>
+            <a:r>
+              <a:rPr lang="en-US" sz="2700" dirty="0">
+                <a:latin typeface="HP Simplified Hans Light" panose="020B0300000000000000" pitchFamily="34" charset="-122"/>
+                <a:ea typeface="HP Simplified Hans Light" panose="020B0300000000000000" pitchFamily="34" charset="-122"/>
+              </a:rPr>
+              <a:t>Parser is also known as Syntax Analyzer. </a:t>
             </a:r>
           </a:p>
         </p:txBody>
@@ -7792,145 +7778,6 @@
 </file>
 
 <file path=ppt/slides/slide16.xml><?xml version="1.0" encoding="utf-8"?>
-<p:sld xmlns:a="http://schemas.openxmlformats.org/drawingml/2006/main" xmlns:r="http://schemas.openxmlformats.org/officeDocument/2006/relationships" xmlns:p="http://schemas.openxmlformats.org/presentationml/2006/main">
-  <p:cSld>
-    <p:spTree>
-      <p:nvGrpSpPr>
-        <p:cNvPr id="1" name=""/>
-        <p:cNvGrpSpPr/>
-        <p:nvPr/>
-      </p:nvGrpSpPr>
-      <p:grpSpPr>
-        <a:xfrm>
-          <a:off x="0" y="0"/>
-          <a:ext cx="0" cy="0"/>
-          <a:chOff x="0" y="0"/>
-          <a:chExt cx="0" cy="0"/>
-        </a:xfrm>
-      </p:grpSpPr>
-      <p:sp>
-        <p:nvSpPr>
-          <p:cNvPr id="3" name="Content Placeholder 2"/>
-          <p:cNvSpPr>
-            <a:spLocks noGrp="1"/>
-          </p:cNvSpPr>
-          <p:nvPr>
-            <p:ph idx="1"/>
-          </p:nvPr>
-        </p:nvSpPr>
-        <p:spPr>
-          <a:xfrm>
-            <a:off x="-6927" y="762000"/>
-            <a:ext cx="9144000" cy="6096000"/>
-          </a:xfrm>
-        </p:spPr>
-        <p:txBody>
-          <a:bodyPr>
-            <a:normAutofit/>
-          </a:bodyPr>
-          <a:lstStyle/>
-          <a:p>
-            <a:pPr marL="514350" indent="-514350">
-              <a:buFont typeface="+mj-lt"/>
-              <a:buAutoNum type="arabicPeriod"/>
-            </a:pPr>
-            <a:endParaRPr lang="en-US" dirty="0"/>
-          </a:p>
-          <a:p>
-            <a:pPr marL="0" indent="0">
-              <a:buNone/>
-            </a:pPr>
-            <a:r>
-              <a:rPr lang="en-US" sz="2700" dirty="0">
-                <a:latin typeface="HP Simplified Hans Light" panose="020B0300000000000000" pitchFamily="34" charset="-122"/>
-                <a:ea typeface="HP Simplified Hans Light" panose="020B0300000000000000" pitchFamily="34" charset="-122"/>
-              </a:rPr>
-              <a:t>The Parser recognizes the following types of errors:</a:t>
-            </a:r>
-          </a:p>
-          <a:p>
-            <a:pPr marL="514350" indent="-514350">
-              <a:buFont typeface="+mj-lt"/>
-              <a:buAutoNum type="arabicPeriod"/>
-            </a:pPr>
-            <a:r>
-              <a:rPr lang="en-US" sz="2700" dirty="0">
-                <a:latin typeface="HP Simplified Hans Light" panose="020B0300000000000000" pitchFamily="34" charset="-122"/>
-                <a:ea typeface="HP Simplified Hans Light" panose="020B0300000000000000" pitchFamily="34" charset="-122"/>
-              </a:rPr>
-              <a:t>Structural errors</a:t>
-            </a:r>
-          </a:p>
-          <a:p>
-            <a:pPr marL="514350" indent="-514350">
-              <a:buFont typeface="+mj-lt"/>
-              <a:buAutoNum type="arabicPeriod"/>
-            </a:pPr>
-            <a:r>
-              <a:rPr lang="en-US" sz="2700" dirty="0">
-                <a:latin typeface="HP Simplified Hans Light" panose="020B0300000000000000" pitchFamily="34" charset="-122"/>
-                <a:ea typeface="HP Simplified Hans Light" panose="020B0300000000000000" pitchFamily="34" charset="-122"/>
-              </a:rPr>
-              <a:t>Missing identifiers</a:t>
-            </a:r>
-          </a:p>
-          <a:p>
-            <a:pPr marL="514350" indent="-514350">
-              <a:buFont typeface="+mj-lt"/>
-              <a:buAutoNum type="arabicPeriod"/>
-            </a:pPr>
-            <a:r>
-              <a:rPr lang="en-US" sz="2700" dirty="0">
-                <a:latin typeface="HP Simplified Hans Light" panose="020B0300000000000000" pitchFamily="34" charset="-122"/>
-                <a:ea typeface="HP Simplified Hans Light" panose="020B0300000000000000" pitchFamily="34" charset="-122"/>
-              </a:rPr>
-              <a:t>Wrong keywords</a:t>
-            </a:r>
-          </a:p>
-          <a:p>
-            <a:pPr marL="514350" indent="-514350">
-              <a:buFont typeface="+mj-lt"/>
-              <a:buAutoNum type="arabicPeriod"/>
-            </a:pPr>
-            <a:r>
-              <a:rPr lang="en-US" sz="2700" dirty="0">
-                <a:latin typeface="HP Simplified Hans Light" panose="020B0300000000000000" pitchFamily="34" charset="-122"/>
-                <a:ea typeface="HP Simplified Hans Light" panose="020B0300000000000000" pitchFamily="34" charset="-122"/>
-              </a:rPr>
-              <a:t>Unbalanced parenthesis</a:t>
-            </a:r>
-          </a:p>
-          <a:p>
-            <a:pPr marL="514350" indent="-514350"/>
-            <a:r>
-              <a:rPr lang="en-US" sz="2700" dirty="0">
-                <a:latin typeface="HP Simplified Hans Light" panose="020B0300000000000000" pitchFamily="34" charset="-122"/>
-                <a:ea typeface="HP Simplified Hans Light" panose="020B0300000000000000" pitchFamily="34" charset="-122"/>
-              </a:rPr>
-              <a:t>Parser is that phase of compiler which takes token string as input and with the help of existing grammar, converts it into the corresponding parse tree. </a:t>
-            </a:r>
-          </a:p>
-          <a:p>
-            <a:pPr marL="514350" indent="-514350"/>
-            <a:r>
-              <a:rPr lang="en-US" sz="2700" dirty="0">
-                <a:latin typeface="HP Simplified Hans Light" panose="020B0300000000000000" pitchFamily="34" charset="-122"/>
-                <a:ea typeface="HP Simplified Hans Light" panose="020B0300000000000000" pitchFamily="34" charset="-122"/>
-              </a:rPr>
-              <a:t>Parser is also known as Syntax Analyzer. </a:t>
-            </a:r>
-          </a:p>
-        </p:txBody>
-      </p:sp>
-    </p:spTree>
-  </p:cSld>
-  <p:clrMapOvr>
-    <a:masterClrMapping/>
-  </p:clrMapOvr>
-</p:sld>
-</file>
-
-<file path=ppt/slides/slide17.xml><?xml version="1.0" encoding="utf-8"?>
 <p:sld xmlns:a="http://schemas.openxmlformats.org/drawingml/2006/main" xmlns:r="http://schemas.openxmlformats.org/officeDocument/2006/relationships" xmlns:p="http://schemas.openxmlformats.org/presentationml/2006/main">
   <p:cSld>
     <p:spTree>
@@ -7996,6 +7843,106 @@
 </p:sld>
 </file>
 
+<file path=ppt/slides/slide17.xml><?xml version="1.0" encoding="utf-8"?>
+<p:sld xmlns:a="http://schemas.openxmlformats.org/drawingml/2006/main" xmlns:r="http://schemas.openxmlformats.org/officeDocument/2006/relationships" xmlns:p="http://schemas.openxmlformats.org/presentationml/2006/main">
+  <p:cSld>
+    <p:spTree>
+      <p:nvGrpSpPr>
+        <p:cNvPr id="1" name=""/>
+        <p:cNvGrpSpPr/>
+        <p:nvPr/>
+      </p:nvGrpSpPr>
+      <p:grpSpPr>
+        <a:xfrm>
+          <a:off x="0" y="0"/>
+          <a:ext cx="0" cy="0"/>
+          <a:chOff x="0" y="0"/>
+          <a:chExt cx="0" cy="0"/>
+        </a:xfrm>
+      </p:grpSpPr>
+      <p:sp>
+        <p:nvSpPr>
+          <p:cNvPr id="2" name="Title 1"/>
+          <p:cNvSpPr>
+            <a:spLocks noGrp="1"/>
+          </p:cNvSpPr>
+          <p:nvPr>
+            <p:ph type="title"/>
+          </p:nvPr>
+        </p:nvSpPr>
+        <p:spPr>
+          <a:xfrm>
+            <a:off x="76200" y="228600"/>
+            <a:ext cx="8153400" cy="762000"/>
+          </a:xfrm>
+        </p:spPr>
+        <p:txBody>
+          <a:bodyPr>
+            <a:normAutofit/>
+          </a:bodyPr>
+          <a:lstStyle/>
+          <a:p>
+            <a:pPr algn="l"/>
+            <a:r>
+              <a:rPr lang="en-US" sz="3200" b="1" dirty="0">
+                <a:latin typeface="Microsoft Sans Serif" panose="020B0604020202020204" pitchFamily="34" charset="0"/>
+                <a:ea typeface="Microsoft Sans Serif" panose="020B0604020202020204" pitchFamily="34" charset="0"/>
+                <a:cs typeface="Microsoft Sans Serif" panose="020B0604020202020204" pitchFamily="34" charset="0"/>
+              </a:rPr>
+              <a:t>YACC Script</a:t>
+            </a:r>
+          </a:p>
+        </p:txBody>
+      </p:sp>
+      <p:sp>
+        <p:nvSpPr>
+          <p:cNvPr id="3" name="Content Placeholder 2"/>
+          <p:cNvSpPr>
+            <a:spLocks noGrp="1"/>
+          </p:cNvSpPr>
+          <p:nvPr>
+            <p:ph idx="1"/>
+          </p:nvPr>
+        </p:nvSpPr>
+        <p:spPr>
+          <a:xfrm>
+            <a:off x="0" y="1219200"/>
+            <a:ext cx="8686800" cy="5638800"/>
+          </a:xfrm>
+        </p:spPr>
+        <p:txBody>
+          <a:bodyPr>
+            <a:normAutofit/>
+          </a:bodyPr>
+          <a:lstStyle/>
+          <a:p>
+            <a:r>
+              <a:rPr lang="en-US" sz="2600" dirty="0">
+                <a:latin typeface="HP Simplified Hans Light" panose="020B0300000000000000" pitchFamily="34" charset="-122"/>
+                <a:ea typeface="HP Simplified Hans Light" panose="020B0300000000000000" pitchFamily="34" charset="-122"/>
+              </a:rPr>
+              <a:t>Yacc is written in a portable dialect of C, and the actions, and output subroutine, are in C as well. Moreover, many of the syntactic conventions of Yacc follow C. </a:t>
+            </a:r>
+          </a:p>
+          <a:p>
+            <a:r>
+              <a:rPr lang="en-US" sz="2600" dirty="0">
+                <a:latin typeface="HP Simplified Hans Light" panose="020B0300000000000000" pitchFamily="34" charset="-122"/>
+                <a:ea typeface="HP Simplified Hans Light" panose="020B0300000000000000" pitchFamily="34" charset="-122"/>
+              </a:rPr>
+              <a:t>Yacc provides a comprehensive tool for imposing structure on the input to a computer program. The Yacc user prepares a specification of the input process; this includes rules describing the input structure, code to be invoked when these rules are recognized, and a low-level routine to do the basic input.</a:t>
+            </a:r>
+          </a:p>
+        </p:txBody>
+      </p:sp>
+    </p:spTree>
+  </p:cSld>
+  <p:clrMapOvr>
+    <a:masterClrMapping/>
+  </p:clrMapOvr>
+</p:sld>
+</file>
+
 <file path=ppt/slides/slide18.xml><?xml version="1.0" encoding="utf-8"?>
 <p:sld xmlns:a="http://schemas.openxmlformats.org/drawingml/2006/main" xmlns:r="http://schemas.openxmlformats.org/officeDocument/2006/relationships" xmlns:p="http://schemas.openxmlformats.org/presentationml/2006/main">
   <p:cSld>
@@ -8015,117 +7962,412 @@
       </p:grpSpPr>
       <p:sp>
         <p:nvSpPr>
-          <p:cNvPr id="3" name="Content Placeholder 2"/>
-          <p:cNvSpPr>
-            <a:spLocks noGrp="1"/>
-          </p:cNvSpPr>
-          <p:nvPr>
-            <p:ph idx="1"/>
+          <p:cNvPr id="2" name="Title 1"/>
+          <p:cNvSpPr>
+            <a:spLocks noGrp="1"/>
+          </p:cNvSpPr>
+          <p:nvPr>
+            <p:ph type="title"/>
           </p:nvPr>
         </p:nvSpPr>
         <p:spPr>
           <a:xfrm>
-            <a:off x="0" y="228600"/>
-            <a:ext cx="8610600" cy="6553200"/>
+            <a:off x="1385" y="0"/>
+            <a:ext cx="8229600" cy="533400"/>
           </a:xfrm>
         </p:spPr>
         <p:txBody>
           <a:bodyPr>
-            <a:normAutofit/>
+            <a:noAutofit/>
           </a:bodyPr>
           <a:lstStyle/>
           <a:p>
-            <a:r>
-              <a:rPr lang="en-US" sz="2400" dirty="0">
-                <a:latin typeface="HP Simplified Hans" panose="020B0500000000000000" pitchFamily="34" charset="-122"/>
-                <a:ea typeface="HP Simplified Hans" panose="020B0500000000000000" pitchFamily="34" charset="-122"/>
-              </a:rPr>
-              <a:t>Parser is mainly classified into 2 categories :-</a:t>
-            </a:r>
-          </a:p>
-          <a:p>
-            <a:pPr marL="457200" lvl="1" indent="0">
-              <a:buNone/>
-            </a:pPr>
-            <a:r>
-              <a:rPr lang="en-US" sz="2400" dirty="0">
-                <a:latin typeface="HP Simplified Hans Light" panose="020B0300000000000000" pitchFamily="34" charset="-122"/>
-                <a:ea typeface="HP Simplified Hans Light" panose="020B0300000000000000" pitchFamily="34" charset="-122"/>
-              </a:rPr>
-              <a:t>Top-down Parser</a:t>
-            </a:r>
-          </a:p>
-          <a:p>
-            <a:pPr marL="457200" lvl="1" indent="0">
-              <a:buNone/>
-            </a:pPr>
-            <a:r>
-              <a:rPr lang="en-US" sz="2400" dirty="0">
-                <a:latin typeface="HP Simplified Hans Light" panose="020B0300000000000000" pitchFamily="34" charset="-122"/>
-                <a:ea typeface="HP Simplified Hans Light" panose="020B0300000000000000" pitchFamily="34" charset="-122"/>
-              </a:rPr>
-              <a:t>Bottom-up Parser. </a:t>
-            </a:r>
-          </a:p>
-          <a:p>
-            <a:pPr>
-              <a:buNone/>
-            </a:pPr>
-            <a:endParaRPr lang="en-US" b="1" u="sng" dirty="0"/>
-          </a:p>
-          <a:p>
-            <a:pPr>
-              <a:buNone/>
-            </a:pPr>
-            <a:r>
-              <a:rPr lang="en-US" sz="2800" b="1" dirty="0">
+            <a:pPr algn="l"/>
+            <a:r>
+              <a:rPr lang="en-US" sz="3200" b="1" dirty="0">
                 <a:latin typeface="Microsoft Sans Serif" panose="020B0604020202020204" pitchFamily="34" charset="0"/>
                 <a:ea typeface="Microsoft Sans Serif" panose="020B0604020202020204" pitchFamily="34" charset="0"/>
                 <a:cs typeface="Microsoft Sans Serif" panose="020B0604020202020204" pitchFamily="34" charset="0"/>
               </a:rPr>
-              <a:t>Top-down Parser</a:t>
-            </a:r>
-          </a:p>
-          <a:p>
-            <a:r>
-              <a:rPr lang="en-US" sz="2100" dirty="0">
+              <a:t>C Program</a:t>
+            </a:r>
+          </a:p>
+        </p:txBody>
+      </p:sp>
+      <p:sp>
+        <p:nvSpPr>
+          <p:cNvPr id="3" name="Content Placeholder 2"/>
+          <p:cNvSpPr>
+            <a:spLocks noGrp="1"/>
+          </p:cNvSpPr>
+          <p:nvPr>
+            <p:ph idx="1"/>
+          </p:nvPr>
+        </p:nvSpPr>
+        <p:spPr>
+          <a:xfrm>
+            <a:off x="0" y="685800"/>
+            <a:ext cx="9144000" cy="6172200"/>
+          </a:xfrm>
+        </p:spPr>
+        <p:txBody>
+          <a:bodyPr>
+            <a:normAutofit fontScale="92500" lnSpcReduction="10000"/>
+          </a:bodyPr>
+          <a:lstStyle/>
+          <a:p>
+            <a:r>
+              <a:rPr lang="en-US" sz="2200" dirty="0">
                 <a:latin typeface="HP Simplified Hans Light" panose="020B0300000000000000" pitchFamily="34" charset="-122"/>
                 <a:ea typeface="HP Simplified Hans Light" panose="020B0300000000000000" pitchFamily="34" charset="-122"/>
               </a:rPr>
-              <a:t>Top-down Parser is the Parser, which generates parse for the given input string with the help of grammar productions by expanding the non-terminals i.e., it starts from the start symbol and ends on the terminals.</a:t>
-            </a:r>
-            <a:r>
-              <a:rPr lang="en-US" sz="2100" dirty="0"/>
-              <a:t> </a:t>
-            </a:r>
-          </a:p>
-          <a:p>
-            <a:pPr marL="0" indent="0">
-              <a:buNone/>
-            </a:pPr>
-            <a:endParaRPr lang="en-US" sz="1000" dirty="0"/>
-          </a:p>
-          <a:p>
-            <a:pPr>
-              <a:buNone/>
-            </a:pPr>
-            <a:r>
-              <a:rPr lang="en-US" sz="2800" b="1" dirty="0">
-                <a:latin typeface="Microsoft Sans Serif" panose="020B0604020202020204" pitchFamily="34" charset="0"/>
-                <a:ea typeface="Microsoft Sans Serif" panose="020B0604020202020204" pitchFamily="34" charset="0"/>
-                <a:cs typeface="Microsoft Sans Serif" panose="020B0604020202020204" pitchFamily="34" charset="0"/>
-              </a:rPr>
-              <a:t>Bottom-up Parser</a:t>
-            </a:r>
-          </a:p>
-          <a:p>
-            <a:r>
-              <a:rPr lang="en-US" sz="2100" dirty="0">
+              <a:t>This section describes the input C program which is fed to the </a:t>
+            </a:r>
+            <a:r>
+              <a:rPr lang="en-US" sz="2200" dirty="0" err="1">
                 <a:latin typeface="HP Simplified Hans Light" panose="020B0300000000000000" pitchFamily="34" charset="-122"/>
                 <a:ea typeface="HP Simplified Hans Light" panose="020B0300000000000000" pitchFamily="34" charset="-122"/>
               </a:rPr>
-              <a:t>Bottom-up Parser is the Parser that generates the parse tree for the given input string with the help of grammar productions by compressing the non-terminals i.e., it starts from non-terminals and ends on the stat symbol. It uses the reverse of the rightmost derivation.</a:t>
-            </a:r>
+              <a:t>yacc</a:t>
+            </a:r>
+            <a:r>
+              <a:rPr lang="en-US" sz="2200" dirty="0">
+                <a:latin typeface="HP Simplified Hans Light" panose="020B0300000000000000" pitchFamily="34" charset="-122"/>
+                <a:ea typeface="HP Simplified Hans Light" panose="020B0300000000000000" pitchFamily="34" charset="-122"/>
+              </a:rPr>
+              <a:t> script for parsing. The workflow is explained as under: </a:t>
+            </a:r>
+          </a:p>
+          <a:p>
+            <a:pPr marL="514350" indent="-514350">
+              <a:buFont typeface="+mj-lt"/>
+              <a:buAutoNum type="arabicPeriod"/>
+            </a:pPr>
+            <a:r>
+              <a:rPr lang="en-US" sz="2200" dirty="0">
+                <a:latin typeface="HP Simplified Hans Light" panose="020B0300000000000000" pitchFamily="34" charset="-122"/>
+                <a:ea typeface="HP Simplified Hans Light" panose="020B0300000000000000" pitchFamily="34" charset="-122"/>
+              </a:rPr>
+              <a:t>Compile Yacc script by this command </a:t>
+            </a:r>
+          </a:p>
+          <a:p>
+            <a:pPr>
+              <a:buNone/>
+            </a:pPr>
+            <a:r>
+              <a:rPr lang="en-US" sz="2200" dirty="0"/>
+              <a:t>		</a:t>
+            </a:r>
+            <a:r>
+              <a:rPr lang="en-US" sz="1900" b="1" i="1" dirty="0"/>
+              <a:t>$ </a:t>
+            </a:r>
+            <a:r>
+              <a:rPr lang="en-US" sz="1900" b="1" i="1" dirty="0" err="1"/>
+              <a:t>yacc</a:t>
+            </a:r>
+            <a:r>
+              <a:rPr lang="en-US" sz="1900" b="1" i="1" dirty="0"/>
+              <a:t> -d c_parser.y54 </a:t>
+            </a:r>
+          </a:p>
+          <a:p>
+            <a:pPr>
+              <a:buNone/>
+            </a:pPr>
+            <a:r>
+              <a:rPr lang="en-US" sz="2200" dirty="0">
+                <a:latin typeface="HP Simplified Hans Light" panose="020B0300000000000000" pitchFamily="34" charset="-122"/>
+                <a:ea typeface="HP Simplified Hans Light" panose="020B0300000000000000" pitchFamily="34" charset="-122"/>
+              </a:rPr>
+              <a:t>2. Compile the flex script using Flex tool </a:t>
+            </a:r>
+          </a:p>
+          <a:p>
+            <a:pPr>
+              <a:buNone/>
+            </a:pPr>
+            <a:r>
+              <a:rPr lang="en-US" sz="2200" dirty="0"/>
+              <a:t>		</a:t>
+            </a:r>
+            <a:r>
+              <a:rPr lang="en-US" sz="1900" b="1" i="1" dirty="0"/>
+              <a:t>$ flex </a:t>
+            </a:r>
+            <a:r>
+              <a:rPr lang="en-US" sz="1900" b="1" i="1" dirty="0" err="1"/>
+              <a:t>c_lexer.l</a:t>
+            </a:r>
+            <a:r>
+              <a:rPr lang="en-US" sz="1900" b="1" i="1" dirty="0"/>
+              <a:t> </a:t>
+            </a:r>
+          </a:p>
+          <a:p>
+            <a:pPr>
+              <a:buNone/>
+            </a:pPr>
+            <a:r>
+              <a:rPr lang="en-US" sz="2200" dirty="0">
+                <a:latin typeface="HP Simplified Hans Light" panose="020B0300000000000000" pitchFamily="34" charset="-122"/>
+                <a:ea typeface="HP Simplified Hans Light" panose="020B0300000000000000" pitchFamily="34" charset="-122"/>
+              </a:rPr>
+              <a:t>3. After compiling the </a:t>
+            </a:r>
+            <a:r>
+              <a:rPr lang="en-US" sz="2200" dirty="0" err="1">
+                <a:latin typeface="HP Simplified Hans Light" panose="020B0300000000000000" pitchFamily="34" charset="-122"/>
+                <a:ea typeface="HP Simplified Hans Light" panose="020B0300000000000000" pitchFamily="34" charset="-122"/>
+              </a:rPr>
+              <a:t>lex</a:t>
+            </a:r>
+            <a:r>
+              <a:rPr lang="en-US" sz="2200" dirty="0">
+                <a:latin typeface="HP Simplified Hans Light" panose="020B0300000000000000" pitchFamily="34" charset="-122"/>
+                <a:ea typeface="HP Simplified Hans Light" panose="020B0300000000000000" pitchFamily="34" charset="-122"/>
+              </a:rPr>
+              <a:t> file, a lex.yy.c file is generated. Also, </a:t>
+            </a:r>
+            <a:r>
+              <a:rPr lang="en-US" sz="2200" dirty="0" err="1">
+                <a:latin typeface="HP Simplified Hans Light" panose="020B0300000000000000" pitchFamily="34" charset="-122"/>
+                <a:ea typeface="HP Simplified Hans Light" panose="020B0300000000000000" pitchFamily="34" charset="-122"/>
+              </a:rPr>
+              <a:t>y.tab.c</a:t>
+            </a:r>
+            <a:r>
+              <a:rPr lang="en-US" sz="2200" dirty="0">
+                <a:latin typeface="HP Simplified Hans Light" panose="020B0300000000000000" pitchFamily="34" charset="-122"/>
+                <a:ea typeface="HP Simplified Hans Light" panose="020B0300000000000000" pitchFamily="34" charset="-122"/>
+              </a:rPr>
+              <a:t> and </a:t>
+            </a:r>
+            <a:r>
+              <a:rPr lang="en-US" sz="2200" dirty="0" err="1">
+                <a:latin typeface="HP Simplified Hans Light" panose="020B0300000000000000" pitchFamily="34" charset="-122"/>
+                <a:ea typeface="HP Simplified Hans Light" panose="020B0300000000000000" pitchFamily="34" charset="-122"/>
+              </a:rPr>
+              <a:t>y.tab.h</a:t>
+            </a:r>
+            <a:r>
+              <a:rPr lang="en-US" sz="2200" dirty="0">
+                <a:latin typeface="HP Simplified Hans Light" panose="020B0300000000000000" pitchFamily="34" charset="-122"/>
+                <a:ea typeface="HP Simplified Hans Light" panose="020B0300000000000000" pitchFamily="34" charset="-122"/>
+              </a:rPr>
+              <a:t> files are generated after compiling the </a:t>
+            </a:r>
+            <a:r>
+              <a:rPr lang="en-US" sz="2200" dirty="0" err="1">
+                <a:latin typeface="HP Simplified Hans Light" panose="020B0300000000000000" pitchFamily="34" charset="-122"/>
+                <a:ea typeface="HP Simplified Hans Light" panose="020B0300000000000000" pitchFamily="34" charset="-122"/>
+              </a:rPr>
+              <a:t>yacc</a:t>
+            </a:r>
+            <a:r>
+              <a:rPr lang="en-US" sz="2200" dirty="0">
+                <a:latin typeface="HP Simplified Hans Light" panose="020B0300000000000000" pitchFamily="34" charset="-122"/>
+                <a:ea typeface="HP Simplified Hans Light" panose="020B0300000000000000" pitchFamily="34" charset="-122"/>
+              </a:rPr>
+              <a:t> script.</a:t>
+            </a:r>
+          </a:p>
+          <a:p>
+            <a:pPr>
+              <a:buNone/>
+            </a:pPr>
+            <a:r>
+              <a:rPr lang="en-US" sz="2200" dirty="0">
+                <a:latin typeface="HP Simplified Hans Light" panose="020B0300000000000000" pitchFamily="34" charset="-122"/>
+                <a:ea typeface="HP Simplified Hans Light" panose="020B0300000000000000" pitchFamily="34" charset="-122"/>
+              </a:rPr>
+              <a:t>4. The three files, </a:t>
+            </a:r>
+            <a:r>
+              <a:rPr lang="en-US" sz="2200" dirty="0" err="1">
+                <a:latin typeface="HP Simplified Hans Light" panose="020B0300000000000000" pitchFamily="34" charset="-122"/>
+                <a:ea typeface="HP Simplified Hans Light" panose="020B0300000000000000" pitchFamily="34" charset="-122"/>
+              </a:rPr>
+              <a:t>lex.yy.c</a:t>
+            </a:r>
+            <a:r>
+              <a:rPr lang="en-US" sz="2200" dirty="0">
+                <a:latin typeface="HP Simplified Hans Light" panose="020B0300000000000000" pitchFamily="34" charset="-122"/>
+                <a:ea typeface="HP Simplified Hans Light" panose="020B0300000000000000" pitchFamily="34" charset="-122"/>
+              </a:rPr>
+              <a:t>, </a:t>
+            </a:r>
+            <a:r>
+              <a:rPr lang="en-US" sz="2200" dirty="0" err="1">
+                <a:latin typeface="HP Simplified Hans Light" panose="020B0300000000000000" pitchFamily="34" charset="-122"/>
+                <a:ea typeface="HP Simplified Hans Light" panose="020B0300000000000000" pitchFamily="34" charset="-122"/>
+              </a:rPr>
+              <a:t>y.tab.c</a:t>
+            </a:r>
+            <a:r>
+              <a:rPr lang="en-US" sz="2200" dirty="0">
+                <a:latin typeface="HP Simplified Hans Light" panose="020B0300000000000000" pitchFamily="34" charset="-122"/>
+                <a:ea typeface="HP Simplified Hans Light" panose="020B0300000000000000" pitchFamily="34" charset="-122"/>
+              </a:rPr>
+              <a:t> and </a:t>
+            </a:r>
+            <a:r>
+              <a:rPr lang="en-US" sz="2200" dirty="0" err="1">
+                <a:latin typeface="HP Simplified Hans Light" panose="020B0300000000000000" pitchFamily="34" charset="-122"/>
+                <a:ea typeface="HP Simplified Hans Light" panose="020B0300000000000000" pitchFamily="34" charset="-122"/>
+              </a:rPr>
+              <a:t>y.tab.h</a:t>
+            </a:r>
+            <a:r>
+              <a:rPr lang="en-US" sz="2200" dirty="0">
+                <a:latin typeface="HP Simplified Hans Light" panose="020B0300000000000000" pitchFamily="34" charset="-122"/>
+                <a:ea typeface="HP Simplified Hans Light" panose="020B0300000000000000" pitchFamily="34" charset="-122"/>
+              </a:rPr>
+              <a:t> are compiled together with the options –</a:t>
+            </a:r>
+            <a:r>
+              <a:rPr lang="en-US" sz="2200" dirty="0" err="1">
+                <a:latin typeface="HP Simplified Hans Light" panose="020B0300000000000000" pitchFamily="34" charset="-122"/>
+                <a:ea typeface="HP Simplified Hans Light" panose="020B0300000000000000" pitchFamily="34" charset="-122"/>
+              </a:rPr>
+              <a:t>ll</a:t>
+            </a:r>
+            <a:r>
+              <a:rPr lang="en-US" sz="2200" dirty="0">
+                <a:latin typeface="HP Simplified Hans Light" panose="020B0300000000000000" pitchFamily="34" charset="-122"/>
+                <a:ea typeface="HP Simplified Hans Light" panose="020B0300000000000000" pitchFamily="34" charset="-122"/>
+              </a:rPr>
+              <a:t> and –</a:t>
+            </a:r>
+            <a:r>
+              <a:rPr lang="en-US" sz="2200" dirty="0" err="1">
+                <a:latin typeface="HP Simplified Hans Light" panose="020B0300000000000000" pitchFamily="34" charset="-122"/>
+                <a:ea typeface="HP Simplified Hans Light" panose="020B0300000000000000" pitchFamily="34" charset="-122"/>
+              </a:rPr>
+              <a:t>ly</a:t>
+            </a:r>
+            <a:endParaRPr lang="en-US" sz="2200" dirty="0">
+              <a:latin typeface="HP Simplified Hans Light" panose="020B0300000000000000" pitchFamily="34" charset="-122"/>
+              <a:ea typeface="HP Simplified Hans Light" panose="020B0300000000000000" pitchFamily="34" charset="-122"/>
+            </a:endParaRPr>
+          </a:p>
+          <a:p>
+            <a:pPr>
+              <a:buNone/>
+            </a:pPr>
+            <a:r>
+              <a:rPr lang="en-US" sz="2600" dirty="0"/>
+              <a:t>	</a:t>
+            </a:r>
+            <a:r>
+              <a:rPr lang="en-US" sz="2600" b="1" dirty="0"/>
+              <a:t>      </a:t>
+            </a:r>
+            <a:r>
+              <a:rPr lang="en-US" sz="1900" b="1" i="1" dirty="0"/>
+              <a:t>$ </a:t>
+            </a:r>
+            <a:r>
+              <a:rPr lang="en-US" sz="1900" b="1" i="1" dirty="0" err="1"/>
+              <a:t>gcc</a:t>
+            </a:r>
+            <a:r>
+              <a:rPr lang="en-US" sz="1900" b="1" i="1" dirty="0"/>
+              <a:t> -o compiler </a:t>
+            </a:r>
+            <a:r>
+              <a:rPr lang="en-US" sz="1900" b="1" i="1" dirty="0" err="1"/>
+              <a:t>lex.yy.c</a:t>
+            </a:r>
+            <a:r>
+              <a:rPr lang="en-US" sz="1900" b="1" i="1" dirty="0"/>
+              <a:t> </a:t>
+            </a:r>
+            <a:r>
+              <a:rPr lang="en-US" sz="1900" b="1" i="1" dirty="0" err="1"/>
+              <a:t>y.tab.h</a:t>
+            </a:r>
+            <a:r>
+              <a:rPr lang="en-US" sz="1900" b="1" i="1" dirty="0"/>
+              <a:t> </a:t>
+            </a:r>
+            <a:r>
+              <a:rPr lang="en-US" sz="1900" b="1" i="1" dirty="0" err="1"/>
+              <a:t>y.tab.c</a:t>
+            </a:r>
+            <a:r>
+              <a:rPr lang="en-US" sz="1900" b="1" i="1" dirty="0"/>
+              <a:t> -</a:t>
+            </a:r>
+            <a:r>
+              <a:rPr lang="en-US" sz="1900" b="1" i="1" dirty="0" err="1"/>
+              <a:t>ll</a:t>
+            </a:r>
+            <a:r>
+              <a:rPr lang="en-US" sz="1900" b="1" i="1" dirty="0"/>
+              <a:t> -</a:t>
+            </a:r>
+            <a:r>
+              <a:rPr lang="en-US" sz="1900" b="1" i="1" dirty="0" err="1"/>
+              <a:t>ly</a:t>
+            </a:r>
+            <a:r>
+              <a:rPr lang="en-US" sz="1900" b="1" i="1" dirty="0"/>
+              <a:t> </a:t>
+            </a:r>
+            <a:endParaRPr lang="en-US" sz="2600" b="1" i="1" dirty="0"/>
+          </a:p>
+          <a:p>
+            <a:pPr>
+              <a:buNone/>
+            </a:pPr>
+            <a:r>
+              <a:rPr lang="en-US" sz="2200" dirty="0">
+                <a:latin typeface="HP Simplified Hans Light" panose="020B0300000000000000" pitchFamily="34" charset="-122"/>
+                <a:ea typeface="HP Simplified Hans Light" panose="020B0300000000000000" pitchFamily="34" charset="-122"/>
+              </a:rPr>
+              <a:t>5. The executable file is generated, which on running parses the C file given as a command line input </a:t>
+            </a:r>
+          </a:p>
+          <a:p>
+            <a:pPr>
+              <a:buNone/>
+            </a:pPr>
+            <a:r>
+              <a:rPr lang="en-US" sz="2600" dirty="0"/>
+              <a:t>	     </a:t>
+            </a:r>
+            <a:r>
+              <a:rPr lang="en-US" sz="1900" b="1" i="1" dirty="0"/>
+              <a:t>$ ./compiler </a:t>
+            </a:r>
+            <a:r>
+              <a:rPr lang="en-US" sz="1900" b="1" i="1" dirty="0" err="1"/>
+              <a:t>test.c</a:t>
+            </a:r>
+            <a:endParaRPr lang="en-US" sz="2600" b="1" i="1" dirty="0"/>
+          </a:p>
+          <a:p>
+            <a:pPr>
+              <a:buNone/>
+            </a:pPr>
+            <a:r>
+              <a:rPr lang="en-US" sz="2200" dirty="0">
+                <a:latin typeface="HP Simplified Hans Light" panose="020B0300000000000000" pitchFamily="34" charset="-122"/>
+                <a:ea typeface="HP Simplified Hans Light" panose="020B0300000000000000" pitchFamily="34" charset="-122"/>
+              </a:rPr>
+              <a:t>The script also has an option to take standard input instead of taking input from a file.</a:t>
+            </a:r>
+          </a:p>
+          <a:p>
+            <a:pPr>
+              <a:buNone/>
+            </a:pPr>
+            <a:endParaRPr lang="en-US" sz="2600" dirty="0">
+              <a:latin typeface="HP Simplified Hans Light" panose="020B0300000000000000" pitchFamily="34" charset="-122"/>
+              <a:ea typeface="HP Simplified Hans Light" panose="020B0300000000000000" pitchFamily="34" charset="-122"/>
+            </a:endParaRPr>
           </a:p>
         </p:txBody>
       </p:sp>
@@ -8166,69 +8408,51 @@
         </p:nvSpPr>
         <p:spPr>
           <a:xfrm>
-            <a:off x="76200" y="228600"/>
-            <a:ext cx="8153400" cy="762000"/>
+            <a:off x="0" y="152400"/>
+            <a:ext cx="8229600" cy="334962"/>
           </a:xfrm>
         </p:spPr>
         <p:txBody>
           <a:bodyPr>
-            <a:normAutofit/>
+            <a:normAutofit fontScale="90000"/>
           </a:bodyPr>
           <a:lstStyle/>
           <a:p>
             <a:pPr algn="l"/>
             <a:r>
               <a:rPr lang="en-US" sz="3200" b="1" dirty="0">
-                <a:latin typeface="Microsoft Sans Serif" panose="020B0604020202020204" pitchFamily="34" charset="0"/>
-                <a:ea typeface="Microsoft Sans Serif" panose="020B0604020202020204" pitchFamily="34" charset="0"/>
-                <a:cs typeface="Microsoft Sans Serif" panose="020B0604020202020204" pitchFamily="34" charset="0"/>
-              </a:rPr>
-              <a:t>YACC Script</a:t>
-            </a:r>
-          </a:p>
-        </p:txBody>
-      </p:sp>
-      <p:sp>
-        <p:nvSpPr>
-          <p:cNvPr id="3" name="Content Placeholder 2"/>
-          <p:cNvSpPr>
-            <a:spLocks noGrp="1"/>
-          </p:cNvSpPr>
+                <a:solidFill>
+                  <a:srgbClr val="FF0000"/>
+                </a:solidFill>
+              </a:rPr>
+              <a:t>Output:</a:t>
+            </a:r>
+          </a:p>
+        </p:txBody>
+      </p:sp>
+      <p:pic>
+        <p:nvPicPr>
+          <p:cNvPr id="4" name="Content Placeholder 3" descr="4.PNG"/>
+          <p:cNvPicPr>
+            <a:picLocks noGrp="1" noChangeAspect="1"/>
+          </p:cNvPicPr>
           <p:nvPr>
             <p:ph idx="1"/>
           </p:nvPr>
-        </p:nvSpPr>
+        </p:nvPicPr>
+        <p:blipFill>
+          <a:blip r:embed="rId2"/>
+          <a:stretch>
+            <a:fillRect/>
+          </a:stretch>
+        </p:blipFill>
         <p:spPr>
           <a:xfrm>
-            <a:off x="0" y="1219200"/>
-            <a:ext cx="8686800" cy="5638800"/>
+            <a:off x="74725" y="1066800"/>
+            <a:ext cx="8733840" cy="5105400"/>
           </a:xfrm>
         </p:spPr>
-        <p:txBody>
-          <a:bodyPr>
-            <a:normAutofit/>
-          </a:bodyPr>
-          <a:lstStyle/>
-          <a:p>
-            <a:r>
-              <a:rPr lang="en-US" sz="2600" dirty="0">
-                <a:latin typeface="HP Simplified Hans Light" panose="020B0300000000000000" pitchFamily="34" charset="-122"/>
-                <a:ea typeface="HP Simplified Hans Light" panose="020B0300000000000000" pitchFamily="34" charset="-122"/>
-              </a:rPr>
-              <a:t>Yacc is written in a portable dialect of C, and the actions, and output subroutine, are in C as well. Moreover, many of the syntactic conventions of Yacc follow C. </a:t>
-            </a:r>
-          </a:p>
-          <a:p>
-            <a:r>
-              <a:rPr lang="en-US" sz="2600" dirty="0">
-                <a:latin typeface="HP Simplified Hans Light" panose="020B0300000000000000" pitchFamily="34" charset="-122"/>
-                <a:ea typeface="HP Simplified Hans Light" panose="020B0300000000000000" pitchFamily="34" charset="-122"/>
-              </a:rPr>
-              <a:t>Yacc provides a comprehensive tool for imposing structure on the input to a computer program. The Yacc user prepares a specification of the input process; this includes rules describing the input structure, code to be invoked when these rules are recognized, and a low-level routine to do the basic input.</a:t>
-            </a:r>
-          </a:p>
-        </p:txBody>
-      </p:sp>
+      </p:pic>
     </p:spTree>
   </p:cSld>
   <p:clrMapOvr>
@@ -8382,783 +8606,6 @@
         </p:nvSpPr>
         <p:spPr>
           <a:xfrm>
-            <a:off x="1385" y="0"/>
-            <a:ext cx="8229600" cy="533400"/>
-          </a:xfrm>
-        </p:spPr>
-        <p:txBody>
-          <a:bodyPr>
-            <a:noAutofit/>
-          </a:bodyPr>
-          <a:lstStyle/>
-          <a:p>
-            <a:pPr algn="l"/>
-            <a:r>
-              <a:rPr lang="en-US" sz="3200" b="1" dirty="0">
-                <a:latin typeface="Microsoft Sans Serif" panose="020B0604020202020204" pitchFamily="34" charset="0"/>
-                <a:ea typeface="Microsoft Sans Serif" panose="020B0604020202020204" pitchFamily="34" charset="0"/>
-                <a:cs typeface="Microsoft Sans Serif" panose="020B0604020202020204" pitchFamily="34" charset="0"/>
-              </a:rPr>
-              <a:t>C Program</a:t>
-            </a:r>
-          </a:p>
-        </p:txBody>
-      </p:sp>
-      <p:sp>
-        <p:nvSpPr>
-          <p:cNvPr id="3" name="Content Placeholder 2"/>
-          <p:cNvSpPr>
-            <a:spLocks noGrp="1"/>
-          </p:cNvSpPr>
-          <p:nvPr>
-            <p:ph idx="1"/>
-          </p:nvPr>
-        </p:nvSpPr>
-        <p:spPr>
-          <a:xfrm>
-            <a:off x="0" y="685800"/>
-            <a:ext cx="9144000" cy="6172200"/>
-          </a:xfrm>
-        </p:spPr>
-        <p:txBody>
-          <a:bodyPr>
-            <a:normAutofit fontScale="92500" lnSpcReduction="10000"/>
-          </a:bodyPr>
-          <a:lstStyle/>
-          <a:p>
-            <a:r>
-              <a:rPr lang="en-US" sz="2200" dirty="0">
-                <a:latin typeface="HP Simplified Hans Light" panose="020B0300000000000000" pitchFamily="34" charset="-122"/>
-                <a:ea typeface="HP Simplified Hans Light" panose="020B0300000000000000" pitchFamily="34" charset="-122"/>
-              </a:rPr>
-              <a:t>This section describes the input C program which is fed to the </a:t>
-            </a:r>
-            <a:r>
-              <a:rPr lang="en-US" sz="2200" dirty="0" err="1">
-                <a:latin typeface="HP Simplified Hans Light" panose="020B0300000000000000" pitchFamily="34" charset="-122"/>
-                <a:ea typeface="HP Simplified Hans Light" panose="020B0300000000000000" pitchFamily="34" charset="-122"/>
-              </a:rPr>
-              <a:t>yacc</a:t>
-            </a:r>
-            <a:r>
-              <a:rPr lang="en-US" sz="2200" dirty="0">
-                <a:latin typeface="HP Simplified Hans Light" panose="020B0300000000000000" pitchFamily="34" charset="-122"/>
-                <a:ea typeface="HP Simplified Hans Light" panose="020B0300000000000000" pitchFamily="34" charset="-122"/>
-              </a:rPr>
-              <a:t> script for parsing. The workflow is explained as under: </a:t>
-            </a:r>
-          </a:p>
-          <a:p>
-            <a:pPr marL="514350" indent="-514350">
-              <a:buFont typeface="+mj-lt"/>
-              <a:buAutoNum type="arabicPeriod"/>
-            </a:pPr>
-            <a:r>
-              <a:rPr lang="en-US" sz="2200" dirty="0">
-                <a:latin typeface="HP Simplified Hans Light" panose="020B0300000000000000" pitchFamily="34" charset="-122"/>
-                <a:ea typeface="HP Simplified Hans Light" panose="020B0300000000000000" pitchFamily="34" charset="-122"/>
-              </a:rPr>
-              <a:t>Compile Yacc script by this command </a:t>
-            </a:r>
-          </a:p>
-          <a:p>
-            <a:pPr>
-              <a:buNone/>
-            </a:pPr>
-            <a:r>
-              <a:rPr lang="en-US" sz="2200" dirty="0"/>
-              <a:t>		</a:t>
-            </a:r>
-            <a:r>
-              <a:rPr lang="en-US" sz="1900" b="1" i="1" dirty="0"/>
-              <a:t>$ </a:t>
-            </a:r>
-            <a:r>
-              <a:rPr lang="en-US" sz="1900" b="1" i="1" dirty="0" err="1"/>
-              <a:t>yacc</a:t>
-            </a:r>
-            <a:r>
-              <a:rPr lang="en-US" sz="1900" b="1" i="1" dirty="0"/>
-              <a:t> -d c_parser.y54 </a:t>
-            </a:r>
-          </a:p>
-          <a:p>
-            <a:pPr>
-              <a:buNone/>
-            </a:pPr>
-            <a:r>
-              <a:rPr lang="en-US" sz="2200" dirty="0">
-                <a:latin typeface="HP Simplified Hans Light" panose="020B0300000000000000" pitchFamily="34" charset="-122"/>
-                <a:ea typeface="HP Simplified Hans Light" panose="020B0300000000000000" pitchFamily="34" charset="-122"/>
-              </a:rPr>
-              <a:t>2. Compile the flex script using Flex tool </a:t>
-            </a:r>
-          </a:p>
-          <a:p>
-            <a:pPr>
-              <a:buNone/>
-            </a:pPr>
-            <a:r>
-              <a:rPr lang="en-US" sz="2200" dirty="0"/>
-              <a:t>		</a:t>
-            </a:r>
-            <a:r>
-              <a:rPr lang="en-US" sz="1900" b="1" i="1" dirty="0"/>
-              <a:t>$ flex </a:t>
-            </a:r>
-            <a:r>
-              <a:rPr lang="en-US" sz="1900" b="1" i="1" dirty="0" err="1"/>
-              <a:t>c_lexer.l</a:t>
-            </a:r>
-            <a:r>
-              <a:rPr lang="en-US" sz="1900" b="1" i="1" dirty="0"/>
-              <a:t> </a:t>
-            </a:r>
-          </a:p>
-          <a:p>
-            <a:pPr>
-              <a:buNone/>
-            </a:pPr>
-            <a:r>
-              <a:rPr lang="en-US" sz="2200" dirty="0">
-                <a:latin typeface="HP Simplified Hans Light" panose="020B0300000000000000" pitchFamily="34" charset="-122"/>
-                <a:ea typeface="HP Simplified Hans Light" panose="020B0300000000000000" pitchFamily="34" charset="-122"/>
-              </a:rPr>
-              <a:t>3. After compiling the </a:t>
-            </a:r>
-            <a:r>
-              <a:rPr lang="en-US" sz="2200" dirty="0" err="1">
-                <a:latin typeface="HP Simplified Hans Light" panose="020B0300000000000000" pitchFamily="34" charset="-122"/>
-                <a:ea typeface="HP Simplified Hans Light" panose="020B0300000000000000" pitchFamily="34" charset="-122"/>
-              </a:rPr>
-              <a:t>lex</a:t>
-            </a:r>
-            <a:r>
-              <a:rPr lang="en-US" sz="2200" dirty="0">
-                <a:latin typeface="HP Simplified Hans Light" panose="020B0300000000000000" pitchFamily="34" charset="-122"/>
-                <a:ea typeface="HP Simplified Hans Light" panose="020B0300000000000000" pitchFamily="34" charset="-122"/>
-              </a:rPr>
-              <a:t> file, a lex.yy.c file is generated. Also, </a:t>
-            </a:r>
-            <a:r>
-              <a:rPr lang="en-US" sz="2200" dirty="0" err="1">
-                <a:latin typeface="HP Simplified Hans Light" panose="020B0300000000000000" pitchFamily="34" charset="-122"/>
-                <a:ea typeface="HP Simplified Hans Light" panose="020B0300000000000000" pitchFamily="34" charset="-122"/>
-              </a:rPr>
-              <a:t>y.tab.c</a:t>
-            </a:r>
-            <a:r>
-              <a:rPr lang="en-US" sz="2200" dirty="0">
-                <a:latin typeface="HP Simplified Hans Light" panose="020B0300000000000000" pitchFamily="34" charset="-122"/>
-                <a:ea typeface="HP Simplified Hans Light" panose="020B0300000000000000" pitchFamily="34" charset="-122"/>
-              </a:rPr>
-              <a:t> and </a:t>
-            </a:r>
-            <a:r>
-              <a:rPr lang="en-US" sz="2200" dirty="0" err="1">
-                <a:latin typeface="HP Simplified Hans Light" panose="020B0300000000000000" pitchFamily="34" charset="-122"/>
-                <a:ea typeface="HP Simplified Hans Light" panose="020B0300000000000000" pitchFamily="34" charset="-122"/>
-              </a:rPr>
-              <a:t>y.tab.h</a:t>
-            </a:r>
-            <a:r>
-              <a:rPr lang="en-US" sz="2200" dirty="0">
-                <a:latin typeface="HP Simplified Hans Light" panose="020B0300000000000000" pitchFamily="34" charset="-122"/>
-                <a:ea typeface="HP Simplified Hans Light" panose="020B0300000000000000" pitchFamily="34" charset="-122"/>
-              </a:rPr>
-              <a:t> files are generated after compiling the </a:t>
-            </a:r>
-            <a:r>
-              <a:rPr lang="en-US" sz="2200" dirty="0" err="1">
-                <a:latin typeface="HP Simplified Hans Light" panose="020B0300000000000000" pitchFamily="34" charset="-122"/>
-                <a:ea typeface="HP Simplified Hans Light" panose="020B0300000000000000" pitchFamily="34" charset="-122"/>
-              </a:rPr>
-              <a:t>yacc</a:t>
-            </a:r>
-            <a:r>
-              <a:rPr lang="en-US" sz="2200" dirty="0">
-                <a:latin typeface="HP Simplified Hans Light" panose="020B0300000000000000" pitchFamily="34" charset="-122"/>
-                <a:ea typeface="HP Simplified Hans Light" panose="020B0300000000000000" pitchFamily="34" charset="-122"/>
-              </a:rPr>
-              <a:t> script.</a:t>
-            </a:r>
-          </a:p>
-          <a:p>
-            <a:pPr>
-              <a:buNone/>
-            </a:pPr>
-            <a:r>
-              <a:rPr lang="en-US" sz="2200" dirty="0">
-                <a:latin typeface="HP Simplified Hans Light" panose="020B0300000000000000" pitchFamily="34" charset="-122"/>
-                <a:ea typeface="HP Simplified Hans Light" panose="020B0300000000000000" pitchFamily="34" charset="-122"/>
-              </a:rPr>
-              <a:t>4. The three files, </a:t>
-            </a:r>
-            <a:r>
-              <a:rPr lang="en-US" sz="2200" dirty="0" err="1">
-                <a:latin typeface="HP Simplified Hans Light" panose="020B0300000000000000" pitchFamily="34" charset="-122"/>
-                <a:ea typeface="HP Simplified Hans Light" panose="020B0300000000000000" pitchFamily="34" charset="-122"/>
-              </a:rPr>
-              <a:t>lex.yy.c</a:t>
-            </a:r>
-            <a:r>
-              <a:rPr lang="en-US" sz="2200" dirty="0">
-                <a:latin typeface="HP Simplified Hans Light" panose="020B0300000000000000" pitchFamily="34" charset="-122"/>
-                <a:ea typeface="HP Simplified Hans Light" panose="020B0300000000000000" pitchFamily="34" charset="-122"/>
-              </a:rPr>
-              <a:t>, </a:t>
-            </a:r>
-            <a:r>
-              <a:rPr lang="en-US" sz="2200" dirty="0" err="1">
-                <a:latin typeface="HP Simplified Hans Light" panose="020B0300000000000000" pitchFamily="34" charset="-122"/>
-                <a:ea typeface="HP Simplified Hans Light" panose="020B0300000000000000" pitchFamily="34" charset="-122"/>
-              </a:rPr>
-              <a:t>y.tab.c</a:t>
-            </a:r>
-            <a:r>
-              <a:rPr lang="en-US" sz="2200" dirty="0">
-                <a:latin typeface="HP Simplified Hans Light" panose="020B0300000000000000" pitchFamily="34" charset="-122"/>
-                <a:ea typeface="HP Simplified Hans Light" panose="020B0300000000000000" pitchFamily="34" charset="-122"/>
-              </a:rPr>
-              <a:t> and </a:t>
-            </a:r>
-            <a:r>
-              <a:rPr lang="en-US" sz="2200" dirty="0" err="1">
-                <a:latin typeface="HP Simplified Hans Light" panose="020B0300000000000000" pitchFamily="34" charset="-122"/>
-                <a:ea typeface="HP Simplified Hans Light" panose="020B0300000000000000" pitchFamily="34" charset="-122"/>
-              </a:rPr>
-              <a:t>y.tab.h</a:t>
-            </a:r>
-            <a:r>
-              <a:rPr lang="en-US" sz="2200" dirty="0">
-                <a:latin typeface="HP Simplified Hans Light" panose="020B0300000000000000" pitchFamily="34" charset="-122"/>
-                <a:ea typeface="HP Simplified Hans Light" panose="020B0300000000000000" pitchFamily="34" charset="-122"/>
-              </a:rPr>
-              <a:t> are compiled together with the options –</a:t>
-            </a:r>
-            <a:r>
-              <a:rPr lang="en-US" sz="2200" dirty="0" err="1">
-                <a:latin typeface="HP Simplified Hans Light" panose="020B0300000000000000" pitchFamily="34" charset="-122"/>
-                <a:ea typeface="HP Simplified Hans Light" panose="020B0300000000000000" pitchFamily="34" charset="-122"/>
-              </a:rPr>
-              <a:t>ll</a:t>
-            </a:r>
-            <a:r>
-              <a:rPr lang="en-US" sz="2200" dirty="0">
-                <a:latin typeface="HP Simplified Hans Light" panose="020B0300000000000000" pitchFamily="34" charset="-122"/>
-                <a:ea typeface="HP Simplified Hans Light" panose="020B0300000000000000" pitchFamily="34" charset="-122"/>
-              </a:rPr>
-              <a:t> and –</a:t>
-            </a:r>
-            <a:r>
-              <a:rPr lang="en-US" sz="2200" dirty="0" err="1">
-                <a:latin typeface="HP Simplified Hans Light" panose="020B0300000000000000" pitchFamily="34" charset="-122"/>
-                <a:ea typeface="HP Simplified Hans Light" panose="020B0300000000000000" pitchFamily="34" charset="-122"/>
-              </a:rPr>
-              <a:t>ly</a:t>
-            </a:r>
-            <a:endParaRPr lang="en-US" sz="2200" dirty="0">
-              <a:latin typeface="HP Simplified Hans Light" panose="020B0300000000000000" pitchFamily="34" charset="-122"/>
-              <a:ea typeface="HP Simplified Hans Light" panose="020B0300000000000000" pitchFamily="34" charset="-122"/>
-            </a:endParaRPr>
-          </a:p>
-          <a:p>
-            <a:pPr>
-              <a:buNone/>
-            </a:pPr>
-            <a:r>
-              <a:rPr lang="en-US" sz="2600" dirty="0"/>
-              <a:t>	</a:t>
-            </a:r>
-            <a:r>
-              <a:rPr lang="en-US" sz="2600" b="1" dirty="0"/>
-              <a:t>      </a:t>
-            </a:r>
-            <a:r>
-              <a:rPr lang="en-US" sz="1900" b="1" i="1" dirty="0"/>
-              <a:t>$ </a:t>
-            </a:r>
-            <a:r>
-              <a:rPr lang="en-US" sz="1900" b="1" i="1" dirty="0" err="1"/>
-              <a:t>gcc</a:t>
-            </a:r>
-            <a:r>
-              <a:rPr lang="en-US" sz="1900" b="1" i="1" dirty="0"/>
-              <a:t> -o compiler </a:t>
-            </a:r>
-            <a:r>
-              <a:rPr lang="en-US" sz="1900" b="1" i="1" dirty="0" err="1"/>
-              <a:t>lex.yy.c</a:t>
-            </a:r>
-            <a:r>
-              <a:rPr lang="en-US" sz="1900" b="1" i="1" dirty="0"/>
-              <a:t> </a:t>
-            </a:r>
-            <a:r>
-              <a:rPr lang="en-US" sz="1900" b="1" i="1" dirty="0" err="1"/>
-              <a:t>y.tab.h</a:t>
-            </a:r>
-            <a:r>
-              <a:rPr lang="en-US" sz="1900" b="1" i="1" dirty="0"/>
-              <a:t> </a:t>
-            </a:r>
-            <a:r>
-              <a:rPr lang="en-US" sz="1900" b="1" i="1" dirty="0" err="1"/>
-              <a:t>y.tab.c</a:t>
-            </a:r>
-            <a:r>
-              <a:rPr lang="en-US" sz="1900" b="1" i="1" dirty="0"/>
-              <a:t> -</a:t>
-            </a:r>
-            <a:r>
-              <a:rPr lang="en-US" sz="1900" b="1" i="1" dirty="0" err="1"/>
-              <a:t>ll</a:t>
-            </a:r>
-            <a:r>
-              <a:rPr lang="en-US" sz="1900" b="1" i="1" dirty="0"/>
-              <a:t> -</a:t>
-            </a:r>
-            <a:r>
-              <a:rPr lang="en-US" sz="1900" b="1" i="1" dirty="0" err="1"/>
-              <a:t>ly</a:t>
-            </a:r>
-            <a:r>
-              <a:rPr lang="en-US" sz="1900" b="1" i="1" dirty="0"/>
-              <a:t> </a:t>
-            </a:r>
-            <a:endParaRPr lang="en-US" sz="2600" b="1" i="1" dirty="0"/>
-          </a:p>
-          <a:p>
-            <a:pPr>
-              <a:buNone/>
-            </a:pPr>
-            <a:r>
-              <a:rPr lang="en-US" sz="2200" dirty="0">
-                <a:latin typeface="HP Simplified Hans Light" panose="020B0300000000000000" pitchFamily="34" charset="-122"/>
-                <a:ea typeface="HP Simplified Hans Light" panose="020B0300000000000000" pitchFamily="34" charset="-122"/>
-              </a:rPr>
-              <a:t>5. The executable file is generated, which on running parses the C file given as a command line input </a:t>
-            </a:r>
-          </a:p>
-          <a:p>
-            <a:pPr>
-              <a:buNone/>
-            </a:pPr>
-            <a:r>
-              <a:rPr lang="en-US" sz="2600" dirty="0"/>
-              <a:t>	     </a:t>
-            </a:r>
-            <a:r>
-              <a:rPr lang="en-US" sz="1900" b="1" i="1" dirty="0"/>
-              <a:t>$ ./compiler </a:t>
-            </a:r>
-            <a:r>
-              <a:rPr lang="en-US" sz="1900" b="1" i="1" dirty="0" err="1"/>
-              <a:t>test.c</a:t>
-            </a:r>
-            <a:endParaRPr lang="en-US" sz="2600" b="1" i="1" dirty="0"/>
-          </a:p>
-          <a:p>
-            <a:pPr>
-              <a:buNone/>
-            </a:pPr>
-            <a:r>
-              <a:rPr lang="en-US" sz="2200" dirty="0">
-                <a:latin typeface="HP Simplified Hans Light" panose="020B0300000000000000" pitchFamily="34" charset="-122"/>
-                <a:ea typeface="HP Simplified Hans Light" panose="020B0300000000000000" pitchFamily="34" charset="-122"/>
-              </a:rPr>
-              <a:t>The script also has an option to take standard input instead of taking input from a file.</a:t>
-            </a:r>
-          </a:p>
-          <a:p>
-            <a:pPr>
-              <a:buNone/>
-            </a:pPr>
-            <a:endParaRPr lang="en-US" sz="2600" dirty="0">
-              <a:latin typeface="HP Simplified Hans Light" panose="020B0300000000000000" pitchFamily="34" charset="-122"/>
-              <a:ea typeface="HP Simplified Hans Light" panose="020B0300000000000000" pitchFamily="34" charset="-122"/>
-            </a:endParaRPr>
-          </a:p>
-        </p:txBody>
-      </p:sp>
-    </p:spTree>
-  </p:cSld>
-  <p:clrMapOvr>
-    <a:masterClrMapping/>
-  </p:clrMapOvr>
-</p:sld>
-</file>
-
-<file path=ppt/slides/slide21.xml><?xml version="1.0" encoding="utf-8"?>
-<p:sld xmlns:a="http://schemas.openxmlformats.org/drawingml/2006/main" xmlns:r="http://schemas.openxmlformats.org/officeDocument/2006/relationships" xmlns:p="http://schemas.openxmlformats.org/presentationml/2006/main">
-  <p:cSld>
-    <p:spTree>
-      <p:nvGrpSpPr>
-        <p:cNvPr id="1" name=""/>
-        <p:cNvGrpSpPr/>
-        <p:nvPr/>
-      </p:nvGrpSpPr>
-      <p:grpSpPr>
-        <a:xfrm>
-          <a:off x="0" y="0"/>
-          <a:ext cx="0" cy="0"/>
-          <a:chOff x="0" y="0"/>
-          <a:chExt cx="0" cy="0"/>
-        </a:xfrm>
-      </p:grpSpPr>
-      <p:sp>
-        <p:nvSpPr>
-          <p:cNvPr id="2" name="Title 1"/>
-          <p:cNvSpPr>
-            <a:spLocks noGrp="1"/>
-          </p:cNvSpPr>
-          <p:nvPr>
-            <p:ph type="title"/>
-          </p:nvPr>
-        </p:nvSpPr>
-        <p:spPr>
-          <a:xfrm>
-            <a:off x="0" y="0"/>
-            <a:ext cx="8229600" cy="762000"/>
-          </a:xfrm>
-        </p:spPr>
-        <p:txBody>
-          <a:bodyPr>
-            <a:normAutofit/>
-          </a:bodyPr>
-          <a:lstStyle/>
-          <a:p>
-            <a:pPr algn="l"/>
-            <a:r>
-              <a:rPr lang="en-US" sz="3600" b="1" dirty="0">
-                <a:solidFill>
-                  <a:srgbClr val="FF0000"/>
-                </a:solidFill>
-                <a:latin typeface="Microsoft Sans Serif" panose="020B0604020202020204" pitchFamily="34" charset="0"/>
-                <a:ea typeface="Microsoft Sans Serif" panose="020B0604020202020204" pitchFamily="34" charset="0"/>
-                <a:cs typeface="Microsoft Sans Serif" panose="020B0604020202020204" pitchFamily="34" charset="0"/>
-              </a:rPr>
-              <a:t>Rules Section</a:t>
-            </a:r>
-          </a:p>
-        </p:txBody>
-      </p:sp>
-      <p:sp>
-        <p:nvSpPr>
-          <p:cNvPr id="3" name="Content Placeholder 2"/>
-          <p:cNvSpPr>
-            <a:spLocks noGrp="1"/>
-          </p:cNvSpPr>
-          <p:nvPr>
-            <p:ph idx="1"/>
-          </p:nvPr>
-        </p:nvSpPr>
-        <p:spPr>
-          <a:xfrm>
-            <a:off x="0" y="762000"/>
-            <a:ext cx="8915400" cy="6096000"/>
-          </a:xfrm>
-        </p:spPr>
-        <p:txBody>
-          <a:bodyPr>
-            <a:normAutofit/>
-          </a:bodyPr>
-          <a:lstStyle/>
-          <a:p>
-            <a:r>
-              <a:rPr lang="en-US" sz="2600" dirty="0">
-                <a:latin typeface="HP Simplified Hans Light" panose="020B0300000000000000" pitchFamily="34" charset="-122"/>
-                <a:ea typeface="HP Simplified Hans Light" panose="020B0300000000000000" pitchFamily="34" charset="-122"/>
-              </a:rPr>
-              <a:t>In this section production rules for the entire C language are written. </a:t>
-            </a:r>
-          </a:p>
-          <a:p>
-            <a:r>
-              <a:rPr lang="en-US" sz="2600" dirty="0">
-                <a:latin typeface="HP Simplified Hans Light" panose="020B0300000000000000" pitchFamily="34" charset="-122"/>
-                <a:ea typeface="HP Simplified Hans Light" panose="020B0300000000000000" pitchFamily="34" charset="-122"/>
-              </a:rPr>
-              <a:t>The rules are written in such a way that there is no left recursion and the grammar is also deterministic. </a:t>
-            </a:r>
-          </a:p>
-          <a:p>
-            <a:r>
-              <a:rPr lang="en-US" sz="2600" dirty="0">
-                <a:latin typeface="HP Simplified Hans Light" panose="020B0300000000000000" pitchFamily="34" charset="-122"/>
-                <a:ea typeface="HP Simplified Hans Light" panose="020B0300000000000000" pitchFamily="34" charset="-122"/>
-              </a:rPr>
-              <a:t>Non-deterministic grammar was converted to deterministic by applying left factoring. </a:t>
-            </a:r>
-          </a:p>
-          <a:p>
-            <a:r>
-              <a:rPr lang="en-US" sz="2600" dirty="0">
-                <a:latin typeface="HP Simplified Hans Light" panose="020B0300000000000000" pitchFamily="34" charset="-122"/>
-                <a:ea typeface="HP Simplified Hans Light" panose="020B0300000000000000" pitchFamily="34" charset="-122"/>
-              </a:rPr>
-              <a:t>This was done so that grammar is for LL(1) parser. This is so because all LL(1) grammar are LALR(1) according to the concepts. </a:t>
-            </a:r>
-          </a:p>
-          <a:p>
-            <a:r>
-              <a:rPr lang="en-US" sz="2600" dirty="0">
-                <a:latin typeface="HP Simplified Hans Light" panose="020B0300000000000000" pitchFamily="34" charset="-122"/>
-                <a:ea typeface="HP Simplified Hans Light" panose="020B0300000000000000" pitchFamily="34" charset="-122"/>
-              </a:rPr>
-              <a:t>The grammar productions does the syntax analysis of the source code. When a complete statement with proper syntax is matched by the parser. </a:t>
-            </a:r>
-          </a:p>
-        </p:txBody>
-      </p:sp>
-    </p:spTree>
-  </p:cSld>
-  <p:clrMapOvr>
-    <a:masterClrMapping/>
-  </p:clrMapOvr>
-</p:sld>
-</file>
-
-<file path=ppt/slides/slide22.xml><?xml version="1.0" encoding="utf-8"?>
-<p:sld xmlns:a="http://schemas.openxmlformats.org/drawingml/2006/main" xmlns:r="http://schemas.openxmlformats.org/officeDocument/2006/relationships" xmlns:p="http://schemas.openxmlformats.org/presentationml/2006/main">
-  <p:cSld>
-    <p:spTree>
-      <p:nvGrpSpPr>
-        <p:cNvPr id="1" name=""/>
-        <p:cNvGrpSpPr/>
-        <p:nvPr/>
-      </p:nvGrpSpPr>
-      <p:grpSpPr>
-        <a:xfrm>
-          <a:off x="0" y="0"/>
-          <a:ext cx="0" cy="0"/>
-          <a:chOff x="0" y="0"/>
-          <a:chExt cx="0" cy="0"/>
-        </a:xfrm>
-      </p:grpSpPr>
-      <p:sp>
-        <p:nvSpPr>
-          <p:cNvPr id="2" name="Title 1"/>
-          <p:cNvSpPr>
-            <a:spLocks noGrp="1"/>
-          </p:cNvSpPr>
-          <p:nvPr>
-            <p:ph type="title"/>
-          </p:nvPr>
-        </p:nvSpPr>
-        <p:spPr>
-          <a:xfrm>
-            <a:off x="0" y="0"/>
-            <a:ext cx="8229600" cy="1219200"/>
-          </a:xfrm>
-        </p:spPr>
-        <p:txBody>
-          <a:bodyPr>
-            <a:normAutofit/>
-          </a:bodyPr>
-          <a:lstStyle/>
-          <a:p>
-            <a:pPr algn="l"/>
-            <a:r>
-              <a:rPr lang="en-US" sz="4000" b="1" dirty="0">
-                <a:solidFill>
-                  <a:srgbClr val="FF0000"/>
-                </a:solidFill>
-                <a:latin typeface="Microsoft Sans Serif" panose="020B0604020202020204" pitchFamily="34" charset="0"/>
-                <a:ea typeface="Microsoft Sans Serif" panose="020B0604020202020204" pitchFamily="34" charset="0"/>
-                <a:cs typeface="Microsoft Sans Serif" panose="020B0604020202020204" pitchFamily="34" charset="0"/>
-              </a:rPr>
-              <a:t>Result</a:t>
-            </a:r>
-            <a:endParaRPr lang="en-US" sz="3600" b="1" dirty="0">
-              <a:solidFill>
-                <a:srgbClr val="FF0000"/>
-              </a:solidFill>
-              <a:latin typeface="Microsoft Sans Serif" panose="020B0604020202020204" pitchFamily="34" charset="0"/>
-              <a:ea typeface="Microsoft Sans Serif" panose="020B0604020202020204" pitchFamily="34" charset="0"/>
-              <a:cs typeface="Microsoft Sans Serif" panose="020B0604020202020204" pitchFamily="34" charset="0"/>
-            </a:endParaRPr>
-          </a:p>
-        </p:txBody>
-      </p:sp>
-      <p:sp>
-        <p:nvSpPr>
-          <p:cNvPr id="3" name="Content Placeholder 2"/>
-          <p:cNvSpPr>
-            <a:spLocks noGrp="1"/>
-          </p:cNvSpPr>
-          <p:nvPr>
-            <p:ph idx="1"/>
-          </p:nvPr>
-        </p:nvSpPr>
-        <p:spPr>
-          <a:xfrm>
-            <a:off x="0" y="1066800"/>
-            <a:ext cx="9144000" cy="5791200"/>
-          </a:xfrm>
-        </p:spPr>
-        <p:txBody>
-          <a:bodyPr>
-            <a:normAutofit/>
-          </a:bodyPr>
-          <a:lstStyle/>
-          <a:p>
-            <a:r>
-              <a:rPr lang="en-US" sz="2600" dirty="0">
-                <a:latin typeface="HP Simplified Hans Light" panose="020B0300000000000000" pitchFamily="34" charset="-122"/>
-                <a:ea typeface="HP Simplified Hans Light" panose="020B0300000000000000" pitchFamily="34" charset="-122"/>
-              </a:rPr>
-              <a:t>The Yacc Script was able to successfully parse all the tokens generated the flex script for C. </a:t>
-            </a:r>
-          </a:p>
-          <a:p>
-            <a:r>
-              <a:rPr lang="en-US" sz="2600" dirty="0">
-                <a:latin typeface="HP Simplified Hans Light" panose="020B0300000000000000" pitchFamily="34" charset="-122"/>
-                <a:ea typeface="HP Simplified Hans Light" panose="020B0300000000000000" pitchFamily="34" charset="-122"/>
-              </a:rPr>
-              <a:t>The type, value, and line of the declaration was returned as an output for all the identifiers and constants present in the program. </a:t>
-            </a:r>
-          </a:p>
-          <a:p>
-            <a:r>
-              <a:rPr lang="en-US" sz="2600" dirty="0">
-                <a:latin typeface="HP Simplified Hans Light" panose="020B0300000000000000" pitchFamily="34" charset="-122"/>
-                <a:ea typeface="HP Simplified Hans Light" panose="020B0300000000000000" pitchFamily="34" charset="-122"/>
-              </a:rPr>
-              <a:t>To handle the error messages the line number was returned along with the syntax error message. </a:t>
-            </a:r>
-          </a:p>
-          <a:p>
-            <a:r>
-              <a:rPr lang="en-US" sz="2600" dirty="0">
-                <a:latin typeface="HP Simplified Hans Light" panose="020B0300000000000000" pitchFamily="34" charset="-122"/>
-                <a:ea typeface="HP Simplified Hans Light" panose="020B0300000000000000" pitchFamily="34" charset="-122"/>
-              </a:rPr>
-              <a:t>Thus the following Yacc script is able to parse the tokens and generate error messages for the C program.</a:t>
-            </a:r>
-          </a:p>
-        </p:txBody>
-      </p:sp>
-    </p:spTree>
-  </p:cSld>
-  <p:clrMapOvr>
-    <a:masterClrMapping/>
-  </p:clrMapOvr>
-</p:sld>
-</file>
-
-<file path=ppt/slides/slide23.xml><?xml version="1.0" encoding="utf-8"?>
-<p:sld xmlns:a="http://schemas.openxmlformats.org/drawingml/2006/main" xmlns:r="http://schemas.openxmlformats.org/officeDocument/2006/relationships" xmlns:p="http://schemas.openxmlformats.org/presentationml/2006/main">
-  <p:cSld>
-    <p:spTree>
-      <p:nvGrpSpPr>
-        <p:cNvPr id="1" name=""/>
-        <p:cNvGrpSpPr/>
-        <p:nvPr/>
-      </p:nvGrpSpPr>
-      <p:grpSpPr>
-        <a:xfrm>
-          <a:off x="0" y="0"/>
-          <a:ext cx="0" cy="0"/>
-          <a:chOff x="0" y="0"/>
-          <a:chExt cx="0" cy="0"/>
-        </a:xfrm>
-      </p:grpSpPr>
-      <p:sp>
-        <p:nvSpPr>
-          <p:cNvPr id="2" name="Title 1"/>
-          <p:cNvSpPr>
-            <a:spLocks noGrp="1"/>
-          </p:cNvSpPr>
-          <p:nvPr>
-            <p:ph type="title"/>
-          </p:nvPr>
-        </p:nvSpPr>
-        <p:spPr>
-          <a:xfrm>
-            <a:off x="0" y="152400"/>
-            <a:ext cx="8229600" cy="334962"/>
-          </a:xfrm>
-        </p:spPr>
-        <p:txBody>
-          <a:bodyPr>
-            <a:normAutofit fontScale="90000"/>
-          </a:bodyPr>
-          <a:lstStyle/>
-          <a:p>
-            <a:pPr algn="l"/>
-            <a:r>
-              <a:rPr lang="en-US" sz="3200" b="1" dirty="0">
-                <a:solidFill>
-                  <a:srgbClr val="FF0000"/>
-                </a:solidFill>
-              </a:rPr>
-              <a:t>Output:</a:t>
-            </a:r>
-          </a:p>
-        </p:txBody>
-      </p:sp>
-      <p:pic>
-        <p:nvPicPr>
-          <p:cNvPr id="4" name="Content Placeholder 3" descr="4.PNG"/>
-          <p:cNvPicPr>
-            <a:picLocks noGrp="1" noChangeAspect="1"/>
-          </p:cNvPicPr>
-          <p:nvPr>
-            <p:ph idx="1"/>
-          </p:nvPr>
-        </p:nvPicPr>
-        <p:blipFill>
-          <a:blip r:embed="rId2"/>
-          <a:stretch>
-            <a:fillRect/>
-          </a:stretch>
-        </p:blipFill>
-        <p:spPr>
-          <a:xfrm>
-            <a:off x="74725" y="1066800"/>
-            <a:ext cx="8733840" cy="5105400"/>
-          </a:xfrm>
-        </p:spPr>
-      </p:pic>
-    </p:spTree>
-  </p:cSld>
-  <p:clrMapOvr>
-    <a:masterClrMapping/>
-  </p:clrMapOvr>
-</p:sld>
-</file>
-
-<file path=ppt/slides/slide24.xml><?xml version="1.0" encoding="utf-8"?>
-<p:sld xmlns:a="http://schemas.openxmlformats.org/drawingml/2006/main" xmlns:r="http://schemas.openxmlformats.org/officeDocument/2006/relationships" xmlns:p="http://schemas.openxmlformats.org/presentationml/2006/main">
-  <p:cSld>
-    <p:spTree>
-      <p:nvGrpSpPr>
-        <p:cNvPr id="1" name=""/>
-        <p:cNvGrpSpPr/>
-        <p:nvPr/>
-      </p:nvGrpSpPr>
-      <p:grpSpPr>
-        <a:xfrm>
-          <a:off x="0" y="0"/>
-          <a:ext cx="0" cy="0"/>
-          <a:chOff x="0" y="0"/>
-          <a:chExt cx="0" cy="0"/>
-        </a:xfrm>
-      </p:grpSpPr>
-      <p:sp>
-        <p:nvSpPr>
-          <p:cNvPr id="2" name="Title 1"/>
-          <p:cNvSpPr>
-            <a:spLocks noGrp="1"/>
-          </p:cNvSpPr>
-          <p:nvPr>
-            <p:ph type="title"/>
-          </p:nvPr>
-        </p:nvSpPr>
-        <p:spPr>
-          <a:xfrm>
             <a:off x="228600" y="152400"/>
             <a:ext cx="5611290" cy="685800"/>
           </a:xfrm>
@@ -9270,7 +8717,7 @@
 </p:sld>
 </file>
 
-<file path=ppt/slides/slide25.xml><?xml version="1.0" encoding="utf-8"?>
+<file path=ppt/slides/slide21.xml><?xml version="1.0" encoding="utf-8"?>
 <p:sld xmlns:a="http://schemas.openxmlformats.org/drawingml/2006/main" xmlns:r="http://schemas.openxmlformats.org/officeDocument/2006/relationships" xmlns:p="http://schemas.openxmlformats.org/presentationml/2006/main">
   <p:cSld>
     <p:spTree>
@@ -9369,7 +8816,7 @@
 </p:sld>
 </file>
 
-<file path=ppt/slides/slide26.xml><?xml version="1.0" encoding="utf-8"?>
+<file path=ppt/slides/slide22.xml><?xml version="1.0" encoding="utf-8"?>
 <p:sld xmlns:a="http://schemas.openxmlformats.org/drawingml/2006/main" xmlns:r="http://schemas.openxmlformats.org/officeDocument/2006/relationships" xmlns:p="http://schemas.openxmlformats.org/presentationml/2006/main">
   <p:cSld>
     <p:spTree>
@@ -9459,7 +8906,7 @@
 </p:sld>
 </file>
 
-<file path=ppt/slides/slide27.xml><?xml version="1.0" encoding="utf-8"?>
+<file path=ppt/slides/slide23.xml><?xml version="1.0" encoding="utf-8"?>
 <p:sld xmlns:a="http://schemas.openxmlformats.org/drawingml/2006/main" xmlns:r="http://schemas.openxmlformats.org/officeDocument/2006/relationships" xmlns:p="http://schemas.openxmlformats.org/presentationml/2006/main">
   <p:cSld>
     <p:spTree>
@@ -9548,7 +8995,7 @@
 </p:sld>
 </file>
 
-<file path=ppt/slides/slide28.xml><?xml version="1.0" encoding="utf-8"?>
+<file path=ppt/slides/slide24.xml><?xml version="1.0" encoding="utf-8"?>
 <p:sld xmlns:a="http://schemas.openxmlformats.org/drawingml/2006/main" xmlns:r="http://schemas.openxmlformats.org/officeDocument/2006/relationships" xmlns:p="http://schemas.openxmlformats.org/presentationml/2006/main">
   <p:cSld>
     <p:spTree>
@@ -9688,7 +9135,7 @@
               <a:buChar char="v"/>
             </a:pPr>
             <a:r>
-              <a:rPr lang="en-US" sz="2400" dirty="0">
+              <a:rPr lang="en-US" sz="2300" dirty="0">
                 <a:latin typeface="HP Simplified Hans Light" panose="020B0300000000000000" pitchFamily="34" charset="-122"/>
                 <a:ea typeface="HP Simplified Hans Light" panose="020B0300000000000000" pitchFamily="34" charset="-122"/>
               </a:rPr>
@@ -9704,7 +9151,7 @@
               <a:buChar char="v"/>
             </a:pPr>
             <a:r>
-              <a:rPr lang="en-US" sz="2400" dirty="0">
+              <a:rPr lang="en-US" sz="2300" dirty="0">
                 <a:latin typeface="HP Simplified Hans Light" panose="020B0300000000000000" pitchFamily="34" charset="-122"/>
                 <a:ea typeface="HP Simplified Hans Light" panose="020B0300000000000000" pitchFamily="34" charset="-122"/>
               </a:rPr>
@@ -9720,7 +9167,7 @@
               <a:buChar char="v"/>
             </a:pPr>
             <a:r>
-              <a:rPr lang="en-US" sz="2400" dirty="0">
+              <a:rPr lang="en-US" sz="2300" dirty="0">
                 <a:latin typeface="HP Simplified Hans Light" panose="020B0300000000000000" pitchFamily="34" charset="-122"/>
                 <a:ea typeface="HP Simplified Hans Light" panose="020B0300000000000000" pitchFamily="34" charset="-122"/>
               </a:rPr>
@@ -9736,7 +9183,7 @@
               <a:buChar char="v"/>
             </a:pPr>
             <a:r>
-              <a:rPr lang="en-US" sz="2400" dirty="0">
+              <a:rPr lang="en-US" sz="2300" dirty="0">
                 <a:latin typeface="HP Simplified Hans Light" panose="020B0300000000000000" pitchFamily="34" charset="-122"/>
                 <a:ea typeface="HP Simplified Hans Light" panose="020B0300000000000000" pitchFamily="34" charset="-122"/>
               </a:rPr>
@@ -9752,7 +9199,7 @@
               <a:buChar char="v"/>
             </a:pPr>
             <a:r>
-              <a:rPr lang="en-US" sz="2400" dirty="0">
+              <a:rPr lang="en-US" sz="2300" dirty="0">
                 <a:latin typeface="HP Simplified Hans Light" panose="020B0300000000000000" pitchFamily="34" charset="-122"/>
                 <a:ea typeface="HP Simplified Hans Light" panose="020B0300000000000000" pitchFamily="34" charset="-122"/>
               </a:rPr>

--- a/Report.pptx
+++ b/Report.pptx
@@ -132,7 +132,7 @@
   </p:defaultTextStyle>
   <p:extLst>
     <p:ext uri="{EFAFB233-063F-42B5-8137-9DF3F51BA10A}">
-      <p15:sldGuideLst xmlns:p15="http://schemas.microsoft.com/office/powerpoint/2012/main">
+      <p15:sldGuideLst xmlns:p15="http://schemas.microsoft.com/office/powerpoint/2012/main" xmlns="">
         <p15:guide id="1" orient="horz" pos="2160">
           <p15:clr>
             <a:srgbClr val="A4A3A4"/>
@@ -231,6 +231,7 @@
           <a:p>
             <a:fld id="{1CFE2F17-E694-47AC-9302-44A4B0B363D1}" type="datetimeFigureOut">
               <a:rPr lang="en-IN" smtClean="0"/>
+              <a:pPr/>
               <a:t>20-02-2024</a:t>
             </a:fld>
             <a:endParaRPr lang="en-IN"/>
@@ -390,6 +391,7 @@
           <a:p>
             <a:fld id="{FF9503F0-B287-47BD-9CE1-BE0A1D906826}" type="slidenum">
               <a:rPr lang="en-IN" smtClean="0"/>
+              <a:pPr/>
               <a:t>‹#›</a:t>
             </a:fld>
             <a:endParaRPr lang="en-IN"/>
@@ -399,7 +401,7 @@
     </p:spTree>
     <p:extLst>
       <p:ext uri="{BB962C8B-B14F-4D97-AF65-F5344CB8AC3E}">
-        <p14:creationId xmlns:p14="http://schemas.microsoft.com/office/powerpoint/2010/main" val="408106252"/>
+        <p14:creationId xmlns:p14="http://schemas.microsoft.com/office/powerpoint/2010/main" xmlns="" val="408106252"/>
       </p:ext>
     </p:extLst>
   </p:cSld>
@@ -564,6 +566,7 @@
           <a:p>
             <a:fld id="{FF9503F0-B287-47BD-9CE1-BE0A1D906826}" type="slidenum">
               <a:rPr lang="en-IN" smtClean="0"/>
+              <a:pPr/>
               <a:t>2</a:t>
             </a:fld>
             <a:endParaRPr lang="en-IN"/>
@@ -573,7 +576,7 @@
     </p:spTree>
     <p:extLst>
       <p:ext uri="{BB962C8B-B14F-4D97-AF65-F5344CB8AC3E}">
-        <p14:creationId xmlns:p14="http://schemas.microsoft.com/office/powerpoint/2010/main" val="3560428238"/>
+        <p14:creationId xmlns:p14="http://schemas.microsoft.com/office/powerpoint/2010/main" xmlns="" val="3560428238"/>
       </p:ext>
     </p:extLst>
   </p:cSld>
@@ -770,7 +773,7 @@
             <a:fld id="{1D8BD707-D9CF-40AE-B4C6-C98DA3205C09}" type="datetimeFigureOut">
               <a:rPr lang="en-US" smtClean="0"/>
               <a:pPr/>
-              <a:t>2/20/2024</a:t>
+              <a:t>20-Feb-24</a:t>
             </a:fld>
             <a:endParaRPr lang="en-US"/>
           </a:p>
@@ -822,7 +825,7 @@
     </p:spTree>
     <p:extLst>
       <p:ext uri="{BB962C8B-B14F-4D97-AF65-F5344CB8AC3E}">
-        <p14:creationId xmlns:p14="http://schemas.microsoft.com/office/powerpoint/2010/main" val="1335480159"/>
+        <p14:creationId xmlns:p14="http://schemas.microsoft.com/office/powerpoint/2010/main" xmlns="" val="1335480159"/>
       </p:ext>
     </p:extLst>
   </p:cSld>
@@ -1047,7 +1050,7 @@
             <a:fld id="{1D8BD707-D9CF-40AE-B4C6-C98DA3205C09}" type="datetimeFigureOut">
               <a:rPr lang="en-US" smtClean="0"/>
               <a:pPr/>
-              <a:t>2/20/2024</a:t>
+              <a:t>20-Feb-24</a:t>
             </a:fld>
             <a:endParaRPr lang="en-US"/>
           </a:p>
@@ -1099,7 +1102,7 @@
     </p:spTree>
     <p:extLst>
       <p:ext uri="{BB962C8B-B14F-4D97-AF65-F5344CB8AC3E}">
-        <p14:creationId xmlns:p14="http://schemas.microsoft.com/office/powerpoint/2010/main" val="659536817"/>
+        <p14:creationId xmlns:p14="http://schemas.microsoft.com/office/powerpoint/2010/main" xmlns="" val="659536817"/>
       </p:ext>
     </p:extLst>
   </p:cSld>
@@ -1243,7 +1246,7 @@
             <a:fld id="{1D8BD707-D9CF-40AE-B4C6-C98DA3205C09}" type="datetimeFigureOut">
               <a:rPr lang="en-US" smtClean="0"/>
               <a:pPr/>
-              <a:t>2/20/2024</a:t>
+              <a:t>20-Feb-24</a:t>
             </a:fld>
             <a:endParaRPr lang="en-US"/>
           </a:p>
@@ -1295,7 +1298,7 @@
     </p:spTree>
     <p:extLst>
       <p:ext uri="{BB962C8B-B14F-4D97-AF65-F5344CB8AC3E}">
-        <p14:creationId xmlns:p14="http://schemas.microsoft.com/office/powerpoint/2010/main" val="3794738411"/>
+        <p14:creationId xmlns:p14="http://schemas.microsoft.com/office/powerpoint/2010/main" xmlns="" val="3794738411"/>
       </p:ext>
     </p:extLst>
   </p:cSld>
@@ -1518,7 +1521,7 @@
             <a:fld id="{1D8BD707-D9CF-40AE-B4C6-C98DA3205C09}" type="datetimeFigureOut">
               <a:rPr lang="en-US" smtClean="0"/>
               <a:pPr/>
-              <a:t>2/20/2024</a:t>
+              <a:t>20-Feb-24</a:t>
             </a:fld>
             <a:endParaRPr lang="en-US"/>
           </a:p>
@@ -1664,7 +1667,7 @@
     </p:spTree>
     <p:extLst>
       <p:ext uri="{BB962C8B-B14F-4D97-AF65-F5344CB8AC3E}">
-        <p14:creationId xmlns:p14="http://schemas.microsoft.com/office/powerpoint/2010/main" val="1762138277"/>
+        <p14:creationId xmlns:p14="http://schemas.microsoft.com/office/powerpoint/2010/main" xmlns="" val="1762138277"/>
       </p:ext>
     </p:extLst>
   </p:cSld>
@@ -1861,7 +1864,7 @@
             <a:fld id="{1D8BD707-D9CF-40AE-B4C6-C98DA3205C09}" type="datetimeFigureOut">
               <a:rPr lang="en-US" smtClean="0"/>
               <a:pPr/>
-              <a:t>2/20/2024</a:t>
+              <a:t>20-Feb-24</a:t>
             </a:fld>
             <a:endParaRPr lang="en-US"/>
           </a:p>
@@ -1913,7 +1916,7 @@
     </p:spTree>
     <p:extLst>
       <p:ext uri="{BB962C8B-B14F-4D97-AF65-F5344CB8AC3E}">
-        <p14:creationId xmlns:p14="http://schemas.microsoft.com/office/powerpoint/2010/main" val="1843396846"/>
+        <p14:creationId xmlns:p14="http://schemas.microsoft.com/office/powerpoint/2010/main" xmlns="" val="1843396846"/>
       </p:ext>
     </p:extLst>
   </p:cSld>
@@ -2486,7 +2489,7 @@
             <a:fld id="{1D8BD707-D9CF-40AE-B4C6-C98DA3205C09}" type="datetimeFigureOut">
               <a:rPr lang="en-US" smtClean="0"/>
               <a:pPr/>
-              <a:t>2/20/2024</a:t>
+              <a:t>20-Feb-24</a:t>
             </a:fld>
             <a:endParaRPr lang="en-US"/>
           </a:p>
@@ -2538,7 +2541,7 @@
     </p:spTree>
     <p:extLst>
       <p:ext uri="{BB962C8B-B14F-4D97-AF65-F5344CB8AC3E}">
-        <p14:creationId xmlns:p14="http://schemas.microsoft.com/office/powerpoint/2010/main" val="3955224979"/>
+        <p14:creationId xmlns:p14="http://schemas.microsoft.com/office/powerpoint/2010/main" xmlns="" val="3955224979"/>
       </p:ext>
     </p:extLst>
   </p:cSld>
@@ -3348,7 +3351,7 @@
             <a:fld id="{1D8BD707-D9CF-40AE-B4C6-C98DA3205C09}" type="datetimeFigureOut">
               <a:rPr lang="en-US" smtClean="0"/>
               <a:pPr/>
-              <a:t>2/20/2024</a:t>
+              <a:t>20-Feb-24</a:t>
             </a:fld>
             <a:endParaRPr lang="en-US"/>
           </a:p>
@@ -3400,7 +3403,7 @@
     </p:spTree>
     <p:extLst>
       <p:ext uri="{BB962C8B-B14F-4D97-AF65-F5344CB8AC3E}">
-        <p14:creationId xmlns:p14="http://schemas.microsoft.com/office/powerpoint/2010/main" val="4170459240"/>
+        <p14:creationId xmlns:p14="http://schemas.microsoft.com/office/powerpoint/2010/main" xmlns="" val="4170459240"/>
       </p:ext>
     </p:extLst>
   </p:cSld>
@@ -3520,7 +3523,7 @@
             <a:fld id="{1D8BD707-D9CF-40AE-B4C6-C98DA3205C09}" type="datetimeFigureOut">
               <a:rPr lang="en-US" smtClean="0"/>
               <a:pPr/>
-              <a:t>2/20/2024</a:t>
+              <a:t>20-Feb-24</a:t>
             </a:fld>
             <a:endParaRPr lang="en-US"/>
           </a:p>
@@ -3572,7 +3575,7 @@
     </p:spTree>
     <p:extLst>
       <p:ext uri="{BB962C8B-B14F-4D97-AF65-F5344CB8AC3E}">
-        <p14:creationId xmlns:p14="http://schemas.microsoft.com/office/powerpoint/2010/main" val="1386844775"/>
+        <p14:creationId xmlns:p14="http://schemas.microsoft.com/office/powerpoint/2010/main" xmlns="" val="1386844775"/>
       </p:ext>
     </p:extLst>
   </p:cSld>
@@ -3702,7 +3705,7 @@
             <a:fld id="{1D8BD707-D9CF-40AE-B4C6-C98DA3205C09}" type="datetimeFigureOut">
               <a:rPr lang="en-US" smtClean="0"/>
               <a:pPr/>
-              <a:t>2/20/2024</a:t>
+              <a:t>20-Feb-24</a:t>
             </a:fld>
             <a:endParaRPr lang="en-US"/>
           </a:p>
@@ -3754,7 +3757,7 @@
     </p:spTree>
     <p:extLst>
       <p:ext uri="{BB962C8B-B14F-4D97-AF65-F5344CB8AC3E}">
-        <p14:creationId xmlns:p14="http://schemas.microsoft.com/office/powerpoint/2010/main" val="1392338380"/>
+        <p14:creationId xmlns:p14="http://schemas.microsoft.com/office/powerpoint/2010/main" xmlns="" val="1392338380"/>
       </p:ext>
     </p:extLst>
   </p:cSld>
@@ -3874,7 +3877,7 @@
             <a:fld id="{1D8BD707-D9CF-40AE-B4C6-C98DA3205C09}" type="datetimeFigureOut">
               <a:rPr lang="en-US" smtClean="0"/>
               <a:pPr/>
-              <a:t>2/20/2024</a:t>
+              <a:t>20-Feb-24</a:t>
             </a:fld>
             <a:endParaRPr lang="en-US"/>
           </a:p>
@@ -3926,7 +3929,7 @@
     </p:spTree>
     <p:extLst>
       <p:ext uri="{BB962C8B-B14F-4D97-AF65-F5344CB8AC3E}">
-        <p14:creationId xmlns:p14="http://schemas.microsoft.com/office/powerpoint/2010/main" val="272910965"/>
+        <p14:creationId xmlns:p14="http://schemas.microsoft.com/office/powerpoint/2010/main" xmlns="" val="272910965"/>
       </p:ext>
     </p:extLst>
   </p:cSld>
@@ -4123,7 +4126,7 @@
             <a:fld id="{1D8BD707-D9CF-40AE-B4C6-C98DA3205C09}" type="datetimeFigureOut">
               <a:rPr lang="en-US" smtClean="0"/>
               <a:pPr/>
-              <a:t>2/20/2024</a:t>
+              <a:t>20-Feb-24</a:t>
             </a:fld>
             <a:endParaRPr lang="en-US"/>
           </a:p>
@@ -4175,7 +4178,7 @@
     </p:spTree>
     <p:extLst>
       <p:ext uri="{BB962C8B-B14F-4D97-AF65-F5344CB8AC3E}">
-        <p14:creationId xmlns:p14="http://schemas.microsoft.com/office/powerpoint/2010/main" val="571831414"/>
+        <p14:creationId xmlns:p14="http://schemas.microsoft.com/office/powerpoint/2010/main" xmlns="" val="571831414"/>
       </p:ext>
     </p:extLst>
   </p:cSld>
@@ -4417,7 +4420,7 @@
             <a:fld id="{1D8BD707-D9CF-40AE-B4C6-C98DA3205C09}" type="datetimeFigureOut">
               <a:rPr lang="en-US" smtClean="0"/>
               <a:pPr/>
-              <a:t>2/20/2024</a:t>
+              <a:t>20-Feb-24</a:t>
             </a:fld>
             <a:endParaRPr lang="en-US"/>
           </a:p>
@@ -4469,7 +4472,7 @@
     </p:spTree>
     <p:extLst>
       <p:ext uri="{BB962C8B-B14F-4D97-AF65-F5344CB8AC3E}">
-        <p14:creationId xmlns:p14="http://schemas.microsoft.com/office/powerpoint/2010/main" val="1541931768"/>
+        <p14:creationId xmlns:p14="http://schemas.microsoft.com/office/powerpoint/2010/main" xmlns="" val="1541931768"/>
       </p:ext>
     </p:extLst>
   </p:cSld>
@@ -4863,7 +4866,7 @@
             <a:fld id="{1D8BD707-D9CF-40AE-B4C6-C98DA3205C09}" type="datetimeFigureOut">
               <a:rPr lang="en-US" smtClean="0"/>
               <a:pPr/>
-              <a:t>2/20/2024</a:t>
+              <a:t>20-Feb-24</a:t>
             </a:fld>
             <a:endParaRPr lang="en-US"/>
           </a:p>
@@ -4915,7 +4918,7 @@
     </p:spTree>
     <p:extLst>
       <p:ext uri="{BB962C8B-B14F-4D97-AF65-F5344CB8AC3E}">
-        <p14:creationId xmlns:p14="http://schemas.microsoft.com/office/powerpoint/2010/main" val="1623017315"/>
+        <p14:creationId xmlns:p14="http://schemas.microsoft.com/office/powerpoint/2010/main" xmlns="" val="1623017315"/>
       </p:ext>
     </p:extLst>
   </p:cSld>
@@ -4983,7 +4986,7 @@
             <a:fld id="{1D8BD707-D9CF-40AE-B4C6-C98DA3205C09}" type="datetimeFigureOut">
               <a:rPr lang="en-US" smtClean="0"/>
               <a:pPr/>
-              <a:t>2/20/2024</a:t>
+              <a:t>20-Feb-24</a:t>
             </a:fld>
             <a:endParaRPr lang="en-US"/>
           </a:p>
@@ -5035,7 +5038,7 @@
     </p:spTree>
     <p:extLst>
       <p:ext uri="{BB962C8B-B14F-4D97-AF65-F5344CB8AC3E}">
-        <p14:creationId xmlns:p14="http://schemas.microsoft.com/office/powerpoint/2010/main" val="3937585691"/>
+        <p14:creationId xmlns:p14="http://schemas.microsoft.com/office/powerpoint/2010/main" xmlns="" val="3937585691"/>
       </p:ext>
     </p:extLst>
   </p:cSld>
@@ -5080,7 +5083,7 @@
             <a:fld id="{1D8BD707-D9CF-40AE-B4C6-C98DA3205C09}" type="datetimeFigureOut">
               <a:rPr lang="en-US" smtClean="0"/>
               <a:pPr/>
-              <a:t>2/20/2024</a:t>
+              <a:t>20-Feb-24</a:t>
             </a:fld>
             <a:endParaRPr lang="en-US"/>
           </a:p>
@@ -5132,7 +5135,7 @@
     </p:spTree>
     <p:extLst>
       <p:ext uri="{BB962C8B-B14F-4D97-AF65-F5344CB8AC3E}">
-        <p14:creationId xmlns:p14="http://schemas.microsoft.com/office/powerpoint/2010/main" val="1825517470"/>
+        <p14:creationId xmlns:p14="http://schemas.microsoft.com/office/powerpoint/2010/main" xmlns="" val="1825517470"/>
       </p:ext>
     </p:extLst>
   </p:cSld>
@@ -5361,7 +5364,7 @@
             <a:fld id="{1D8BD707-D9CF-40AE-B4C6-C98DA3205C09}" type="datetimeFigureOut">
               <a:rPr lang="en-US" smtClean="0"/>
               <a:pPr/>
-              <a:t>2/20/2024</a:t>
+              <a:t>20-Feb-24</a:t>
             </a:fld>
             <a:endParaRPr lang="en-US"/>
           </a:p>
@@ -5413,7 +5416,7 @@
     </p:spTree>
     <p:extLst>
       <p:ext uri="{BB962C8B-B14F-4D97-AF65-F5344CB8AC3E}">
-        <p14:creationId xmlns:p14="http://schemas.microsoft.com/office/powerpoint/2010/main" val="385793241"/>
+        <p14:creationId xmlns:p14="http://schemas.microsoft.com/office/powerpoint/2010/main" xmlns="" val="385793241"/>
       </p:ext>
     </p:extLst>
   </p:cSld>
@@ -5638,7 +5641,7 @@
             <a:fld id="{1D8BD707-D9CF-40AE-B4C6-C98DA3205C09}" type="datetimeFigureOut">
               <a:rPr lang="en-US" smtClean="0"/>
               <a:pPr/>
-              <a:t>2/20/2024</a:t>
+              <a:t>20-Feb-24</a:t>
             </a:fld>
             <a:endParaRPr lang="en-US"/>
           </a:p>
@@ -5690,7 +5693,7 @@
     </p:spTree>
     <p:extLst>
       <p:ext uri="{BB962C8B-B14F-4D97-AF65-F5344CB8AC3E}">
-        <p14:creationId xmlns:p14="http://schemas.microsoft.com/office/powerpoint/2010/main" val="297218253"/>
+        <p14:creationId xmlns:p14="http://schemas.microsoft.com/office/powerpoint/2010/main" xmlns="" val="297218253"/>
       </p:ext>
     </p:extLst>
   </p:cSld>
@@ -6205,7 +6208,7 @@
             <a:fld id="{1D8BD707-D9CF-40AE-B4C6-C98DA3205C09}" type="datetimeFigureOut">
               <a:rPr lang="en-US" smtClean="0"/>
               <a:pPr/>
-              <a:t>2/20/2024</a:t>
+              <a:t>20-Feb-24</a:t>
             </a:fld>
             <a:endParaRPr lang="en-US"/>
           </a:p>
@@ -6294,7 +6297,7 @@
     </p:spTree>
     <p:extLst>
       <p:ext uri="{BB962C8B-B14F-4D97-AF65-F5344CB8AC3E}">
-        <p14:creationId xmlns:p14="http://schemas.microsoft.com/office/powerpoint/2010/main" val="4059986342"/>
+        <p14:creationId xmlns:p14="http://schemas.microsoft.com/office/powerpoint/2010/main" xmlns="" val="4059986342"/>
       </p:ext>
     </p:extLst>
   </p:cSld>
@@ -6756,12 +6759,13 @@
           </a:bodyPr>
           <a:lstStyle/>
           <a:p>
+            <a:pPr algn="ctr"/>
             <a:r>
               <a:rPr lang="en-US" sz="3100" b="1" dirty="0">
                 <a:solidFill>
                   <a:schemeClr val="tx1"/>
                 </a:solidFill>
-                <a:latin typeface="Microsoft Sans Serif" panose="020B0604020202020204" pitchFamily="34" charset="0"/>
+                <a:latin typeface="Bookman Old Style" pitchFamily="18" charset="0"/>
                 <a:ea typeface="Microsoft Sans Serif" panose="020B0604020202020204" pitchFamily="34" charset="0"/>
                 <a:cs typeface="Microsoft Sans Serif" panose="020B0604020202020204" pitchFamily="34" charset="0"/>
               </a:rPr>
@@ -6779,22 +6783,22 @@
           <a:p>
             <a:pPr algn="l"/>
             <a:r>
-              <a:rPr lang="en-US" sz="2800" b="1" dirty="0">
+              <a:rPr lang="en-US" sz="2900" b="1" dirty="0">
                 <a:solidFill>
                   <a:schemeClr val="tx1"/>
                 </a:solidFill>
-                <a:latin typeface="Microsoft Sans Serif" panose="020B0604020202020204" pitchFamily="34" charset="0"/>
+                <a:latin typeface="Bookman Old Style" pitchFamily="18" charset="0"/>
                 <a:ea typeface="Microsoft Sans Serif" panose="020B0604020202020204" pitchFamily="34" charset="0"/>
                 <a:cs typeface="Microsoft Sans Serif" panose="020B0604020202020204" pitchFamily="34" charset="0"/>
               </a:rPr>
               <a:t>Submitted To: </a:t>
             </a:r>
             <a:r>
-              <a:rPr lang="en-US" sz="2800" dirty="0">
+              <a:rPr lang="en-US" sz="2900" dirty="0">
                 <a:solidFill>
                   <a:schemeClr val="tx1"/>
                 </a:solidFill>
-                <a:latin typeface="HP Simplified Hans Light" panose="020B0300000000000000" pitchFamily="34" charset="-122"/>
+                <a:latin typeface="Bookman Old Style" pitchFamily="18" charset="0"/>
                 <a:ea typeface="HP Simplified Hans Light" panose="020B0300000000000000" pitchFamily="34" charset="-122"/>
               </a:rPr>
               <a:t>Dr. DC Rao. </a:t>
@@ -6802,20 +6806,21 @@
           </a:p>
           <a:p>
             <a:pPr algn="l"/>
-            <a:endParaRPr lang="en-US" sz="2800" dirty="0">
+            <a:endParaRPr lang="en-US" sz="2900" dirty="0">
               <a:solidFill>
                 <a:schemeClr val="tx1"/>
               </a:solidFill>
+              <a:latin typeface="Bookman Old Style" pitchFamily="18" charset="0"/>
             </a:endParaRPr>
           </a:p>
           <a:p>
             <a:pPr algn="l"/>
             <a:r>
-              <a:rPr lang="en-US" sz="2900" b="1" u="sng" dirty="0">
+              <a:rPr lang="en-US" sz="3400" b="1" u="sng" dirty="0">
                 <a:solidFill>
                   <a:schemeClr val="tx1"/>
                 </a:solidFill>
-                <a:latin typeface="Microsoft Sans Serif" panose="020B0604020202020204" pitchFamily="34" charset="0"/>
+                <a:latin typeface="Bookman Old Style" pitchFamily="18" charset="0"/>
                 <a:ea typeface="Microsoft Sans Serif" panose="020B0604020202020204" pitchFamily="34" charset="0"/>
                 <a:cs typeface="Microsoft Sans Serif" panose="020B0604020202020204" pitchFamily="34" charset="0"/>
               </a:rPr>
@@ -6824,7 +6829,9 @@
           </a:p>
           <a:p>
             <a:pPr algn="l"/>
-            <a:endParaRPr lang="en-US" sz="500" b="1" dirty="0"/>
+            <a:endParaRPr lang="en-US" sz="500" b="1" dirty="0">
+              <a:latin typeface="Bookman Old Style" pitchFamily="18" charset="0"/>
+            </a:endParaRPr>
           </a:p>
           <a:p>
             <a:pPr marL="514350" indent="-514350" algn="l">
@@ -6834,11 +6841,11 @@
               <a:buAutoNum type="arabicPeriod"/>
             </a:pPr>
             <a:r>
-              <a:rPr lang="en-US" sz="2700" dirty="0">
+              <a:rPr lang="en-US" sz="3000" b="1" dirty="0">
                 <a:solidFill>
                   <a:schemeClr val="tx1"/>
                 </a:solidFill>
-                <a:latin typeface="HP Simplified Hans Light" panose="020B0300000000000000" pitchFamily="34" charset="-122"/>
+                <a:latin typeface="Bookman Old Style" pitchFamily="18" charset="0"/>
                 <a:ea typeface="HP Simplified Hans Light" panose="020B0300000000000000" pitchFamily="34" charset="-122"/>
                 <a:cs typeface="Tahoma" panose="020B0604030504040204" pitchFamily="34" charset="0"/>
               </a:rPr>
@@ -6853,11 +6860,11 @@
               <a:buAutoNum type="arabicPeriod"/>
             </a:pPr>
             <a:r>
-              <a:rPr lang="en-US" sz="2700" dirty="0">
+              <a:rPr lang="en-US" sz="3000" b="1" dirty="0">
                 <a:solidFill>
                   <a:schemeClr val="tx1"/>
                 </a:solidFill>
-                <a:latin typeface="HP Simplified Hans Light" panose="020B0300000000000000" pitchFamily="34" charset="-122"/>
+                <a:latin typeface="Bookman Old Style" pitchFamily="18" charset="0"/>
                 <a:ea typeface="HP Simplified Hans Light" panose="020B0300000000000000" pitchFamily="34" charset="-122"/>
                 <a:cs typeface="Tahoma" panose="020B0604030504040204" pitchFamily="34" charset="0"/>
               </a:rPr>
@@ -6872,11 +6879,11 @@
               <a:buAutoNum type="arabicPeriod"/>
             </a:pPr>
             <a:r>
-              <a:rPr lang="en-US" sz="2700" dirty="0">
+              <a:rPr lang="en-US" sz="3000" b="1" dirty="0">
                 <a:solidFill>
                   <a:schemeClr val="tx1"/>
                 </a:solidFill>
-                <a:latin typeface="HP Simplified Hans Light" panose="020B0300000000000000" pitchFamily="34" charset="-122"/>
+                <a:latin typeface="Bookman Old Style" pitchFamily="18" charset="0"/>
                 <a:ea typeface="HP Simplified Hans Light" panose="020B0300000000000000" pitchFamily="34" charset="-122"/>
                 <a:cs typeface="Tahoma" panose="020B0604030504040204" pitchFamily="34" charset="0"/>
               </a:rPr>
@@ -6891,11 +6898,11 @@
               <a:buAutoNum type="arabicPeriod"/>
             </a:pPr>
             <a:r>
-              <a:rPr lang="en-US" sz="2700" dirty="0">
+              <a:rPr lang="en-US" sz="3000" b="1" dirty="0">
                 <a:solidFill>
                   <a:schemeClr val="tx1"/>
                 </a:solidFill>
-                <a:latin typeface="HP Simplified Hans Light" panose="020B0300000000000000" pitchFamily="34" charset="-122"/>
+                <a:latin typeface="Bookman Old Style" pitchFamily="18" charset="0"/>
                 <a:ea typeface="HP Simplified Hans Light" panose="020B0300000000000000" pitchFamily="34" charset="-122"/>
                 <a:cs typeface="Tahoma" panose="020B0604030504040204" pitchFamily="34" charset="0"/>
               </a:rPr>
@@ -6910,11 +6917,11 @@
               <a:buAutoNum type="arabicPeriod"/>
             </a:pPr>
             <a:r>
-              <a:rPr lang="en-US" sz="2700" dirty="0">
+              <a:rPr lang="en-US" sz="3000" b="1" dirty="0">
                 <a:solidFill>
                   <a:schemeClr val="tx1"/>
                 </a:solidFill>
-                <a:latin typeface="HP Simplified Hans Light" panose="020B0300000000000000" pitchFamily="34" charset="-122"/>
+                <a:latin typeface="Bookman Old Style" pitchFamily="18" charset="0"/>
                 <a:ea typeface="HP Simplified Hans Light" panose="020B0300000000000000" pitchFamily="34" charset="-122"/>
                 <a:cs typeface="Tahoma" panose="020B0604030504040204" pitchFamily="34" charset="0"/>
               </a:rPr>
@@ -6929,44 +6936,44 @@
               <a:buAutoNum type="arabicPeriod"/>
             </a:pPr>
             <a:r>
-              <a:rPr lang="en-US" sz="2700" dirty="0" err="1">
+              <a:rPr lang="en-US" sz="3000" b="1" dirty="0" err="1">
                 <a:solidFill>
                   <a:schemeClr val="tx1"/>
                 </a:solidFill>
-                <a:latin typeface="HP Simplified Hans Light" panose="020B0300000000000000" pitchFamily="34" charset="-122"/>
+                <a:latin typeface="Bookman Old Style" pitchFamily="18" charset="0"/>
                 <a:ea typeface="HP Simplified Hans Light" panose="020B0300000000000000" pitchFamily="34" charset="-122"/>
                 <a:cs typeface="Tahoma" panose="020B0604030504040204" pitchFamily="34" charset="0"/>
               </a:rPr>
               <a:t>SHailesh</a:t>
             </a:r>
             <a:r>
-              <a:rPr lang="en-US" sz="2700" dirty="0">
+              <a:rPr lang="en-US" sz="3000" b="1" dirty="0">
                 <a:solidFill>
                   <a:schemeClr val="tx1"/>
                 </a:solidFill>
-                <a:latin typeface="HP Simplified Hans Light" panose="020B0300000000000000" pitchFamily="34" charset="-122"/>
+                <a:latin typeface="Bookman Old Style" pitchFamily="18" charset="0"/>
                 <a:ea typeface="HP Simplified Hans Light" panose="020B0300000000000000" pitchFamily="34" charset="-122"/>
                 <a:cs typeface="Tahoma" panose="020B0604030504040204" pitchFamily="34" charset="0"/>
               </a:rPr>
               <a:t> </a:t>
             </a:r>
             <a:r>
-              <a:rPr lang="en-US" sz="2700" dirty="0" err="1">
+              <a:rPr lang="en-US" sz="3000" b="1" dirty="0" err="1">
                 <a:solidFill>
                   <a:schemeClr val="tx1"/>
                 </a:solidFill>
-                <a:latin typeface="HP Simplified Hans Light" panose="020B0300000000000000" pitchFamily="34" charset="-122"/>
+                <a:latin typeface="Bookman Old Style" pitchFamily="18" charset="0"/>
                 <a:ea typeface="HP Simplified Hans Light" panose="020B0300000000000000" pitchFamily="34" charset="-122"/>
                 <a:cs typeface="Tahoma" panose="020B0604030504040204" pitchFamily="34" charset="0"/>
               </a:rPr>
               <a:t>MisHra</a:t>
             </a:r>
             <a:r>
-              <a:rPr lang="en-US" sz="2700" dirty="0">
+              <a:rPr lang="en-US" sz="3000" b="1" dirty="0">
                 <a:solidFill>
                   <a:schemeClr val="tx1"/>
                 </a:solidFill>
-                <a:latin typeface="HP Simplified Hans Light" panose="020B0300000000000000" pitchFamily="34" charset="-122"/>
+                <a:latin typeface="Bookman Old Style" pitchFamily="18" charset="0"/>
                 <a:ea typeface="HP Simplified Hans Light" panose="020B0300000000000000" pitchFamily="34" charset="-122"/>
                 <a:cs typeface="Tahoma" panose="020B0604030504040204" pitchFamily="34" charset="0"/>
               </a:rPr>
@@ -7030,6 +7037,13 @@
   <p:clrMapOvr>
     <a:masterClrMapping/>
   </p:clrMapOvr>
+  <p:timing>
+    <p:tnLst>
+      <p:par>
+        <p:cTn id="1" dur="indefinite" restart="never" nodeType="tmRoot"/>
+      </p:par>
+    </p:tnLst>
+  </p:timing>
 </p:sld>
 </file>
 
@@ -7062,7 +7076,7 @@
         </p:nvSpPr>
         <p:spPr>
           <a:xfrm>
-            <a:off x="0" y="1219200"/>
+            <a:off x="0" y="609600"/>
             <a:ext cx="9144000" cy="5638800"/>
           </a:xfrm>
         </p:spPr>
@@ -7077,8 +7091,8 @@
               <a:buChar char="v"/>
             </a:pPr>
             <a:r>
-              <a:rPr lang="en-US" sz="2400" b="1" u="sng" dirty="0">
-                <a:latin typeface="Microsoft Sans Serif" panose="020B0604020202020204" pitchFamily="34" charset="0"/>
+              <a:rPr lang="en-US" sz="2800" b="1" u="sng" dirty="0">
+                <a:latin typeface="Bookman Old Style" pitchFamily="18" charset="0"/>
                 <a:ea typeface="Microsoft Sans Serif" panose="020B0604020202020204" pitchFamily="34" charset="0"/>
                 <a:cs typeface="Microsoft Sans Serif" panose="020B0604020202020204" pitchFamily="34" charset="0"/>
               </a:rPr>
@@ -7090,22 +7104,22 @@
               <a:buNone/>
             </a:pPr>
             <a:r>
-              <a:rPr lang="en-US" sz="2000" dirty="0">
-                <a:latin typeface="HP Simplified Hans Light" panose="020B0300000000000000" pitchFamily="34" charset="-122"/>
+              <a:rPr lang="en-US" sz="2400" dirty="0">
+                <a:latin typeface="Bookman Old Style" pitchFamily="18" charset="0"/>
                 <a:ea typeface="HP Simplified Hans Light" panose="020B0300000000000000" pitchFamily="34" charset="-122"/>
               </a:rPr>
               <a:t>This has been supported by checking the </a:t>
             </a:r>
             <a:r>
-              <a:rPr lang="en-US" sz="2000" dirty="0" err="1">
-                <a:latin typeface="HP Simplified Hans Light" panose="020B0300000000000000" pitchFamily="34" charset="-122"/>
+              <a:rPr lang="en-US" sz="2400" dirty="0" err="1">
+                <a:latin typeface="Bookman Old Style" pitchFamily="18" charset="0"/>
                 <a:ea typeface="HP Simplified Hans Light" panose="020B0300000000000000" pitchFamily="34" charset="-122"/>
               </a:rPr>
               <a:t>occurence</a:t>
             </a:r>
             <a:r>
-              <a:rPr lang="en-US" sz="2000" dirty="0">
-                <a:latin typeface="HP Simplified Hans Light" panose="020B0300000000000000" pitchFamily="34" charset="-122"/>
+              <a:rPr lang="en-US" sz="2400" dirty="0">
+                <a:latin typeface="Bookman Old Style" pitchFamily="18" charset="0"/>
                 <a:ea typeface="HP Simplified Hans Light" panose="020B0300000000000000" pitchFamily="34" charset="-122"/>
               </a:rPr>
               <a:t> of ‘/*’ and ‘*/’ in the code. The statements between them has been excluded. Errors for unmatched and nested comments have also been displayed.</a:t>
@@ -7117,8 +7131,8 @@
               <a:buChar char="v"/>
             </a:pPr>
             <a:r>
-              <a:rPr lang="en-US" sz="2400" b="1" u="sng" dirty="0">
-                <a:latin typeface="Microsoft Sans Serif" panose="020B0604020202020204" pitchFamily="34" charset="0"/>
+              <a:rPr lang="en-US" sz="2800" b="1" u="sng" dirty="0">
+                <a:latin typeface="Bookman Old Style" pitchFamily="18" charset="0"/>
                 <a:ea typeface="Microsoft Sans Serif" panose="020B0604020202020204" pitchFamily="34" charset="0"/>
                 <a:cs typeface="Microsoft Sans Serif" panose="020B0604020202020204" pitchFamily="34" charset="0"/>
               </a:rPr>
@@ -7130,22 +7144,22 @@
               <a:buNone/>
             </a:pPr>
             <a:r>
-              <a:rPr lang="en-US" sz="2000" dirty="0">
-                <a:latin typeface="HP Simplified Hans Light" panose="020B0300000000000000" pitchFamily="34" charset="-122"/>
+              <a:rPr lang="en-US" sz="2400" dirty="0">
+                <a:latin typeface="Bookman Old Style" pitchFamily="18" charset="0"/>
                 <a:ea typeface="HP Simplified Hans Light" panose="020B0300000000000000" pitchFamily="34" charset="-122"/>
               </a:rPr>
               <a:t>Different regular expressions have been implemented in the code to support all kinds of literals, </a:t>
             </a:r>
             <a:r>
-              <a:rPr lang="en-US" sz="2000" dirty="0" err="1">
-                <a:latin typeface="HP Simplified Hans Light" panose="020B0300000000000000" pitchFamily="34" charset="-122"/>
+              <a:rPr lang="en-US" sz="2400" dirty="0" err="1">
+                <a:latin typeface="Bookman Old Style" pitchFamily="18" charset="0"/>
                 <a:ea typeface="HP Simplified Hans Light" panose="020B0300000000000000" pitchFamily="34" charset="-122"/>
               </a:rPr>
               <a:t>i.e</a:t>
             </a:r>
             <a:r>
-              <a:rPr lang="en-US" sz="2000" dirty="0">
-                <a:latin typeface="HP Simplified Hans Light" panose="020B0300000000000000" pitchFamily="34" charset="-122"/>
+              <a:rPr lang="en-US" sz="2400" dirty="0">
+                <a:latin typeface="Bookman Old Style" pitchFamily="18" charset="0"/>
                 <a:ea typeface="HP Simplified Hans Light" panose="020B0300000000000000" pitchFamily="34" charset="-122"/>
               </a:rPr>
               <a:t> integers, floats, strings, etc. Float : ({digit}+)\.({digit}+)</a:t>
@@ -7157,8 +7171,8 @@
               <a:buChar char="v"/>
             </a:pPr>
             <a:r>
-              <a:rPr lang="en-US" sz="2400" b="1" u="sng" dirty="0">
-                <a:latin typeface="Microsoft Sans Serif" panose="020B0604020202020204" pitchFamily="34" charset="0"/>
+              <a:rPr lang="en-US" sz="2800" b="1" u="sng" dirty="0">
+                <a:latin typeface="Bookman Old Style" pitchFamily="18" charset="0"/>
                 <a:ea typeface="Microsoft Sans Serif" panose="020B0604020202020204" pitchFamily="34" charset="0"/>
                 <a:cs typeface="Microsoft Sans Serif" panose="020B0604020202020204" pitchFamily="34" charset="0"/>
               </a:rPr>
@@ -7170,8 +7184,8 @@
               <a:buNone/>
             </a:pPr>
             <a:r>
-              <a:rPr lang="en-US" sz="2000" dirty="0">
-                <a:latin typeface="HP Simplified Hans Light" panose="020B0300000000000000" pitchFamily="34" charset="-122"/>
+              <a:rPr lang="en-US" sz="2400" dirty="0">
+                <a:latin typeface="Bookman Old Style" pitchFamily="18" charset="0"/>
                 <a:ea typeface="HP Simplified Hans Light" panose="020B0300000000000000" pitchFamily="34" charset="-122"/>
               </a:rPr>
               <a:t>Open and close quote missing, both kind of errors have been handled in the rules written in the script.</a:t>
@@ -7228,8 +7242,14 @@
           <a:p>
             <a:pPr algn="l"/>
             <a:r>
+              <a:rPr lang="en-US" sz="3200" b="1" dirty="0">
+                <a:latin typeface="Bookman Old Style" pitchFamily="18" charset="0"/>
+              </a:rPr>
+              <a:t>Output</a:t>
+            </a:r>
+            <a:r>
               <a:rPr lang="en-US" sz="3200" b="1" dirty="0"/>
-              <a:t>Output :</a:t>
+              <a:t> :</a:t>
             </a:r>
           </a:p>
         </p:txBody>
@@ -7336,7 +7356,7 @@
           <p:cNvPr id="2" name="Title 1">
             <a:extLst>
               <a:ext uri="{FF2B5EF4-FFF2-40B4-BE49-F238E27FC236}">
-                <a16:creationId xmlns:a16="http://schemas.microsoft.com/office/drawing/2014/main" id="{35B92C80-6972-5E79-37F1-FC270316044A}"/>
+                <a16:creationId xmlns:a16="http://schemas.microsoft.com/office/drawing/2014/main" xmlns="" id="{35B92C80-6972-5E79-37F1-FC270316044A}"/>
               </a:ext>
             </a:extLst>
           </p:cNvPr>
@@ -7357,13 +7377,15 @@
                 <a:solidFill>
                   <a:srgbClr val="FF0000"/>
                 </a:solidFill>
-                <a:latin typeface="Microsoft Sans Serif" panose="020B0604020202020204" pitchFamily="34" charset="0"/>
+                <a:latin typeface="Bookman Old Style" pitchFamily="18" charset="0"/>
                 <a:ea typeface="Microsoft Sans Serif" panose="020B0604020202020204" pitchFamily="34" charset="0"/>
                 <a:cs typeface="Microsoft Sans Serif" panose="020B0604020202020204" pitchFamily="34" charset="0"/>
               </a:rPr>
               <a:t>Syntax Analysis</a:t>
             </a:r>
-            <a:endParaRPr lang="en-IN" dirty="0"/>
+            <a:endParaRPr lang="en-IN" dirty="0">
+              <a:latin typeface="Bookman Old Style" pitchFamily="18" charset="0"/>
+            </a:endParaRPr>
           </a:p>
         </p:txBody>
       </p:sp>
@@ -7372,7 +7394,7 @@
           <p:cNvPr id="3" name="Content Placeholder 2">
             <a:extLst>
               <a:ext uri="{FF2B5EF4-FFF2-40B4-BE49-F238E27FC236}">
-                <a16:creationId xmlns:a16="http://schemas.microsoft.com/office/drawing/2014/main" id="{83681D05-9748-D486-D79C-9A24073707CA}"/>
+                <a16:creationId xmlns:a16="http://schemas.microsoft.com/office/drawing/2014/main" xmlns="" id="{83681D05-9748-D486-D79C-9A24073707CA}"/>
               </a:ext>
             </a:extLst>
           </p:cNvPr>
@@ -7391,7 +7413,7 @@
         </p:spPr>
         <p:txBody>
           <a:bodyPr>
-            <a:normAutofit/>
+            <a:normAutofit lnSpcReduction="10000"/>
           </a:bodyPr>
           <a:lstStyle/>
           <a:p>
@@ -7404,7 +7426,7 @@
             </a:pPr>
             <a:r>
               <a:rPr lang="en-US" sz="3000" dirty="0">
-                <a:latin typeface="HP Simplified Hans Light" panose="020B0300000000000000" pitchFamily="34" charset="-122"/>
+                <a:latin typeface="Bookman Old Style" pitchFamily="18" charset="0"/>
                 <a:ea typeface="HP Simplified Hans Light" panose="020B0300000000000000" pitchFamily="34" charset="-122"/>
               </a:rPr>
               <a:t>This is Phase Two of the Compiler Designing Process</a:t>
@@ -7420,21 +7442,21 @@
             </a:pPr>
             <a:r>
               <a:rPr lang="en-US" sz="2800" dirty="0">
-                <a:latin typeface="HP Simplified Hans Light" panose="020B0300000000000000" pitchFamily="34" charset="-122"/>
+                <a:latin typeface="Bookman Old Style" pitchFamily="18" charset="0"/>
                 <a:ea typeface="HP Simplified Hans Light" panose="020B0300000000000000" pitchFamily="34" charset="-122"/>
               </a:rPr>
               <a:t>This phase involved the development of a Parser for C language which makes use of the C </a:t>
             </a:r>
             <a:r>
               <a:rPr lang="en-US" sz="2800" dirty="0" err="1">
-                <a:latin typeface="HP Simplified Hans Light" panose="020B0300000000000000" pitchFamily="34" charset="-122"/>
+                <a:latin typeface="Bookman Old Style" pitchFamily="18" charset="0"/>
                 <a:ea typeface="HP Simplified Hans Light" panose="020B0300000000000000" pitchFamily="34" charset="-122"/>
               </a:rPr>
               <a:t>lexer</a:t>
             </a:r>
             <a:r>
               <a:rPr lang="en-US" sz="2800" dirty="0">
-                <a:latin typeface="HP Simplified Hans Light" panose="020B0300000000000000" pitchFamily="34" charset="-122"/>
+                <a:latin typeface="Bookman Old Style" pitchFamily="18" charset="0"/>
                 <a:ea typeface="HP Simplified Hans Light" panose="020B0300000000000000" pitchFamily="34" charset="-122"/>
               </a:rPr>
               <a:t> to parse the given C input file.</a:t>
@@ -7450,25 +7472,27 @@
             </a:pPr>
             <a:r>
               <a:rPr lang="en-US" sz="2800" dirty="0">
-                <a:latin typeface="HP Simplified Hans Light" panose="020B0300000000000000" pitchFamily="34" charset="-122"/>
+                <a:latin typeface="Bookman Old Style" pitchFamily="18" charset="0"/>
                 <a:ea typeface="HP Simplified Hans Light" panose="020B0300000000000000" pitchFamily="34" charset="-122"/>
               </a:rPr>
               <a:t>The previous work was concentrated at developing a lexical analyzer(flex script) to generate a stream of tokens from the source code and populate the symbol table.</a:t>
             </a:r>
             <a:endParaRPr lang="en-US" sz="3000" dirty="0">
-              <a:latin typeface="HP Simplified Hans Light" panose="020B0300000000000000" pitchFamily="34" charset="-122"/>
+              <a:latin typeface="Bookman Old Style" pitchFamily="18" charset="0"/>
               <a:ea typeface="HP Simplified Hans Light" panose="020B0300000000000000" pitchFamily="34" charset="-122"/>
             </a:endParaRPr>
           </a:p>
           <a:p>
-            <a:endParaRPr lang="en-IN" dirty="0"/>
+            <a:endParaRPr lang="en-IN" dirty="0">
+              <a:latin typeface="Bookman Old Style" pitchFamily="18" charset="0"/>
+            </a:endParaRPr>
           </a:p>
         </p:txBody>
       </p:sp>
     </p:spTree>
     <p:extLst>
       <p:ext uri="{BB962C8B-B14F-4D97-AF65-F5344CB8AC3E}">
-        <p14:creationId xmlns:p14="http://schemas.microsoft.com/office/powerpoint/2010/main" val="458889082"/>
+        <p14:creationId xmlns:p14="http://schemas.microsoft.com/office/powerpoint/2010/main" xmlns="" val="458889082"/>
       </p:ext>
     </p:extLst>
   </p:cSld>
@@ -7523,7 +7547,7 @@
                 <a:solidFill>
                   <a:srgbClr val="FF0000"/>
                 </a:solidFill>
-                <a:latin typeface="Microsoft Sans Serif" panose="020B0604020202020204" pitchFamily="34" charset="0"/>
+                <a:latin typeface="Bookman Old Style" pitchFamily="18" charset="0"/>
                 <a:ea typeface="Microsoft Sans Serif" panose="020B0604020202020204" pitchFamily="34" charset="0"/>
                 <a:cs typeface="Microsoft Sans Serif" panose="020B0604020202020204" pitchFamily="34" charset="0"/>
               </a:rPr>
@@ -7559,7 +7583,7 @@
             </a:pPr>
             <a:r>
               <a:rPr lang="en-US" sz="3000" b="1" u="sng" dirty="0">
-                <a:latin typeface="Microsoft Sans Serif" panose="020B0604020202020204" pitchFamily="34" charset="0"/>
+                <a:latin typeface="Bookman Old Style" pitchFamily="18" charset="0"/>
                 <a:ea typeface="Microsoft Sans Serif" panose="020B0604020202020204" pitchFamily="34" charset="0"/>
                 <a:cs typeface="Microsoft Sans Serif" panose="020B0604020202020204" pitchFamily="34" charset="0"/>
               </a:rPr>
@@ -7571,7 +7595,7 @@
               <a:buNone/>
             </a:pPr>
             <a:endParaRPr lang="en-US" sz="1600" b="1" u="sng" dirty="0">
-              <a:latin typeface="Microsoft Sans Serif" panose="020B0604020202020204" pitchFamily="34" charset="0"/>
+              <a:latin typeface="Bookman Old Style" pitchFamily="18" charset="0"/>
               <a:ea typeface="Microsoft Sans Serif" panose="020B0604020202020204" pitchFamily="34" charset="0"/>
               <a:cs typeface="Microsoft Sans Serif" panose="020B0604020202020204" pitchFamily="34" charset="0"/>
             </a:endParaRPr>
@@ -7583,7 +7607,7 @@
             </a:pPr>
             <a:r>
               <a:rPr lang="en-US" sz="2600" dirty="0">
-                <a:latin typeface="HP Simplified Hans Light" panose="020B0300000000000000" pitchFamily="34" charset="-122"/>
+                <a:latin typeface="Bookman Old Style" pitchFamily="18" charset="0"/>
                 <a:ea typeface="HP Simplified Hans Light" panose="020B0300000000000000" pitchFamily="34" charset="-122"/>
               </a:rPr>
               <a:t>The lexical analyzer (flex scripts) returns a stream of tokens, which populates the symbol table. </a:t>
@@ -7596,7 +7620,7 @@
             </a:pPr>
             <a:r>
               <a:rPr lang="en-US" sz="2600" dirty="0">
-                <a:latin typeface="HP Simplified Hans Light" panose="020B0300000000000000" pitchFamily="34" charset="-122"/>
+                <a:latin typeface="Bookman Old Style" pitchFamily="18" charset="0"/>
                 <a:ea typeface="HP Simplified Hans Light" panose="020B0300000000000000" pitchFamily="34" charset="-122"/>
               </a:rPr>
               <a:t>These tokens are then taken as input by the Parser. </a:t>
@@ -7609,7 +7633,7 @@
             </a:pPr>
             <a:r>
               <a:rPr lang="en-US" sz="2600" dirty="0">
-                <a:latin typeface="HP Simplified Hans Light" panose="020B0300000000000000" pitchFamily="34" charset="-122"/>
+                <a:latin typeface="Bookman Old Style" pitchFamily="18" charset="0"/>
                 <a:ea typeface="HP Simplified Hans Light" panose="020B0300000000000000" pitchFamily="34" charset="-122"/>
               </a:rPr>
               <a:t>Parser verifies that a string of token names can be generated by the grammar of the source language. </a:t>
@@ -7622,7 +7646,7 @@
             </a:pPr>
             <a:r>
               <a:rPr lang="en-US" sz="2600" dirty="0">
-                <a:latin typeface="HP Simplified Hans Light" panose="020B0300000000000000" pitchFamily="34" charset="-122"/>
+                <a:latin typeface="Bookman Old Style" pitchFamily="18" charset="0"/>
                 <a:ea typeface="HP Simplified Hans Light" panose="020B0300000000000000" pitchFamily="34" charset="-122"/>
               </a:rPr>
               <a:t>The Parser then reports any syntax errors in an intelligible manner and recovers from the commonly occurring errors to continue processing the remainder of the program. </a:t>
@@ -7681,7 +7705,9 @@
               <a:buFont typeface="+mj-lt"/>
               <a:buAutoNum type="arabicPeriod"/>
             </a:pPr>
-            <a:endParaRPr lang="en-US" dirty="0"/>
+            <a:endParaRPr lang="en-US" dirty="0">
+              <a:latin typeface="Bookman Old Style" pitchFamily="18" charset="0"/>
+            </a:endParaRPr>
           </a:p>
           <a:p>
             <a:pPr marL="0" indent="0">
@@ -7689,7 +7715,7 @@
             </a:pPr>
             <a:r>
               <a:rPr lang="en-US" sz="2700" dirty="0">
-                <a:latin typeface="HP Simplified Hans Light" panose="020B0300000000000000" pitchFamily="34" charset="-122"/>
+                <a:latin typeface="Bookman Old Style" pitchFamily="18" charset="0"/>
                 <a:ea typeface="HP Simplified Hans Light" panose="020B0300000000000000" pitchFamily="34" charset="-122"/>
               </a:rPr>
               <a:t>The Parser recognizes the following types of errors:</a:t>
@@ -7702,7 +7728,7 @@
             </a:pPr>
             <a:r>
               <a:rPr lang="en-US" sz="2700" dirty="0">
-                <a:latin typeface="HP Simplified Hans Light" panose="020B0300000000000000" pitchFamily="34" charset="-122"/>
+                <a:latin typeface="Bookman Old Style" pitchFamily="18" charset="0"/>
                 <a:ea typeface="HP Simplified Hans Light" panose="020B0300000000000000" pitchFamily="34" charset="-122"/>
               </a:rPr>
               <a:t>Structural errors</a:t>
@@ -7715,7 +7741,7 @@
             </a:pPr>
             <a:r>
               <a:rPr lang="en-US" sz="2700" dirty="0">
-                <a:latin typeface="HP Simplified Hans Light" panose="020B0300000000000000" pitchFamily="34" charset="-122"/>
+                <a:latin typeface="Bookman Old Style" pitchFamily="18" charset="0"/>
                 <a:ea typeface="HP Simplified Hans Light" panose="020B0300000000000000" pitchFamily="34" charset="-122"/>
               </a:rPr>
               <a:t>Missing identifiers</a:t>
@@ -7728,7 +7754,7 @@
             </a:pPr>
             <a:r>
               <a:rPr lang="en-US" sz="2700" dirty="0">
-                <a:latin typeface="HP Simplified Hans Light" panose="020B0300000000000000" pitchFamily="34" charset="-122"/>
+                <a:latin typeface="Bookman Old Style" pitchFamily="18" charset="0"/>
                 <a:ea typeface="HP Simplified Hans Light" panose="020B0300000000000000" pitchFamily="34" charset="-122"/>
               </a:rPr>
               <a:t>Wrong keywords</a:t>
@@ -7741,7 +7767,7 @@
             </a:pPr>
             <a:r>
               <a:rPr lang="en-US" sz="2700" dirty="0">
-                <a:latin typeface="HP Simplified Hans Light" panose="020B0300000000000000" pitchFamily="34" charset="-122"/>
+                <a:latin typeface="Bookman Old Style" pitchFamily="18" charset="0"/>
                 <a:ea typeface="HP Simplified Hans Light" panose="020B0300000000000000" pitchFamily="34" charset="-122"/>
               </a:rPr>
               <a:t>Unbalanced parenthesis</a:t>
@@ -7751,7 +7777,7 @@
             <a:pPr marL="514350" indent="-514350"/>
             <a:r>
               <a:rPr lang="en-US" sz="2700" dirty="0">
-                <a:latin typeface="HP Simplified Hans Light" panose="020B0300000000000000" pitchFamily="34" charset="-122"/>
+                <a:latin typeface="Bookman Old Style" pitchFamily="18" charset="0"/>
                 <a:ea typeface="HP Simplified Hans Light" panose="020B0300000000000000" pitchFamily="34" charset="-122"/>
               </a:rPr>
               <a:t>Parser is that phase of compiler which takes token string as input and with the help of existing grammar, converts it into the corresponding parse tree. </a:t>
@@ -7761,7 +7787,7 @@
             <a:pPr marL="514350" indent="-514350"/>
             <a:r>
               <a:rPr lang="en-US" sz="2700" dirty="0">
-                <a:latin typeface="HP Simplified Hans Light" panose="020B0300000000000000" pitchFamily="34" charset="-122"/>
+                <a:latin typeface="Bookman Old Style" pitchFamily="18" charset="0"/>
                 <a:ea typeface="HP Simplified Hans Light" panose="020B0300000000000000" pitchFamily="34" charset="-122"/>
               </a:rPr>
               <a:t>Parser is also known as Syntax Analyzer. </a:t>
@@ -7799,7 +7825,7 @@
           <p:cNvPr id="3" name="Picture 2">
             <a:extLst>
               <a:ext uri="{FF2B5EF4-FFF2-40B4-BE49-F238E27FC236}">
-                <a16:creationId xmlns:a16="http://schemas.microsoft.com/office/drawing/2014/main" id="{1B54EDC5-5BB8-49F4-9941-5D7284242BD0}"/>
+                <a16:creationId xmlns:a16="http://schemas.microsoft.com/office/drawing/2014/main" xmlns="" id="{1B54EDC5-5BB8-49F4-9941-5D7284242BD0}"/>
               </a:ext>
             </a:extLst>
           </p:cNvPr>
@@ -7812,7 +7838,7 @@
           <a:blip r:embed="rId2">
             <a:extLst>
               <a:ext uri="{28A0092B-C50C-407E-A947-70E740481C1C}">
-                <a14:useLocalDpi xmlns:a14="http://schemas.microsoft.com/office/drawing/2010/main" val="0"/>
+                <a14:useLocalDpi xmlns:a14="http://schemas.microsoft.com/office/drawing/2010/main" xmlns="" val="0"/>
               </a:ext>
             </a:extLst>
           </a:blip>
@@ -7833,7 +7859,7 @@
     </p:spTree>
     <p:extLst>
       <p:ext uri="{BB962C8B-B14F-4D97-AF65-F5344CB8AC3E}">
-        <p14:creationId xmlns:p14="http://schemas.microsoft.com/office/powerpoint/2010/main" val="2354160240"/>
+        <p14:creationId xmlns:p14="http://schemas.microsoft.com/office/powerpoint/2010/main" xmlns="" val="2354160240"/>
       </p:ext>
     </p:extLst>
   </p:cSld>
@@ -7885,7 +7911,7 @@
             <a:pPr algn="l"/>
             <a:r>
               <a:rPr lang="en-US" sz="3200" b="1" dirty="0">
-                <a:latin typeface="Microsoft Sans Serif" panose="020B0604020202020204" pitchFamily="34" charset="0"/>
+                <a:latin typeface="Bookman Old Style" pitchFamily="18" charset="0"/>
                 <a:ea typeface="Microsoft Sans Serif" panose="020B0604020202020204" pitchFamily="34" charset="0"/>
                 <a:cs typeface="Microsoft Sans Serif" panose="020B0604020202020204" pitchFamily="34" charset="0"/>
               </a:rPr>
@@ -7918,7 +7944,7 @@
           <a:p>
             <a:r>
               <a:rPr lang="en-US" sz="2600" dirty="0">
-                <a:latin typeface="HP Simplified Hans Light" panose="020B0300000000000000" pitchFamily="34" charset="-122"/>
+                <a:latin typeface="Bookman Old Style" pitchFamily="18" charset="0"/>
                 <a:ea typeface="HP Simplified Hans Light" panose="020B0300000000000000" pitchFamily="34" charset="-122"/>
               </a:rPr>
               <a:t>Yacc is written in a portable dialect of C, and the actions, and output subroutine, are in C as well. Moreover, many of the syntactic conventions of Yacc follow C. </a:t>
@@ -7927,7 +7953,7 @@
           <a:p>
             <a:r>
               <a:rPr lang="en-US" sz="2600" dirty="0">
-                <a:latin typeface="HP Simplified Hans Light" panose="020B0300000000000000" pitchFamily="34" charset="-122"/>
+                <a:latin typeface="Bookman Old Style" pitchFamily="18" charset="0"/>
                 <a:ea typeface="HP Simplified Hans Light" panose="020B0300000000000000" pitchFamily="34" charset="-122"/>
               </a:rPr>
               <a:t>Yacc provides a comprehensive tool for imposing structure on the input to a computer program. The Yacc user prepares a specification of the input process; this includes rules describing the input structure, code to be invoked when these rules are recognized, and a low-level routine to do the basic input.</a:t>
@@ -7989,7 +8015,15 @@
                 <a:ea typeface="Microsoft Sans Serif" panose="020B0604020202020204" pitchFamily="34" charset="0"/>
                 <a:cs typeface="Microsoft Sans Serif" panose="020B0604020202020204" pitchFamily="34" charset="0"/>
               </a:rPr>
-              <a:t>C Program</a:t>
+              <a:t>C </a:t>
+            </a:r>
+            <a:r>
+              <a:rPr lang="en-US" sz="3200" b="1" dirty="0">
+                <a:latin typeface="Bookman Old Style" pitchFamily="18" charset="0"/>
+                <a:ea typeface="Microsoft Sans Serif" panose="020B0604020202020204" pitchFamily="34" charset="0"/>
+                <a:cs typeface="Microsoft Sans Serif" panose="020B0604020202020204" pitchFamily="34" charset="0"/>
+              </a:rPr>
+              <a:t>Program</a:t>
             </a:r>
           </a:p>
         </p:txBody>
@@ -8018,21 +8052,21 @@
           <a:p>
             <a:r>
               <a:rPr lang="en-US" sz="2200" dirty="0">
-                <a:latin typeface="HP Simplified Hans Light" panose="020B0300000000000000" pitchFamily="34" charset="-122"/>
+                <a:latin typeface="Bookman Old Style" pitchFamily="18" charset="0"/>
                 <a:ea typeface="HP Simplified Hans Light" panose="020B0300000000000000" pitchFamily="34" charset="-122"/>
               </a:rPr>
               <a:t>This section describes the input C program which is fed to the </a:t>
             </a:r>
             <a:r>
               <a:rPr lang="en-US" sz="2200" dirty="0" err="1">
-                <a:latin typeface="HP Simplified Hans Light" panose="020B0300000000000000" pitchFamily="34" charset="-122"/>
+                <a:latin typeface="Bookman Old Style" pitchFamily="18" charset="0"/>
                 <a:ea typeface="HP Simplified Hans Light" panose="020B0300000000000000" pitchFamily="34" charset="-122"/>
               </a:rPr>
               <a:t>yacc</a:t>
             </a:r>
             <a:r>
               <a:rPr lang="en-US" sz="2200" dirty="0">
-                <a:latin typeface="HP Simplified Hans Light" panose="020B0300000000000000" pitchFamily="34" charset="-122"/>
+                <a:latin typeface="Bookman Old Style" pitchFamily="18" charset="0"/>
                 <a:ea typeface="HP Simplified Hans Light" panose="020B0300000000000000" pitchFamily="34" charset="-122"/>
               </a:rPr>
               <a:t> script for parsing. The workflow is explained as under: </a:t>
@@ -8045,7 +8079,7 @@
             </a:pPr>
             <a:r>
               <a:rPr lang="en-US" sz="2200" dirty="0">
-                <a:latin typeface="HP Simplified Hans Light" panose="020B0300000000000000" pitchFamily="34" charset="-122"/>
+                <a:latin typeface="Bookman Old Style" pitchFamily="18" charset="0"/>
                 <a:ea typeface="HP Simplified Hans Light" panose="020B0300000000000000" pitchFamily="34" charset="-122"/>
               </a:rPr>
               <a:t>Compile Yacc script by this command </a:t>
@@ -8056,19 +8090,27 @@
               <a:buNone/>
             </a:pPr>
             <a:r>
-              <a:rPr lang="en-US" sz="2200" dirty="0"/>
+              <a:rPr lang="en-US" sz="2200" dirty="0">
+                <a:latin typeface="Bookman Old Style" pitchFamily="18" charset="0"/>
+              </a:rPr>
               <a:t>		</a:t>
             </a:r>
             <a:r>
-              <a:rPr lang="en-US" sz="1900" b="1" i="1" dirty="0"/>
+              <a:rPr lang="en-US" sz="1900" b="1" i="1" dirty="0">
+                <a:latin typeface="Bookman Old Style" pitchFamily="18" charset="0"/>
+              </a:rPr>
               <a:t>$ </a:t>
             </a:r>
             <a:r>
-              <a:rPr lang="en-US" sz="1900" b="1" i="1" dirty="0" err="1"/>
+              <a:rPr lang="en-US" sz="1900" b="1" i="1" dirty="0" err="1">
+                <a:latin typeface="Bookman Old Style" pitchFamily="18" charset="0"/>
+              </a:rPr>
               <a:t>yacc</a:t>
             </a:r>
             <a:r>
-              <a:rPr lang="en-US" sz="1900" b="1" i="1" dirty="0"/>
+              <a:rPr lang="en-US" sz="1900" b="1" i="1" dirty="0">
+                <a:latin typeface="Bookman Old Style" pitchFamily="18" charset="0"/>
+              </a:rPr>
               <a:t> -d c_parser.y54 </a:t>
             </a:r>
           </a:p>
@@ -8078,7 +8120,7 @@
             </a:pPr>
             <a:r>
               <a:rPr lang="en-US" sz="2200" dirty="0">
-                <a:latin typeface="HP Simplified Hans Light" panose="020B0300000000000000" pitchFamily="34" charset="-122"/>
+                <a:latin typeface="Bookman Old Style" pitchFamily="18" charset="0"/>
                 <a:ea typeface="HP Simplified Hans Light" panose="020B0300000000000000" pitchFamily="34" charset="-122"/>
               </a:rPr>
               <a:t>2. Compile the flex script using Flex tool </a:t>
@@ -8089,19 +8131,27 @@
               <a:buNone/>
             </a:pPr>
             <a:r>
-              <a:rPr lang="en-US" sz="2200" dirty="0"/>
+              <a:rPr lang="en-US" sz="2200" dirty="0">
+                <a:latin typeface="Bookman Old Style" pitchFamily="18" charset="0"/>
+              </a:rPr>
               <a:t>		</a:t>
             </a:r>
             <a:r>
-              <a:rPr lang="en-US" sz="1900" b="1" i="1" dirty="0"/>
+              <a:rPr lang="en-US" sz="1900" b="1" i="1" dirty="0">
+                <a:latin typeface="Bookman Old Style" pitchFamily="18" charset="0"/>
+              </a:rPr>
               <a:t>$ flex </a:t>
             </a:r>
             <a:r>
-              <a:rPr lang="en-US" sz="1900" b="1" i="1" dirty="0" err="1"/>
+              <a:rPr lang="en-US" sz="1900" b="1" i="1" dirty="0" err="1">
+                <a:latin typeface="Bookman Old Style" pitchFamily="18" charset="0"/>
+              </a:rPr>
               <a:t>c_lexer.l</a:t>
             </a:r>
             <a:r>
-              <a:rPr lang="en-US" sz="1900" b="1" i="1" dirty="0"/>
+              <a:rPr lang="en-US" sz="1900" b="1" i="1" dirty="0">
+                <a:latin typeface="Bookman Old Style" pitchFamily="18" charset="0"/>
+              </a:rPr>
               <a:t> </a:t>
             </a:r>
           </a:p>
@@ -8111,63 +8161,63 @@
             </a:pPr>
             <a:r>
               <a:rPr lang="en-US" sz="2200" dirty="0">
-                <a:latin typeface="HP Simplified Hans Light" panose="020B0300000000000000" pitchFamily="34" charset="-122"/>
+                <a:latin typeface="Bookman Old Style" pitchFamily="18" charset="0"/>
                 <a:ea typeface="HP Simplified Hans Light" panose="020B0300000000000000" pitchFamily="34" charset="-122"/>
               </a:rPr>
               <a:t>3. After compiling the </a:t>
             </a:r>
             <a:r>
               <a:rPr lang="en-US" sz="2200" dirty="0" err="1">
-                <a:latin typeface="HP Simplified Hans Light" panose="020B0300000000000000" pitchFamily="34" charset="-122"/>
+                <a:latin typeface="Bookman Old Style" pitchFamily="18" charset="0"/>
                 <a:ea typeface="HP Simplified Hans Light" panose="020B0300000000000000" pitchFamily="34" charset="-122"/>
               </a:rPr>
               <a:t>lex</a:t>
             </a:r>
             <a:r>
               <a:rPr lang="en-US" sz="2200" dirty="0">
-                <a:latin typeface="HP Simplified Hans Light" panose="020B0300000000000000" pitchFamily="34" charset="-122"/>
+                <a:latin typeface="Bookman Old Style" pitchFamily="18" charset="0"/>
                 <a:ea typeface="HP Simplified Hans Light" panose="020B0300000000000000" pitchFamily="34" charset="-122"/>
               </a:rPr>
               <a:t> file, a lex.yy.c file is generated. Also, </a:t>
             </a:r>
             <a:r>
               <a:rPr lang="en-US" sz="2200" dirty="0" err="1">
-                <a:latin typeface="HP Simplified Hans Light" panose="020B0300000000000000" pitchFamily="34" charset="-122"/>
+                <a:latin typeface="Bookman Old Style" pitchFamily="18" charset="0"/>
                 <a:ea typeface="HP Simplified Hans Light" panose="020B0300000000000000" pitchFamily="34" charset="-122"/>
               </a:rPr>
               <a:t>y.tab.c</a:t>
             </a:r>
             <a:r>
               <a:rPr lang="en-US" sz="2200" dirty="0">
-                <a:latin typeface="HP Simplified Hans Light" panose="020B0300000000000000" pitchFamily="34" charset="-122"/>
+                <a:latin typeface="Bookman Old Style" pitchFamily="18" charset="0"/>
                 <a:ea typeface="HP Simplified Hans Light" panose="020B0300000000000000" pitchFamily="34" charset="-122"/>
               </a:rPr>
               <a:t> and </a:t>
             </a:r>
             <a:r>
               <a:rPr lang="en-US" sz="2200" dirty="0" err="1">
-                <a:latin typeface="HP Simplified Hans Light" panose="020B0300000000000000" pitchFamily="34" charset="-122"/>
+                <a:latin typeface="Bookman Old Style" pitchFamily="18" charset="0"/>
                 <a:ea typeface="HP Simplified Hans Light" panose="020B0300000000000000" pitchFamily="34" charset="-122"/>
               </a:rPr>
               <a:t>y.tab.h</a:t>
             </a:r>
             <a:r>
               <a:rPr lang="en-US" sz="2200" dirty="0">
-                <a:latin typeface="HP Simplified Hans Light" panose="020B0300000000000000" pitchFamily="34" charset="-122"/>
+                <a:latin typeface="Bookman Old Style" pitchFamily="18" charset="0"/>
                 <a:ea typeface="HP Simplified Hans Light" panose="020B0300000000000000" pitchFamily="34" charset="-122"/>
               </a:rPr>
               <a:t> files are generated after compiling the </a:t>
             </a:r>
             <a:r>
               <a:rPr lang="en-US" sz="2200" dirty="0" err="1">
-                <a:latin typeface="HP Simplified Hans Light" panose="020B0300000000000000" pitchFamily="34" charset="-122"/>
+                <a:latin typeface="Bookman Old Style" pitchFamily="18" charset="0"/>
                 <a:ea typeface="HP Simplified Hans Light" panose="020B0300000000000000" pitchFamily="34" charset="-122"/>
               </a:rPr>
               <a:t>yacc</a:t>
             </a:r>
             <a:r>
               <a:rPr lang="en-US" sz="2200" dirty="0">
-                <a:latin typeface="HP Simplified Hans Light" panose="020B0300000000000000" pitchFamily="34" charset="-122"/>
+                <a:latin typeface="Bookman Old Style" pitchFamily="18" charset="0"/>
                 <a:ea typeface="HP Simplified Hans Light" panose="020B0300000000000000" pitchFamily="34" charset="-122"/>
               </a:rPr>
               <a:t> script.</a:t>
@@ -8179,76 +8229,76 @@
             </a:pPr>
             <a:r>
               <a:rPr lang="en-US" sz="2200" dirty="0">
-                <a:latin typeface="HP Simplified Hans Light" panose="020B0300000000000000" pitchFamily="34" charset="-122"/>
+                <a:latin typeface="Bookman Old Style" pitchFamily="18" charset="0"/>
                 <a:ea typeface="HP Simplified Hans Light" panose="020B0300000000000000" pitchFamily="34" charset="-122"/>
               </a:rPr>
               <a:t>4. The three files, </a:t>
             </a:r>
             <a:r>
               <a:rPr lang="en-US" sz="2200" dirty="0" err="1">
-                <a:latin typeface="HP Simplified Hans Light" panose="020B0300000000000000" pitchFamily="34" charset="-122"/>
+                <a:latin typeface="Bookman Old Style" pitchFamily="18" charset="0"/>
                 <a:ea typeface="HP Simplified Hans Light" panose="020B0300000000000000" pitchFamily="34" charset="-122"/>
               </a:rPr>
               <a:t>lex.yy.c</a:t>
             </a:r>
             <a:r>
               <a:rPr lang="en-US" sz="2200" dirty="0">
-                <a:latin typeface="HP Simplified Hans Light" panose="020B0300000000000000" pitchFamily="34" charset="-122"/>
+                <a:latin typeface="Bookman Old Style" pitchFamily="18" charset="0"/>
                 <a:ea typeface="HP Simplified Hans Light" panose="020B0300000000000000" pitchFamily="34" charset="-122"/>
               </a:rPr>
               <a:t>, </a:t>
             </a:r>
             <a:r>
               <a:rPr lang="en-US" sz="2200" dirty="0" err="1">
-                <a:latin typeface="HP Simplified Hans Light" panose="020B0300000000000000" pitchFamily="34" charset="-122"/>
+                <a:latin typeface="Bookman Old Style" pitchFamily="18" charset="0"/>
                 <a:ea typeface="HP Simplified Hans Light" panose="020B0300000000000000" pitchFamily="34" charset="-122"/>
               </a:rPr>
               <a:t>y.tab.c</a:t>
             </a:r>
             <a:r>
               <a:rPr lang="en-US" sz="2200" dirty="0">
-                <a:latin typeface="HP Simplified Hans Light" panose="020B0300000000000000" pitchFamily="34" charset="-122"/>
+                <a:latin typeface="Bookman Old Style" pitchFamily="18" charset="0"/>
                 <a:ea typeface="HP Simplified Hans Light" panose="020B0300000000000000" pitchFamily="34" charset="-122"/>
               </a:rPr>
               <a:t> and </a:t>
             </a:r>
             <a:r>
               <a:rPr lang="en-US" sz="2200" dirty="0" err="1">
-                <a:latin typeface="HP Simplified Hans Light" panose="020B0300000000000000" pitchFamily="34" charset="-122"/>
+                <a:latin typeface="Bookman Old Style" pitchFamily="18" charset="0"/>
                 <a:ea typeface="HP Simplified Hans Light" panose="020B0300000000000000" pitchFamily="34" charset="-122"/>
               </a:rPr>
               <a:t>y.tab.h</a:t>
             </a:r>
             <a:r>
               <a:rPr lang="en-US" sz="2200" dirty="0">
-                <a:latin typeface="HP Simplified Hans Light" panose="020B0300000000000000" pitchFamily="34" charset="-122"/>
+                <a:latin typeface="Bookman Old Style" pitchFamily="18" charset="0"/>
                 <a:ea typeface="HP Simplified Hans Light" panose="020B0300000000000000" pitchFamily="34" charset="-122"/>
               </a:rPr>
               <a:t> are compiled together with the options –</a:t>
             </a:r>
             <a:r>
               <a:rPr lang="en-US" sz="2200" dirty="0" err="1">
-                <a:latin typeface="HP Simplified Hans Light" panose="020B0300000000000000" pitchFamily="34" charset="-122"/>
+                <a:latin typeface="Bookman Old Style" pitchFamily="18" charset="0"/>
                 <a:ea typeface="HP Simplified Hans Light" panose="020B0300000000000000" pitchFamily="34" charset="-122"/>
               </a:rPr>
               <a:t>ll</a:t>
             </a:r>
             <a:r>
               <a:rPr lang="en-US" sz="2200" dirty="0">
-                <a:latin typeface="HP Simplified Hans Light" panose="020B0300000000000000" pitchFamily="34" charset="-122"/>
+                <a:latin typeface="Bookman Old Style" pitchFamily="18" charset="0"/>
                 <a:ea typeface="HP Simplified Hans Light" panose="020B0300000000000000" pitchFamily="34" charset="-122"/>
               </a:rPr>
               <a:t> and –</a:t>
             </a:r>
             <a:r>
               <a:rPr lang="en-US" sz="2200" dirty="0" err="1">
-                <a:latin typeface="HP Simplified Hans Light" panose="020B0300000000000000" pitchFamily="34" charset="-122"/>
+                <a:latin typeface="Bookman Old Style" pitchFamily="18" charset="0"/>
                 <a:ea typeface="HP Simplified Hans Light" panose="020B0300000000000000" pitchFamily="34" charset="-122"/>
               </a:rPr>
               <a:t>ly</a:t>
             </a:r>
             <a:endParaRPr lang="en-US" sz="2200" dirty="0">
-              <a:latin typeface="HP Simplified Hans Light" panose="020B0300000000000000" pitchFamily="34" charset="-122"/>
+              <a:latin typeface="Bookman Old Style" pitchFamily="18" charset="0"/>
               <a:ea typeface="HP Simplified Hans Light" panose="020B0300000000000000" pitchFamily="34" charset="-122"/>
             </a:endParaRPr>
           </a:p>
@@ -8257,66 +8307,98 @@
               <a:buNone/>
             </a:pPr>
             <a:r>
-              <a:rPr lang="en-US" sz="2600" dirty="0"/>
+              <a:rPr lang="en-US" sz="2600" dirty="0">
+                <a:latin typeface="Bookman Old Style" pitchFamily="18" charset="0"/>
+              </a:rPr>
               <a:t>	</a:t>
             </a:r>
             <a:r>
-              <a:rPr lang="en-US" sz="2600" b="1" dirty="0"/>
+              <a:rPr lang="en-US" sz="2600" b="1" dirty="0">
+                <a:latin typeface="Bookman Old Style" pitchFamily="18" charset="0"/>
+              </a:rPr>
               <a:t>      </a:t>
             </a:r>
             <a:r>
-              <a:rPr lang="en-US" sz="1900" b="1" i="1" dirty="0"/>
+              <a:rPr lang="en-US" sz="1900" b="1" i="1" dirty="0">
+                <a:latin typeface="Bookman Old Style" pitchFamily="18" charset="0"/>
+              </a:rPr>
               <a:t>$ </a:t>
             </a:r>
             <a:r>
-              <a:rPr lang="en-US" sz="1900" b="1" i="1" dirty="0" err="1"/>
+              <a:rPr lang="en-US" sz="1900" b="1" i="1" dirty="0" err="1">
+                <a:latin typeface="Bookman Old Style" pitchFamily="18" charset="0"/>
+              </a:rPr>
               <a:t>gcc</a:t>
             </a:r>
             <a:r>
-              <a:rPr lang="en-US" sz="1900" b="1" i="1" dirty="0"/>
+              <a:rPr lang="en-US" sz="1900" b="1" i="1" dirty="0">
+                <a:latin typeface="Bookman Old Style" pitchFamily="18" charset="0"/>
+              </a:rPr>
               <a:t> -o compiler </a:t>
             </a:r>
             <a:r>
-              <a:rPr lang="en-US" sz="1900" b="1" i="1" dirty="0" err="1"/>
+              <a:rPr lang="en-US" sz="1900" b="1" i="1" dirty="0" err="1">
+                <a:latin typeface="Bookman Old Style" pitchFamily="18" charset="0"/>
+              </a:rPr>
               <a:t>lex.yy.c</a:t>
             </a:r>
             <a:r>
-              <a:rPr lang="en-US" sz="1900" b="1" i="1" dirty="0"/>
+              <a:rPr lang="en-US" sz="1900" b="1" i="1" dirty="0">
+                <a:latin typeface="Bookman Old Style" pitchFamily="18" charset="0"/>
+              </a:rPr>
               <a:t> </a:t>
             </a:r>
             <a:r>
-              <a:rPr lang="en-US" sz="1900" b="1" i="1" dirty="0" err="1"/>
+              <a:rPr lang="en-US" sz="1900" b="1" i="1" dirty="0" err="1">
+                <a:latin typeface="Bookman Old Style" pitchFamily="18" charset="0"/>
+              </a:rPr>
               <a:t>y.tab.h</a:t>
             </a:r>
             <a:r>
-              <a:rPr lang="en-US" sz="1900" b="1" i="1" dirty="0"/>
+              <a:rPr lang="en-US" sz="1900" b="1" i="1" dirty="0">
+                <a:latin typeface="Bookman Old Style" pitchFamily="18" charset="0"/>
+              </a:rPr>
               <a:t> </a:t>
             </a:r>
             <a:r>
-              <a:rPr lang="en-US" sz="1900" b="1" i="1" dirty="0" err="1"/>
+              <a:rPr lang="en-US" sz="1900" b="1" i="1" dirty="0" err="1">
+                <a:latin typeface="Bookman Old Style" pitchFamily="18" charset="0"/>
+              </a:rPr>
               <a:t>y.tab.c</a:t>
             </a:r>
             <a:r>
-              <a:rPr lang="en-US" sz="1900" b="1" i="1" dirty="0"/>
+              <a:rPr lang="en-US" sz="1900" b="1" i="1" dirty="0">
+                <a:latin typeface="Bookman Old Style" pitchFamily="18" charset="0"/>
+              </a:rPr>
               <a:t> -</a:t>
             </a:r>
             <a:r>
-              <a:rPr lang="en-US" sz="1900" b="1" i="1" dirty="0" err="1"/>
+              <a:rPr lang="en-US" sz="1900" b="1" i="1" dirty="0" err="1">
+                <a:latin typeface="Bookman Old Style" pitchFamily="18" charset="0"/>
+              </a:rPr>
               <a:t>ll</a:t>
             </a:r>
             <a:r>
-              <a:rPr lang="en-US" sz="1900" b="1" i="1" dirty="0"/>
+              <a:rPr lang="en-US" sz="1900" b="1" i="1" dirty="0">
+                <a:latin typeface="Bookman Old Style" pitchFamily="18" charset="0"/>
+              </a:rPr>
               <a:t> -</a:t>
             </a:r>
             <a:r>
-              <a:rPr lang="en-US" sz="1900" b="1" i="1" dirty="0" err="1"/>
+              <a:rPr lang="en-US" sz="1900" b="1" i="1" dirty="0" err="1">
+                <a:latin typeface="Bookman Old Style" pitchFamily="18" charset="0"/>
+              </a:rPr>
               <a:t>ly</a:t>
             </a:r>
             <a:r>
-              <a:rPr lang="en-US" sz="1900" b="1" i="1" dirty="0"/>
+              <a:rPr lang="en-US" sz="1900" b="1" i="1" dirty="0">
+                <a:latin typeface="Bookman Old Style" pitchFamily="18" charset="0"/>
+              </a:rPr>
               <a:t> </a:t>
             </a:r>
-            <a:endParaRPr lang="en-US" sz="2600" b="1" i="1" dirty="0"/>
+            <a:endParaRPr lang="en-US" sz="2600" b="1" i="1" dirty="0">
+              <a:latin typeface="Bookman Old Style" pitchFamily="18" charset="0"/>
+            </a:endParaRPr>
           </a:p>
           <a:p>
             <a:pPr>
@@ -8324,7 +8406,7 @@
             </a:pPr>
             <a:r>
               <a:rPr lang="en-US" sz="2200" dirty="0">
-                <a:latin typeface="HP Simplified Hans Light" panose="020B0300000000000000" pitchFamily="34" charset="-122"/>
+                <a:latin typeface="Bookman Old Style" pitchFamily="18" charset="0"/>
                 <a:ea typeface="HP Simplified Hans Light" panose="020B0300000000000000" pitchFamily="34" charset="-122"/>
               </a:rPr>
               <a:t>5. The executable file is generated, which on running parses the C file given as a command line input </a:t>
@@ -8335,18 +8417,26 @@
               <a:buNone/>
             </a:pPr>
             <a:r>
-              <a:rPr lang="en-US" sz="2600" dirty="0"/>
+              <a:rPr lang="en-US" sz="2600" dirty="0">
+                <a:latin typeface="Bookman Old Style" pitchFamily="18" charset="0"/>
+              </a:rPr>
               <a:t>	     </a:t>
             </a:r>
             <a:r>
-              <a:rPr lang="en-US" sz="1900" b="1" i="1" dirty="0"/>
+              <a:rPr lang="en-US" sz="1900" b="1" i="1" dirty="0">
+                <a:latin typeface="Bookman Old Style" pitchFamily="18" charset="0"/>
+              </a:rPr>
               <a:t>$ ./compiler </a:t>
             </a:r>
             <a:r>
-              <a:rPr lang="en-US" sz="1900" b="1" i="1" dirty="0" err="1"/>
+              <a:rPr lang="en-US" sz="1900" b="1" i="1" dirty="0" err="1">
+                <a:latin typeface="Bookman Old Style" pitchFamily="18" charset="0"/>
+              </a:rPr>
               <a:t>test.c</a:t>
             </a:r>
-            <a:endParaRPr lang="en-US" sz="2600" b="1" i="1" dirty="0"/>
+            <a:endParaRPr lang="en-US" sz="2600" b="1" i="1" dirty="0">
+              <a:latin typeface="Bookman Old Style" pitchFamily="18" charset="0"/>
+            </a:endParaRPr>
           </a:p>
           <a:p>
             <a:pPr>
@@ -8354,7 +8444,7 @@
             </a:pPr>
             <a:r>
               <a:rPr lang="en-US" sz="2200" dirty="0">
-                <a:latin typeface="HP Simplified Hans Light" panose="020B0300000000000000" pitchFamily="34" charset="-122"/>
+                <a:latin typeface="Bookman Old Style" pitchFamily="18" charset="0"/>
                 <a:ea typeface="HP Simplified Hans Light" panose="020B0300000000000000" pitchFamily="34" charset="-122"/>
               </a:rPr>
               <a:t>The script also has an option to take standard input instead of taking input from a file.</a:t>
@@ -8365,7 +8455,7 @@
               <a:buNone/>
             </a:pPr>
             <a:endParaRPr lang="en-US" sz="2600" dirty="0">
-              <a:latin typeface="HP Simplified Hans Light" panose="020B0300000000000000" pitchFamily="34" charset="-122"/>
+              <a:latin typeface="Bookman Old Style" pitchFamily="18" charset="0"/>
               <a:ea typeface="HP Simplified Hans Light" panose="020B0300000000000000" pitchFamily="34" charset="-122"/>
             </a:endParaRPr>
           </a:p>
@@ -8424,8 +8514,17 @@
                 <a:solidFill>
                   <a:srgbClr val="FF0000"/>
                 </a:solidFill>
-              </a:rPr>
-              <a:t>Output:</a:t>
+                <a:latin typeface="Bookman Old Style" pitchFamily="18" charset="0"/>
+              </a:rPr>
+              <a:t>Output</a:t>
+            </a:r>
+            <a:r>
+              <a:rPr lang="en-US" sz="3200" b="1" dirty="0">
+                <a:solidFill>
+                  <a:srgbClr val="FF0000"/>
+                </a:solidFill>
+              </a:rPr>
+              <a:t>:</a:t>
             </a:r>
           </a:p>
         </p:txBody>
@@ -8483,7 +8582,7 @@
           <p:cNvPr id="2" name="Title 1">
             <a:extLst>
               <a:ext uri="{FF2B5EF4-FFF2-40B4-BE49-F238E27FC236}">
-                <a16:creationId xmlns:a16="http://schemas.microsoft.com/office/drawing/2014/main" id="{345C4AFF-606F-020A-13BF-05F9C0473A5A}"/>
+                <a16:creationId xmlns:a16="http://schemas.microsoft.com/office/drawing/2014/main" xmlns="" id="{345C4AFF-606F-020A-13BF-05F9C0473A5A}"/>
               </a:ext>
             </a:extLst>
           </p:cNvPr>
@@ -8513,7 +8612,7 @@
                 <a:solidFill>
                   <a:srgbClr val="000000"/>
                 </a:solidFill>
-                <a:latin typeface="Lucida Bright" panose="02040602050505020304" pitchFamily="18" charset="0"/>
+                <a:latin typeface="Bookman Old Style" pitchFamily="18" charset="0"/>
               </a:rPr>
               <a:t>ClayCode</a:t>
             </a:r>
@@ -8522,7 +8621,7 @@
                 <a:solidFill>
                   <a:srgbClr val="000000"/>
                 </a:solidFill>
-                <a:latin typeface="Lucida Bright" panose="02040602050505020304" pitchFamily="18" charset="0"/>
+                <a:latin typeface="Bookman Old Style" pitchFamily="18" charset="0"/>
               </a:rPr>
               <a:t> Compiler</a:t>
             </a:r>
@@ -8534,7 +8633,7 @@
           <p:cNvPr id="5" name="Content Placeholder 4">
             <a:extLst>
               <a:ext uri="{FF2B5EF4-FFF2-40B4-BE49-F238E27FC236}">
-                <a16:creationId xmlns:a16="http://schemas.microsoft.com/office/drawing/2014/main" id="{B564DDB4-9FE4-BB85-E708-88421A5F85AB}"/>
+                <a16:creationId xmlns:a16="http://schemas.microsoft.com/office/drawing/2014/main" xmlns="" id="{B564DDB4-9FE4-BB85-E708-88421A5F85AB}"/>
               </a:ext>
             </a:extLst>
           </p:cNvPr>
@@ -8549,7 +8648,7 @@
           <a:blip r:embed="rId3">
             <a:extLst>
               <a:ext uri="{28A0092B-C50C-407E-A947-70E740481C1C}">
-                <a14:useLocalDpi xmlns:a14="http://schemas.microsoft.com/office/drawing/2010/main" val="0"/>
+                <a14:useLocalDpi xmlns:a14="http://schemas.microsoft.com/office/drawing/2010/main" xmlns="" val="0"/>
               </a:ext>
             </a:extLst>
           </a:blip>
@@ -8567,13 +8666,20 @@
     </p:spTree>
     <p:extLst>
       <p:ext uri="{BB962C8B-B14F-4D97-AF65-F5344CB8AC3E}">
-        <p14:creationId xmlns:p14="http://schemas.microsoft.com/office/powerpoint/2010/main" val="2421744490"/>
+        <p14:creationId xmlns:p14="http://schemas.microsoft.com/office/powerpoint/2010/main" xmlns="" val="2421744490"/>
       </p:ext>
     </p:extLst>
   </p:cSld>
   <p:clrMapOvr>
     <a:masterClrMapping/>
   </p:clrMapOvr>
+  <p:timing>
+    <p:tnLst>
+      <p:par>
+        <p:cTn id="1" dur="indefinite" restart="never" nodeType="tmRoot"/>
+      </p:par>
+    </p:tnLst>
+  </p:timing>
 </p:sld>
 </file>
 
@@ -8619,14 +8725,14 @@
                 <a:solidFill>
                   <a:srgbClr val="FF0000"/>
                 </a:solidFill>
-                <a:latin typeface="Microsoft Sans Serif" panose="020B0604020202020204" pitchFamily="34" charset="0"/>
+                <a:latin typeface="Bookman Old Style" pitchFamily="18" charset="0"/>
                 <a:ea typeface="Microsoft Sans Serif" panose="020B0604020202020204" pitchFamily="34" charset="0"/>
                 <a:cs typeface="Microsoft Sans Serif" panose="020B0604020202020204" pitchFamily="34" charset="0"/>
               </a:rPr>
               <a:t>Semantic Analysis</a:t>
             </a:r>
             <a:endParaRPr lang="en-US" dirty="0">
-              <a:latin typeface="Microsoft Sans Serif" panose="020B0604020202020204" pitchFamily="34" charset="0"/>
+              <a:latin typeface="Bookman Old Style" pitchFamily="18" charset="0"/>
               <a:ea typeface="Microsoft Sans Serif" panose="020B0604020202020204" pitchFamily="34" charset="0"/>
               <a:cs typeface="Microsoft Sans Serif" panose="020B0604020202020204" pitchFamily="34" charset="0"/>
             </a:endParaRPr>
@@ -8657,6 +8763,7 @@
           <a:p>
             <a:r>
               <a:rPr lang="en-US" sz="2800" dirty="0">
+                <a:latin typeface="Bookman Old Style" pitchFamily="18" charset="0"/>
                 <a:ea typeface="HP Simplified Hans Light" panose="020B0300000000000000"/>
               </a:rPr>
               <a:t>Ensures program meaning and correctness beyond syntax.</a:t>
@@ -8665,6 +8772,7 @@
           <a:p>
             <a:r>
               <a:rPr lang="en-US" sz="2800" dirty="0">
+                <a:latin typeface="Bookman Old Style" pitchFamily="18" charset="0"/>
                 <a:ea typeface="HP Simplified Hans Light" panose="020B0300000000000000"/>
               </a:rPr>
               <a:t>Crucial for detecting and resolving semantic errors.</a:t>
@@ -8673,6 +8781,7 @@
           <a:p>
             <a:r>
               <a:rPr lang="en-US" sz="2800" dirty="0">
+                <a:latin typeface="Bookman Old Style" pitchFamily="18" charset="0"/>
                 <a:ea typeface="HP Simplified Hans Light" panose="020B0300000000000000"/>
               </a:rPr>
               <a:t>Type checking, scope resolution, semantic verification.</a:t>
@@ -8681,6 +8790,7 @@
           <a:p>
             <a:r>
               <a:rPr lang="en-US" sz="2800" dirty="0">
+                <a:latin typeface="Bookman Old Style" pitchFamily="18" charset="0"/>
                 <a:ea typeface="HP Simplified Hans Light" panose="020B0300000000000000"/>
               </a:rPr>
               <a:t>Integrated with syntactic analysis, symbol table management. </a:t>
@@ -8689,6 +8799,7 @@
           <a:p>
             <a:r>
               <a:rPr lang="en-US" sz="2800" dirty="0">
+                <a:latin typeface="Bookman Old Style" pitchFamily="18" charset="0"/>
                 <a:ea typeface="HP Simplified Hans Light" panose="020B0300000000000000"/>
               </a:rPr>
               <a:t>Identifies and reports semantic errors. </a:t>
@@ -8697,17 +8808,29 @@
           <a:p>
             <a:r>
               <a:rPr lang="en-US" sz="2800" dirty="0">
+                <a:latin typeface="Bookman Old Style" pitchFamily="18" charset="0"/>
                 <a:ea typeface="HP Simplified Hans Light" panose="020B0300000000000000"/>
               </a:rPr>
-              <a:t>Handling complex constructs, ensuring compliance with language standards.</a:t>
-            </a:r>
+              <a:t>Handling complex constructs, ensuring compliance with language </a:t>
+            </a:r>
+            <a:r>
+              <a:rPr lang="en-US" sz="2800" dirty="0" smtClean="0">
+                <a:latin typeface="Bookman Old Style" pitchFamily="18" charset="0"/>
+                <a:ea typeface="HP Simplified Hans Light" panose="020B0300000000000000"/>
+              </a:rPr>
+              <a:t>standards.</a:t>
+            </a:r>
+            <a:endParaRPr lang="en-US" sz="2800" dirty="0">
+              <a:latin typeface="Bookman Old Style" pitchFamily="18" charset="0"/>
+              <a:ea typeface="HP Simplified Hans Light" panose="020B0300000000000000"/>
+            </a:endParaRPr>
           </a:p>
         </p:txBody>
       </p:sp>
     </p:spTree>
     <p:extLst>
       <p:ext uri="{BB962C8B-B14F-4D97-AF65-F5344CB8AC3E}">
-        <p14:creationId xmlns:p14="http://schemas.microsoft.com/office/powerpoint/2010/main" val="1350308750"/>
+        <p14:creationId xmlns:p14="http://schemas.microsoft.com/office/powerpoint/2010/main" xmlns="" val="1350308750"/>
       </p:ext>
     </p:extLst>
   </p:cSld>
@@ -8754,8 +8877,17 @@
                 <a:solidFill>
                   <a:srgbClr val="FF0000"/>
                 </a:solidFill>
-              </a:rPr>
-              <a:t>Example:</a:t>
+                <a:latin typeface="Bookman Old Style" pitchFamily="18" charset="0"/>
+              </a:rPr>
+              <a:t>Example</a:t>
+            </a:r>
+            <a:r>
+              <a:rPr lang="en-US" dirty="0">
+                <a:solidFill>
+                  <a:srgbClr val="FF0000"/>
+                </a:solidFill>
+              </a:rPr>
+              <a:t>:</a:t>
             </a:r>
           </a:p>
         </p:txBody>
@@ -8774,7 +8906,7 @@
           <a:blip r:embed="rId2">
             <a:extLst>
               <a:ext uri="{28A0092B-C50C-407E-A947-70E740481C1C}">
-                <a14:useLocalDpi xmlns:a14="http://schemas.microsoft.com/office/drawing/2010/main" val="0"/>
+                <a14:useLocalDpi xmlns:a14="http://schemas.microsoft.com/office/drawing/2010/main" xmlns="" val="0"/>
               </a:ext>
             </a:extLst>
           </a:blip>
@@ -8794,7 +8926,7 @@
           <a:noFill/>
           <a:extLst>
             <a:ext uri="{909E8E84-426E-40DD-AFC4-6F175D3DCCD1}">
-              <a14:hiddenFill xmlns:a14="http://schemas.microsoft.com/office/drawing/2010/main">
+              <a14:hiddenFill xmlns:a14="http://schemas.microsoft.com/office/drawing/2010/main" xmlns="">
                 <a:solidFill>
                   <a:srgbClr val="FFFFFF"/>
                 </a:solidFill>
@@ -8806,7 +8938,7 @@
     </p:spTree>
     <p:extLst>
       <p:ext uri="{BB962C8B-B14F-4D97-AF65-F5344CB8AC3E}">
-        <p14:creationId xmlns:p14="http://schemas.microsoft.com/office/powerpoint/2010/main" val="2597933529"/>
+        <p14:creationId xmlns:p14="http://schemas.microsoft.com/office/powerpoint/2010/main" xmlns="" val="2597933529"/>
       </p:ext>
     </p:extLst>
   </p:cSld>
@@ -8858,8 +8990,17 @@
                 <a:solidFill>
                   <a:srgbClr val="FF0000"/>
                 </a:solidFill>
-              </a:rPr>
-              <a:t>Output:</a:t>
+                <a:latin typeface="Bookman Old Style" pitchFamily="18" charset="0"/>
+              </a:rPr>
+              <a:t>Output</a:t>
+            </a:r>
+            <a:r>
+              <a:rPr lang="en-US" b="1" dirty="0">
+                <a:solidFill>
+                  <a:srgbClr val="FF0000"/>
+                </a:solidFill>
+              </a:rPr>
+              <a:t>:</a:t>
             </a:r>
           </a:p>
         </p:txBody>
@@ -8878,7 +9019,7 @@
           <a:blip r:embed="rId2">
             <a:extLst>
               <a:ext uri="{28A0092B-C50C-407E-A947-70E740481C1C}">
-                <a14:useLocalDpi xmlns:a14="http://schemas.microsoft.com/office/drawing/2010/main" val="0"/>
+                <a14:useLocalDpi xmlns:a14="http://schemas.microsoft.com/office/drawing/2010/main" xmlns="" val="0"/>
               </a:ext>
             </a:extLst>
           </a:blip>
@@ -8896,7 +9037,7 @@
     </p:spTree>
     <p:extLst>
       <p:ext uri="{BB962C8B-B14F-4D97-AF65-F5344CB8AC3E}">
-        <p14:creationId xmlns:p14="http://schemas.microsoft.com/office/powerpoint/2010/main" val="2121056334"/>
+        <p14:creationId xmlns:p14="http://schemas.microsoft.com/office/powerpoint/2010/main" xmlns="" val="2121056334"/>
       </p:ext>
     </p:extLst>
   </p:cSld>
@@ -8951,6 +9092,7 @@
                 <a:solidFill>
                   <a:srgbClr val="FF0000"/>
                 </a:solidFill>
+                <a:latin typeface="Bookman Old Style" pitchFamily="18" charset="0"/>
               </a:rPr>
               <a:t>Future Directions and Conclusion:</a:t>
             </a:r>
@@ -8963,20 +9105,27 @@
               <a:solidFill>
                 <a:srgbClr val="FF0000"/>
               </a:solidFill>
+              <a:latin typeface="Bookman Old Style" pitchFamily="18" charset="0"/>
             </a:endParaRPr>
           </a:p>
           <a:p>
             <a:r>
-              <a:rPr lang="en-US" sz="2400" dirty="0"/>
+              <a:rPr lang="en-US" sz="2400" dirty="0">
+                <a:latin typeface="Bookman Old Style" pitchFamily="18" charset="0"/>
+              </a:rPr>
               <a:t>Optimization, efficiency improvements, exploring emerging trends.   </a:t>
             </a:r>
           </a:p>
           <a:p>
-            <a:endParaRPr lang="en-US" sz="2400" dirty="0"/>
-          </a:p>
-          <a:p>
-            <a:r>
-              <a:rPr lang="en-US" sz="2400" dirty="0"/>
+            <a:endParaRPr lang="en-US" sz="2400" dirty="0">
+              <a:latin typeface="Bookman Old Style" pitchFamily="18" charset="0"/>
+            </a:endParaRPr>
+          </a:p>
+          <a:p>
+            <a:r>
+              <a:rPr lang="en-US" sz="2400" dirty="0">
+                <a:latin typeface="Bookman Old Style" pitchFamily="18" charset="0"/>
+              </a:rPr>
               <a:t>Semantic analysis vital for program correctness and compiler functionality.</a:t>
             </a:r>
           </a:p>
@@ -8985,7 +9134,7 @@
     </p:spTree>
     <p:extLst>
       <p:ext uri="{BB962C8B-B14F-4D97-AF65-F5344CB8AC3E}">
-        <p14:creationId xmlns:p14="http://schemas.microsoft.com/office/powerpoint/2010/main" val="2717039901"/>
+        <p14:creationId xmlns:p14="http://schemas.microsoft.com/office/powerpoint/2010/main" xmlns="" val="2717039901"/>
       </p:ext>
     </p:extLst>
   </p:cSld>
@@ -9099,6 +9248,7 @@
                 <a:solidFill>
                   <a:srgbClr val="FF0000"/>
                 </a:solidFill>
+                <a:latin typeface="Bookman Old Style" pitchFamily="18" charset="0"/>
               </a:rPr>
               <a:t>Compiler</a:t>
             </a:r>
@@ -9136,7 +9286,7 @@
             </a:pPr>
             <a:r>
               <a:rPr lang="en-US" sz="2300" dirty="0">
-                <a:latin typeface="HP Simplified Hans Light" panose="020B0300000000000000" pitchFamily="34" charset="-122"/>
+                <a:latin typeface="Bookman Old Style" pitchFamily="18" charset="0"/>
                 <a:ea typeface="HP Simplified Hans Light" panose="020B0300000000000000" pitchFamily="34" charset="-122"/>
               </a:rPr>
               <a:t>A compiler is a software program that compiles program source code files into an executable program. </a:t>
@@ -9152,7 +9302,7 @@
             </a:pPr>
             <a:r>
               <a:rPr lang="en-US" sz="2300" dirty="0">
-                <a:latin typeface="HP Simplified Hans Light" panose="020B0300000000000000" pitchFamily="34" charset="-122"/>
+                <a:latin typeface="Bookman Old Style" pitchFamily="18" charset="0"/>
                 <a:ea typeface="HP Simplified Hans Light" panose="020B0300000000000000" pitchFamily="34" charset="-122"/>
               </a:rPr>
               <a:t>In simple terms, a compiler is a computer program that changes the language in which programs are written into instructions that a computer can use.</a:t>
@@ -9168,7 +9318,7 @@
             </a:pPr>
             <a:r>
               <a:rPr lang="en-US" sz="2300" dirty="0">
-                <a:latin typeface="HP Simplified Hans Light" panose="020B0300000000000000" pitchFamily="34" charset="-122"/>
+                <a:latin typeface="Bookman Old Style" pitchFamily="18" charset="0"/>
                 <a:ea typeface="HP Simplified Hans Light" panose="020B0300000000000000" pitchFamily="34" charset="-122"/>
               </a:rPr>
               <a:t>It is included as part of the integrated development environment IDE with most programming software packages.</a:t>
@@ -9184,7 +9334,7 @@
             </a:pPr>
             <a:r>
               <a:rPr lang="en-US" sz="2300" dirty="0">
-                <a:latin typeface="HP Simplified Hans Light" panose="020B0300000000000000" pitchFamily="34" charset="-122"/>
+                <a:latin typeface="Bookman Old Style" pitchFamily="18" charset="0"/>
                 <a:ea typeface="HP Simplified Hans Light" panose="020B0300000000000000" pitchFamily="34" charset="-122"/>
               </a:rPr>
               <a:t>The compiler takes source code files that are written in a high-level language, such as C, C++, or Java, and compiles the code into a low-level language, such as machine code or assembly code.</a:t>
@@ -9200,7 +9350,7 @@
             </a:pPr>
             <a:r>
               <a:rPr lang="en-US" sz="2300" dirty="0">
-                <a:latin typeface="HP Simplified Hans Light" panose="020B0300000000000000" pitchFamily="34" charset="-122"/>
+                <a:latin typeface="Bookman Old Style" pitchFamily="18" charset="0"/>
                 <a:ea typeface="HP Simplified Hans Light" panose="020B0300000000000000" pitchFamily="34" charset="-122"/>
               </a:rPr>
               <a:t>This code is created for a specific processor type, such as an Intel Pentium or PowerPC. The program can then be recognized by the processor and run from the operating system.</a:t>
@@ -9275,7 +9425,7 @@
             </a:pPr>
             <a:r>
               <a:rPr lang="en-US" sz="3500" b="1" u="sng" dirty="0">
-                <a:latin typeface="Microsoft Sans Serif" panose="020B0604020202020204" pitchFamily="34" charset="0"/>
+                <a:latin typeface="Bookman Old Style" pitchFamily="18" charset="0"/>
                 <a:ea typeface="Microsoft Sans Serif" panose="020B0604020202020204" pitchFamily="34" charset="0"/>
                 <a:cs typeface="Microsoft Sans Serif" panose="020B0604020202020204" pitchFamily="34" charset="0"/>
               </a:rPr>
@@ -9315,7 +9465,7 @@
             </a:pPr>
             <a:r>
               <a:rPr lang="en-US" sz="2500" dirty="0">
-                <a:latin typeface="HP Simplified Hans Light" panose="020B0300000000000000" pitchFamily="34" charset="-122"/>
+                <a:latin typeface="Bookman Old Style" pitchFamily="18" charset="0"/>
                 <a:ea typeface="HP Simplified Hans Light" panose="020B0300000000000000" pitchFamily="34" charset="-122"/>
               </a:rPr>
               <a:t>The compilation process is a sequence of various phases. Each phase takes input from its previous stage, has its own representation of the source program, and feeds its output to the next phase of the compiler. The phases are:-</a:t>
@@ -9330,7 +9480,7 @@
             </a:pPr>
             <a:r>
               <a:rPr lang="en-US" sz="2500" b="1" dirty="0">
-                <a:latin typeface="HP Simplified Hans Light" panose="020B0300000000000000" pitchFamily="34" charset="-122"/>
+                <a:latin typeface="Bookman Old Style" pitchFamily="18" charset="0"/>
                 <a:ea typeface="HP Simplified Hans Light" panose="020B0300000000000000" pitchFamily="34" charset="-122"/>
               </a:rPr>
               <a:t>Lexical Analysis </a:t>
@@ -9345,7 +9495,7 @@
             </a:pPr>
             <a:r>
               <a:rPr lang="en-US" sz="2500" b="1" dirty="0">
-                <a:latin typeface="HP Simplified Hans Light" panose="020B0300000000000000" pitchFamily="34" charset="-122"/>
+                <a:latin typeface="Bookman Old Style" pitchFamily="18" charset="0"/>
                 <a:ea typeface="HP Simplified Hans Light" panose="020B0300000000000000" pitchFamily="34" charset="-122"/>
               </a:rPr>
               <a:t>Syntax Analysis </a:t>
@@ -9360,7 +9510,7 @@
             </a:pPr>
             <a:r>
               <a:rPr lang="en-US" sz="2500" b="1" dirty="0">
-                <a:latin typeface="HP Simplified Hans Light" panose="020B0300000000000000" pitchFamily="34" charset="-122"/>
+                <a:latin typeface="Bookman Old Style" pitchFamily="18" charset="0"/>
                 <a:ea typeface="HP Simplified Hans Light" panose="020B0300000000000000" pitchFamily="34" charset="-122"/>
               </a:rPr>
               <a:t>Semantic Analysis </a:t>
@@ -9375,7 +9525,7 @@
             </a:pPr>
             <a:r>
               <a:rPr lang="en-US" sz="2500" b="1" dirty="0">
-                <a:latin typeface="HP Simplified Hans Light" panose="020B0300000000000000" pitchFamily="34" charset="-122"/>
+                <a:latin typeface="Bookman Old Style" pitchFamily="18" charset="0"/>
                 <a:ea typeface="HP Simplified Hans Light" panose="020B0300000000000000" pitchFamily="34" charset="-122"/>
               </a:rPr>
               <a:t>Intermediate Code Generation </a:t>
@@ -9390,7 +9540,7 @@
             </a:pPr>
             <a:r>
               <a:rPr lang="en-US" sz="2500" b="1" dirty="0">
-                <a:latin typeface="HP Simplified Hans Light" panose="020B0300000000000000" pitchFamily="34" charset="-122"/>
+                <a:latin typeface="Bookman Old Style" pitchFamily="18" charset="0"/>
                 <a:ea typeface="HP Simplified Hans Light" panose="020B0300000000000000" pitchFamily="34" charset="-122"/>
               </a:rPr>
               <a:t>Code Optimization </a:t>
@@ -9405,7 +9555,7 @@
             </a:pPr>
             <a:r>
               <a:rPr lang="en-US" sz="2500" b="1" dirty="0">
-                <a:latin typeface="HP Simplified Hans Light" panose="020B0300000000000000" pitchFamily="34" charset="-122"/>
+                <a:latin typeface="Bookman Old Style" pitchFamily="18" charset="0"/>
                 <a:ea typeface="HP Simplified Hans Light" panose="020B0300000000000000" pitchFamily="34" charset="-122"/>
               </a:rPr>
               <a:t>Code Generation</a:t>
@@ -9456,14 +9606,14 @@
         </p:spPr>
         <p:txBody>
           <a:bodyPr>
-            <a:normAutofit/>
+            <a:normAutofit fontScale="90000"/>
           </a:bodyPr>
           <a:lstStyle/>
           <a:p>
             <a:pPr algn="l"/>
             <a:r>
               <a:rPr lang="en-US" sz="3200" b="1" u="sng" dirty="0">
-                <a:latin typeface="Microsoft Sans Serif" panose="020B0604020202020204" pitchFamily="34" charset="0"/>
+                <a:latin typeface="Bookman Old Style" pitchFamily="18" charset="0"/>
                 <a:ea typeface="Microsoft Sans Serif" panose="020B0604020202020204" pitchFamily="34" charset="0"/>
                 <a:cs typeface="Microsoft Sans Serif" panose="020B0604020202020204" pitchFamily="34" charset="0"/>
               </a:rPr>
@@ -9499,14 +9649,14 @@
             </a:pPr>
             <a:r>
               <a:rPr lang="en-US" sz="2500" dirty="0">
-                <a:latin typeface="HP Simplified Hans Light" panose="020B0300000000000000" pitchFamily="34" charset="-122"/>
+                <a:latin typeface="Bookman Old Style" pitchFamily="18" charset="0"/>
                 <a:ea typeface="HP Simplified Hans Light" panose="020B0300000000000000" pitchFamily="34" charset="-122"/>
               </a:rPr>
               <a:t>	</a:t>
             </a:r>
             <a:r>
               <a:rPr lang="en-US" sz="2400" dirty="0">
-                <a:latin typeface="HP Simplified Hans Light" panose="020B0300000000000000" pitchFamily="34" charset="-122"/>
+                <a:latin typeface="Bookman Old Style" pitchFamily="18" charset="0"/>
                 <a:ea typeface="HP Simplified Hans Light" panose="020B0300000000000000" pitchFamily="34" charset="-122"/>
               </a:rPr>
               <a:t>This project contains the implementation of the lexical analyzer phase of the C compiler. In our lexical analyzer we have implemented the following functionalities:-</a:t>
@@ -9518,14 +9668,14 @@
             </a:pPr>
             <a:r>
               <a:rPr lang="en-US" sz="2400" b="1" dirty="0">
-                <a:latin typeface="HP Simplified Hans Light" panose="020B0300000000000000" pitchFamily="34" charset="-122"/>
+                <a:latin typeface="Bookman Old Style" pitchFamily="18" charset="0"/>
                 <a:ea typeface="HP Simplified Hans Light" panose="020B0300000000000000" pitchFamily="34" charset="-122"/>
               </a:rPr>
               <a:t>Data Types</a:t>
             </a:r>
             <a:r>
               <a:rPr lang="en-US" sz="2400" dirty="0">
-                <a:latin typeface="HP Simplified Hans Light" panose="020B0300000000000000" pitchFamily="34" charset="-122"/>
+                <a:latin typeface="Bookman Old Style" pitchFamily="18" charset="0"/>
                 <a:ea typeface="HP Simplified Hans Light" panose="020B0300000000000000" pitchFamily="34" charset="-122"/>
               </a:rPr>
               <a:t>: int, char data types with all its sub-types. Syntax : int a=3; </a:t>
@@ -9537,14 +9687,14 @@
             </a:pPr>
             <a:r>
               <a:rPr lang="en-US" sz="2400" b="1" dirty="0">
-                <a:latin typeface="HP Simplified Hans Light" panose="020B0300000000000000" pitchFamily="34" charset="-122"/>
+                <a:latin typeface="Bookman Old Style" pitchFamily="18" charset="0"/>
                 <a:ea typeface="HP Simplified Hans Light" panose="020B0300000000000000" pitchFamily="34" charset="-122"/>
               </a:rPr>
               <a:t>Comments</a:t>
             </a:r>
             <a:r>
               <a:rPr lang="en-US" sz="2400" dirty="0">
-                <a:latin typeface="HP Simplified Hans Light" panose="020B0300000000000000" pitchFamily="34" charset="-122"/>
+                <a:latin typeface="Bookman Old Style" pitchFamily="18" charset="0"/>
                 <a:ea typeface="HP Simplified Hans Light" panose="020B0300000000000000" pitchFamily="34" charset="-122"/>
               </a:rPr>
               <a:t>: Single line and multiline comments </a:t>
@@ -9556,14 +9706,14 @@
             </a:pPr>
             <a:r>
               <a:rPr lang="en-US" sz="2400" b="1" dirty="0">
-                <a:latin typeface="HP Simplified Hans Light" panose="020B0300000000000000" pitchFamily="34" charset="-122"/>
+                <a:latin typeface="Bookman Old Style" pitchFamily="18" charset="0"/>
                 <a:ea typeface="HP Simplified Hans Light" panose="020B0300000000000000" pitchFamily="34" charset="-122"/>
               </a:rPr>
               <a:t>Keywords</a:t>
             </a:r>
             <a:r>
               <a:rPr lang="en-US" sz="2400" dirty="0">
-                <a:latin typeface="HP Simplified Hans Light" panose="020B0300000000000000" pitchFamily="34" charset="-122"/>
+                <a:latin typeface="Bookman Old Style" pitchFamily="18" charset="0"/>
                 <a:ea typeface="HP Simplified Hans Light" panose="020B0300000000000000" pitchFamily="34" charset="-122"/>
               </a:rPr>
               <a:t>: char, else, for, if, int, long, return, short, signed, struct, unsigned, void, while, main</a:t>
@@ -9575,14 +9725,14 @@
             </a:pPr>
             <a:r>
               <a:rPr lang="en-US" sz="2400" b="1" dirty="0">
-                <a:latin typeface="HP Simplified Hans Light" panose="020B0300000000000000" pitchFamily="34" charset="-122"/>
+                <a:latin typeface="Bookman Old Style" pitchFamily="18" charset="0"/>
                 <a:ea typeface="HP Simplified Hans Light" panose="020B0300000000000000" pitchFamily="34" charset="-122"/>
               </a:rPr>
               <a:t>Identification of valid identifiers </a:t>
             </a:r>
             <a:r>
               <a:rPr lang="en-US" sz="2400" dirty="0">
-                <a:latin typeface="HP Simplified Hans Light" panose="020B0300000000000000" pitchFamily="34" charset="-122"/>
+                <a:latin typeface="Bookman Old Style" pitchFamily="18" charset="0"/>
                 <a:ea typeface="HP Simplified Hans Light" panose="020B0300000000000000" pitchFamily="34" charset="-122"/>
               </a:rPr>
               <a:t>used in the language</a:t>
@@ -9594,14 +9744,14 @@
             </a:pPr>
             <a:r>
               <a:rPr lang="en-US" sz="2400" b="1" dirty="0">
-                <a:latin typeface="HP Simplified Hans Light" panose="020B0300000000000000" pitchFamily="34" charset="-122"/>
+                <a:latin typeface="Bookman Old Style" pitchFamily="18" charset="0"/>
                 <a:ea typeface="HP Simplified Hans Light" panose="020B0300000000000000" pitchFamily="34" charset="-122"/>
               </a:rPr>
               <a:t>Looping Constructs</a:t>
             </a:r>
             <a:r>
               <a:rPr lang="en-US" sz="2400" dirty="0">
-                <a:latin typeface="HP Simplified Hans Light" panose="020B0300000000000000" pitchFamily="34" charset="-122"/>
+                <a:latin typeface="Bookman Old Style" pitchFamily="18" charset="0"/>
                 <a:ea typeface="HP Simplified Hans Light" panose="020B0300000000000000" pitchFamily="34" charset="-122"/>
               </a:rPr>
               <a:t>: It will support nested for and while loops.</a:t>
@@ -9639,7 +9789,7 @@
           <p:cNvPr id="3" name="Picture 2">
             <a:extLst>
               <a:ext uri="{FF2B5EF4-FFF2-40B4-BE49-F238E27FC236}">
-                <a16:creationId xmlns:a16="http://schemas.microsoft.com/office/drawing/2014/main" id="{874CE023-AA74-B1ED-FDE3-A5EF66525CE9}"/>
+                <a16:creationId xmlns:a16="http://schemas.microsoft.com/office/drawing/2014/main" xmlns="" id="{874CE023-AA74-B1ED-FDE3-A5EF66525CE9}"/>
               </a:ext>
             </a:extLst>
           </p:cNvPr>
@@ -9652,7 +9802,7 @@
           <a:blip r:embed="rId2">
             <a:extLst>
               <a:ext uri="{28A0092B-C50C-407E-A947-70E740481C1C}">
-                <a14:useLocalDpi xmlns:a14="http://schemas.microsoft.com/office/drawing/2010/main" val="0"/>
+                <a14:useLocalDpi xmlns:a14="http://schemas.microsoft.com/office/drawing/2010/main" xmlns="" val="0"/>
               </a:ext>
             </a:extLst>
           </a:blip>
@@ -9673,7 +9823,7 @@
     </p:spTree>
     <p:extLst>
       <p:ext uri="{BB962C8B-B14F-4D97-AF65-F5344CB8AC3E}">
-        <p14:creationId xmlns:p14="http://schemas.microsoft.com/office/powerpoint/2010/main" val="889662210"/>
+        <p14:creationId xmlns:p14="http://schemas.microsoft.com/office/powerpoint/2010/main" xmlns="" val="889662210"/>
       </p:ext>
     </p:extLst>
   </p:cSld>
@@ -9705,7 +9855,7 @@
           <p:cNvPr id="2" name="Title 1">
             <a:extLst>
               <a:ext uri="{FF2B5EF4-FFF2-40B4-BE49-F238E27FC236}">
-                <a16:creationId xmlns:a16="http://schemas.microsoft.com/office/drawing/2014/main" id="{D78CFF30-24FA-568E-FA67-E9A3C31B22CB}"/>
+                <a16:creationId xmlns:a16="http://schemas.microsoft.com/office/drawing/2014/main" xmlns="" id="{D78CFF30-24FA-568E-FA67-E9A3C31B22CB}"/>
               </a:ext>
             </a:extLst>
           </p:cNvPr>
@@ -9731,10 +9881,13 @@
                 <a:solidFill>
                   <a:srgbClr val="FF0000"/>
                 </a:solidFill>
+                <a:latin typeface="Bookman Old Style" pitchFamily="18" charset="0"/>
               </a:rPr>
               <a:t>Introduction</a:t>
             </a:r>
-            <a:endParaRPr lang="en-IN" dirty="0"/>
+            <a:endParaRPr lang="en-IN" dirty="0">
+              <a:latin typeface="Bookman Old Style" pitchFamily="18" charset="0"/>
+            </a:endParaRPr>
           </a:p>
         </p:txBody>
       </p:sp>
@@ -9743,7 +9896,7 @@
           <p:cNvPr id="3" name="Content Placeholder 2">
             <a:extLst>
               <a:ext uri="{FF2B5EF4-FFF2-40B4-BE49-F238E27FC236}">
-                <a16:creationId xmlns:a16="http://schemas.microsoft.com/office/drawing/2014/main" id="{90C8AC47-3165-EAE6-664D-EDA5FFC0E079}"/>
+                <a16:creationId xmlns:a16="http://schemas.microsoft.com/office/drawing/2014/main" xmlns="" id="{90C8AC47-3165-EAE6-664D-EDA5FFC0E079}"/>
               </a:ext>
             </a:extLst>
           </p:cNvPr>
@@ -9762,7 +9915,7 @@
         </p:spPr>
         <p:txBody>
           <a:bodyPr>
-            <a:normAutofit/>
+            <a:noAutofit/>
           </a:bodyPr>
           <a:lstStyle/>
           <a:p>
@@ -9770,8 +9923,8 @@
               <a:buNone/>
             </a:pPr>
             <a:r>
-              <a:rPr lang="en-US" b="1" u="sng" dirty="0">
-                <a:latin typeface="HP Simplified Hans Light" panose="020B0300000000000000" pitchFamily="34" charset="-122"/>
+              <a:rPr lang="en-US" sz="2400" b="1" u="sng" dirty="0">
+                <a:latin typeface="Bookman Old Style" pitchFamily="18" charset="0"/>
                 <a:ea typeface="HP Simplified Hans Light" panose="020B0300000000000000" pitchFamily="34" charset="-122"/>
               </a:rPr>
               <a:t>Lexical Analysis :</a:t>
@@ -9781,8 +9934,8 @@
             <a:pPr>
               <a:buNone/>
             </a:pPr>
-            <a:endParaRPr lang="en-US" sz="800" b="1" u="sng" dirty="0">
-              <a:latin typeface="HP Simplified Hans Light" panose="020B0300000000000000" pitchFamily="34" charset="-122"/>
+            <a:endParaRPr lang="en-US" sz="900" b="1" u="sng" dirty="0">
+              <a:latin typeface="Bookman Old Style" pitchFamily="18" charset="0"/>
               <a:ea typeface="HP Simplified Hans Light" panose="020B0300000000000000" pitchFamily="34" charset="-122"/>
             </a:endParaRPr>
           </a:p>
@@ -9792,8 +9945,8 @@
               <a:buChar char="v"/>
             </a:pPr>
             <a:r>
-              <a:rPr lang="en-US" sz="2000" dirty="0">
-                <a:latin typeface="HP Simplified Hans Light" panose="020B0300000000000000" pitchFamily="34" charset="-122"/>
+              <a:rPr lang="en-US" sz="2400" dirty="0">
+                <a:latin typeface="Bookman Old Style" pitchFamily="18" charset="0"/>
                 <a:ea typeface="HP Simplified Hans Light" panose="020B0300000000000000" pitchFamily="34" charset="-122"/>
               </a:rPr>
               <a:t>Lexical Analysis is the first process of the compiler.</a:t>
@@ -9805,8 +9958,8 @@
               <a:buChar char="v"/>
             </a:pPr>
             <a:r>
-              <a:rPr lang="en-US" sz="2000" dirty="0">
-                <a:latin typeface="HP Simplified Hans Light" panose="020B0300000000000000" pitchFamily="34" charset="-122"/>
+              <a:rPr lang="en-US" sz="2400" dirty="0">
+                <a:latin typeface="Bookman Old Style" pitchFamily="18" charset="0"/>
                 <a:ea typeface="HP Simplified Hans Light" panose="020B0300000000000000" pitchFamily="34" charset="-122"/>
               </a:rPr>
               <a:t>The input to a lexical analyzer is a high-level language program, such as a ’C’ program in the form of a sequence of characters.</a:t>
@@ -9818,8 +9971,8 @@
               <a:buChar char="v"/>
             </a:pPr>
             <a:r>
-              <a:rPr lang="en-US" sz="2000" dirty="0">
-                <a:latin typeface="HP Simplified Hans Light" panose="020B0300000000000000" pitchFamily="34" charset="-122"/>
+              <a:rPr lang="en-US" sz="2400" dirty="0">
+                <a:latin typeface="Bookman Old Style" pitchFamily="18" charset="0"/>
                 <a:ea typeface="HP Simplified Hans Light" panose="020B0300000000000000" pitchFamily="34" charset="-122"/>
               </a:rPr>
               <a:t>The output is a sequence of tokens, which is passed to the parser for syntax analysis.</a:t>
@@ -9831,8 +9984,8 @@
               <a:buChar char="v"/>
             </a:pPr>
             <a:r>
-              <a:rPr lang="en-US" sz="2000" dirty="0">
-                <a:latin typeface="HP Simplified Hans Light" panose="020B0300000000000000" pitchFamily="34" charset="-122"/>
+              <a:rPr lang="en-US" sz="2400" dirty="0">
+                <a:latin typeface="Bookman Old Style" pitchFamily="18" charset="0"/>
                 <a:ea typeface="HP Simplified Hans Light" panose="020B0300000000000000" pitchFamily="34" charset="-122"/>
               </a:rPr>
               <a:t>The blanks, tabs, newlines, and comments from the source program are removed.</a:t>
@@ -9844,22 +9997,24 @@
               <a:buChar char="v"/>
             </a:pPr>
             <a:r>
-              <a:rPr lang="en-US" sz="2000" dirty="0">
-                <a:latin typeface="HP Simplified Hans Light" panose="020B0300000000000000" pitchFamily="34" charset="-122"/>
+              <a:rPr lang="en-US" sz="2400" dirty="0">
+                <a:latin typeface="Bookman Old Style" pitchFamily="18" charset="0"/>
                 <a:ea typeface="HP Simplified Hans Light" panose="020B0300000000000000" pitchFamily="34" charset="-122"/>
               </a:rPr>
               <a:t>It keeps track of line numbers and associates error messages from various parts of a compiler with line numbers.</a:t>
             </a:r>
           </a:p>
           <a:p>
-            <a:endParaRPr lang="en-IN" dirty="0"/>
+            <a:endParaRPr lang="en-IN" sz="2400" dirty="0">
+              <a:latin typeface="Bookman Old Style" pitchFamily="18" charset="0"/>
+            </a:endParaRPr>
           </a:p>
         </p:txBody>
       </p:sp>
     </p:spTree>
     <p:extLst>
       <p:ext uri="{BB962C8B-B14F-4D97-AF65-F5344CB8AC3E}">
-        <p14:creationId xmlns:p14="http://schemas.microsoft.com/office/powerpoint/2010/main" val="54673487"/>
+        <p14:creationId xmlns:p14="http://schemas.microsoft.com/office/powerpoint/2010/main" xmlns="" val="54673487"/>
       </p:ext>
     </p:extLst>
   </p:cSld>
@@ -9913,7 +10068,7 @@
             </a:pPr>
             <a:r>
               <a:rPr lang="en-US" sz="3200" b="1" u="sng" dirty="0">
-                <a:latin typeface="Microsoft Sans Serif" panose="020B0604020202020204" pitchFamily="34" charset="0"/>
+                <a:latin typeface="Bookman Old Style" pitchFamily="18" charset="0"/>
                 <a:ea typeface="Microsoft Sans Serif" panose="020B0604020202020204" pitchFamily="34" charset="0"/>
                 <a:cs typeface="Microsoft Sans Serif" panose="020B0604020202020204" pitchFamily="34" charset="0"/>
               </a:rPr>
@@ -9932,22 +10087,29 @@
               <a:buChar char="v"/>
             </a:pPr>
             <a:r>
+              <a:rPr lang="en-US" sz="2500" b="1" dirty="0">
+                <a:latin typeface="Bookman Old Style" pitchFamily="18" charset="0"/>
+                <a:ea typeface="HP Simplified Hans Light" panose="020B0300000000000000" pitchFamily="34" charset="-122"/>
+              </a:rPr>
+              <a:t>FLEX</a:t>
+            </a:r>
+            <a:r>
               <a:rPr lang="en-US" sz="2500" dirty="0">
-                <a:latin typeface="HP Simplified Hans Light" panose="020B0300000000000000" pitchFamily="34" charset="-122"/>
+                <a:latin typeface="Bookman Old Style" pitchFamily="18" charset="0"/>
                 <a:ea typeface="HP Simplified Hans Light" panose="020B0300000000000000" pitchFamily="34" charset="-122"/>
               </a:rPr>
-              <a:t>FLEX (Fast </a:t>
+              <a:t> (Fast </a:t>
             </a:r>
             <a:r>
               <a:rPr lang="en-US" sz="2500" dirty="0" err="1">
-                <a:latin typeface="HP Simplified Hans Light" panose="020B0300000000000000" pitchFamily="34" charset="-122"/>
+                <a:latin typeface="Bookman Old Style" pitchFamily="18" charset="0"/>
                 <a:ea typeface="HP Simplified Hans Light" panose="020B0300000000000000" pitchFamily="34" charset="-122"/>
               </a:rPr>
               <a:t>LEXical</a:t>
             </a:r>
             <a:r>
               <a:rPr lang="en-US" sz="2500" dirty="0">
-                <a:latin typeface="HP Simplified Hans Light" panose="020B0300000000000000" pitchFamily="34" charset="-122"/>
+                <a:latin typeface="Bookman Old Style" pitchFamily="18" charset="0"/>
                 <a:ea typeface="HP Simplified Hans Light" panose="020B0300000000000000" pitchFamily="34" charset="-122"/>
               </a:rPr>
               <a:t> analyzer generator) is a tool for generating scanners. Instead of writing a scanner from scratch, we only need to identify the vocabulary of a particular language (e.g., C language), write a specification of patterns using regular expressions (e.g., DIGIT [0-9]), and FLEX constructs a scanner for us. FLEX workflow depicted as:</a:t>
@@ -10038,7 +10200,7 @@
                 <a:solidFill>
                   <a:srgbClr val="FF0000"/>
                 </a:solidFill>
-                <a:latin typeface="Microsoft Sans Serif" panose="020B0604020202020204" pitchFamily="34" charset="0"/>
+                <a:latin typeface="Bookman Old Style" pitchFamily="18" charset="0"/>
                 <a:ea typeface="Microsoft Sans Serif" panose="020B0604020202020204" pitchFamily="34" charset="0"/>
                 <a:cs typeface="Microsoft Sans Serif" panose="020B0604020202020204" pitchFamily="34" charset="0"/>
               </a:rPr>
@@ -10048,7 +10210,7 @@
               <a:solidFill>
                 <a:srgbClr val="FF0000"/>
               </a:solidFill>
-              <a:latin typeface="Microsoft Sans Serif" panose="020B0604020202020204" pitchFamily="34" charset="0"/>
+              <a:latin typeface="Bookman Old Style" pitchFamily="18" charset="0"/>
               <a:ea typeface="Microsoft Sans Serif" panose="020B0604020202020204" pitchFamily="34" charset="0"/>
               <a:cs typeface="Microsoft Sans Serif" panose="020B0604020202020204" pitchFamily="34" charset="0"/>
             </a:endParaRPr>
@@ -10073,7 +10235,7 @@
         </p:spPr>
         <p:txBody>
           <a:bodyPr>
-            <a:normAutofit/>
+            <a:normAutofit lnSpcReduction="10000"/>
           </a:bodyPr>
           <a:lstStyle/>
           <a:p>
@@ -10083,7 +10245,7 @@
             </a:pPr>
             <a:r>
               <a:rPr lang="en-US" sz="2400" dirty="0">
-                <a:latin typeface="HP Simplified Hans Light" panose="020B0300000000000000" pitchFamily="34" charset="-122"/>
+                <a:latin typeface="Bookman Old Style" pitchFamily="18" charset="0"/>
                 <a:ea typeface="HP Simplified Hans Light" panose="020B0300000000000000" pitchFamily="34" charset="-122"/>
               </a:rPr>
               <a:t>The Regular Expressions for most of the features of C are fairly straightforward. However, a few features require a significant amount of thought, such as: </a:t>
@@ -10096,28 +10258,28 @@
             </a:pPr>
             <a:r>
               <a:rPr lang="en-US" sz="2400" b="1" dirty="0">
-                <a:latin typeface="HP Simplified Hans Light" panose="020B0300000000000000" pitchFamily="34" charset="-122"/>
+                <a:latin typeface="Bookman Old Style" pitchFamily="18" charset="0"/>
                 <a:ea typeface="HP Simplified Hans Light" panose="020B0300000000000000" pitchFamily="34" charset="-122"/>
               </a:rPr>
               <a:t>The </a:t>
             </a:r>
             <a:r>
               <a:rPr lang="en-US" sz="2400" b="1" dirty="0" err="1">
-                <a:latin typeface="HP Simplified Hans Light" panose="020B0300000000000000" pitchFamily="34" charset="-122"/>
+                <a:latin typeface="Bookman Old Style" pitchFamily="18" charset="0"/>
                 <a:ea typeface="HP Simplified Hans Light" panose="020B0300000000000000" pitchFamily="34" charset="-122"/>
               </a:rPr>
               <a:t>Regex</a:t>
             </a:r>
             <a:r>
               <a:rPr lang="en-US" sz="2400" b="1" dirty="0">
-                <a:latin typeface="HP Simplified Hans Light" panose="020B0300000000000000" pitchFamily="34" charset="-122"/>
+                <a:latin typeface="Bookman Old Style" pitchFamily="18" charset="0"/>
                 <a:ea typeface="HP Simplified Hans Light" panose="020B0300000000000000" pitchFamily="34" charset="-122"/>
               </a:rPr>
               <a:t> for Identifiers: </a:t>
             </a:r>
             <a:r>
               <a:rPr lang="en-US" sz="2400" dirty="0">
-                <a:latin typeface="HP Simplified Hans Light" panose="020B0300000000000000" pitchFamily="34" charset="-122"/>
+                <a:latin typeface="Bookman Old Style" pitchFamily="18" charset="0"/>
                 <a:ea typeface="HP Simplified Hans Light" panose="020B0300000000000000" pitchFamily="34" charset="-122"/>
               </a:rPr>
               <a:t>The lexer must correctly recognize all valid identifiers in C, including the ones having one or more underscores.</a:t>
@@ -10128,11 +10290,18 @@
               <a:buNone/>
             </a:pPr>
             <a:r>
+              <a:rPr lang="en-US" sz="2400" dirty="0" smtClean="0">
+                <a:latin typeface="Bookman Old Style" pitchFamily="18" charset="0"/>
+                <a:ea typeface="HP Simplified Hans Light" panose="020B0300000000000000" pitchFamily="34" charset="-122"/>
+              </a:rPr>
+              <a:t>{alpha</a:t>
+            </a:r>
+            <a:r>
               <a:rPr lang="en-US" sz="2400" dirty="0">
-                <a:latin typeface="HP Simplified Hans Light" panose="020B0300000000000000" pitchFamily="34" charset="-122"/>
+                <a:latin typeface="Bookman Old Style" pitchFamily="18" charset="0"/>
                 <a:ea typeface="HP Simplified Hans Light" panose="020B0300000000000000" pitchFamily="34" charset="-122"/>
               </a:rPr>
-              <a:t>{alpha}({alpha}|{digit}|{und})*</a:t>
+              <a:t>}({alpha}|{digit}|{und})*</a:t>
             </a:r>
           </a:p>
           <a:p>
@@ -10140,11 +10309,18 @@
               <a:buNone/>
             </a:pPr>
             <a:r>
+              <a:rPr lang="en-US" sz="2400" u="sng" dirty="0" smtClean="0">
+                <a:latin typeface="Bookman Old Style" pitchFamily="18" charset="0"/>
+                <a:ea typeface="HP Simplified Hans Light" panose="020B0300000000000000" pitchFamily="34" charset="-122"/>
+              </a:rPr>
+              <a:t>Where</a:t>
+            </a:r>
+            <a:r>
               <a:rPr lang="en-US" sz="2400" u="sng" dirty="0">
-                <a:latin typeface="HP Simplified Hans Light" panose="020B0300000000000000" pitchFamily="34" charset="-122"/>
+                <a:latin typeface="Bookman Old Style" pitchFamily="18" charset="0"/>
                 <a:ea typeface="HP Simplified Hans Light" panose="020B0300000000000000" pitchFamily="34" charset="-122"/>
               </a:rPr>
-              <a:t>Where:-</a:t>
+              <a:t>:-</a:t>
             </a:r>
           </a:p>
           <a:p>
@@ -10153,7 +10329,7 @@
             </a:pPr>
             <a:r>
               <a:rPr lang="en-US" sz="2400" dirty="0">
-                <a:latin typeface="HP Simplified Hans Light" panose="020B0300000000000000" pitchFamily="34" charset="-122"/>
+                <a:latin typeface="Bookman Old Style" pitchFamily="18" charset="0"/>
                 <a:ea typeface="HP Simplified Hans Light" panose="020B0300000000000000" pitchFamily="34" charset="-122"/>
               </a:rPr>
               <a:t>alpha [A-Z, a-z]</a:t>
@@ -10165,7 +10341,7 @@
             </a:pPr>
             <a:r>
               <a:rPr lang="en-US" sz="2400" dirty="0">
-                <a:latin typeface="HP Simplified Hans Light" panose="020B0300000000000000" pitchFamily="34" charset="-122"/>
+                <a:latin typeface="Bookman Old Style" pitchFamily="18" charset="0"/>
                 <a:ea typeface="HP Simplified Hans Light" panose="020B0300000000000000" pitchFamily="34" charset="-122"/>
               </a:rPr>
               <a:t>digit [0-9] </a:t>
@@ -10177,7 +10353,7 @@
             </a:pPr>
             <a:r>
               <a:rPr lang="en-US" sz="2400" dirty="0">
-                <a:latin typeface="HP Simplified Hans Light" panose="020B0300000000000000" pitchFamily="34" charset="-122"/>
+                <a:latin typeface="Bookman Old Style" pitchFamily="18" charset="0"/>
                 <a:ea typeface="HP Simplified Hans Light" panose="020B0300000000000000" pitchFamily="34" charset="-122"/>
               </a:rPr>
               <a:t>und [ _ ] </a:t>
@@ -10189,7 +10365,7 @@
             </a:pPr>
             <a:r>
               <a:rPr lang="en-US" sz="2400" dirty="0">
-                <a:latin typeface="HP Simplified Hans Light" panose="020B0300000000000000" pitchFamily="34" charset="-122"/>
+                <a:latin typeface="Bookman Old Style" pitchFamily="18" charset="0"/>
                 <a:ea typeface="HP Simplified Hans Light" panose="020B0300000000000000" pitchFamily="34" charset="-122"/>
               </a:rPr>
               <a:t>space [ ]</a:t>
@@ -10465,7 +10641,7 @@
   <a:extraClrSchemeLst/>
   <a:extLst>
     <a:ext uri="{05A4C25C-085E-4340-85A3-A5531E510DB2}">
-      <thm15:themeFamily xmlns:thm15="http://schemas.microsoft.com/office/thememl/2012/main" name="Ion" id="{B8441ADB-2E43-4AF7-B97A-BD870242C6A8}" vid="{292E63A9-BB86-4E3D-B92A-7223C6510D2E}"/>
+      <thm15:themeFamily xmlns:thm15="http://schemas.microsoft.com/office/thememl/2012/main" xmlns="" name="Ion" id="{B8441ADB-2E43-4AF7-B97A-BD870242C6A8}" vid="{292E63A9-BB86-4E3D-B92A-7223C6510D2E}"/>
     </a:ext>
   </a:extLst>
 </a:theme>
@@ -10760,7 +10936,7 @@
   <a:extraClrSchemeLst/>
   <a:extLst>
     <a:ext uri="{05A4C25C-085E-4340-85A3-A5531E510DB2}">
-      <thm15:themeFamily xmlns:thm15="http://schemas.microsoft.com/office/thememl/2012/main" name="Office Theme" id="{62F939B6-93AF-4DB8-9C6B-D6C7DFDC589F}" vid="{4A3C46E8-61CC-4603-A589-7422A47A8E4A}"/>
+      <thm15:themeFamily xmlns:thm15="http://schemas.microsoft.com/office/thememl/2012/main" xmlns="" name="Office Theme" id="{62F939B6-93AF-4DB8-9C6B-D6C7DFDC589F}" vid="{4A3C46E8-61CC-4603-A589-7422A47A8E4A}"/>
     </a:ext>
   </a:extLst>
 </a:theme>

--- a/Report.pptx
+++ b/Report.pptx
@@ -132,7 +132,7 @@
   </p:defaultTextStyle>
   <p:extLst>
     <p:ext uri="{EFAFB233-063F-42B5-8137-9DF3F51BA10A}">
-      <p15:sldGuideLst xmlns:p15="http://schemas.microsoft.com/office/powerpoint/2012/main" xmlns="">
+      <p15:sldGuideLst xmlns:p15="http://schemas.microsoft.com/office/powerpoint/2012/main">
         <p15:guide id="1" orient="horz" pos="2160">
           <p15:clr>
             <a:srgbClr val="A4A3A4"/>
@@ -401,7 +401,7 @@
     </p:spTree>
     <p:extLst>
       <p:ext uri="{BB962C8B-B14F-4D97-AF65-F5344CB8AC3E}">
-        <p14:creationId xmlns:p14="http://schemas.microsoft.com/office/powerpoint/2010/main" xmlns="" val="408106252"/>
+        <p14:creationId xmlns:p14="http://schemas.microsoft.com/office/powerpoint/2010/main" val="408106252"/>
       </p:ext>
     </p:extLst>
   </p:cSld>
@@ -576,7 +576,7 @@
     </p:spTree>
     <p:extLst>
       <p:ext uri="{BB962C8B-B14F-4D97-AF65-F5344CB8AC3E}">
-        <p14:creationId xmlns:p14="http://schemas.microsoft.com/office/powerpoint/2010/main" xmlns="" val="3560428238"/>
+        <p14:creationId xmlns:p14="http://schemas.microsoft.com/office/powerpoint/2010/main" val="3560428238"/>
       </p:ext>
     </p:extLst>
   </p:cSld>
@@ -773,7 +773,7 @@
             <a:fld id="{1D8BD707-D9CF-40AE-B4C6-C98DA3205C09}" type="datetimeFigureOut">
               <a:rPr lang="en-US" smtClean="0"/>
               <a:pPr/>
-              <a:t>20-Feb-24</a:t>
+              <a:t>2/20/2024</a:t>
             </a:fld>
             <a:endParaRPr lang="en-US"/>
           </a:p>
@@ -825,7 +825,7 @@
     </p:spTree>
     <p:extLst>
       <p:ext uri="{BB962C8B-B14F-4D97-AF65-F5344CB8AC3E}">
-        <p14:creationId xmlns:p14="http://schemas.microsoft.com/office/powerpoint/2010/main" xmlns="" val="1335480159"/>
+        <p14:creationId xmlns:p14="http://schemas.microsoft.com/office/powerpoint/2010/main" val="1335480159"/>
       </p:ext>
     </p:extLst>
   </p:cSld>
@@ -1050,7 +1050,7 @@
             <a:fld id="{1D8BD707-D9CF-40AE-B4C6-C98DA3205C09}" type="datetimeFigureOut">
               <a:rPr lang="en-US" smtClean="0"/>
               <a:pPr/>
-              <a:t>20-Feb-24</a:t>
+              <a:t>2/20/2024</a:t>
             </a:fld>
             <a:endParaRPr lang="en-US"/>
           </a:p>
@@ -1102,7 +1102,7 @@
     </p:spTree>
     <p:extLst>
       <p:ext uri="{BB962C8B-B14F-4D97-AF65-F5344CB8AC3E}">
-        <p14:creationId xmlns:p14="http://schemas.microsoft.com/office/powerpoint/2010/main" xmlns="" val="659536817"/>
+        <p14:creationId xmlns:p14="http://schemas.microsoft.com/office/powerpoint/2010/main" val="659536817"/>
       </p:ext>
     </p:extLst>
   </p:cSld>
@@ -1246,7 +1246,7 @@
             <a:fld id="{1D8BD707-D9CF-40AE-B4C6-C98DA3205C09}" type="datetimeFigureOut">
               <a:rPr lang="en-US" smtClean="0"/>
               <a:pPr/>
-              <a:t>20-Feb-24</a:t>
+              <a:t>2/20/2024</a:t>
             </a:fld>
             <a:endParaRPr lang="en-US"/>
           </a:p>
@@ -1298,7 +1298,7 @@
     </p:spTree>
     <p:extLst>
       <p:ext uri="{BB962C8B-B14F-4D97-AF65-F5344CB8AC3E}">
-        <p14:creationId xmlns:p14="http://schemas.microsoft.com/office/powerpoint/2010/main" xmlns="" val="3794738411"/>
+        <p14:creationId xmlns:p14="http://schemas.microsoft.com/office/powerpoint/2010/main" val="3794738411"/>
       </p:ext>
     </p:extLst>
   </p:cSld>
@@ -1521,7 +1521,7 @@
             <a:fld id="{1D8BD707-D9CF-40AE-B4C6-C98DA3205C09}" type="datetimeFigureOut">
               <a:rPr lang="en-US" smtClean="0"/>
               <a:pPr/>
-              <a:t>20-Feb-24</a:t>
+              <a:t>2/20/2024</a:t>
             </a:fld>
             <a:endParaRPr lang="en-US"/>
           </a:p>
@@ -1667,7 +1667,7 @@
     </p:spTree>
     <p:extLst>
       <p:ext uri="{BB962C8B-B14F-4D97-AF65-F5344CB8AC3E}">
-        <p14:creationId xmlns:p14="http://schemas.microsoft.com/office/powerpoint/2010/main" xmlns="" val="1762138277"/>
+        <p14:creationId xmlns:p14="http://schemas.microsoft.com/office/powerpoint/2010/main" val="1762138277"/>
       </p:ext>
     </p:extLst>
   </p:cSld>
@@ -1864,7 +1864,7 @@
             <a:fld id="{1D8BD707-D9CF-40AE-B4C6-C98DA3205C09}" type="datetimeFigureOut">
               <a:rPr lang="en-US" smtClean="0"/>
               <a:pPr/>
-              <a:t>20-Feb-24</a:t>
+              <a:t>2/20/2024</a:t>
             </a:fld>
             <a:endParaRPr lang="en-US"/>
           </a:p>
@@ -1916,7 +1916,7 @@
     </p:spTree>
     <p:extLst>
       <p:ext uri="{BB962C8B-B14F-4D97-AF65-F5344CB8AC3E}">
-        <p14:creationId xmlns:p14="http://schemas.microsoft.com/office/powerpoint/2010/main" xmlns="" val="1843396846"/>
+        <p14:creationId xmlns:p14="http://schemas.microsoft.com/office/powerpoint/2010/main" val="1843396846"/>
       </p:ext>
     </p:extLst>
   </p:cSld>
@@ -2489,7 +2489,7 @@
             <a:fld id="{1D8BD707-D9CF-40AE-B4C6-C98DA3205C09}" type="datetimeFigureOut">
               <a:rPr lang="en-US" smtClean="0"/>
               <a:pPr/>
-              <a:t>20-Feb-24</a:t>
+              <a:t>2/20/2024</a:t>
             </a:fld>
             <a:endParaRPr lang="en-US"/>
           </a:p>
@@ -2541,7 +2541,7 @@
     </p:spTree>
     <p:extLst>
       <p:ext uri="{BB962C8B-B14F-4D97-AF65-F5344CB8AC3E}">
-        <p14:creationId xmlns:p14="http://schemas.microsoft.com/office/powerpoint/2010/main" xmlns="" val="3955224979"/>
+        <p14:creationId xmlns:p14="http://schemas.microsoft.com/office/powerpoint/2010/main" val="3955224979"/>
       </p:ext>
     </p:extLst>
   </p:cSld>
@@ -3351,7 +3351,7 @@
             <a:fld id="{1D8BD707-D9CF-40AE-B4C6-C98DA3205C09}" type="datetimeFigureOut">
               <a:rPr lang="en-US" smtClean="0"/>
               <a:pPr/>
-              <a:t>20-Feb-24</a:t>
+              <a:t>2/20/2024</a:t>
             </a:fld>
             <a:endParaRPr lang="en-US"/>
           </a:p>
@@ -3403,7 +3403,7 @@
     </p:spTree>
     <p:extLst>
       <p:ext uri="{BB962C8B-B14F-4D97-AF65-F5344CB8AC3E}">
-        <p14:creationId xmlns:p14="http://schemas.microsoft.com/office/powerpoint/2010/main" xmlns="" val="4170459240"/>
+        <p14:creationId xmlns:p14="http://schemas.microsoft.com/office/powerpoint/2010/main" val="4170459240"/>
       </p:ext>
     </p:extLst>
   </p:cSld>
@@ -3523,7 +3523,7 @@
             <a:fld id="{1D8BD707-D9CF-40AE-B4C6-C98DA3205C09}" type="datetimeFigureOut">
               <a:rPr lang="en-US" smtClean="0"/>
               <a:pPr/>
-              <a:t>20-Feb-24</a:t>
+              <a:t>2/20/2024</a:t>
             </a:fld>
             <a:endParaRPr lang="en-US"/>
           </a:p>
@@ -3575,7 +3575,7 @@
     </p:spTree>
     <p:extLst>
       <p:ext uri="{BB962C8B-B14F-4D97-AF65-F5344CB8AC3E}">
-        <p14:creationId xmlns:p14="http://schemas.microsoft.com/office/powerpoint/2010/main" xmlns="" val="1386844775"/>
+        <p14:creationId xmlns:p14="http://schemas.microsoft.com/office/powerpoint/2010/main" val="1386844775"/>
       </p:ext>
     </p:extLst>
   </p:cSld>
@@ -3705,7 +3705,7 @@
             <a:fld id="{1D8BD707-D9CF-40AE-B4C6-C98DA3205C09}" type="datetimeFigureOut">
               <a:rPr lang="en-US" smtClean="0"/>
               <a:pPr/>
-              <a:t>20-Feb-24</a:t>
+              <a:t>2/20/2024</a:t>
             </a:fld>
             <a:endParaRPr lang="en-US"/>
           </a:p>
@@ -3757,7 +3757,7 @@
     </p:spTree>
     <p:extLst>
       <p:ext uri="{BB962C8B-B14F-4D97-AF65-F5344CB8AC3E}">
-        <p14:creationId xmlns:p14="http://schemas.microsoft.com/office/powerpoint/2010/main" xmlns="" val="1392338380"/>
+        <p14:creationId xmlns:p14="http://schemas.microsoft.com/office/powerpoint/2010/main" val="1392338380"/>
       </p:ext>
     </p:extLst>
   </p:cSld>
@@ -3877,7 +3877,7 @@
             <a:fld id="{1D8BD707-D9CF-40AE-B4C6-C98DA3205C09}" type="datetimeFigureOut">
               <a:rPr lang="en-US" smtClean="0"/>
               <a:pPr/>
-              <a:t>20-Feb-24</a:t>
+              <a:t>2/20/2024</a:t>
             </a:fld>
             <a:endParaRPr lang="en-US"/>
           </a:p>
@@ -3929,7 +3929,7 @@
     </p:spTree>
     <p:extLst>
       <p:ext uri="{BB962C8B-B14F-4D97-AF65-F5344CB8AC3E}">
-        <p14:creationId xmlns:p14="http://schemas.microsoft.com/office/powerpoint/2010/main" xmlns="" val="272910965"/>
+        <p14:creationId xmlns:p14="http://schemas.microsoft.com/office/powerpoint/2010/main" val="272910965"/>
       </p:ext>
     </p:extLst>
   </p:cSld>
@@ -4126,7 +4126,7 @@
             <a:fld id="{1D8BD707-D9CF-40AE-B4C6-C98DA3205C09}" type="datetimeFigureOut">
               <a:rPr lang="en-US" smtClean="0"/>
               <a:pPr/>
-              <a:t>20-Feb-24</a:t>
+              <a:t>2/20/2024</a:t>
             </a:fld>
             <a:endParaRPr lang="en-US"/>
           </a:p>
@@ -4178,7 +4178,7 @@
     </p:spTree>
     <p:extLst>
       <p:ext uri="{BB962C8B-B14F-4D97-AF65-F5344CB8AC3E}">
-        <p14:creationId xmlns:p14="http://schemas.microsoft.com/office/powerpoint/2010/main" xmlns="" val="571831414"/>
+        <p14:creationId xmlns:p14="http://schemas.microsoft.com/office/powerpoint/2010/main" val="571831414"/>
       </p:ext>
     </p:extLst>
   </p:cSld>
@@ -4420,7 +4420,7 @@
             <a:fld id="{1D8BD707-D9CF-40AE-B4C6-C98DA3205C09}" type="datetimeFigureOut">
               <a:rPr lang="en-US" smtClean="0"/>
               <a:pPr/>
-              <a:t>20-Feb-24</a:t>
+              <a:t>2/20/2024</a:t>
             </a:fld>
             <a:endParaRPr lang="en-US"/>
           </a:p>
@@ -4472,7 +4472,7 @@
     </p:spTree>
     <p:extLst>
       <p:ext uri="{BB962C8B-B14F-4D97-AF65-F5344CB8AC3E}">
-        <p14:creationId xmlns:p14="http://schemas.microsoft.com/office/powerpoint/2010/main" xmlns="" val="1541931768"/>
+        <p14:creationId xmlns:p14="http://schemas.microsoft.com/office/powerpoint/2010/main" val="1541931768"/>
       </p:ext>
     </p:extLst>
   </p:cSld>
@@ -4866,7 +4866,7 @@
             <a:fld id="{1D8BD707-D9CF-40AE-B4C6-C98DA3205C09}" type="datetimeFigureOut">
               <a:rPr lang="en-US" smtClean="0"/>
               <a:pPr/>
-              <a:t>20-Feb-24</a:t>
+              <a:t>2/20/2024</a:t>
             </a:fld>
             <a:endParaRPr lang="en-US"/>
           </a:p>
@@ -4918,7 +4918,7 @@
     </p:spTree>
     <p:extLst>
       <p:ext uri="{BB962C8B-B14F-4D97-AF65-F5344CB8AC3E}">
-        <p14:creationId xmlns:p14="http://schemas.microsoft.com/office/powerpoint/2010/main" xmlns="" val="1623017315"/>
+        <p14:creationId xmlns:p14="http://schemas.microsoft.com/office/powerpoint/2010/main" val="1623017315"/>
       </p:ext>
     </p:extLst>
   </p:cSld>
@@ -4986,7 +4986,7 @@
             <a:fld id="{1D8BD707-D9CF-40AE-B4C6-C98DA3205C09}" type="datetimeFigureOut">
               <a:rPr lang="en-US" smtClean="0"/>
               <a:pPr/>
-              <a:t>20-Feb-24</a:t>
+              <a:t>2/20/2024</a:t>
             </a:fld>
             <a:endParaRPr lang="en-US"/>
           </a:p>
@@ -5038,7 +5038,7 @@
     </p:spTree>
     <p:extLst>
       <p:ext uri="{BB962C8B-B14F-4D97-AF65-F5344CB8AC3E}">
-        <p14:creationId xmlns:p14="http://schemas.microsoft.com/office/powerpoint/2010/main" xmlns="" val="3937585691"/>
+        <p14:creationId xmlns:p14="http://schemas.microsoft.com/office/powerpoint/2010/main" val="3937585691"/>
       </p:ext>
     </p:extLst>
   </p:cSld>
@@ -5083,7 +5083,7 @@
             <a:fld id="{1D8BD707-D9CF-40AE-B4C6-C98DA3205C09}" type="datetimeFigureOut">
               <a:rPr lang="en-US" smtClean="0"/>
               <a:pPr/>
-              <a:t>20-Feb-24</a:t>
+              <a:t>2/20/2024</a:t>
             </a:fld>
             <a:endParaRPr lang="en-US"/>
           </a:p>
@@ -5135,7 +5135,7 @@
     </p:spTree>
     <p:extLst>
       <p:ext uri="{BB962C8B-B14F-4D97-AF65-F5344CB8AC3E}">
-        <p14:creationId xmlns:p14="http://schemas.microsoft.com/office/powerpoint/2010/main" xmlns="" val="1825517470"/>
+        <p14:creationId xmlns:p14="http://schemas.microsoft.com/office/powerpoint/2010/main" val="1825517470"/>
       </p:ext>
     </p:extLst>
   </p:cSld>
@@ -5364,7 +5364,7 @@
             <a:fld id="{1D8BD707-D9CF-40AE-B4C6-C98DA3205C09}" type="datetimeFigureOut">
               <a:rPr lang="en-US" smtClean="0"/>
               <a:pPr/>
-              <a:t>20-Feb-24</a:t>
+              <a:t>2/20/2024</a:t>
             </a:fld>
             <a:endParaRPr lang="en-US"/>
           </a:p>
@@ -5416,7 +5416,7 @@
     </p:spTree>
     <p:extLst>
       <p:ext uri="{BB962C8B-B14F-4D97-AF65-F5344CB8AC3E}">
-        <p14:creationId xmlns:p14="http://schemas.microsoft.com/office/powerpoint/2010/main" xmlns="" val="385793241"/>
+        <p14:creationId xmlns:p14="http://schemas.microsoft.com/office/powerpoint/2010/main" val="385793241"/>
       </p:ext>
     </p:extLst>
   </p:cSld>
@@ -5641,7 +5641,7 @@
             <a:fld id="{1D8BD707-D9CF-40AE-B4C6-C98DA3205C09}" type="datetimeFigureOut">
               <a:rPr lang="en-US" smtClean="0"/>
               <a:pPr/>
-              <a:t>20-Feb-24</a:t>
+              <a:t>2/20/2024</a:t>
             </a:fld>
             <a:endParaRPr lang="en-US"/>
           </a:p>
@@ -5693,7 +5693,7 @@
     </p:spTree>
     <p:extLst>
       <p:ext uri="{BB962C8B-B14F-4D97-AF65-F5344CB8AC3E}">
-        <p14:creationId xmlns:p14="http://schemas.microsoft.com/office/powerpoint/2010/main" xmlns="" val="297218253"/>
+        <p14:creationId xmlns:p14="http://schemas.microsoft.com/office/powerpoint/2010/main" val="297218253"/>
       </p:ext>
     </p:extLst>
   </p:cSld>
@@ -6208,7 +6208,7 @@
             <a:fld id="{1D8BD707-D9CF-40AE-B4C6-C98DA3205C09}" type="datetimeFigureOut">
               <a:rPr lang="en-US" smtClean="0"/>
               <a:pPr/>
-              <a:t>20-Feb-24</a:t>
+              <a:t>2/20/2024</a:t>
             </a:fld>
             <a:endParaRPr lang="en-US"/>
           </a:p>
@@ -6297,7 +6297,7 @@
     </p:spTree>
     <p:extLst>
       <p:ext uri="{BB962C8B-B14F-4D97-AF65-F5344CB8AC3E}">
-        <p14:creationId xmlns:p14="http://schemas.microsoft.com/office/powerpoint/2010/main" xmlns="" val="4059986342"/>
+        <p14:creationId xmlns:p14="http://schemas.microsoft.com/office/powerpoint/2010/main" val="4059986342"/>
       </p:ext>
     </p:extLst>
   </p:cSld>
@@ -6977,7 +6977,7 @@
                 <a:ea typeface="HP Simplified Hans Light" panose="020B0300000000000000" pitchFamily="34" charset="-122"/>
                 <a:cs typeface="Tahoma" panose="020B0604030504040204" pitchFamily="34" charset="0"/>
               </a:rPr>
-              <a:t> :       2102081004</a:t>
+              <a:t> :       2102081011</a:t>
             </a:r>
           </a:p>
           <a:p>
@@ -7037,13 +7037,6 @@
   <p:clrMapOvr>
     <a:masterClrMapping/>
   </p:clrMapOvr>
-  <p:timing>
-    <p:tnLst>
-      <p:par>
-        <p:cTn id="1" dur="indefinite" restart="never" nodeType="tmRoot"/>
-      </p:par>
-    </p:tnLst>
-  </p:timing>
 </p:sld>
 </file>
 
@@ -7356,7 +7349,7 @@
           <p:cNvPr id="2" name="Title 1">
             <a:extLst>
               <a:ext uri="{FF2B5EF4-FFF2-40B4-BE49-F238E27FC236}">
-                <a16:creationId xmlns:a16="http://schemas.microsoft.com/office/drawing/2014/main" xmlns="" id="{35B92C80-6972-5E79-37F1-FC270316044A}"/>
+                <a16:creationId xmlns:a16="http://schemas.microsoft.com/office/drawing/2014/main" id="{35B92C80-6972-5E79-37F1-FC270316044A}"/>
               </a:ext>
             </a:extLst>
           </p:cNvPr>
@@ -7394,7 +7387,7 @@
           <p:cNvPr id="3" name="Content Placeholder 2">
             <a:extLst>
               <a:ext uri="{FF2B5EF4-FFF2-40B4-BE49-F238E27FC236}">
-                <a16:creationId xmlns:a16="http://schemas.microsoft.com/office/drawing/2014/main" xmlns="" id="{83681D05-9748-D486-D79C-9A24073707CA}"/>
+                <a16:creationId xmlns:a16="http://schemas.microsoft.com/office/drawing/2014/main" id="{83681D05-9748-D486-D79C-9A24073707CA}"/>
               </a:ext>
             </a:extLst>
           </p:cNvPr>
@@ -7492,7 +7485,7 @@
     </p:spTree>
     <p:extLst>
       <p:ext uri="{BB962C8B-B14F-4D97-AF65-F5344CB8AC3E}">
-        <p14:creationId xmlns:p14="http://schemas.microsoft.com/office/powerpoint/2010/main" xmlns="" val="458889082"/>
+        <p14:creationId xmlns:p14="http://schemas.microsoft.com/office/powerpoint/2010/main" val="458889082"/>
       </p:ext>
     </p:extLst>
   </p:cSld>
@@ -7825,7 +7818,7 @@
           <p:cNvPr id="3" name="Picture 2">
             <a:extLst>
               <a:ext uri="{FF2B5EF4-FFF2-40B4-BE49-F238E27FC236}">
-                <a16:creationId xmlns:a16="http://schemas.microsoft.com/office/drawing/2014/main" xmlns="" id="{1B54EDC5-5BB8-49F4-9941-5D7284242BD0}"/>
+                <a16:creationId xmlns:a16="http://schemas.microsoft.com/office/drawing/2014/main" id="{1B54EDC5-5BB8-49F4-9941-5D7284242BD0}"/>
               </a:ext>
             </a:extLst>
           </p:cNvPr>
@@ -7838,7 +7831,7 @@
           <a:blip r:embed="rId2">
             <a:extLst>
               <a:ext uri="{28A0092B-C50C-407E-A947-70E740481C1C}">
-                <a14:useLocalDpi xmlns:a14="http://schemas.microsoft.com/office/drawing/2010/main" xmlns="" val="0"/>
+                <a14:useLocalDpi xmlns:a14="http://schemas.microsoft.com/office/drawing/2010/main" val="0"/>
               </a:ext>
             </a:extLst>
           </a:blip>
@@ -7859,7 +7852,7 @@
     </p:spTree>
     <p:extLst>
       <p:ext uri="{BB962C8B-B14F-4D97-AF65-F5344CB8AC3E}">
-        <p14:creationId xmlns:p14="http://schemas.microsoft.com/office/powerpoint/2010/main" xmlns="" val="2354160240"/>
+        <p14:creationId xmlns:p14="http://schemas.microsoft.com/office/powerpoint/2010/main" val="2354160240"/>
       </p:ext>
     </p:extLst>
   </p:cSld>
@@ -8582,7 +8575,7 @@
           <p:cNvPr id="2" name="Title 1">
             <a:extLst>
               <a:ext uri="{FF2B5EF4-FFF2-40B4-BE49-F238E27FC236}">
-                <a16:creationId xmlns:a16="http://schemas.microsoft.com/office/drawing/2014/main" xmlns="" id="{345C4AFF-606F-020A-13BF-05F9C0473A5A}"/>
+                <a16:creationId xmlns:a16="http://schemas.microsoft.com/office/drawing/2014/main" id="{345C4AFF-606F-020A-13BF-05F9C0473A5A}"/>
               </a:ext>
             </a:extLst>
           </p:cNvPr>
@@ -8633,7 +8626,7 @@
           <p:cNvPr id="5" name="Content Placeholder 4">
             <a:extLst>
               <a:ext uri="{FF2B5EF4-FFF2-40B4-BE49-F238E27FC236}">
-                <a16:creationId xmlns:a16="http://schemas.microsoft.com/office/drawing/2014/main" xmlns="" id="{B564DDB4-9FE4-BB85-E708-88421A5F85AB}"/>
+                <a16:creationId xmlns:a16="http://schemas.microsoft.com/office/drawing/2014/main" id="{B564DDB4-9FE4-BB85-E708-88421A5F85AB}"/>
               </a:ext>
             </a:extLst>
           </p:cNvPr>
@@ -8648,7 +8641,7 @@
           <a:blip r:embed="rId3">
             <a:extLst>
               <a:ext uri="{28A0092B-C50C-407E-A947-70E740481C1C}">
-                <a14:useLocalDpi xmlns:a14="http://schemas.microsoft.com/office/drawing/2010/main" xmlns="" val="0"/>
+                <a14:useLocalDpi xmlns:a14="http://schemas.microsoft.com/office/drawing/2010/main" val="0"/>
               </a:ext>
             </a:extLst>
           </a:blip>
@@ -8666,20 +8659,13 @@
     </p:spTree>
     <p:extLst>
       <p:ext uri="{BB962C8B-B14F-4D97-AF65-F5344CB8AC3E}">
-        <p14:creationId xmlns:p14="http://schemas.microsoft.com/office/powerpoint/2010/main" xmlns="" val="2421744490"/>
+        <p14:creationId xmlns:p14="http://schemas.microsoft.com/office/powerpoint/2010/main" val="2421744490"/>
       </p:ext>
     </p:extLst>
   </p:cSld>
   <p:clrMapOvr>
     <a:masterClrMapping/>
   </p:clrMapOvr>
-  <p:timing>
-    <p:tnLst>
-      <p:par>
-        <p:cTn id="1" dur="indefinite" restart="never" nodeType="tmRoot"/>
-      </p:par>
-    </p:tnLst>
-  </p:timing>
 </p:sld>
 </file>
 
@@ -8721,7 +8707,7 @@
           <a:lstStyle/>
           <a:p>
             <a:r>
-              <a:rPr lang="en-US" dirty="0">
+              <a:rPr lang="en-US" b="1" dirty="0">
                 <a:solidFill>
                   <a:srgbClr val="FF0000"/>
                 </a:solidFill>
@@ -8731,7 +8717,7 @@
               </a:rPr>
               <a:t>Semantic Analysis</a:t>
             </a:r>
-            <a:endParaRPr lang="en-US" dirty="0">
+            <a:endParaRPr lang="en-US" b="1" dirty="0">
               <a:latin typeface="Bookman Old Style" pitchFamily="18" charset="0"/>
               <a:ea typeface="Microsoft Sans Serif" panose="020B0604020202020204" pitchFamily="34" charset="0"/>
               <a:cs typeface="Microsoft Sans Serif" panose="020B0604020202020204" pitchFamily="34" charset="0"/>
@@ -8811,26 +8797,15 @@
                 <a:latin typeface="Bookman Old Style" pitchFamily="18" charset="0"/>
                 <a:ea typeface="HP Simplified Hans Light" panose="020B0300000000000000"/>
               </a:rPr>
-              <a:t>Handling complex constructs, ensuring compliance with language </a:t>
-            </a:r>
-            <a:r>
-              <a:rPr lang="en-US" sz="2800" dirty="0" smtClean="0">
-                <a:latin typeface="Bookman Old Style" pitchFamily="18" charset="0"/>
-                <a:ea typeface="HP Simplified Hans Light" panose="020B0300000000000000"/>
-              </a:rPr>
-              <a:t>standards.</a:t>
-            </a:r>
-            <a:endParaRPr lang="en-US" sz="2800" dirty="0">
-              <a:latin typeface="Bookman Old Style" pitchFamily="18" charset="0"/>
-              <a:ea typeface="HP Simplified Hans Light" panose="020B0300000000000000"/>
-            </a:endParaRPr>
+              <a:t>Handling complex constructs, ensuring compliance with language standards.</a:t>
+            </a:r>
           </a:p>
         </p:txBody>
       </p:sp>
     </p:spTree>
     <p:extLst>
       <p:ext uri="{BB962C8B-B14F-4D97-AF65-F5344CB8AC3E}">
-        <p14:creationId xmlns:p14="http://schemas.microsoft.com/office/powerpoint/2010/main" xmlns="" val="1350308750"/>
+        <p14:creationId xmlns:p14="http://schemas.microsoft.com/office/powerpoint/2010/main" val="1350308750"/>
       </p:ext>
     </p:extLst>
   </p:cSld>
@@ -8873,7 +8848,7 @@
           <a:lstStyle/>
           <a:p>
             <a:r>
-              <a:rPr lang="en-US" dirty="0">
+              <a:rPr lang="en-US" b="1" dirty="0">
                 <a:solidFill>
                   <a:srgbClr val="FF0000"/>
                 </a:solidFill>
@@ -8882,7 +8857,7 @@
               <a:t>Example</a:t>
             </a:r>
             <a:r>
-              <a:rPr lang="en-US" dirty="0">
+              <a:rPr lang="en-US" b="1" dirty="0">
                 <a:solidFill>
                   <a:srgbClr val="FF0000"/>
                 </a:solidFill>
@@ -8906,7 +8881,7 @@
           <a:blip r:embed="rId2">
             <a:extLst>
               <a:ext uri="{28A0092B-C50C-407E-A947-70E740481C1C}">
-                <a14:useLocalDpi xmlns:a14="http://schemas.microsoft.com/office/drawing/2010/main" xmlns="" val="0"/>
+                <a14:useLocalDpi xmlns:a14="http://schemas.microsoft.com/office/drawing/2010/main" val="0"/>
               </a:ext>
             </a:extLst>
           </a:blip>
@@ -8926,7 +8901,7 @@
           <a:noFill/>
           <a:extLst>
             <a:ext uri="{909E8E84-426E-40DD-AFC4-6F175D3DCCD1}">
-              <a14:hiddenFill xmlns:a14="http://schemas.microsoft.com/office/drawing/2010/main" xmlns="">
+              <a14:hiddenFill xmlns:a14="http://schemas.microsoft.com/office/drawing/2010/main">
                 <a:solidFill>
                   <a:srgbClr val="FFFFFF"/>
                 </a:solidFill>
@@ -8938,7 +8913,7 @@
     </p:spTree>
     <p:extLst>
       <p:ext uri="{BB962C8B-B14F-4D97-AF65-F5344CB8AC3E}">
-        <p14:creationId xmlns:p14="http://schemas.microsoft.com/office/powerpoint/2010/main" xmlns="" val="2597933529"/>
+        <p14:creationId xmlns:p14="http://schemas.microsoft.com/office/powerpoint/2010/main" val="2597933529"/>
       </p:ext>
     </p:extLst>
   </p:cSld>
@@ -9019,7 +8994,7 @@
           <a:blip r:embed="rId2">
             <a:extLst>
               <a:ext uri="{28A0092B-C50C-407E-A947-70E740481C1C}">
-                <a14:useLocalDpi xmlns:a14="http://schemas.microsoft.com/office/drawing/2010/main" xmlns="" val="0"/>
+                <a14:useLocalDpi xmlns:a14="http://schemas.microsoft.com/office/drawing/2010/main" val="0"/>
               </a:ext>
             </a:extLst>
           </a:blip>
@@ -9037,7 +9012,7 @@
     </p:spTree>
     <p:extLst>
       <p:ext uri="{BB962C8B-B14F-4D97-AF65-F5344CB8AC3E}">
-        <p14:creationId xmlns:p14="http://schemas.microsoft.com/office/powerpoint/2010/main" xmlns="" val="2121056334"/>
+        <p14:creationId xmlns:p14="http://schemas.microsoft.com/office/powerpoint/2010/main" val="2121056334"/>
       </p:ext>
     </p:extLst>
   </p:cSld>
@@ -9134,7 +9109,7 @@
     </p:spTree>
     <p:extLst>
       <p:ext uri="{BB962C8B-B14F-4D97-AF65-F5344CB8AC3E}">
-        <p14:creationId xmlns:p14="http://schemas.microsoft.com/office/powerpoint/2010/main" xmlns="" val="2717039901"/>
+        <p14:creationId xmlns:p14="http://schemas.microsoft.com/office/powerpoint/2010/main" val="2717039901"/>
       </p:ext>
     </p:extLst>
   </p:cSld>
@@ -9789,7 +9764,7 @@
           <p:cNvPr id="3" name="Picture 2">
             <a:extLst>
               <a:ext uri="{FF2B5EF4-FFF2-40B4-BE49-F238E27FC236}">
-                <a16:creationId xmlns:a16="http://schemas.microsoft.com/office/drawing/2014/main" xmlns="" id="{874CE023-AA74-B1ED-FDE3-A5EF66525CE9}"/>
+                <a16:creationId xmlns:a16="http://schemas.microsoft.com/office/drawing/2014/main" id="{874CE023-AA74-B1ED-FDE3-A5EF66525CE9}"/>
               </a:ext>
             </a:extLst>
           </p:cNvPr>
@@ -9802,7 +9777,7 @@
           <a:blip r:embed="rId2">
             <a:extLst>
               <a:ext uri="{28A0092B-C50C-407E-A947-70E740481C1C}">
-                <a14:useLocalDpi xmlns:a14="http://schemas.microsoft.com/office/drawing/2010/main" xmlns="" val="0"/>
+                <a14:useLocalDpi xmlns:a14="http://schemas.microsoft.com/office/drawing/2010/main" val="0"/>
               </a:ext>
             </a:extLst>
           </a:blip>
@@ -9823,7 +9798,7 @@
     </p:spTree>
     <p:extLst>
       <p:ext uri="{BB962C8B-B14F-4D97-AF65-F5344CB8AC3E}">
-        <p14:creationId xmlns:p14="http://schemas.microsoft.com/office/powerpoint/2010/main" xmlns="" val="889662210"/>
+        <p14:creationId xmlns:p14="http://schemas.microsoft.com/office/powerpoint/2010/main" val="889662210"/>
       </p:ext>
     </p:extLst>
   </p:cSld>
@@ -9855,7 +9830,7 @@
           <p:cNvPr id="2" name="Title 1">
             <a:extLst>
               <a:ext uri="{FF2B5EF4-FFF2-40B4-BE49-F238E27FC236}">
-                <a16:creationId xmlns:a16="http://schemas.microsoft.com/office/drawing/2014/main" xmlns="" id="{D78CFF30-24FA-568E-FA67-E9A3C31B22CB}"/>
+                <a16:creationId xmlns:a16="http://schemas.microsoft.com/office/drawing/2014/main" id="{D78CFF30-24FA-568E-FA67-E9A3C31B22CB}"/>
               </a:ext>
             </a:extLst>
           </p:cNvPr>
@@ -9896,7 +9871,7 @@
           <p:cNvPr id="3" name="Content Placeholder 2">
             <a:extLst>
               <a:ext uri="{FF2B5EF4-FFF2-40B4-BE49-F238E27FC236}">
-                <a16:creationId xmlns:a16="http://schemas.microsoft.com/office/drawing/2014/main" xmlns="" id="{90C8AC47-3165-EAE6-664D-EDA5FFC0E079}"/>
+                <a16:creationId xmlns:a16="http://schemas.microsoft.com/office/drawing/2014/main" id="{90C8AC47-3165-EAE6-664D-EDA5FFC0E079}"/>
               </a:ext>
             </a:extLst>
           </p:cNvPr>
@@ -10014,7 +9989,7 @@
     </p:spTree>
     <p:extLst>
       <p:ext uri="{BB962C8B-B14F-4D97-AF65-F5344CB8AC3E}">
-        <p14:creationId xmlns:p14="http://schemas.microsoft.com/office/powerpoint/2010/main" xmlns="" val="54673487"/>
+        <p14:creationId xmlns:p14="http://schemas.microsoft.com/office/powerpoint/2010/main" val="54673487"/>
       </p:ext>
     </p:extLst>
   </p:cSld>
@@ -10290,37 +10265,23 @@
               <a:buNone/>
             </a:pPr>
             <a:r>
-              <a:rPr lang="en-US" sz="2400" dirty="0" smtClean="0">
+              <a:rPr lang="en-US" sz="2400" dirty="0">
                 <a:latin typeface="Bookman Old Style" pitchFamily="18" charset="0"/>
                 <a:ea typeface="HP Simplified Hans Light" panose="020B0300000000000000" pitchFamily="34" charset="-122"/>
               </a:rPr>
-              <a:t>{alpha</a:t>
-            </a:r>
-            <a:r>
-              <a:rPr lang="en-US" sz="2400" dirty="0">
+              <a:t>{alpha}({alpha}|{digit}|{und})*</a:t>
+            </a:r>
+          </a:p>
+          <a:p>
+            <a:pPr>
+              <a:buNone/>
+            </a:pPr>
+            <a:r>
+              <a:rPr lang="en-US" sz="2400" u="sng" dirty="0">
                 <a:latin typeface="Bookman Old Style" pitchFamily="18" charset="0"/>
                 <a:ea typeface="HP Simplified Hans Light" panose="020B0300000000000000" pitchFamily="34" charset="-122"/>
               </a:rPr>
-              <a:t>}({alpha}|{digit}|{und})*</a:t>
-            </a:r>
-          </a:p>
-          <a:p>
-            <a:pPr>
-              <a:buNone/>
-            </a:pPr>
-            <a:r>
-              <a:rPr lang="en-US" sz="2400" u="sng" dirty="0" smtClean="0">
-                <a:latin typeface="Bookman Old Style" pitchFamily="18" charset="0"/>
-                <a:ea typeface="HP Simplified Hans Light" panose="020B0300000000000000" pitchFamily="34" charset="-122"/>
-              </a:rPr>
-              <a:t>Where</a:t>
-            </a:r>
-            <a:r>
-              <a:rPr lang="en-US" sz="2400" u="sng" dirty="0">
-                <a:latin typeface="Bookman Old Style" pitchFamily="18" charset="0"/>
-                <a:ea typeface="HP Simplified Hans Light" panose="020B0300000000000000" pitchFamily="34" charset="-122"/>
-              </a:rPr>
-              <a:t>:-</a:t>
+              <a:t>Where:-</a:t>
             </a:r>
           </a:p>
           <a:p>
@@ -10641,7 +10602,7 @@
   <a:extraClrSchemeLst/>
   <a:extLst>
     <a:ext uri="{05A4C25C-085E-4340-85A3-A5531E510DB2}">
-      <thm15:themeFamily xmlns:thm15="http://schemas.microsoft.com/office/thememl/2012/main" xmlns="" name="Ion" id="{B8441ADB-2E43-4AF7-B97A-BD870242C6A8}" vid="{292E63A9-BB86-4E3D-B92A-7223C6510D2E}"/>
+      <thm15:themeFamily xmlns:thm15="http://schemas.microsoft.com/office/thememl/2012/main" name="Ion" id="{B8441ADB-2E43-4AF7-B97A-BD870242C6A8}" vid="{292E63A9-BB86-4E3D-B92A-7223C6510D2E}"/>
     </a:ext>
   </a:extLst>
 </a:theme>
@@ -10936,7 +10897,7 @@
   <a:extraClrSchemeLst/>
   <a:extLst>
     <a:ext uri="{05A4C25C-085E-4340-85A3-A5531E510DB2}">
-      <thm15:themeFamily xmlns:thm15="http://schemas.microsoft.com/office/thememl/2012/main" xmlns="" name="Office Theme" id="{62F939B6-93AF-4DB8-9C6B-D6C7DFDC589F}" vid="{4A3C46E8-61CC-4603-A589-7422A47A8E4A}"/>
+      <thm15:themeFamily xmlns:thm15="http://schemas.microsoft.com/office/thememl/2012/main" name="Office Theme" id="{62F939B6-93AF-4DB8-9C6B-D6C7DFDC589F}" vid="{4A3C46E8-61CC-4603-A589-7422A47A8E4A}"/>
     </a:ext>
   </a:extLst>
 </a:theme>

--- a/Report.pptx
+++ b/Report.pptx
@@ -5,33 +5,36 @@
     <p:sldMasterId id="2147483959" r:id="rId1"/>
   </p:sldMasterIdLst>
   <p:notesMasterIdLst>
-    <p:notesMasterId r:id="rId26"/>
+    <p:notesMasterId r:id="rId29"/>
   </p:notesMasterIdLst>
   <p:sldIdLst>
     <p:sldId id="256" r:id="rId2"/>
     <p:sldId id="295" r:id="rId3"/>
-    <p:sldId id="257" r:id="rId4"/>
-    <p:sldId id="259" r:id="rId5"/>
-    <p:sldId id="260" r:id="rId6"/>
-    <p:sldId id="297" r:id="rId7"/>
-    <p:sldId id="298" r:id="rId8"/>
-    <p:sldId id="263" r:id="rId9"/>
-    <p:sldId id="269" r:id="rId10"/>
-    <p:sldId id="270" r:id="rId11"/>
-    <p:sldId id="267" r:id="rId12"/>
-    <p:sldId id="268" r:id="rId13"/>
-    <p:sldId id="299" r:id="rId14"/>
-    <p:sldId id="275" r:id="rId15"/>
-    <p:sldId id="276" r:id="rId16"/>
-    <p:sldId id="296" r:id="rId17"/>
-    <p:sldId id="278" r:id="rId18"/>
-    <p:sldId id="282" r:id="rId19"/>
-    <p:sldId id="293" r:id="rId20"/>
-    <p:sldId id="301" r:id="rId21"/>
-    <p:sldId id="303" r:id="rId22"/>
-    <p:sldId id="302" r:id="rId23"/>
-    <p:sldId id="304" r:id="rId24"/>
-    <p:sldId id="294" r:id="rId25"/>
+    <p:sldId id="307" r:id="rId4"/>
+    <p:sldId id="257" r:id="rId5"/>
+    <p:sldId id="259" r:id="rId6"/>
+    <p:sldId id="260" r:id="rId7"/>
+    <p:sldId id="297" r:id="rId8"/>
+    <p:sldId id="298" r:id="rId9"/>
+    <p:sldId id="263" r:id="rId10"/>
+    <p:sldId id="269" r:id="rId11"/>
+    <p:sldId id="270" r:id="rId12"/>
+    <p:sldId id="267" r:id="rId13"/>
+    <p:sldId id="268" r:id="rId14"/>
+    <p:sldId id="299" r:id="rId15"/>
+    <p:sldId id="275" r:id="rId16"/>
+    <p:sldId id="276" r:id="rId17"/>
+    <p:sldId id="296" r:id="rId18"/>
+    <p:sldId id="278" r:id="rId19"/>
+    <p:sldId id="282" r:id="rId20"/>
+    <p:sldId id="293" r:id="rId21"/>
+    <p:sldId id="301" r:id="rId22"/>
+    <p:sldId id="303" r:id="rId23"/>
+    <p:sldId id="302" r:id="rId24"/>
+    <p:sldId id="305" r:id="rId25"/>
+    <p:sldId id="306" r:id="rId26"/>
+    <p:sldId id="304" r:id="rId27"/>
+    <p:sldId id="294" r:id="rId28"/>
   </p:sldIdLst>
   <p:sldSz cx="9144000" cy="6858000" type="screen4x3"/>
   <p:notesSz cx="6858000" cy="9144000"/>
@@ -232,7 +235,7 @@
             <a:fld id="{1CFE2F17-E694-47AC-9302-44A4B0B363D1}" type="datetimeFigureOut">
               <a:rPr lang="en-IN" smtClean="0"/>
               <a:pPr/>
-              <a:t>20-02-2024</a:t>
+              <a:t>19-03-2024</a:t>
             </a:fld>
             <a:endParaRPr lang="en-IN"/>
           </a:p>
@@ -773,7 +776,7 @@
             <a:fld id="{1D8BD707-D9CF-40AE-B4C6-C98DA3205C09}" type="datetimeFigureOut">
               <a:rPr lang="en-US" smtClean="0"/>
               <a:pPr/>
-              <a:t>2/20/2024</a:t>
+              <a:t>3/19/2024</a:t>
             </a:fld>
             <a:endParaRPr lang="en-US"/>
           </a:p>
@@ -1050,7 +1053,7 @@
             <a:fld id="{1D8BD707-D9CF-40AE-B4C6-C98DA3205C09}" type="datetimeFigureOut">
               <a:rPr lang="en-US" smtClean="0"/>
               <a:pPr/>
-              <a:t>2/20/2024</a:t>
+              <a:t>3/19/2024</a:t>
             </a:fld>
             <a:endParaRPr lang="en-US"/>
           </a:p>
@@ -1246,7 +1249,7 @@
             <a:fld id="{1D8BD707-D9CF-40AE-B4C6-C98DA3205C09}" type="datetimeFigureOut">
               <a:rPr lang="en-US" smtClean="0"/>
               <a:pPr/>
-              <a:t>2/20/2024</a:t>
+              <a:t>3/19/2024</a:t>
             </a:fld>
             <a:endParaRPr lang="en-US"/>
           </a:p>
@@ -1521,7 +1524,7 @@
             <a:fld id="{1D8BD707-D9CF-40AE-B4C6-C98DA3205C09}" type="datetimeFigureOut">
               <a:rPr lang="en-US" smtClean="0"/>
               <a:pPr/>
-              <a:t>2/20/2024</a:t>
+              <a:t>3/19/2024</a:t>
             </a:fld>
             <a:endParaRPr lang="en-US"/>
           </a:p>
@@ -1864,7 +1867,7 @@
             <a:fld id="{1D8BD707-D9CF-40AE-B4C6-C98DA3205C09}" type="datetimeFigureOut">
               <a:rPr lang="en-US" smtClean="0"/>
               <a:pPr/>
-              <a:t>2/20/2024</a:t>
+              <a:t>3/19/2024</a:t>
             </a:fld>
             <a:endParaRPr lang="en-US"/>
           </a:p>
@@ -2489,7 +2492,7 @@
             <a:fld id="{1D8BD707-D9CF-40AE-B4C6-C98DA3205C09}" type="datetimeFigureOut">
               <a:rPr lang="en-US" smtClean="0"/>
               <a:pPr/>
-              <a:t>2/20/2024</a:t>
+              <a:t>3/19/2024</a:t>
             </a:fld>
             <a:endParaRPr lang="en-US"/>
           </a:p>
@@ -3351,7 +3354,7 @@
             <a:fld id="{1D8BD707-D9CF-40AE-B4C6-C98DA3205C09}" type="datetimeFigureOut">
               <a:rPr lang="en-US" smtClean="0"/>
               <a:pPr/>
-              <a:t>2/20/2024</a:t>
+              <a:t>3/19/2024</a:t>
             </a:fld>
             <a:endParaRPr lang="en-US"/>
           </a:p>
@@ -3523,7 +3526,7 @@
             <a:fld id="{1D8BD707-D9CF-40AE-B4C6-C98DA3205C09}" type="datetimeFigureOut">
               <a:rPr lang="en-US" smtClean="0"/>
               <a:pPr/>
-              <a:t>2/20/2024</a:t>
+              <a:t>3/19/2024</a:t>
             </a:fld>
             <a:endParaRPr lang="en-US"/>
           </a:p>
@@ -3705,7 +3708,7 @@
             <a:fld id="{1D8BD707-D9CF-40AE-B4C6-C98DA3205C09}" type="datetimeFigureOut">
               <a:rPr lang="en-US" smtClean="0"/>
               <a:pPr/>
-              <a:t>2/20/2024</a:t>
+              <a:t>3/19/2024</a:t>
             </a:fld>
             <a:endParaRPr lang="en-US"/>
           </a:p>
@@ -3877,7 +3880,7 @@
             <a:fld id="{1D8BD707-D9CF-40AE-B4C6-C98DA3205C09}" type="datetimeFigureOut">
               <a:rPr lang="en-US" smtClean="0"/>
               <a:pPr/>
-              <a:t>2/20/2024</a:t>
+              <a:t>3/19/2024</a:t>
             </a:fld>
             <a:endParaRPr lang="en-US"/>
           </a:p>
@@ -4126,7 +4129,7 @@
             <a:fld id="{1D8BD707-D9CF-40AE-B4C6-C98DA3205C09}" type="datetimeFigureOut">
               <a:rPr lang="en-US" smtClean="0"/>
               <a:pPr/>
-              <a:t>2/20/2024</a:t>
+              <a:t>3/19/2024</a:t>
             </a:fld>
             <a:endParaRPr lang="en-US"/>
           </a:p>
@@ -4420,7 +4423,7 @@
             <a:fld id="{1D8BD707-D9CF-40AE-B4C6-C98DA3205C09}" type="datetimeFigureOut">
               <a:rPr lang="en-US" smtClean="0"/>
               <a:pPr/>
-              <a:t>2/20/2024</a:t>
+              <a:t>3/19/2024</a:t>
             </a:fld>
             <a:endParaRPr lang="en-US"/>
           </a:p>
@@ -4866,7 +4869,7 @@
             <a:fld id="{1D8BD707-D9CF-40AE-B4C6-C98DA3205C09}" type="datetimeFigureOut">
               <a:rPr lang="en-US" smtClean="0"/>
               <a:pPr/>
-              <a:t>2/20/2024</a:t>
+              <a:t>3/19/2024</a:t>
             </a:fld>
             <a:endParaRPr lang="en-US"/>
           </a:p>
@@ -4986,7 +4989,7 @@
             <a:fld id="{1D8BD707-D9CF-40AE-B4C6-C98DA3205C09}" type="datetimeFigureOut">
               <a:rPr lang="en-US" smtClean="0"/>
               <a:pPr/>
-              <a:t>2/20/2024</a:t>
+              <a:t>3/19/2024</a:t>
             </a:fld>
             <a:endParaRPr lang="en-US"/>
           </a:p>
@@ -5083,7 +5086,7 @@
             <a:fld id="{1D8BD707-D9CF-40AE-B4C6-C98DA3205C09}" type="datetimeFigureOut">
               <a:rPr lang="en-US" smtClean="0"/>
               <a:pPr/>
-              <a:t>2/20/2024</a:t>
+              <a:t>3/19/2024</a:t>
             </a:fld>
             <a:endParaRPr lang="en-US"/>
           </a:p>
@@ -5364,7 +5367,7 @@
             <a:fld id="{1D8BD707-D9CF-40AE-B4C6-C98DA3205C09}" type="datetimeFigureOut">
               <a:rPr lang="en-US" smtClean="0"/>
               <a:pPr/>
-              <a:t>2/20/2024</a:t>
+              <a:t>3/19/2024</a:t>
             </a:fld>
             <a:endParaRPr lang="en-US"/>
           </a:p>
@@ -5641,7 +5644,7 @@
             <a:fld id="{1D8BD707-D9CF-40AE-B4C6-C98DA3205C09}" type="datetimeFigureOut">
               <a:rPr lang="en-US" smtClean="0"/>
               <a:pPr/>
-              <a:t>2/20/2024</a:t>
+              <a:t>3/19/2024</a:t>
             </a:fld>
             <a:endParaRPr lang="en-US"/>
           </a:p>
@@ -6208,7 +6211,7 @@
             <a:fld id="{1D8BD707-D9CF-40AE-B4C6-C98DA3205C09}" type="datetimeFigureOut">
               <a:rPr lang="en-US" smtClean="0"/>
               <a:pPr/>
-              <a:t>2/20/2024</a:t>
+              <a:t>3/19/2024</a:t>
             </a:fld>
             <a:endParaRPr lang="en-US"/>
           </a:p>
@@ -7059,23 +7062,68 @@
       </p:grpSpPr>
       <p:sp>
         <p:nvSpPr>
-          <p:cNvPr id="3" name="Content Placeholder 2"/>
-          <p:cNvSpPr>
-            <a:spLocks noGrp="1"/>
-          </p:cNvSpPr>
-          <p:nvPr>
-            <p:ph idx="1"/>
+          <p:cNvPr id="2" name="Title 1"/>
+          <p:cNvSpPr>
+            <a:spLocks noGrp="1"/>
+          </p:cNvSpPr>
+          <p:nvPr>
+            <p:ph type="title"/>
           </p:nvPr>
         </p:nvSpPr>
         <p:spPr>
           <a:xfrm>
-            <a:off x="0" y="609600"/>
-            <a:ext cx="9144000" cy="5638800"/>
+            <a:off x="247650" y="76200"/>
+            <a:ext cx="7981950" cy="762000"/>
           </a:xfrm>
         </p:spPr>
         <p:txBody>
           <a:bodyPr>
-            <a:normAutofit/>
+            <a:noAutofit/>
+          </a:bodyPr>
+          <a:lstStyle/>
+          <a:p>
+            <a:pPr algn="l"/>
+            <a:r>
+              <a:rPr lang="en-US" sz="3600" b="1" dirty="0">
+                <a:solidFill>
+                  <a:srgbClr val="FF0000"/>
+                </a:solidFill>
+                <a:latin typeface="Bookman Old Style" pitchFamily="18" charset="0"/>
+                <a:ea typeface="Microsoft Sans Serif" panose="020B0604020202020204" pitchFamily="34" charset="0"/>
+                <a:cs typeface="Microsoft Sans Serif" panose="020B0604020202020204" pitchFamily="34" charset="0"/>
+              </a:rPr>
+              <a:t>Implementation</a:t>
+            </a:r>
+            <a:endParaRPr lang="en-US" sz="3000" b="1" dirty="0">
+              <a:solidFill>
+                <a:srgbClr val="FF0000"/>
+              </a:solidFill>
+              <a:latin typeface="Bookman Old Style" pitchFamily="18" charset="0"/>
+              <a:ea typeface="Microsoft Sans Serif" panose="020B0604020202020204" pitchFamily="34" charset="0"/>
+              <a:cs typeface="Microsoft Sans Serif" panose="020B0604020202020204" pitchFamily="34" charset="0"/>
+            </a:endParaRPr>
+          </a:p>
+        </p:txBody>
+      </p:sp>
+      <p:sp>
+        <p:nvSpPr>
+          <p:cNvPr id="3" name="Content Placeholder 2"/>
+          <p:cNvSpPr>
+            <a:spLocks noGrp="1"/>
+          </p:cNvSpPr>
+          <p:nvPr>
+            <p:ph idx="1"/>
+          </p:nvPr>
+        </p:nvSpPr>
+        <p:spPr>
+          <a:xfrm>
+            <a:off x="247650" y="914400"/>
+            <a:ext cx="8001000" cy="5943600"/>
+          </a:xfrm>
+        </p:spPr>
+        <p:txBody>
+          <a:bodyPr>
+            <a:normAutofit lnSpcReduction="10000"/>
           </a:bodyPr>
           <a:lstStyle/>
           <a:p>
@@ -7084,38 +7132,11 @@
               <a:buChar char="v"/>
             </a:pPr>
             <a:r>
-              <a:rPr lang="en-US" sz="2800" b="1" u="sng" dirty="0">
-                <a:latin typeface="Bookman Old Style" pitchFamily="18" charset="0"/>
-                <a:ea typeface="Microsoft Sans Serif" panose="020B0604020202020204" pitchFamily="34" charset="0"/>
-                <a:cs typeface="Microsoft Sans Serif" panose="020B0604020202020204" pitchFamily="34" charset="0"/>
-              </a:rPr>
-              <a:t>Multiline comments should be supported</a:t>
-            </a:r>
-          </a:p>
-          <a:p>
-            <a:pPr marL="400050" lvl="1" indent="0">
-              <a:buNone/>
-            </a:pPr>
-            <a:r>
               <a:rPr lang="en-US" sz="2400" dirty="0">
                 <a:latin typeface="Bookman Old Style" pitchFamily="18" charset="0"/>
                 <a:ea typeface="HP Simplified Hans Light" panose="020B0300000000000000" pitchFamily="34" charset="-122"/>
               </a:rPr>
-              <a:t>This has been supported by checking the </a:t>
-            </a:r>
-            <a:r>
-              <a:rPr lang="en-US" sz="2400" dirty="0" err="1">
-                <a:latin typeface="Bookman Old Style" pitchFamily="18" charset="0"/>
-                <a:ea typeface="HP Simplified Hans Light" panose="020B0300000000000000" pitchFamily="34" charset="-122"/>
-              </a:rPr>
-              <a:t>occurence</a:t>
-            </a:r>
-            <a:r>
-              <a:rPr lang="en-US" sz="2400" dirty="0">
-                <a:latin typeface="Bookman Old Style" pitchFamily="18" charset="0"/>
-                <a:ea typeface="HP Simplified Hans Light" panose="020B0300000000000000" pitchFamily="34" charset="-122"/>
-              </a:rPr>
-              <a:t> of ‘/*’ and ‘*/’ in the code. The statements between them has been excluded. Errors for unmatched and nested comments have also been displayed.</a:t>
+              <a:t>The Regular Expressions for most of the features of C are fairly straightforward. However, a few features require a significant amount of thought, such as: </a:t>
             </a:r>
           </a:p>
           <a:p>
@@ -7124,16 +7145,36 @@
               <a:buChar char="v"/>
             </a:pPr>
             <a:r>
-              <a:rPr lang="en-US" sz="2800" b="1" u="sng" dirty="0">
-                <a:latin typeface="Bookman Old Style" pitchFamily="18" charset="0"/>
-                <a:ea typeface="Microsoft Sans Serif" panose="020B0604020202020204" pitchFamily="34" charset="0"/>
-                <a:cs typeface="Microsoft Sans Serif" panose="020B0604020202020204" pitchFamily="34" charset="0"/>
-              </a:rPr>
-              <a:t>Literals</a:t>
-            </a:r>
-          </a:p>
-          <a:p>
-            <a:pPr marL="400050" lvl="1" indent="0">
+              <a:rPr lang="en-US" sz="2400" b="1" dirty="0">
+                <a:latin typeface="Bookman Old Style" pitchFamily="18" charset="0"/>
+                <a:ea typeface="HP Simplified Hans Light" panose="020B0300000000000000" pitchFamily="34" charset="-122"/>
+              </a:rPr>
+              <a:t>The </a:t>
+            </a:r>
+            <a:r>
+              <a:rPr lang="en-US" sz="2400" b="1" dirty="0" err="1">
+                <a:latin typeface="Bookman Old Style" pitchFamily="18" charset="0"/>
+                <a:ea typeface="HP Simplified Hans Light" panose="020B0300000000000000" pitchFamily="34" charset="-122"/>
+              </a:rPr>
+              <a:t>Regex</a:t>
+            </a:r>
+            <a:r>
+              <a:rPr lang="en-US" sz="2400" b="1" dirty="0">
+                <a:latin typeface="Bookman Old Style" pitchFamily="18" charset="0"/>
+                <a:ea typeface="HP Simplified Hans Light" panose="020B0300000000000000" pitchFamily="34" charset="-122"/>
+              </a:rPr>
+              <a:t> for Identifiers: </a:t>
+            </a:r>
+            <a:r>
+              <a:rPr lang="en-US" sz="2400" dirty="0">
+                <a:latin typeface="Bookman Old Style" pitchFamily="18" charset="0"/>
+                <a:ea typeface="HP Simplified Hans Light" panose="020B0300000000000000" pitchFamily="34" charset="-122"/>
+              </a:rPr>
+              <a:t>The lexer must correctly recognize all valid identifiers in C, including the ones having one or more underscores.</a:t>
+            </a:r>
+          </a:p>
+          <a:p>
+            <a:pPr>
               <a:buNone/>
             </a:pPr>
             <a:r>
@@ -7141,39 +7182,47 @@
                 <a:latin typeface="Bookman Old Style" pitchFamily="18" charset="0"/>
                 <a:ea typeface="HP Simplified Hans Light" panose="020B0300000000000000" pitchFamily="34" charset="-122"/>
               </a:rPr>
-              <a:t>Different regular expressions have been implemented in the code to support all kinds of literals, </a:t>
-            </a:r>
-            <a:r>
-              <a:rPr lang="en-US" sz="2400" dirty="0" err="1">
-                <a:latin typeface="Bookman Old Style" pitchFamily="18" charset="0"/>
-                <a:ea typeface="HP Simplified Hans Light" panose="020B0300000000000000" pitchFamily="34" charset="-122"/>
-              </a:rPr>
-              <a:t>i.e</a:t>
-            </a:r>
+              <a:t>{alpha}({alpha}|{digit}|{und})*</a:t>
+            </a:r>
+          </a:p>
+          <a:p>
+            <a:pPr>
+              <a:buNone/>
+            </a:pPr>
+            <a:r>
+              <a:rPr lang="en-US" sz="2400" u="sng" dirty="0">
+                <a:latin typeface="Bookman Old Style" pitchFamily="18" charset="0"/>
+                <a:ea typeface="HP Simplified Hans Light" panose="020B0300000000000000" pitchFamily="34" charset="-122"/>
+              </a:rPr>
+              <a:t>Where:-</a:t>
+            </a:r>
+          </a:p>
+          <a:p>
+            <a:pPr>
+              <a:buNone/>
+            </a:pPr>
             <a:r>
               <a:rPr lang="en-US" sz="2400" dirty="0">
                 <a:latin typeface="Bookman Old Style" pitchFamily="18" charset="0"/>
                 <a:ea typeface="HP Simplified Hans Light" panose="020B0300000000000000" pitchFamily="34" charset="-122"/>
               </a:rPr>
-              <a:t> integers, floats, strings, etc. Float : ({digit}+)\.({digit}+)</a:t>
+              <a:t>alpha [A-Z, a-z]</a:t>
             </a:r>
           </a:p>
           <a:p>
             <a:pPr>
-              <a:buFont typeface="Wingdings" pitchFamily="2" charset="2"/>
-              <a:buChar char="v"/>
+              <a:buNone/>
             </a:pPr>
             <a:r>
-              <a:rPr lang="en-US" sz="2800" b="1" u="sng" dirty="0">
-                <a:latin typeface="Bookman Old Style" pitchFamily="18" charset="0"/>
-                <a:ea typeface="Microsoft Sans Serif" panose="020B0604020202020204" pitchFamily="34" charset="0"/>
-                <a:cs typeface="Microsoft Sans Serif" panose="020B0604020202020204" pitchFamily="34" charset="0"/>
-              </a:rPr>
-              <a:t>Error Handling for Incomplete String</a:t>
-            </a:r>
-          </a:p>
-          <a:p>
-            <a:pPr marL="400050" lvl="1" indent="0">
+              <a:rPr lang="en-US" sz="2400" dirty="0">
+                <a:latin typeface="Bookman Old Style" pitchFamily="18" charset="0"/>
+                <a:ea typeface="HP Simplified Hans Light" panose="020B0300000000000000" pitchFamily="34" charset="-122"/>
+              </a:rPr>
+              <a:t>digit [0-9] </a:t>
+            </a:r>
+          </a:p>
+          <a:p>
+            <a:pPr>
               <a:buNone/>
             </a:pPr>
             <a:r>
@@ -7181,7 +7230,19 @@
                 <a:latin typeface="Bookman Old Style" pitchFamily="18" charset="0"/>
                 <a:ea typeface="HP Simplified Hans Light" panose="020B0300000000000000" pitchFamily="34" charset="-122"/>
               </a:rPr>
-              <a:t>Open and close quote missing, both kind of errors have been handled in the rules written in the script.</a:t>
+              <a:t>und [ _ ] </a:t>
+            </a:r>
+          </a:p>
+          <a:p>
+            <a:pPr>
+              <a:buNone/>
+            </a:pPr>
+            <a:r>
+              <a:rPr lang="en-US" sz="2400" dirty="0">
+                <a:latin typeface="Bookman Old Style" pitchFamily="18" charset="0"/>
+                <a:ea typeface="HP Simplified Hans Light" panose="020B0300000000000000" pitchFamily="34" charset="-122"/>
+              </a:rPr>
+              <a:t>space [ ]</a:t>
             </a:r>
           </a:p>
         </p:txBody>
@@ -7213,6 +7274,160 @@
       </p:grpSpPr>
       <p:sp>
         <p:nvSpPr>
+          <p:cNvPr id="3" name="Content Placeholder 2"/>
+          <p:cNvSpPr>
+            <a:spLocks noGrp="1"/>
+          </p:cNvSpPr>
+          <p:nvPr>
+            <p:ph idx="1"/>
+          </p:nvPr>
+        </p:nvSpPr>
+        <p:spPr>
+          <a:xfrm>
+            <a:off x="0" y="609600"/>
+            <a:ext cx="9144000" cy="5638800"/>
+          </a:xfrm>
+        </p:spPr>
+        <p:txBody>
+          <a:bodyPr>
+            <a:normAutofit/>
+          </a:bodyPr>
+          <a:lstStyle/>
+          <a:p>
+            <a:pPr>
+              <a:buFont typeface="Wingdings" pitchFamily="2" charset="2"/>
+              <a:buChar char="v"/>
+            </a:pPr>
+            <a:r>
+              <a:rPr lang="en-US" sz="2800" b="1" u="sng" dirty="0">
+                <a:latin typeface="Bookman Old Style" pitchFamily="18" charset="0"/>
+                <a:ea typeface="Microsoft Sans Serif" panose="020B0604020202020204" pitchFamily="34" charset="0"/>
+                <a:cs typeface="Microsoft Sans Serif" panose="020B0604020202020204" pitchFamily="34" charset="0"/>
+              </a:rPr>
+              <a:t>Multiline comments should be supported</a:t>
+            </a:r>
+          </a:p>
+          <a:p>
+            <a:pPr marL="400050" lvl="1" indent="0">
+              <a:buNone/>
+            </a:pPr>
+            <a:r>
+              <a:rPr lang="en-US" sz="2400" dirty="0">
+                <a:latin typeface="Bookman Old Style" pitchFamily="18" charset="0"/>
+                <a:ea typeface="HP Simplified Hans Light" panose="020B0300000000000000" pitchFamily="34" charset="-122"/>
+              </a:rPr>
+              <a:t>This has been supported by checking the </a:t>
+            </a:r>
+            <a:r>
+              <a:rPr lang="en-US" sz="2400" dirty="0" err="1">
+                <a:latin typeface="Bookman Old Style" pitchFamily="18" charset="0"/>
+                <a:ea typeface="HP Simplified Hans Light" panose="020B0300000000000000" pitchFamily="34" charset="-122"/>
+              </a:rPr>
+              <a:t>occurence</a:t>
+            </a:r>
+            <a:r>
+              <a:rPr lang="en-US" sz="2400" dirty="0">
+                <a:latin typeface="Bookman Old Style" pitchFamily="18" charset="0"/>
+                <a:ea typeface="HP Simplified Hans Light" panose="020B0300000000000000" pitchFamily="34" charset="-122"/>
+              </a:rPr>
+              <a:t> of ‘/*’ and ‘*/’ in the code. The statements between them has been excluded. Errors for unmatched and nested comments have also been displayed.</a:t>
+            </a:r>
+          </a:p>
+          <a:p>
+            <a:pPr>
+              <a:buFont typeface="Wingdings" pitchFamily="2" charset="2"/>
+              <a:buChar char="v"/>
+            </a:pPr>
+            <a:r>
+              <a:rPr lang="en-US" sz="2800" b="1" u="sng" dirty="0">
+                <a:latin typeface="Bookman Old Style" pitchFamily="18" charset="0"/>
+                <a:ea typeface="Microsoft Sans Serif" panose="020B0604020202020204" pitchFamily="34" charset="0"/>
+                <a:cs typeface="Microsoft Sans Serif" panose="020B0604020202020204" pitchFamily="34" charset="0"/>
+              </a:rPr>
+              <a:t>Literals</a:t>
+            </a:r>
+          </a:p>
+          <a:p>
+            <a:pPr marL="400050" lvl="1" indent="0">
+              <a:buNone/>
+            </a:pPr>
+            <a:r>
+              <a:rPr lang="en-US" sz="2400" dirty="0">
+                <a:latin typeface="Bookman Old Style" pitchFamily="18" charset="0"/>
+                <a:ea typeface="HP Simplified Hans Light" panose="020B0300000000000000" pitchFamily="34" charset="-122"/>
+              </a:rPr>
+              <a:t>Different regular expressions have been implemented in the code to support all kinds of literals, </a:t>
+            </a:r>
+            <a:r>
+              <a:rPr lang="en-US" sz="2400" dirty="0" err="1">
+                <a:latin typeface="Bookman Old Style" pitchFamily="18" charset="0"/>
+                <a:ea typeface="HP Simplified Hans Light" panose="020B0300000000000000" pitchFamily="34" charset="-122"/>
+              </a:rPr>
+              <a:t>i.e</a:t>
+            </a:r>
+            <a:r>
+              <a:rPr lang="en-US" sz="2400" dirty="0">
+                <a:latin typeface="Bookman Old Style" pitchFamily="18" charset="0"/>
+                <a:ea typeface="HP Simplified Hans Light" panose="020B0300000000000000" pitchFamily="34" charset="-122"/>
+              </a:rPr>
+              <a:t> integers, floats, strings, etc. Float : ({digit}+)\.({digit}+)</a:t>
+            </a:r>
+          </a:p>
+          <a:p>
+            <a:pPr>
+              <a:buFont typeface="Wingdings" pitchFamily="2" charset="2"/>
+              <a:buChar char="v"/>
+            </a:pPr>
+            <a:r>
+              <a:rPr lang="en-US" sz="2800" b="1" u="sng" dirty="0">
+                <a:latin typeface="Bookman Old Style" pitchFamily="18" charset="0"/>
+                <a:ea typeface="Microsoft Sans Serif" panose="020B0604020202020204" pitchFamily="34" charset="0"/>
+                <a:cs typeface="Microsoft Sans Serif" panose="020B0604020202020204" pitchFamily="34" charset="0"/>
+              </a:rPr>
+              <a:t>Error Handling for Incomplete String</a:t>
+            </a:r>
+          </a:p>
+          <a:p>
+            <a:pPr marL="400050" lvl="1" indent="0">
+              <a:buNone/>
+            </a:pPr>
+            <a:r>
+              <a:rPr lang="en-US" sz="2400" dirty="0">
+                <a:latin typeface="Bookman Old Style" pitchFamily="18" charset="0"/>
+                <a:ea typeface="HP Simplified Hans Light" panose="020B0300000000000000" pitchFamily="34" charset="-122"/>
+              </a:rPr>
+              <a:t>Open and close quote missing, both kind of errors have been handled in the rules written in the script.</a:t>
+            </a:r>
+          </a:p>
+        </p:txBody>
+      </p:sp>
+    </p:spTree>
+  </p:cSld>
+  <p:clrMapOvr>
+    <a:masterClrMapping/>
+  </p:clrMapOvr>
+</p:sld>
+</file>
+
+<file path=ppt/slides/slide12.xml><?xml version="1.0" encoding="utf-8"?>
+<p:sld xmlns:a="http://schemas.openxmlformats.org/drawingml/2006/main" xmlns:r="http://schemas.openxmlformats.org/officeDocument/2006/relationships" xmlns:p="http://schemas.openxmlformats.org/presentationml/2006/main">
+  <p:cSld>
+    <p:spTree>
+      <p:nvGrpSpPr>
+        <p:cNvPr id="1" name=""/>
+        <p:cNvGrpSpPr/>
+        <p:nvPr/>
+      </p:nvGrpSpPr>
+      <p:grpSpPr>
+        <a:xfrm>
+          <a:off x="0" y="0"/>
+          <a:ext cx="0" cy="0"/>
+          <a:chOff x="0" y="0"/>
+          <a:chExt cx="0" cy="0"/>
+        </a:xfrm>
+      </p:grpSpPr>
+      <p:sp>
+        <p:nvSpPr>
           <p:cNvPr id="5" name="Title 4"/>
           <p:cNvSpPr>
             <a:spLocks noGrp="1"/>
@@ -7278,7 +7493,7 @@
 </p:sld>
 </file>
 
-<file path=ppt/slides/slide12.xml><?xml version="1.0" encoding="utf-8"?>
+<file path=ppt/slides/slide13.xml><?xml version="1.0" encoding="utf-8"?>
 <p:sld xmlns:a="http://schemas.openxmlformats.org/drawingml/2006/main" xmlns:r="http://schemas.openxmlformats.org/officeDocument/2006/relationships" xmlns:p="http://schemas.openxmlformats.org/presentationml/2006/main">
   <p:cSld>
     <p:spTree>
@@ -7327,174 +7542,6 @@
 </p:sld>
 </file>
 
-<file path=ppt/slides/slide13.xml><?xml version="1.0" encoding="utf-8"?>
-<p:sld xmlns:a="http://schemas.openxmlformats.org/drawingml/2006/main" xmlns:r="http://schemas.openxmlformats.org/officeDocument/2006/relationships" xmlns:p="http://schemas.openxmlformats.org/presentationml/2006/main">
-  <p:cSld>
-    <p:spTree>
-      <p:nvGrpSpPr>
-        <p:cNvPr id="1" name=""/>
-        <p:cNvGrpSpPr/>
-        <p:nvPr/>
-      </p:nvGrpSpPr>
-      <p:grpSpPr>
-        <a:xfrm>
-          <a:off x="0" y="0"/>
-          <a:ext cx="0" cy="0"/>
-          <a:chOff x="0" y="0"/>
-          <a:chExt cx="0" cy="0"/>
-        </a:xfrm>
-      </p:grpSpPr>
-      <p:sp>
-        <p:nvSpPr>
-          <p:cNvPr id="2" name="Title 1">
-            <a:extLst>
-              <a:ext uri="{FF2B5EF4-FFF2-40B4-BE49-F238E27FC236}">
-                <a16:creationId xmlns:a16="http://schemas.microsoft.com/office/drawing/2014/main" id="{35B92C80-6972-5E79-37F1-FC270316044A}"/>
-              </a:ext>
-            </a:extLst>
-          </p:cNvPr>
-          <p:cNvSpPr>
-            <a:spLocks noGrp="1"/>
-          </p:cNvSpPr>
-          <p:nvPr>
-            <p:ph type="title"/>
-          </p:nvPr>
-        </p:nvSpPr>
-        <p:spPr/>
-        <p:txBody>
-          <a:bodyPr/>
-          <a:lstStyle/>
-          <a:p>
-            <a:r>
-              <a:rPr lang="en-US" sz="4400" b="1" dirty="0">
-                <a:solidFill>
-                  <a:srgbClr val="FF0000"/>
-                </a:solidFill>
-                <a:latin typeface="Bookman Old Style" pitchFamily="18" charset="0"/>
-                <a:ea typeface="Microsoft Sans Serif" panose="020B0604020202020204" pitchFamily="34" charset="0"/>
-                <a:cs typeface="Microsoft Sans Serif" panose="020B0604020202020204" pitchFamily="34" charset="0"/>
-              </a:rPr>
-              <a:t>Syntax Analysis</a:t>
-            </a:r>
-            <a:endParaRPr lang="en-IN" dirty="0">
-              <a:latin typeface="Bookman Old Style" pitchFamily="18" charset="0"/>
-            </a:endParaRPr>
-          </a:p>
-        </p:txBody>
-      </p:sp>
-      <p:sp>
-        <p:nvSpPr>
-          <p:cNvPr id="3" name="Content Placeholder 2">
-            <a:extLst>
-              <a:ext uri="{FF2B5EF4-FFF2-40B4-BE49-F238E27FC236}">
-                <a16:creationId xmlns:a16="http://schemas.microsoft.com/office/drawing/2014/main" id="{83681D05-9748-D486-D79C-9A24073707CA}"/>
-              </a:ext>
-            </a:extLst>
-          </p:cNvPr>
-          <p:cNvSpPr>
-            <a:spLocks noGrp="1"/>
-          </p:cNvSpPr>
-          <p:nvPr>
-            <p:ph idx="1"/>
-          </p:nvPr>
-        </p:nvSpPr>
-        <p:spPr>
-          <a:xfrm>
-            <a:off x="381000" y="1447801"/>
-            <a:ext cx="7620000" cy="4571999"/>
-          </a:xfrm>
-        </p:spPr>
-        <p:txBody>
-          <a:bodyPr>
-            <a:normAutofit lnSpcReduction="10000"/>
-          </a:bodyPr>
-          <a:lstStyle/>
-          <a:p>
-            <a:pPr>
-              <a:spcBef>
-                <a:spcPct val="0"/>
-              </a:spcBef>
-              <a:buFont typeface="Wingdings" pitchFamily="2" charset="2"/>
-              <a:buChar char="v"/>
-            </a:pPr>
-            <a:r>
-              <a:rPr lang="en-US" sz="3000" dirty="0">
-                <a:latin typeface="Bookman Old Style" pitchFamily="18" charset="0"/>
-                <a:ea typeface="HP Simplified Hans Light" panose="020B0300000000000000" pitchFamily="34" charset="-122"/>
-              </a:rPr>
-              <a:t>This is Phase Two of the Compiler Designing Process</a:t>
-            </a:r>
-          </a:p>
-          <a:p>
-            <a:pPr>
-              <a:spcBef>
-                <a:spcPct val="0"/>
-              </a:spcBef>
-              <a:buFont typeface="Wingdings" pitchFamily="2" charset="2"/>
-              <a:buChar char="v"/>
-            </a:pPr>
-            <a:r>
-              <a:rPr lang="en-US" sz="2800" dirty="0">
-                <a:latin typeface="Bookman Old Style" pitchFamily="18" charset="0"/>
-                <a:ea typeface="HP Simplified Hans Light" panose="020B0300000000000000" pitchFamily="34" charset="-122"/>
-              </a:rPr>
-              <a:t>This phase involved the development of a Parser for C language which makes use of the C </a:t>
-            </a:r>
-            <a:r>
-              <a:rPr lang="en-US" sz="2800" dirty="0" err="1">
-                <a:latin typeface="Bookman Old Style" pitchFamily="18" charset="0"/>
-                <a:ea typeface="HP Simplified Hans Light" panose="020B0300000000000000" pitchFamily="34" charset="-122"/>
-              </a:rPr>
-              <a:t>lexer</a:t>
-            </a:r>
-            <a:r>
-              <a:rPr lang="en-US" sz="2800" dirty="0">
-                <a:latin typeface="Bookman Old Style" pitchFamily="18" charset="0"/>
-                <a:ea typeface="HP Simplified Hans Light" panose="020B0300000000000000" pitchFamily="34" charset="-122"/>
-              </a:rPr>
-              <a:t> to parse the given C input file.</a:t>
-            </a:r>
-          </a:p>
-          <a:p>
-            <a:pPr>
-              <a:spcBef>
-                <a:spcPct val="0"/>
-              </a:spcBef>
-              <a:buFont typeface="Wingdings" pitchFamily="2" charset="2"/>
-              <a:buChar char="v"/>
-            </a:pPr>
-            <a:r>
-              <a:rPr lang="en-US" sz="2800" dirty="0">
-                <a:latin typeface="Bookman Old Style" pitchFamily="18" charset="0"/>
-                <a:ea typeface="HP Simplified Hans Light" panose="020B0300000000000000" pitchFamily="34" charset="-122"/>
-              </a:rPr>
-              <a:t>The previous work was concentrated at developing a lexical analyzer(flex script) to generate a stream of tokens from the source code and populate the symbol table.</a:t>
-            </a:r>
-            <a:endParaRPr lang="en-US" sz="3000" dirty="0">
-              <a:latin typeface="Bookman Old Style" pitchFamily="18" charset="0"/>
-              <a:ea typeface="HP Simplified Hans Light" panose="020B0300000000000000" pitchFamily="34" charset="-122"/>
-            </a:endParaRPr>
-          </a:p>
-          <a:p>
-            <a:endParaRPr lang="en-IN" dirty="0">
-              <a:latin typeface="Bookman Old Style" pitchFamily="18" charset="0"/>
-            </a:endParaRPr>
-          </a:p>
-        </p:txBody>
-      </p:sp>
-    </p:spTree>
-    <p:extLst>
-      <p:ext uri="{BB962C8B-B14F-4D97-AF65-F5344CB8AC3E}">
-        <p14:creationId xmlns:p14="http://schemas.microsoft.com/office/powerpoint/2010/main" val="458889082"/>
-      </p:ext>
-    </p:extLst>
-  </p:cSld>
-  <p:clrMapOvr>
-    <a:masterClrMapping/>
-  </p:clrMapOvr>
-</p:sld>
-</file>
-
 <file path=ppt/slides/slide14.xml><?xml version="1.0" encoding="utf-8"?>
 <p:sld xmlns:a="http://schemas.openxmlformats.org/drawingml/2006/main" xmlns:r="http://schemas.openxmlformats.org/officeDocument/2006/relationships" xmlns:p="http://schemas.openxmlformats.org/presentationml/2006/main">
   <p:cSld>
@@ -7514,7 +7561,13 @@
       </p:grpSpPr>
       <p:sp>
         <p:nvSpPr>
-          <p:cNvPr id="2" name="Title 1"/>
+          <p:cNvPr id="2" name="Title 1">
+            <a:extLst>
+              <a:ext uri="{FF2B5EF4-FFF2-40B4-BE49-F238E27FC236}">
+                <a16:creationId xmlns:a16="http://schemas.microsoft.com/office/drawing/2014/main" id="{35B92C80-6972-5E79-37F1-FC270316044A}"/>
+              </a:ext>
+            </a:extLst>
+          </p:cNvPr>
           <p:cNvSpPr>
             <a:spLocks noGrp="1"/>
           </p:cNvSpPr>
@@ -7522,21 +7575,13 @@
             <p:ph type="title"/>
           </p:nvPr>
         </p:nvSpPr>
-        <p:spPr>
-          <a:xfrm>
-            <a:off x="152400" y="274638"/>
-            <a:ext cx="8534400" cy="411162"/>
-          </a:xfrm>
-        </p:spPr>
-        <p:txBody>
-          <a:bodyPr>
-            <a:noAutofit/>
-          </a:bodyPr>
+        <p:spPr/>
+        <p:txBody>
+          <a:bodyPr/>
           <a:lstStyle/>
           <a:p>
-            <a:pPr algn="l"/>
-            <a:r>
-              <a:rPr lang="en-US" sz="4000" b="1" dirty="0">
+            <a:r>
+              <a:rPr lang="en-US" sz="4400" b="1" dirty="0">
                 <a:solidFill>
                   <a:srgbClr val="FF0000"/>
                 </a:solidFill>
@@ -7544,14 +7589,23 @@
                 <a:ea typeface="Microsoft Sans Serif" panose="020B0604020202020204" pitchFamily="34" charset="0"/>
                 <a:cs typeface="Microsoft Sans Serif" panose="020B0604020202020204" pitchFamily="34" charset="0"/>
               </a:rPr>
-              <a:t>Introduction</a:t>
-            </a:r>
-          </a:p>
-        </p:txBody>
-      </p:sp>
-      <p:sp>
-        <p:nvSpPr>
-          <p:cNvPr id="3" name="Content Placeholder 2"/>
+              <a:t>Syntax Analysis</a:t>
+            </a:r>
+            <a:endParaRPr lang="en-IN" dirty="0">
+              <a:latin typeface="Bookman Old Style" pitchFamily="18" charset="0"/>
+            </a:endParaRPr>
+          </a:p>
+        </p:txBody>
+      </p:sp>
+      <p:sp>
+        <p:nvSpPr>
+          <p:cNvPr id="3" name="Content Placeholder 2">
+            <a:extLst>
+              <a:ext uri="{FF2B5EF4-FFF2-40B4-BE49-F238E27FC236}">
+                <a16:creationId xmlns:a16="http://schemas.microsoft.com/office/drawing/2014/main" id="{83681D05-9748-D486-D79C-9A24073707CA}"/>
+              </a:ext>
+            </a:extLst>
+          </p:cNvPr>
           <p:cNvSpPr>
             <a:spLocks noGrp="1"/>
           </p:cNvSpPr>
@@ -7561,93 +7615,94 @@
         </p:nvSpPr>
         <p:spPr>
           <a:xfrm>
-            <a:off x="152400" y="990600"/>
-            <a:ext cx="8991600" cy="5867400"/>
+            <a:off x="381000" y="1447801"/>
+            <a:ext cx="7620000" cy="4571999"/>
           </a:xfrm>
         </p:spPr>
         <p:txBody>
           <a:bodyPr>
-            <a:normAutofit/>
+            <a:normAutofit lnSpcReduction="10000"/>
           </a:bodyPr>
           <a:lstStyle/>
           <a:p>
             <a:pPr>
-              <a:buNone/>
-            </a:pPr>
-            <a:r>
-              <a:rPr lang="en-US" sz="3000" b="1" u="sng" dirty="0">
-                <a:latin typeface="Bookman Old Style" pitchFamily="18" charset="0"/>
-                <a:ea typeface="Microsoft Sans Serif" panose="020B0604020202020204" pitchFamily="34" charset="0"/>
-                <a:cs typeface="Microsoft Sans Serif" panose="020B0604020202020204" pitchFamily="34" charset="0"/>
-              </a:rPr>
-              <a:t>Syntactic Analysis and Parser</a:t>
-            </a:r>
-          </a:p>
-          <a:p>
-            <a:pPr>
-              <a:buNone/>
-            </a:pPr>
-            <a:endParaRPr lang="en-US" sz="1600" b="1" u="sng" dirty="0">
-              <a:latin typeface="Bookman Old Style" pitchFamily="18" charset="0"/>
-              <a:ea typeface="Microsoft Sans Serif" panose="020B0604020202020204" pitchFamily="34" charset="0"/>
-              <a:cs typeface="Microsoft Sans Serif" panose="020B0604020202020204" pitchFamily="34" charset="0"/>
-            </a:endParaRPr>
-          </a:p>
-          <a:p>
-            <a:pPr>
+              <a:spcBef>
+                <a:spcPct val="0"/>
+              </a:spcBef>
               <a:buFont typeface="Wingdings" pitchFamily="2" charset="2"/>
               <a:buChar char="v"/>
             </a:pPr>
             <a:r>
-              <a:rPr lang="en-US" sz="2600" dirty="0">
-                <a:latin typeface="Bookman Old Style" pitchFamily="18" charset="0"/>
-                <a:ea typeface="HP Simplified Hans Light" panose="020B0300000000000000" pitchFamily="34" charset="-122"/>
-              </a:rPr>
-              <a:t>The lexical analyzer (flex scripts) returns a stream of tokens, which populates the symbol table. </a:t>
+              <a:rPr lang="en-US" sz="3000" dirty="0">
+                <a:latin typeface="Bookman Old Style" pitchFamily="18" charset="0"/>
+                <a:ea typeface="HP Simplified Hans Light" panose="020B0300000000000000" pitchFamily="34" charset="-122"/>
+              </a:rPr>
+              <a:t>This is Phase Two of the Compiler Designing Process</a:t>
             </a:r>
           </a:p>
           <a:p>
             <a:pPr>
+              <a:spcBef>
+                <a:spcPct val="0"/>
+              </a:spcBef>
               <a:buFont typeface="Wingdings" pitchFamily="2" charset="2"/>
               <a:buChar char="v"/>
             </a:pPr>
             <a:r>
-              <a:rPr lang="en-US" sz="2600" dirty="0">
-                <a:latin typeface="Bookman Old Style" pitchFamily="18" charset="0"/>
-                <a:ea typeface="HP Simplified Hans Light" panose="020B0300000000000000" pitchFamily="34" charset="-122"/>
-              </a:rPr>
-              <a:t>These tokens are then taken as input by the Parser. </a:t>
+              <a:rPr lang="en-US" sz="2800" dirty="0">
+                <a:latin typeface="Bookman Old Style" pitchFamily="18" charset="0"/>
+                <a:ea typeface="HP Simplified Hans Light" panose="020B0300000000000000" pitchFamily="34" charset="-122"/>
+              </a:rPr>
+              <a:t>This phase involved the development of a Parser for C language which makes use of the C </a:t>
+            </a:r>
+            <a:r>
+              <a:rPr lang="en-US" sz="2800" dirty="0" err="1">
+                <a:latin typeface="Bookman Old Style" pitchFamily="18" charset="0"/>
+                <a:ea typeface="HP Simplified Hans Light" panose="020B0300000000000000" pitchFamily="34" charset="-122"/>
+              </a:rPr>
+              <a:t>lexer</a:t>
+            </a:r>
+            <a:r>
+              <a:rPr lang="en-US" sz="2800" dirty="0">
+                <a:latin typeface="Bookman Old Style" pitchFamily="18" charset="0"/>
+                <a:ea typeface="HP Simplified Hans Light" panose="020B0300000000000000" pitchFamily="34" charset="-122"/>
+              </a:rPr>
+              <a:t> to parse the given C input file.</a:t>
             </a:r>
           </a:p>
           <a:p>
             <a:pPr>
+              <a:spcBef>
+                <a:spcPct val="0"/>
+              </a:spcBef>
               <a:buFont typeface="Wingdings" pitchFamily="2" charset="2"/>
               <a:buChar char="v"/>
             </a:pPr>
             <a:r>
-              <a:rPr lang="en-US" sz="2600" dirty="0">
-                <a:latin typeface="Bookman Old Style" pitchFamily="18" charset="0"/>
-                <a:ea typeface="HP Simplified Hans Light" panose="020B0300000000000000" pitchFamily="34" charset="-122"/>
-              </a:rPr>
-              <a:t>Parser verifies that a string of token names can be generated by the grammar of the source language. </a:t>
-            </a:r>
-          </a:p>
-          <a:p>
-            <a:pPr>
-              <a:buFont typeface="Wingdings" pitchFamily="2" charset="2"/>
-              <a:buChar char="v"/>
-            </a:pPr>
-            <a:r>
-              <a:rPr lang="en-US" sz="2600" dirty="0">
-                <a:latin typeface="Bookman Old Style" pitchFamily="18" charset="0"/>
-                <a:ea typeface="HP Simplified Hans Light" panose="020B0300000000000000" pitchFamily="34" charset="-122"/>
-              </a:rPr>
-              <a:t>The Parser then reports any syntax errors in an intelligible manner and recovers from the commonly occurring errors to continue processing the remainder of the program. </a:t>
-            </a:r>
+              <a:rPr lang="en-US" sz="2800" dirty="0">
+                <a:latin typeface="Bookman Old Style" pitchFamily="18" charset="0"/>
+                <a:ea typeface="HP Simplified Hans Light" panose="020B0300000000000000" pitchFamily="34" charset="-122"/>
+              </a:rPr>
+              <a:t>The previous work was concentrated at developing a lexical analyzer(flex script) to generate a stream of tokens from the source code and populate the symbol table.</a:t>
+            </a:r>
+            <a:endParaRPr lang="en-US" sz="3000" dirty="0">
+              <a:latin typeface="Bookman Old Style" pitchFamily="18" charset="0"/>
+              <a:ea typeface="HP Simplified Hans Light" panose="020B0300000000000000" pitchFamily="34" charset="-122"/>
+            </a:endParaRPr>
+          </a:p>
+          <a:p>
+            <a:endParaRPr lang="en-IN" dirty="0">
+              <a:latin typeface="Bookman Old Style" pitchFamily="18" charset="0"/>
+            </a:endParaRPr>
           </a:p>
         </p:txBody>
       </p:sp>
     </p:spTree>
+    <p:extLst>
+      <p:ext uri="{BB962C8B-B14F-4D97-AF65-F5344CB8AC3E}">
+        <p14:creationId xmlns:p14="http://schemas.microsoft.com/office/powerpoint/2010/main" val="458889082"/>
+      </p:ext>
+    </p:extLst>
   </p:cSld>
   <p:clrMapOvr>
     <a:masterClrMapping/>
@@ -7674,18 +7729,55 @@
       </p:grpSpPr>
       <p:sp>
         <p:nvSpPr>
-          <p:cNvPr id="3" name="Content Placeholder 2"/>
-          <p:cNvSpPr>
-            <a:spLocks noGrp="1"/>
-          </p:cNvSpPr>
-          <p:nvPr>
-            <p:ph idx="1"/>
+          <p:cNvPr id="2" name="Title 1"/>
+          <p:cNvSpPr>
+            <a:spLocks noGrp="1"/>
+          </p:cNvSpPr>
+          <p:nvPr>
+            <p:ph type="title"/>
           </p:nvPr>
         </p:nvSpPr>
         <p:spPr>
           <a:xfrm>
-            <a:off x="-6927" y="762000"/>
-            <a:ext cx="9144000" cy="6096000"/>
+            <a:off x="152400" y="274638"/>
+            <a:ext cx="8534400" cy="411162"/>
+          </a:xfrm>
+        </p:spPr>
+        <p:txBody>
+          <a:bodyPr>
+            <a:noAutofit/>
+          </a:bodyPr>
+          <a:lstStyle/>
+          <a:p>
+            <a:pPr algn="l"/>
+            <a:r>
+              <a:rPr lang="en-US" sz="4000" b="1" dirty="0">
+                <a:solidFill>
+                  <a:srgbClr val="FF0000"/>
+                </a:solidFill>
+                <a:latin typeface="Bookman Old Style" pitchFamily="18" charset="0"/>
+                <a:ea typeface="Microsoft Sans Serif" panose="020B0604020202020204" pitchFamily="34" charset="0"/>
+                <a:cs typeface="Microsoft Sans Serif" panose="020B0604020202020204" pitchFamily="34" charset="0"/>
+              </a:rPr>
+              <a:t>Introduction</a:t>
+            </a:r>
+          </a:p>
+        </p:txBody>
+      </p:sp>
+      <p:sp>
+        <p:nvSpPr>
+          <p:cNvPr id="3" name="Content Placeholder 2"/>
+          <p:cNvSpPr>
+            <a:spLocks noGrp="1"/>
+          </p:cNvSpPr>
+          <p:nvPr>
+            <p:ph idx="1"/>
+          </p:nvPr>
+        </p:nvSpPr>
+        <p:spPr>
+          <a:xfrm>
+            <a:off x="152400" y="990600"/>
+            <a:ext cx="8991600" cy="5867400"/>
           </a:xfrm>
         </p:spPr>
         <p:txBody>
@@ -7694,96 +7786,78 @@
           </a:bodyPr>
           <a:lstStyle/>
           <a:p>
-            <a:pPr marL="514350" indent="-514350">
-              <a:buFont typeface="+mj-lt"/>
-              <a:buAutoNum type="arabicPeriod"/>
+            <a:pPr>
+              <a:buNone/>
             </a:pPr>
-            <a:endParaRPr lang="en-US" dirty="0">
+            <a:r>
+              <a:rPr lang="en-US" sz="3000" b="1" u="sng" dirty="0">
+                <a:latin typeface="Bookman Old Style" pitchFamily="18" charset="0"/>
+                <a:ea typeface="Microsoft Sans Serif" panose="020B0604020202020204" pitchFamily="34" charset="0"/>
+                <a:cs typeface="Microsoft Sans Serif" panose="020B0604020202020204" pitchFamily="34" charset="0"/>
+              </a:rPr>
+              <a:t>Syntactic Analysis and Parser</a:t>
+            </a:r>
+          </a:p>
+          <a:p>
+            <a:pPr>
+              <a:buNone/>
+            </a:pPr>
+            <a:endParaRPr lang="en-US" sz="1600" b="1" u="sng" dirty="0">
               <a:latin typeface="Bookman Old Style" pitchFamily="18" charset="0"/>
+              <a:ea typeface="Microsoft Sans Serif" panose="020B0604020202020204" pitchFamily="34" charset="0"/>
+              <a:cs typeface="Microsoft Sans Serif" panose="020B0604020202020204" pitchFamily="34" charset="0"/>
             </a:endParaRPr>
           </a:p>
           <a:p>
-            <a:pPr marL="0" indent="0">
-              <a:buNone/>
+            <a:pPr>
+              <a:buFont typeface="Wingdings" pitchFamily="2" charset="2"/>
+              <a:buChar char="v"/>
             </a:pPr>
             <a:r>
-              <a:rPr lang="en-US" sz="2700" dirty="0">
-                <a:latin typeface="Bookman Old Style" pitchFamily="18" charset="0"/>
-                <a:ea typeface="HP Simplified Hans Light" panose="020B0300000000000000" pitchFamily="34" charset="-122"/>
-              </a:rPr>
-              <a:t>The Parser recognizes the following types of errors:</a:t>
-            </a:r>
-          </a:p>
-          <a:p>
-            <a:pPr marL="514350" indent="-514350">
-              <a:buFont typeface="+mj-lt"/>
-              <a:buAutoNum type="arabicPeriod"/>
+              <a:rPr lang="en-US" sz="2600" dirty="0">
+                <a:latin typeface="Bookman Old Style" pitchFamily="18" charset="0"/>
+                <a:ea typeface="HP Simplified Hans Light" panose="020B0300000000000000" pitchFamily="34" charset="-122"/>
+              </a:rPr>
+              <a:t>The lexical analyzer (flex scripts) returns a stream of tokens, which populates the symbol table. </a:t>
+            </a:r>
+          </a:p>
+          <a:p>
+            <a:pPr>
+              <a:buFont typeface="Wingdings" pitchFamily="2" charset="2"/>
+              <a:buChar char="v"/>
             </a:pPr>
             <a:r>
-              <a:rPr lang="en-US" sz="2700" dirty="0">
-                <a:latin typeface="Bookman Old Style" pitchFamily="18" charset="0"/>
-                <a:ea typeface="HP Simplified Hans Light" panose="020B0300000000000000" pitchFamily="34" charset="-122"/>
-              </a:rPr>
-              <a:t>Structural errors</a:t>
-            </a:r>
-          </a:p>
-          <a:p>
-            <a:pPr marL="514350" indent="-514350">
-              <a:buFont typeface="+mj-lt"/>
-              <a:buAutoNum type="arabicPeriod"/>
+              <a:rPr lang="en-US" sz="2600" dirty="0">
+                <a:latin typeface="Bookman Old Style" pitchFamily="18" charset="0"/>
+                <a:ea typeface="HP Simplified Hans Light" panose="020B0300000000000000" pitchFamily="34" charset="-122"/>
+              </a:rPr>
+              <a:t>These tokens are then taken as input by the Parser. </a:t>
+            </a:r>
+          </a:p>
+          <a:p>
+            <a:pPr>
+              <a:buFont typeface="Wingdings" pitchFamily="2" charset="2"/>
+              <a:buChar char="v"/>
             </a:pPr>
             <a:r>
-              <a:rPr lang="en-US" sz="2700" dirty="0">
-                <a:latin typeface="Bookman Old Style" pitchFamily="18" charset="0"/>
-                <a:ea typeface="HP Simplified Hans Light" panose="020B0300000000000000" pitchFamily="34" charset="-122"/>
-              </a:rPr>
-              <a:t>Missing identifiers</a:t>
-            </a:r>
-          </a:p>
-          <a:p>
-            <a:pPr marL="514350" indent="-514350">
-              <a:buFont typeface="+mj-lt"/>
-              <a:buAutoNum type="arabicPeriod"/>
+              <a:rPr lang="en-US" sz="2600" dirty="0">
+                <a:latin typeface="Bookman Old Style" pitchFamily="18" charset="0"/>
+                <a:ea typeface="HP Simplified Hans Light" panose="020B0300000000000000" pitchFamily="34" charset="-122"/>
+              </a:rPr>
+              <a:t>Parser verifies that a string of token names can be generated by the grammar of the source language. </a:t>
+            </a:r>
+          </a:p>
+          <a:p>
+            <a:pPr>
+              <a:buFont typeface="Wingdings" pitchFamily="2" charset="2"/>
+              <a:buChar char="v"/>
             </a:pPr>
             <a:r>
-              <a:rPr lang="en-US" sz="2700" dirty="0">
-                <a:latin typeface="Bookman Old Style" pitchFamily="18" charset="0"/>
-                <a:ea typeface="HP Simplified Hans Light" panose="020B0300000000000000" pitchFamily="34" charset="-122"/>
-              </a:rPr>
-              <a:t>Wrong keywords</a:t>
-            </a:r>
-          </a:p>
-          <a:p>
-            <a:pPr marL="514350" indent="-514350">
-              <a:buFont typeface="+mj-lt"/>
-              <a:buAutoNum type="arabicPeriod"/>
-            </a:pPr>
-            <a:r>
-              <a:rPr lang="en-US" sz="2700" dirty="0">
-                <a:latin typeface="Bookman Old Style" pitchFamily="18" charset="0"/>
-                <a:ea typeface="HP Simplified Hans Light" panose="020B0300000000000000" pitchFamily="34" charset="-122"/>
-              </a:rPr>
-              <a:t>Unbalanced parenthesis</a:t>
-            </a:r>
-          </a:p>
-          <a:p>
-            <a:pPr marL="514350" indent="-514350"/>
-            <a:r>
-              <a:rPr lang="en-US" sz="2700" dirty="0">
-                <a:latin typeface="Bookman Old Style" pitchFamily="18" charset="0"/>
-                <a:ea typeface="HP Simplified Hans Light" panose="020B0300000000000000" pitchFamily="34" charset="-122"/>
-              </a:rPr>
-              <a:t>Parser is that phase of compiler which takes token string as input and with the help of existing grammar, converts it into the corresponding parse tree. </a:t>
-            </a:r>
-          </a:p>
-          <a:p>
-            <a:pPr marL="514350" indent="-514350"/>
-            <a:r>
-              <a:rPr lang="en-US" sz="2700" dirty="0">
-                <a:latin typeface="Bookman Old Style" pitchFamily="18" charset="0"/>
-                <a:ea typeface="HP Simplified Hans Light" panose="020B0300000000000000" pitchFamily="34" charset="-122"/>
-              </a:rPr>
-              <a:t>Parser is also known as Syntax Analyzer. </a:t>
+              <a:rPr lang="en-US" sz="2600" dirty="0">
+                <a:latin typeface="Bookman Old Style" pitchFamily="18" charset="0"/>
+                <a:ea typeface="HP Simplified Hans Light" panose="020B0300000000000000" pitchFamily="34" charset="-122"/>
+              </a:rPr>
+              <a:t>The Parser then reports any syntax errors in an intelligible manner and recovers from the commonly occurring errors to continue processing the remainder of the program. </a:t>
             </a:r>
           </a:p>
         </p:txBody>
@@ -7797,6 +7871,147 @@
 </file>
 
 <file path=ppt/slides/slide16.xml><?xml version="1.0" encoding="utf-8"?>
+<p:sld xmlns:a="http://schemas.openxmlformats.org/drawingml/2006/main" xmlns:r="http://schemas.openxmlformats.org/officeDocument/2006/relationships" xmlns:p="http://schemas.openxmlformats.org/presentationml/2006/main">
+  <p:cSld>
+    <p:spTree>
+      <p:nvGrpSpPr>
+        <p:cNvPr id="1" name=""/>
+        <p:cNvGrpSpPr/>
+        <p:nvPr/>
+      </p:nvGrpSpPr>
+      <p:grpSpPr>
+        <a:xfrm>
+          <a:off x="0" y="0"/>
+          <a:ext cx="0" cy="0"/>
+          <a:chOff x="0" y="0"/>
+          <a:chExt cx="0" cy="0"/>
+        </a:xfrm>
+      </p:grpSpPr>
+      <p:sp>
+        <p:nvSpPr>
+          <p:cNvPr id="3" name="Content Placeholder 2"/>
+          <p:cNvSpPr>
+            <a:spLocks noGrp="1"/>
+          </p:cNvSpPr>
+          <p:nvPr>
+            <p:ph idx="1"/>
+          </p:nvPr>
+        </p:nvSpPr>
+        <p:spPr>
+          <a:xfrm>
+            <a:off x="-6927" y="762000"/>
+            <a:ext cx="9144000" cy="6096000"/>
+          </a:xfrm>
+        </p:spPr>
+        <p:txBody>
+          <a:bodyPr>
+            <a:normAutofit/>
+          </a:bodyPr>
+          <a:lstStyle/>
+          <a:p>
+            <a:pPr marL="514350" indent="-514350">
+              <a:buFont typeface="+mj-lt"/>
+              <a:buAutoNum type="arabicPeriod"/>
+            </a:pPr>
+            <a:endParaRPr lang="en-US" dirty="0">
+              <a:latin typeface="Bookman Old Style" pitchFamily="18" charset="0"/>
+            </a:endParaRPr>
+          </a:p>
+          <a:p>
+            <a:pPr marL="0" indent="0">
+              <a:buNone/>
+            </a:pPr>
+            <a:r>
+              <a:rPr lang="en-US" sz="2700" dirty="0">
+                <a:latin typeface="Bookman Old Style" pitchFamily="18" charset="0"/>
+                <a:ea typeface="HP Simplified Hans Light" panose="020B0300000000000000" pitchFamily="34" charset="-122"/>
+              </a:rPr>
+              <a:t>The Parser recognizes the following types of errors:</a:t>
+            </a:r>
+          </a:p>
+          <a:p>
+            <a:pPr marL="514350" indent="-514350">
+              <a:buFont typeface="+mj-lt"/>
+              <a:buAutoNum type="arabicPeriod"/>
+            </a:pPr>
+            <a:r>
+              <a:rPr lang="en-US" sz="2700" dirty="0">
+                <a:latin typeface="Bookman Old Style" pitchFamily="18" charset="0"/>
+                <a:ea typeface="HP Simplified Hans Light" panose="020B0300000000000000" pitchFamily="34" charset="-122"/>
+              </a:rPr>
+              <a:t>Structural errors</a:t>
+            </a:r>
+          </a:p>
+          <a:p>
+            <a:pPr marL="514350" indent="-514350">
+              <a:buFont typeface="+mj-lt"/>
+              <a:buAutoNum type="arabicPeriod"/>
+            </a:pPr>
+            <a:r>
+              <a:rPr lang="en-US" sz="2700" dirty="0">
+                <a:latin typeface="Bookman Old Style" pitchFamily="18" charset="0"/>
+                <a:ea typeface="HP Simplified Hans Light" panose="020B0300000000000000" pitchFamily="34" charset="-122"/>
+              </a:rPr>
+              <a:t>Missing identifiers</a:t>
+            </a:r>
+          </a:p>
+          <a:p>
+            <a:pPr marL="514350" indent="-514350">
+              <a:buFont typeface="+mj-lt"/>
+              <a:buAutoNum type="arabicPeriod"/>
+            </a:pPr>
+            <a:r>
+              <a:rPr lang="en-US" sz="2700" dirty="0">
+                <a:latin typeface="Bookman Old Style" pitchFamily="18" charset="0"/>
+                <a:ea typeface="HP Simplified Hans Light" panose="020B0300000000000000" pitchFamily="34" charset="-122"/>
+              </a:rPr>
+              <a:t>Wrong keywords</a:t>
+            </a:r>
+          </a:p>
+          <a:p>
+            <a:pPr marL="514350" indent="-514350">
+              <a:buFont typeface="+mj-lt"/>
+              <a:buAutoNum type="arabicPeriod"/>
+            </a:pPr>
+            <a:r>
+              <a:rPr lang="en-US" sz="2700" dirty="0">
+                <a:latin typeface="Bookman Old Style" pitchFamily="18" charset="0"/>
+                <a:ea typeface="HP Simplified Hans Light" panose="020B0300000000000000" pitchFamily="34" charset="-122"/>
+              </a:rPr>
+              <a:t>Unbalanced parenthesis</a:t>
+            </a:r>
+          </a:p>
+          <a:p>
+            <a:pPr marL="514350" indent="-514350"/>
+            <a:r>
+              <a:rPr lang="en-US" sz="2700" dirty="0">
+                <a:latin typeface="Bookman Old Style" pitchFamily="18" charset="0"/>
+                <a:ea typeface="HP Simplified Hans Light" panose="020B0300000000000000" pitchFamily="34" charset="-122"/>
+              </a:rPr>
+              <a:t>Parser is that phase of compiler which takes token string as input and with the help of existing grammar, converts it into the corresponding parse tree. </a:t>
+            </a:r>
+          </a:p>
+          <a:p>
+            <a:pPr marL="514350" indent="-514350"/>
+            <a:r>
+              <a:rPr lang="en-US" sz="2700" dirty="0">
+                <a:latin typeface="Bookman Old Style" pitchFamily="18" charset="0"/>
+                <a:ea typeface="HP Simplified Hans Light" panose="020B0300000000000000" pitchFamily="34" charset="-122"/>
+              </a:rPr>
+              <a:t>Parser is also known as Syntax Analyzer. </a:t>
+            </a:r>
+          </a:p>
+        </p:txBody>
+      </p:sp>
+    </p:spTree>
+  </p:cSld>
+  <p:clrMapOvr>
+    <a:masterClrMapping/>
+  </p:clrMapOvr>
+</p:sld>
+</file>
+
+<file path=ppt/slides/slide17.xml><?xml version="1.0" encoding="utf-8"?>
 <p:sld xmlns:a="http://schemas.openxmlformats.org/drawingml/2006/main" xmlns:r="http://schemas.openxmlformats.org/officeDocument/2006/relationships" xmlns:p="http://schemas.openxmlformats.org/presentationml/2006/main">
   <p:cSld>
     <p:spTree>
@@ -7862,106 +8077,6 @@
 </p:sld>
 </file>
 
-<file path=ppt/slides/slide17.xml><?xml version="1.0" encoding="utf-8"?>
-<p:sld xmlns:a="http://schemas.openxmlformats.org/drawingml/2006/main" xmlns:r="http://schemas.openxmlformats.org/officeDocument/2006/relationships" xmlns:p="http://schemas.openxmlformats.org/presentationml/2006/main">
-  <p:cSld>
-    <p:spTree>
-      <p:nvGrpSpPr>
-        <p:cNvPr id="1" name=""/>
-        <p:cNvGrpSpPr/>
-        <p:nvPr/>
-      </p:nvGrpSpPr>
-      <p:grpSpPr>
-        <a:xfrm>
-          <a:off x="0" y="0"/>
-          <a:ext cx="0" cy="0"/>
-          <a:chOff x="0" y="0"/>
-          <a:chExt cx="0" cy="0"/>
-        </a:xfrm>
-      </p:grpSpPr>
-      <p:sp>
-        <p:nvSpPr>
-          <p:cNvPr id="2" name="Title 1"/>
-          <p:cNvSpPr>
-            <a:spLocks noGrp="1"/>
-          </p:cNvSpPr>
-          <p:nvPr>
-            <p:ph type="title"/>
-          </p:nvPr>
-        </p:nvSpPr>
-        <p:spPr>
-          <a:xfrm>
-            <a:off x="76200" y="228600"/>
-            <a:ext cx="8153400" cy="762000"/>
-          </a:xfrm>
-        </p:spPr>
-        <p:txBody>
-          <a:bodyPr>
-            <a:normAutofit/>
-          </a:bodyPr>
-          <a:lstStyle/>
-          <a:p>
-            <a:pPr algn="l"/>
-            <a:r>
-              <a:rPr lang="en-US" sz="3200" b="1" dirty="0">
-                <a:latin typeface="Bookman Old Style" pitchFamily="18" charset="0"/>
-                <a:ea typeface="Microsoft Sans Serif" panose="020B0604020202020204" pitchFamily="34" charset="0"/>
-                <a:cs typeface="Microsoft Sans Serif" panose="020B0604020202020204" pitchFamily="34" charset="0"/>
-              </a:rPr>
-              <a:t>YACC Script</a:t>
-            </a:r>
-          </a:p>
-        </p:txBody>
-      </p:sp>
-      <p:sp>
-        <p:nvSpPr>
-          <p:cNvPr id="3" name="Content Placeholder 2"/>
-          <p:cNvSpPr>
-            <a:spLocks noGrp="1"/>
-          </p:cNvSpPr>
-          <p:nvPr>
-            <p:ph idx="1"/>
-          </p:nvPr>
-        </p:nvSpPr>
-        <p:spPr>
-          <a:xfrm>
-            <a:off x="0" y="1219200"/>
-            <a:ext cx="8686800" cy="5638800"/>
-          </a:xfrm>
-        </p:spPr>
-        <p:txBody>
-          <a:bodyPr>
-            <a:normAutofit/>
-          </a:bodyPr>
-          <a:lstStyle/>
-          <a:p>
-            <a:r>
-              <a:rPr lang="en-US" sz="2600" dirty="0">
-                <a:latin typeface="Bookman Old Style" pitchFamily="18" charset="0"/>
-                <a:ea typeface="HP Simplified Hans Light" panose="020B0300000000000000" pitchFamily="34" charset="-122"/>
-              </a:rPr>
-              <a:t>Yacc is written in a portable dialect of C, and the actions, and output subroutine, are in C as well. Moreover, many of the syntactic conventions of Yacc follow C. </a:t>
-            </a:r>
-          </a:p>
-          <a:p>
-            <a:r>
-              <a:rPr lang="en-US" sz="2600" dirty="0">
-                <a:latin typeface="Bookman Old Style" pitchFamily="18" charset="0"/>
-                <a:ea typeface="HP Simplified Hans Light" panose="020B0300000000000000" pitchFamily="34" charset="-122"/>
-              </a:rPr>
-              <a:t>Yacc provides a comprehensive tool for imposing structure on the input to a computer program. The Yacc user prepares a specification of the input process; this includes rules describing the input structure, code to be invoked when these rules are recognized, and a low-level routine to do the basic input.</a:t>
-            </a:r>
-          </a:p>
-        </p:txBody>
-      </p:sp>
-    </p:spTree>
-  </p:cSld>
-  <p:clrMapOvr>
-    <a:masterClrMapping/>
-  </p:clrMapOvr>
-</p:sld>
-</file>
-
 <file path=ppt/slides/slide18.xml><?xml version="1.0" encoding="utf-8"?>
 <p:sld xmlns:a="http://schemas.openxmlformats.org/drawingml/2006/main" xmlns:r="http://schemas.openxmlformats.org/officeDocument/2006/relationships" xmlns:p="http://schemas.openxmlformats.org/presentationml/2006/main">
   <p:cSld>
@@ -7991,32 +8106,24 @@
         </p:nvSpPr>
         <p:spPr>
           <a:xfrm>
-            <a:off x="1385" y="0"/>
-            <a:ext cx="8229600" cy="533400"/>
+            <a:off x="76200" y="228600"/>
+            <a:ext cx="8153400" cy="762000"/>
           </a:xfrm>
         </p:spPr>
         <p:txBody>
           <a:bodyPr>
-            <a:noAutofit/>
+            <a:normAutofit/>
           </a:bodyPr>
           <a:lstStyle/>
           <a:p>
             <a:pPr algn="l"/>
             <a:r>
               <a:rPr lang="en-US" sz="3200" b="1" dirty="0">
-                <a:latin typeface="Microsoft Sans Serif" panose="020B0604020202020204" pitchFamily="34" charset="0"/>
+                <a:latin typeface="Bookman Old Style" pitchFamily="18" charset="0"/>
                 <a:ea typeface="Microsoft Sans Serif" panose="020B0604020202020204" pitchFamily="34" charset="0"/>
                 <a:cs typeface="Microsoft Sans Serif" panose="020B0604020202020204" pitchFamily="34" charset="0"/>
               </a:rPr>
-              <a:t>C </a:t>
-            </a:r>
-            <a:r>
-              <a:rPr lang="en-US" sz="3200" b="1" dirty="0">
-                <a:latin typeface="Bookman Old Style" pitchFamily="18" charset="0"/>
-                <a:ea typeface="Microsoft Sans Serif" panose="020B0604020202020204" pitchFamily="34" charset="0"/>
-                <a:cs typeface="Microsoft Sans Serif" panose="020B0604020202020204" pitchFamily="34" charset="0"/>
-              </a:rPr>
-              <a:t>Program</a:t>
+              <a:t>YACC Script</a:t>
             </a:r>
           </a:p>
         </p:txBody>
@@ -8033,424 +8140,32 @@
         </p:nvSpPr>
         <p:spPr>
           <a:xfrm>
-            <a:off x="0" y="685800"/>
-            <a:ext cx="9144000" cy="6172200"/>
+            <a:off x="0" y="1219200"/>
+            <a:ext cx="8686800" cy="5638800"/>
           </a:xfrm>
         </p:spPr>
         <p:txBody>
           <a:bodyPr>
-            <a:normAutofit fontScale="92500" lnSpcReduction="10000"/>
+            <a:normAutofit/>
           </a:bodyPr>
           <a:lstStyle/>
           <a:p>
             <a:r>
-              <a:rPr lang="en-US" sz="2200" dirty="0">
-                <a:latin typeface="Bookman Old Style" pitchFamily="18" charset="0"/>
-                <a:ea typeface="HP Simplified Hans Light" panose="020B0300000000000000" pitchFamily="34" charset="-122"/>
-              </a:rPr>
-              <a:t>This section describes the input C program which is fed to the </a:t>
-            </a:r>
-            <a:r>
-              <a:rPr lang="en-US" sz="2200" dirty="0" err="1">
-                <a:latin typeface="Bookman Old Style" pitchFamily="18" charset="0"/>
-                <a:ea typeface="HP Simplified Hans Light" panose="020B0300000000000000" pitchFamily="34" charset="-122"/>
-              </a:rPr>
-              <a:t>yacc</a:t>
-            </a:r>
-            <a:r>
-              <a:rPr lang="en-US" sz="2200" dirty="0">
-                <a:latin typeface="Bookman Old Style" pitchFamily="18" charset="0"/>
-                <a:ea typeface="HP Simplified Hans Light" panose="020B0300000000000000" pitchFamily="34" charset="-122"/>
-              </a:rPr>
-              <a:t> script for parsing. The workflow is explained as under: </a:t>
-            </a:r>
-          </a:p>
-          <a:p>
-            <a:pPr marL="514350" indent="-514350">
-              <a:buFont typeface="+mj-lt"/>
-              <a:buAutoNum type="arabicPeriod"/>
-            </a:pPr>
-            <a:r>
-              <a:rPr lang="en-US" sz="2200" dirty="0">
-                <a:latin typeface="Bookman Old Style" pitchFamily="18" charset="0"/>
-                <a:ea typeface="HP Simplified Hans Light" panose="020B0300000000000000" pitchFamily="34" charset="-122"/>
-              </a:rPr>
-              <a:t>Compile Yacc script by this command </a:t>
-            </a:r>
-          </a:p>
-          <a:p>
-            <a:pPr>
-              <a:buNone/>
-            </a:pPr>
-            <a:r>
-              <a:rPr lang="en-US" sz="2200" dirty="0">
-                <a:latin typeface="Bookman Old Style" pitchFamily="18" charset="0"/>
-              </a:rPr>
-              <a:t>		</a:t>
-            </a:r>
-            <a:r>
-              <a:rPr lang="en-US" sz="1900" b="1" i="1" dirty="0">
-                <a:latin typeface="Bookman Old Style" pitchFamily="18" charset="0"/>
-              </a:rPr>
-              <a:t>$ </a:t>
-            </a:r>
-            <a:r>
-              <a:rPr lang="en-US" sz="1900" b="1" i="1" dirty="0" err="1">
-                <a:latin typeface="Bookman Old Style" pitchFamily="18" charset="0"/>
-              </a:rPr>
-              <a:t>yacc</a:t>
-            </a:r>
-            <a:r>
-              <a:rPr lang="en-US" sz="1900" b="1" i="1" dirty="0">
-                <a:latin typeface="Bookman Old Style" pitchFamily="18" charset="0"/>
-              </a:rPr>
-              <a:t> -d c_parser.y54 </a:t>
-            </a:r>
-          </a:p>
-          <a:p>
-            <a:pPr>
-              <a:buNone/>
-            </a:pPr>
-            <a:r>
-              <a:rPr lang="en-US" sz="2200" dirty="0">
-                <a:latin typeface="Bookman Old Style" pitchFamily="18" charset="0"/>
-                <a:ea typeface="HP Simplified Hans Light" panose="020B0300000000000000" pitchFamily="34" charset="-122"/>
-              </a:rPr>
-              <a:t>2. Compile the flex script using Flex tool </a:t>
-            </a:r>
-          </a:p>
-          <a:p>
-            <a:pPr>
-              <a:buNone/>
-            </a:pPr>
-            <a:r>
-              <a:rPr lang="en-US" sz="2200" dirty="0">
-                <a:latin typeface="Bookman Old Style" pitchFamily="18" charset="0"/>
-              </a:rPr>
-              <a:t>		</a:t>
-            </a:r>
-            <a:r>
-              <a:rPr lang="en-US" sz="1900" b="1" i="1" dirty="0">
-                <a:latin typeface="Bookman Old Style" pitchFamily="18" charset="0"/>
-              </a:rPr>
-              <a:t>$ flex </a:t>
-            </a:r>
-            <a:r>
-              <a:rPr lang="en-US" sz="1900" b="1" i="1" dirty="0" err="1">
-                <a:latin typeface="Bookman Old Style" pitchFamily="18" charset="0"/>
-              </a:rPr>
-              <a:t>c_lexer.l</a:t>
-            </a:r>
-            <a:r>
-              <a:rPr lang="en-US" sz="1900" b="1" i="1" dirty="0">
-                <a:latin typeface="Bookman Old Style" pitchFamily="18" charset="0"/>
-              </a:rPr>
-              <a:t> </a:t>
-            </a:r>
-          </a:p>
-          <a:p>
-            <a:pPr>
-              <a:buNone/>
-            </a:pPr>
-            <a:r>
-              <a:rPr lang="en-US" sz="2200" dirty="0">
-                <a:latin typeface="Bookman Old Style" pitchFamily="18" charset="0"/>
-                <a:ea typeface="HP Simplified Hans Light" panose="020B0300000000000000" pitchFamily="34" charset="-122"/>
-              </a:rPr>
-              <a:t>3. After compiling the </a:t>
-            </a:r>
-            <a:r>
-              <a:rPr lang="en-US" sz="2200" dirty="0" err="1">
-                <a:latin typeface="Bookman Old Style" pitchFamily="18" charset="0"/>
-                <a:ea typeface="HP Simplified Hans Light" panose="020B0300000000000000" pitchFamily="34" charset="-122"/>
-              </a:rPr>
-              <a:t>lex</a:t>
-            </a:r>
-            <a:r>
-              <a:rPr lang="en-US" sz="2200" dirty="0">
-                <a:latin typeface="Bookman Old Style" pitchFamily="18" charset="0"/>
-                <a:ea typeface="HP Simplified Hans Light" panose="020B0300000000000000" pitchFamily="34" charset="-122"/>
-              </a:rPr>
-              <a:t> file, a lex.yy.c file is generated. Also, </a:t>
-            </a:r>
-            <a:r>
-              <a:rPr lang="en-US" sz="2200" dirty="0" err="1">
-                <a:latin typeface="Bookman Old Style" pitchFamily="18" charset="0"/>
-                <a:ea typeface="HP Simplified Hans Light" panose="020B0300000000000000" pitchFamily="34" charset="-122"/>
-              </a:rPr>
-              <a:t>y.tab.c</a:t>
-            </a:r>
-            <a:r>
-              <a:rPr lang="en-US" sz="2200" dirty="0">
-                <a:latin typeface="Bookman Old Style" pitchFamily="18" charset="0"/>
-                <a:ea typeface="HP Simplified Hans Light" panose="020B0300000000000000" pitchFamily="34" charset="-122"/>
-              </a:rPr>
-              <a:t> and </a:t>
-            </a:r>
-            <a:r>
-              <a:rPr lang="en-US" sz="2200" dirty="0" err="1">
-                <a:latin typeface="Bookman Old Style" pitchFamily="18" charset="0"/>
-                <a:ea typeface="HP Simplified Hans Light" panose="020B0300000000000000" pitchFamily="34" charset="-122"/>
-              </a:rPr>
-              <a:t>y.tab.h</a:t>
-            </a:r>
-            <a:r>
-              <a:rPr lang="en-US" sz="2200" dirty="0">
-                <a:latin typeface="Bookman Old Style" pitchFamily="18" charset="0"/>
-                <a:ea typeface="HP Simplified Hans Light" panose="020B0300000000000000" pitchFamily="34" charset="-122"/>
-              </a:rPr>
-              <a:t> files are generated after compiling the </a:t>
-            </a:r>
-            <a:r>
-              <a:rPr lang="en-US" sz="2200" dirty="0" err="1">
-                <a:latin typeface="Bookman Old Style" pitchFamily="18" charset="0"/>
-                <a:ea typeface="HP Simplified Hans Light" panose="020B0300000000000000" pitchFamily="34" charset="-122"/>
-              </a:rPr>
-              <a:t>yacc</a:t>
-            </a:r>
-            <a:r>
-              <a:rPr lang="en-US" sz="2200" dirty="0">
-                <a:latin typeface="Bookman Old Style" pitchFamily="18" charset="0"/>
-                <a:ea typeface="HP Simplified Hans Light" panose="020B0300000000000000" pitchFamily="34" charset="-122"/>
-              </a:rPr>
-              <a:t> script.</a:t>
-            </a:r>
-          </a:p>
-          <a:p>
-            <a:pPr>
-              <a:buNone/>
-            </a:pPr>
-            <a:r>
-              <a:rPr lang="en-US" sz="2200" dirty="0">
-                <a:latin typeface="Bookman Old Style" pitchFamily="18" charset="0"/>
-                <a:ea typeface="HP Simplified Hans Light" panose="020B0300000000000000" pitchFamily="34" charset="-122"/>
-              </a:rPr>
-              <a:t>4. The three files, </a:t>
-            </a:r>
-            <a:r>
-              <a:rPr lang="en-US" sz="2200" dirty="0" err="1">
-                <a:latin typeface="Bookman Old Style" pitchFamily="18" charset="0"/>
-                <a:ea typeface="HP Simplified Hans Light" panose="020B0300000000000000" pitchFamily="34" charset="-122"/>
-              </a:rPr>
-              <a:t>lex.yy.c</a:t>
-            </a:r>
-            <a:r>
-              <a:rPr lang="en-US" sz="2200" dirty="0">
-                <a:latin typeface="Bookman Old Style" pitchFamily="18" charset="0"/>
-                <a:ea typeface="HP Simplified Hans Light" panose="020B0300000000000000" pitchFamily="34" charset="-122"/>
-              </a:rPr>
-              <a:t>, </a:t>
-            </a:r>
-            <a:r>
-              <a:rPr lang="en-US" sz="2200" dirty="0" err="1">
-                <a:latin typeface="Bookman Old Style" pitchFamily="18" charset="0"/>
-                <a:ea typeface="HP Simplified Hans Light" panose="020B0300000000000000" pitchFamily="34" charset="-122"/>
-              </a:rPr>
-              <a:t>y.tab.c</a:t>
-            </a:r>
-            <a:r>
-              <a:rPr lang="en-US" sz="2200" dirty="0">
-                <a:latin typeface="Bookman Old Style" pitchFamily="18" charset="0"/>
-                <a:ea typeface="HP Simplified Hans Light" panose="020B0300000000000000" pitchFamily="34" charset="-122"/>
-              </a:rPr>
-              <a:t> and </a:t>
-            </a:r>
-            <a:r>
-              <a:rPr lang="en-US" sz="2200" dirty="0" err="1">
-                <a:latin typeface="Bookman Old Style" pitchFamily="18" charset="0"/>
-                <a:ea typeface="HP Simplified Hans Light" panose="020B0300000000000000" pitchFamily="34" charset="-122"/>
-              </a:rPr>
-              <a:t>y.tab.h</a:t>
-            </a:r>
-            <a:r>
-              <a:rPr lang="en-US" sz="2200" dirty="0">
-                <a:latin typeface="Bookman Old Style" pitchFamily="18" charset="0"/>
-                <a:ea typeface="HP Simplified Hans Light" panose="020B0300000000000000" pitchFamily="34" charset="-122"/>
-              </a:rPr>
-              <a:t> are compiled together with the options –</a:t>
-            </a:r>
-            <a:r>
-              <a:rPr lang="en-US" sz="2200" dirty="0" err="1">
-                <a:latin typeface="Bookman Old Style" pitchFamily="18" charset="0"/>
-                <a:ea typeface="HP Simplified Hans Light" panose="020B0300000000000000" pitchFamily="34" charset="-122"/>
-              </a:rPr>
-              <a:t>ll</a:t>
-            </a:r>
-            <a:r>
-              <a:rPr lang="en-US" sz="2200" dirty="0">
-                <a:latin typeface="Bookman Old Style" pitchFamily="18" charset="0"/>
-                <a:ea typeface="HP Simplified Hans Light" panose="020B0300000000000000" pitchFamily="34" charset="-122"/>
-              </a:rPr>
-              <a:t> and –</a:t>
-            </a:r>
-            <a:r>
-              <a:rPr lang="en-US" sz="2200" dirty="0" err="1">
-                <a:latin typeface="Bookman Old Style" pitchFamily="18" charset="0"/>
-                <a:ea typeface="HP Simplified Hans Light" panose="020B0300000000000000" pitchFamily="34" charset="-122"/>
-              </a:rPr>
-              <a:t>ly</a:t>
-            </a:r>
-            <a:endParaRPr lang="en-US" sz="2200" dirty="0">
-              <a:latin typeface="Bookman Old Style" pitchFamily="18" charset="0"/>
-              <a:ea typeface="HP Simplified Hans Light" panose="020B0300000000000000" pitchFamily="34" charset="-122"/>
-            </a:endParaRPr>
-          </a:p>
-          <a:p>
-            <a:pPr>
-              <a:buNone/>
-            </a:pPr>
-            <a:r>
               <a:rPr lang="en-US" sz="2600" dirty="0">
                 <a:latin typeface="Bookman Old Style" pitchFamily="18" charset="0"/>
-              </a:rPr>
-              <a:t>	</a:t>
-            </a:r>
-            <a:r>
-              <a:rPr lang="en-US" sz="2600" b="1" dirty="0">
-                <a:latin typeface="Bookman Old Style" pitchFamily="18" charset="0"/>
-              </a:rPr>
-              <a:t>      </a:t>
-            </a:r>
-            <a:r>
-              <a:rPr lang="en-US" sz="1900" b="1" i="1" dirty="0">
-                <a:latin typeface="Bookman Old Style" pitchFamily="18" charset="0"/>
-              </a:rPr>
-              <a:t>$ </a:t>
-            </a:r>
-            <a:r>
-              <a:rPr lang="en-US" sz="1900" b="1" i="1" dirty="0" err="1">
-                <a:latin typeface="Bookman Old Style" pitchFamily="18" charset="0"/>
-              </a:rPr>
-              <a:t>gcc</a:t>
-            </a:r>
-            <a:r>
-              <a:rPr lang="en-US" sz="1900" b="1" i="1" dirty="0">
-                <a:latin typeface="Bookman Old Style" pitchFamily="18" charset="0"/>
-              </a:rPr>
-              <a:t> -o compiler </a:t>
-            </a:r>
-            <a:r>
-              <a:rPr lang="en-US" sz="1900" b="1" i="1" dirty="0" err="1">
-                <a:latin typeface="Bookman Old Style" pitchFamily="18" charset="0"/>
-              </a:rPr>
-              <a:t>lex.yy.c</a:t>
-            </a:r>
-            <a:r>
-              <a:rPr lang="en-US" sz="1900" b="1" i="1" dirty="0">
-                <a:latin typeface="Bookman Old Style" pitchFamily="18" charset="0"/>
-              </a:rPr>
-              <a:t> </a:t>
-            </a:r>
-            <a:r>
-              <a:rPr lang="en-US" sz="1900" b="1" i="1" dirty="0" err="1">
-                <a:latin typeface="Bookman Old Style" pitchFamily="18" charset="0"/>
-              </a:rPr>
-              <a:t>y.tab.h</a:t>
-            </a:r>
-            <a:r>
-              <a:rPr lang="en-US" sz="1900" b="1" i="1" dirty="0">
-                <a:latin typeface="Bookman Old Style" pitchFamily="18" charset="0"/>
-              </a:rPr>
-              <a:t> </a:t>
-            </a:r>
-            <a:r>
-              <a:rPr lang="en-US" sz="1900" b="1" i="1" dirty="0" err="1">
-                <a:latin typeface="Bookman Old Style" pitchFamily="18" charset="0"/>
-              </a:rPr>
-              <a:t>y.tab.c</a:t>
-            </a:r>
-            <a:r>
-              <a:rPr lang="en-US" sz="1900" b="1" i="1" dirty="0">
-                <a:latin typeface="Bookman Old Style" pitchFamily="18" charset="0"/>
-              </a:rPr>
-              <a:t> -</a:t>
-            </a:r>
-            <a:r>
-              <a:rPr lang="en-US" sz="1900" b="1" i="1" dirty="0" err="1">
-                <a:latin typeface="Bookman Old Style" pitchFamily="18" charset="0"/>
-              </a:rPr>
-              <a:t>ll</a:t>
-            </a:r>
-            <a:r>
-              <a:rPr lang="en-US" sz="1900" b="1" i="1" dirty="0">
-                <a:latin typeface="Bookman Old Style" pitchFamily="18" charset="0"/>
-              </a:rPr>
-              <a:t> -</a:t>
-            </a:r>
-            <a:r>
-              <a:rPr lang="en-US" sz="1900" b="1" i="1" dirty="0" err="1">
-                <a:latin typeface="Bookman Old Style" pitchFamily="18" charset="0"/>
-              </a:rPr>
-              <a:t>ly</a:t>
-            </a:r>
-            <a:r>
-              <a:rPr lang="en-US" sz="1900" b="1" i="1" dirty="0">
-                <a:latin typeface="Bookman Old Style" pitchFamily="18" charset="0"/>
-              </a:rPr>
-              <a:t> </a:t>
-            </a:r>
-            <a:endParaRPr lang="en-US" sz="2600" b="1" i="1" dirty="0">
-              <a:latin typeface="Bookman Old Style" pitchFamily="18" charset="0"/>
-            </a:endParaRPr>
-          </a:p>
-          <a:p>
-            <a:pPr>
-              <a:buNone/>
-            </a:pPr>
-            <a:r>
-              <a:rPr lang="en-US" sz="2200" dirty="0">
-                <a:latin typeface="Bookman Old Style" pitchFamily="18" charset="0"/>
-                <a:ea typeface="HP Simplified Hans Light" panose="020B0300000000000000" pitchFamily="34" charset="-122"/>
-              </a:rPr>
-              <a:t>5. The executable file is generated, which on running parses the C file given as a command line input </a:t>
-            </a:r>
-          </a:p>
-          <a:p>
-            <a:pPr>
-              <a:buNone/>
-            </a:pPr>
+                <a:ea typeface="HP Simplified Hans Light" panose="020B0300000000000000" pitchFamily="34" charset="-122"/>
+              </a:rPr>
+              <a:t>Yacc is written in a portable dialect of C, and the actions, and output subroutine, are in C as well. Moreover, many of the syntactic conventions of Yacc follow C. </a:t>
+            </a:r>
+          </a:p>
+          <a:p>
             <a:r>
               <a:rPr lang="en-US" sz="2600" dirty="0">
                 <a:latin typeface="Bookman Old Style" pitchFamily="18" charset="0"/>
-              </a:rPr>
-              <a:t>	     </a:t>
-            </a:r>
-            <a:r>
-              <a:rPr lang="en-US" sz="1900" b="1" i="1" dirty="0">
-                <a:latin typeface="Bookman Old Style" pitchFamily="18" charset="0"/>
-              </a:rPr>
-              <a:t>$ ./compiler </a:t>
-            </a:r>
-            <a:r>
-              <a:rPr lang="en-US" sz="1900" b="1" i="1" dirty="0" err="1">
-                <a:latin typeface="Bookman Old Style" pitchFamily="18" charset="0"/>
-              </a:rPr>
-              <a:t>test.c</a:t>
-            </a:r>
-            <a:endParaRPr lang="en-US" sz="2600" b="1" i="1" dirty="0">
-              <a:latin typeface="Bookman Old Style" pitchFamily="18" charset="0"/>
-            </a:endParaRPr>
-          </a:p>
-          <a:p>
-            <a:pPr>
-              <a:buNone/>
-            </a:pPr>
-            <a:r>
-              <a:rPr lang="en-US" sz="2200" dirty="0">
-                <a:latin typeface="Bookman Old Style" pitchFamily="18" charset="0"/>
-                <a:ea typeface="HP Simplified Hans Light" panose="020B0300000000000000" pitchFamily="34" charset="-122"/>
-              </a:rPr>
-              <a:t>The script also has an option to take standard input instead of taking input from a file.</a:t>
-            </a:r>
-          </a:p>
-          <a:p>
-            <a:pPr>
-              <a:buNone/>
-            </a:pPr>
-            <a:endParaRPr lang="en-US" sz="2600" dirty="0">
-              <a:latin typeface="Bookman Old Style" pitchFamily="18" charset="0"/>
-              <a:ea typeface="HP Simplified Hans Light" panose="020B0300000000000000" pitchFamily="34" charset="-122"/>
-            </a:endParaRPr>
+                <a:ea typeface="HP Simplified Hans Light" panose="020B0300000000000000" pitchFamily="34" charset="-122"/>
+              </a:rPr>
+              <a:t>Yacc provides a comprehensive tool for imposing structure on the input to a computer program. The Yacc user prepares a specification of the input process; this includes rules describing the input structure, code to be invoked when these rules are recognized, and a low-level routine to do the basic input.</a:t>
+            </a:r>
           </a:p>
         </p:txBody>
       </p:sp>
@@ -8491,60 +8206,469 @@
         </p:nvSpPr>
         <p:spPr>
           <a:xfrm>
-            <a:off x="0" y="152400"/>
-            <a:ext cx="8229600" cy="334962"/>
+            <a:off x="1385" y="0"/>
+            <a:ext cx="8229600" cy="533400"/>
           </a:xfrm>
         </p:spPr>
         <p:txBody>
           <a:bodyPr>
-            <a:normAutofit fontScale="90000"/>
+            <a:noAutofit/>
           </a:bodyPr>
           <a:lstStyle/>
           <a:p>
             <a:pPr algn="l"/>
             <a:r>
               <a:rPr lang="en-US" sz="3200" b="1" dirty="0">
-                <a:solidFill>
-                  <a:srgbClr val="FF0000"/>
-                </a:solidFill>
-                <a:latin typeface="Bookman Old Style" pitchFamily="18" charset="0"/>
-              </a:rPr>
-              <a:t>Output</a:t>
+                <a:latin typeface="Microsoft Sans Serif" panose="020B0604020202020204" pitchFamily="34" charset="0"/>
+                <a:ea typeface="Microsoft Sans Serif" panose="020B0604020202020204" pitchFamily="34" charset="0"/>
+                <a:cs typeface="Microsoft Sans Serif" panose="020B0604020202020204" pitchFamily="34" charset="0"/>
+              </a:rPr>
+              <a:t>C </a:t>
             </a:r>
             <a:r>
               <a:rPr lang="en-US" sz="3200" b="1" dirty="0">
-                <a:solidFill>
-                  <a:srgbClr val="FF0000"/>
-                </a:solidFill>
-              </a:rPr>
-              <a:t>:</a:t>
-            </a:r>
-          </a:p>
-        </p:txBody>
-      </p:sp>
-      <p:pic>
-        <p:nvPicPr>
-          <p:cNvPr id="4" name="Content Placeholder 3" descr="4.PNG"/>
-          <p:cNvPicPr>
-            <a:picLocks noGrp="1" noChangeAspect="1"/>
-          </p:cNvPicPr>
+                <a:latin typeface="Bookman Old Style" pitchFamily="18" charset="0"/>
+                <a:ea typeface="Microsoft Sans Serif" panose="020B0604020202020204" pitchFamily="34" charset="0"/>
+                <a:cs typeface="Microsoft Sans Serif" panose="020B0604020202020204" pitchFamily="34" charset="0"/>
+              </a:rPr>
+              <a:t>Program</a:t>
+            </a:r>
+          </a:p>
+        </p:txBody>
+      </p:sp>
+      <p:sp>
+        <p:nvSpPr>
+          <p:cNvPr id="3" name="Content Placeholder 2"/>
+          <p:cNvSpPr>
+            <a:spLocks noGrp="1"/>
+          </p:cNvSpPr>
           <p:nvPr>
             <p:ph idx="1"/>
           </p:nvPr>
-        </p:nvPicPr>
-        <p:blipFill>
-          <a:blip r:embed="rId2"/>
-          <a:stretch>
-            <a:fillRect/>
-          </a:stretch>
-        </p:blipFill>
+        </p:nvSpPr>
         <p:spPr>
           <a:xfrm>
-            <a:off x="74725" y="1066800"/>
-            <a:ext cx="8733840" cy="5105400"/>
+            <a:off x="0" y="685800"/>
+            <a:ext cx="9144000" cy="6172200"/>
           </a:xfrm>
         </p:spPr>
-      </p:pic>
+        <p:txBody>
+          <a:bodyPr>
+            <a:normAutofit fontScale="92500" lnSpcReduction="10000"/>
+          </a:bodyPr>
+          <a:lstStyle/>
+          <a:p>
+            <a:r>
+              <a:rPr lang="en-US" sz="2200" dirty="0">
+                <a:latin typeface="Bookman Old Style" pitchFamily="18" charset="0"/>
+                <a:ea typeface="HP Simplified Hans Light" panose="020B0300000000000000" pitchFamily="34" charset="-122"/>
+              </a:rPr>
+              <a:t>This section describes the input C program which is fed to the </a:t>
+            </a:r>
+            <a:r>
+              <a:rPr lang="en-US" sz="2200" dirty="0" err="1">
+                <a:latin typeface="Bookman Old Style" pitchFamily="18" charset="0"/>
+                <a:ea typeface="HP Simplified Hans Light" panose="020B0300000000000000" pitchFamily="34" charset="-122"/>
+              </a:rPr>
+              <a:t>yacc</a:t>
+            </a:r>
+            <a:r>
+              <a:rPr lang="en-US" sz="2200" dirty="0">
+                <a:latin typeface="Bookman Old Style" pitchFamily="18" charset="0"/>
+                <a:ea typeface="HP Simplified Hans Light" panose="020B0300000000000000" pitchFamily="34" charset="-122"/>
+              </a:rPr>
+              <a:t> script for parsing. The workflow is explained as under: </a:t>
+            </a:r>
+          </a:p>
+          <a:p>
+            <a:pPr marL="514350" indent="-514350">
+              <a:buFont typeface="+mj-lt"/>
+              <a:buAutoNum type="arabicPeriod"/>
+            </a:pPr>
+            <a:r>
+              <a:rPr lang="en-US" sz="2200" dirty="0">
+                <a:latin typeface="Bookman Old Style" pitchFamily="18" charset="0"/>
+                <a:ea typeface="HP Simplified Hans Light" panose="020B0300000000000000" pitchFamily="34" charset="-122"/>
+              </a:rPr>
+              <a:t>Compile Yacc script by this command </a:t>
+            </a:r>
+          </a:p>
+          <a:p>
+            <a:pPr>
+              <a:buNone/>
+            </a:pPr>
+            <a:r>
+              <a:rPr lang="en-US" sz="2200" dirty="0">
+                <a:latin typeface="Bookman Old Style" pitchFamily="18" charset="0"/>
+              </a:rPr>
+              <a:t>		</a:t>
+            </a:r>
+            <a:r>
+              <a:rPr lang="en-US" sz="1900" b="1" i="1" dirty="0">
+                <a:latin typeface="Bookman Old Style" pitchFamily="18" charset="0"/>
+              </a:rPr>
+              <a:t>$ </a:t>
+            </a:r>
+            <a:r>
+              <a:rPr lang="en-US" sz="1900" b="1" i="1" dirty="0" err="1">
+                <a:latin typeface="Bookman Old Style" pitchFamily="18" charset="0"/>
+              </a:rPr>
+              <a:t>yacc</a:t>
+            </a:r>
+            <a:r>
+              <a:rPr lang="en-US" sz="1900" b="1" i="1" dirty="0">
+                <a:latin typeface="Bookman Old Style" pitchFamily="18" charset="0"/>
+              </a:rPr>
+              <a:t> -d c_parser.y54 </a:t>
+            </a:r>
+          </a:p>
+          <a:p>
+            <a:pPr>
+              <a:buNone/>
+            </a:pPr>
+            <a:r>
+              <a:rPr lang="en-US" sz="2200" dirty="0">
+                <a:latin typeface="Bookman Old Style" pitchFamily="18" charset="0"/>
+                <a:ea typeface="HP Simplified Hans Light" panose="020B0300000000000000" pitchFamily="34" charset="-122"/>
+              </a:rPr>
+              <a:t>2. Compile the flex script using Flex tool </a:t>
+            </a:r>
+          </a:p>
+          <a:p>
+            <a:pPr>
+              <a:buNone/>
+            </a:pPr>
+            <a:r>
+              <a:rPr lang="en-US" sz="2200" dirty="0">
+                <a:latin typeface="Bookman Old Style" pitchFamily="18" charset="0"/>
+              </a:rPr>
+              <a:t>		</a:t>
+            </a:r>
+            <a:r>
+              <a:rPr lang="en-US" sz="1900" b="1" i="1" dirty="0">
+                <a:latin typeface="Bookman Old Style" pitchFamily="18" charset="0"/>
+              </a:rPr>
+              <a:t>$ flex </a:t>
+            </a:r>
+            <a:r>
+              <a:rPr lang="en-US" sz="1900" b="1" i="1" dirty="0" err="1">
+                <a:latin typeface="Bookman Old Style" pitchFamily="18" charset="0"/>
+              </a:rPr>
+              <a:t>c_lexer.l</a:t>
+            </a:r>
+            <a:r>
+              <a:rPr lang="en-US" sz="1900" b="1" i="1" dirty="0">
+                <a:latin typeface="Bookman Old Style" pitchFamily="18" charset="0"/>
+              </a:rPr>
+              <a:t> </a:t>
+            </a:r>
+          </a:p>
+          <a:p>
+            <a:pPr>
+              <a:buNone/>
+            </a:pPr>
+            <a:r>
+              <a:rPr lang="en-US" sz="2200" dirty="0">
+                <a:latin typeface="Bookman Old Style" pitchFamily="18" charset="0"/>
+                <a:ea typeface="HP Simplified Hans Light" panose="020B0300000000000000" pitchFamily="34" charset="-122"/>
+              </a:rPr>
+              <a:t>3. After compiling the </a:t>
+            </a:r>
+            <a:r>
+              <a:rPr lang="en-US" sz="2200" dirty="0" err="1">
+                <a:latin typeface="Bookman Old Style" pitchFamily="18" charset="0"/>
+                <a:ea typeface="HP Simplified Hans Light" panose="020B0300000000000000" pitchFamily="34" charset="-122"/>
+              </a:rPr>
+              <a:t>lex</a:t>
+            </a:r>
+            <a:r>
+              <a:rPr lang="en-US" sz="2200" dirty="0">
+                <a:latin typeface="Bookman Old Style" pitchFamily="18" charset="0"/>
+                <a:ea typeface="HP Simplified Hans Light" panose="020B0300000000000000" pitchFamily="34" charset="-122"/>
+              </a:rPr>
+              <a:t> file, a lex.yy.c file is generated. Also, </a:t>
+            </a:r>
+            <a:r>
+              <a:rPr lang="en-US" sz="2200" dirty="0" err="1">
+                <a:latin typeface="Bookman Old Style" pitchFamily="18" charset="0"/>
+                <a:ea typeface="HP Simplified Hans Light" panose="020B0300000000000000" pitchFamily="34" charset="-122"/>
+              </a:rPr>
+              <a:t>y.tab.c</a:t>
+            </a:r>
+            <a:r>
+              <a:rPr lang="en-US" sz="2200" dirty="0">
+                <a:latin typeface="Bookman Old Style" pitchFamily="18" charset="0"/>
+                <a:ea typeface="HP Simplified Hans Light" panose="020B0300000000000000" pitchFamily="34" charset="-122"/>
+              </a:rPr>
+              <a:t> and </a:t>
+            </a:r>
+            <a:r>
+              <a:rPr lang="en-US" sz="2200" dirty="0" err="1">
+                <a:latin typeface="Bookman Old Style" pitchFamily="18" charset="0"/>
+                <a:ea typeface="HP Simplified Hans Light" panose="020B0300000000000000" pitchFamily="34" charset="-122"/>
+              </a:rPr>
+              <a:t>y.tab.h</a:t>
+            </a:r>
+            <a:r>
+              <a:rPr lang="en-US" sz="2200" dirty="0">
+                <a:latin typeface="Bookman Old Style" pitchFamily="18" charset="0"/>
+                <a:ea typeface="HP Simplified Hans Light" panose="020B0300000000000000" pitchFamily="34" charset="-122"/>
+              </a:rPr>
+              <a:t> files are generated after compiling the </a:t>
+            </a:r>
+            <a:r>
+              <a:rPr lang="en-US" sz="2200" dirty="0" err="1">
+                <a:latin typeface="Bookman Old Style" pitchFamily="18" charset="0"/>
+                <a:ea typeface="HP Simplified Hans Light" panose="020B0300000000000000" pitchFamily="34" charset="-122"/>
+              </a:rPr>
+              <a:t>yacc</a:t>
+            </a:r>
+            <a:r>
+              <a:rPr lang="en-US" sz="2200" dirty="0">
+                <a:latin typeface="Bookman Old Style" pitchFamily="18" charset="0"/>
+                <a:ea typeface="HP Simplified Hans Light" panose="020B0300000000000000" pitchFamily="34" charset="-122"/>
+              </a:rPr>
+              <a:t> script.</a:t>
+            </a:r>
+          </a:p>
+          <a:p>
+            <a:pPr>
+              <a:buNone/>
+            </a:pPr>
+            <a:r>
+              <a:rPr lang="en-US" sz="2200" dirty="0">
+                <a:latin typeface="Bookman Old Style" pitchFamily="18" charset="0"/>
+                <a:ea typeface="HP Simplified Hans Light" panose="020B0300000000000000" pitchFamily="34" charset="-122"/>
+              </a:rPr>
+              <a:t>4. The three files, </a:t>
+            </a:r>
+            <a:r>
+              <a:rPr lang="en-US" sz="2200" dirty="0" err="1">
+                <a:latin typeface="Bookman Old Style" pitchFamily="18" charset="0"/>
+                <a:ea typeface="HP Simplified Hans Light" panose="020B0300000000000000" pitchFamily="34" charset="-122"/>
+              </a:rPr>
+              <a:t>lex.yy.c</a:t>
+            </a:r>
+            <a:r>
+              <a:rPr lang="en-US" sz="2200" dirty="0">
+                <a:latin typeface="Bookman Old Style" pitchFamily="18" charset="0"/>
+                <a:ea typeface="HP Simplified Hans Light" panose="020B0300000000000000" pitchFamily="34" charset="-122"/>
+              </a:rPr>
+              <a:t>, </a:t>
+            </a:r>
+            <a:r>
+              <a:rPr lang="en-US" sz="2200" dirty="0" err="1">
+                <a:latin typeface="Bookman Old Style" pitchFamily="18" charset="0"/>
+                <a:ea typeface="HP Simplified Hans Light" panose="020B0300000000000000" pitchFamily="34" charset="-122"/>
+              </a:rPr>
+              <a:t>y.tab.c</a:t>
+            </a:r>
+            <a:r>
+              <a:rPr lang="en-US" sz="2200" dirty="0">
+                <a:latin typeface="Bookman Old Style" pitchFamily="18" charset="0"/>
+                <a:ea typeface="HP Simplified Hans Light" panose="020B0300000000000000" pitchFamily="34" charset="-122"/>
+              </a:rPr>
+              <a:t> and </a:t>
+            </a:r>
+            <a:r>
+              <a:rPr lang="en-US" sz="2200" dirty="0" err="1">
+                <a:latin typeface="Bookman Old Style" pitchFamily="18" charset="0"/>
+                <a:ea typeface="HP Simplified Hans Light" panose="020B0300000000000000" pitchFamily="34" charset="-122"/>
+              </a:rPr>
+              <a:t>y.tab.h</a:t>
+            </a:r>
+            <a:r>
+              <a:rPr lang="en-US" sz="2200" dirty="0">
+                <a:latin typeface="Bookman Old Style" pitchFamily="18" charset="0"/>
+                <a:ea typeface="HP Simplified Hans Light" panose="020B0300000000000000" pitchFamily="34" charset="-122"/>
+              </a:rPr>
+              <a:t> are compiled together with the options –</a:t>
+            </a:r>
+            <a:r>
+              <a:rPr lang="en-US" sz="2200" dirty="0" err="1">
+                <a:latin typeface="Bookman Old Style" pitchFamily="18" charset="0"/>
+                <a:ea typeface="HP Simplified Hans Light" panose="020B0300000000000000" pitchFamily="34" charset="-122"/>
+              </a:rPr>
+              <a:t>ll</a:t>
+            </a:r>
+            <a:r>
+              <a:rPr lang="en-US" sz="2200" dirty="0">
+                <a:latin typeface="Bookman Old Style" pitchFamily="18" charset="0"/>
+                <a:ea typeface="HP Simplified Hans Light" panose="020B0300000000000000" pitchFamily="34" charset="-122"/>
+              </a:rPr>
+              <a:t> and –</a:t>
+            </a:r>
+            <a:r>
+              <a:rPr lang="en-US" sz="2200" dirty="0" err="1">
+                <a:latin typeface="Bookman Old Style" pitchFamily="18" charset="0"/>
+                <a:ea typeface="HP Simplified Hans Light" panose="020B0300000000000000" pitchFamily="34" charset="-122"/>
+              </a:rPr>
+              <a:t>ly</a:t>
+            </a:r>
+            <a:endParaRPr lang="en-US" sz="2200" dirty="0">
+              <a:latin typeface="Bookman Old Style" pitchFamily="18" charset="0"/>
+              <a:ea typeface="HP Simplified Hans Light" panose="020B0300000000000000" pitchFamily="34" charset="-122"/>
+            </a:endParaRPr>
+          </a:p>
+          <a:p>
+            <a:pPr>
+              <a:buNone/>
+            </a:pPr>
+            <a:r>
+              <a:rPr lang="en-US" sz="2600" dirty="0">
+                <a:latin typeface="Bookman Old Style" pitchFamily="18" charset="0"/>
+              </a:rPr>
+              <a:t>	</a:t>
+            </a:r>
+            <a:r>
+              <a:rPr lang="en-US" sz="2600" b="1" dirty="0">
+                <a:latin typeface="Bookman Old Style" pitchFamily="18" charset="0"/>
+              </a:rPr>
+              <a:t>      </a:t>
+            </a:r>
+            <a:r>
+              <a:rPr lang="en-US" sz="1900" b="1" i="1" dirty="0">
+                <a:latin typeface="Bookman Old Style" pitchFamily="18" charset="0"/>
+              </a:rPr>
+              <a:t>$ </a:t>
+            </a:r>
+            <a:r>
+              <a:rPr lang="en-US" sz="1900" b="1" i="1" dirty="0" err="1">
+                <a:latin typeface="Bookman Old Style" pitchFamily="18" charset="0"/>
+              </a:rPr>
+              <a:t>gcc</a:t>
+            </a:r>
+            <a:r>
+              <a:rPr lang="en-US" sz="1900" b="1" i="1" dirty="0">
+                <a:latin typeface="Bookman Old Style" pitchFamily="18" charset="0"/>
+              </a:rPr>
+              <a:t> -o compiler </a:t>
+            </a:r>
+            <a:r>
+              <a:rPr lang="en-US" sz="1900" b="1" i="1" dirty="0" err="1">
+                <a:latin typeface="Bookman Old Style" pitchFamily="18" charset="0"/>
+              </a:rPr>
+              <a:t>lex.yy.c</a:t>
+            </a:r>
+            <a:r>
+              <a:rPr lang="en-US" sz="1900" b="1" i="1" dirty="0">
+                <a:latin typeface="Bookman Old Style" pitchFamily="18" charset="0"/>
+              </a:rPr>
+              <a:t> </a:t>
+            </a:r>
+            <a:r>
+              <a:rPr lang="en-US" sz="1900" b="1" i="1" dirty="0" err="1">
+                <a:latin typeface="Bookman Old Style" pitchFamily="18" charset="0"/>
+              </a:rPr>
+              <a:t>y.tab.h</a:t>
+            </a:r>
+            <a:r>
+              <a:rPr lang="en-US" sz="1900" b="1" i="1" dirty="0">
+                <a:latin typeface="Bookman Old Style" pitchFamily="18" charset="0"/>
+              </a:rPr>
+              <a:t> </a:t>
+            </a:r>
+            <a:r>
+              <a:rPr lang="en-US" sz="1900" b="1" i="1" dirty="0" err="1">
+                <a:latin typeface="Bookman Old Style" pitchFamily="18" charset="0"/>
+              </a:rPr>
+              <a:t>y.tab.c</a:t>
+            </a:r>
+            <a:r>
+              <a:rPr lang="en-US" sz="1900" b="1" i="1" dirty="0">
+                <a:latin typeface="Bookman Old Style" pitchFamily="18" charset="0"/>
+              </a:rPr>
+              <a:t> -</a:t>
+            </a:r>
+            <a:r>
+              <a:rPr lang="en-US" sz="1900" b="1" i="1" dirty="0" err="1">
+                <a:latin typeface="Bookman Old Style" pitchFamily="18" charset="0"/>
+              </a:rPr>
+              <a:t>ll</a:t>
+            </a:r>
+            <a:r>
+              <a:rPr lang="en-US" sz="1900" b="1" i="1" dirty="0">
+                <a:latin typeface="Bookman Old Style" pitchFamily="18" charset="0"/>
+              </a:rPr>
+              <a:t> -</a:t>
+            </a:r>
+            <a:r>
+              <a:rPr lang="en-US" sz="1900" b="1" i="1" dirty="0" err="1">
+                <a:latin typeface="Bookman Old Style" pitchFamily="18" charset="0"/>
+              </a:rPr>
+              <a:t>ly</a:t>
+            </a:r>
+            <a:r>
+              <a:rPr lang="en-US" sz="1900" b="1" i="1" dirty="0">
+                <a:latin typeface="Bookman Old Style" pitchFamily="18" charset="0"/>
+              </a:rPr>
+              <a:t> </a:t>
+            </a:r>
+            <a:endParaRPr lang="en-US" sz="2600" b="1" i="1" dirty="0">
+              <a:latin typeface="Bookman Old Style" pitchFamily="18" charset="0"/>
+            </a:endParaRPr>
+          </a:p>
+          <a:p>
+            <a:pPr>
+              <a:buNone/>
+            </a:pPr>
+            <a:r>
+              <a:rPr lang="en-US" sz="2200" dirty="0">
+                <a:latin typeface="Bookman Old Style" pitchFamily="18" charset="0"/>
+                <a:ea typeface="HP Simplified Hans Light" panose="020B0300000000000000" pitchFamily="34" charset="-122"/>
+              </a:rPr>
+              <a:t>5. The executable file is generated, which on running parses the C file given as a command line input </a:t>
+            </a:r>
+          </a:p>
+          <a:p>
+            <a:pPr>
+              <a:buNone/>
+            </a:pPr>
+            <a:r>
+              <a:rPr lang="en-US" sz="2600" dirty="0">
+                <a:latin typeface="Bookman Old Style" pitchFamily="18" charset="0"/>
+              </a:rPr>
+              <a:t>	     </a:t>
+            </a:r>
+            <a:r>
+              <a:rPr lang="en-US" sz="1900" b="1" i="1" dirty="0">
+                <a:latin typeface="Bookman Old Style" pitchFamily="18" charset="0"/>
+              </a:rPr>
+              <a:t>$ ./compiler </a:t>
+            </a:r>
+            <a:r>
+              <a:rPr lang="en-US" sz="1900" b="1" i="1" dirty="0" err="1">
+                <a:latin typeface="Bookman Old Style" pitchFamily="18" charset="0"/>
+              </a:rPr>
+              <a:t>test.c</a:t>
+            </a:r>
+            <a:endParaRPr lang="en-US" sz="2600" b="1" i="1" dirty="0">
+              <a:latin typeface="Bookman Old Style" pitchFamily="18" charset="0"/>
+            </a:endParaRPr>
+          </a:p>
+          <a:p>
+            <a:pPr>
+              <a:buNone/>
+            </a:pPr>
+            <a:r>
+              <a:rPr lang="en-US" sz="2200" dirty="0">
+                <a:latin typeface="Bookman Old Style" pitchFamily="18" charset="0"/>
+                <a:ea typeface="HP Simplified Hans Light" panose="020B0300000000000000" pitchFamily="34" charset="-122"/>
+              </a:rPr>
+              <a:t>The script also has an option to take standard input instead of taking input from a file.</a:t>
+            </a:r>
+          </a:p>
+          <a:p>
+            <a:pPr>
+              <a:buNone/>
+            </a:pPr>
+            <a:endParaRPr lang="en-US" sz="2600" dirty="0">
+              <a:latin typeface="Bookman Old Style" pitchFamily="18" charset="0"/>
+              <a:ea typeface="HP Simplified Hans Light" panose="020B0300000000000000" pitchFamily="34" charset="-122"/>
+            </a:endParaRPr>
+          </a:p>
+        </p:txBody>
+      </p:sp>
     </p:spTree>
   </p:cSld>
   <p:clrMapOvr>
@@ -8698,6 +8822,97 @@
         </p:nvSpPr>
         <p:spPr>
           <a:xfrm>
+            <a:off x="0" y="152400"/>
+            <a:ext cx="8229600" cy="334962"/>
+          </a:xfrm>
+        </p:spPr>
+        <p:txBody>
+          <a:bodyPr>
+            <a:normAutofit fontScale="90000"/>
+          </a:bodyPr>
+          <a:lstStyle/>
+          <a:p>
+            <a:pPr algn="l"/>
+            <a:r>
+              <a:rPr lang="en-US" sz="3200" b="1" dirty="0">
+                <a:solidFill>
+                  <a:srgbClr val="FF0000"/>
+                </a:solidFill>
+                <a:latin typeface="Bookman Old Style" pitchFamily="18" charset="0"/>
+              </a:rPr>
+              <a:t>Output</a:t>
+            </a:r>
+            <a:r>
+              <a:rPr lang="en-US" sz="3200" b="1" dirty="0">
+                <a:solidFill>
+                  <a:srgbClr val="FF0000"/>
+                </a:solidFill>
+              </a:rPr>
+              <a:t>:</a:t>
+            </a:r>
+          </a:p>
+        </p:txBody>
+      </p:sp>
+      <p:pic>
+        <p:nvPicPr>
+          <p:cNvPr id="4" name="Content Placeholder 3" descr="4.PNG"/>
+          <p:cNvPicPr>
+            <a:picLocks noGrp="1" noChangeAspect="1"/>
+          </p:cNvPicPr>
+          <p:nvPr>
+            <p:ph idx="1"/>
+          </p:nvPr>
+        </p:nvPicPr>
+        <p:blipFill>
+          <a:blip r:embed="rId2"/>
+          <a:stretch>
+            <a:fillRect/>
+          </a:stretch>
+        </p:blipFill>
+        <p:spPr>
+          <a:xfrm>
+            <a:off x="74725" y="1066800"/>
+            <a:ext cx="8733840" cy="5105400"/>
+          </a:xfrm>
+        </p:spPr>
+      </p:pic>
+    </p:spTree>
+  </p:cSld>
+  <p:clrMapOvr>
+    <a:masterClrMapping/>
+  </p:clrMapOvr>
+</p:sld>
+</file>
+
+<file path=ppt/slides/slide21.xml><?xml version="1.0" encoding="utf-8"?>
+<p:sld xmlns:a="http://schemas.openxmlformats.org/drawingml/2006/main" xmlns:r="http://schemas.openxmlformats.org/officeDocument/2006/relationships" xmlns:p="http://schemas.openxmlformats.org/presentationml/2006/main">
+  <p:cSld>
+    <p:spTree>
+      <p:nvGrpSpPr>
+        <p:cNvPr id="1" name=""/>
+        <p:cNvGrpSpPr/>
+        <p:nvPr/>
+      </p:nvGrpSpPr>
+      <p:grpSpPr>
+        <a:xfrm>
+          <a:off x="0" y="0"/>
+          <a:ext cx="0" cy="0"/>
+          <a:chOff x="0" y="0"/>
+          <a:chExt cx="0" cy="0"/>
+        </a:xfrm>
+      </p:grpSpPr>
+      <p:sp>
+        <p:nvSpPr>
+          <p:cNvPr id="2" name="Title 1"/>
+          <p:cNvSpPr>
+            <a:spLocks noGrp="1"/>
+          </p:cNvSpPr>
+          <p:nvPr>
+            <p:ph type="title"/>
+          </p:nvPr>
+        </p:nvSpPr>
+        <p:spPr>
+          <a:xfrm>
             <a:off x="228600" y="152400"/>
             <a:ext cx="5611290" cy="685800"/>
           </a:xfrm>
@@ -8815,7 +9030,7 @@
 </p:sld>
 </file>
 
-<file path=ppt/slides/slide21.xml><?xml version="1.0" encoding="utf-8"?>
+<file path=ppt/slides/slide22.xml><?xml version="1.0" encoding="utf-8"?>
 <p:sld xmlns:a="http://schemas.openxmlformats.org/drawingml/2006/main" xmlns:r="http://schemas.openxmlformats.org/officeDocument/2006/relationships" xmlns:p="http://schemas.openxmlformats.org/presentationml/2006/main">
   <p:cSld>
     <p:spTree>
@@ -8923,7 +9138,7 @@
 </p:sld>
 </file>
 
-<file path=ppt/slides/slide22.xml><?xml version="1.0" encoding="utf-8"?>
+<file path=ppt/slides/slide23.xml><?xml version="1.0" encoding="utf-8"?>
 <p:sld xmlns:a="http://schemas.openxmlformats.org/drawingml/2006/main" xmlns:r="http://schemas.openxmlformats.org/officeDocument/2006/relationships" xmlns:p="http://schemas.openxmlformats.org/presentationml/2006/main">
   <p:cSld>
     <p:spTree>
@@ -9022,7 +9237,7 @@
 </p:sld>
 </file>
 
-<file path=ppt/slides/slide23.xml><?xml version="1.0" encoding="utf-8"?>
+<file path=ppt/slides/slide24.xml><?xml version="1.0" encoding="utf-8"?>
 <p:sld xmlns:a="http://schemas.openxmlformats.org/drawingml/2006/main" xmlns:r="http://schemas.openxmlformats.org/officeDocument/2006/relationships" xmlns:p="http://schemas.openxmlformats.org/presentationml/2006/main">
   <p:cSld>
     <p:spTree>
@@ -9041,6 +9256,373 @@
       </p:grpSpPr>
       <p:sp>
         <p:nvSpPr>
+          <p:cNvPr id="2" name="Title 1">
+            <a:extLst>
+              <a:ext uri="{FF2B5EF4-FFF2-40B4-BE49-F238E27FC236}">
+                <a16:creationId xmlns:a16="http://schemas.microsoft.com/office/drawing/2014/main" id="{2DAC47F3-6545-5380-226C-4439AF7FAEE2}"/>
+              </a:ext>
+            </a:extLst>
+          </p:cNvPr>
+          <p:cNvSpPr>
+            <a:spLocks noGrp="1"/>
+          </p:cNvSpPr>
+          <p:nvPr>
+            <p:ph type="title"/>
+          </p:nvPr>
+        </p:nvSpPr>
+        <p:spPr>
+          <a:xfrm>
+            <a:off x="484710" y="228600"/>
+            <a:ext cx="7055380" cy="1371600"/>
+          </a:xfrm>
+        </p:spPr>
+        <p:txBody>
+          <a:bodyPr/>
+          <a:lstStyle/>
+          <a:p>
+            <a:r>
+              <a:rPr lang="en-US" b="1" dirty="0">
+                <a:solidFill>
+                  <a:srgbClr val="FF0000"/>
+                </a:solidFill>
+                <a:latin typeface="Bookman Old Style" pitchFamily="18" charset="0"/>
+              </a:rPr>
+              <a:t>Intermediate Code Generation</a:t>
+            </a:r>
+            <a:endParaRPr lang="en-IN" dirty="0"/>
+          </a:p>
+        </p:txBody>
+      </p:sp>
+      <p:sp>
+        <p:nvSpPr>
+          <p:cNvPr id="3" name="Content Placeholder 2">
+            <a:extLst>
+              <a:ext uri="{FF2B5EF4-FFF2-40B4-BE49-F238E27FC236}">
+                <a16:creationId xmlns:a16="http://schemas.microsoft.com/office/drawing/2014/main" id="{1B02062E-857F-0AE4-6AC7-E1E5EB50DEA2}"/>
+              </a:ext>
+            </a:extLst>
+          </p:cNvPr>
+          <p:cNvSpPr>
+            <a:spLocks noGrp="1"/>
+          </p:cNvSpPr>
+          <p:nvPr>
+            <p:ph idx="1"/>
+          </p:nvPr>
+        </p:nvSpPr>
+        <p:spPr>
+          <a:xfrm>
+            <a:off x="533400" y="1600200"/>
+            <a:ext cx="7005954" cy="4648207"/>
+          </a:xfrm>
+        </p:spPr>
+        <p:txBody>
+          <a:bodyPr>
+            <a:noAutofit/>
+          </a:bodyPr>
+          <a:lstStyle/>
+          <a:p>
+            <a:pPr marL="0" indent="0">
+              <a:buNone/>
+            </a:pPr>
+            <a:r>
+              <a:rPr lang="en-US" sz="2400" dirty="0">
+                <a:latin typeface="Bookman Old Style" pitchFamily="18" charset="0"/>
+                <a:ea typeface="HP Simplified Hans Light" panose="020B0300000000000000" pitchFamily="34" charset="-122"/>
+              </a:rPr>
+              <a:t>Intermediate Code Generation phase is </a:t>
+            </a:r>
+            <a:r>
+              <a:rPr lang="en-US" sz="2400" dirty="0" err="1">
+                <a:latin typeface="Bookman Old Style" pitchFamily="18" charset="0"/>
+                <a:ea typeface="HP Simplified Hans Light" panose="020B0300000000000000" pitchFamily="34" charset="-122"/>
+              </a:rPr>
+              <a:t>theglue</a:t>
+            </a:r>
+            <a:r>
+              <a:rPr lang="en-US" sz="2400" dirty="0">
+                <a:latin typeface="Bookman Old Style" pitchFamily="18" charset="0"/>
+                <a:ea typeface="HP Simplified Hans Light" panose="020B0300000000000000" pitchFamily="34" charset="-122"/>
+              </a:rPr>
+              <a:t> between frontend and backend of </a:t>
+            </a:r>
+            <a:r>
+              <a:rPr lang="en-US" sz="2400" dirty="0" err="1">
+                <a:latin typeface="Bookman Old Style" pitchFamily="18" charset="0"/>
+                <a:ea typeface="HP Simplified Hans Light" panose="020B0300000000000000" pitchFamily="34" charset="-122"/>
+              </a:rPr>
+              <a:t>thecompiler</a:t>
+            </a:r>
+            <a:r>
+              <a:rPr lang="en-US" sz="2400" dirty="0">
+                <a:latin typeface="Bookman Old Style" pitchFamily="18" charset="0"/>
+                <a:ea typeface="HP Simplified Hans Light" panose="020B0300000000000000" pitchFamily="34" charset="-122"/>
+              </a:rPr>
+              <a:t> design stages. This means </a:t>
+            </a:r>
+            <a:r>
+              <a:rPr lang="en-US" sz="2400" dirty="0" err="1">
+                <a:latin typeface="Bookman Old Style" pitchFamily="18" charset="0"/>
+                <a:ea typeface="HP Simplified Hans Light" panose="020B0300000000000000" pitchFamily="34" charset="-122"/>
+              </a:rPr>
+              <a:t>that,eventually</a:t>
+            </a:r>
+            <a:r>
+              <a:rPr lang="en-US" sz="2400" dirty="0">
+                <a:latin typeface="Bookman Old Style" pitchFamily="18" charset="0"/>
+                <a:ea typeface="HP Simplified Hans Light" panose="020B0300000000000000" pitchFamily="34" charset="-122"/>
+              </a:rPr>
+              <a:t>, the program will have to </a:t>
+            </a:r>
+            <a:r>
+              <a:rPr lang="en-US" sz="2400" dirty="0" err="1">
+                <a:latin typeface="Bookman Old Style" pitchFamily="18" charset="0"/>
+                <a:ea typeface="HP Simplified Hans Light" panose="020B0300000000000000" pitchFamily="34" charset="-122"/>
+              </a:rPr>
+              <a:t>beexpressed</a:t>
+            </a:r>
+            <a:r>
+              <a:rPr lang="en-US" sz="2400" dirty="0">
+                <a:latin typeface="Bookman Old Style" pitchFamily="18" charset="0"/>
+                <a:ea typeface="HP Simplified Hans Light" panose="020B0300000000000000" pitchFamily="34" charset="-122"/>
+              </a:rPr>
+              <a:t> as machine code which can run </a:t>
+            </a:r>
+            <a:r>
+              <a:rPr lang="en-US" sz="2400" dirty="0" err="1">
+                <a:latin typeface="Bookman Old Style" pitchFamily="18" charset="0"/>
+                <a:ea typeface="HP Simplified Hans Light" panose="020B0300000000000000" pitchFamily="34" charset="-122"/>
+              </a:rPr>
+              <a:t>onthe</a:t>
+            </a:r>
+            <a:r>
+              <a:rPr lang="en-US" sz="2400" dirty="0">
+                <a:latin typeface="Bookman Old Style" pitchFamily="18" charset="0"/>
+                <a:ea typeface="HP Simplified Hans Light" panose="020B0300000000000000" pitchFamily="34" charset="-122"/>
+              </a:rPr>
+              <a:t> computer. </a:t>
+            </a:r>
+          </a:p>
+          <a:p>
+            <a:pPr marL="0" indent="0">
+              <a:buNone/>
+            </a:pPr>
+            <a:r>
+              <a:rPr lang="en-US" sz="2400" dirty="0">
+                <a:latin typeface="Bookman Old Style" pitchFamily="18" charset="0"/>
+                <a:ea typeface="HP Simplified Hans Light" panose="020B0300000000000000" pitchFamily="34" charset="-122"/>
+              </a:rPr>
+              <a:t>Many compilers use a medium level language as a stepping-stone </a:t>
+            </a:r>
+            <a:r>
+              <a:rPr lang="en-US" sz="2400" dirty="0" err="1">
+                <a:latin typeface="Bookman Old Style" pitchFamily="18" charset="0"/>
+                <a:ea typeface="HP Simplified Hans Light" panose="020B0300000000000000" pitchFamily="34" charset="-122"/>
+              </a:rPr>
+              <a:t>betweenthe</a:t>
+            </a:r>
+            <a:r>
+              <a:rPr lang="en-US" sz="2400" dirty="0">
+                <a:latin typeface="Bookman Old Style" pitchFamily="18" charset="0"/>
+                <a:ea typeface="HP Simplified Hans Light" panose="020B0300000000000000" pitchFamily="34" charset="-122"/>
+              </a:rPr>
+              <a:t> high-level language and the very low-</a:t>
+            </a:r>
+            <a:r>
+              <a:rPr lang="en-US" sz="2400" dirty="0" err="1">
+                <a:latin typeface="Bookman Old Style" pitchFamily="18" charset="0"/>
+                <a:ea typeface="HP Simplified Hans Light" panose="020B0300000000000000" pitchFamily="34" charset="-122"/>
+              </a:rPr>
+              <a:t>levelmachine</a:t>
+            </a:r>
+            <a:r>
+              <a:rPr lang="en-US" sz="2400" dirty="0">
+                <a:latin typeface="Bookman Old Style" pitchFamily="18" charset="0"/>
+                <a:ea typeface="HP Simplified Hans Light" panose="020B0300000000000000" pitchFamily="34" charset="-122"/>
+              </a:rPr>
+              <a:t> code. Such stepping-stone </a:t>
+            </a:r>
+            <a:r>
+              <a:rPr lang="en-US" sz="2400" dirty="0" err="1">
+                <a:latin typeface="Bookman Old Style" pitchFamily="18" charset="0"/>
+                <a:ea typeface="HP Simplified Hans Light" panose="020B0300000000000000" pitchFamily="34" charset="-122"/>
+              </a:rPr>
+              <a:t>languagesare</a:t>
+            </a:r>
+            <a:r>
+              <a:rPr lang="en-US" sz="2400" dirty="0">
+                <a:latin typeface="Bookman Old Style" pitchFamily="18" charset="0"/>
+                <a:ea typeface="HP Simplified Hans Light" panose="020B0300000000000000" pitchFamily="34" charset="-122"/>
+              </a:rPr>
+              <a:t> called intermediate code. It provides </a:t>
+            </a:r>
+            <a:r>
+              <a:rPr lang="en-US" sz="2400" dirty="0" err="1">
+                <a:latin typeface="Bookman Old Style" pitchFamily="18" charset="0"/>
+                <a:ea typeface="HP Simplified Hans Light" panose="020B0300000000000000" pitchFamily="34" charset="-122"/>
+              </a:rPr>
+              <a:t>lowerabstraction</a:t>
+            </a:r>
+            <a:r>
+              <a:rPr lang="en-US" sz="2400" dirty="0">
+                <a:latin typeface="Bookman Old Style" pitchFamily="18" charset="0"/>
+                <a:ea typeface="HP Simplified Hans Light" panose="020B0300000000000000" pitchFamily="34" charset="-122"/>
+              </a:rPr>
+              <a:t> from source level and </a:t>
+            </a:r>
+            <a:r>
+              <a:rPr lang="en-US" sz="2400" dirty="0" err="1">
+                <a:latin typeface="Bookman Old Style" pitchFamily="18" charset="0"/>
+                <a:ea typeface="HP Simplified Hans Light" panose="020B0300000000000000" pitchFamily="34" charset="-122"/>
+              </a:rPr>
+              <a:t>maintainsome</a:t>
+            </a:r>
+            <a:r>
+              <a:rPr lang="en-US" sz="2400" dirty="0">
+                <a:latin typeface="Bookman Old Style" pitchFamily="18" charset="0"/>
+                <a:ea typeface="HP Simplified Hans Light" panose="020B0300000000000000" pitchFamily="34" charset="-122"/>
+              </a:rPr>
+              <a:t> high level information</a:t>
+            </a:r>
+            <a:endParaRPr lang="en-IN" sz="2400" dirty="0"/>
+          </a:p>
+        </p:txBody>
+      </p:sp>
+    </p:spTree>
+    <p:extLst>
+      <p:ext uri="{BB962C8B-B14F-4D97-AF65-F5344CB8AC3E}">
+        <p14:creationId xmlns:p14="http://schemas.microsoft.com/office/powerpoint/2010/main" val="3862112422"/>
+      </p:ext>
+    </p:extLst>
+  </p:cSld>
+  <p:clrMapOvr>
+    <a:masterClrMapping/>
+  </p:clrMapOvr>
+</p:sld>
+</file>
+
+<file path=ppt/slides/slide25.xml><?xml version="1.0" encoding="utf-8"?>
+<p:sld xmlns:a="http://schemas.openxmlformats.org/drawingml/2006/main" xmlns:r="http://schemas.openxmlformats.org/officeDocument/2006/relationships" xmlns:p="http://schemas.openxmlformats.org/presentationml/2006/main">
+  <p:cSld>
+    <p:spTree>
+      <p:nvGrpSpPr>
+        <p:cNvPr id="1" name=""/>
+        <p:cNvGrpSpPr/>
+        <p:nvPr/>
+      </p:nvGrpSpPr>
+      <p:grpSpPr>
+        <a:xfrm>
+          <a:off x="0" y="0"/>
+          <a:ext cx="0" cy="0"/>
+          <a:chOff x="0" y="0"/>
+          <a:chExt cx="0" cy="0"/>
+        </a:xfrm>
+      </p:grpSpPr>
+      <p:sp>
+        <p:nvSpPr>
+          <p:cNvPr id="2" name="Title 1">
+            <a:extLst>
+              <a:ext uri="{FF2B5EF4-FFF2-40B4-BE49-F238E27FC236}">
+                <a16:creationId xmlns:a16="http://schemas.microsoft.com/office/drawing/2014/main" id="{C021CFCD-981B-F78E-4671-DB86375B3909}"/>
+              </a:ext>
+            </a:extLst>
+          </p:cNvPr>
+          <p:cNvSpPr>
+            <a:spLocks noGrp="1"/>
+          </p:cNvSpPr>
+          <p:nvPr>
+            <p:ph type="title"/>
+          </p:nvPr>
+        </p:nvSpPr>
+        <p:spPr>
+          <a:xfrm>
+            <a:off x="228600" y="304800"/>
+            <a:ext cx="7311490" cy="838200"/>
+          </a:xfrm>
+        </p:spPr>
+        <p:txBody>
+          <a:bodyPr/>
+          <a:lstStyle/>
+          <a:p>
+            <a:r>
+              <a:rPr lang="en-US" b="1" dirty="0">
+                <a:solidFill>
+                  <a:srgbClr val="FF0000"/>
+                </a:solidFill>
+                <a:latin typeface="Bookman Old Style" pitchFamily="18" charset="0"/>
+              </a:rPr>
+              <a:t>Output:</a:t>
+            </a:r>
+            <a:endParaRPr lang="en-IN" dirty="0"/>
+          </a:p>
+        </p:txBody>
+      </p:sp>
+      <p:pic>
+        <p:nvPicPr>
+          <p:cNvPr id="7" name="Content Placeholder 6">
+            <a:extLst>
+              <a:ext uri="{FF2B5EF4-FFF2-40B4-BE49-F238E27FC236}">
+                <a16:creationId xmlns:a16="http://schemas.microsoft.com/office/drawing/2014/main" id="{0CD8FE32-2857-FE9B-5604-0433B486252D}"/>
+              </a:ext>
+            </a:extLst>
+          </p:cNvPr>
+          <p:cNvPicPr>
+            <a:picLocks noGrp="1" noChangeAspect="1"/>
+          </p:cNvPicPr>
+          <p:nvPr>
+            <p:ph idx="1"/>
+          </p:nvPr>
+        </p:nvPicPr>
+        <p:blipFill>
+          <a:blip r:embed="rId2">
+            <a:extLst>
+              <a:ext uri="{28A0092B-C50C-407E-A947-70E740481C1C}">
+                <a14:useLocalDpi xmlns:a14="http://schemas.microsoft.com/office/drawing/2010/main" val="0"/>
+              </a:ext>
+            </a:extLst>
+          </a:blip>
+          <a:stretch>
+            <a:fillRect/>
+          </a:stretch>
+        </p:blipFill>
+        <p:spPr>
+          <a:xfrm>
+            <a:off x="304800" y="1219201"/>
+            <a:ext cx="8610600" cy="4953000"/>
+          </a:xfrm>
+        </p:spPr>
+      </p:pic>
+    </p:spTree>
+    <p:extLst>
+      <p:ext uri="{BB962C8B-B14F-4D97-AF65-F5344CB8AC3E}">
+        <p14:creationId xmlns:p14="http://schemas.microsoft.com/office/powerpoint/2010/main" val="1766455474"/>
+      </p:ext>
+    </p:extLst>
+  </p:cSld>
+  <p:clrMapOvr>
+    <a:masterClrMapping/>
+  </p:clrMapOvr>
+</p:sld>
+</file>
+
+<file path=ppt/slides/slide26.xml><?xml version="1.0" encoding="utf-8"?>
+<p:sld xmlns:a="http://schemas.openxmlformats.org/drawingml/2006/main" xmlns:r="http://schemas.openxmlformats.org/officeDocument/2006/relationships" xmlns:p="http://schemas.openxmlformats.org/presentationml/2006/main">
+  <p:cSld>
+    <p:spTree>
+      <p:nvGrpSpPr>
+        <p:cNvPr id="1" name=""/>
+        <p:cNvGrpSpPr/>
+        <p:nvPr/>
+      </p:nvGrpSpPr>
+      <p:grpSpPr>
+        <a:xfrm>
+          <a:off x="0" y="0"/>
+          <a:ext cx="0" cy="0"/>
+          <a:chOff x="0" y="0"/>
+          <a:chExt cx="0" cy="0"/>
+        </a:xfrm>
+      </p:grpSpPr>
+      <p:sp>
+        <p:nvSpPr>
           <p:cNvPr id="3" name="Content Placeholder 2"/>
           <p:cNvSpPr>
             <a:spLocks noGrp="1"/>
@@ -9088,20 +9670,15 @@
               <a:rPr lang="en-US" sz="2400" dirty="0">
                 <a:latin typeface="Bookman Old Style" pitchFamily="18" charset="0"/>
               </a:rPr>
-              <a:t>Optimization, efficiency improvements, exploring emerging trends.   </a:t>
-            </a:r>
-          </a:p>
-          <a:p>
-            <a:endParaRPr lang="en-US" sz="2400" dirty="0">
-              <a:latin typeface="Bookman Old Style" pitchFamily="18" charset="0"/>
-            </a:endParaRPr>
+              <a:t>Our next steps involve optimizing the compiler, enhancing efficiency, and exploring emerging trends in compiler design.</a:t>
+            </a:r>
           </a:p>
           <a:p>
             <a:r>
               <a:rPr lang="en-US" sz="2400" dirty="0">
                 <a:latin typeface="Bookman Old Style" pitchFamily="18" charset="0"/>
               </a:rPr>
-              <a:t>Semantic analysis vital for program correctness and compiler functionality.</a:t>
+              <a:t>We are gearing up to tackle the backend implementation of the compiler, marking a crucial phase in completing its development cycle.</a:t>
             </a:r>
           </a:p>
         </p:txBody>
@@ -9119,7 +9696,7 @@
 </p:sld>
 </file>
 
-<file path=ppt/slides/slide24.xml><?xml version="1.0" encoding="utf-8"?>
+<file path=ppt/slides/slide27.xml><?xml version="1.0" encoding="utf-8"?>
 <p:sld xmlns:a="http://schemas.openxmlformats.org/drawingml/2006/main" xmlns:r="http://schemas.openxmlformats.org/officeDocument/2006/relationships" xmlns:p="http://schemas.openxmlformats.org/presentationml/2006/main">
   <p:cSld>
     <p:spTree>
@@ -9197,18 +9774,58 @@
       </p:grpSpPr>
       <p:sp>
         <p:nvSpPr>
-          <p:cNvPr id="2" name="Title 1"/>
+          <p:cNvPr id="2" name="Title 1">
+            <a:extLst>
+              <a:ext uri="{FF2B5EF4-FFF2-40B4-BE49-F238E27FC236}">
+                <a16:creationId xmlns:a16="http://schemas.microsoft.com/office/drawing/2014/main" id="{63019E28-65F5-0012-DA53-6A000C8852FC}"/>
+              </a:ext>
+            </a:extLst>
+          </p:cNvPr>
           <p:cNvSpPr>
             <a:spLocks noGrp="1"/>
           </p:cNvSpPr>
           <p:nvPr>
             <p:ph type="title"/>
+          </p:nvPr>
+        </p:nvSpPr>
+        <p:spPr/>
+        <p:txBody>
+          <a:bodyPr/>
+          <a:lstStyle/>
+          <a:p>
+            <a:r>
+              <a:rPr lang="en-US" b="1" dirty="0">
+                <a:solidFill>
+                  <a:srgbClr val="FF0000"/>
+                </a:solidFill>
+                <a:latin typeface="Bookman Old Style" pitchFamily="18" charset="0"/>
+              </a:rPr>
+              <a:t>Progress:</a:t>
+            </a:r>
+            <a:endParaRPr lang="en-IN" dirty="0"/>
+          </a:p>
+        </p:txBody>
+      </p:sp>
+      <p:sp>
+        <p:nvSpPr>
+          <p:cNvPr id="3" name="Content Placeholder 2">
+            <a:extLst>
+              <a:ext uri="{FF2B5EF4-FFF2-40B4-BE49-F238E27FC236}">
+                <a16:creationId xmlns:a16="http://schemas.microsoft.com/office/drawing/2014/main" id="{392082EC-D17F-2F51-85C7-56F9AFA7E7A6}"/>
+              </a:ext>
+            </a:extLst>
+          </p:cNvPr>
+          <p:cNvSpPr>
+            <a:spLocks noGrp="1"/>
+          </p:cNvSpPr>
+          <p:nvPr>
+            <p:ph idx="1"/>
           </p:nvPr>
         </p:nvSpPr>
         <p:spPr>
           <a:xfrm>
-            <a:off x="228600" y="228600"/>
-            <a:ext cx="8686800" cy="762000"/>
+            <a:off x="228600" y="1524000"/>
+            <a:ext cx="8305800" cy="5029199"/>
           </a:xfrm>
         </p:spPr>
         <p:txBody>
@@ -9217,136 +9834,110 @@
           </a:bodyPr>
           <a:lstStyle/>
           <a:p>
-            <a:pPr algn="l"/>
-            <a:r>
-              <a:rPr lang="en-US" b="1" dirty="0">
+            <a:r>
+              <a:rPr lang="en-US" sz="2400" b="1" u="sng" dirty="0">
+                <a:latin typeface="Bookman Old Style" pitchFamily="18" charset="0"/>
+                <a:ea typeface="Microsoft Sans Serif" panose="020B0604020202020204" pitchFamily="34" charset="0"/>
+                <a:cs typeface="Microsoft Sans Serif" panose="020B0604020202020204" pitchFamily="34" charset="0"/>
+              </a:rPr>
+              <a:t>Week1:</a:t>
+            </a:r>
+            <a:r>
+              <a:rPr lang="en-US" sz="2400" u="sng" dirty="0">
                 <a:solidFill>
-                  <a:srgbClr val="FF0000"/>
+                  <a:srgbClr val="ECECEC"/>
                 </a:solidFill>
-                <a:latin typeface="Bookman Old Style" pitchFamily="18" charset="0"/>
-              </a:rPr>
-              <a:t>Compiler</a:t>
-            </a:r>
-          </a:p>
-        </p:txBody>
-      </p:sp>
-      <p:sp>
-        <p:nvSpPr>
-          <p:cNvPr id="3" name="Content Placeholder 2"/>
-          <p:cNvSpPr>
-            <a:spLocks noGrp="1"/>
-          </p:cNvSpPr>
-          <p:nvPr>
-            <p:ph idx="1"/>
-          </p:nvPr>
-        </p:nvSpPr>
-        <p:spPr>
-          <a:xfrm>
-            <a:off x="228600" y="1066800"/>
-            <a:ext cx="8915400" cy="5791200"/>
-          </a:xfrm>
-        </p:spPr>
-        <p:txBody>
-          <a:bodyPr>
-            <a:normAutofit lnSpcReduction="10000"/>
-          </a:bodyPr>
-          <a:lstStyle/>
-          <a:p>
-            <a:pPr>
-              <a:buClr>
-                <a:srgbClr val="FF0000"/>
-              </a:buClr>
-              <a:buFont typeface="Wingdings" pitchFamily="2" charset="2"/>
-              <a:buChar char="v"/>
-            </a:pPr>
-            <a:r>
-              <a:rPr lang="en-US" sz="2300" dirty="0">
-                <a:latin typeface="Bookman Old Style" pitchFamily="18" charset="0"/>
-                <a:ea typeface="HP Simplified Hans Light" panose="020B0300000000000000" pitchFamily="34" charset="-122"/>
-              </a:rPr>
-              <a:t>A compiler is a software program that compiles program source code files into an executable program. </a:t>
-            </a:r>
-          </a:p>
-          <a:p>
-            <a:pPr>
-              <a:buClr>
-                <a:srgbClr val="FF0000"/>
-              </a:buClr>
-              <a:buFont typeface="Wingdings" pitchFamily="2" charset="2"/>
-              <a:buChar char="v"/>
-            </a:pPr>
-            <a:r>
-              <a:rPr lang="en-US" sz="2300" dirty="0">
-                <a:latin typeface="Bookman Old Style" pitchFamily="18" charset="0"/>
-                <a:ea typeface="HP Simplified Hans Light" panose="020B0300000000000000" pitchFamily="34" charset="-122"/>
-              </a:rPr>
-              <a:t>In simple terms, a compiler is a computer program that changes the language in which programs are written into instructions that a computer can use.</a:t>
-            </a:r>
-          </a:p>
-          <a:p>
-            <a:pPr>
-              <a:buClr>
-                <a:srgbClr val="FF0000"/>
-              </a:buClr>
-              <a:buFont typeface="Wingdings" pitchFamily="2" charset="2"/>
-              <a:buChar char="v"/>
-            </a:pPr>
-            <a:r>
-              <a:rPr lang="en-US" sz="2300" dirty="0">
-                <a:latin typeface="Bookman Old Style" pitchFamily="18" charset="0"/>
-                <a:ea typeface="HP Simplified Hans Light" panose="020B0300000000000000" pitchFamily="34" charset="-122"/>
-              </a:rPr>
-              <a:t>It is included as part of the integrated development environment IDE with most programming software packages.</a:t>
-            </a:r>
-          </a:p>
-          <a:p>
-            <a:pPr>
-              <a:buClr>
-                <a:srgbClr val="FF0000"/>
-              </a:buClr>
-              <a:buFont typeface="Wingdings" pitchFamily="2" charset="2"/>
-              <a:buChar char="v"/>
-            </a:pPr>
-            <a:r>
-              <a:rPr lang="en-US" sz="2300" dirty="0">
-                <a:latin typeface="Bookman Old Style" pitchFamily="18" charset="0"/>
-                <a:ea typeface="HP Simplified Hans Light" panose="020B0300000000000000" pitchFamily="34" charset="-122"/>
-              </a:rPr>
-              <a:t>The compiler takes source code files that are written in a high-level language, such as C, C++, or Java, and compiles the code into a low-level language, such as machine code or assembly code.</a:t>
-            </a:r>
-          </a:p>
-          <a:p>
-            <a:pPr>
-              <a:buClr>
-                <a:srgbClr val="FF0000"/>
-              </a:buClr>
-              <a:buFont typeface="Wingdings" pitchFamily="2" charset="2"/>
-              <a:buChar char="v"/>
-            </a:pPr>
-            <a:r>
-              <a:rPr lang="en-US" sz="2300" dirty="0">
-                <a:latin typeface="Bookman Old Style" pitchFamily="18" charset="0"/>
-                <a:ea typeface="HP Simplified Hans Light" panose="020B0300000000000000" pitchFamily="34" charset="-122"/>
-              </a:rPr>
-              <a:t>This code is created for a specific processor type, such as an Intel Pentium or PowerPC. The program can then be recognized by the processor and run from the operating system.</a:t>
-            </a:r>
-          </a:p>
-          <a:p>
-            <a:pPr>
-              <a:buClr>
-                <a:srgbClr val="FF0000"/>
-              </a:buClr>
-              <a:buFont typeface="Wingdings" pitchFamily="2" charset="2"/>
-              <a:buChar char="v"/>
-            </a:pPr>
-            <a:endParaRPr lang="en-US" sz="2600" dirty="0">
-              <a:latin typeface="HP Simplified Hans Light" panose="020B0300000000000000" pitchFamily="34" charset="-122"/>
-              <a:ea typeface="HP Simplified Hans Light" panose="020B0300000000000000" pitchFamily="34" charset="-122"/>
+                <a:latin typeface="Söhne"/>
+                <a:ea typeface="Microsoft Sans Serif" panose="020B0604020202020204" pitchFamily="34" charset="0"/>
+                <a:cs typeface="Microsoft Sans Serif" panose="020B0604020202020204" pitchFamily="34" charset="0"/>
+              </a:rPr>
+              <a:t> </a:t>
+            </a:r>
+            <a:r>
+              <a:rPr lang="en-US" sz="2400" dirty="0"/>
+              <a:t>Initialized frontend development, completed lexical analysis.</a:t>
+            </a:r>
+            <a:endParaRPr lang="en-US" sz="2400" b="1" u="sng" dirty="0">
+              <a:latin typeface="Bookman Old Style" pitchFamily="18" charset="0"/>
+              <a:ea typeface="Microsoft Sans Serif" panose="020B0604020202020204" pitchFamily="34" charset="0"/>
+              <a:cs typeface="Microsoft Sans Serif" panose="020B0604020202020204" pitchFamily="34" charset="0"/>
             </a:endParaRPr>
           </a:p>
+          <a:p>
+            <a:r>
+              <a:rPr lang="en-US" sz="2400" b="1" u="sng" dirty="0">
+                <a:latin typeface="Bookman Old Style" pitchFamily="18" charset="0"/>
+                <a:ea typeface="Microsoft Sans Serif" panose="020B0604020202020204" pitchFamily="34" charset="0"/>
+                <a:cs typeface="Microsoft Sans Serif" panose="020B0604020202020204" pitchFamily="34" charset="0"/>
+              </a:rPr>
+              <a:t>Week2: </a:t>
+            </a:r>
+            <a:r>
+              <a:rPr lang="en-US" sz="2400" dirty="0"/>
+              <a:t>Advanced to syntax analysis, focused on parser construction. </a:t>
+            </a:r>
+            <a:endParaRPr lang="en-US" sz="2400" b="1" u="sng" dirty="0">
+              <a:latin typeface="Bookman Old Style" pitchFamily="18" charset="0"/>
+              <a:ea typeface="Microsoft Sans Serif" panose="020B0604020202020204" pitchFamily="34" charset="0"/>
+              <a:cs typeface="Microsoft Sans Serif" panose="020B0604020202020204" pitchFamily="34" charset="0"/>
+            </a:endParaRPr>
+          </a:p>
+          <a:p>
+            <a:r>
+              <a:rPr lang="en-US" sz="2400" b="1" u="sng" dirty="0">
+                <a:latin typeface="Bookman Old Style" pitchFamily="18" charset="0"/>
+                <a:ea typeface="Microsoft Sans Serif" panose="020B0604020202020204" pitchFamily="34" charset="0"/>
+                <a:cs typeface="Microsoft Sans Serif" panose="020B0604020202020204" pitchFamily="34" charset="0"/>
+              </a:rPr>
+              <a:t>Week3:</a:t>
+            </a:r>
+            <a:r>
+              <a:rPr lang="en-US" sz="2400" dirty="0"/>
+              <a:t> Shifted to semantic analysis, refined language semantics. </a:t>
+            </a:r>
+          </a:p>
+          <a:p>
+            <a:r>
+              <a:rPr lang="en-US" sz="2400" b="1" u="sng" dirty="0">
+                <a:latin typeface="Bookman Old Style" pitchFamily="18" charset="0"/>
+                <a:ea typeface="Microsoft Sans Serif" panose="020B0604020202020204" pitchFamily="34" charset="0"/>
+                <a:cs typeface="Microsoft Sans Serif" panose="020B0604020202020204" pitchFamily="34" charset="0"/>
+              </a:rPr>
+              <a:t>Week4:</a:t>
+            </a:r>
+            <a:r>
+              <a:rPr lang="en-US" sz="2400" dirty="0"/>
+              <a:t> Progressed to intermediate code generation, pivotal stage achieved.</a:t>
+            </a:r>
+            <a:endParaRPr lang="en-US" sz="2400" b="1" u="sng" dirty="0">
+              <a:latin typeface="Bookman Old Style" pitchFamily="18" charset="0"/>
+              <a:ea typeface="Microsoft Sans Serif" panose="020B0604020202020204" pitchFamily="34" charset="0"/>
+              <a:cs typeface="Microsoft Sans Serif" panose="020B0604020202020204" pitchFamily="34" charset="0"/>
+            </a:endParaRPr>
+          </a:p>
+          <a:p>
+            <a:r>
+              <a:rPr lang="en-US" sz="2400" b="1" u="sng" dirty="0">
+                <a:latin typeface="Bookman Old Style" pitchFamily="18" charset="0"/>
+                <a:ea typeface="Microsoft Sans Serif" panose="020B0604020202020204" pitchFamily="34" charset="0"/>
+                <a:cs typeface="Microsoft Sans Serif" panose="020B0604020202020204" pitchFamily="34" charset="0"/>
+              </a:rPr>
+              <a:t>Week5:</a:t>
+            </a:r>
+            <a:r>
+              <a:rPr lang="en-US" sz="2400" dirty="0"/>
+              <a:t> Preparing for backend implementation, finalizing compiler.</a:t>
+            </a:r>
+            <a:endParaRPr lang="en-IN" sz="2400" dirty="0"/>
+          </a:p>
         </p:txBody>
       </p:sp>
     </p:spTree>
+    <p:extLst>
+      <p:ext uri="{BB962C8B-B14F-4D97-AF65-F5344CB8AC3E}">
+        <p14:creationId xmlns:p14="http://schemas.microsoft.com/office/powerpoint/2010/main" val="1836558202"/>
+      </p:ext>
+    </p:extLst>
   </p:cSld>
   <p:clrMapOvr>
     <a:masterClrMapping/>
@@ -9383,8 +9974,8 @@
         </p:nvSpPr>
         <p:spPr>
           <a:xfrm>
-            <a:off x="152400" y="152400"/>
-            <a:ext cx="8077200" cy="762000"/>
+            <a:off x="228600" y="228600"/>
+            <a:ext cx="8686800" cy="762000"/>
           </a:xfrm>
         </p:spPr>
         <p:txBody>
@@ -9393,18 +9984,15 @@
           </a:bodyPr>
           <a:lstStyle/>
           <a:p>
-            <a:pPr marL="342900" indent="-342900" algn="l">
-              <a:spcBef>
-                <a:spcPct val="20000"/>
-              </a:spcBef>
-            </a:pPr>
-            <a:r>
-              <a:rPr lang="en-US" sz="3500" b="1" u="sng" dirty="0">
-                <a:latin typeface="Bookman Old Style" pitchFamily="18" charset="0"/>
-                <a:ea typeface="Microsoft Sans Serif" panose="020B0604020202020204" pitchFamily="34" charset="0"/>
-                <a:cs typeface="Microsoft Sans Serif" panose="020B0604020202020204" pitchFamily="34" charset="0"/>
-              </a:rPr>
-              <a:t>Phases of a compiler:</a:t>
+            <a:pPr algn="l"/>
+            <a:r>
+              <a:rPr lang="en-US" b="1" dirty="0">
+                <a:solidFill>
+                  <a:srgbClr val="FF0000"/>
+                </a:solidFill>
+                <a:latin typeface="Bookman Old Style" pitchFamily="18" charset="0"/>
+              </a:rPr>
+              <a:t>Compiler</a:t>
             </a:r>
           </a:p>
         </p:txBody>
@@ -9421,13 +10009,13 @@
         </p:nvSpPr>
         <p:spPr>
           <a:xfrm>
-            <a:off x="0" y="1066800"/>
-            <a:ext cx="9144000" cy="5791200"/>
+            <a:off x="228600" y="1066800"/>
+            <a:ext cx="8915400" cy="5791200"/>
           </a:xfrm>
         </p:spPr>
         <p:txBody>
           <a:bodyPr>
-            <a:normAutofit/>
+            <a:normAutofit lnSpcReduction="10000"/>
           </a:bodyPr>
           <a:lstStyle/>
           <a:p>
@@ -9439,102 +10027,89 @@
               <a:buChar char="v"/>
             </a:pPr>
             <a:r>
-              <a:rPr lang="en-US" sz="2500" dirty="0">
-                <a:latin typeface="Bookman Old Style" pitchFamily="18" charset="0"/>
-                <a:ea typeface="HP Simplified Hans Light" panose="020B0300000000000000" pitchFamily="34" charset="-122"/>
-              </a:rPr>
-              <a:t>The compilation process is a sequence of various phases. Each phase takes input from its previous stage, has its own representation of the source program, and feeds its output to the next phase of the compiler. The phases are:-</a:t>
-            </a:r>
-          </a:p>
-          <a:p>
-            <a:pPr marL="514350" indent="-514350">
+              <a:rPr lang="en-US" sz="2300" dirty="0">
+                <a:latin typeface="Bookman Old Style" pitchFamily="18" charset="0"/>
+                <a:ea typeface="HP Simplified Hans Light" panose="020B0300000000000000" pitchFamily="34" charset="-122"/>
+              </a:rPr>
+              <a:t>A compiler is a software program that compiles program source code files into an executable program. </a:t>
+            </a:r>
+          </a:p>
+          <a:p>
+            <a:pPr>
               <a:buClr>
                 <a:srgbClr val="FF0000"/>
               </a:buClr>
-              <a:buAutoNum type="arabicPeriod"/>
+              <a:buFont typeface="Wingdings" pitchFamily="2" charset="2"/>
+              <a:buChar char="v"/>
             </a:pPr>
             <a:r>
-              <a:rPr lang="en-US" sz="2500" b="1" dirty="0">
-                <a:latin typeface="Bookman Old Style" pitchFamily="18" charset="0"/>
-                <a:ea typeface="HP Simplified Hans Light" panose="020B0300000000000000" pitchFamily="34" charset="-122"/>
-              </a:rPr>
-              <a:t>Lexical Analysis </a:t>
-            </a:r>
-          </a:p>
-          <a:p>
-            <a:pPr marL="514350" indent="-514350">
+              <a:rPr lang="en-US" sz="2300" dirty="0">
+                <a:latin typeface="Bookman Old Style" pitchFamily="18" charset="0"/>
+                <a:ea typeface="HP Simplified Hans Light" panose="020B0300000000000000" pitchFamily="34" charset="-122"/>
+              </a:rPr>
+              <a:t>In simple terms, a compiler is a computer program that changes the language in which programs are written into instructions that a computer can use.</a:t>
+            </a:r>
+          </a:p>
+          <a:p>
+            <a:pPr>
               <a:buClr>
                 <a:srgbClr val="FF0000"/>
               </a:buClr>
-              <a:buAutoNum type="arabicPeriod"/>
+              <a:buFont typeface="Wingdings" pitchFamily="2" charset="2"/>
+              <a:buChar char="v"/>
             </a:pPr>
             <a:r>
-              <a:rPr lang="en-US" sz="2500" b="1" dirty="0">
-                <a:latin typeface="Bookman Old Style" pitchFamily="18" charset="0"/>
-                <a:ea typeface="HP Simplified Hans Light" panose="020B0300000000000000" pitchFamily="34" charset="-122"/>
-              </a:rPr>
-              <a:t>Syntax Analysis </a:t>
-            </a:r>
-          </a:p>
-          <a:p>
-            <a:pPr marL="514350" indent="-514350">
+              <a:rPr lang="en-US" sz="2300" dirty="0">
+                <a:latin typeface="Bookman Old Style" pitchFamily="18" charset="0"/>
+                <a:ea typeface="HP Simplified Hans Light" panose="020B0300000000000000" pitchFamily="34" charset="-122"/>
+              </a:rPr>
+              <a:t>It is included as part of the integrated development environment IDE with most programming software packages.</a:t>
+            </a:r>
+          </a:p>
+          <a:p>
+            <a:pPr>
               <a:buClr>
                 <a:srgbClr val="FF0000"/>
               </a:buClr>
-              <a:buAutoNum type="arabicPeriod"/>
+              <a:buFont typeface="Wingdings" pitchFamily="2" charset="2"/>
+              <a:buChar char="v"/>
             </a:pPr>
             <a:r>
-              <a:rPr lang="en-US" sz="2500" b="1" dirty="0">
-                <a:latin typeface="Bookman Old Style" pitchFamily="18" charset="0"/>
-                <a:ea typeface="HP Simplified Hans Light" panose="020B0300000000000000" pitchFamily="34" charset="-122"/>
-              </a:rPr>
-              <a:t>Semantic Analysis </a:t>
-            </a:r>
-          </a:p>
-          <a:p>
-            <a:pPr marL="514350" indent="-514350">
+              <a:rPr lang="en-US" sz="2300" dirty="0">
+                <a:latin typeface="Bookman Old Style" pitchFamily="18" charset="0"/>
+                <a:ea typeface="HP Simplified Hans Light" panose="020B0300000000000000" pitchFamily="34" charset="-122"/>
+              </a:rPr>
+              <a:t>The compiler takes source code files that are written in a high-level language, such as C, C++, or Java, and compiles the code into a low-level language, such as machine code or assembly code.</a:t>
+            </a:r>
+          </a:p>
+          <a:p>
+            <a:pPr>
               <a:buClr>
                 <a:srgbClr val="FF0000"/>
               </a:buClr>
-              <a:buAutoNum type="arabicPeriod"/>
+              <a:buFont typeface="Wingdings" pitchFamily="2" charset="2"/>
+              <a:buChar char="v"/>
             </a:pPr>
             <a:r>
-              <a:rPr lang="en-US" sz="2500" b="1" dirty="0">
-                <a:latin typeface="Bookman Old Style" pitchFamily="18" charset="0"/>
-                <a:ea typeface="HP Simplified Hans Light" panose="020B0300000000000000" pitchFamily="34" charset="-122"/>
-              </a:rPr>
-              <a:t>Intermediate Code Generation </a:t>
-            </a:r>
-          </a:p>
-          <a:p>
-            <a:pPr marL="514350" indent="-514350">
+              <a:rPr lang="en-US" sz="2300" dirty="0">
+                <a:latin typeface="Bookman Old Style" pitchFamily="18" charset="0"/>
+                <a:ea typeface="HP Simplified Hans Light" panose="020B0300000000000000" pitchFamily="34" charset="-122"/>
+              </a:rPr>
+              <a:t>This code is created for a specific processor type, such as an Intel Pentium or PowerPC. The program can then be recognized by the processor and run from the operating system.</a:t>
+            </a:r>
+          </a:p>
+          <a:p>
+            <a:pPr>
               <a:buClr>
                 <a:srgbClr val="FF0000"/>
               </a:buClr>
-              <a:buAutoNum type="arabicPeriod"/>
+              <a:buFont typeface="Wingdings" pitchFamily="2" charset="2"/>
+              <a:buChar char="v"/>
             </a:pPr>
-            <a:r>
-              <a:rPr lang="en-US" sz="2500" b="1" dirty="0">
-                <a:latin typeface="Bookman Old Style" pitchFamily="18" charset="0"/>
-                <a:ea typeface="HP Simplified Hans Light" panose="020B0300000000000000" pitchFamily="34" charset="-122"/>
-              </a:rPr>
-              <a:t>Code Optimization </a:t>
-            </a:r>
-          </a:p>
-          <a:p>
-            <a:pPr marL="514350" indent="-514350">
-              <a:buClr>
-                <a:srgbClr val="FF0000"/>
-              </a:buClr>
-              <a:buAutoNum type="arabicPeriod"/>
-            </a:pPr>
-            <a:r>
-              <a:rPr lang="en-US" sz="2500" b="1" dirty="0">
-                <a:latin typeface="Bookman Old Style" pitchFamily="18" charset="0"/>
-                <a:ea typeface="HP Simplified Hans Light" panose="020B0300000000000000" pitchFamily="34" charset="-122"/>
-              </a:rPr>
-              <a:t>Code Generation</a:t>
-            </a:r>
+            <a:endParaRPr lang="en-US" sz="2600" dirty="0">
+              <a:latin typeface="HP Simplified Hans Light" panose="020B0300000000000000" pitchFamily="34" charset="-122"/>
+              <a:ea typeface="HP Simplified Hans Light" panose="020B0300000000000000" pitchFamily="34" charset="-122"/>
+            </a:endParaRPr>
           </a:p>
         </p:txBody>
       </p:sp>
@@ -9575,24 +10150,28 @@
         </p:nvSpPr>
         <p:spPr>
           <a:xfrm>
-            <a:off x="-14654" y="266700"/>
-            <a:ext cx="7543800" cy="685800"/>
+            <a:off x="152400" y="152400"/>
+            <a:ext cx="8077200" cy="762000"/>
           </a:xfrm>
         </p:spPr>
         <p:txBody>
           <a:bodyPr>
-            <a:normAutofit fontScale="90000"/>
+            <a:normAutofit/>
           </a:bodyPr>
           <a:lstStyle/>
           <a:p>
-            <a:pPr algn="l"/>
-            <a:r>
-              <a:rPr lang="en-US" sz="3200" b="1" u="sng" dirty="0">
+            <a:pPr marL="342900" indent="-342900" algn="l">
+              <a:spcBef>
+                <a:spcPct val="20000"/>
+              </a:spcBef>
+            </a:pPr>
+            <a:r>
+              <a:rPr lang="en-US" sz="3500" b="1" u="sng" dirty="0">
                 <a:latin typeface="Bookman Old Style" pitchFamily="18" charset="0"/>
                 <a:ea typeface="Microsoft Sans Serif" panose="020B0604020202020204" pitchFamily="34" charset="0"/>
                 <a:cs typeface="Microsoft Sans Serif" panose="020B0604020202020204" pitchFamily="34" charset="0"/>
               </a:rPr>
-              <a:t>Features implemented in this project:</a:t>
+              <a:t>Phases of a compiler:</a:t>
             </a:r>
           </a:p>
         </p:txBody>
@@ -9609,127 +10188,119 @@
         </p:nvSpPr>
         <p:spPr>
           <a:xfrm>
-            <a:off x="0" y="1219200"/>
-            <a:ext cx="8839200" cy="5029200"/>
+            <a:off x="0" y="1066800"/>
+            <a:ext cx="9144000" cy="5791200"/>
           </a:xfrm>
         </p:spPr>
         <p:txBody>
           <a:bodyPr>
-            <a:noAutofit/>
+            <a:normAutofit/>
           </a:bodyPr>
           <a:lstStyle/>
           <a:p>
             <a:pPr>
-              <a:buNone/>
+              <a:buClr>
+                <a:srgbClr val="FF0000"/>
+              </a:buClr>
+              <a:buFont typeface="Wingdings" pitchFamily="2" charset="2"/>
+              <a:buChar char="v"/>
             </a:pPr>
             <a:r>
               <a:rPr lang="en-US" sz="2500" dirty="0">
                 <a:latin typeface="Bookman Old Style" pitchFamily="18" charset="0"/>
                 <a:ea typeface="HP Simplified Hans Light" panose="020B0300000000000000" pitchFamily="34" charset="-122"/>
               </a:rPr>
-              <a:t>	</a:t>
-            </a:r>
-            <a:r>
-              <a:rPr lang="en-US" sz="2400" dirty="0">
-                <a:latin typeface="Bookman Old Style" pitchFamily="18" charset="0"/>
-                <a:ea typeface="HP Simplified Hans Light" panose="020B0300000000000000" pitchFamily="34" charset="-122"/>
-              </a:rPr>
-              <a:t>This project contains the implementation of the lexical analyzer phase of the C compiler. In our lexical analyzer we have implemented the following functionalities:-</a:t>
+              <a:t>The compilation process is a sequence of various phases. Each phase takes input from its previous stage, has its own representation of the source program, and feeds its output to the next phase of the compiler. The phases are:-</a:t>
             </a:r>
           </a:p>
           <a:p>
             <a:pPr marL="514350" indent="-514350">
+              <a:buClr>
+                <a:srgbClr val="FF0000"/>
+              </a:buClr>
               <a:buAutoNum type="arabicPeriod"/>
             </a:pPr>
             <a:r>
-              <a:rPr lang="en-US" sz="2400" b="1" dirty="0">
-                <a:latin typeface="Bookman Old Style" pitchFamily="18" charset="0"/>
-                <a:ea typeface="HP Simplified Hans Light" panose="020B0300000000000000" pitchFamily="34" charset="-122"/>
-              </a:rPr>
-              <a:t>Data Types</a:t>
-            </a:r>
-            <a:r>
-              <a:rPr lang="en-US" sz="2400" dirty="0">
-                <a:latin typeface="Bookman Old Style" pitchFamily="18" charset="0"/>
-                <a:ea typeface="HP Simplified Hans Light" panose="020B0300000000000000" pitchFamily="34" charset="-122"/>
-              </a:rPr>
-              <a:t>: int, char data types with all its sub-types. Syntax : int a=3; </a:t>
+              <a:rPr lang="en-US" sz="2500" b="1" dirty="0">
+                <a:latin typeface="Bookman Old Style" pitchFamily="18" charset="0"/>
+                <a:ea typeface="HP Simplified Hans Light" panose="020B0300000000000000" pitchFamily="34" charset="-122"/>
+              </a:rPr>
+              <a:t>Lexical Analysis </a:t>
             </a:r>
           </a:p>
           <a:p>
             <a:pPr marL="514350" indent="-514350">
+              <a:buClr>
+                <a:srgbClr val="FF0000"/>
+              </a:buClr>
               <a:buAutoNum type="arabicPeriod"/>
             </a:pPr>
             <a:r>
-              <a:rPr lang="en-US" sz="2400" b="1" dirty="0">
-                <a:latin typeface="Bookman Old Style" pitchFamily="18" charset="0"/>
-                <a:ea typeface="HP Simplified Hans Light" panose="020B0300000000000000" pitchFamily="34" charset="-122"/>
-              </a:rPr>
-              <a:t>Comments</a:t>
-            </a:r>
-            <a:r>
-              <a:rPr lang="en-US" sz="2400" dirty="0">
-                <a:latin typeface="Bookman Old Style" pitchFamily="18" charset="0"/>
-                <a:ea typeface="HP Simplified Hans Light" panose="020B0300000000000000" pitchFamily="34" charset="-122"/>
-              </a:rPr>
-              <a:t>: Single line and multiline comments </a:t>
+              <a:rPr lang="en-US" sz="2500" b="1" dirty="0">
+                <a:latin typeface="Bookman Old Style" pitchFamily="18" charset="0"/>
+                <a:ea typeface="HP Simplified Hans Light" panose="020B0300000000000000" pitchFamily="34" charset="-122"/>
+              </a:rPr>
+              <a:t>Syntax Analysis </a:t>
             </a:r>
           </a:p>
           <a:p>
             <a:pPr marL="514350" indent="-514350">
+              <a:buClr>
+                <a:srgbClr val="FF0000"/>
+              </a:buClr>
               <a:buAutoNum type="arabicPeriod"/>
             </a:pPr>
             <a:r>
-              <a:rPr lang="en-US" sz="2400" b="1" dirty="0">
-                <a:latin typeface="Bookman Old Style" pitchFamily="18" charset="0"/>
-                <a:ea typeface="HP Simplified Hans Light" panose="020B0300000000000000" pitchFamily="34" charset="-122"/>
-              </a:rPr>
-              <a:t>Keywords</a:t>
-            </a:r>
-            <a:r>
-              <a:rPr lang="en-US" sz="2400" dirty="0">
-                <a:latin typeface="Bookman Old Style" pitchFamily="18" charset="0"/>
-                <a:ea typeface="HP Simplified Hans Light" panose="020B0300000000000000" pitchFamily="34" charset="-122"/>
-              </a:rPr>
-              <a:t>: char, else, for, if, int, long, return, short, signed, struct, unsigned, void, while, main</a:t>
+              <a:rPr lang="en-US" sz="2500" b="1" dirty="0">
+                <a:latin typeface="Bookman Old Style" pitchFamily="18" charset="0"/>
+                <a:ea typeface="HP Simplified Hans Light" panose="020B0300000000000000" pitchFamily="34" charset="-122"/>
+              </a:rPr>
+              <a:t>Semantic Analysis </a:t>
             </a:r>
           </a:p>
           <a:p>
             <a:pPr marL="514350" indent="-514350">
+              <a:buClr>
+                <a:srgbClr val="FF0000"/>
+              </a:buClr>
               <a:buAutoNum type="arabicPeriod"/>
             </a:pPr>
             <a:r>
-              <a:rPr lang="en-US" sz="2400" b="1" dirty="0">
-                <a:latin typeface="Bookman Old Style" pitchFamily="18" charset="0"/>
-                <a:ea typeface="HP Simplified Hans Light" panose="020B0300000000000000" pitchFamily="34" charset="-122"/>
-              </a:rPr>
-              <a:t>Identification of valid identifiers </a:t>
-            </a:r>
-            <a:r>
-              <a:rPr lang="en-US" sz="2400" dirty="0">
-                <a:latin typeface="Bookman Old Style" pitchFamily="18" charset="0"/>
-                <a:ea typeface="HP Simplified Hans Light" panose="020B0300000000000000" pitchFamily="34" charset="-122"/>
-              </a:rPr>
-              <a:t>used in the language</a:t>
+              <a:rPr lang="en-US" sz="2500" b="1" dirty="0">
+                <a:latin typeface="Bookman Old Style" pitchFamily="18" charset="0"/>
+                <a:ea typeface="HP Simplified Hans Light" panose="020B0300000000000000" pitchFamily="34" charset="-122"/>
+              </a:rPr>
+              <a:t>Intermediate Code Generation </a:t>
             </a:r>
           </a:p>
           <a:p>
             <a:pPr marL="514350" indent="-514350">
+              <a:buClr>
+                <a:srgbClr val="FF0000"/>
+              </a:buClr>
               <a:buAutoNum type="arabicPeriod"/>
             </a:pPr>
             <a:r>
-              <a:rPr lang="en-US" sz="2400" b="1" dirty="0">
-                <a:latin typeface="Bookman Old Style" pitchFamily="18" charset="0"/>
-                <a:ea typeface="HP Simplified Hans Light" panose="020B0300000000000000" pitchFamily="34" charset="-122"/>
-              </a:rPr>
-              <a:t>Looping Constructs</a:t>
-            </a:r>
-            <a:r>
-              <a:rPr lang="en-US" sz="2400" dirty="0">
-                <a:latin typeface="Bookman Old Style" pitchFamily="18" charset="0"/>
-                <a:ea typeface="HP Simplified Hans Light" panose="020B0300000000000000" pitchFamily="34" charset="-122"/>
-              </a:rPr>
-              <a:t>: It will support nested for and while loops.</a:t>
+              <a:rPr lang="en-US" sz="2500" b="1" dirty="0">
+                <a:latin typeface="Bookman Old Style" pitchFamily="18" charset="0"/>
+                <a:ea typeface="HP Simplified Hans Light" panose="020B0300000000000000" pitchFamily="34" charset="-122"/>
+              </a:rPr>
+              <a:t>Code Optimization </a:t>
+            </a:r>
+          </a:p>
+          <a:p>
+            <a:pPr marL="514350" indent="-514350">
+              <a:buClr>
+                <a:srgbClr val="FF0000"/>
+              </a:buClr>
+              <a:buAutoNum type="arabicPeriod"/>
+            </a:pPr>
+            <a:r>
+              <a:rPr lang="en-US" sz="2500" b="1" dirty="0">
+                <a:latin typeface="Bookman Old Style" pitchFamily="18" charset="0"/>
+                <a:ea typeface="HP Simplified Hans Light" panose="020B0300000000000000" pitchFamily="34" charset="-122"/>
+              </a:rPr>
+              <a:t>Code Generation</a:t>
             </a:r>
           </a:p>
         </p:txBody>
@@ -9743,6 +10314,202 @@
 </file>
 
 <file path=ppt/slides/slide6.xml><?xml version="1.0" encoding="utf-8"?>
+<p:sld xmlns:a="http://schemas.openxmlformats.org/drawingml/2006/main" xmlns:r="http://schemas.openxmlformats.org/officeDocument/2006/relationships" xmlns:p="http://schemas.openxmlformats.org/presentationml/2006/main">
+  <p:cSld>
+    <p:spTree>
+      <p:nvGrpSpPr>
+        <p:cNvPr id="1" name=""/>
+        <p:cNvGrpSpPr/>
+        <p:nvPr/>
+      </p:nvGrpSpPr>
+      <p:grpSpPr>
+        <a:xfrm>
+          <a:off x="0" y="0"/>
+          <a:ext cx="0" cy="0"/>
+          <a:chOff x="0" y="0"/>
+          <a:chExt cx="0" cy="0"/>
+        </a:xfrm>
+      </p:grpSpPr>
+      <p:sp>
+        <p:nvSpPr>
+          <p:cNvPr id="2" name="Title 1"/>
+          <p:cNvSpPr>
+            <a:spLocks noGrp="1"/>
+          </p:cNvSpPr>
+          <p:nvPr>
+            <p:ph type="title"/>
+          </p:nvPr>
+        </p:nvSpPr>
+        <p:spPr>
+          <a:xfrm>
+            <a:off x="-14654" y="266700"/>
+            <a:ext cx="7543800" cy="685800"/>
+          </a:xfrm>
+        </p:spPr>
+        <p:txBody>
+          <a:bodyPr>
+            <a:normAutofit fontScale="90000"/>
+          </a:bodyPr>
+          <a:lstStyle/>
+          <a:p>
+            <a:pPr algn="l"/>
+            <a:r>
+              <a:rPr lang="en-US" sz="3200" b="1" u="sng" dirty="0">
+                <a:latin typeface="Bookman Old Style" pitchFamily="18" charset="0"/>
+                <a:ea typeface="Microsoft Sans Serif" panose="020B0604020202020204" pitchFamily="34" charset="0"/>
+                <a:cs typeface="Microsoft Sans Serif" panose="020B0604020202020204" pitchFamily="34" charset="0"/>
+              </a:rPr>
+              <a:t>Features implemented in this project:</a:t>
+            </a:r>
+          </a:p>
+        </p:txBody>
+      </p:sp>
+      <p:sp>
+        <p:nvSpPr>
+          <p:cNvPr id="3" name="Content Placeholder 2"/>
+          <p:cNvSpPr>
+            <a:spLocks noGrp="1"/>
+          </p:cNvSpPr>
+          <p:nvPr>
+            <p:ph idx="1"/>
+          </p:nvPr>
+        </p:nvSpPr>
+        <p:spPr>
+          <a:xfrm>
+            <a:off x="0" y="1219200"/>
+            <a:ext cx="8839200" cy="5029200"/>
+          </a:xfrm>
+        </p:spPr>
+        <p:txBody>
+          <a:bodyPr>
+            <a:noAutofit/>
+          </a:bodyPr>
+          <a:lstStyle/>
+          <a:p>
+            <a:pPr>
+              <a:buNone/>
+            </a:pPr>
+            <a:r>
+              <a:rPr lang="en-US" sz="2500" dirty="0">
+                <a:latin typeface="Bookman Old Style" pitchFamily="18" charset="0"/>
+                <a:ea typeface="HP Simplified Hans Light" panose="020B0300000000000000" pitchFamily="34" charset="-122"/>
+              </a:rPr>
+              <a:t>	</a:t>
+            </a:r>
+            <a:r>
+              <a:rPr lang="en-US" sz="2400" dirty="0">
+                <a:latin typeface="Bookman Old Style" pitchFamily="18" charset="0"/>
+                <a:ea typeface="HP Simplified Hans Light" panose="020B0300000000000000" pitchFamily="34" charset="-122"/>
+              </a:rPr>
+              <a:t>This project contains the implementation of the lexical analyzer phase of the C compiler. In our lexical analyzer we have implemented the following functionalities:-</a:t>
+            </a:r>
+          </a:p>
+          <a:p>
+            <a:pPr marL="514350" indent="-514350">
+              <a:buAutoNum type="arabicPeriod"/>
+            </a:pPr>
+            <a:r>
+              <a:rPr lang="en-US" sz="2400" b="1" dirty="0">
+                <a:latin typeface="Bookman Old Style" pitchFamily="18" charset="0"/>
+                <a:ea typeface="HP Simplified Hans Light" panose="020B0300000000000000" pitchFamily="34" charset="-122"/>
+              </a:rPr>
+              <a:t>Data Types</a:t>
+            </a:r>
+            <a:r>
+              <a:rPr lang="en-US" sz="2400" dirty="0">
+                <a:latin typeface="Bookman Old Style" pitchFamily="18" charset="0"/>
+                <a:ea typeface="HP Simplified Hans Light" panose="020B0300000000000000" pitchFamily="34" charset="-122"/>
+              </a:rPr>
+              <a:t>: int, char data types with all its sub-types. Syntax : int a=3; </a:t>
+            </a:r>
+          </a:p>
+          <a:p>
+            <a:pPr marL="514350" indent="-514350">
+              <a:buAutoNum type="arabicPeriod"/>
+            </a:pPr>
+            <a:r>
+              <a:rPr lang="en-US" sz="2400" b="1" dirty="0">
+                <a:latin typeface="Bookman Old Style" pitchFamily="18" charset="0"/>
+                <a:ea typeface="HP Simplified Hans Light" panose="020B0300000000000000" pitchFamily="34" charset="-122"/>
+              </a:rPr>
+              <a:t>Comments</a:t>
+            </a:r>
+            <a:r>
+              <a:rPr lang="en-US" sz="2400" dirty="0">
+                <a:latin typeface="Bookman Old Style" pitchFamily="18" charset="0"/>
+                <a:ea typeface="HP Simplified Hans Light" panose="020B0300000000000000" pitchFamily="34" charset="-122"/>
+              </a:rPr>
+              <a:t>: Single line and multiline comments </a:t>
+            </a:r>
+          </a:p>
+          <a:p>
+            <a:pPr marL="514350" indent="-514350">
+              <a:buAutoNum type="arabicPeriod"/>
+            </a:pPr>
+            <a:r>
+              <a:rPr lang="en-US" sz="2400" b="1" dirty="0">
+                <a:latin typeface="Bookman Old Style" pitchFamily="18" charset="0"/>
+                <a:ea typeface="HP Simplified Hans Light" panose="020B0300000000000000" pitchFamily="34" charset="-122"/>
+              </a:rPr>
+              <a:t>Keywords</a:t>
+            </a:r>
+            <a:r>
+              <a:rPr lang="en-US" sz="2400" dirty="0">
+                <a:latin typeface="Bookman Old Style" pitchFamily="18" charset="0"/>
+                <a:ea typeface="HP Simplified Hans Light" panose="020B0300000000000000" pitchFamily="34" charset="-122"/>
+              </a:rPr>
+              <a:t>: char, else, for, if, int, long, return, short, signed, struct, unsigned, void, while, main</a:t>
+            </a:r>
+          </a:p>
+          <a:p>
+            <a:pPr marL="514350" indent="-514350">
+              <a:buAutoNum type="arabicPeriod"/>
+            </a:pPr>
+            <a:r>
+              <a:rPr lang="en-US" sz="2400" b="1" dirty="0">
+                <a:latin typeface="Bookman Old Style" pitchFamily="18" charset="0"/>
+                <a:ea typeface="HP Simplified Hans Light" panose="020B0300000000000000" pitchFamily="34" charset="-122"/>
+              </a:rPr>
+              <a:t>Identification of valid identifiers </a:t>
+            </a:r>
+            <a:r>
+              <a:rPr lang="en-US" sz="2400" dirty="0">
+                <a:latin typeface="Bookman Old Style" pitchFamily="18" charset="0"/>
+                <a:ea typeface="HP Simplified Hans Light" panose="020B0300000000000000" pitchFamily="34" charset="-122"/>
+              </a:rPr>
+              <a:t>used in the language</a:t>
+            </a:r>
+          </a:p>
+          <a:p>
+            <a:pPr marL="514350" indent="-514350">
+              <a:buAutoNum type="arabicPeriod"/>
+            </a:pPr>
+            <a:r>
+              <a:rPr lang="en-US" sz="2400" b="1" dirty="0">
+                <a:latin typeface="Bookman Old Style" pitchFamily="18" charset="0"/>
+                <a:ea typeface="HP Simplified Hans Light" panose="020B0300000000000000" pitchFamily="34" charset="-122"/>
+              </a:rPr>
+              <a:t>Looping Constructs</a:t>
+            </a:r>
+            <a:r>
+              <a:rPr lang="en-US" sz="2400" dirty="0">
+                <a:latin typeface="Bookman Old Style" pitchFamily="18" charset="0"/>
+                <a:ea typeface="HP Simplified Hans Light" panose="020B0300000000000000" pitchFamily="34" charset="-122"/>
+              </a:rPr>
+              <a:t>: It will support nested for and while loops.</a:t>
+            </a:r>
+          </a:p>
+        </p:txBody>
+      </p:sp>
+    </p:spTree>
+  </p:cSld>
+  <p:clrMapOvr>
+    <a:masterClrMapping/>
+  </p:clrMapOvr>
+</p:sld>
+</file>
+
+<file path=ppt/slides/slide7.xml><?xml version="1.0" encoding="utf-8"?>
 <p:sld xmlns:a="http://schemas.openxmlformats.org/drawingml/2006/main" xmlns:r="http://schemas.openxmlformats.org/officeDocument/2006/relationships" xmlns:p="http://schemas.openxmlformats.org/presentationml/2006/main">
   <p:cSld>
     <p:spTree>
@@ -9808,7 +10575,7 @@
 </p:sld>
 </file>
 
-<file path=ppt/slides/slide7.xml><?xml version="1.0" encoding="utf-8"?>
+<file path=ppt/slides/slide8.xml><?xml version="1.0" encoding="utf-8"?>
 <p:sld xmlns:a="http://schemas.openxmlformats.org/drawingml/2006/main" xmlns:r="http://schemas.openxmlformats.org/officeDocument/2006/relationships" xmlns:p="http://schemas.openxmlformats.org/presentationml/2006/main">
   <p:cSld>
     <p:spTree>
@@ -9999,7 +10766,7 @@
 </p:sld>
 </file>
 
-<file path=ppt/slides/slide8.xml><?xml version="1.0" encoding="utf-8"?>
+<file path=ppt/slides/slide9.xml><?xml version="1.0" encoding="utf-8"?>
 <p:sld xmlns:a="http://schemas.openxmlformats.org/drawingml/2006/main" xmlns:r="http://schemas.openxmlformats.org/officeDocument/2006/relationships" xmlns:p="http://schemas.openxmlformats.org/presentationml/2006/main">
   <p:cSld>
     <p:spTree>
@@ -10122,218 +10889,6 @@
           </a:effectLst>
         </p:spPr>
       </p:pic>
-    </p:spTree>
-  </p:cSld>
-  <p:clrMapOvr>
-    <a:masterClrMapping/>
-  </p:clrMapOvr>
-</p:sld>
-</file>
-
-<file path=ppt/slides/slide9.xml><?xml version="1.0" encoding="utf-8"?>
-<p:sld xmlns:a="http://schemas.openxmlformats.org/drawingml/2006/main" xmlns:r="http://schemas.openxmlformats.org/officeDocument/2006/relationships" xmlns:p="http://schemas.openxmlformats.org/presentationml/2006/main">
-  <p:cSld>
-    <p:spTree>
-      <p:nvGrpSpPr>
-        <p:cNvPr id="1" name=""/>
-        <p:cNvGrpSpPr/>
-        <p:nvPr/>
-      </p:nvGrpSpPr>
-      <p:grpSpPr>
-        <a:xfrm>
-          <a:off x="0" y="0"/>
-          <a:ext cx="0" cy="0"/>
-          <a:chOff x="0" y="0"/>
-          <a:chExt cx="0" cy="0"/>
-        </a:xfrm>
-      </p:grpSpPr>
-      <p:sp>
-        <p:nvSpPr>
-          <p:cNvPr id="2" name="Title 1"/>
-          <p:cNvSpPr>
-            <a:spLocks noGrp="1"/>
-          </p:cNvSpPr>
-          <p:nvPr>
-            <p:ph type="title"/>
-          </p:nvPr>
-        </p:nvSpPr>
-        <p:spPr>
-          <a:xfrm>
-            <a:off x="247650" y="76200"/>
-            <a:ext cx="7981950" cy="762000"/>
-          </a:xfrm>
-        </p:spPr>
-        <p:txBody>
-          <a:bodyPr>
-            <a:noAutofit/>
-          </a:bodyPr>
-          <a:lstStyle/>
-          <a:p>
-            <a:pPr algn="l"/>
-            <a:r>
-              <a:rPr lang="en-US" sz="3600" b="1" dirty="0">
-                <a:solidFill>
-                  <a:srgbClr val="FF0000"/>
-                </a:solidFill>
-                <a:latin typeface="Bookman Old Style" pitchFamily="18" charset="0"/>
-                <a:ea typeface="Microsoft Sans Serif" panose="020B0604020202020204" pitchFamily="34" charset="0"/>
-                <a:cs typeface="Microsoft Sans Serif" panose="020B0604020202020204" pitchFamily="34" charset="0"/>
-              </a:rPr>
-              <a:t>Implementation</a:t>
-            </a:r>
-            <a:endParaRPr lang="en-US" sz="3000" b="1" dirty="0">
-              <a:solidFill>
-                <a:srgbClr val="FF0000"/>
-              </a:solidFill>
-              <a:latin typeface="Bookman Old Style" pitchFamily="18" charset="0"/>
-              <a:ea typeface="Microsoft Sans Serif" panose="020B0604020202020204" pitchFamily="34" charset="0"/>
-              <a:cs typeface="Microsoft Sans Serif" panose="020B0604020202020204" pitchFamily="34" charset="0"/>
-            </a:endParaRPr>
-          </a:p>
-        </p:txBody>
-      </p:sp>
-      <p:sp>
-        <p:nvSpPr>
-          <p:cNvPr id="3" name="Content Placeholder 2"/>
-          <p:cNvSpPr>
-            <a:spLocks noGrp="1"/>
-          </p:cNvSpPr>
-          <p:nvPr>
-            <p:ph idx="1"/>
-          </p:nvPr>
-        </p:nvSpPr>
-        <p:spPr>
-          <a:xfrm>
-            <a:off x="247650" y="914400"/>
-            <a:ext cx="8001000" cy="5943600"/>
-          </a:xfrm>
-        </p:spPr>
-        <p:txBody>
-          <a:bodyPr>
-            <a:normAutofit lnSpcReduction="10000"/>
-          </a:bodyPr>
-          <a:lstStyle/>
-          <a:p>
-            <a:pPr>
-              <a:buFont typeface="Wingdings" pitchFamily="2" charset="2"/>
-              <a:buChar char="v"/>
-            </a:pPr>
-            <a:r>
-              <a:rPr lang="en-US" sz="2400" dirty="0">
-                <a:latin typeface="Bookman Old Style" pitchFamily="18" charset="0"/>
-                <a:ea typeface="HP Simplified Hans Light" panose="020B0300000000000000" pitchFamily="34" charset="-122"/>
-              </a:rPr>
-              <a:t>The Regular Expressions for most of the features of C are fairly straightforward. However, a few features require a significant amount of thought, such as: </a:t>
-            </a:r>
-          </a:p>
-          <a:p>
-            <a:pPr>
-              <a:buFont typeface="Wingdings" pitchFamily="2" charset="2"/>
-              <a:buChar char="v"/>
-            </a:pPr>
-            <a:r>
-              <a:rPr lang="en-US" sz="2400" b="1" dirty="0">
-                <a:latin typeface="Bookman Old Style" pitchFamily="18" charset="0"/>
-                <a:ea typeface="HP Simplified Hans Light" panose="020B0300000000000000" pitchFamily="34" charset="-122"/>
-              </a:rPr>
-              <a:t>The </a:t>
-            </a:r>
-            <a:r>
-              <a:rPr lang="en-US" sz="2400" b="1" dirty="0" err="1">
-                <a:latin typeface="Bookman Old Style" pitchFamily="18" charset="0"/>
-                <a:ea typeface="HP Simplified Hans Light" panose="020B0300000000000000" pitchFamily="34" charset="-122"/>
-              </a:rPr>
-              <a:t>Regex</a:t>
-            </a:r>
-            <a:r>
-              <a:rPr lang="en-US" sz="2400" b="1" dirty="0">
-                <a:latin typeface="Bookman Old Style" pitchFamily="18" charset="0"/>
-                <a:ea typeface="HP Simplified Hans Light" panose="020B0300000000000000" pitchFamily="34" charset="-122"/>
-              </a:rPr>
-              <a:t> for Identifiers: </a:t>
-            </a:r>
-            <a:r>
-              <a:rPr lang="en-US" sz="2400" dirty="0">
-                <a:latin typeface="Bookman Old Style" pitchFamily="18" charset="0"/>
-                <a:ea typeface="HP Simplified Hans Light" panose="020B0300000000000000" pitchFamily="34" charset="-122"/>
-              </a:rPr>
-              <a:t>The lexer must correctly recognize all valid identifiers in C, including the ones having one or more underscores.</a:t>
-            </a:r>
-          </a:p>
-          <a:p>
-            <a:pPr>
-              <a:buNone/>
-            </a:pPr>
-            <a:r>
-              <a:rPr lang="en-US" sz="2400" dirty="0">
-                <a:latin typeface="Bookman Old Style" pitchFamily="18" charset="0"/>
-                <a:ea typeface="HP Simplified Hans Light" panose="020B0300000000000000" pitchFamily="34" charset="-122"/>
-              </a:rPr>
-              <a:t>{alpha}({alpha}|{digit}|{und})*</a:t>
-            </a:r>
-          </a:p>
-          <a:p>
-            <a:pPr>
-              <a:buNone/>
-            </a:pPr>
-            <a:r>
-              <a:rPr lang="en-US" sz="2400" u="sng" dirty="0">
-                <a:latin typeface="Bookman Old Style" pitchFamily="18" charset="0"/>
-                <a:ea typeface="HP Simplified Hans Light" panose="020B0300000000000000" pitchFamily="34" charset="-122"/>
-              </a:rPr>
-              <a:t>Where:-</a:t>
-            </a:r>
-          </a:p>
-          <a:p>
-            <a:pPr>
-              <a:buNone/>
-            </a:pPr>
-            <a:r>
-              <a:rPr lang="en-US" sz="2400" dirty="0">
-                <a:latin typeface="Bookman Old Style" pitchFamily="18" charset="0"/>
-                <a:ea typeface="HP Simplified Hans Light" panose="020B0300000000000000" pitchFamily="34" charset="-122"/>
-              </a:rPr>
-              <a:t>alpha [A-Z, a-z]</a:t>
-            </a:r>
-          </a:p>
-          <a:p>
-            <a:pPr>
-              <a:buNone/>
-            </a:pPr>
-            <a:r>
-              <a:rPr lang="en-US" sz="2400" dirty="0">
-                <a:latin typeface="Bookman Old Style" pitchFamily="18" charset="0"/>
-                <a:ea typeface="HP Simplified Hans Light" panose="020B0300000000000000" pitchFamily="34" charset="-122"/>
-              </a:rPr>
-              <a:t>digit [0-9] </a:t>
-            </a:r>
-          </a:p>
-          <a:p>
-            <a:pPr>
-              <a:buNone/>
-            </a:pPr>
-            <a:r>
-              <a:rPr lang="en-US" sz="2400" dirty="0">
-                <a:latin typeface="Bookman Old Style" pitchFamily="18" charset="0"/>
-                <a:ea typeface="HP Simplified Hans Light" panose="020B0300000000000000" pitchFamily="34" charset="-122"/>
-              </a:rPr>
-              <a:t>und [ _ ] </a:t>
-            </a:r>
-          </a:p>
-          <a:p>
-            <a:pPr>
-              <a:buNone/>
-            </a:pPr>
-            <a:r>
-              <a:rPr lang="en-US" sz="2400" dirty="0">
-                <a:latin typeface="Bookman Old Style" pitchFamily="18" charset="0"/>
-                <a:ea typeface="HP Simplified Hans Light" panose="020B0300000000000000" pitchFamily="34" charset="-122"/>
-              </a:rPr>
-              <a:t>space [ ]</a:t>
-            </a:r>
-          </a:p>
-        </p:txBody>
-      </p:sp>
     </p:spTree>
   </p:cSld>
   <p:clrMapOvr>
